--- a/pics/2022-09-28-Mahalanobis_distance/pics.pptx
+++ b/pics/2022-09-28-Mahalanobis_distance/pics.pptx
@@ -107,6 +107,11 @@
       </a:defRPr>
     </a:lvl9pPr>
   </p:defaultTextStyle>
+  <p:extLst>
+    <p:ext uri="{EFAFB233-063F-42B5-8137-9DF3F51BA10A}">
+      <p15:sldGuideLst xmlns:p15="http://schemas.microsoft.com/office/powerpoint/2012/main"/>
+    </p:ext>
+  </p:extLst>
 </p:presentation>
 </file>
 
@@ -257,7 +262,7 @@
           <a:p>
             <a:fld id="{8DCFE445-8268-4AE2-ADD9-AB110B2937CA}" type="datetimeFigureOut">
               <a:rPr lang="ko-KR" altLang="en-US" smtClean="0"/>
-              <a:t>2022-09-30</a:t>
+              <a:t>2022-10-01</a:t>
             </a:fld>
             <a:endParaRPr lang="ko-KR" altLang="en-US"/>
           </a:p>
@@ -455,7 +460,7 @@
           <a:p>
             <a:fld id="{8DCFE445-8268-4AE2-ADD9-AB110B2937CA}" type="datetimeFigureOut">
               <a:rPr lang="ko-KR" altLang="en-US" smtClean="0"/>
-              <a:t>2022-09-30</a:t>
+              <a:t>2022-10-01</a:t>
             </a:fld>
             <a:endParaRPr lang="ko-KR" altLang="en-US"/>
           </a:p>
@@ -663,7 +668,7 @@
           <a:p>
             <a:fld id="{8DCFE445-8268-4AE2-ADD9-AB110B2937CA}" type="datetimeFigureOut">
               <a:rPr lang="ko-KR" altLang="en-US" smtClean="0"/>
-              <a:t>2022-09-30</a:t>
+              <a:t>2022-10-01</a:t>
             </a:fld>
             <a:endParaRPr lang="ko-KR" altLang="en-US"/>
           </a:p>
@@ -861,7 +866,7 @@
           <a:p>
             <a:fld id="{8DCFE445-8268-4AE2-ADD9-AB110B2937CA}" type="datetimeFigureOut">
               <a:rPr lang="ko-KR" altLang="en-US" smtClean="0"/>
-              <a:t>2022-09-30</a:t>
+              <a:t>2022-10-01</a:t>
             </a:fld>
             <a:endParaRPr lang="ko-KR" altLang="en-US"/>
           </a:p>
@@ -1136,7 +1141,7 @@
           <a:p>
             <a:fld id="{8DCFE445-8268-4AE2-ADD9-AB110B2937CA}" type="datetimeFigureOut">
               <a:rPr lang="ko-KR" altLang="en-US" smtClean="0"/>
-              <a:t>2022-09-30</a:t>
+              <a:t>2022-10-01</a:t>
             </a:fld>
             <a:endParaRPr lang="ko-KR" altLang="en-US"/>
           </a:p>
@@ -1401,7 +1406,7 @@
           <a:p>
             <a:fld id="{8DCFE445-8268-4AE2-ADD9-AB110B2937CA}" type="datetimeFigureOut">
               <a:rPr lang="ko-KR" altLang="en-US" smtClean="0"/>
-              <a:t>2022-09-30</a:t>
+              <a:t>2022-10-01</a:t>
             </a:fld>
             <a:endParaRPr lang="ko-KR" altLang="en-US"/>
           </a:p>
@@ -1813,7 +1818,7 @@
           <a:p>
             <a:fld id="{8DCFE445-8268-4AE2-ADD9-AB110B2937CA}" type="datetimeFigureOut">
               <a:rPr lang="ko-KR" altLang="en-US" smtClean="0"/>
-              <a:t>2022-09-30</a:t>
+              <a:t>2022-10-01</a:t>
             </a:fld>
             <a:endParaRPr lang="ko-KR" altLang="en-US"/>
           </a:p>
@@ -1954,7 +1959,7 @@
           <a:p>
             <a:fld id="{8DCFE445-8268-4AE2-ADD9-AB110B2937CA}" type="datetimeFigureOut">
               <a:rPr lang="ko-KR" altLang="en-US" smtClean="0"/>
-              <a:t>2022-09-30</a:t>
+              <a:t>2022-10-01</a:t>
             </a:fld>
             <a:endParaRPr lang="ko-KR" altLang="en-US"/>
           </a:p>
@@ -2067,7 +2072,7 @@
           <a:p>
             <a:fld id="{8DCFE445-8268-4AE2-ADD9-AB110B2937CA}" type="datetimeFigureOut">
               <a:rPr lang="ko-KR" altLang="en-US" smtClean="0"/>
-              <a:t>2022-09-30</a:t>
+              <a:t>2022-10-01</a:t>
             </a:fld>
             <a:endParaRPr lang="ko-KR" altLang="en-US"/>
           </a:p>
@@ -2378,7 +2383,7 @@
           <a:p>
             <a:fld id="{8DCFE445-8268-4AE2-ADD9-AB110B2937CA}" type="datetimeFigureOut">
               <a:rPr lang="ko-KR" altLang="en-US" smtClean="0"/>
-              <a:t>2022-09-30</a:t>
+              <a:t>2022-10-01</a:t>
             </a:fld>
             <a:endParaRPr lang="ko-KR" altLang="en-US"/>
           </a:p>
@@ -2666,7 +2671,7 @@
           <a:p>
             <a:fld id="{8DCFE445-8268-4AE2-ADD9-AB110B2937CA}" type="datetimeFigureOut">
               <a:rPr lang="ko-KR" altLang="en-US" smtClean="0"/>
-              <a:t>2022-09-30</a:t>
+              <a:t>2022-10-01</a:t>
             </a:fld>
             <a:endParaRPr lang="ko-KR" altLang="en-US"/>
           </a:p>
@@ -2907,7 +2912,7 @@
           <a:p>
             <a:fld id="{8DCFE445-8268-4AE2-ADD9-AB110B2937CA}" type="datetimeFigureOut">
               <a:rPr lang="ko-KR" altLang="en-US" smtClean="0"/>
-              <a:t>2022-09-30</a:t>
+              <a:t>2022-10-01</a:t>
             </a:fld>
             <a:endParaRPr lang="ko-KR" altLang="en-US"/>
           </a:p>
@@ -3492,8 +3497,8 @@
           </a:p>
         </p:txBody>
       </p:sp>
-      <mc:AlternateContent xmlns:mc="http://schemas.openxmlformats.org/markup-compatibility/2006">
-        <mc:Choice xmlns:a14="http://schemas.microsoft.com/office/drawing/2010/main" Requires="a14">
+      <mc:AlternateContent xmlns:mc="http://schemas.openxmlformats.org/markup-compatibility/2006" xmlns:a14="http://schemas.microsoft.com/office/drawing/2010/main">
+        <mc:Choice Requires="a14">
           <p:sp>
             <p:nvSpPr>
               <p:cNvPr id="7" name="TextBox 6">
@@ -3522,6 +3527,7 @@
               </a:bodyPr>
               <a:lstStyle/>
               <a:p>
+                <a:pPr/>
                 <a14:m>
                   <m:oMathPara xmlns:m="http://schemas.openxmlformats.org/officeDocument/2006/math">
                     <m:oMathParaPr>
@@ -3542,7 +3548,7 @@
             </p:txBody>
           </p:sp>
         </mc:Choice>
-        <mc:Fallback>
+        <mc:Fallback xmlns="">
           <p:sp>
             <p:nvSpPr>
               <p:cNvPr id="7" name="TextBox 6">
@@ -3587,8 +3593,8 @@
           </p:sp>
         </mc:Fallback>
       </mc:AlternateContent>
-      <mc:AlternateContent xmlns:mc="http://schemas.openxmlformats.org/markup-compatibility/2006">
-        <mc:Choice xmlns:a14="http://schemas.microsoft.com/office/drawing/2010/main" Requires="a14">
+      <mc:AlternateContent xmlns:mc="http://schemas.openxmlformats.org/markup-compatibility/2006" xmlns:a14="http://schemas.microsoft.com/office/drawing/2010/main">
+        <mc:Choice Requires="a14">
           <p:sp>
             <p:nvSpPr>
               <p:cNvPr id="8" name="TextBox 7">
@@ -3617,6 +3623,7 @@
               </a:bodyPr>
               <a:lstStyle/>
               <a:p>
+                <a:pPr/>
                 <a14:m>
                   <m:oMathPara xmlns:m="http://schemas.openxmlformats.org/officeDocument/2006/math">
                     <m:oMathParaPr>
@@ -3637,7 +3644,7 @@
             </p:txBody>
           </p:sp>
         </mc:Choice>
-        <mc:Fallback>
+        <mc:Fallback xmlns="">
           <p:sp>
             <p:nvSpPr>
               <p:cNvPr id="8" name="TextBox 7">
@@ -3682,8 +3689,8 @@
           </p:sp>
         </mc:Fallback>
       </mc:AlternateContent>
-      <mc:AlternateContent xmlns:mc="http://schemas.openxmlformats.org/markup-compatibility/2006">
-        <mc:Choice xmlns:a14="http://schemas.microsoft.com/office/drawing/2010/main" Requires="a14">
+      <mc:AlternateContent xmlns:mc="http://schemas.openxmlformats.org/markup-compatibility/2006" xmlns:a14="http://schemas.microsoft.com/office/drawing/2010/main">
+        <mc:Choice Requires="a14">
           <p:sp>
             <p:nvSpPr>
               <p:cNvPr id="9" name="TextBox 8">
@@ -3712,6 +3719,7 @@
               </a:bodyPr>
               <a:lstStyle/>
               <a:p>
+                <a:pPr/>
                 <a14:m>
                   <m:oMathPara xmlns:m="http://schemas.openxmlformats.org/officeDocument/2006/math">
                     <m:oMathParaPr>
@@ -3807,7 +3815,7 @@
             </p:txBody>
           </p:sp>
         </mc:Choice>
-        <mc:Fallback>
+        <mc:Fallback xmlns="">
           <p:sp>
             <p:nvSpPr>
               <p:cNvPr id="9" name="TextBox 8">
@@ -3852,8 +3860,8 @@
           </p:sp>
         </mc:Fallback>
       </mc:AlternateContent>
-      <mc:AlternateContent xmlns:mc="http://schemas.openxmlformats.org/markup-compatibility/2006">
-        <mc:Choice xmlns:a14="http://schemas.microsoft.com/office/drawing/2010/main" Requires="a14">
+      <mc:AlternateContent xmlns:mc="http://schemas.openxmlformats.org/markup-compatibility/2006" xmlns:a14="http://schemas.microsoft.com/office/drawing/2010/main">
+        <mc:Choice Requires="a14">
           <p:sp>
             <p:nvSpPr>
               <p:cNvPr id="10" name="TextBox 9">
@@ -3882,6 +3890,7 @@
               </a:bodyPr>
               <a:lstStyle/>
               <a:p>
+                <a:pPr/>
                 <a14:m>
                   <m:oMathPara xmlns:m="http://schemas.openxmlformats.org/officeDocument/2006/math">
                     <m:oMathParaPr>
@@ -3902,7 +3911,7 @@
             </p:txBody>
           </p:sp>
         </mc:Choice>
-        <mc:Fallback>
+        <mc:Fallback xmlns="">
           <p:sp>
             <p:nvSpPr>
               <p:cNvPr id="10" name="TextBox 9">
@@ -3947,8 +3956,8 @@
           </p:sp>
         </mc:Fallback>
       </mc:AlternateContent>
-      <mc:AlternateContent xmlns:mc="http://schemas.openxmlformats.org/markup-compatibility/2006">
-        <mc:Choice xmlns:a14="http://schemas.microsoft.com/office/drawing/2010/main" Requires="a14">
+      <mc:AlternateContent xmlns:mc="http://schemas.openxmlformats.org/markup-compatibility/2006" xmlns:a14="http://schemas.microsoft.com/office/drawing/2010/main">
+        <mc:Choice Requires="a14">
           <p:sp>
             <p:nvSpPr>
               <p:cNvPr id="11" name="TextBox 10">
@@ -3977,6 +3986,7 @@
               </a:bodyPr>
               <a:lstStyle/>
               <a:p>
+                <a:pPr/>
                 <a14:m>
                   <m:oMathPara xmlns:m="http://schemas.openxmlformats.org/officeDocument/2006/math">
                     <m:oMathParaPr>
@@ -3997,7 +4007,7 @@
             </p:txBody>
           </p:sp>
         </mc:Choice>
-        <mc:Fallback>
+        <mc:Fallback xmlns="">
           <p:sp>
             <p:nvSpPr>
               <p:cNvPr id="11" name="TextBox 10">
@@ -4180,8 +4190,8 @@
           </a:p>
         </p:txBody>
       </p:sp>
-      <mc:AlternateContent xmlns:mc="http://schemas.openxmlformats.org/markup-compatibility/2006">
-        <mc:Choice xmlns:a14="http://schemas.microsoft.com/office/drawing/2010/main" Requires="a14">
+      <mc:AlternateContent xmlns:mc="http://schemas.openxmlformats.org/markup-compatibility/2006" xmlns:a14="http://schemas.microsoft.com/office/drawing/2010/main">
+        <mc:Choice Requires="a14">
           <p:sp>
             <p:nvSpPr>
               <p:cNvPr id="9" name="TextBox 8">
@@ -4210,6 +4220,7 @@
               </a:bodyPr>
               <a:lstStyle/>
               <a:p>
+                <a:pPr/>
                 <a14:m>
                   <m:oMathPara xmlns:m="http://schemas.openxmlformats.org/officeDocument/2006/math">
                     <m:oMathParaPr>
@@ -4230,7 +4241,7 @@
             </p:txBody>
           </p:sp>
         </mc:Choice>
-        <mc:Fallback>
+        <mc:Fallback xmlns="">
           <p:sp>
             <p:nvSpPr>
               <p:cNvPr id="9" name="TextBox 8">
@@ -4275,8 +4286,8 @@
           </p:sp>
         </mc:Fallback>
       </mc:AlternateContent>
-      <mc:AlternateContent xmlns:mc="http://schemas.openxmlformats.org/markup-compatibility/2006">
-        <mc:Choice xmlns:a14="http://schemas.microsoft.com/office/drawing/2010/main" Requires="a14">
+      <mc:AlternateContent xmlns:mc="http://schemas.openxmlformats.org/markup-compatibility/2006" xmlns:a14="http://schemas.microsoft.com/office/drawing/2010/main">
+        <mc:Choice Requires="a14">
           <p:sp>
             <p:nvSpPr>
               <p:cNvPr id="10" name="TextBox 9">
@@ -4305,6 +4316,7 @@
               </a:bodyPr>
               <a:lstStyle/>
               <a:p>
+                <a:pPr/>
                 <a14:m>
                   <m:oMathPara xmlns:m="http://schemas.openxmlformats.org/officeDocument/2006/math">
                     <m:oMathParaPr>
@@ -4337,7 +4349,7 @@
             </p:txBody>
           </p:sp>
         </mc:Choice>
-        <mc:Fallback>
+        <mc:Fallback xmlns="">
           <p:sp>
             <p:nvSpPr>
               <p:cNvPr id="10" name="TextBox 9">
@@ -4468,8 +4480,8 @@
           </a:fontRef>
         </p:style>
       </p:cxnSp>
-      <mc:AlternateContent xmlns:mc="http://schemas.openxmlformats.org/markup-compatibility/2006">
-        <mc:Choice xmlns:a14="http://schemas.microsoft.com/office/drawing/2010/main" Requires="a14">
+      <mc:AlternateContent xmlns:mc="http://schemas.openxmlformats.org/markup-compatibility/2006" xmlns:a14="http://schemas.microsoft.com/office/drawing/2010/main">
+        <mc:Choice Requires="a14">
           <p:sp>
             <p:nvSpPr>
               <p:cNvPr id="16" name="TextBox 15">
@@ -4498,6 +4510,7 @@
               </a:bodyPr>
               <a:lstStyle/>
               <a:p>
+                <a:pPr/>
                 <a14:m>
                   <m:oMathPara xmlns:m="http://schemas.openxmlformats.org/officeDocument/2006/math">
                     <m:oMathParaPr>
@@ -4518,7 +4531,7 @@
             </p:txBody>
           </p:sp>
         </mc:Choice>
-        <mc:Fallback>
+        <mc:Fallback xmlns="">
           <p:sp>
             <p:nvSpPr>
               <p:cNvPr id="16" name="TextBox 15">
@@ -4563,8 +4576,8 @@
           </p:sp>
         </mc:Fallback>
       </mc:AlternateContent>
-      <mc:AlternateContent xmlns:mc="http://schemas.openxmlformats.org/markup-compatibility/2006">
-        <mc:Choice xmlns:a14="http://schemas.microsoft.com/office/drawing/2010/main" Requires="a14">
+      <mc:AlternateContent xmlns:mc="http://schemas.openxmlformats.org/markup-compatibility/2006" xmlns:a14="http://schemas.microsoft.com/office/drawing/2010/main">
+        <mc:Choice Requires="a14">
           <p:sp>
             <p:nvSpPr>
               <p:cNvPr id="17" name="TextBox 16">
@@ -4593,6 +4606,7 @@
               </a:bodyPr>
               <a:lstStyle/>
               <a:p>
+                <a:pPr/>
                 <a14:m>
                   <m:oMathPara xmlns:m="http://schemas.openxmlformats.org/officeDocument/2006/math">
                     <m:oMathParaPr>
@@ -4613,7 +4627,7 @@
             </p:txBody>
           </p:sp>
         </mc:Choice>
-        <mc:Fallback>
+        <mc:Fallback xmlns="">
           <p:sp>
             <p:nvSpPr>
               <p:cNvPr id="17" name="TextBox 16">
@@ -4702,8 +4716,8 @@
           </a:fontRef>
         </p:style>
       </p:cxnSp>
-      <mc:AlternateContent xmlns:mc="http://schemas.openxmlformats.org/markup-compatibility/2006">
-        <mc:Choice xmlns:a14="http://schemas.microsoft.com/office/drawing/2010/main" Requires="a14">
+      <mc:AlternateContent xmlns:mc="http://schemas.openxmlformats.org/markup-compatibility/2006" xmlns:a14="http://schemas.microsoft.com/office/drawing/2010/main">
+        <mc:Choice Requires="a14">
           <p:sp>
             <p:nvSpPr>
               <p:cNvPr id="25" name="TextBox 24">
@@ -4732,6 +4746,7 @@
               </a:bodyPr>
               <a:lstStyle/>
               <a:p>
+                <a:pPr/>
                 <a14:m>
                   <m:oMathPara xmlns:m="http://schemas.openxmlformats.org/officeDocument/2006/math">
                     <m:oMathParaPr>
@@ -4916,7 +4931,7 @@
             </p:txBody>
           </p:sp>
         </mc:Choice>
-        <mc:Fallback>
+        <mc:Fallback xmlns="">
           <p:sp>
             <p:nvSpPr>
               <p:cNvPr id="25" name="TextBox 24">
@@ -4961,8 +4976,8 @@
           </p:sp>
         </mc:Fallback>
       </mc:AlternateContent>
-      <mc:AlternateContent xmlns:mc="http://schemas.openxmlformats.org/markup-compatibility/2006">
-        <mc:Choice xmlns:a14="http://schemas.microsoft.com/office/drawing/2010/main" Requires="a14">
+      <mc:AlternateContent xmlns:mc="http://schemas.openxmlformats.org/markup-compatibility/2006" xmlns:a14="http://schemas.microsoft.com/office/drawing/2010/main">
+        <mc:Choice Requires="a14">
           <p:sp>
             <p:nvSpPr>
               <p:cNvPr id="26" name="TextBox 25">
@@ -4991,6 +5006,7 @@
               </a:bodyPr>
               <a:lstStyle/>
               <a:p>
+                <a:pPr/>
                 <a14:m>
                   <m:oMathPara xmlns:m="http://schemas.openxmlformats.org/officeDocument/2006/math">
                     <m:oMathParaPr>
@@ -5023,7 +5039,7 @@
             </p:txBody>
           </p:sp>
         </mc:Choice>
-        <mc:Fallback>
+        <mc:Fallback xmlns="">
           <p:sp>
             <p:nvSpPr>
               <p:cNvPr id="26" name="TextBox 25">
@@ -5206,8 +5222,8 @@
           </a:p>
         </p:txBody>
       </p:sp>
-      <mc:AlternateContent xmlns:mc="http://schemas.openxmlformats.org/markup-compatibility/2006">
-        <mc:Choice xmlns:a14="http://schemas.microsoft.com/office/drawing/2010/main" Requires="a14">
+      <mc:AlternateContent xmlns:mc="http://schemas.openxmlformats.org/markup-compatibility/2006" xmlns:a14="http://schemas.microsoft.com/office/drawing/2010/main">
+        <mc:Choice Requires="a14">
           <p:sp>
             <p:nvSpPr>
               <p:cNvPr id="10" name="TextBox 9">
@@ -5236,6 +5252,7 @@
               </a:bodyPr>
               <a:lstStyle/>
               <a:p>
+                <a:pPr/>
                 <a14:m>
                   <m:oMathPara xmlns:m="http://schemas.openxmlformats.org/officeDocument/2006/math">
                     <m:oMathParaPr>
@@ -5268,7 +5285,7 @@
             </p:txBody>
           </p:sp>
         </mc:Choice>
-        <mc:Fallback>
+        <mc:Fallback xmlns="">
           <p:sp>
             <p:nvSpPr>
               <p:cNvPr id="10" name="TextBox 9">
@@ -5313,8 +5330,8 @@
           </p:sp>
         </mc:Fallback>
       </mc:AlternateContent>
-      <mc:AlternateContent xmlns:mc="http://schemas.openxmlformats.org/markup-compatibility/2006">
-        <mc:Choice xmlns:a14="http://schemas.microsoft.com/office/drawing/2010/main" Requires="a14">
+      <mc:AlternateContent xmlns:mc="http://schemas.openxmlformats.org/markup-compatibility/2006" xmlns:a14="http://schemas.microsoft.com/office/drawing/2010/main">
+        <mc:Choice Requires="a14">
           <p:sp>
             <p:nvSpPr>
               <p:cNvPr id="11" name="TextBox 10">
@@ -5343,6 +5360,7 @@
               </a:bodyPr>
               <a:lstStyle/>
               <a:p>
+                <a:pPr/>
                 <a14:m>
                   <m:oMathPara xmlns:m="http://schemas.openxmlformats.org/officeDocument/2006/math">
                     <m:oMathParaPr>
@@ -5375,7 +5393,7 @@
             </p:txBody>
           </p:sp>
         </mc:Choice>
-        <mc:Fallback>
+        <mc:Fallback xmlns="">
           <p:sp>
             <p:nvSpPr>
               <p:cNvPr id="11" name="TextBox 10">
@@ -5420,8 +5438,8 @@
           </p:sp>
         </mc:Fallback>
       </mc:AlternateContent>
-      <mc:AlternateContent xmlns:mc="http://schemas.openxmlformats.org/markup-compatibility/2006">
-        <mc:Choice xmlns:a14="http://schemas.microsoft.com/office/drawing/2010/main" Requires="a14">
+      <mc:AlternateContent xmlns:mc="http://schemas.openxmlformats.org/markup-compatibility/2006" xmlns:a14="http://schemas.microsoft.com/office/drawing/2010/main">
+        <mc:Choice Requires="a14">
           <p:sp>
             <p:nvSpPr>
               <p:cNvPr id="3029" name="TextBox 3028">
@@ -5450,6 +5468,7 @@
               </a:bodyPr>
               <a:lstStyle/>
               <a:p>
+                <a:pPr/>
                 <a14:m>
                   <m:oMathPara xmlns:m="http://schemas.openxmlformats.org/officeDocument/2006/math">
                     <m:oMathParaPr>
@@ -5470,7 +5489,7 @@
             </p:txBody>
           </p:sp>
         </mc:Choice>
-        <mc:Fallback>
+        <mc:Fallback xmlns="">
           <p:sp>
             <p:nvSpPr>
               <p:cNvPr id="3029" name="TextBox 3028">
@@ -5739,8 +5758,8 @@
           </a:p>
         </p:txBody>
       </p:sp>
-      <mc:AlternateContent xmlns:mc="http://schemas.openxmlformats.org/markup-compatibility/2006">
-        <mc:Choice xmlns:a14="http://schemas.microsoft.com/office/drawing/2010/main" Requires="a14">
+      <mc:AlternateContent xmlns:mc="http://schemas.openxmlformats.org/markup-compatibility/2006" xmlns:a14="http://schemas.microsoft.com/office/drawing/2010/main">
+        <mc:Choice Requires="a14">
           <p:sp>
             <p:nvSpPr>
               <p:cNvPr id="3041" name="TextBox 3040">
@@ -5769,6 +5788,7 @@
               </a:bodyPr>
               <a:lstStyle/>
               <a:p>
+                <a:pPr/>
                 <a14:m>
                   <m:oMathPara xmlns:m="http://schemas.openxmlformats.org/officeDocument/2006/math">
                     <m:oMathParaPr>
@@ -5801,7 +5821,7 @@
             </p:txBody>
           </p:sp>
         </mc:Choice>
-        <mc:Fallback>
+        <mc:Fallback xmlns="">
           <p:sp>
             <p:nvSpPr>
               <p:cNvPr id="3041" name="TextBox 3040">
@@ -5846,8 +5866,8 @@
           </p:sp>
         </mc:Fallback>
       </mc:AlternateContent>
-      <mc:AlternateContent xmlns:mc="http://schemas.openxmlformats.org/markup-compatibility/2006">
-        <mc:Choice xmlns:a14="http://schemas.microsoft.com/office/drawing/2010/main" Requires="a14">
+      <mc:AlternateContent xmlns:mc="http://schemas.openxmlformats.org/markup-compatibility/2006" xmlns:a14="http://schemas.microsoft.com/office/drawing/2010/main">
+        <mc:Choice Requires="a14">
           <p:sp>
             <p:nvSpPr>
               <p:cNvPr id="3042" name="TextBox 3041">
@@ -5876,6 +5896,7 @@
               </a:bodyPr>
               <a:lstStyle/>
               <a:p>
+                <a:pPr/>
                 <a14:m>
                   <m:oMathPara xmlns:m="http://schemas.openxmlformats.org/officeDocument/2006/math">
                     <m:oMathParaPr>
@@ -5908,7 +5929,7 @@
             </p:txBody>
           </p:sp>
         </mc:Choice>
-        <mc:Fallback>
+        <mc:Fallback xmlns="">
           <p:sp>
             <p:nvSpPr>
               <p:cNvPr id="3042" name="TextBox 3041">
@@ -5953,8 +5974,8 @@
           </p:sp>
         </mc:Fallback>
       </mc:AlternateContent>
-      <mc:AlternateContent xmlns:mc="http://schemas.openxmlformats.org/markup-compatibility/2006">
-        <mc:Choice xmlns:a14="http://schemas.microsoft.com/office/drawing/2010/main" Requires="a14">
+      <mc:AlternateContent xmlns:mc="http://schemas.openxmlformats.org/markup-compatibility/2006" xmlns:a14="http://schemas.microsoft.com/office/drawing/2010/main">
+        <mc:Choice Requires="a14">
           <p:sp>
             <p:nvSpPr>
               <p:cNvPr id="3043" name="TextBox 3042">
@@ -5983,6 +6004,7 @@
               </a:bodyPr>
               <a:lstStyle/>
               <a:p>
+                <a:pPr/>
                 <a14:m>
                   <m:oMathPara xmlns:m="http://schemas.openxmlformats.org/officeDocument/2006/math">
                     <m:oMathParaPr>
@@ -6003,7 +6025,7 @@
             </p:txBody>
           </p:sp>
         </mc:Choice>
-        <mc:Fallback>
+        <mc:Fallback xmlns="">
           <p:sp>
             <p:nvSpPr>
               <p:cNvPr id="3043" name="TextBox 3042">
@@ -6164,8 +6186,8 @@
           </a:prstGeom>
         </p:spPr>
       </p:pic>
-      <mc:AlternateContent xmlns:mc="http://schemas.openxmlformats.org/markup-compatibility/2006">
-        <mc:Choice xmlns:a14="http://schemas.microsoft.com/office/drawing/2010/main" Requires="a14">
+      <mc:AlternateContent xmlns:mc="http://schemas.openxmlformats.org/markup-compatibility/2006" xmlns:a14="http://schemas.microsoft.com/office/drawing/2010/main">
+        <mc:Choice Requires="a14">
           <p:sp>
             <p:nvSpPr>
               <p:cNvPr id="3051" name="TextBox 3050">
@@ -6194,6 +6216,7 @@
               </a:bodyPr>
               <a:lstStyle/>
               <a:p>
+                <a:pPr/>
                 <a14:m>
                   <m:oMathPara xmlns:m="http://schemas.openxmlformats.org/officeDocument/2006/math">
                     <m:oMathParaPr>
@@ -6226,7 +6249,7 @@
             </p:txBody>
           </p:sp>
         </mc:Choice>
-        <mc:Fallback>
+        <mc:Fallback xmlns="">
           <p:sp>
             <p:nvSpPr>
               <p:cNvPr id="3051" name="TextBox 3050">
@@ -6271,8 +6294,8 @@
           </p:sp>
         </mc:Fallback>
       </mc:AlternateContent>
-      <mc:AlternateContent xmlns:mc="http://schemas.openxmlformats.org/markup-compatibility/2006">
-        <mc:Choice xmlns:a14="http://schemas.microsoft.com/office/drawing/2010/main" Requires="a14">
+      <mc:AlternateContent xmlns:mc="http://schemas.openxmlformats.org/markup-compatibility/2006" xmlns:a14="http://schemas.microsoft.com/office/drawing/2010/main">
+        <mc:Choice Requires="a14">
           <p:sp>
             <p:nvSpPr>
               <p:cNvPr id="3052" name="TextBox 3051">
@@ -6301,6 +6324,7 @@
               </a:bodyPr>
               <a:lstStyle/>
               <a:p>
+                <a:pPr/>
                 <a14:m>
                   <m:oMathPara xmlns:m="http://schemas.openxmlformats.org/officeDocument/2006/math">
                     <m:oMathParaPr>
@@ -6333,7 +6357,7 @@
             </p:txBody>
           </p:sp>
         </mc:Choice>
-        <mc:Fallback>
+        <mc:Fallback xmlns="">
           <p:sp>
             <p:nvSpPr>
               <p:cNvPr id="3052" name="TextBox 3051">
@@ -6516,8 +6540,8 @@
           </a:p>
         </p:txBody>
       </p:sp>
-      <mc:AlternateContent xmlns:mc="http://schemas.openxmlformats.org/markup-compatibility/2006">
-        <mc:Choice xmlns:a14="http://schemas.microsoft.com/office/drawing/2010/main" Requires="a14">
+      <mc:AlternateContent xmlns:mc="http://schemas.openxmlformats.org/markup-compatibility/2006" xmlns:a14="http://schemas.microsoft.com/office/drawing/2010/main">
+        <mc:Choice Requires="a14">
           <p:sp>
             <p:nvSpPr>
               <p:cNvPr id="10" name="TextBox 9">
@@ -6546,6 +6570,7 @@
               </a:bodyPr>
               <a:lstStyle/>
               <a:p>
+                <a:pPr/>
                 <a14:m>
                   <m:oMathPara xmlns:m="http://schemas.openxmlformats.org/officeDocument/2006/math">
                     <m:oMathParaPr>
@@ -6578,7 +6603,7 @@
             </p:txBody>
           </p:sp>
         </mc:Choice>
-        <mc:Fallback>
+        <mc:Fallback xmlns="">
           <p:sp>
             <p:nvSpPr>
               <p:cNvPr id="10" name="TextBox 9">
@@ -6623,8 +6648,8 @@
           </p:sp>
         </mc:Fallback>
       </mc:AlternateContent>
-      <mc:AlternateContent xmlns:mc="http://schemas.openxmlformats.org/markup-compatibility/2006">
-        <mc:Choice xmlns:a14="http://schemas.microsoft.com/office/drawing/2010/main" Requires="a14">
+      <mc:AlternateContent xmlns:mc="http://schemas.openxmlformats.org/markup-compatibility/2006" xmlns:a14="http://schemas.microsoft.com/office/drawing/2010/main">
+        <mc:Choice Requires="a14">
           <p:sp>
             <p:nvSpPr>
               <p:cNvPr id="11" name="TextBox 10">
@@ -6653,6 +6678,7 @@
               </a:bodyPr>
               <a:lstStyle/>
               <a:p>
+                <a:pPr/>
                 <a14:m>
                   <m:oMathPara xmlns:m="http://schemas.openxmlformats.org/officeDocument/2006/math">
                     <m:oMathParaPr>
@@ -6685,7 +6711,7 @@
             </p:txBody>
           </p:sp>
         </mc:Choice>
-        <mc:Fallback>
+        <mc:Fallback xmlns="">
           <p:sp>
             <p:nvSpPr>
               <p:cNvPr id="11" name="TextBox 10">
@@ -6730,8 +6756,8 @@
           </p:sp>
         </mc:Fallback>
       </mc:AlternateContent>
-      <mc:AlternateContent xmlns:mc="http://schemas.openxmlformats.org/markup-compatibility/2006">
-        <mc:Choice xmlns:a14="http://schemas.microsoft.com/office/drawing/2010/main" Requires="a14">
+      <mc:AlternateContent xmlns:mc="http://schemas.openxmlformats.org/markup-compatibility/2006" xmlns:a14="http://schemas.microsoft.com/office/drawing/2010/main">
+        <mc:Choice Requires="a14">
           <p:sp>
             <p:nvSpPr>
               <p:cNvPr id="3029" name="TextBox 3028">
@@ -6760,6 +6786,7 @@
               </a:bodyPr>
               <a:lstStyle/>
               <a:p>
+                <a:pPr/>
                 <a14:m>
                   <m:oMathPara xmlns:m="http://schemas.openxmlformats.org/officeDocument/2006/math">
                     <m:oMathParaPr>
@@ -6780,7 +6807,7 @@
             </p:txBody>
           </p:sp>
         </mc:Choice>
-        <mc:Fallback>
+        <mc:Fallback xmlns="">
           <p:sp>
             <p:nvSpPr>
               <p:cNvPr id="3029" name="TextBox 3028">
@@ -7049,8 +7076,8 @@
           </a:p>
         </p:txBody>
       </p:sp>
-      <mc:AlternateContent xmlns:mc="http://schemas.openxmlformats.org/markup-compatibility/2006">
-        <mc:Choice xmlns:a14="http://schemas.microsoft.com/office/drawing/2010/main" Requires="a14">
+      <mc:AlternateContent xmlns:mc="http://schemas.openxmlformats.org/markup-compatibility/2006" xmlns:a14="http://schemas.microsoft.com/office/drawing/2010/main">
+        <mc:Choice Requires="a14">
           <p:sp>
             <p:nvSpPr>
               <p:cNvPr id="3041" name="TextBox 3040">
@@ -7079,6 +7106,7 @@
               </a:bodyPr>
               <a:lstStyle/>
               <a:p>
+                <a:pPr/>
                 <a14:m>
                   <m:oMathPara xmlns:m="http://schemas.openxmlformats.org/officeDocument/2006/math">
                     <m:oMathParaPr>
@@ -7111,7 +7139,7 @@
             </p:txBody>
           </p:sp>
         </mc:Choice>
-        <mc:Fallback>
+        <mc:Fallback xmlns="">
           <p:sp>
             <p:nvSpPr>
               <p:cNvPr id="3041" name="TextBox 3040">
@@ -7156,8 +7184,8 @@
           </p:sp>
         </mc:Fallback>
       </mc:AlternateContent>
-      <mc:AlternateContent xmlns:mc="http://schemas.openxmlformats.org/markup-compatibility/2006">
-        <mc:Choice xmlns:a14="http://schemas.microsoft.com/office/drawing/2010/main" Requires="a14">
+      <mc:AlternateContent xmlns:mc="http://schemas.openxmlformats.org/markup-compatibility/2006" xmlns:a14="http://schemas.microsoft.com/office/drawing/2010/main">
+        <mc:Choice Requires="a14">
           <p:sp>
             <p:nvSpPr>
               <p:cNvPr id="3042" name="TextBox 3041">
@@ -7186,6 +7214,7 @@
               </a:bodyPr>
               <a:lstStyle/>
               <a:p>
+                <a:pPr/>
                 <a14:m>
                   <m:oMathPara xmlns:m="http://schemas.openxmlformats.org/officeDocument/2006/math">
                     <m:oMathParaPr>
@@ -7218,7 +7247,7 @@
             </p:txBody>
           </p:sp>
         </mc:Choice>
-        <mc:Fallback>
+        <mc:Fallback xmlns="">
           <p:sp>
             <p:nvSpPr>
               <p:cNvPr id="3042" name="TextBox 3041">
@@ -7263,8 +7292,8 @@
           </p:sp>
         </mc:Fallback>
       </mc:AlternateContent>
-      <mc:AlternateContent xmlns:mc="http://schemas.openxmlformats.org/markup-compatibility/2006">
-        <mc:Choice xmlns:a14="http://schemas.microsoft.com/office/drawing/2010/main" Requires="a14">
+      <mc:AlternateContent xmlns:mc="http://schemas.openxmlformats.org/markup-compatibility/2006" xmlns:a14="http://schemas.microsoft.com/office/drawing/2010/main">
+        <mc:Choice Requires="a14">
           <p:sp>
             <p:nvSpPr>
               <p:cNvPr id="3043" name="TextBox 3042">
@@ -7293,6 +7322,7 @@
               </a:bodyPr>
               <a:lstStyle/>
               <a:p>
+                <a:pPr/>
                 <a14:m>
                   <m:oMathPara xmlns:m="http://schemas.openxmlformats.org/officeDocument/2006/math">
                     <m:oMathParaPr>
@@ -7313,7 +7343,7 @@
             </p:txBody>
           </p:sp>
         </mc:Choice>
-        <mc:Fallback>
+        <mc:Fallback xmlns="">
           <p:sp>
             <p:nvSpPr>
               <p:cNvPr id="3043" name="TextBox 3042">
@@ -7476,218 +7506,6 @@
       </p:pic>
       <p:sp>
         <p:nvSpPr>
-          <p:cNvPr id="2" name="타원 1">
-            <a:extLst>
-              <a:ext uri="{FF2B5EF4-FFF2-40B4-BE49-F238E27FC236}">
-                <a16:creationId xmlns:a16="http://schemas.microsoft.com/office/drawing/2014/main" id="{62BF5BB5-83C4-85A7-13B1-7D771CD80F0A}"/>
-              </a:ext>
-            </a:extLst>
-          </p:cNvPr>
-          <p:cNvSpPr/>
-          <p:nvPr/>
-        </p:nvSpPr>
-        <p:spPr>
-          <a:xfrm>
-            <a:off x="2628838" y="2701191"/>
-            <a:ext cx="914400" cy="914400"/>
-          </a:xfrm>
-          <a:prstGeom prst="ellipse">
-            <a:avLst/>
-          </a:prstGeom>
-          <a:noFill/>
-          <a:ln w="38100">
-            <a:solidFill>
-              <a:srgbClr val="F6A656"/>
-            </a:solidFill>
-            <a:prstDash val="dashDot"/>
-          </a:ln>
-        </p:spPr>
-        <p:style>
-          <a:lnRef idx="2">
-            <a:schemeClr val="accent1">
-              <a:shade val="50000"/>
-            </a:schemeClr>
-          </a:lnRef>
-          <a:fillRef idx="1">
-            <a:schemeClr val="accent1"/>
-          </a:fillRef>
-          <a:effectRef idx="0">
-            <a:schemeClr val="accent1"/>
-          </a:effectRef>
-          <a:fontRef idx="minor">
-            <a:schemeClr val="lt1"/>
-          </a:fontRef>
-        </p:style>
-        <p:txBody>
-          <a:bodyPr rtlCol="0" anchor="ctr"/>
-          <a:lstStyle/>
-          <a:p>
-            <a:pPr algn="ctr"/>
-            <a:endParaRPr lang="ko-KR" altLang="en-US"/>
-          </a:p>
-        </p:txBody>
-      </p:sp>
-      <p:sp>
-        <p:nvSpPr>
-          <p:cNvPr id="3" name="타원 2">
-            <a:extLst>
-              <a:ext uri="{FF2B5EF4-FFF2-40B4-BE49-F238E27FC236}">
-                <a16:creationId xmlns:a16="http://schemas.microsoft.com/office/drawing/2014/main" id="{07FB5966-A9EE-B5FB-35F7-BB5128182563}"/>
-              </a:ext>
-            </a:extLst>
-          </p:cNvPr>
-          <p:cNvSpPr/>
-          <p:nvPr/>
-        </p:nvSpPr>
-        <p:spPr>
-          <a:xfrm>
-            <a:off x="2163307" y="2235660"/>
-            <a:ext cx="1845462" cy="1845462"/>
-          </a:xfrm>
-          <a:prstGeom prst="ellipse">
-            <a:avLst/>
-          </a:prstGeom>
-          <a:noFill/>
-          <a:ln w="38100">
-            <a:solidFill>
-              <a:srgbClr val="F6A656"/>
-            </a:solidFill>
-            <a:prstDash val="dashDot"/>
-          </a:ln>
-        </p:spPr>
-        <p:style>
-          <a:lnRef idx="2">
-            <a:schemeClr val="accent1">
-              <a:shade val="50000"/>
-            </a:schemeClr>
-          </a:lnRef>
-          <a:fillRef idx="1">
-            <a:schemeClr val="accent1"/>
-          </a:fillRef>
-          <a:effectRef idx="0">
-            <a:schemeClr val="accent1"/>
-          </a:effectRef>
-          <a:fontRef idx="minor">
-            <a:schemeClr val="lt1"/>
-          </a:fontRef>
-        </p:style>
-        <p:txBody>
-          <a:bodyPr rtlCol="0" anchor="ctr"/>
-          <a:lstStyle/>
-          <a:p>
-            <a:pPr algn="ctr"/>
-            <a:endParaRPr lang="ko-KR" altLang="en-US"/>
-          </a:p>
-        </p:txBody>
-      </p:sp>
-      <p:sp>
-        <p:nvSpPr>
-          <p:cNvPr id="4" name="타원 3">
-            <a:extLst>
-              <a:ext uri="{FF2B5EF4-FFF2-40B4-BE49-F238E27FC236}">
-                <a16:creationId xmlns:a16="http://schemas.microsoft.com/office/drawing/2014/main" id="{01584C47-524B-F7AE-48C7-F21EFFFAEBAD}"/>
-              </a:ext>
-            </a:extLst>
-          </p:cNvPr>
-          <p:cNvSpPr/>
-          <p:nvPr/>
-        </p:nvSpPr>
-        <p:spPr>
-          <a:xfrm>
-            <a:off x="1715544" y="1787897"/>
-            <a:ext cx="2740988" cy="2740988"/>
-          </a:xfrm>
-          <a:prstGeom prst="ellipse">
-            <a:avLst/>
-          </a:prstGeom>
-          <a:noFill/>
-          <a:ln w="38100">
-            <a:solidFill>
-              <a:srgbClr val="F6A656"/>
-            </a:solidFill>
-            <a:prstDash val="dashDot"/>
-          </a:ln>
-        </p:spPr>
-        <p:style>
-          <a:lnRef idx="2">
-            <a:schemeClr val="accent1">
-              <a:shade val="50000"/>
-            </a:schemeClr>
-          </a:lnRef>
-          <a:fillRef idx="1">
-            <a:schemeClr val="accent1"/>
-          </a:fillRef>
-          <a:effectRef idx="0">
-            <a:schemeClr val="accent1"/>
-          </a:effectRef>
-          <a:fontRef idx="minor">
-            <a:schemeClr val="lt1"/>
-          </a:fontRef>
-        </p:style>
-        <p:txBody>
-          <a:bodyPr rtlCol="0" anchor="ctr"/>
-          <a:lstStyle/>
-          <a:p>
-            <a:pPr algn="ctr"/>
-            <a:endParaRPr lang="ko-KR" altLang="en-US"/>
-          </a:p>
-        </p:txBody>
-      </p:sp>
-      <p:sp>
-        <p:nvSpPr>
-          <p:cNvPr id="7" name="타원 6">
-            <a:extLst>
-              <a:ext uri="{FF2B5EF4-FFF2-40B4-BE49-F238E27FC236}">
-                <a16:creationId xmlns:a16="http://schemas.microsoft.com/office/drawing/2014/main" id="{147E815E-9721-52B4-CA9F-E8503B3E081F}"/>
-              </a:ext>
-            </a:extLst>
-          </p:cNvPr>
-          <p:cNvSpPr/>
-          <p:nvPr/>
-        </p:nvSpPr>
-        <p:spPr>
-          <a:xfrm>
-            <a:off x="1241937" y="1314290"/>
-            <a:ext cx="3688202" cy="3688202"/>
-          </a:xfrm>
-          <a:prstGeom prst="ellipse">
-            <a:avLst/>
-          </a:prstGeom>
-          <a:noFill/>
-          <a:ln w="38100">
-            <a:solidFill>
-              <a:srgbClr val="F6A656"/>
-            </a:solidFill>
-            <a:prstDash val="dashDot"/>
-          </a:ln>
-        </p:spPr>
-        <p:style>
-          <a:lnRef idx="2">
-            <a:schemeClr val="accent1">
-              <a:shade val="50000"/>
-            </a:schemeClr>
-          </a:lnRef>
-          <a:fillRef idx="1">
-            <a:schemeClr val="accent1"/>
-          </a:fillRef>
-          <a:effectRef idx="0">
-            <a:schemeClr val="accent1"/>
-          </a:effectRef>
-          <a:fontRef idx="minor">
-            <a:schemeClr val="lt1"/>
-          </a:fontRef>
-        </p:style>
-        <p:txBody>
-          <a:bodyPr rtlCol="0" anchor="ctr"/>
-          <a:lstStyle/>
-          <a:p>
-            <a:pPr algn="ctr"/>
-            <a:endParaRPr lang="ko-KR" altLang="en-US"/>
-          </a:p>
-        </p:txBody>
-      </p:sp>
-      <p:sp>
-        <p:nvSpPr>
           <p:cNvPr id="8" name="타원 7">
             <a:extLst>
               <a:ext uri="{FF2B5EF4-FFF2-40B4-BE49-F238E27FC236}">
@@ -7898,8 +7716,8 @@
           </a:p>
         </p:txBody>
       </p:sp>
-      <mc:AlternateContent xmlns:mc="http://schemas.openxmlformats.org/markup-compatibility/2006">
-        <mc:Choice xmlns:a14="http://schemas.microsoft.com/office/drawing/2010/main" Requires="a14">
+      <mc:AlternateContent xmlns:mc="http://schemas.openxmlformats.org/markup-compatibility/2006" xmlns:a14="http://schemas.microsoft.com/office/drawing/2010/main">
+        <mc:Choice Requires="a14">
           <p:sp>
             <p:nvSpPr>
               <p:cNvPr id="3051" name="TextBox 3050">
@@ -7928,6 +7746,7 @@
               </a:bodyPr>
               <a:lstStyle/>
               <a:p>
+                <a:pPr/>
                 <a14:m>
                   <m:oMathPara xmlns:m="http://schemas.openxmlformats.org/officeDocument/2006/math">
                     <m:oMathParaPr>
@@ -7960,7 +7779,7 @@
             </p:txBody>
           </p:sp>
         </mc:Choice>
-        <mc:Fallback>
+        <mc:Fallback xmlns="">
           <p:sp>
             <p:nvSpPr>
               <p:cNvPr id="3051" name="TextBox 3050">
@@ -8005,8 +7824,8 @@
           </p:sp>
         </mc:Fallback>
       </mc:AlternateContent>
-      <mc:AlternateContent xmlns:mc="http://schemas.openxmlformats.org/markup-compatibility/2006">
-        <mc:Choice xmlns:a14="http://schemas.microsoft.com/office/drawing/2010/main" Requires="a14">
+      <mc:AlternateContent xmlns:mc="http://schemas.openxmlformats.org/markup-compatibility/2006" xmlns:a14="http://schemas.microsoft.com/office/drawing/2010/main">
+        <mc:Choice Requires="a14">
           <p:sp>
             <p:nvSpPr>
               <p:cNvPr id="3052" name="TextBox 3051">
@@ -8035,6 +7854,7 @@
               </a:bodyPr>
               <a:lstStyle/>
               <a:p>
+                <a:pPr/>
                 <a14:m>
                   <m:oMathPara xmlns:m="http://schemas.openxmlformats.org/officeDocument/2006/math">
                     <m:oMathParaPr>
@@ -8067,7 +7887,7 @@
             </p:txBody>
           </p:sp>
         </mc:Choice>
-        <mc:Fallback>
+        <mc:Fallback xmlns="">
           <p:sp>
             <p:nvSpPr>
               <p:cNvPr id="3052" name="TextBox 3051">
@@ -8112,6 +7932,398 @@
           </p:sp>
         </mc:Fallback>
       </mc:AlternateContent>
+      <p:grpSp>
+        <p:nvGrpSpPr>
+          <p:cNvPr id="18" name="그룹 17">
+            <a:extLst>
+              <a:ext uri="{FF2B5EF4-FFF2-40B4-BE49-F238E27FC236}">
+                <a16:creationId xmlns:a16="http://schemas.microsoft.com/office/drawing/2014/main" id="{5366844D-8F8D-AD8D-015F-F75FE707962B}"/>
+              </a:ext>
+            </a:extLst>
+          </p:cNvPr>
+          <p:cNvGrpSpPr/>
+          <p:nvPr/>
+        </p:nvGrpSpPr>
+        <p:grpSpPr>
+          <a:xfrm>
+            <a:off x="1414307" y="1490605"/>
+            <a:ext cx="3381279" cy="3381279"/>
+            <a:chOff x="1414307" y="1414405"/>
+            <a:chExt cx="3381279" cy="3381279"/>
+          </a:xfrm>
+        </p:grpSpPr>
+        <p:sp>
+          <p:nvSpPr>
+            <p:cNvPr id="2" name="타원 1">
+              <a:extLst>
+                <a:ext uri="{FF2B5EF4-FFF2-40B4-BE49-F238E27FC236}">
+                  <a16:creationId xmlns:a16="http://schemas.microsoft.com/office/drawing/2014/main" id="{62BF5BB5-83C4-85A7-13B1-7D771CD80F0A}"/>
+                </a:ext>
+              </a:extLst>
+            </p:cNvPr>
+            <p:cNvSpPr/>
+            <p:nvPr/>
+          </p:nvSpPr>
+          <p:spPr>
+            <a:xfrm>
+              <a:off x="2863029" y="2863127"/>
+              <a:ext cx="483834" cy="483834"/>
+            </a:xfrm>
+            <a:prstGeom prst="ellipse">
+              <a:avLst/>
+            </a:prstGeom>
+            <a:noFill/>
+            <a:ln w="38100">
+              <a:solidFill>
+                <a:srgbClr val="F6A656"/>
+              </a:solidFill>
+              <a:prstDash val="dashDot"/>
+            </a:ln>
+          </p:spPr>
+          <p:style>
+            <a:lnRef idx="2">
+              <a:schemeClr val="accent1">
+                <a:shade val="50000"/>
+              </a:schemeClr>
+            </a:lnRef>
+            <a:fillRef idx="1">
+              <a:schemeClr val="accent1"/>
+            </a:fillRef>
+            <a:effectRef idx="0">
+              <a:schemeClr val="accent1"/>
+            </a:effectRef>
+            <a:fontRef idx="minor">
+              <a:schemeClr val="lt1"/>
+            </a:fontRef>
+          </p:style>
+          <p:txBody>
+            <a:bodyPr rtlCol="0" anchor="ctr"/>
+            <a:lstStyle/>
+            <a:p>
+              <a:pPr algn="ctr"/>
+              <a:endParaRPr lang="ko-KR" altLang="en-US"/>
+            </a:p>
+          </p:txBody>
+        </p:sp>
+        <p:sp>
+          <p:nvSpPr>
+            <p:cNvPr id="3" name="타원 2">
+              <a:extLst>
+                <a:ext uri="{FF2B5EF4-FFF2-40B4-BE49-F238E27FC236}">
+                  <a16:creationId xmlns:a16="http://schemas.microsoft.com/office/drawing/2014/main" id="{07FB5966-A9EE-B5FB-35F7-BB5128182563}"/>
+                </a:ext>
+              </a:extLst>
+            </p:cNvPr>
+            <p:cNvSpPr/>
+            <p:nvPr/>
+          </p:nvSpPr>
+          <p:spPr>
+            <a:xfrm>
+              <a:off x="2616704" y="2616802"/>
+              <a:ext cx="976485" cy="976485"/>
+            </a:xfrm>
+            <a:prstGeom prst="ellipse">
+              <a:avLst/>
+            </a:prstGeom>
+            <a:noFill/>
+            <a:ln w="38100">
+              <a:solidFill>
+                <a:srgbClr val="F6A656"/>
+              </a:solidFill>
+              <a:prstDash val="dashDot"/>
+            </a:ln>
+          </p:spPr>
+          <p:style>
+            <a:lnRef idx="2">
+              <a:schemeClr val="accent1">
+                <a:shade val="50000"/>
+              </a:schemeClr>
+            </a:lnRef>
+            <a:fillRef idx="1">
+              <a:schemeClr val="accent1"/>
+            </a:fillRef>
+            <a:effectRef idx="0">
+              <a:schemeClr val="accent1"/>
+            </a:effectRef>
+            <a:fontRef idx="minor">
+              <a:schemeClr val="lt1"/>
+            </a:fontRef>
+          </p:style>
+          <p:txBody>
+            <a:bodyPr rtlCol="0" anchor="ctr"/>
+            <a:lstStyle/>
+            <a:p>
+              <a:pPr algn="ctr"/>
+              <a:endParaRPr lang="ko-KR" altLang="en-US"/>
+            </a:p>
+          </p:txBody>
+        </p:sp>
+        <p:sp>
+          <p:nvSpPr>
+            <p:cNvPr id="4" name="타원 3">
+              <a:extLst>
+                <a:ext uri="{FF2B5EF4-FFF2-40B4-BE49-F238E27FC236}">
+                  <a16:creationId xmlns:a16="http://schemas.microsoft.com/office/drawing/2014/main" id="{01584C47-524B-F7AE-48C7-F21EFFFAEBAD}"/>
+                </a:ext>
+              </a:extLst>
+            </p:cNvPr>
+            <p:cNvSpPr/>
+            <p:nvPr/>
+          </p:nvSpPr>
+          <p:spPr>
+            <a:xfrm>
+              <a:off x="2379780" y="2379878"/>
+              <a:ext cx="1450333" cy="1450333"/>
+            </a:xfrm>
+            <a:prstGeom prst="ellipse">
+              <a:avLst/>
+            </a:prstGeom>
+            <a:noFill/>
+            <a:ln w="38100">
+              <a:solidFill>
+                <a:srgbClr val="F6A656"/>
+              </a:solidFill>
+              <a:prstDash val="dashDot"/>
+            </a:ln>
+          </p:spPr>
+          <p:style>
+            <a:lnRef idx="2">
+              <a:schemeClr val="accent1">
+                <a:shade val="50000"/>
+              </a:schemeClr>
+            </a:lnRef>
+            <a:fillRef idx="1">
+              <a:schemeClr val="accent1"/>
+            </a:fillRef>
+            <a:effectRef idx="0">
+              <a:schemeClr val="accent1"/>
+            </a:effectRef>
+            <a:fontRef idx="minor">
+              <a:schemeClr val="lt1"/>
+            </a:fontRef>
+          </p:style>
+          <p:txBody>
+            <a:bodyPr rtlCol="0" anchor="ctr"/>
+            <a:lstStyle/>
+            <a:p>
+              <a:pPr algn="ctr"/>
+              <a:endParaRPr lang="ko-KR" altLang="en-US"/>
+            </a:p>
+          </p:txBody>
+        </p:sp>
+        <p:sp>
+          <p:nvSpPr>
+            <p:cNvPr id="7" name="타원 6">
+              <a:extLst>
+                <a:ext uri="{FF2B5EF4-FFF2-40B4-BE49-F238E27FC236}">
+                  <a16:creationId xmlns:a16="http://schemas.microsoft.com/office/drawing/2014/main" id="{147E815E-9721-52B4-CA9F-E8503B3E081F}"/>
+                </a:ext>
+              </a:extLst>
+            </p:cNvPr>
+            <p:cNvSpPr/>
+            <p:nvPr/>
+          </p:nvSpPr>
+          <p:spPr>
+            <a:xfrm>
+              <a:off x="2129181" y="2129279"/>
+              <a:ext cx="1951530" cy="1951530"/>
+            </a:xfrm>
+            <a:prstGeom prst="ellipse">
+              <a:avLst/>
+            </a:prstGeom>
+            <a:noFill/>
+            <a:ln w="38100">
+              <a:solidFill>
+                <a:srgbClr val="F6A656"/>
+              </a:solidFill>
+              <a:prstDash val="dashDot"/>
+            </a:ln>
+          </p:spPr>
+          <p:style>
+            <a:lnRef idx="2">
+              <a:schemeClr val="accent1">
+                <a:shade val="50000"/>
+              </a:schemeClr>
+            </a:lnRef>
+            <a:fillRef idx="1">
+              <a:schemeClr val="accent1"/>
+            </a:fillRef>
+            <a:effectRef idx="0">
+              <a:schemeClr val="accent1"/>
+            </a:effectRef>
+            <a:fontRef idx="minor">
+              <a:schemeClr val="lt1"/>
+            </a:fontRef>
+          </p:style>
+          <p:txBody>
+            <a:bodyPr rtlCol="0" anchor="ctr"/>
+            <a:lstStyle/>
+            <a:p>
+              <a:pPr algn="ctr"/>
+              <a:endParaRPr lang="ko-KR" altLang="en-US"/>
+            </a:p>
+          </p:txBody>
+        </p:sp>
+        <p:sp>
+          <p:nvSpPr>
+            <p:cNvPr id="15" name="타원 14">
+              <a:extLst>
+                <a:ext uri="{FF2B5EF4-FFF2-40B4-BE49-F238E27FC236}">
+                  <a16:creationId xmlns:a16="http://schemas.microsoft.com/office/drawing/2014/main" id="{9B299940-F4F2-D40B-14BB-EC0EBB991C6C}"/>
+                </a:ext>
+              </a:extLst>
+            </p:cNvPr>
+            <p:cNvSpPr/>
+            <p:nvPr/>
+          </p:nvSpPr>
+          <p:spPr>
+            <a:xfrm>
+              <a:off x="1901862" y="1901960"/>
+              <a:ext cx="2406168" cy="2406168"/>
+            </a:xfrm>
+            <a:prstGeom prst="ellipse">
+              <a:avLst/>
+            </a:prstGeom>
+            <a:noFill/>
+            <a:ln w="38100">
+              <a:solidFill>
+                <a:srgbClr val="F6A656"/>
+              </a:solidFill>
+              <a:prstDash val="dashDot"/>
+            </a:ln>
+          </p:spPr>
+          <p:style>
+            <a:lnRef idx="2">
+              <a:schemeClr val="accent1">
+                <a:shade val="50000"/>
+              </a:schemeClr>
+            </a:lnRef>
+            <a:fillRef idx="1">
+              <a:schemeClr val="accent1"/>
+            </a:fillRef>
+            <a:effectRef idx="0">
+              <a:schemeClr val="accent1"/>
+            </a:effectRef>
+            <a:fontRef idx="minor">
+              <a:schemeClr val="lt1"/>
+            </a:fontRef>
+          </p:style>
+          <p:txBody>
+            <a:bodyPr rtlCol="0" anchor="ctr"/>
+            <a:lstStyle/>
+            <a:p>
+              <a:pPr algn="ctr"/>
+              <a:endParaRPr lang="ko-KR" altLang="en-US"/>
+            </a:p>
+          </p:txBody>
+        </p:sp>
+        <p:sp>
+          <p:nvSpPr>
+            <p:cNvPr id="16" name="타원 15">
+              <a:extLst>
+                <a:ext uri="{FF2B5EF4-FFF2-40B4-BE49-F238E27FC236}">
+                  <a16:creationId xmlns:a16="http://schemas.microsoft.com/office/drawing/2014/main" id="{003A6283-54DB-DF9D-9A3A-E691A3A6295E}"/>
+                </a:ext>
+              </a:extLst>
+            </p:cNvPr>
+            <p:cNvSpPr/>
+            <p:nvPr/>
+          </p:nvSpPr>
+          <p:spPr>
+            <a:xfrm>
+              <a:off x="1680456" y="1680554"/>
+              <a:ext cx="2848980" cy="2848980"/>
+            </a:xfrm>
+            <a:prstGeom prst="ellipse">
+              <a:avLst/>
+            </a:prstGeom>
+            <a:noFill/>
+            <a:ln w="38100">
+              <a:solidFill>
+                <a:srgbClr val="F6A656"/>
+              </a:solidFill>
+              <a:prstDash val="dashDot"/>
+            </a:ln>
+          </p:spPr>
+          <p:style>
+            <a:lnRef idx="2">
+              <a:schemeClr val="accent1">
+                <a:shade val="50000"/>
+              </a:schemeClr>
+            </a:lnRef>
+            <a:fillRef idx="1">
+              <a:schemeClr val="accent1"/>
+            </a:fillRef>
+            <a:effectRef idx="0">
+              <a:schemeClr val="accent1"/>
+            </a:effectRef>
+            <a:fontRef idx="minor">
+              <a:schemeClr val="lt1"/>
+            </a:fontRef>
+          </p:style>
+          <p:txBody>
+            <a:bodyPr rtlCol="0" anchor="ctr"/>
+            <a:lstStyle/>
+            <a:p>
+              <a:pPr algn="ctr"/>
+              <a:endParaRPr lang="ko-KR" altLang="en-US"/>
+            </a:p>
+          </p:txBody>
+        </p:sp>
+        <p:sp>
+          <p:nvSpPr>
+            <p:cNvPr id="17" name="타원 16">
+              <a:extLst>
+                <a:ext uri="{FF2B5EF4-FFF2-40B4-BE49-F238E27FC236}">
+                  <a16:creationId xmlns:a16="http://schemas.microsoft.com/office/drawing/2014/main" id="{AD37CD30-F54F-E751-3ADE-4BFBB33793F7}"/>
+                </a:ext>
+              </a:extLst>
+            </p:cNvPr>
+            <p:cNvSpPr/>
+            <p:nvPr/>
+          </p:nvSpPr>
+          <p:spPr>
+            <a:xfrm>
+              <a:off x="1414307" y="1414405"/>
+              <a:ext cx="3381279" cy="3381279"/>
+            </a:xfrm>
+            <a:prstGeom prst="ellipse">
+              <a:avLst/>
+            </a:prstGeom>
+            <a:noFill/>
+            <a:ln w="38100">
+              <a:solidFill>
+                <a:srgbClr val="F6A656"/>
+              </a:solidFill>
+              <a:prstDash val="dashDot"/>
+            </a:ln>
+          </p:spPr>
+          <p:style>
+            <a:lnRef idx="2">
+              <a:schemeClr val="accent1">
+                <a:shade val="50000"/>
+              </a:schemeClr>
+            </a:lnRef>
+            <a:fillRef idx="1">
+              <a:schemeClr val="accent1"/>
+            </a:fillRef>
+            <a:effectRef idx="0">
+              <a:schemeClr val="accent1"/>
+            </a:effectRef>
+            <a:fontRef idx="minor">
+              <a:schemeClr val="lt1"/>
+            </a:fontRef>
+          </p:style>
+          <p:txBody>
+            <a:bodyPr rtlCol="0" anchor="ctr"/>
+            <a:lstStyle/>
+            <a:p>
+              <a:pPr algn="ctr"/>
+              <a:endParaRPr lang="ko-KR" altLang="en-US"/>
+            </a:p>
+          </p:txBody>
+        </p:sp>
+      </p:grpSp>
     </p:spTree>
     <p:extLst>
       <p:ext uri="{BB962C8B-B14F-4D97-AF65-F5344CB8AC3E}">

--- a/pics/2022-09-28-Mahalanobis_distance/pics.pptx
+++ b/pics/2022-09-28-Mahalanobis_distance/pics.pptx
@@ -9,6 +9,10 @@
     <p:sldId id="258" r:id="rId3"/>
     <p:sldId id="257" r:id="rId4"/>
     <p:sldId id="259" r:id="rId5"/>
+    <p:sldId id="260" r:id="rId6"/>
+    <p:sldId id="261" r:id="rId7"/>
+    <p:sldId id="262" r:id="rId8"/>
+    <p:sldId id="263" r:id="rId9"/>
   </p:sldIdLst>
   <p:sldSz cx="12192000" cy="6858000"/>
   <p:notesSz cx="6858000" cy="9144000"/>
@@ -262,7 +266,7 @@
           <a:p>
             <a:fld id="{8DCFE445-8268-4AE2-ADD9-AB110B2937CA}" type="datetimeFigureOut">
               <a:rPr lang="ko-KR" altLang="en-US" smtClean="0"/>
-              <a:t>2022-10-01</a:t>
+              <a:t>2022-10-02</a:t>
             </a:fld>
             <a:endParaRPr lang="ko-KR" altLang="en-US"/>
           </a:p>
@@ -460,7 +464,7 @@
           <a:p>
             <a:fld id="{8DCFE445-8268-4AE2-ADD9-AB110B2937CA}" type="datetimeFigureOut">
               <a:rPr lang="ko-KR" altLang="en-US" smtClean="0"/>
-              <a:t>2022-10-01</a:t>
+              <a:t>2022-10-02</a:t>
             </a:fld>
             <a:endParaRPr lang="ko-KR" altLang="en-US"/>
           </a:p>
@@ -668,7 +672,7 @@
           <a:p>
             <a:fld id="{8DCFE445-8268-4AE2-ADD9-AB110B2937CA}" type="datetimeFigureOut">
               <a:rPr lang="ko-KR" altLang="en-US" smtClean="0"/>
-              <a:t>2022-10-01</a:t>
+              <a:t>2022-10-02</a:t>
             </a:fld>
             <a:endParaRPr lang="ko-KR" altLang="en-US"/>
           </a:p>
@@ -866,7 +870,7 @@
           <a:p>
             <a:fld id="{8DCFE445-8268-4AE2-ADD9-AB110B2937CA}" type="datetimeFigureOut">
               <a:rPr lang="ko-KR" altLang="en-US" smtClean="0"/>
-              <a:t>2022-10-01</a:t>
+              <a:t>2022-10-02</a:t>
             </a:fld>
             <a:endParaRPr lang="ko-KR" altLang="en-US"/>
           </a:p>
@@ -1141,7 +1145,7 @@
           <a:p>
             <a:fld id="{8DCFE445-8268-4AE2-ADD9-AB110B2937CA}" type="datetimeFigureOut">
               <a:rPr lang="ko-KR" altLang="en-US" smtClean="0"/>
-              <a:t>2022-10-01</a:t>
+              <a:t>2022-10-02</a:t>
             </a:fld>
             <a:endParaRPr lang="ko-KR" altLang="en-US"/>
           </a:p>
@@ -1406,7 +1410,7 @@
           <a:p>
             <a:fld id="{8DCFE445-8268-4AE2-ADD9-AB110B2937CA}" type="datetimeFigureOut">
               <a:rPr lang="ko-KR" altLang="en-US" smtClean="0"/>
-              <a:t>2022-10-01</a:t>
+              <a:t>2022-10-02</a:t>
             </a:fld>
             <a:endParaRPr lang="ko-KR" altLang="en-US"/>
           </a:p>
@@ -1818,7 +1822,7 @@
           <a:p>
             <a:fld id="{8DCFE445-8268-4AE2-ADD9-AB110B2937CA}" type="datetimeFigureOut">
               <a:rPr lang="ko-KR" altLang="en-US" smtClean="0"/>
-              <a:t>2022-10-01</a:t>
+              <a:t>2022-10-02</a:t>
             </a:fld>
             <a:endParaRPr lang="ko-KR" altLang="en-US"/>
           </a:p>
@@ -1959,7 +1963,7 @@
           <a:p>
             <a:fld id="{8DCFE445-8268-4AE2-ADD9-AB110B2937CA}" type="datetimeFigureOut">
               <a:rPr lang="ko-KR" altLang="en-US" smtClean="0"/>
-              <a:t>2022-10-01</a:t>
+              <a:t>2022-10-02</a:t>
             </a:fld>
             <a:endParaRPr lang="ko-KR" altLang="en-US"/>
           </a:p>
@@ -2072,7 +2076,7 @@
           <a:p>
             <a:fld id="{8DCFE445-8268-4AE2-ADD9-AB110B2937CA}" type="datetimeFigureOut">
               <a:rPr lang="ko-KR" altLang="en-US" smtClean="0"/>
-              <a:t>2022-10-01</a:t>
+              <a:t>2022-10-02</a:t>
             </a:fld>
             <a:endParaRPr lang="ko-KR" altLang="en-US"/>
           </a:p>
@@ -2383,7 +2387,7 @@
           <a:p>
             <a:fld id="{8DCFE445-8268-4AE2-ADD9-AB110B2937CA}" type="datetimeFigureOut">
               <a:rPr lang="ko-KR" altLang="en-US" smtClean="0"/>
-              <a:t>2022-10-01</a:t>
+              <a:t>2022-10-02</a:t>
             </a:fld>
             <a:endParaRPr lang="ko-KR" altLang="en-US"/>
           </a:p>
@@ -2671,7 +2675,7 @@
           <a:p>
             <a:fld id="{8DCFE445-8268-4AE2-ADD9-AB110B2937CA}" type="datetimeFigureOut">
               <a:rPr lang="ko-KR" altLang="en-US" smtClean="0"/>
-              <a:t>2022-10-01</a:t>
+              <a:t>2022-10-02</a:t>
             </a:fld>
             <a:endParaRPr lang="ko-KR" altLang="en-US"/>
           </a:p>
@@ -2912,7 +2916,7 @@
           <a:p>
             <a:fld id="{8DCFE445-8268-4AE2-ADD9-AB110B2937CA}" type="datetimeFigureOut">
               <a:rPr lang="ko-KR" altLang="en-US" smtClean="0"/>
-              <a:t>2022-10-01</a:t>
+              <a:t>2022-10-02</a:t>
             </a:fld>
             <a:endParaRPr lang="ko-KR" altLang="en-US"/>
           </a:p>
@@ -8337,6 +8341,2523 @@
 </p:sld>
 </file>
 
+<file path=ppt/slides/slide5.xml><?xml version="1.0" encoding="utf-8"?>
+<p:sld xmlns:a="http://schemas.openxmlformats.org/drawingml/2006/main" xmlns:r="http://schemas.openxmlformats.org/officeDocument/2006/relationships" xmlns:p="http://schemas.openxmlformats.org/presentationml/2006/main">
+  <p:cSld>
+    <p:spTree>
+      <p:nvGrpSpPr>
+        <p:cNvPr id="1" name=""/>
+        <p:cNvGrpSpPr/>
+        <p:nvPr/>
+      </p:nvGrpSpPr>
+      <p:grpSpPr>
+        <a:xfrm>
+          <a:off x="0" y="0"/>
+          <a:ext cx="0" cy="0"/>
+          <a:chOff x="0" y="0"/>
+          <a:chExt cx="0" cy="0"/>
+        </a:xfrm>
+      </p:grpSpPr>
+      <p:pic>
+        <p:nvPicPr>
+          <p:cNvPr id="5" name="그림 4">
+            <a:extLst>
+              <a:ext uri="{FF2B5EF4-FFF2-40B4-BE49-F238E27FC236}">
+                <a16:creationId xmlns:a16="http://schemas.microsoft.com/office/drawing/2014/main" id="{5AD4660D-4FCE-C131-AE2F-A8CF234DCEA5}"/>
+              </a:ext>
+            </a:extLst>
+          </p:cNvPr>
+          <p:cNvPicPr>
+            <a:picLocks noChangeAspect="1"/>
+          </p:cNvPicPr>
+          <p:nvPr/>
+        </p:nvPicPr>
+        <p:blipFill>
+          <a:blip r:embed="rId2"/>
+          <a:stretch>
+            <a:fillRect/>
+          </a:stretch>
+        </p:blipFill>
+        <p:spPr>
+          <a:xfrm>
+            <a:off x="-711293" y="628651"/>
+            <a:ext cx="13614586" cy="5600698"/>
+          </a:xfrm>
+          <a:prstGeom prst="rect">
+            <a:avLst/>
+          </a:prstGeom>
+        </p:spPr>
+      </p:pic>
+    </p:spTree>
+    <p:extLst>
+      <p:ext uri="{BB962C8B-B14F-4D97-AF65-F5344CB8AC3E}">
+        <p14:creationId xmlns:p14="http://schemas.microsoft.com/office/powerpoint/2010/main" val="1357788161"/>
+      </p:ext>
+    </p:extLst>
+  </p:cSld>
+  <p:clrMapOvr>
+    <a:masterClrMapping/>
+  </p:clrMapOvr>
+</p:sld>
+</file>
+
+<file path=ppt/slides/slide6.xml><?xml version="1.0" encoding="utf-8"?>
+<p:sld xmlns:a="http://schemas.openxmlformats.org/drawingml/2006/main" xmlns:r="http://schemas.openxmlformats.org/officeDocument/2006/relationships" xmlns:p="http://schemas.openxmlformats.org/presentationml/2006/main">
+  <p:cSld>
+    <p:spTree>
+      <p:nvGrpSpPr>
+        <p:cNvPr id="1" name=""/>
+        <p:cNvGrpSpPr/>
+        <p:nvPr/>
+      </p:nvGrpSpPr>
+      <p:grpSpPr>
+        <a:xfrm>
+          <a:off x="0" y="0"/>
+          <a:ext cx="0" cy="0"/>
+          <a:chOff x="0" y="0"/>
+          <a:chExt cx="0" cy="0"/>
+        </a:xfrm>
+      </p:grpSpPr>
+      <p:pic>
+        <p:nvPicPr>
+          <p:cNvPr id="32" name="그림 31">
+            <a:extLst>
+              <a:ext uri="{FF2B5EF4-FFF2-40B4-BE49-F238E27FC236}">
+                <a16:creationId xmlns:a16="http://schemas.microsoft.com/office/drawing/2014/main" id="{652DDF1C-B37F-82FE-DA94-C8229AFD6071}"/>
+              </a:ext>
+            </a:extLst>
+          </p:cNvPr>
+          <p:cNvPicPr>
+            <a:picLocks noChangeAspect="1"/>
+          </p:cNvPicPr>
+          <p:nvPr/>
+        </p:nvPicPr>
+        <p:blipFill rotWithShape="1">
+          <a:blip r:embed="rId2">
+            <a:alphaModFix amt="70000"/>
+          </a:blip>
+          <a:srcRect l="58640" t="12840" r="12675" b="16119"/>
+          <a:stretch/>
+        </p:blipFill>
+        <p:spPr>
+          <a:xfrm>
+            <a:off x="7091820" y="1176339"/>
+            <a:ext cx="3905248" cy="3978825"/>
+          </a:xfrm>
+          <a:prstGeom prst="rect">
+            <a:avLst/>
+          </a:prstGeom>
+        </p:spPr>
+      </p:pic>
+      <p:pic>
+        <p:nvPicPr>
+          <p:cNvPr id="7" name="그림 6">
+            <a:extLst>
+              <a:ext uri="{FF2B5EF4-FFF2-40B4-BE49-F238E27FC236}">
+                <a16:creationId xmlns:a16="http://schemas.microsoft.com/office/drawing/2014/main" id="{476A7571-E5FF-F5D8-F6DF-50093809D13A}"/>
+              </a:ext>
+            </a:extLst>
+          </p:cNvPr>
+          <p:cNvPicPr>
+            <a:picLocks noChangeAspect="1"/>
+          </p:cNvPicPr>
+          <p:nvPr/>
+        </p:nvPicPr>
+        <p:blipFill rotWithShape="1">
+          <a:blip r:embed="rId2">
+            <a:alphaModFix amt="70000"/>
+          </a:blip>
+          <a:srcRect l="20686" t="27494" r="60984" b="32143"/>
+          <a:stretch/>
+        </p:blipFill>
+        <p:spPr>
+          <a:xfrm>
+            <a:off x="2114550" y="2597129"/>
+            <a:ext cx="2495548" cy="2260622"/>
+          </a:xfrm>
+          <a:prstGeom prst="rect">
+            <a:avLst/>
+          </a:prstGeom>
+        </p:spPr>
+      </p:pic>
+      <p:cxnSp>
+        <p:nvCxnSpPr>
+          <p:cNvPr id="9" name="직선 화살표 연결선 8">
+            <a:extLst>
+              <a:ext uri="{FF2B5EF4-FFF2-40B4-BE49-F238E27FC236}">
+                <a16:creationId xmlns:a16="http://schemas.microsoft.com/office/drawing/2014/main" id="{D6CE6336-79C4-0629-88E0-BA8AF1A4355F}"/>
+              </a:ext>
+            </a:extLst>
+          </p:cNvPr>
+          <p:cNvCxnSpPr/>
+          <p:nvPr/>
+        </p:nvCxnSpPr>
+        <p:spPr>
+          <a:xfrm>
+            <a:off x="1590675" y="3743325"/>
+            <a:ext cx="3571875" cy="0"/>
+          </a:xfrm>
+          <a:prstGeom prst="straightConnector1">
+            <a:avLst/>
+          </a:prstGeom>
+          <a:ln w="28575">
+            <a:solidFill>
+              <a:schemeClr val="tx1"/>
+            </a:solidFill>
+            <a:tailEnd type="triangle"/>
+          </a:ln>
+        </p:spPr>
+        <p:style>
+          <a:lnRef idx="1">
+            <a:schemeClr val="accent1"/>
+          </a:lnRef>
+          <a:fillRef idx="0">
+            <a:schemeClr val="accent1"/>
+          </a:fillRef>
+          <a:effectRef idx="0">
+            <a:schemeClr val="accent1"/>
+          </a:effectRef>
+          <a:fontRef idx="minor">
+            <a:schemeClr val="tx1"/>
+          </a:fontRef>
+        </p:style>
+      </p:cxnSp>
+      <p:cxnSp>
+        <p:nvCxnSpPr>
+          <p:cNvPr id="10" name="직선 화살표 연결선 9">
+            <a:extLst>
+              <a:ext uri="{FF2B5EF4-FFF2-40B4-BE49-F238E27FC236}">
+                <a16:creationId xmlns:a16="http://schemas.microsoft.com/office/drawing/2014/main" id="{C0546929-6AF0-45EC-88E6-D1D14657F9AB}"/>
+              </a:ext>
+            </a:extLst>
+          </p:cNvPr>
+          <p:cNvCxnSpPr>
+            <a:cxnSpLocks/>
+          </p:cNvCxnSpPr>
+          <p:nvPr/>
+        </p:nvCxnSpPr>
+        <p:spPr>
+          <a:xfrm rot="16200000">
+            <a:off x="1562100" y="3571875"/>
+            <a:ext cx="3571875" cy="0"/>
+          </a:xfrm>
+          <a:prstGeom prst="straightConnector1">
+            <a:avLst/>
+          </a:prstGeom>
+          <a:ln w="28575">
+            <a:solidFill>
+              <a:schemeClr val="tx1"/>
+            </a:solidFill>
+            <a:tailEnd type="triangle"/>
+          </a:ln>
+        </p:spPr>
+        <p:style>
+          <a:lnRef idx="1">
+            <a:schemeClr val="accent1"/>
+          </a:lnRef>
+          <a:fillRef idx="0">
+            <a:schemeClr val="accent1"/>
+          </a:fillRef>
+          <a:effectRef idx="0">
+            <a:schemeClr val="accent1"/>
+          </a:effectRef>
+          <a:fontRef idx="minor">
+            <a:schemeClr val="tx1"/>
+          </a:fontRef>
+        </p:style>
+      </p:cxnSp>
+      <p:sp>
+        <p:nvSpPr>
+          <p:cNvPr id="11" name="TextBox 10">
+            <a:extLst>
+              <a:ext uri="{FF2B5EF4-FFF2-40B4-BE49-F238E27FC236}">
+                <a16:creationId xmlns:a16="http://schemas.microsoft.com/office/drawing/2014/main" id="{F4191108-23F5-CA20-B431-D7A8FE93DAE9}"/>
+              </a:ext>
+            </a:extLst>
+          </p:cNvPr>
+          <p:cNvSpPr txBox="1"/>
+          <p:nvPr/>
+        </p:nvSpPr>
+        <p:spPr>
+          <a:xfrm>
+            <a:off x="3463925" y="3706299"/>
+            <a:ext cx="269626" cy="276999"/>
+          </a:xfrm>
+          <a:prstGeom prst="rect">
+            <a:avLst/>
+          </a:prstGeom>
+          <a:noFill/>
+        </p:spPr>
+        <p:txBody>
+          <a:bodyPr wrap="none" rtlCol="0">
+            <a:spAutoFit/>
+          </a:bodyPr>
+          <a:lstStyle/>
+          <a:p>
+            <a:r>
+              <a:rPr lang="en-US" altLang="ko-KR" sz="1200" dirty="0"/>
+              <a:t>1</a:t>
+            </a:r>
+            <a:endParaRPr lang="ko-KR" altLang="en-US" sz="1200" dirty="0"/>
+          </a:p>
+        </p:txBody>
+      </p:sp>
+      <p:sp>
+        <p:nvSpPr>
+          <p:cNvPr id="13" name="TextBox 12">
+            <a:extLst>
+              <a:ext uri="{FF2B5EF4-FFF2-40B4-BE49-F238E27FC236}">
+                <a16:creationId xmlns:a16="http://schemas.microsoft.com/office/drawing/2014/main" id="{513AAF90-CB48-1B56-DD06-4BEE53882635}"/>
+              </a:ext>
+            </a:extLst>
+          </p:cNvPr>
+          <p:cNvSpPr txBox="1"/>
+          <p:nvPr/>
+        </p:nvSpPr>
+        <p:spPr>
+          <a:xfrm>
+            <a:off x="3702050" y="3706299"/>
+            <a:ext cx="269626" cy="276999"/>
+          </a:xfrm>
+          <a:prstGeom prst="rect">
+            <a:avLst/>
+          </a:prstGeom>
+          <a:noFill/>
+        </p:spPr>
+        <p:txBody>
+          <a:bodyPr wrap="none" rtlCol="0">
+            <a:spAutoFit/>
+          </a:bodyPr>
+          <a:lstStyle/>
+          <a:p>
+            <a:r>
+              <a:rPr lang="en-US" altLang="ko-KR" sz="1200" dirty="0"/>
+              <a:t>2</a:t>
+            </a:r>
+            <a:endParaRPr lang="ko-KR" altLang="en-US" sz="1200" dirty="0"/>
+          </a:p>
+        </p:txBody>
+      </p:sp>
+      <p:sp>
+        <p:nvSpPr>
+          <p:cNvPr id="14" name="TextBox 13">
+            <a:extLst>
+              <a:ext uri="{FF2B5EF4-FFF2-40B4-BE49-F238E27FC236}">
+                <a16:creationId xmlns:a16="http://schemas.microsoft.com/office/drawing/2014/main" id="{94A2D09C-41C0-DF50-CA58-7AB0C0532C3B}"/>
+              </a:ext>
+            </a:extLst>
+          </p:cNvPr>
+          <p:cNvSpPr txBox="1"/>
+          <p:nvPr/>
+        </p:nvSpPr>
+        <p:spPr>
+          <a:xfrm>
+            <a:off x="3940175" y="3706299"/>
+            <a:ext cx="269626" cy="276999"/>
+          </a:xfrm>
+          <a:prstGeom prst="rect">
+            <a:avLst/>
+          </a:prstGeom>
+          <a:noFill/>
+        </p:spPr>
+        <p:txBody>
+          <a:bodyPr wrap="none" rtlCol="0">
+            <a:spAutoFit/>
+          </a:bodyPr>
+          <a:lstStyle/>
+          <a:p>
+            <a:r>
+              <a:rPr lang="en-US" altLang="ko-KR" sz="1200" dirty="0"/>
+              <a:t>3</a:t>
+            </a:r>
+            <a:endParaRPr lang="ko-KR" altLang="en-US" sz="1200" dirty="0"/>
+          </a:p>
+        </p:txBody>
+      </p:sp>
+      <p:sp>
+        <p:nvSpPr>
+          <p:cNvPr id="15" name="TextBox 14">
+            <a:extLst>
+              <a:ext uri="{FF2B5EF4-FFF2-40B4-BE49-F238E27FC236}">
+                <a16:creationId xmlns:a16="http://schemas.microsoft.com/office/drawing/2014/main" id="{EE071886-C700-BCD8-E2B2-E6B64A07F7A0}"/>
+              </a:ext>
+            </a:extLst>
+          </p:cNvPr>
+          <p:cNvSpPr txBox="1"/>
+          <p:nvPr/>
+        </p:nvSpPr>
+        <p:spPr>
+          <a:xfrm>
+            <a:off x="4184650" y="3706299"/>
+            <a:ext cx="269626" cy="276999"/>
+          </a:xfrm>
+          <a:prstGeom prst="rect">
+            <a:avLst/>
+          </a:prstGeom>
+          <a:noFill/>
+        </p:spPr>
+        <p:txBody>
+          <a:bodyPr wrap="none" rtlCol="0">
+            <a:spAutoFit/>
+          </a:bodyPr>
+          <a:lstStyle/>
+          <a:p>
+            <a:r>
+              <a:rPr lang="en-US" altLang="ko-KR" sz="1200" dirty="0"/>
+              <a:t>4</a:t>
+            </a:r>
+            <a:endParaRPr lang="ko-KR" altLang="en-US" sz="1200" dirty="0"/>
+          </a:p>
+        </p:txBody>
+      </p:sp>
+      <p:sp>
+        <p:nvSpPr>
+          <p:cNvPr id="16" name="TextBox 15">
+            <a:extLst>
+              <a:ext uri="{FF2B5EF4-FFF2-40B4-BE49-F238E27FC236}">
+                <a16:creationId xmlns:a16="http://schemas.microsoft.com/office/drawing/2014/main" id="{9977599F-477B-B19C-F2C8-C15FE4CABAB2}"/>
+              </a:ext>
+            </a:extLst>
+          </p:cNvPr>
+          <p:cNvSpPr txBox="1"/>
+          <p:nvPr/>
+        </p:nvSpPr>
+        <p:spPr>
+          <a:xfrm>
+            <a:off x="3117927" y="3338810"/>
+            <a:ext cx="269626" cy="276999"/>
+          </a:xfrm>
+          <a:prstGeom prst="rect">
+            <a:avLst/>
+          </a:prstGeom>
+          <a:noFill/>
+        </p:spPr>
+        <p:txBody>
+          <a:bodyPr wrap="none" rtlCol="0">
+            <a:spAutoFit/>
+          </a:bodyPr>
+          <a:lstStyle/>
+          <a:p>
+            <a:r>
+              <a:rPr lang="en-US" altLang="ko-KR" sz="1200" dirty="0"/>
+              <a:t>1</a:t>
+            </a:r>
+            <a:endParaRPr lang="ko-KR" altLang="en-US" sz="1200" dirty="0"/>
+          </a:p>
+        </p:txBody>
+      </p:sp>
+      <p:sp>
+        <p:nvSpPr>
+          <p:cNvPr id="17" name="TextBox 16">
+            <a:extLst>
+              <a:ext uri="{FF2B5EF4-FFF2-40B4-BE49-F238E27FC236}">
+                <a16:creationId xmlns:a16="http://schemas.microsoft.com/office/drawing/2014/main" id="{41B0752E-0DE4-4E4B-5186-B6DD70CAA55E}"/>
+              </a:ext>
+            </a:extLst>
+          </p:cNvPr>
+          <p:cNvSpPr txBox="1"/>
+          <p:nvPr/>
+        </p:nvSpPr>
+        <p:spPr>
+          <a:xfrm>
+            <a:off x="3117927" y="3115508"/>
+            <a:ext cx="269626" cy="276999"/>
+          </a:xfrm>
+          <a:prstGeom prst="rect">
+            <a:avLst/>
+          </a:prstGeom>
+          <a:noFill/>
+        </p:spPr>
+        <p:txBody>
+          <a:bodyPr wrap="none" rtlCol="0">
+            <a:spAutoFit/>
+          </a:bodyPr>
+          <a:lstStyle/>
+          <a:p>
+            <a:r>
+              <a:rPr lang="en-US" altLang="ko-KR" sz="1200" dirty="0"/>
+              <a:t>2</a:t>
+            </a:r>
+            <a:endParaRPr lang="ko-KR" altLang="en-US" sz="1200" dirty="0"/>
+          </a:p>
+        </p:txBody>
+      </p:sp>
+      <p:sp>
+        <p:nvSpPr>
+          <p:cNvPr id="18" name="TextBox 17">
+            <a:extLst>
+              <a:ext uri="{FF2B5EF4-FFF2-40B4-BE49-F238E27FC236}">
+                <a16:creationId xmlns:a16="http://schemas.microsoft.com/office/drawing/2014/main" id="{890E5C31-35C1-C983-CC0E-09EF615C42A7}"/>
+              </a:ext>
+            </a:extLst>
+          </p:cNvPr>
+          <p:cNvSpPr txBox="1"/>
+          <p:nvPr/>
+        </p:nvSpPr>
+        <p:spPr>
+          <a:xfrm>
+            <a:off x="3117927" y="2888753"/>
+            <a:ext cx="269626" cy="276999"/>
+          </a:xfrm>
+          <a:prstGeom prst="rect">
+            <a:avLst/>
+          </a:prstGeom>
+          <a:noFill/>
+        </p:spPr>
+        <p:txBody>
+          <a:bodyPr wrap="none" rtlCol="0">
+            <a:spAutoFit/>
+          </a:bodyPr>
+          <a:lstStyle/>
+          <a:p>
+            <a:r>
+              <a:rPr lang="en-US" altLang="ko-KR" sz="1200" dirty="0"/>
+              <a:t>3</a:t>
+            </a:r>
+            <a:endParaRPr lang="ko-KR" altLang="en-US" sz="1200" dirty="0"/>
+          </a:p>
+        </p:txBody>
+      </p:sp>
+      <p:sp>
+        <p:nvSpPr>
+          <p:cNvPr id="19" name="TextBox 18">
+            <a:extLst>
+              <a:ext uri="{FF2B5EF4-FFF2-40B4-BE49-F238E27FC236}">
+                <a16:creationId xmlns:a16="http://schemas.microsoft.com/office/drawing/2014/main" id="{BCF28BA6-8241-5ADC-4427-CC98416FA1C1}"/>
+              </a:ext>
+            </a:extLst>
+          </p:cNvPr>
+          <p:cNvSpPr txBox="1"/>
+          <p:nvPr/>
+        </p:nvSpPr>
+        <p:spPr>
+          <a:xfrm>
+            <a:off x="3117927" y="2668904"/>
+            <a:ext cx="269626" cy="276999"/>
+          </a:xfrm>
+          <a:prstGeom prst="rect">
+            <a:avLst/>
+          </a:prstGeom>
+          <a:noFill/>
+        </p:spPr>
+        <p:txBody>
+          <a:bodyPr wrap="none" rtlCol="0">
+            <a:spAutoFit/>
+          </a:bodyPr>
+          <a:lstStyle/>
+          <a:p>
+            <a:r>
+              <a:rPr lang="en-US" altLang="ko-KR" sz="1200" dirty="0"/>
+              <a:t>4</a:t>
+            </a:r>
+            <a:endParaRPr lang="ko-KR" altLang="en-US" sz="1200" dirty="0"/>
+          </a:p>
+        </p:txBody>
+      </p:sp>
+      <p:cxnSp>
+        <p:nvCxnSpPr>
+          <p:cNvPr id="20" name="직선 화살표 연결선 19">
+            <a:extLst>
+              <a:ext uri="{FF2B5EF4-FFF2-40B4-BE49-F238E27FC236}">
+                <a16:creationId xmlns:a16="http://schemas.microsoft.com/office/drawing/2014/main" id="{954923CC-DA9F-3A3B-5C6D-F4221460E842}"/>
+              </a:ext>
+            </a:extLst>
+          </p:cNvPr>
+          <p:cNvCxnSpPr>
+            <a:cxnSpLocks/>
+          </p:cNvCxnSpPr>
+          <p:nvPr/>
+        </p:nvCxnSpPr>
+        <p:spPr>
+          <a:xfrm flipV="1">
+            <a:off x="7644272" y="1037273"/>
+            <a:ext cx="3134931" cy="4074112"/>
+          </a:xfrm>
+          <a:prstGeom prst="straightConnector1">
+            <a:avLst/>
+          </a:prstGeom>
+          <a:ln w="28575">
+            <a:solidFill>
+              <a:schemeClr val="tx1"/>
+            </a:solidFill>
+            <a:tailEnd type="triangle"/>
+          </a:ln>
+        </p:spPr>
+        <p:style>
+          <a:lnRef idx="1">
+            <a:schemeClr val="accent1"/>
+          </a:lnRef>
+          <a:fillRef idx="0">
+            <a:schemeClr val="accent1"/>
+          </a:fillRef>
+          <a:effectRef idx="0">
+            <a:schemeClr val="accent1"/>
+          </a:effectRef>
+          <a:fontRef idx="minor">
+            <a:schemeClr val="tx1"/>
+          </a:fontRef>
+        </p:style>
+      </p:cxnSp>
+      <p:cxnSp>
+        <p:nvCxnSpPr>
+          <p:cNvPr id="21" name="직선 화살표 연결선 20">
+            <a:extLst>
+              <a:ext uri="{FF2B5EF4-FFF2-40B4-BE49-F238E27FC236}">
+                <a16:creationId xmlns:a16="http://schemas.microsoft.com/office/drawing/2014/main" id="{B9DD7C71-F21B-4353-5186-DD16FF1D032F}"/>
+              </a:ext>
+            </a:extLst>
+          </p:cNvPr>
+          <p:cNvCxnSpPr>
+            <a:cxnSpLocks/>
+          </p:cNvCxnSpPr>
+          <p:nvPr/>
+        </p:nvCxnSpPr>
+        <p:spPr>
+          <a:xfrm rot="12993993">
+            <a:off x="7258184" y="3088629"/>
+            <a:ext cx="3571875" cy="0"/>
+          </a:xfrm>
+          <a:prstGeom prst="straightConnector1">
+            <a:avLst/>
+          </a:prstGeom>
+          <a:ln w="28575">
+            <a:solidFill>
+              <a:schemeClr val="tx1"/>
+            </a:solidFill>
+            <a:tailEnd type="triangle"/>
+          </a:ln>
+        </p:spPr>
+        <p:style>
+          <a:lnRef idx="1">
+            <a:schemeClr val="accent1"/>
+          </a:lnRef>
+          <a:fillRef idx="0">
+            <a:schemeClr val="accent1"/>
+          </a:fillRef>
+          <a:effectRef idx="0">
+            <a:schemeClr val="accent1"/>
+          </a:effectRef>
+          <a:fontRef idx="minor">
+            <a:schemeClr val="tx1"/>
+          </a:fontRef>
+        </p:style>
+      </p:cxnSp>
+      <p:sp>
+        <p:nvSpPr>
+          <p:cNvPr id="22" name="TextBox 21">
+            <a:extLst>
+              <a:ext uri="{FF2B5EF4-FFF2-40B4-BE49-F238E27FC236}">
+                <a16:creationId xmlns:a16="http://schemas.microsoft.com/office/drawing/2014/main" id="{03B3006D-28E2-A0DB-B90D-E0BEFC5A8713}"/>
+              </a:ext>
+            </a:extLst>
+          </p:cNvPr>
+          <p:cNvSpPr txBox="1"/>
+          <p:nvPr/>
+        </p:nvSpPr>
+        <p:spPr>
+          <a:xfrm rot="18393993">
+            <a:off x="9445320" y="2681033"/>
+            <a:ext cx="269626" cy="276999"/>
+          </a:xfrm>
+          <a:prstGeom prst="rect">
+            <a:avLst/>
+          </a:prstGeom>
+          <a:noFill/>
+        </p:spPr>
+        <p:txBody>
+          <a:bodyPr wrap="none" rtlCol="0">
+            <a:spAutoFit/>
+          </a:bodyPr>
+          <a:lstStyle/>
+          <a:p>
+            <a:r>
+              <a:rPr lang="en-US" altLang="ko-KR" sz="1200" dirty="0"/>
+              <a:t>1</a:t>
+            </a:r>
+            <a:endParaRPr lang="ko-KR" altLang="en-US" sz="1200" dirty="0"/>
+          </a:p>
+        </p:txBody>
+      </p:sp>
+      <p:sp>
+        <p:nvSpPr>
+          <p:cNvPr id="23" name="TextBox 22">
+            <a:extLst>
+              <a:ext uri="{FF2B5EF4-FFF2-40B4-BE49-F238E27FC236}">
+                <a16:creationId xmlns:a16="http://schemas.microsoft.com/office/drawing/2014/main" id="{BC101A5E-908D-81AA-3796-1583B9849223}"/>
+              </a:ext>
+            </a:extLst>
+          </p:cNvPr>
+          <p:cNvSpPr txBox="1"/>
+          <p:nvPr/>
+        </p:nvSpPr>
+        <p:spPr>
+          <a:xfrm rot="18393993">
+            <a:off x="9761907" y="2241087"/>
+            <a:ext cx="269626" cy="276999"/>
+          </a:xfrm>
+          <a:prstGeom prst="rect">
+            <a:avLst/>
+          </a:prstGeom>
+          <a:noFill/>
+        </p:spPr>
+        <p:txBody>
+          <a:bodyPr wrap="none" rtlCol="0">
+            <a:spAutoFit/>
+          </a:bodyPr>
+          <a:lstStyle/>
+          <a:p>
+            <a:r>
+              <a:rPr lang="en-US" altLang="ko-KR" sz="1200" dirty="0"/>
+              <a:t>2</a:t>
+            </a:r>
+            <a:endParaRPr lang="ko-KR" altLang="en-US" sz="1200" dirty="0"/>
+          </a:p>
+        </p:txBody>
+      </p:sp>
+      <p:sp>
+        <p:nvSpPr>
+          <p:cNvPr id="24" name="TextBox 23">
+            <a:extLst>
+              <a:ext uri="{FF2B5EF4-FFF2-40B4-BE49-F238E27FC236}">
+                <a16:creationId xmlns:a16="http://schemas.microsoft.com/office/drawing/2014/main" id="{90CCC892-58BB-1F2C-AC51-872122C22128}"/>
+              </a:ext>
+            </a:extLst>
+          </p:cNvPr>
+          <p:cNvSpPr txBox="1"/>
+          <p:nvPr/>
+        </p:nvSpPr>
+        <p:spPr>
+          <a:xfrm rot="18393993">
+            <a:off x="10094705" y="1817018"/>
+            <a:ext cx="269626" cy="276999"/>
+          </a:xfrm>
+          <a:prstGeom prst="rect">
+            <a:avLst/>
+          </a:prstGeom>
+          <a:noFill/>
+        </p:spPr>
+        <p:txBody>
+          <a:bodyPr wrap="none" rtlCol="0">
+            <a:spAutoFit/>
+          </a:bodyPr>
+          <a:lstStyle/>
+          <a:p>
+            <a:r>
+              <a:rPr lang="en-US" altLang="ko-KR" sz="1200" dirty="0"/>
+              <a:t>3</a:t>
+            </a:r>
+            <a:endParaRPr lang="ko-KR" altLang="en-US" sz="1200" dirty="0"/>
+          </a:p>
+        </p:txBody>
+      </p:sp>
+      <p:sp>
+        <p:nvSpPr>
+          <p:cNvPr id="25" name="TextBox 24">
+            <a:extLst>
+              <a:ext uri="{FF2B5EF4-FFF2-40B4-BE49-F238E27FC236}">
+                <a16:creationId xmlns:a16="http://schemas.microsoft.com/office/drawing/2014/main" id="{3481CA33-0CDE-94BB-7046-20511AE16863}"/>
+              </a:ext>
+            </a:extLst>
+          </p:cNvPr>
+          <p:cNvSpPr txBox="1"/>
+          <p:nvPr/>
+        </p:nvSpPr>
+        <p:spPr>
+          <a:xfrm rot="18393993">
+            <a:off x="10433349" y="1404100"/>
+            <a:ext cx="269626" cy="276999"/>
+          </a:xfrm>
+          <a:prstGeom prst="rect">
+            <a:avLst/>
+          </a:prstGeom>
+          <a:noFill/>
+        </p:spPr>
+        <p:txBody>
+          <a:bodyPr wrap="none" rtlCol="0">
+            <a:spAutoFit/>
+          </a:bodyPr>
+          <a:lstStyle/>
+          <a:p>
+            <a:r>
+              <a:rPr lang="en-US" altLang="ko-KR" sz="1200" dirty="0"/>
+              <a:t>4</a:t>
+            </a:r>
+            <a:endParaRPr lang="ko-KR" altLang="en-US" sz="1200" dirty="0"/>
+          </a:p>
+        </p:txBody>
+      </p:sp>
+      <p:sp>
+        <p:nvSpPr>
+          <p:cNvPr id="26" name="TextBox 25">
+            <a:extLst>
+              <a:ext uri="{FF2B5EF4-FFF2-40B4-BE49-F238E27FC236}">
+                <a16:creationId xmlns:a16="http://schemas.microsoft.com/office/drawing/2014/main" id="{B4A48A6E-C1D9-2087-DF96-4CDA094F7136}"/>
+              </a:ext>
+            </a:extLst>
+          </p:cNvPr>
+          <p:cNvSpPr txBox="1"/>
+          <p:nvPr/>
+        </p:nvSpPr>
+        <p:spPr>
+          <a:xfrm rot="18393993">
+            <a:off x="8776582" y="2970331"/>
+            <a:ext cx="269626" cy="276999"/>
+          </a:xfrm>
+          <a:prstGeom prst="rect">
+            <a:avLst/>
+          </a:prstGeom>
+          <a:noFill/>
+        </p:spPr>
+        <p:txBody>
+          <a:bodyPr wrap="none" rtlCol="0">
+            <a:spAutoFit/>
+          </a:bodyPr>
+          <a:lstStyle/>
+          <a:p>
+            <a:r>
+              <a:rPr lang="en-US" altLang="ko-KR" sz="1200" dirty="0"/>
+              <a:t>1</a:t>
+            </a:r>
+            <a:endParaRPr lang="ko-KR" altLang="en-US" sz="1200" dirty="0"/>
+          </a:p>
+        </p:txBody>
+      </p:sp>
+      <p:sp>
+        <p:nvSpPr>
+          <p:cNvPr id="27" name="TextBox 26">
+            <a:extLst>
+              <a:ext uri="{FF2B5EF4-FFF2-40B4-BE49-F238E27FC236}">
+                <a16:creationId xmlns:a16="http://schemas.microsoft.com/office/drawing/2014/main" id="{695A3F6A-A98C-4969-32D5-B9B002B66F9B}"/>
+              </a:ext>
+            </a:extLst>
+          </p:cNvPr>
+          <p:cNvSpPr txBox="1"/>
+          <p:nvPr/>
+        </p:nvSpPr>
+        <p:spPr>
+          <a:xfrm rot="18393993">
+            <a:off x="8541128" y="2836463"/>
+            <a:ext cx="269626" cy="276999"/>
+          </a:xfrm>
+          <a:prstGeom prst="rect">
+            <a:avLst/>
+          </a:prstGeom>
+          <a:noFill/>
+        </p:spPr>
+        <p:txBody>
+          <a:bodyPr wrap="none" rtlCol="0">
+            <a:spAutoFit/>
+          </a:bodyPr>
+          <a:lstStyle/>
+          <a:p>
+            <a:r>
+              <a:rPr lang="en-US" altLang="ko-KR" sz="1200" dirty="0"/>
+              <a:t>2</a:t>
+            </a:r>
+            <a:endParaRPr lang="ko-KR" altLang="en-US" sz="1200" dirty="0"/>
+          </a:p>
+        </p:txBody>
+      </p:sp>
+      <p:sp>
+        <p:nvSpPr>
+          <p:cNvPr id="28" name="TextBox 27">
+            <a:extLst>
+              <a:ext uri="{FF2B5EF4-FFF2-40B4-BE49-F238E27FC236}">
+                <a16:creationId xmlns:a16="http://schemas.microsoft.com/office/drawing/2014/main" id="{7BE15770-0D04-63C9-C743-02BB64AF8D63}"/>
+              </a:ext>
+            </a:extLst>
+          </p:cNvPr>
+          <p:cNvSpPr txBox="1"/>
+          <p:nvPr/>
+        </p:nvSpPr>
+        <p:spPr>
+          <a:xfrm rot="18393993">
+            <a:off x="8333911" y="2646508"/>
+            <a:ext cx="269626" cy="276999"/>
+          </a:xfrm>
+          <a:prstGeom prst="rect">
+            <a:avLst/>
+          </a:prstGeom>
+          <a:noFill/>
+        </p:spPr>
+        <p:txBody>
+          <a:bodyPr wrap="none" rtlCol="0">
+            <a:spAutoFit/>
+          </a:bodyPr>
+          <a:lstStyle/>
+          <a:p>
+            <a:r>
+              <a:rPr lang="en-US" altLang="ko-KR" sz="1200" dirty="0"/>
+              <a:t>3</a:t>
+            </a:r>
+            <a:endParaRPr lang="ko-KR" altLang="en-US" sz="1200" dirty="0"/>
+          </a:p>
+        </p:txBody>
+      </p:sp>
+      <p:sp>
+        <p:nvSpPr>
+          <p:cNvPr id="29" name="TextBox 28">
+            <a:extLst>
+              <a:ext uri="{FF2B5EF4-FFF2-40B4-BE49-F238E27FC236}">
+                <a16:creationId xmlns:a16="http://schemas.microsoft.com/office/drawing/2014/main" id="{0BFA148C-8723-399F-CC21-D79C31C8E7DD}"/>
+              </a:ext>
+            </a:extLst>
+          </p:cNvPr>
+          <p:cNvSpPr txBox="1"/>
+          <p:nvPr/>
+        </p:nvSpPr>
+        <p:spPr>
+          <a:xfrm rot="18393993">
+            <a:off x="8122564" y="2456553"/>
+            <a:ext cx="269626" cy="276999"/>
+          </a:xfrm>
+          <a:prstGeom prst="rect">
+            <a:avLst/>
+          </a:prstGeom>
+          <a:noFill/>
+        </p:spPr>
+        <p:txBody>
+          <a:bodyPr wrap="none" rtlCol="0">
+            <a:spAutoFit/>
+          </a:bodyPr>
+          <a:lstStyle/>
+          <a:p>
+            <a:r>
+              <a:rPr lang="en-US" altLang="ko-KR" sz="1200" dirty="0"/>
+              <a:t>4</a:t>
+            </a:r>
+            <a:endParaRPr lang="ko-KR" altLang="en-US" sz="1200" dirty="0"/>
+          </a:p>
+        </p:txBody>
+      </p:sp>
+      <p:cxnSp>
+        <p:nvCxnSpPr>
+          <p:cNvPr id="34" name="직선 연결선 33">
+            <a:extLst>
+              <a:ext uri="{FF2B5EF4-FFF2-40B4-BE49-F238E27FC236}">
+                <a16:creationId xmlns:a16="http://schemas.microsoft.com/office/drawing/2014/main" id="{D26D7F6F-E33D-676E-D533-46549DFC491D}"/>
+              </a:ext>
+            </a:extLst>
+          </p:cNvPr>
+          <p:cNvCxnSpPr/>
+          <p:nvPr/>
+        </p:nvCxnSpPr>
+        <p:spPr>
+          <a:xfrm>
+            <a:off x="3567113" y="3706299"/>
+            <a:ext cx="0" cy="74724"/>
+          </a:xfrm>
+          <a:prstGeom prst="line">
+            <a:avLst/>
+          </a:prstGeom>
+          <a:ln w="19050">
+            <a:solidFill>
+              <a:schemeClr val="tx1"/>
+            </a:solidFill>
+          </a:ln>
+        </p:spPr>
+        <p:style>
+          <a:lnRef idx="1">
+            <a:schemeClr val="accent1"/>
+          </a:lnRef>
+          <a:fillRef idx="0">
+            <a:schemeClr val="accent1"/>
+          </a:fillRef>
+          <a:effectRef idx="0">
+            <a:schemeClr val="accent1"/>
+          </a:effectRef>
+          <a:fontRef idx="minor">
+            <a:schemeClr val="tx1"/>
+          </a:fontRef>
+        </p:style>
+      </p:cxnSp>
+      <p:cxnSp>
+        <p:nvCxnSpPr>
+          <p:cNvPr id="35" name="직선 연결선 34">
+            <a:extLst>
+              <a:ext uri="{FF2B5EF4-FFF2-40B4-BE49-F238E27FC236}">
+                <a16:creationId xmlns:a16="http://schemas.microsoft.com/office/drawing/2014/main" id="{928FD271-1B9A-A13A-D940-0E1788F2F129}"/>
+              </a:ext>
+            </a:extLst>
+          </p:cNvPr>
+          <p:cNvCxnSpPr/>
+          <p:nvPr/>
+        </p:nvCxnSpPr>
+        <p:spPr>
+          <a:xfrm>
+            <a:off x="3800476" y="3706299"/>
+            <a:ext cx="0" cy="74724"/>
+          </a:xfrm>
+          <a:prstGeom prst="line">
+            <a:avLst/>
+          </a:prstGeom>
+          <a:ln w="19050">
+            <a:solidFill>
+              <a:schemeClr val="tx1"/>
+            </a:solidFill>
+          </a:ln>
+        </p:spPr>
+        <p:style>
+          <a:lnRef idx="1">
+            <a:schemeClr val="accent1"/>
+          </a:lnRef>
+          <a:fillRef idx="0">
+            <a:schemeClr val="accent1"/>
+          </a:fillRef>
+          <a:effectRef idx="0">
+            <a:schemeClr val="accent1"/>
+          </a:effectRef>
+          <a:fontRef idx="minor">
+            <a:schemeClr val="tx1"/>
+          </a:fontRef>
+        </p:style>
+      </p:cxnSp>
+      <p:cxnSp>
+        <p:nvCxnSpPr>
+          <p:cNvPr id="36" name="직선 연결선 35">
+            <a:extLst>
+              <a:ext uri="{FF2B5EF4-FFF2-40B4-BE49-F238E27FC236}">
+                <a16:creationId xmlns:a16="http://schemas.microsoft.com/office/drawing/2014/main" id="{8753990B-06D5-700D-A9ED-AB82ABA8379E}"/>
+              </a:ext>
+            </a:extLst>
+          </p:cNvPr>
+          <p:cNvCxnSpPr/>
+          <p:nvPr/>
+        </p:nvCxnSpPr>
+        <p:spPr>
+          <a:xfrm>
+            <a:off x="4029076" y="3706299"/>
+            <a:ext cx="0" cy="74724"/>
+          </a:xfrm>
+          <a:prstGeom prst="line">
+            <a:avLst/>
+          </a:prstGeom>
+          <a:ln w="19050">
+            <a:solidFill>
+              <a:schemeClr val="tx1"/>
+            </a:solidFill>
+          </a:ln>
+        </p:spPr>
+        <p:style>
+          <a:lnRef idx="1">
+            <a:schemeClr val="accent1"/>
+          </a:lnRef>
+          <a:fillRef idx="0">
+            <a:schemeClr val="accent1"/>
+          </a:fillRef>
+          <a:effectRef idx="0">
+            <a:schemeClr val="accent1"/>
+          </a:effectRef>
+          <a:fontRef idx="minor">
+            <a:schemeClr val="tx1"/>
+          </a:fontRef>
+        </p:style>
+      </p:cxnSp>
+      <p:cxnSp>
+        <p:nvCxnSpPr>
+          <p:cNvPr id="37" name="직선 연결선 36">
+            <a:extLst>
+              <a:ext uri="{FF2B5EF4-FFF2-40B4-BE49-F238E27FC236}">
+                <a16:creationId xmlns:a16="http://schemas.microsoft.com/office/drawing/2014/main" id="{8C791291-DCD3-E6FC-040B-15153EC53E06}"/>
+              </a:ext>
+            </a:extLst>
+          </p:cNvPr>
+          <p:cNvCxnSpPr/>
+          <p:nvPr/>
+        </p:nvCxnSpPr>
+        <p:spPr>
+          <a:xfrm>
+            <a:off x="4257676" y="3706299"/>
+            <a:ext cx="0" cy="74724"/>
+          </a:xfrm>
+          <a:prstGeom prst="line">
+            <a:avLst/>
+          </a:prstGeom>
+          <a:ln w="19050">
+            <a:solidFill>
+              <a:schemeClr val="tx1"/>
+            </a:solidFill>
+          </a:ln>
+        </p:spPr>
+        <p:style>
+          <a:lnRef idx="1">
+            <a:schemeClr val="accent1"/>
+          </a:lnRef>
+          <a:fillRef idx="0">
+            <a:schemeClr val="accent1"/>
+          </a:fillRef>
+          <a:effectRef idx="0">
+            <a:schemeClr val="accent1"/>
+          </a:effectRef>
+          <a:fontRef idx="minor">
+            <a:schemeClr val="tx1"/>
+          </a:fontRef>
+        </p:style>
+      </p:cxnSp>
+      <p:grpSp>
+        <p:nvGrpSpPr>
+          <p:cNvPr id="42" name="그룹 41">
+            <a:extLst>
+              <a:ext uri="{FF2B5EF4-FFF2-40B4-BE49-F238E27FC236}">
+                <a16:creationId xmlns:a16="http://schemas.microsoft.com/office/drawing/2014/main" id="{31385F3D-1B38-2108-ECA7-D058B0D83BA9}"/>
+              </a:ext>
+            </a:extLst>
+          </p:cNvPr>
+          <p:cNvGrpSpPr/>
+          <p:nvPr/>
+        </p:nvGrpSpPr>
+        <p:grpSpPr>
+          <a:xfrm rot="16200000">
+            <a:off x="3004910" y="3158572"/>
+            <a:ext cx="690563" cy="74724"/>
+            <a:chOff x="3709988" y="3430074"/>
+            <a:chExt cx="690563" cy="74724"/>
+          </a:xfrm>
+        </p:grpSpPr>
+        <p:cxnSp>
+          <p:nvCxnSpPr>
+            <p:cNvPr id="38" name="직선 연결선 37">
+              <a:extLst>
+                <a:ext uri="{FF2B5EF4-FFF2-40B4-BE49-F238E27FC236}">
+                  <a16:creationId xmlns:a16="http://schemas.microsoft.com/office/drawing/2014/main" id="{F2FE5B6E-7DC4-34BD-9F5E-D24602647F55}"/>
+                </a:ext>
+              </a:extLst>
+            </p:cNvPr>
+            <p:cNvCxnSpPr/>
+            <p:nvPr/>
+          </p:nvCxnSpPr>
+          <p:spPr>
+            <a:xfrm>
+              <a:off x="3709988" y="3430074"/>
+              <a:ext cx="0" cy="74724"/>
+            </a:xfrm>
+            <a:prstGeom prst="line">
+              <a:avLst/>
+            </a:prstGeom>
+            <a:ln w="19050">
+              <a:solidFill>
+                <a:schemeClr val="tx1"/>
+              </a:solidFill>
+            </a:ln>
+          </p:spPr>
+          <p:style>
+            <a:lnRef idx="1">
+              <a:schemeClr val="accent1"/>
+            </a:lnRef>
+            <a:fillRef idx="0">
+              <a:schemeClr val="accent1"/>
+            </a:fillRef>
+            <a:effectRef idx="0">
+              <a:schemeClr val="accent1"/>
+            </a:effectRef>
+            <a:fontRef idx="minor">
+              <a:schemeClr val="tx1"/>
+            </a:fontRef>
+          </p:style>
+        </p:cxnSp>
+        <p:cxnSp>
+          <p:nvCxnSpPr>
+            <p:cNvPr id="39" name="직선 연결선 38">
+              <a:extLst>
+                <a:ext uri="{FF2B5EF4-FFF2-40B4-BE49-F238E27FC236}">
+                  <a16:creationId xmlns:a16="http://schemas.microsoft.com/office/drawing/2014/main" id="{DBCE8DBB-1BB9-9583-659A-4D7D9AD1E6ED}"/>
+                </a:ext>
+              </a:extLst>
+            </p:cNvPr>
+            <p:cNvCxnSpPr/>
+            <p:nvPr/>
+          </p:nvCxnSpPr>
+          <p:spPr>
+            <a:xfrm>
+              <a:off x="3943351" y="3430074"/>
+              <a:ext cx="0" cy="74724"/>
+            </a:xfrm>
+            <a:prstGeom prst="line">
+              <a:avLst/>
+            </a:prstGeom>
+            <a:ln w="19050">
+              <a:solidFill>
+                <a:schemeClr val="tx1"/>
+              </a:solidFill>
+            </a:ln>
+          </p:spPr>
+          <p:style>
+            <a:lnRef idx="1">
+              <a:schemeClr val="accent1"/>
+            </a:lnRef>
+            <a:fillRef idx="0">
+              <a:schemeClr val="accent1"/>
+            </a:fillRef>
+            <a:effectRef idx="0">
+              <a:schemeClr val="accent1"/>
+            </a:effectRef>
+            <a:fontRef idx="minor">
+              <a:schemeClr val="tx1"/>
+            </a:fontRef>
+          </p:style>
+        </p:cxnSp>
+        <p:cxnSp>
+          <p:nvCxnSpPr>
+            <p:cNvPr id="40" name="직선 연결선 39">
+              <a:extLst>
+                <a:ext uri="{FF2B5EF4-FFF2-40B4-BE49-F238E27FC236}">
+                  <a16:creationId xmlns:a16="http://schemas.microsoft.com/office/drawing/2014/main" id="{B4718FE3-7F96-53A3-9EA6-A418D043D0E0}"/>
+                </a:ext>
+              </a:extLst>
+            </p:cNvPr>
+            <p:cNvCxnSpPr/>
+            <p:nvPr/>
+          </p:nvCxnSpPr>
+          <p:spPr>
+            <a:xfrm>
+              <a:off x="4171951" y="3430074"/>
+              <a:ext cx="0" cy="74724"/>
+            </a:xfrm>
+            <a:prstGeom prst="line">
+              <a:avLst/>
+            </a:prstGeom>
+            <a:ln w="19050">
+              <a:solidFill>
+                <a:schemeClr val="tx1"/>
+              </a:solidFill>
+            </a:ln>
+          </p:spPr>
+          <p:style>
+            <a:lnRef idx="1">
+              <a:schemeClr val="accent1"/>
+            </a:lnRef>
+            <a:fillRef idx="0">
+              <a:schemeClr val="accent1"/>
+            </a:fillRef>
+            <a:effectRef idx="0">
+              <a:schemeClr val="accent1"/>
+            </a:effectRef>
+            <a:fontRef idx="minor">
+              <a:schemeClr val="tx1"/>
+            </a:fontRef>
+          </p:style>
+        </p:cxnSp>
+        <p:cxnSp>
+          <p:nvCxnSpPr>
+            <p:cNvPr id="41" name="직선 연결선 40">
+              <a:extLst>
+                <a:ext uri="{FF2B5EF4-FFF2-40B4-BE49-F238E27FC236}">
+                  <a16:creationId xmlns:a16="http://schemas.microsoft.com/office/drawing/2014/main" id="{70990F1B-6888-6D35-AFBB-043EB2CC1D4A}"/>
+                </a:ext>
+              </a:extLst>
+            </p:cNvPr>
+            <p:cNvCxnSpPr/>
+            <p:nvPr/>
+          </p:nvCxnSpPr>
+          <p:spPr>
+            <a:xfrm>
+              <a:off x="4400551" y="3430074"/>
+              <a:ext cx="0" cy="74724"/>
+            </a:xfrm>
+            <a:prstGeom prst="line">
+              <a:avLst/>
+            </a:prstGeom>
+            <a:ln w="19050">
+              <a:solidFill>
+                <a:schemeClr val="tx1"/>
+              </a:solidFill>
+            </a:ln>
+          </p:spPr>
+          <p:style>
+            <a:lnRef idx="1">
+              <a:schemeClr val="accent1"/>
+            </a:lnRef>
+            <a:fillRef idx="0">
+              <a:schemeClr val="accent1"/>
+            </a:fillRef>
+            <a:effectRef idx="0">
+              <a:schemeClr val="accent1"/>
+            </a:effectRef>
+            <a:fontRef idx="minor">
+              <a:schemeClr val="tx1"/>
+            </a:fontRef>
+          </p:style>
+        </p:cxnSp>
+      </p:grpSp>
+      <p:cxnSp>
+        <p:nvCxnSpPr>
+          <p:cNvPr id="44" name="직선 연결선 43">
+            <a:extLst>
+              <a:ext uri="{FF2B5EF4-FFF2-40B4-BE49-F238E27FC236}">
+                <a16:creationId xmlns:a16="http://schemas.microsoft.com/office/drawing/2014/main" id="{87FD4E11-CDCD-CA90-D7FA-03D5D4090682}"/>
+              </a:ext>
+            </a:extLst>
+          </p:cNvPr>
+          <p:cNvCxnSpPr/>
+          <p:nvPr/>
+        </p:nvCxnSpPr>
+        <p:spPr>
+          <a:xfrm rot="18407912">
+            <a:off x="9475890" y="2699827"/>
+            <a:ext cx="0" cy="74724"/>
+          </a:xfrm>
+          <a:prstGeom prst="line">
+            <a:avLst/>
+          </a:prstGeom>
+          <a:ln w="19050">
+            <a:solidFill>
+              <a:schemeClr val="tx1"/>
+            </a:solidFill>
+          </a:ln>
+        </p:spPr>
+        <p:style>
+          <a:lnRef idx="1">
+            <a:schemeClr val="accent1"/>
+          </a:lnRef>
+          <a:fillRef idx="0">
+            <a:schemeClr val="accent1"/>
+          </a:fillRef>
+          <a:effectRef idx="0">
+            <a:schemeClr val="accent1"/>
+          </a:effectRef>
+          <a:fontRef idx="minor">
+            <a:schemeClr val="tx1"/>
+          </a:fontRef>
+        </p:style>
+      </p:cxnSp>
+      <p:cxnSp>
+        <p:nvCxnSpPr>
+          <p:cNvPr id="45" name="직선 연결선 44">
+            <a:extLst>
+              <a:ext uri="{FF2B5EF4-FFF2-40B4-BE49-F238E27FC236}">
+                <a16:creationId xmlns:a16="http://schemas.microsoft.com/office/drawing/2014/main" id="{72BE806A-31C1-6BB4-E7DF-1879E17A7C5F}"/>
+              </a:ext>
+            </a:extLst>
+          </p:cNvPr>
+          <p:cNvCxnSpPr/>
+          <p:nvPr/>
+        </p:nvCxnSpPr>
+        <p:spPr>
+          <a:xfrm rot="18407912">
+            <a:off x="9805301" y="2266911"/>
+            <a:ext cx="0" cy="74724"/>
+          </a:xfrm>
+          <a:prstGeom prst="line">
+            <a:avLst/>
+          </a:prstGeom>
+          <a:ln w="19050">
+            <a:solidFill>
+              <a:schemeClr val="tx1"/>
+            </a:solidFill>
+          </a:ln>
+        </p:spPr>
+        <p:style>
+          <a:lnRef idx="1">
+            <a:schemeClr val="accent1"/>
+          </a:lnRef>
+          <a:fillRef idx="0">
+            <a:schemeClr val="accent1"/>
+          </a:fillRef>
+          <a:effectRef idx="0">
+            <a:schemeClr val="accent1"/>
+          </a:effectRef>
+          <a:fontRef idx="minor">
+            <a:schemeClr val="tx1"/>
+          </a:fontRef>
+        </p:style>
+      </p:cxnSp>
+      <p:cxnSp>
+        <p:nvCxnSpPr>
+          <p:cNvPr id="46" name="직선 연결선 45">
+            <a:extLst>
+              <a:ext uri="{FF2B5EF4-FFF2-40B4-BE49-F238E27FC236}">
+                <a16:creationId xmlns:a16="http://schemas.microsoft.com/office/drawing/2014/main" id="{48118F6D-5138-A463-518A-CEE0AD438B93}"/>
+              </a:ext>
+            </a:extLst>
+          </p:cNvPr>
+          <p:cNvCxnSpPr/>
+          <p:nvPr/>
+        </p:nvCxnSpPr>
+        <p:spPr>
+          <a:xfrm rot="18407912">
+            <a:off x="10127716" y="1840934"/>
+            <a:ext cx="0" cy="74724"/>
+          </a:xfrm>
+          <a:prstGeom prst="line">
+            <a:avLst/>
+          </a:prstGeom>
+          <a:ln w="19050">
+            <a:solidFill>
+              <a:schemeClr val="tx1"/>
+            </a:solidFill>
+          </a:ln>
+        </p:spPr>
+        <p:style>
+          <a:lnRef idx="1">
+            <a:schemeClr val="accent1"/>
+          </a:lnRef>
+          <a:fillRef idx="0">
+            <a:schemeClr val="accent1"/>
+          </a:fillRef>
+          <a:effectRef idx="0">
+            <a:schemeClr val="accent1"/>
+          </a:effectRef>
+          <a:fontRef idx="minor">
+            <a:schemeClr val="tx1"/>
+          </a:fontRef>
+        </p:style>
+      </p:cxnSp>
+      <p:cxnSp>
+        <p:nvCxnSpPr>
+          <p:cNvPr id="47" name="직선 연결선 46">
+            <a:extLst>
+              <a:ext uri="{FF2B5EF4-FFF2-40B4-BE49-F238E27FC236}">
+                <a16:creationId xmlns:a16="http://schemas.microsoft.com/office/drawing/2014/main" id="{DD7601E4-16D5-C821-9D1E-823482A87D5A}"/>
+              </a:ext>
+            </a:extLst>
+          </p:cNvPr>
+          <p:cNvCxnSpPr/>
+          <p:nvPr/>
+        </p:nvCxnSpPr>
+        <p:spPr>
+          <a:xfrm rot="18407912">
+            <a:off x="10460513" y="1417722"/>
+            <a:ext cx="0" cy="74724"/>
+          </a:xfrm>
+          <a:prstGeom prst="line">
+            <a:avLst/>
+          </a:prstGeom>
+          <a:ln w="19050">
+            <a:solidFill>
+              <a:schemeClr val="tx1"/>
+            </a:solidFill>
+          </a:ln>
+        </p:spPr>
+        <p:style>
+          <a:lnRef idx="1">
+            <a:schemeClr val="accent1"/>
+          </a:lnRef>
+          <a:fillRef idx="0">
+            <a:schemeClr val="accent1"/>
+          </a:fillRef>
+          <a:effectRef idx="0">
+            <a:schemeClr val="accent1"/>
+          </a:effectRef>
+          <a:fontRef idx="minor">
+            <a:schemeClr val="tx1"/>
+          </a:fontRef>
+        </p:style>
+      </p:cxnSp>
+      <p:cxnSp>
+        <p:nvCxnSpPr>
+          <p:cNvPr id="49" name="직선 연결선 48">
+            <a:extLst>
+              <a:ext uri="{FF2B5EF4-FFF2-40B4-BE49-F238E27FC236}">
+                <a16:creationId xmlns:a16="http://schemas.microsoft.com/office/drawing/2014/main" id="{82516C5F-D24A-2EE0-3206-15F27820E831}"/>
+              </a:ext>
+            </a:extLst>
+          </p:cNvPr>
+          <p:cNvCxnSpPr/>
+          <p:nvPr/>
+        </p:nvCxnSpPr>
+        <p:spPr>
+          <a:xfrm rot="12974011">
+            <a:off x="8945774" y="2980093"/>
+            <a:ext cx="0" cy="74724"/>
+          </a:xfrm>
+          <a:prstGeom prst="line">
+            <a:avLst/>
+          </a:prstGeom>
+          <a:ln w="19050">
+            <a:solidFill>
+              <a:schemeClr val="tx1"/>
+            </a:solidFill>
+          </a:ln>
+        </p:spPr>
+        <p:style>
+          <a:lnRef idx="1">
+            <a:schemeClr val="accent1"/>
+          </a:lnRef>
+          <a:fillRef idx="0">
+            <a:schemeClr val="accent1"/>
+          </a:fillRef>
+          <a:effectRef idx="0">
+            <a:schemeClr val="accent1"/>
+          </a:effectRef>
+          <a:fontRef idx="minor">
+            <a:schemeClr val="tx1"/>
+          </a:fontRef>
+        </p:style>
+      </p:cxnSp>
+      <p:cxnSp>
+        <p:nvCxnSpPr>
+          <p:cNvPr id="50" name="직선 연결선 49">
+            <a:extLst>
+              <a:ext uri="{FF2B5EF4-FFF2-40B4-BE49-F238E27FC236}">
+                <a16:creationId xmlns:a16="http://schemas.microsoft.com/office/drawing/2014/main" id="{7B619F7A-98B5-5360-3ED6-6D4D4CF3307A}"/>
+              </a:ext>
+            </a:extLst>
+          </p:cNvPr>
+          <p:cNvCxnSpPr/>
+          <p:nvPr/>
+        </p:nvCxnSpPr>
+        <p:spPr>
+          <a:xfrm rot="12974011">
+            <a:off x="8719841" y="2812523"/>
+            <a:ext cx="0" cy="74724"/>
+          </a:xfrm>
+          <a:prstGeom prst="line">
+            <a:avLst/>
+          </a:prstGeom>
+          <a:ln w="19050">
+            <a:solidFill>
+              <a:schemeClr val="tx1"/>
+            </a:solidFill>
+          </a:ln>
+        </p:spPr>
+        <p:style>
+          <a:lnRef idx="1">
+            <a:schemeClr val="accent1"/>
+          </a:lnRef>
+          <a:fillRef idx="0">
+            <a:schemeClr val="accent1"/>
+          </a:fillRef>
+          <a:effectRef idx="0">
+            <a:schemeClr val="accent1"/>
+          </a:effectRef>
+          <a:fontRef idx="minor">
+            <a:schemeClr val="tx1"/>
+          </a:fontRef>
+        </p:style>
+      </p:cxnSp>
+      <p:cxnSp>
+        <p:nvCxnSpPr>
+          <p:cNvPr id="51" name="직선 연결선 50">
+            <a:extLst>
+              <a:ext uri="{FF2B5EF4-FFF2-40B4-BE49-F238E27FC236}">
+                <a16:creationId xmlns:a16="http://schemas.microsoft.com/office/drawing/2014/main" id="{F3B3FE82-4AB0-D102-5E34-AE096ADDAFEF}"/>
+              </a:ext>
+            </a:extLst>
+          </p:cNvPr>
+          <p:cNvCxnSpPr/>
+          <p:nvPr/>
+        </p:nvCxnSpPr>
+        <p:spPr>
+          <a:xfrm rot="12974011">
+            <a:off x="8504680" y="2651416"/>
+            <a:ext cx="0" cy="74724"/>
+          </a:xfrm>
+          <a:prstGeom prst="line">
+            <a:avLst/>
+          </a:prstGeom>
+          <a:ln w="19050">
+            <a:solidFill>
+              <a:schemeClr val="tx1"/>
+            </a:solidFill>
+          </a:ln>
+        </p:spPr>
+        <p:style>
+          <a:lnRef idx="1">
+            <a:schemeClr val="accent1"/>
+          </a:lnRef>
+          <a:fillRef idx="0">
+            <a:schemeClr val="accent1"/>
+          </a:fillRef>
+          <a:effectRef idx="0">
+            <a:schemeClr val="accent1"/>
+          </a:effectRef>
+          <a:fontRef idx="minor">
+            <a:schemeClr val="tx1"/>
+          </a:fontRef>
+        </p:style>
+      </p:cxnSp>
+      <p:cxnSp>
+        <p:nvCxnSpPr>
+          <p:cNvPr id="52" name="직선 연결선 51">
+            <a:extLst>
+              <a:ext uri="{FF2B5EF4-FFF2-40B4-BE49-F238E27FC236}">
+                <a16:creationId xmlns:a16="http://schemas.microsoft.com/office/drawing/2014/main" id="{A203D3F9-B38B-E9A0-C2EC-65E15F047262}"/>
+              </a:ext>
+            </a:extLst>
+          </p:cNvPr>
+          <p:cNvCxnSpPr/>
+          <p:nvPr/>
+        </p:nvCxnSpPr>
+        <p:spPr>
+          <a:xfrm rot="12974011">
+            <a:off x="8288936" y="2492399"/>
+            <a:ext cx="0" cy="74724"/>
+          </a:xfrm>
+          <a:prstGeom prst="line">
+            <a:avLst/>
+          </a:prstGeom>
+          <a:ln w="19050">
+            <a:solidFill>
+              <a:schemeClr val="tx1"/>
+            </a:solidFill>
+          </a:ln>
+        </p:spPr>
+        <p:style>
+          <a:lnRef idx="1">
+            <a:schemeClr val="accent1"/>
+          </a:lnRef>
+          <a:fillRef idx="0">
+            <a:schemeClr val="accent1"/>
+          </a:fillRef>
+          <a:effectRef idx="0">
+            <a:schemeClr val="accent1"/>
+          </a:effectRef>
+          <a:fontRef idx="minor">
+            <a:schemeClr val="tx1"/>
+          </a:fontRef>
+        </p:style>
+      </p:cxnSp>
+      <mc:AlternateContent xmlns:mc="http://schemas.openxmlformats.org/markup-compatibility/2006" xmlns:a14="http://schemas.microsoft.com/office/drawing/2010/main">
+        <mc:Choice Requires="a14">
+          <p:sp>
+            <p:nvSpPr>
+              <p:cNvPr id="55" name="TextBox 54">
+                <a:extLst>
+                  <a:ext uri="{FF2B5EF4-FFF2-40B4-BE49-F238E27FC236}">
+                    <a16:creationId xmlns:a16="http://schemas.microsoft.com/office/drawing/2014/main" id="{1D551A8D-3DD5-6E0D-92DD-1007B263C547}"/>
+                  </a:ext>
+                </a:extLst>
+              </p:cNvPr>
+              <p:cNvSpPr txBox="1"/>
+              <p:nvPr/>
+            </p:nvSpPr>
+            <p:spPr>
+              <a:xfrm>
+                <a:off x="2917756" y="1033760"/>
+                <a:ext cx="908005" cy="584775"/>
+              </a:xfrm>
+              <a:prstGeom prst="rect">
+                <a:avLst/>
+              </a:prstGeom>
+              <a:noFill/>
+            </p:spPr>
+            <p:txBody>
+              <a:bodyPr wrap="none" rtlCol="0">
+                <a:spAutoFit/>
+              </a:bodyPr>
+              <a:lstStyle/>
+              <a:p>
+                <a:pPr/>
+                <a14:m>
+                  <m:oMathPara xmlns:m="http://schemas.openxmlformats.org/officeDocument/2006/math">
+                    <m:oMathParaPr>
+                      <m:jc m:val="centerGroup"/>
+                    </m:oMathParaPr>
+                    <m:oMath xmlns:m="http://schemas.openxmlformats.org/officeDocument/2006/math">
+                      <m:r>
+                        <a:rPr lang="en-US" altLang="ko-KR" sz="3200" b="0" i="1" smtClean="0">
+                          <a:latin typeface="Cambria Math" panose="02040503050406030204" pitchFamily="18" charset="0"/>
+                        </a:rPr>
+                        <m:t>(</m:t>
+                      </m:r>
+                      <m:r>
+                        <a:rPr lang="en-US" altLang="ko-KR" sz="3200" b="0" i="1" smtClean="0">
+                          <a:latin typeface="Cambria Math" panose="02040503050406030204" pitchFamily="18" charset="0"/>
+                        </a:rPr>
+                        <m:t>𝑎</m:t>
+                      </m:r>
+                      <m:r>
+                        <a:rPr lang="en-US" altLang="ko-KR" sz="3200" b="0" i="1" smtClean="0">
+                          <a:latin typeface="Cambria Math" panose="02040503050406030204" pitchFamily="18" charset="0"/>
+                        </a:rPr>
+                        <m:t>)</m:t>
+                      </m:r>
+                    </m:oMath>
+                  </m:oMathPara>
+                </a14:m>
+                <a:endParaRPr lang="ko-KR" altLang="en-US" sz="3200" dirty="0"/>
+              </a:p>
+            </p:txBody>
+          </p:sp>
+        </mc:Choice>
+        <mc:Fallback xmlns="">
+          <p:sp>
+            <p:nvSpPr>
+              <p:cNvPr id="55" name="TextBox 54">
+                <a:extLst>
+                  <a:ext uri="{FF2B5EF4-FFF2-40B4-BE49-F238E27FC236}">
+                    <a16:creationId xmlns:a16="http://schemas.microsoft.com/office/drawing/2014/main" id="{1D551A8D-3DD5-6E0D-92DD-1007B263C547}"/>
+                  </a:ext>
+                </a:extLst>
+              </p:cNvPr>
+              <p:cNvSpPr txBox="1">
+                <a:spLocks noRot="1" noChangeAspect="1" noMove="1" noResize="1" noEditPoints="1" noAdjustHandles="1" noChangeArrowheads="1" noChangeShapeType="1" noTextEdit="1"/>
+              </p:cNvSpPr>
+              <p:nvPr/>
+            </p:nvSpPr>
+            <p:spPr>
+              <a:xfrm>
+                <a:off x="2917756" y="1033760"/>
+                <a:ext cx="908005" cy="584775"/>
+              </a:xfrm>
+              <a:prstGeom prst="rect">
+                <a:avLst/>
+              </a:prstGeom>
+              <a:blipFill>
+                <a:blip r:embed="rId3"/>
+                <a:stretch>
+                  <a:fillRect/>
+                </a:stretch>
+              </a:blipFill>
+            </p:spPr>
+            <p:txBody>
+              <a:bodyPr/>
+              <a:lstStyle/>
+              <a:p>
+                <a:r>
+                  <a:rPr lang="ko-KR" altLang="en-US">
+                    <a:noFill/>
+                  </a:rPr>
+                  <a:t> </a:t>
+                </a:r>
+              </a:p>
+            </p:txBody>
+          </p:sp>
+        </mc:Fallback>
+      </mc:AlternateContent>
+      <mc:AlternateContent xmlns:mc="http://schemas.openxmlformats.org/markup-compatibility/2006" xmlns:a14="http://schemas.microsoft.com/office/drawing/2010/main">
+        <mc:Choice Requires="a14">
+          <p:sp>
+            <p:nvSpPr>
+              <p:cNvPr id="56" name="TextBox 55">
+                <a:extLst>
+                  <a:ext uri="{FF2B5EF4-FFF2-40B4-BE49-F238E27FC236}">
+                    <a16:creationId xmlns:a16="http://schemas.microsoft.com/office/drawing/2014/main" id="{AB295E43-2340-5623-BDD1-902E7266DA39}"/>
+                  </a:ext>
+                </a:extLst>
+              </p:cNvPr>
+              <p:cNvSpPr txBox="1"/>
+              <p:nvPr/>
+            </p:nvSpPr>
+            <p:spPr>
+              <a:xfrm>
+                <a:off x="8797161" y="807005"/>
+                <a:ext cx="908005" cy="584775"/>
+              </a:xfrm>
+              <a:prstGeom prst="rect">
+                <a:avLst/>
+              </a:prstGeom>
+              <a:noFill/>
+            </p:spPr>
+            <p:txBody>
+              <a:bodyPr wrap="none" rtlCol="0">
+                <a:spAutoFit/>
+              </a:bodyPr>
+              <a:lstStyle/>
+              <a:p>
+                <a:pPr/>
+                <a14:m>
+                  <m:oMathPara xmlns:m="http://schemas.openxmlformats.org/officeDocument/2006/math">
+                    <m:oMathParaPr>
+                      <m:jc m:val="centerGroup"/>
+                    </m:oMathParaPr>
+                    <m:oMath xmlns:m="http://schemas.openxmlformats.org/officeDocument/2006/math">
+                      <m:r>
+                        <a:rPr lang="en-US" altLang="ko-KR" sz="3200" b="0" i="1" smtClean="0">
+                          <a:latin typeface="Cambria Math" panose="02040503050406030204" pitchFamily="18" charset="0"/>
+                        </a:rPr>
+                        <m:t>(</m:t>
+                      </m:r>
+                      <m:r>
+                        <a:rPr lang="en-US" altLang="ko-KR" sz="3200" b="0" i="1" smtClean="0">
+                          <a:latin typeface="Cambria Math" panose="02040503050406030204" pitchFamily="18" charset="0"/>
+                        </a:rPr>
+                        <m:t>𝑏</m:t>
+                      </m:r>
+                      <m:r>
+                        <a:rPr lang="en-US" altLang="ko-KR" sz="3200" b="0" i="1" smtClean="0">
+                          <a:latin typeface="Cambria Math" panose="02040503050406030204" pitchFamily="18" charset="0"/>
+                        </a:rPr>
+                        <m:t>)</m:t>
+                      </m:r>
+                    </m:oMath>
+                  </m:oMathPara>
+                </a14:m>
+                <a:endParaRPr lang="ko-KR" altLang="en-US" sz="3200" dirty="0"/>
+              </a:p>
+            </p:txBody>
+          </p:sp>
+        </mc:Choice>
+        <mc:Fallback xmlns="">
+          <p:sp>
+            <p:nvSpPr>
+              <p:cNvPr id="56" name="TextBox 55">
+                <a:extLst>
+                  <a:ext uri="{FF2B5EF4-FFF2-40B4-BE49-F238E27FC236}">
+                    <a16:creationId xmlns:a16="http://schemas.microsoft.com/office/drawing/2014/main" id="{AB295E43-2340-5623-BDD1-902E7266DA39}"/>
+                  </a:ext>
+                </a:extLst>
+              </p:cNvPr>
+              <p:cNvSpPr txBox="1">
+                <a:spLocks noRot="1" noChangeAspect="1" noMove="1" noResize="1" noEditPoints="1" noAdjustHandles="1" noChangeArrowheads="1" noChangeShapeType="1" noTextEdit="1"/>
+              </p:cNvSpPr>
+              <p:nvPr/>
+            </p:nvSpPr>
+            <p:spPr>
+              <a:xfrm>
+                <a:off x="8797161" y="807005"/>
+                <a:ext cx="908005" cy="584775"/>
+              </a:xfrm>
+              <a:prstGeom prst="rect">
+                <a:avLst/>
+              </a:prstGeom>
+              <a:blipFill>
+                <a:blip r:embed="rId4"/>
+                <a:stretch>
+                  <a:fillRect/>
+                </a:stretch>
+              </a:blipFill>
+            </p:spPr>
+            <p:txBody>
+              <a:bodyPr/>
+              <a:lstStyle/>
+              <a:p>
+                <a:r>
+                  <a:rPr lang="ko-KR" altLang="en-US">
+                    <a:noFill/>
+                  </a:rPr>
+                  <a:t> </a:t>
+                </a:r>
+              </a:p>
+            </p:txBody>
+          </p:sp>
+        </mc:Fallback>
+      </mc:AlternateContent>
+      <p:sp>
+        <p:nvSpPr>
+          <p:cNvPr id="58" name="TextBox 57">
+            <a:extLst>
+              <a:ext uri="{FF2B5EF4-FFF2-40B4-BE49-F238E27FC236}">
+                <a16:creationId xmlns:a16="http://schemas.microsoft.com/office/drawing/2014/main" id="{30FB88AE-E6CB-63BE-A727-575BF89D768F}"/>
+              </a:ext>
+            </a:extLst>
+          </p:cNvPr>
+          <p:cNvSpPr txBox="1"/>
+          <p:nvPr/>
+        </p:nvSpPr>
+        <p:spPr>
+          <a:xfrm>
+            <a:off x="5254790" y="5826413"/>
+            <a:ext cx="1755609" cy="369332"/>
+          </a:xfrm>
+          <a:prstGeom prst="rect">
+            <a:avLst/>
+          </a:prstGeom>
+          <a:noFill/>
+        </p:spPr>
+        <p:txBody>
+          <a:bodyPr wrap="none" rtlCol="0">
+            <a:spAutoFit/>
+          </a:bodyPr>
+          <a:lstStyle/>
+          <a:p>
+            <a:r>
+              <a:rPr lang="en-US" altLang="ko-KR" dirty="0">
+                <a:latin typeface="나눔스퀘어_ac" panose="020B0600000101010101" pitchFamily="50" charset="-127"/>
+                <a:ea typeface="나눔스퀘어_ac" panose="020B0600000101010101" pitchFamily="50" charset="-127"/>
+              </a:rPr>
+              <a:t>“</a:t>
+            </a:r>
+            <a:r>
+              <a:rPr lang="ko-KR" altLang="en-US" dirty="0">
+                <a:latin typeface="나눔스퀘어_ac" panose="020B0600000101010101" pitchFamily="50" charset="-127"/>
+                <a:ea typeface="나눔스퀘어_ac" panose="020B0600000101010101" pitchFamily="50" charset="-127"/>
+              </a:rPr>
+              <a:t>맥락</a:t>
+            </a:r>
+            <a:r>
+              <a:rPr lang="en-US" altLang="ko-KR" dirty="0">
+                <a:latin typeface="나눔스퀘어_ac" panose="020B0600000101010101" pitchFamily="50" charset="-127"/>
+                <a:ea typeface="나눔스퀘어_ac" panose="020B0600000101010101" pitchFamily="50" charset="-127"/>
+              </a:rPr>
+              <a:t>”</a:t>
+            </a:r>
+            <a:r>
+              <a:rPr lang="ko-KR" altLang="en-US" dirty="0">
+                <a:latin typeface="나눔스퀘어_ac" panose="020B0600000101010101" pitchFamily="50" charset="-127"/>
+                <a:ea typeface="나눔스퀘어_ac" panose="020B0600000101010101" pitchFamily="50" charset="-127"/>
+              </a:rPr>
+              <a:t>의 </a:t>
+            </a:r>
+            <a:r>
+              <a:rPr lang="en-US" altLang="ko-KR" dirty="0">
+                <a:latin typeface="나눔스퀘어_ac" panose="020B0600000101010101" pitchFamily="50" charset="-127"/>
+                <a:ea typeface="나눔스퀘어_ac" panose="020B0600000101010101" pitchFamily="50" charset="-127"/>
+              </a:rPr>
+              <a:t>“</a:t>
+            </a:r>
+            <a:r>
+              <a:rPr lang="ko-KR" altLang="en-US" dirty="0">
+                <a:latin typeface="나눔스퀘어_ac" panose="020B0600000101010101" pitchFamily="50" charset="-127"/>
+                <a:ea typeface="나눔스퀘어_ac" panose="020B0600000101010101" pitchFamily="50" charset="-127"/>
+              </a:rPr>
+              <a:t>정규화</a:t>
+            </a:r>
+            <a:r>
+              <a:rPr lang="en-US" altLang="ko-KR" dirty="0">
+                <a:latin typeface="나눔스퀘어_ac" panose="020B0600000101010101" pitchFamily="50" charset="-127"/>
+                <a:ea typeface="나눔스퀘어_ac" panose="020B0600000101010101" pitchFamily="50" charset="-127"/>
+              </a:rPr>
+              <a:t>”</a:t>
+            </a:r>
+          </a:p>
+        </p:txBody>
+      </p:sp>
+      <p:pic>
+        <p:nvPicPr>
+          <p:cNvPr id="62" name="그림 61">
+            <a:extLst>
+              <a:ext uri="{FF2B5EF4-FFF2-40B4-BE49-F238E27FC236}">
+                <a16:creationId xmlns:a16="http://schemas.microsoft.com/office/drawing/2014/main" id="{F1AD5AEB-9815-F6C3-77AA-786B4D644CB6}"/>
+              </a:ext>
+            </a:extLst>
+          </p:cNvPr>
+          <p:cNvPicPr>
+            <a:picLocks noChangeAspect="1"/>
+          </p:cNvPicPr>
+          <p:nvPr/>
+        </p:nvPicPr>
+        <p:blipFill>
+          <a:blip r:embed="rId5">
+            <a:extLst>
+              <a:ext uri="{28A0092B-C50C-407E-A947-70E740481C1C}">
+                <a14:useLocalDpi xmlns:a14="http://schemas.microsoft.com/office/drawing/2010/main" val="0"/>
+              </a:ext>
+            </a:extLst>
+          </a:blip>
+          <a:stretch>
+            <a:fillRect/>
+          </a:stretch>
+        </p:blipFill>
+        <p:spPr>
+          <a:xfrm rot="1326801">
+            <a:off x="5080569" y="4733427"/>
+            <a:ext cx="1960656" cy="1364433"/>
+          </a:xfrm>
+          <a:prstGeom prst="rect">
+            <a:avLst/>
+          </a:prstGeom>
+        </p:spPr>
+      </p:pic>
+      <p:sp>
+        <p:nvSpPr>
+          <p:cNvPr id="63" name="TextBox 62">
+            <a:extLst>
+              <a:ext uri="{FF2B5EF4-FFF2-40B4-BE49-F238E27FC236}">
+                <a16:creationId xmlns:a16="http://schemas.microsoft.com/office/drawing/2014/main" id="{55438407-2CD1-F059-DA9E-70F26B7B5C72}"/>
+              </a:ext>
+            </a:extLst>
+          </p:cNvPr>
+          <p:cNvSpPr txBox="1"/>
+          <p:nvPr/>
+        </p:nvSpPr>
+        <p:spPr>
+          <a:xfrm>
+            <a:off x="5283605" y="727998"/>
+            <a:ext cx="1595309" cy="369332"/>
+          </a:xfrm>
+          <a:prstGeom prst="rect">
+            <a:avLst/>
+          </a:prstGeom>
+          <a:noFill/>
+        </p:spPr>
+        <p:txBody>
+          <a:bodyPr wrap="none" rtlCol="0">
+            <a:spAutoFit/>
+          </a:bodyPr>
+          <a:lstStyle/>
+          <a:p>
+            <a:r>
+              <a:rPr lang="ko-KR" altLang="en-US" dirty="0">
+                <a:latin typeface="나눔스퀘어_ac" panose="020B0600000101010101" pitchFamily="50" charset="-127"/>
+                <a:ea typeface="나눔스퀘어_ac" panose="020B0600000101010101" pitchFamily="50" charset="-127"/>
+              </a:rPr>
+              <a:t>데이터의 </a:t>
+            </a:r>
+            <a:r>
+              <a:rPr lang="en-US" altLang="ko-KR" dirty="0">
+                <a:latin typeface="나눔스퀘어_ac" panose="020B0600000101010101" pitchFamily="50" charset="-127"/>
+                <a:ea typeface="나눔스퀘어_ac" panose="020B0600000101010101" pitchFamily="50" charset="-127"/>
+              </a:rPr>
+              <a:t>“</a:t>
+            </a:r>
+            <a:r>
+              <a:rPr lang="ko-KR" altLang="en-US" dirty="0">
+                <a:latin typeface="나눔스퀘어_ac" panose="020B0600000101010101" pitchFamily="50" charset="-127"/>
+                <a:ea typeface="나눔스퀘어_ac" panose="020B0600000101010101" pitchFamily="50" charset="-127"/>
+              </a:rPr>
+              <a:t>맥락</a:t>
+            </a:r>
+            <a:r>
+              <a:rPr lang="en-US" altLang="ko-KR" dirty="0">
+                <a:latin typeface="나눔스퀘어_ac" panose="020B0600000101010101" pitchFamily="50" charset="-127"/>
+                <a:ea typeface="나눔스퀘어_ac" panose="020B0600000101010101" pitchFamily="50" charset="-127"/>
+              </a:rPr>
+              <a:t>”</a:t>
+            </a:r>
+          </a:p>
+        </p:txBody>
+      </p:sp>
+      <p:pic>
+        <p:nvPicPr>
+          <p:cNvPr id="64" name="그림 63">
+            <a:extLst>
+              <a:ext uri="{FF2B5EF4-FFF2-40B4-BE49-F238E27FC236}">
+                <a16:creationId xmlns:a16="http://schemas.microsoft.com/office/drawing/2014/main" id="{96F020F3-18C2-23AE-22F5-B1424DD04825}"/>
+              </a:ext>
+            </a:extLst>
+          </p:cNvPr>
+          <p:cNvPicPr>
+            <a:picLocks noChangeAspect="1"/>
+          </p:cNvPicPr>
+          <p:nvPr/>
+        </p:nvPicPr>
+        <p:blipFill>
+          <a:blip r:embed="rId5">
+            <a:extLst>
+              <a:ext uri="{28A0092B-C50C-407E-A947-70E740481C1C}">
+                <a14:useLocalDpi xmlns:a14="http://schemas.microsoft.com/office/drawing/2010/main" val="0"/>
+              </a:ext>
+            </a:extLst>
+          </a:blip>
+          <a:stretch>
+            <a:fillRect/>
+          </a:stretch>
+        </p:blipFill>
+        <p:spPr>
+          <a:xfrm rot="12600000">
+            <a:off x="5215913" y="773471"/>
+            <a:ext cx="1960656" cy="1364433"/>
+          </a:xfrm>
+          <a:prstGeom prst="rect">
+            <a:avLst/>
+          </a:prstGeom>
+        </p:spPr>
+      </p:pic>
+      <mc:AlternateContent xmlns:mc="http://schemas.openxmlformats.org/markup-compatibility/2006" xmlns:a14="http://schemas.microsoft.com/office/drawing/2010/main">
+        <mc:Choice Requires="a14">
+          <p:sp>
+            <p:nvSpPr>
+              <p:cNvPr id="66" name="TextBox 65">
+                <a:extLst>
+                  <a:ext uri="{FF2B5EF4-FFF2-40B4-BE49-F238E27FC236}">
+                    <a16:creationId xmlns:a16="http://schemas.microsoft.com/office/drawing/2014/main" id="{6204A48F-0E1B-F30B-65B8-9F1E72E12DA0}"/>
+                  </a:ext>
+                </a:extLst>
+              </p:cNvPr>
+              <p:cNvSpPr txBox="1"/>
+              <p:nvPr/>
+            </p:nvSpPr>
+            <p:spPr>
+              <a:xfrm>
+                <a:off x="5803695" y="1198281"/>
+                <a:ext cx="553357" cy="646331"/>
+              </a:xfrm>
+              <a:prstGeom prst="rect">
+                <a:avLst/>
+              </a:prstGeom>
+              <a:noFill/>
+            </p:spPr>
+            <p:txBody>
+              <a:bodyPr wrap="none" rtlCol="0">
+                <a:spAutoFit/>
+              </a:bodyPr>
+              <a:lstStyle/>
+              <a:p>
+                <a:pPr/>
+                <a14:m>
+                  <m:oMathPara xmlns:m="http://schemas.openxmlformats.org/officeDocument/2006/math">
+                    <m:oMathParaPr>
+                      <m:jc m:val="centerGroup"/>
+                    </m:oMathParaPr>
+                    <m:oMath xmlns:m="http://schemas.openxmlformats.org/officeDocument/2006/math">
+                      <m:r>
+                        <m:rPr>
+                          <m:sty m:val="p"/>
+                        </m:rPr>
+                        <a:rPr lang="en-US" altLang="ko-KR" sz="3600" b="0" i="0" dirty="0" smtClean="0">
+                          <a:latin typeface="Cambria Math" panose="02040503050406030204" pitchFamily="18" charset="0"/>
+                          <a:ea typeface="나눔스퀘어_ac" panose="020B0600000101010101" pitchFamily="50" charset="-127"/>
+                        </a:rPr>
+                        <m:t>Σ</m:t>
+                      </m:r>
+                    </m:oMath>
+                  </m:oMathPara>
+                </a14:m>
+                <a:endParaRPr lang="en-US" altLang="ko-KR" sz="3600" dirty="0">
+                  <a:latin typeface="나눔스퀘어_ac" panose="020B0600000101010101" pitchFamily="50" charset="-127"/>
+                  <a:ea typeface="나눔스퀘어_ac" panose="020B0600000101010101" pitchFamily="50" charset="-127"/>
+                </a:endParaRPr>
+              </a:p>
+            </p:txBody>
+          </p:sp>
+        </mc:Choice>
+        <mc:Fallback xmlns="">
+          <p:sp>
+            <p:nvSpPr>
+              <p:cNvPr id="66" name="TextBox 65">
+                <a:extLst>
+                  <a:ext uri="{FF2B5EF4-FFF2-40B4-BE49-F238E27FC236}">
+                    <a16:creationId xmlns:a16="http://schemas.microsoft.com/office/drawing/2014/main" id="{6204A48F-0E1B-F30B-65B8-9F1E72E12DA0}"/>
+                  </a:ext>
+                </a:extLst>
+              </p:cNvPr>
+              <p:cNvSpPr txBox="1">
+                <a:spLocks noRot="1" noChangeAspect="1" noMove="1" noResize="1" noEditPoints="1" noAdjustHandles="1" noChangeArrowheads="1" noChangeShapeType="1" noTextEdit="1"/>
+              </p:cNvSpPr>
+              <p:nvPr/>
+            </p:nvSpPr>
+            <p:spPr>
+              <a:xfrm>
+                <a:off x="5803695" y="1198281"/>
+                <a:ext cx="553357" cy="646331"/>
+              </a:xfrm>
+              <a:prstGeom prst="rect">
+                <a:avLst/>
+              </a:prstGeom>
+              <a:blipFill>
+                <a:blip r:embed="rId6"/>
+                <a:stretch>
+                  <a:fillRect/>
+                </a:stretch>
+              </a:blipFill>
+            </p:spPr>
+            <p:txBody>
+              <a:bodyPr/>
+              <a:lstStyle/>
+              <a:p>
+                <a:r>
+                  <a:rPr lang="ko-KR" altLang="en-US">
+                    <a:noFill/>
+                  </a:rPr>
+                  <a:t> </a:t>
+                </a:r>
+              </a:p>
+            </p:txBody>
+          </p:sp>
+        </mc:Fallback>
+      </mc:AlternateContent>
+      <mc:AlternateContent xmlns:mc="http://schemas.openxmlformats.org/markup-compatibility/2006" xmlns:a14="http://schemas.microsoft.com/office/drawing/2010/main">
+        <mc:Choice Requires="a14">
+          <p:sp>
+            <p:nvSpPr>
+              <p:cNvPr id="67" name="TextBox 66">
+                <a:extLst>
+                  <a:ext uri="{FF2B5EF4-FFF2-40B4-BE49-F238E27FC236}">
+                    <a16:creationId xmlns:a16="http://schemas.microsoft.com/office/drawing/2014/main" id="{86476868-02AC-A796-5BF7-BEE2C88D3A1F}"/>
+                  </a:ext>
+                </a:extLst>
+              </p:cNvPr>
+              <p:cNvSpPr txBox="1"/>
+              <p:nvPr/>
+            </p:nvSpPr>
+            <p:spPr>
+              <a:xfrm>
+                <a:off x="5645438" y="4997576"/>
+                <a:ext cx="1028037" cy="646331"/>
+              </a:xfrm>
+              <a:prstGeom prst="rect">
+                <a:avLst/>
+              </a:prstGeom>
+              <a:noFill/>
+            </p:spPr>
+            <p:txBody>
+              <a:bodyPr wrap="none" rtlCol="0">
+                <a:spAutoFit/>
+              </a:bodyPr>
+              <a:lstStyle/>
+              <a:p>
+                <a:pPr/>
+                <a14:m>
+                  <m:oMathPara xmlns:m="http://schemas.openxmlformats.org/officeDocument/2006/math">
+                    <m:oMathParaPr>
+                      <m:jc m:val="centerGroup"/>
+                    </m:oMathParaPr>
+                    <m:oMath xmlns:m="http://schemas.openxmlformats.org/officeDocument/2006/math">
+                      <m:sSup>
+                        <m:sSupPr>
+                          <m:ctrlPr>
+                            <a:rPr lang="en-US" altLang="ko-KR" sz="3600" b="0" i="1" dirty="0" smtClean="0">
+                              <a:latin typeface="Cambria Math" panose="02040503050406030204" pitchFamily="18" charset="0"/>
+                              <a:ea typeface="나눔스퀘어_ac" panose="020B0600000101010101" pitchFamily="50" charset="-127"/>
+                            </a:rPr>
+                          </m:ctrlPr>
+                        </m:sSupPr>
+                        <m:e>
+                          <m:r>
+                            <m:rPr>
+                              <m:sty m:val="p"/>
+                            </m:rPr>
+                            <a:rPr lang="en-US" altLang="ko-KR" sz="3600" b="0" i="0" dirty="0" smtClean="0">
+                              <a:latin typeface="Cambria Math" panose="02040503050406030204" pitchFamily="18" charset="0"/>
+                              <a:ea typeface="나눔스퀘어_ac" panose="020B0600000101010101" pitchFamily="50" charset="-127"/>
+                            </a:rPr>
+                            <m:t>Σ</m:t>
+                          </m:r>
+                        </m:e>
+                        <m:sup>
+                          <m:r>
+                            <a:rPr lang="en-US" altLang="ko-KR" sz="3600" b="0" i="0" dirty="0" smtClean="0">
+                              <a:latin typeface="Cambria Math" panose="02040503050406030204" pitchFamily="18" charset="0"/>
+                              <a:ea typeface="나눔스퀘어_ac" panose="020B0600000101010101" pitchFamily="50" charset="-127"/>
+                            </a:rPr>
+                            <m:t>−1</m:t>
+                          </m:r>
+                        </m:sup>
+                      </m:sSup>
+                    </m:oMath>
+                  </m:oMathPara>
+                </a14:m>
+                <a:endParaRPr lang="en-US" altLang="ko-KR" sz="3600" dirty="0">
+                  <a:latin typeface="나눔스퀘어_ac" panose="020B0600000101010101" pitchFamily="50" charset="-127"/>
+                  <a:ea typeface="나눔스퀘어_ac" panose="020B0600000101010101" pitchFamily="50" charset="-127"/>
+                </a:endParaRPr>
+              </a:p>
+            </p:txBody>
+          </p:sp>
+        </mc:Choice>
+        <mc:Fallback xmlns="">
+          <p:sp>
+            <p:nvSpPr>
+              <p:cNvPr id="67" name="TextBox 66">
+                <a:extLst>
+                  <a:ext uri="{FF2B5EF4-FFF2-40B4-BE49-F238E27FC236}">
+                    <a16:creationId xmlns:a16="http://schemas.microsoft.com/office/drawing/2014/main" id="{86476868-02AC-A796-5BF7-BEE2C88D3A1F}"/>
+                  </a:ext>
+                </a:extLst>
+              </p:cNvPr>
+              <p:cNvSpPr txBox="1">
+                <a:spLocks noRot="1" noChangeAspect="1" noMove="1" noResize="1" noEditPoints="1" noAdjustHandles="1" noChangeArrowheads="1" noChangeShapeType="1" noTextEdit="1"/>
+              </p:cNvSpPr>
+              <p:nvPr/>
+            </p:nvSpPr>
+            <p:spPr>
+              <a:xfrm>
+                <a:off x="5645438" y="4997576"/>
+                <a:ext cx="1028037" cy="646331"/>
+              </a:xfrm>
+              <a:prstGeom prst="rect">
+                <a:avLst/>
+              </a:prstGeom>
+              <a:blipFill>
+                <a:blip r:embed="rId7"/>
+                <a:stretch>
+                  <a:fillRect/>
+                </a:stretch>
+              </a:blipFill>
+            </p:spPr>
+            <p:txBody>
+              <a:bodyPr/>
+              <a:lstStyle/>
+              <a:p>
+                <a:r>
+                  <a:rPr lang="ko-KR" altLang="en-US">
+                    <a:noFill/>
+                  </a:rPr>
+                  <a:t> </a:t>
+                </a:r>
+              </a:p>
+            </p:txBody>
+          </p:sp>
+        </mc:Fallback>
+      </mc:AlternateContent>
+    </p:spTree>
+    <p:extLst>
+      <p:ext uri="{BB962C8B-B14F-4D97-AF65-F5344CB8AC3E}">
+        <p14:creationId xmlns:p14="http://schemas.microsoft.com/office/powerpoint/2010/main" val="556770456"/>
+      </p:ext>
+    </p:extLst>
+  </p:cSld>
+  <p:clrMapOvr>
+    <a:masterClrMapping/>
+  </p:clrMapOvr>
+</p:sld>
+</file>
+
+<file path=ppt/slides/slide7.xml><?xml version="1.0" encoding="utf-8"?>
+<p:sld xmlns:a="http://schemas.openxmlformats.org/drawingml/2006/main" xmlns:r="http://schemas.openxmlformats.org/officeDocument/2006/relationships" xmlns:p="http://schemas.openxmlformats.org/presentationml/2006/main">
+  <p:cSld>
+    <p:spTree>
+      <p:nvGrpSpPr>
+        <p:cNvPr id="1" name=""/>
+        <p:cNvGrpSpPr/>
+        <p:nvPr/>
+      </p:nvGrpSpPr>
+      <p:grpSpPr>
+        <a:xfrm>
+          <a:off x="0" y="0"/>
+          <a:ext cx="0" cy="0"/>
+          <a:chOff x="0" y="0"/>
+          <a:chExt cx="0" cy="0"/>
+        </a:xfrm>
+      </p:grpSpPr>
+      <p:pic>
+        <p:nvPicPr>
+          <p:cNvPr id="5" name="그림 4">
+            <a:extLst>
+              <a:ext uri="{FF2B5EF4-FFF2-40B4-BE49-F238E27FC236}">
+                <a16:creationId xmlns:a16="http://schemas.microsoft.com/office/drawing/2014/main" id="{5AD4660D-4FCE-C131-AE2F-A8CF234DCEA5}"/>
+              </a:ext>
+            </a:extLst>
+          </p:cNvPr>
+          <p:cNvPicPr>
+            <a:picLocks noChangeAspect="1"/>
+          </p:cNvPicPr>
+          <p:nvPr/>
+        </p:nvPicPr>
+        <p:blipFill>
+          <a:blip r:embed="rId2"/>
+          <a:stretch>
+            <a:fillRect/>
+          </a:stretch>
+        </p:blipFill>
+        <p:spPr>
+          <a:xfrm>
+            <a:off x="-711293" y="628651"/>
+            <a:ext cx="13614586" cy="5600698"/>
+          </a:xfrm>
+          <a:prstGeom prst="rect">
+            <a:avLst/>
+          </a:prstGeom>
+        </p:spPr>
+      </p:pic>
+    </p:spTree>
+    <p:extLst>
+      <p:ext uri="{BB962C8B-B14F-4D97-AF65-F5344CB8AC3E}">
+        <p14:creationId xmlns:p14="http://schemas.microsoft.com/office/powerpoint/2010/main" val="3715238972"/>
+      </p:ext>
+    </p:extLst>
+  </p:cSld>
+  <p:clrMapOvr>
+    <a:masterClrMapping/>
+  </p:clrMapOvr>
+</p:sld>
+</file>
+
+<file path=ppt/slides/slide8.xml><?xml version="1.0" encoding="utf-8"?>
+<p:sld xmlns:a="http://schemas.openxmlformats.org/drawingml/2006/main" xmlns:r="http://schemas.openxmlformats.org/officeDocument/2006/relationships" xmlns:p="http://schemas.openxmlformats.org/presentationml/2006/main">
+  <p:cSld>
+    <p:spTree>
+      <p:nvGrpSpPr>
+        <p:cNvPr id="1" name=""/>
+        <p:cNvGrpSpPr/>
+        <p:nvPr/>
+      </p:nvGrpSpPr>
+      <p:grpSpPr>
+        <a:xfrm>
+          <a:off x="0" y="0"/>
+          <a:ext cx="0" cy="0"/>
+          <a:chOff x="0" y="0"/>
+          <a:chExt cx="0" cy="0"/>
+        </a:xfrm>
+      </p:grpSpPr>
+      <p:pic>
+        <p:nvPicPr>
+          <p:cNvPr id="5" name="그림 4">
+            <a:extLst>
+              <a:ext uri="{FF2B5EF4-FFF2-40B4-BE49-F238E27FC236}">
+                <a16:creationId xmlns:a16="http://schemas.microsoft.com/office/drawing/2014/main" id="{4BD594B2-D4D5-91CC-609C-95BA55D357E4}"/>
+              </a:ext>
+            </a:extLst>
+          </p:cNvPr>
+          <p:cNvPicPr>
+            <a:picLocks noChangeAspect="1"/>
+          </p:cNvPicPr>
+          <p:nvPr/>
+        </p:nvPicPr>
+        <p:blipFill>
+          <a:blip r:embed="rId2"/>
+          <a:stretch>
+            <a:fillRect/>
+          </a:stretch>
+        </p:blipFill>
+        <p:spPr>
+          <a:xfrm>
+            <a:off x="84935" y="1134953"/>
+            <a:ext cx="5642233" cy="4570813"/>
+          </a:xfrm>
+          <a:prstGeom prst="rect">
+            <a:avLst/>
+          </a:prstGeom>
+        </p:spPr>
+      </p:pic>
+      <p:pic>
+        <p:nvPicPr>
+          <p:cNvPr id="7" name="그림 6">
+            <a:extLst>
+              <a:ext uri="{FF2B5EF4-FFF2-40B4-BE49-F238E27FC236}">
+                <a16:creationId xmlns:a16="http://schemas.microsoft.com/office/drawing/2014/main" id="{F0EC53B3-FE6D-6A68-F3AB-9FD7B21C7455}"/>
+              </a:ext>
+            </a:extLst>
+          </p:cNvPr>
+          <p:cNvPicPr>
+            <a:picLocks noChangeAspect="1"/>
+          </p:cNvPicPr>
+          <p:nvPr/>
+        </p:nvPicPr>
+        <p:blipFill>
+          <a:blip r:embed="rId3"/>
+          <a:stretch>
+            <a:fillRect/>
+          </a:stretch>
+        </p:blipFill>
+        <p:spPr>
+          <a:xfrm>
+            <a:off x="6568518" y="1134953"/>
+            <a:ext cx="5538547" cy="4588094"/>
+          </a:xfrm>
+          <a:prstGeom prst="rect">
+            <a:avLst/>
+          </a:prstGeom>
+        </p:spPr>
+      </p:pic>
+      <p:sp>
+        <p:nvSpPr>
+          <p:cNvPr id="9" name="화살표: 오른쪽 8">
+            <a:extLst>
+              <a:ext uri="{FF2B5EF4-FFF2-40B4-BE49-F238E27FC236}">
+                <a16:creationId xmlns:a16="http://schemas.microsoft.com/office/drawing/2014/main" id="{246D4A0D-60EA-EC71-8921-2FD90F9CBEFC}"/>
+              </a:ext>
+            </a:extLst>
+          </p:cNvPr>
+          <p:cNvSpPr/>
+          <p:nvPr/>
+        </p:nvSpPr>
+        <p:spPr>
+          <a:xfrm>
+            <a:off x="5639589" y="3095362"/>
+            <a:ext cx="932661" cy="461972"/>
+          </a:xfrm>
+          <a:prstGeom prst="rightArrow">
+            <a:avLst/>
+          </a:prstGeom>
+        </p:spPr>
+        <p:style>
+          <a:lnRef idx="2">
+            <a:schemeClr val="accent1">
+              <a:shade val="50000"/>
+            </a:schemeClr>
+          </a:lnRef>
+          <a:fillRef idx="1">
+            <a:schemeClr val="accent1"/>
+          </a:fillRef>
+          <a:effectRef idx="0">
+            <a:schemeClr val="accent1"/>
+          </a:effectRef>
+          <a:fontRef idx="minor">
+            <a:schemeClr val="lt1"/>
+          </a:fontRef>
+        </p:style>
+        <p:txBody>
+          <a:bodyPr rtlCol="0" anchor="ctr"/>
+          <a:lstStyle/>
+          <a:p>
+            <a:pPr algn="ctr"/>
+            <a:endParaRPr lang="ko-KR" altLang="en-US"/>
+          </a:p>
+        </p:txBody>
+      </p:sp>
+      <p:sp>
+        <p:nvSpPr>
+          <p:cNvPr id="10" name="TextBox 9">
+            <a:extLst>
+              <a:ext uri="{FF2B5EF4-FFF2-40B4-BE49-F238E27FC236}">
+                <a16:creationId xmlns:a16="http://schemas.microsoft.com/office/drawing/2014/main" id="{F5807F8E-B2BF-A8AE-DC01-000E44D242CF}"/>
+              </a:ext>
+            </a:extLst>
+          </p:cNvPr>
+          <p:cNvSpPr txBox="1"/>
+          <p:nvPr/>
+        </p:nvSpPr>
+        <p:spPr>
+          <a:xfrm>
+            <a:off x="5623483" y="2449031"/>
+            <a:ext cx="941283" cy="646331"/>
+          </a:xfrm>
+          <a:prstGeom prst="rect">
+            <a:avLst/>
+          </a:prstGeom>
+          <a:noFill/>
+        </p:spPr>
+        <p:txBody>
+          <a:bodyPr wrap="none" rtlCol="0">
+            <a:spAutoFit/>
+          </a:bodyPr>
+          <a:lstStyle/>
+          <a:p>
+            <a:pPr algn="ctr"/>
+            <a:r>
+              <a:rPr lang="en-US" altLang="ko-KR" dirty="0">
+                <a:latin typeface="나눔스퀘어_ac" panose="020B0600000101010101" pitchFamily="50" charset="-127"/>
+                <a:ea typeface="나눔스퀘어_ac" panose="020B0600000101010101" pitchFamily="50" charset="-127"/>
+              </a:rPr>
+              <a:t>“</a:t>
+            </a:r>
+            <a:r>
+              <a:rPr lang="ko-KR" altLang="en-US" dirty="0">
+                <a:latin typeface="나눔스퀘어_ac" panose="020B0600000101010101" pitchFamily="50" charset="-127"/>
+                <a:ea typeface="나눔스퀘어_ac" panose="020B0600000101010101" pitchFamily="50" charset="-127"/>
+              </a:rPr>
+              <a:t>맥락</a:t>
+            </a:r>
+            <a:r>
+              <a:rPr lang="en-US" altLang="ko-KR" dirty="0">
+                <a:latin typeface="나눔스퀘어_ac" panose="020B0600000101010101" pitchFamily="50" charset="-127"/>
+                <a:ea typeface="나눔스퀘어_ac" panose="020B0600000101010101" pitchFamily="50" charset="-127"/>
+              </a:rPr>
+              <a:t>”</a:t>
+            </a:r>
+            <a:r>
+              <a:rPr lang="ko-KR" altLang="en-US" dirty="0">
+                <a:latin typeface="나눔스퀘어_ac" panose="020B0600000101010101" pitchFamily="50" charset="-127"/>
+                <a:ea typeface="나눔스퀘어_ac" panose="020B0600000101010101" pitchFamily="50" charset="-127"/>
+              </a:rPr>
+              <a:t>의</a:t>
+            </a:r>
+            <a:endParaRPr lang="en-US" altLang="ko-KR" dirty="0">
+              <a:latin typeface="나눔스퀘어_ac" panose="020B0600000101010101" pitchFamily="50" charset="-127"/>
+              <a:ea typeface="나눔스퀘어_ac" panose="020B0600000101010101" pitchFamily="50" charset="-127"/>
+            </a:endParaRPr>
+          </a:p>
+          <a:p>
+            <a:pPr algn="ctr"/>
+            <a:r>
+              <a:rPr lang="en-US" altLang="ko-KR" dirty="0">
+                <a:latin typeface="나눔스퀘어_ac" panose="020B0600000101010101" pitchFamily="50" charset="-127"/>
+                <a:ea typeface="나눔스퀘어_ac" panose="020B0600000101010101" pitchFamily="50" charset="-127"/>
+              </a:rPr>
+              <a:t>“</a:t>
+            </a:r>
+            <a:r>
+              <a:rPr lang="ko-KR" altLang="en-US" dirty="0">
+                <a:latin typeface="나눔스퀘어_ac" panose="020B0600000101010101" pitchFamily="50" charset="-127"/>
+                <a:ea typeface="나눔스퀘어_ac" panose="020B0600000101010101" pitchFamily="50" charset="-127"/>
+              </a:rPr>
+              <a:t>정규화</a:t>
+            </a:r>
+            <a:r>
+              <a:rPr lang="en-US" altLang="ko-KR" dirty="0">
+                <a:latin typeface="나눔스퀘어_ac" panose="020B0600000101010101" pitchFamily="50" charset="-127"/>
+                <a:ea typeface="나눔스퀘어_ac" panose="020B0600000101010101" pitchFamily="50" charset="-127"/>
+              </a:rPr>
+              <a:t>”</a:t>
+            </a:r>
+          </a:p>
+        </p:txBody>
+      </p:sp>
+    </p:spTree>
+    <p:extLst>
+      <p:ext uri="{BB962C8B-B14F-4D97-AF65-F5344CB8AC3E}">
+        <p14:creationId xmlns:p14="http://schemas.microsoft.com/office/powerpoint/2010/main" val="3117523844"/>
+      </p:ext>
+    </p:extLst>
+  </p:cSld>
+  <p:clrMapOvr>
+    <a:masterClrMapping/>
+  </p:clrMapOvr>
+</p:sld>
+</file>
+
 <file path=ppt/theme/theme1.xml><?xml version="1.0" encoding="utf-8"?>
 <a:theme xmlns:a="http://schemas.openxmlformats.org/drawingml/2006/main" name="Office 테마">
   <a:themeElements>

--- a/pics/2022-09-28-Mahalanobis_distance/pics.pptx
+++ b/pics/2022-09-28-Mahalanobis_distance/pics.pptx
@@ -11,8 +11,8 @@
     <p:sldId id="259" r:id="rId5"/>
     <p:sldId id="260" r:id="rId6"/>
     <p:sldId id="261" r:id="rId7"/>
-    <p:sldId id="262" r:id="rId8"/>
-    <p:sldId id="263" r:id="rId9"/>
+    <p:sldId id="263" r:id="rId8"/>
+    <p:sldId id="264" r:id="rId9"/>
   </p:sldIdLst>
   <p:sldSz cx="12192000" cy="6858000"/>
   <p:notesSz cx="6858000" cy="9144000"/>
@@ -10334,233 +10334,6 @@
           </a:prstGeom>
         </p:spPr>
       </p:pic>
-      <mc:AlternateContent xmlns:mc="http://schemas.openxmlformats.org/markup-compatibility/2006" xmlns:a14="http://schemas.microsoft.com/office/drawing/2010/main">
-        <mc:Choice Requires="a14">
-          <p:sp>
-            <p:nvSpPr>
-              <p:cNvPr id="66" name="TextBox 65">
-                <a:extLst>
-                  <a:ext uri="{FF2B5EF4-FFF2-40B4-BE49-F238E27FC236}">
-                    <a16:creationId xmlns:a16="http://schemas.microsoft.com/office/drawing/2014/main" id="{6204A48F-0E1B-F30B-65B8-9F1E72E12DA0}"/>
-                  </a:ext>
-                </a:extLst>
-              </p:cNvPr>
-              <p:cNvSpPr txBox="1"/>
-              <p:nvPr/>
-            </p:nvSpPr>
-            <p:spPr>
-              <a:xfrm>
-                <a:off x="5803695" y="1198281"/>
-                <a:ext cx="553357" cy="646331"/>
-              </a:xfrm>
-              <a:prstGeom prst="rect">
-                <a:avLst/>
-              </a:prstGeom>
-              <a:noFill/>
-            </p:spPr>
-            <p:txBody>
-              <a:bodyPr wrap="none" rtlCol="0">
-                <a:spAutoFit/>
-              </a:bodyPr>
-              <a:lstStyle/>
-              <a:p>
-                <a:pPr/>
-                <a14:m>
-                  <m:oMathPara xmlns:m="http://schemas.openxmlformats.org/officeDocument/2006/math">
-                    <m:oMathParaPr>
-                      <m:jc m:val="centerGroup"/>
-                    </m:oMathParaPr>
-                    <m:oMath xmlns:m="http://schemas.openxmlformats.org/officeDocument/2006/math">
-                      <m:r>
-                        <m:rPr>
-                          <m:sty m:val="p"/>
-                        </m:rPr>
-                        <a:rPr lang="en-US" altLang="ko-KR" sz="3600" b="0" i="0" dirty="0" smtClean="0">
-                          <a:latin typeface="Cambria Math" panose="02040503050406030204" pitchFamily="18" charset="0"/>
-                          <a:ea typeface="나눔스퀘어_ac" panose="020B0600000101010101" pitchFamily="50" charset="-127"/>
-                        </a:rPr>
-                        <m:t>Σ</m:t>
-                      </m:r>
-                    </m:oMath>
-                  </m:oMathPara>
-                </a14:m>
-                <a:endParaRPr lang="en-US" altLang="ko-KR" sz="3600" dirty="0">
-                  <a:latin typeface="나눔스퀘어_ac" panose="020B0600000101010101" pitchFamily="50" charset="-127"/>
-                  <a:ea typeface="나눔스퀘어_ac" panose="020B0600000101010101" pitchFamily="50" charset="-127"/>
-                </a:endParaRPr>
-              </a:p>
-            </p:txBody>
-          </p:sp>
-        </mc:Choice>
-        <mc:Fallback xmlns="">
-          <p:sp>
-            <p:nvSpPr>
-              <p:cNvPr id="66" name="TextBox 65">
-                <a:extLst>
-                  <a:ext uri="{FF2B5EF4-FFF2-40B4-BE49-F238E27FC236}">
-                    <a16:creationId xmlns:a16="http://schemas.microsoft.com/office/drawing/2014/main" id="{6204A48F-0E1B-F30B-65B8-9F1E72E12DA0}"/>
-                  </a:ext>
-                </a:extLst>
-              </p:cNvPr>
-              <p:cNvSpPr txBox="1">
-                <a:spLocks noRot="1" noChangeAspect="1" noMove="1" noResize="1" noEditPoints="1" noAdjustHandles="1" noChangeArrowheads="1" noChangeShapeType="1" noTextEdit="1"/>
-              </p:cNvSpPr>
-              <p:nvPr/>
-            </p:nvSpPr>
-            <p:spPr>
-              <a:xfrm>
-                <a:off x="5803695" y="1198281"/>
-                <a:ext cx="553357" cy="646331"/>
-              </a:xfrm>
-              <a:prstGeom prst="rect">
-                <a:avLst/>
-              </a:prstGeom>
-              <a:blipFill>
-                <a:blip r:embed="rId6"/>
-                <a:stretch>
-                  <a:fillRect/>
-                </a:stretch>
-              </a:blipFill>
-            </p:spPr>
-            <p:txBody>
-              <a:bodyPr/>
-              <a:lstStyle/>
-              <a:p>
-                <a:r>
-                  <a:rPr lang="ko-KR" altLang="en-US">
-                    <a:noFill/>
-                  </a:rPr>
-                  <a:t> </a:t>
-                </a:r>
-              </a:p>
-            </p:txBody>
-          </p:sp>
-        </mc:Fallback>
-      </mc:AlternateContent>
-      <mc:AlternateContent xmlns:mc="http://schemas.openxmlformats.org/markup-compatibility/2006" xmlns:a14="http://schemas.microsoft.com/office/drawing/2010/main">
-        <mc:Choice Requires="a14">
-          <p:sp>
-            <p:nvSpPr>
-              <p:cNvPr id="67" name="TextBox 66">
-                <a:extLst>
-                  <a:ext uri="{FF2B5EF4-FFF2-40B4-BE49-F238E27FC236}">
-                    <a16:creationId xmlns:a16="http://schemas.microsoft.com/office/drawing/2014/main" id="{86476868-02AC-A796-5BF7-BEE2C88D3A1F}"/>
-                  </a:ext>
-                </a:extLst>
-              </p:cNvPr>
-              <p:cNvSpPr txBox="1"/>
-              <p:nvPr/>
-            </p:nvSpPr>
-            <p:spPr>
-              <a:xfrm>
-                <a:off x="5645438" y="4997576"/>
-                <a:ext cx="1028037" cy="646331"/>
-              </a:xfrm>
-              <a:prstGeom prst="rect">
-                <a:avLst/>
-              </a:prstGeom>
-              <a:noFill/>
-            </p:spPr>
-            <p:txBody>
-              <a:bodyPr wrap="none" rtlCol="0">
-                <a:spAutoFit/>
-              </a:bodyPr>
-              <a:lstStyle/>
-              <a:p>
-                <a:pPr/>
-                <a14:m>
-                  <m:oMathPara xmlns:m="http://schemas.openxmlformats.org/officeDocument/2006/math">
-                    <m:oMathParaPr>
-                      <m:jc m:val="centerGroup"/>
-                    </m:oMathParaPr>
-                    <m:oMath xmlns:m="http://schemas.openxmlformats.org/officeDocument/2006/math">
-                      <m:sSup>
-                        <m:sSupPr>
-                          <m:ctrlPr>
-                            <a:rPr lang="en-US" altLang="ko-KR" sz="3600" b="0" i="1" dirty="0" smtClean="0">
-                              <a:latin typeface="Cambria Math" panose="02040503050406030204" pitchFamily="18" charset="0"/>
-                              <a:ea typeface="나눔스퀘어_ac" panose="020B0600000101010101" pitchFamily="50" charset="-127"/>
-                            </a:rPr>
-                          </m:ctrlPr>
-                        </m:sSupPr>
-                        <m:e>
-                          <m:r>
-                            <m:rPr>
-                              <m:sty m:val="p"/>
-                            </m:rPr>
-                            <a:rPr lang="en-US" altLang="ko-KR" sz="3600" b="0" i="0" dirty="0" smtClean="0">
-                              <a:latin typeface="Cambria Math" panose="02040503050406030204" pitchFamily="18" charset="0"/>
-                              <a:ea typeface="나눔스퀘어_ac" panose="020B0600000101010101" pitchFamily="50" charset="-127"/>
-                            </a:rPr>
-                            <m:t>Σ</m:t>
-                          </m:r>
-                        </m:e>
-                        <m:sup>
-                          <m:r>
-                            <a:rPr lang="en-US" altLang="ko-KR" sz="3600" b="0" i="0" dirty="0" smtClean="0">
-                              <a:latin typeface="Cambria Math" panose="02040503050406030204" pitchFamily="18" charset="0"/>
-                              <a:ea typeface="나눔스퀘어_ac" panose="020B0600000101010101" pitchFamily="50" charset="-127"/>
-                            </a:rPr>
-                            <m:t>−1</m:t>
-                          </m:r>
-                        </m:sup>
-                      </m:sSup>
-                    </m:oMath>
-                  </m:oMathPara>
-                </a14:m>
-                <a:endParaRPr lang="en-US" altLang="ko-KR" sz="3600" dirty="0">
-                  <a:latin typeface="나눔스퀘어_ac" panose="020B0600000101010101" pitchFamily="50" charset="-127"/>
-                  <a:ea typeface="나눔스퀘어_ac" panose="020B0600000101010101" pitchFamily="50" charset="-127"/>
-                </a:endParaRPr>
-              </a:p>
-            </p:txBody>
-          </p:sp>
-        </mc:Choice>
-        <mc:Fallback xmlns="">
-          <p:sp>
-            <p:nvSpPr>
-              <p:cNvPr id="67" name="TextBox 66">
-                <a:extLst>
-                  <a:ext uri="{FF2B5EF4-FFF2-40B4-BE49-F238E27FC236}">
-                    <a16:creationId xmlns:a16="http://schemas.microsoft.com/office/drawing/2014/main" id="{86476868-02AC-A796-5BF7-BEE2C88D3A1F}"/>
-                  </a:ext>
-                </a:extLst>
-              </p:cNvPr>
-              <p:cNvSpPr txBox="1">
-                <a:spLocks noRot="1" noChangeAspect="1" noMove="1" noResize="1" noEditPoints="1" noAdjustHandles="1" noChangeArrowheads="1" noChangeShapeType="1" noTextEdit="1"/>
-              </p:cNvSpPr>
-              <p:nvPr/>
-            </p:nvSpPr>
-            <p:spPr>
-              <a:xfrm>
-                <a:off x="5645438" y="4997576"/>
-                <a:ext cx="1028037" cy="646331"/>
-              </a:xfrm>
-              <a:prstGeom prst="rect">
-                <a:avLst/>
-              </a:prstGeom>
-              <a:blipFill>
-                <a:blip r:embed="rId7"/>
-                <a:stretch>
-                  <a:fillRect/>
-                </a:stretch>
-              </a:blipFill>
-            </p:spPr>
-            <p:txBody>
-              <a:bodyPr/>
-              <a:lstStyle/>
-              <a:p>
-                <a:r>
-                  <a:rPr lang="ko-KR" altLang="en-US">
-                    <a:noFill/>
-                  </a:rPr>
-                  <a:t> </a:t>
-                </a:r>
-              </a:p>
-            </p:txBody>
-          </p:sp>
-        </mc:Fallback>
-      </mc:AlternateContent>
     </p:spTree>
     <p:extLst>
       <p:ext uri="{BB962C8B-B14F-4D97-AF65-F5344CB8AC3E}">
@@ -10596,66 +10369,6 @@
           <p:cNvPr id="5" name="그림 4">
             <a:extLst>
               <a:ext uri="{FF2B5EF4-FFF2-40B4-BE49-F238E27FC236}">
-                <a16:creationId xmlns:a16="http://schemas.microsoft.com/office/drawing/2014/main" id="{5AD4660D-4FCE-C131-AE2F-A8CF234DCEA5}"/>
-              </a:ext>
-            </a:extLst>
-          </p:cNvPr>
-          <p:cNvPicPr>
-            <a:picLocks noChangeAspect="1"/>
-          </p:cNvPicPr>
-          <p:nvPr/>
-        </p:nvPicPr>
-        <p:blipFill>
-          <a:blip r:embed="rId2"/>
-          <a:stretch>
-            <a:fillRect/>
-          </a:stretch>
-        </p:blipFill>
-        <p:spPr>
-          <a:xfrm>
-            <a:off x="-711293" y="628651"/>
-            <a:ext cx="13614586" cy="5600698"/>
-          </a:xfrm>
-          <a:prstGeom prst="rect">
-            <a:avLst/>
-          </a:prstGeom>
-        </p:spPr>
-      </p:pic>
-    </p:spTree>
-    <p:extLst>
-      <p:ext uri="{BB962C8B-B14F-4D97-AF65-F5344CB8AC3E}">
-        <p14:creationId xmlns:p14="http://schemas.microsoft.com/office/powerpoint/2010/main" val="3715238972"/>
-      </p:ext>
-    </p:extLst>
-  </p:cSld>
-  <p:clrMapOvr>
-    <a:masterClrMapping/>
-  </p:clrMapOvr>
-</p:sld>
-</file>
-
-<file path=ppt/slides/slide8.xml><?xml version="1.0" encoding="utf-8"?>
-<p:sld xmlns:a="http://schemas.openxmlformats.org/drawingml/2006/main" xmlns:r="http://schemas.openxmlformats.org/officeDocument/2006/relationships" xmlns:p="http://schemas.openxmlformats.org/presentationml/2006/main">
-  <p:cSld>
-    <p:spTree>
-      <p:nvGrpSpPr>
-        <p:cNvPr id="1" name=""/>
-        <p:cNvGrpSpPr/>
-        <p:nvPr/>
-      </p:nvGrpSpPr>
-      <p:grpSpPr>
-        <a:xfrm>
-          <a:off x="0" y="0"/>
-          <a:ext cx="0" cy="0"/>
-          <a:chOff x="0" y="0"/>
-          <a:chExt cx="0" cy="0"/>
-        </a:xfrm>
-      </p:grpSpPr>
-      <p:pic>
-        <p:nvPicPr>
-          <p:cNvPr id="5" name="그림 4">
-            <a:extLst>
-              <a:ext uri="{FF2B5EF4-FFF2-40B4-BE49-F238E27FC236}">
                 <a16:creationId xmlns:a16="http://schemas.microsoft.com/office/drawing/2014/main" id="{4BD594B2-D4D5-91CC-609C-95BA55D357E4}"/>
               </a:ext>
             </a:extLst>
@@ -10849,6 +10562,644 @@
     <p:extLst>
       <p:ext uri="{BB962C8B-B14F-4D97-AF65-F5344CB8AC3E}">
         <p14:creationId xmlns:p14="http://schemas.microsoft.com/office/powerpoint/2010/main" val="3117523844"/>
+      </p:ext>
+    </p:extLst>
+  </p:cSld>
+  <p:clrMapOvr>
+    <a:masterClrMapping/>
+  </p:clrMapOvr>
+</p:sld>
+</file>
+
+<file path=ppt/slides/slide8.xml><?xml version="1.0" encoding="utf-8"?>
+<p:sld xmlns:a="http://schemas.openxmlformats.org/drawingml/2006/main" xmlns:r="http://schemas.openxmlformats.org/officeDocument/2006/relationships" xmlns:p="http://schemas.openxmlformats.org/presentationml/2006/main">
+  <p:cSld>
+    <p:spTree>
+      <p:nvGrpSpPr>
+        <p:cNvPr id="1" name=""/>
+        <p:cNvGrpSpPr/>
+        <p:nvPr/>
+      </p:nvGrpSpPr>
+      <p:grpSpPr>
+        <a:xfrm>
+          <a:off x="0" y="0"/>
+          <a:ext cx="0" cy="0"/>
+          <a:chOff x="0" y="0"/>
+          <a:chExt cx="0" cy="0"/>
+        </a:xfrm>
+      </p:grpSpPr>
+      <p:cxnSp>
+        <p:nvCxnSpPr>
+          <p:cNvPr id="11" name="직선 화살표 연결선 10">
+            <a:extLst>
+              <a:ext uri="{FF2B5EF4-FFF2-40B4-BE49-F238E27FC236}">
+                <a16:creationId xmlns:a16="http://schemas.microsoft.com/office/drawing/2014/main" id="{950D73B3-EA7F-EF92-A0A9-39C12EF436B5}"/>
+              </a:ext>
+            </a:extLst>
+          </p:cNvPr>
+          <p:cNvCxnSpPr/>
+          <p:nvPr/>
+        </p:nvCxnSpPr>
+        <p:spPr>
+          <a:xfrm>
+            <a:off x="1873751" y="3333750"/>
+            <a:ext cx="3571875" cy="0"/>
+          </a:xfrm>
+          <a:prstGeom prst="straightConnector1">
+            <a:avLst/>
+          </a:prstGeom>
+          <a:ln w="28575">
+            <a:solidFill>
+              <a:schemeClr val="bg1">
+                <a:lumMod val="85000"/>
+              </a:schemeClr>
+            </a:solidFill>
+            <a:tailEnd type="triangle"/>
+          </a:ln>
+        </p:spPr>
+        <p:style>
+          <a:lnRef idx="1">
+            <a:schemeClr val="accent1"/>
+          </a:lnRef>
+          <a:fillRef idx="0">
+            <a:schemeClr val="accent1"/>
+          </a:fillRef>
+          <a:effectRef idx="0">
+            <a:schemeClr val="accent1"/>
+          </a:effectRef>
+          <a:fontRef idx="minor">
+            <a:schemeClr val="tx1"/>
+          </a:fontRef>
+        </p:style>
+      </p:cxnSp>
+      <p:cxnSp>
+        <p:nvCxnSpPr>
+          <p:cNvPr id="12" name="직선 화살표 연결선 11">
+            <a:extLst>
+              <a:ext uri="{FF2B5EF4-FFF2-40B4-BE49-F238E27FC236}">
+                <a16:creationId xmlns:a16="http://schemas.microsoft.com/office/drawing/2014/main" id="{2963AE3A-CBA8-89DD-7326-E1DA3FCDAF16}"/>
+              </a:ext>
+            </a:extLst>
+          </p:cNvPr>
+          <p:cNvCxnSpPr>
+            <a:cxnSpLocks/>
+          </p:cNvCxnSpPr>
+          <p:nvPr/>
+        </p:nvCxnSpPr>
+        <p:spPr>
+          <a:xfrm rot="16200000">
+            <a:off x="1845176" y="3162300"/>
+            <a:ext cx="3571875" cy="0"/>
+          </a:xfrm>
+          <a:prstGeom prst="straightConnector1">
+            <a:avLst/>
+          </a:prstGeom>
+          <a:ln w="28575">
+            <a:solidFill>
+              <a:schemeClr val="bg1">
+                <a:lumMod val="85000"/>
+              </a:schemeClr>
+            </a:solidFill>
+            <a:tailEnd type="triangle"/>
+          </a:ln>
+        </p:spPr>
+        <p:style>
+          <a:lnRef idx="1">
+            <a:schemeClr val="accent1"/>
+          </a:lnRef>
+          <a:fillRef idx="0">
+            <a:schemeClr val="accent1"/>
+          </a:fillRef>
+          <a:effectRef idx="0">
+            <a:schemeClr val="accent1"/>
+          </a:effectRef>
+          <a:fontRef idx="minor">
+            <a:schemeClr val="tx1"/>
+          </a:fontRef>
+        </p:style>
+      </p:cxnSp>
+      <p:pic>
+        <p:nvPicPr>
+          <p:cNvPr id="5" name="그림 4">
+            <a:extLst>
+              <a:ext uri="{FF2B5EF4-FFF2-40B4-BE49-F238E27FC236}">
+                <a16:creationId xmlns:a16="http://schemas.microsoft.com/office/drawing/2014/main" id="{1CEB67D3-9F57-A855-BC0E-E595E3D65249}"/>
+              </a:ext>
+            </a:extLst>
+          </p:cNvPr>
+          <p:cNvPicPr>
+            <a:picLocks noChangeAspect="1"/>
+          </p:cNvPicPr>
+          <p:nvPr/>
+        </p:nvPicPr>
+        <p:blipFill rotWithShape="1">
+          <a:blip r:embed="rId2"/>
+          <a:srcRect l="23203" t="29300" r="63047" b="33097"/>
+          <a:stretch/>
+        </p:blipFill>
+        <p:spPr>
+          <a:xfrm>
+            <a:off x="2828925" y="2390775"/>
+            <a:ext cx="1676400" cy="1885950"/>
+          </a:xfrm>
+          <a:prstGeom prst="rect">
+            <a:avLst/>
+          </a:prstGeom>
+        </p:spPr>
+      </p:pic>
+      <mc:AlternateContent xmlns:mc="http://schemas.openxmlformats.org/markup-compatibility/2006">
+        <mc:Choice xmlns:a14="http://schemas.microsoft.com/office/drawing/2010/main" Requires="a14">
+          <p:sp>
+            <p:nvSpPr>
+              <p:cNvPr id="7" name="TextBox 6">
+                <a:extLst>
+                  <a:ext uri="{FF2B5EF4-FFF2-40B4-BE49-F238E27FC236}">
+                    <a16:creationId xmlns:a16="http://schemas.microsoft.com/office/drawing/2014/main" id="{18C68052-EB6B-7ED6-8C2A-3BBA6F5825E3}"/>
+                  </a:ext>
+                </a:extLst>
+              </p:cNvPr>
+              <p:cNvSpPr txBox="1"/>
+              <p:nvPr/>
+            </p:nvSpPr>
+            <p:spPr>
+              <a:xfrm>
+                <a:off x="2592161" y="981908"/>
+                <a:ext cx="2250168" cy="369332"/>
+              </a:xfrm>
+              <a:prstGeom prst="rect">
+                <a:avLst/>
+              </a:prstGeom>
+              <a:noFill/>
+            </p:spPr>
+            <p:txBody>
+              <a:bodyPr wrap="none" rtlCol="0">
+                <a:spAutoFit/>
+              </a:bodyPr>
+              <a:lstStyle/>
+              <a:p>
+                <a:r>
+                  <a:rPr lang="en-US" altLang="ko-KR" dirty="0">
+                    <a:latin typeface="나눔스퀘어_ac" panose="020B0600000101010101" pitchFamily="50" charset="-127"/>
+                    <a:ea typeface="나눔스퀘어_ac" panose="020B0600000101010101" pitchFamily="50" charset="-127"/>
+                  </a:rPr>
+                  <a:t>“</a:t>
+                </a:r>
+                <a:r>
+                  <a:rPr lang="ko-KR" altLang="en-US" dirty="0">
+                    <a:latin typeface="나눔스퀘어_ac" panose="020B0600000101010101" pitchFamily="50" charset="-127"/>
+                    <a:ea typeface="나눔스퀘어_ac" panose="020B0600000101010101" pitchFamily="50" charset="-127"/>
+                  </a:rPr>
+                  <a:t>원시 형태</a:t>
+                </a:r>
+                <a:r>
+                  <a:rPr lang="en-US" altLang="ko-KR" dirty="0">
+                    <a:latin typeface="나눔스퀘어_ac" panose="020B0600000101010101" pitchFamily="50" charset="-127"/>
+                    <a:ea typeface="나눔스퀘어_ac" panose="020B0600000101010101" pitchFamily="50" charset="-127"/>
+                  </a:rPr>
+                  <a:t>”</a:t>
+                </a:r>
+                <a:r>
+                  <a:rPr lang="ko-KR" altLang="en-US" dirty="0">
+                    <a:latin typeface="나눔스퀘어_ac" panose="020B0600000101010101" pitchFamily="50" charset="-127"/>
+                    <a:ea typeface="나눔스퀘어_ac" panose="020B0600000101010101" pitchFamily="50" charset="-127"/>
+                  </a:rPr>
+                  <a:t>의 데이터 </a:t>
+                </a:r>
+                <a14:m>
+                  <m:oMath xmlns:m="http://schemas.openxmlformats.org/officeDocument/2006/math">
+                    <m:r>
+                      <a:rPr lang="en-US" altLang="ko-KR" b="0" i="1" smtClean="0">
+                        <a:latin typeface="Cambria Math" panose="02040503050406030204" pitchFamily="18" charset="0"/>
+                        <a:ea typeface="나눔스퀘어_ac" panose="020B0600000101010101" pitchFamily="50" charset="-127"/>
+                      </a:rPr>
+                      <m:t>𝑧</m:t>
+                    </m:r>
+                  </m:oMath>
+                </a14:m>
+                <a:endParaRPr lang="en-US" altLang="ko-KR" dirty="0">
+                  <a:latin typeface="나눔스퀘어_ac" panose="020B0600000101010101" pitchFamily="50" charset="-127"/>
+                  <a:ea typeface="나눔스퀘어_ac" panose="020B0600000101010101" pitchFamily="50" charset="-127"/>
+                </a:endParaRPr>
+              </a:p>
+            </p:txBody>
+          </p:sp>
+        </mc:Choice>
+        <mc:Fallback>
+          <p:sp>
+            <p:nvSpPr>
+              <p:cNvPr id="7" name="TextBox 6">
+                <a:extLst>
+                  <a:ext uri="{FF2B5EF4-FFF2-40B4-BE49-F238E27FC236}">
+                    <a16:creationId xmlns:a16="http://schemas.microsoft.com/office/drawing/2014/main" id="{18C68052-EB6B-7ED6-8C2A-3BBA6F5825E3}"/>
+                  </a:ext>
+                </a:extLst>
+              </p:cNvPr>
+              <p:cNvSpPr txBox="1">
+                <a:spLocks noRot="1" noChangeAspect="1" noMove="1" noResize="1" noEditPoints="1" noAdjustHandles="1" noChangeArrowheads="1" noChangeShapeType="1" noTextEdit="1"/>
+              </p:cNvSpPr>
+              <p:nvPr/>
+            </p:nvSpPr>
+            <p:spPr>
+              <a:xfrm>
+                <a:off x="2592161" y="981908"/>
+                <a:ext cx="2250168" cy="369332"/>
+              </a:xfrm>
+              <a:prstGeom prst="rect">
+                <a:avLst/>
+              </a:prstGeom>
+              <a:blipFill>
+                <a:blip r:embed="rId3"/>
+                <a:stretch>
+                  <a:fillRect l="-2168" t="-6557" b="-26230"/>
+                </a:stretch>
+              </a:blipFill>
+            </p:spPr>
+            <p:txBody>
+              <a:bodyPr/>
+              <a:lstStyle/>
+              <a:p>
+                <a:r>
+                  <a:rPr lang="ko-KR" altLang="en-US">
+                    <a:noFill/>
+                  </a:rPr>
+                  <a:t> </a:t>
+                </a:r>
+              </a:p>
+            </p:txBody>
+          </p:sp>
+        </mc:Fallback>
+      </mc:AlternateContent>
+      <mc:AlternateContent xmlns:mc="http://schemas.openxmlformats.org/markup-compatibility/2006">
+        <mc:Choice xmlns:a14="http://schemas.microsoft.com/office/drawing/2010/main" Requires="a14">
+          <p:sp>
+            <p:nvSpPr>
+              <p:cNvPr id="8" name="TextBox 7">
+                <a:extLst>
+                  <a:ext uri="{FF2B5EF4-FFF2-40B4-BE49-F238E27FC236}">
+                    <a16:creationId xmlns:a16="http://schemas.microsoft.com/office/drawing/2014/main" id="{846D1179-5BF6-38AF-12EC-D71228FE4D4D}"/>
+                  </a:ext>
+                </a:extLst>
+              </p:cNvPr>
+              <p:cNvSpPr txBox="1"/>
+              <p:nvPr/>
+            </p:nvSpPr>
+            <p:spPr>
+              <a:xfrm>
+                <a:off x="5077559" y="2471470"/>
+                <a:ext cx="1698542" cy="369332"/>
+              </a:xfrm>
+              <a:prstGeom prst="rect">
+                <a:avLst/>
+              </a:prstGeom>
+              <a:noFill/>
+            </p:spPr>
+            <p:txBody>
+              <a:bodyPr wrap="none" rtlCol="0">
+                <a:spAutoFit/>
+              </a:bodyPr>
+              <a:lstStyle/>
+              <a:p>
+                <a:r>
+                  <a:rPr lang="ko-KR" altLang="en-US" dirty="0">
+                    <a:latin typeface="나눔스퀘어_ac" panose="020B0600000101010101" pitchFamily="50" charset="-127"/>
+                    <a:ea typeface="나눔스퀘어_ac" panose="020B0600000101010101" pitchFamily="50" charset="-127"/>
+                  </a:rPr>
+                  <a:t>어떤 선형 변환 </a:t>
+                </a:r>
+                <a14:m>
+                  <m:oMath xmlns:m="http://schemas.openxmlformats.org/officeDocument/2006/math">
+                    <m:r>
+                      <a:rPr lang="en-US" altLang="ko-KR" b="0" i="1" smtClean="0">
+                        <a:latin typeface="Cambria Math" panose="02040503050406030204" pitchFamily="18" charset="0"/>
+                        <a:ea typeface="나눔스퀘어_ac" panose="020B0600000101010101" pitchFamily="50" charset="-127"/>
+                      </a:rPr>
+                      <m:t>𝐴</m:t>
+                    </m:r>
+                  </m:oMath>
+                </a14:m>
+                <a:endParaRPr lang="en-US" altLang="ko-KR" dirty="0">
+                  <a:latin typeface="나눔스퀘어_ac" panose="020B0600000101010101" pitchFamily="50" charset="-127"/>
+                  <a:ea typeface="나눔스퀘어_ac" panose="020B0600000101010101" pitchFamily="50" charset="-127"/>
+                </a:endParaRPr>
+              </a:p>
+            </p:txBody>
+          </p:sp>
+        </mc:Choice>
+        <mc:Fallback>
+          <p:sp>
+            <p:nvSpPr>
+              <p:cNvPr id="8" name="TextBox 7">
+                <a:extLst>
+                  <a:ext uri="{FF2B5EF4-FFF2-40B4-BE49-F238E27FC236}">
+                    <a16:creationId xmlns:a16="http://schemas.microsoft.com/office/drawing/2014/main" id="{846D1179-5BF6-38AF-12EC-D71228FE4D4D}"/>
+                  </a:ext>
+                </a:extLst>
+              </p:cNvPr>
+              <p:cNvSpPr txBox="1">
+                <a:spLocks noRot="1" noChangeAspect="1" noMove="1" noResize="1" noEditPoints="1" noAdjustHandles="1" noChangeArrowheads="1" noChangeShapeType="1" noTextEdit="1"/>
+              </p:cNvSpPr>
+              <p:nvPr/>
+            </p:nvSpPr>
+            <p:spPr>
+              <a:xfrm>
+                <a:off x="5077559" y="2471470"/>
+                <a:ext cx="1698542" cy="369332"/>
+              </a:xfrm>
+              <a:prstGeom prst="rect">
+                <a:avLst/>
+              </a:prstGeom>
+              <a:blipFill>
+                <a:blip r:embed="rId4"/>
+                <a:stretch>
+                  <a:fillRect l="-3226" t="-6557" b="-26230"/>
+                </a:stretch>
+              </a:blipFill>
+            </p:spPr>
+            <p:txBody>
+              <a:bodyPr/>
+              <a:lstStyle/>
+              <a:p>
+                <a:r>
+                  <a:rPr lang="ko-KR" altLang="en-US">
+                    <a:noFill/>
+                  </a:rPr>
+                  <a:t> </a:t>
+                </a:r>
+              </a:p>
+            </p:txBody>
+          </p:sp>
+        </mc:Fallback>
+      </mc:AlternateContent>
+      <p:sp>
+        <p:nvSpPr>
+          <p:cNvPr id="9" name="화살표: 오른쪽 8">
+            <a:extLst>
+              <a:ext uri="{FF2B5EF4-FFF2-40B4-BE49-F238E27FC236}">
+                <a16:creationId xmlns:a16="http://schemas.microsoft.com/office/drawing/2014/main" id="{D92CA6D8-5537-4D39-89E2-FE4AFD80E982}"/>
+              </a:ext>
+            </a:extLst>
+          </p:cNvPr>
+          <p:cNvSpPr/>
+          <p:nvPr/>
+        </p:nvSpPr>
+        <p:spPr>
+          <a:xfrm>
+            <a:off x="5460499" y="2871778"/>
+            <a:ext cx="932661" cy="461972"/>
+          </a:xfrm>
+          <a:prstGeom prst="rightArrow">
+            <a:avLst/>
+          </a:prstGeom>
+        </p:spPr>
+        <p:style>
+          <a:lnRef idx="2">
+            <a:schemeClr val="accent1">
+              <a:shade val="50000"/>
+            </a:schemeClr>
+          </a:lnRef>
+          <a:fillRef idx="1">
+            <a:schemeClr val="accent1"/>
+          </a:fillRef>
+          <a:effectRef idx="0">
+            <a:schemeClr val="accent1"/>
+          </a:effectRef>
+          <a:fontRef idx="minor">
+            <a:schemeClr val="lt1"/>
+          </a:fontRef>
+        </p:style>
+        <p:txBody>
+          <a:bodyPr rtlCol="0" anchor="ctr"/>
+          <a:lstStyle/>
+          <a:p>
+            <a:pPr algn="ctr"/>
+            <a:endParaRPr lang="ko-KR" altLang="en-US"/>
+          </a:p>
+        </p:txBody>
+      </p:sp>
+      <mc:AlternateContent xmlns:mc="http://schemas.openxmlformats.org/markup-compatibility/2006">
+        <mc:Choice xmlns:a14="http://schemas.microsoft.com/office/drawing/2010/main" Requires="a14">
+          <p:sp>
+            <p:nvSpPr>
+              <p:cNvPr id="10" name="TextBox 9">
+                <a:extLst>
+                  <a:ext uri="{FF2B5EF4-FFF2-40B4-BE49-F238E27FC236}">
+                    <a16:creationId xmlns:a16="http://schemas.microsoft.com/office/drawing/2014/main" id="{BC9BCC07-2B59-E6D6-66C9-490C35219DE3}"/>
+                  </a:ext>
+                </a:extLst>
+              </p:cNvPr>
+              <p:cNvSpPr txBox="1"/>
+              <p:nvPr/>
+            </p:nvSpPr>
+            <p:spPr>
+              <a:xfrm>
+                <a:off x="7911838" y="981908"/>
+                <a:ext cx="1647439" cy="369332"/>
+              </a:xfrm>
+              <a:prstGeom prst="rect">
+                <a:avLst/>
+              </a:prstGeom>
+              <a:noFill/>
+            </p:spPr>
+            <p:txBody>
+              <a:bodyPr wrap="none" rtlCol="0">
+                <a:spAutoFit/>
+              </a:bodyPr>
+              <a:lstStyle/>
+              <a:p>
+                <a:r>
+                  <a:rPr lang="ko-KR" altLang="en-US" dirty="0">
+                    <a:latin typeface="나눔스퀘어_ac" panose="020B0600000101010101" pitchFamily="50" charset="-127"/>
+                    <a:ea typeface="나눔스퀘어_ac" panose="020B0600000101010101" pitchFamily="50" charset="-127"/>
+                  </a:rPr>
+                  <a:t>주어진 데이터 </a:t>
+                </a:r>
+                <a14:m>
+                  <m:oMath xmlns:m="http://schemas.openxmlformats.org/officeDocument/2006/math">
+                    <m:r>
+                      <a:rPr lang="en-US" altLang="ko-KR" b="0" i="1" smtClean="0">
+                        <a:latin typeface="Cambria Math" panose="02040503050406030204" pitchFamily="18" charset="0"/>
+                        <a:ea typeface="나눔스퀘어_ac" panose="020B0600000101010101" pitchFamily="50" charset="-127"/>
+                      </a:rPr>
+                      <m:t>𝑥</m:t>
+                    </m:r>
+                  </m:oMath>
+                </a14:m>
+                <a:endParaRPr lang="en-US" altLang="ko-KR" dirty="0">
+                  <a:latin typeface="나눔스퀘어_ac" panose="020B0600000101010101" pitchFamily="50" charset="-127"/>
+                  <a:ea typeface="나눔스퀘어_ac" panose="020B0600000101010101" pitchFamily="50" charset="-127"/>
+                </a:endParaRPr>
+              </a:p>
+            </p:txBody>
+          </p:sp>
+        </mc:Choice>
+        <mc:Fallback>
+          <p:sp>
+            <p:nvSpPr>
+              <p:cNvPr id="10" name="TextBox 9">
+                <a:extLst>
+                  <a:ext uri="{FF2B5EF4-FFF2-40B4-BE49-F238E27FC236}">
+                    <a16:creationId xmlns:a16="http://schemas.microsoft.com/office/drawing/2014/main" id="{BC9BCC07-2B59-E6D6-66C9-490C35219DE3}"/>
+                  </a:ext>
+                </a:extLst>
+              </p:cNvPr>
+              <p:cNvSpPr txBox="1">
+                <a:spLocks noRot="1" noChangeAspect="1" noMove="1" noResize="1" noEditPoints="1" noAdjustHandles="1" noChangeArrowheads="1" noChangeShapeType="1" noTextEdit="1"/>
+              </p:cNvSpPr>
+              <p:nvPr/>
+            </p:nvSpPr>
+            <p:spPr>
+              <a:xfrm>
+                <a:off x="7911838" y="981908"/>
+                <a:ext cx="1647439" cy="369332"/>
+              </a:xfrm>
+              <a:prstGeom prst="rect">
+                <a:avLst/>
+              </a:prstGeom>
+              <a:blipFill>
+                <a:blip r:embed="rId5"/>
+                <a:stretch>
+                  <a:fillRect l="-3333" t="-6557" b="-26230"/>
+                </a:stretch>
+              </a:blipFill>
+            </p:spPr>
+            <p:txBody>
+              <a:bodyPr/>
+              <a:lstStyle/>
+              <a:p>
+                <a:r>
+                  <a:rPr lang="ko-KR" altLang="en-US">
+                    <a:noFill/>
+                  </a:rPr>
+                  <a:t> </a:t>
+                </a:r>
+              </a:p>
+            </p:txBody>
+          </p:sp>
+        </mc:Fallback>
+      </mc:AlternateContent>
+      <p:cxnSp>
+        <p:nvCxnSpPr>
+          <p:cNvPr id="13" name="직선 화살표 연결선 12">
+            <a:extLst>
+              <a:ext uri="{FF2B5EF4-FFF2-40B4-BE49-F238E27FC236}">
+                <a16:creationId xmlns:a16="http://schemas.microsoft.com/office/drawing/2014/main" id="{8884A372-0F2C-F3B6-0101-ACC1A2B26BC3}"/>
+              </a:ext>
+            </a:extLst>
+          </p:cNvPr>
+          <p:cNvCxnSpPr/>
+          <p:nvPr/>
+        </p:nvCxnSpPr>
+        <p:spPr>
+          <a:xfrm>
+            <a:off x="6978196" y="3333750"/>
+            <a:ext cx="3571875" cy="0"/>
+          </a:xfrm>
+          <a:prstGeom prst="straightConnector1">
+            <a:avLst/>
+          </a:prstGeom>
+          <a:ln w="28575">
+            <a:solidFill>
+              <a:schemeClr val="bg1">
+                <a:lumMod val="85000"/>
+              </a:schemeClr>
+            </a:solidFill>
+            <a:tailEnd type="triangle"/>
+          </a:ln>
+        </p:spPr>
+        <p:style>
+          <a:lnRef idx="1">
+            <a:schemeClr val="accent1"/>
+          </a:lnRef>
+          <a:fillRef idx="0">
+            <a:schemeClr val="accent1"/>
+          </a:fillRef>
+          <a:effectRef idx="0">
+            <a:schemeClr val="accent1"/>
+          </a:effectRef>
+          <a:fontRef idx="minor">
+            <a:schemeClr val="tx1"/>
+          </a:fontRef>
+        </p:style>
+      </p:cxnSp>
+      <p:cxnSp>
+        <p:nvCxnSpPr>
+          <p:cNvPr id="14" name="직선 화살표 연결선 13">
+            <a:extLst>
+              <a:ext uri="{FF2B5EF4-FFF2-40B4-BE49-F238E27FC236}">
+                <a16:creationId xmlns:a16="http://schemas.microsoft.com/office/drawing/2014/main" id="{CF873D88-B5FA-F7D4-5E04-66A46C5378B5}"/>
+              </a:ext>
+            </a:extLst>
+          </p:cNvPr>
+          <p:cNvCxnSpPr>
+            <a:cxnSpLocks/>
+          </p:cNvCxnSpPr>
+          <p:nvPr/>
+        </p:nvCxnSpPr>
+        <p:spPr>
+          <a:xfrm rot="16200000">
+            <a:off x="6949621" y="3162300"/>
+            <a:ext cx="3571875" cy="0"/>
+          </a:xfrm>
+          <a:prstGeom prst="straightConnector1">
+            <a:avLst/>
+          </a:prstGeom>
+          <a:ln w="28575">
+            <a:solidFill>
+              <a:schemeClr val="bg1">
+                <a:lumMod val="85000"/>
+              </a:schemeClr>
+            </a:solidFill>
+            <a:tailEnd type="triangle"/>
+          </a:ln>
+        </p:spPr>
+        <p:style>
+          <a:lnRef idx="1">
+            <a:schemeClr val="accent1"/>
+          </a:lnRef>
+          <a:fillRef idx="0">
+            <a:schemeClr val="accent1"/>
+          </a:fillRef>
+          <a:effectRef idx="0">
+            <a:schemeClr val="accent1"/>
+          </a:effectRef>
+          <a:fontRef idx="minor">
+            <a:schemeClr val="tx1"/>
+          </a:fontRef>
+        </p:style>
+      </p:cxnSp>
+      <p:pic>
+        <p:nvPicPr>
+          <p:cNvPr id="6" name="그림 5">
+            <a:extLst>
+              <a:ext uri="{FF2B5EF4-FFF2-40B4-BE49-F238E27FC236}">
+                <a16:creationId xmlns:a16="http://schemas.microsoft.com/office/drawing/2014/main" id="{8EC64F09-6D01-1C8A-041F-221990E2E84B}"/>
+              </a:ext>
+            </a:extLst>
+          </p:cNvPr>
+          <p:cNvPicPr>
+            <a:picLocks noChangeAspect="1"/>
+          </p:cNvPicPr>
+          <p:nvPr/>
+        </p:nvPicPr>
+        <p:blipFill rotWithShape="1">
+          <a:blip r:embed="rId2"/>
+          <a:srcRect l="62031" t="15626" r="14375" b="21133"/>
+          <a:stretch/>
+        </p:blipFill>
+        <p:spPr>
+          <a:xfrm>
+            <a:off x="7297283" y="1695450"/>
+            <a:ext cx="2876550" cy="3171825"/>
+          </a:xfrm>
+          <a:prstGeom prst="rect">
+            <a:avLst/>
+          </a:prstGeom>
+        </p:spPr>
+      </p:pic>
+    </p:spTree>
+    <p:extLst>
+      <p:ext uri="{BB962C8B-B14F-4D97-AF65-F5344CB8AC3E}">
+        <p14:creationId xmlns:p14="http://schemas.microsoft.com/office/powerpoint/2010/main" val="2549363699"/>
       </p:ext>
     </p:extLst>
   </p:cSld>

--- a/pics/2022-09-28-Mahalanobis_distance/pics.pptx
+++ b/pics/2022-09-28-Mahalanobis_distance/pics.pptx
@@ -13,6 +13,7 @@
     <p:sldId id="261" r:id="rId7"/>
     <p:sldId id="263" r:id="rId8"/>
     <p:sldId id="264" r:id="rId9"/>
+    <p:sldId id="265" r:id="rId10"/>
   </p:sldIdLst>
   <p:sldSz cx="12192000" cy="6858000"/>
   <p:notesSz cx="6858000" cy="9144000"/>
@@ -11209,6 +11210,301 @@
 </p:sld>
 </file>
 
+<file path=ppt/slides/slide9.xml><?xml version="1.0" encoding="utf-8"?>
+<p:sld xmlns:a="http://schemas.openxmlformats.org/drawingml/2006/main" xmlns:r="http://schemas.openxmlformats.org/officeDocument/2006/relationships" xmlns:p="http://schemas.openxmlformats.org/presentationml/2006/main">
+  <p:cSld>
+    <p:spTree>
+      <p:nvGrpSpPr>
+        <p:cNvPr id="1" name=""/>
+        <p:cNvGrpSpPr/>
+        <p:nvPr/>
+      </p:nvGrpSpPr>
+      <p:grpSpPr>
+        <a:xfrm>
+          <a:off x="0" y="0"/>
+          <a:ext cx="0" cy="0"/>
+          <a:chOff x="0" y="0"/>
+          <a:chExt cx="0" cy="0"/>
+        </a:xfrm>
+      </p:grpSpPr>
+      <p:pic>
+        <p:nvPicPr>
+          <p:cNvPr id="5" name="그림 4">
+            <a:extLst>
+              <a:ext uri="{FF2B5EF4-FFF2-40B4-BE49-F238E27FC236}">
+                <a16:creationId xmlns:a16="http://schemas.microsoft.com/office/drawing/2014/main" id="{DA3C6634-D813-7335-2786-C31B32EC23EC}"/>
+              </a:ext>
+            </a:extLst>
+          </p:cNvPr>
+          <p:cNvPicPr>
+            <a:picLocks noChangeAspect="1"/>
+          </p:cNvPicPr>
+          <p:nvPr/>
+        </p:nvPicPr>
+        <p:blipFill>
+          <a:blip r:embed="rId2"/>
+          <a:stretch>
+            <a:fillRect/>
+          </a:stretch>
+        </p:blipFill>
+        <p:spPr>
+          <a:xfrm>
+            <a:off x="3429000" y="1428750"/>
+            <a:ext cx="5334000" cy="4000500"/>
+          </a:xfrm>
+          <a:prstGeom prst="rect">
+            <a:avLst/>
+          </a:prstGeom>
+        </p:spPr>
+      </p:pic>
+      <mc:AlternateContent xmlns:mc="http://schemas.openxmlformats.org/markup-compatibility/2006">
+        <mc:Choice xmlns:a14="http://schemas.microsoft.com/office/drawing/2010/main" Requires="a14">
+          <p:sp>
+            <p:nvSpPr>
+              <p:cNvPr id="6" name="TextBox 5">
+                <a:extLst>
+                  <a:ext uri="{FF2B5EF4-FFF2-40B4-BE49-F238E27FC236}">
+                    <a16:creationId xmlns:a16="http://schemas.microsoft.com/office/drawing/2014/main" id="{1A43EE39-BFB9-BD44-4EA9-A97678E5F7AF}"/>
+                  </a:ext>
+                </a:extLst>
+              </p:cNvPr>
+              <p:cNvSpPr txBox="1"/>
+              <p:nvPr/>
+            </p:nvSpPr>
+            <p:spPr>
+              <a:xfrm>
+                <a:off x="4386044" y="993106"/>
+                <a:ext cx="3419911" cy="610936"/>
+              </a:xfrm>
+              <a:prstGeom prst="rect">
+                <a:avLst/>
+              </a:prstGeom>
+              <a:noFill/>
+            </p:spPr>
+            <p:txBody>
+              <a:bodyPr wrap="none" rtlCol="0">
+                <a:spAutoFit/>
+              </a:bodyPr>
+              <a:lstStyle/>
+              <a:p>
+                <a14:m>
+                  <m:oMathPara xmlns:m="http://schemas.openxmlformats.org/officeDocument/2006/math">
+                    <m:oMathParaPr>
+                      <m:jc m:val="centerGroup"/>
+                    </m:oMathParaPr>
+                    <m:oMath xmlns:m="http://schemas.openxmlformats.org/officeDocument/2006/math">
+                      <m:r>
+                        <m:rPr>
+                          <m:sty m:val="p"/>
+                        </m:rPr>
+                        <a:rPr lang="en-US" altLang="ko-KR" b="0" i="0" smtClean="0">
+                          <a:latin typeface="Cambria Math" panose="02040503050406030204" pitchFamily="18" charset="0"/>
+                        </a:rPr>
+                        <m:t>Σ</m:t>
+                      </m:r>
+                      <m:r>
+                        <a:rPr lang="en-US" altLang="ko-KR" b="0" i="1" smtClean="0">
+                          <a:latin typeface="Cambria Math" panose="02040503050406030204" pitchFamily="18" charset="0"/>
+                        </a:rPr>
+                        <m:t>=</m:t>
+                      </m:r>
+                      <m:f>
+                        <m:fPr>
+                          <m:ctrlPr>
+                            <a:rPr lang="en-US" altLang="ko-KR" b="0" i="1" smtClean="0">
+                              <a:latin typeface="Cambria Math" panose="02040503050406030204" pitchFamily="18" charset="0"/>
+                            </a:rPr>
+                          </m:ctrlPr>
+                        </m:fPr>
+                        <m:num>
+                          <m:r>
+                            <a:rPr lang="en-US" altLang="ko-KR" b="0" i="1" smtClean="0">
+                              <a:latin typeface="Cambria Math" panose="02040503050406030204" pitchFamily="18" charset="0"/>
+                            </a:rPr>
+                            <m:t>1</m:t>
+                          </m:r>
+                        </m:num>
+                        <m:den>
+                          <m:r>
+                            <a:rPr lang="en-US" altLang="ko-KR" b="0" i="1" smtClean="0">
+                              <a:latin typeface="Cambria Math" panose="02040503050406030204" pitchFamily="18" charset="0"/>
+                            </a:rPr>
+                            <m:t>𝑁</m:t>
+                          </m:r>
+                        </m:den>
+                      </m:f>
+                      <m:sSup>
+                        <m:sSupPr>
+                          <m:ctrlPr>
+                            <a:rPr lang="en-US" altLang="ko-KR" b="0" i="1" smtClean="0">
+                              <a:latin typeface="Cambria Math" panose="02040503050406030204" pitchFamily="18" charset="0"/>
+                            </a:rPr>
+                          </m:ctrlPr>
+                        </m:sSupPr>
+                        <m:e>
+                          <m:r>
+                            <a:rPr lang="en-US" altLang="ko-KR" b="0" i="1" smtClean="0">
+                              <a:latin typeface="Cambria Math" panose="02040503050406030204" pitchFamily="18" charset="0"/>
+                            </a:rPr>
+                            <m:t>𝑋</m:t>
+                          </m:r>
+                        </m:e>
+                        <m:sup>
+                          <m:r>
+                            <a:rPr lang="en-US" altLang="ko-KR" b="0" i="1" smtClean="0">
+                              <a:latin typeface="Cambria Math" panose="02040503050406030204" pitchFamily="18" charset="0"/>
+                            </a:rPr>
+                            <m:t>𝑇</m:t>
+                          </m:r>
+                        </m:sup>
+                      </m:sSup>
+                      <m:r>
+                        <a:rPr lang="en-US" altLang="ko-KR" b="0" i="1" smtClean="0">
+                          <a:latin typeface="Cambria Math" panose="02040503050406030204" pitchFamily="18" charset="0"/>
+                        </a:rPr>
+                        <m:t>𝑋</m:t>
+                      </m:r>
+                      <m:r>
+                        <a:rPr lang="en-US" altLang="ko-KR" b="0" i="1" smtClean="0">
+                          <a:latin typeface="Cambria Math" panose="02040503050406030204" pitchFamily="18" charset="0"/>
+                        </a:rPr>
+                        <m:t>=</m:t>
+                      </m:r>
+                      <m:d>
+                        <m:dPr>
+                          <m:begChr m:val="["/>
+                          <m:endChr m:val="]"/>
+                          <m:ctrlPr>
+                            <a:rPr lang="en-US" altLang="ko-KR" b="0" i="1" smtClean="0">
+                              <a:latin typeface="Cambria Math" panose="02040503050406030204" pitchFamily="18" charset="0"/>
+                            </a:rPr>
+                          </m:ctrlPr>
+                        </m:dPr>
+                        <m:e>
+                          <m:m>
+                            <m:mPr>
+                              <m:mcs>
+                                <m:mc>
+                                  <m:mcPr>
+                                    <m:count m:val="2"/>
+                                    <m:mcJc m:val="center"/>
+                                  </m:mcPr>
+                                </m:mc>
+                              </m:mcs>
+                              <m:ctrlPr>
+                                <a:rPr lang="en-US" altLang="ko-KR" b="0" i="1" smtClean="0">
+                                  <a:latin typeface="Cambria Math" panose="02040503050406030204" pitchFamily="18" charset="0"/>
+                                </a:rPr>
+                              </m:ctrlPr>
+                            </m:mPr>
+                            <m:mr>
+                              <m:e>
+                                <m:r>
+                                  <m:rPr>
+                                    <m:brk m:alnAt="7"/>
+                                  </m:rPr>
+                                  <a:rPr lang="en-US" altLang="ko-KR" b="0" i="1" smtClean="0">
+                                    <a:latin typeface="Cambria Math" panose="02040503050406030204" pitchFamily="18" charset="0"/>
+                                  </a:rPr>
+                                  <m:t>2.9940</m:t>
+                                </m:r>
+                              </m:e>
+                              <m:e>
+                                <m:r>
+                                  <a:rPr lang="en-US" altLang="ko-KR" b="0" i="1" smtClean="0">
+                                    <a:latin typeface="Cambria Math" panose="02040503050406030204" pitchFamily="18" charset="0"/>
+                                  </a:rPr>
+                                  <m:t>1.9664</m:t>
+                                </m:r>
+                              </m:e>
+                            </m:mr>
+                            <m:mr>
+                              <m:e>
+                                <m:r>
+                                  <a:rPr lang="en-US" altLang="ko-KR" b="0" i="1" smtClean="0">
+                                    <a:latin typeface="Cambria Math" panose="02040503050406030204" pitchFamily="18" charset="0"/>
+                                  </a:rPr>
+                                  <m:t>1.9664</m:t>
+                                </m:r>
+                              </m:e>
+                              <m:e>
+                                <m:r>
+                                  <a:rPr lang="en-US" altLang="ko-KR" b="0" i="1" smtClean="0">
+                                    <a:latin typeface="Cambria Math" panose="02040503050406030204" pitchFamily="18" charset="0"/>
+                                  </a:rPr>
+                                  <m:t>3.9514</m:t>
+                                </m:r>
+                              </m:e>
+                            </m:mr>
+                          </m:m>
+                        </m:e>
+                      </m:d>
+                    </m:oMath>
+                  </m:oMathPara>
+                </a14:m>
+                <a:endParaRPr lang="ko-KR" altLang="en-US" dirty="0"/>
+              </a:p>
+            </p:txBody>
+          </p:sp>
+        </mc:Choice>
+        <mc:Fallback>
+          <p:sp>
+            <p:nvSpPr>
+              <p:cNvPr id="6" name="TextBox 5">
+                <a:extLst>
+                  <a:ext uri="{FF2B5EF4-FFF2-40B4-BE49-F238E27FC236}">
+                    <a16:creationId xmlns:a16="http://schemas.microsoft.com/office/drawing/2014/main" id="{1A43EE39-BFB9-BD44-4EA9-A97678E5F7AF}"/>
+                  </a:ext>
+                </a:extLst>
+              </p:cNvPr>
+              <p:cNvSpPr txBox="1">
+                <a:spLocks noRot="1" noChangeAspect="1" noMove="1" noResize="1" noEditPoints="1" noAdjustHandles="1" noChangeArrowheads="1" noChangeShapeType="1" noTextEdit="1"/>
+              </p:cNvSpPr>
+              <p:nvPr/>
+            </p:nvSpPr>
+            <p:spPr>
+              <a:xfrm>
+                <a:off x="4386044" y="993106"/>
+                <a:ext cx="3419911" cy="610936"/>
+              </a:xfrm>
+              <a:prstGeom prst="rect">
+                <a:avLst/>
+              </a:prstGeom>
+              <a:blipFill>
+                <a:blip r:embed="rId3"/>
+                <a:stretch>
+                  <a:fillRect/>
+                </a:stretch>
+              </a:blipFill>
+            </p:spPr>
+            <p:txBody>
+              <a:bodyPr/>
+              <a:lstStyle/>
+              <a:p>
+                <a:r>
+                  <a:rPr lang="ko-KR" altLang="en-US">
+                    <a:noFill/>
+                  </a:rPr>
+                  <a:t> </a:t>
+                </a:r>
+              </a:p>
+            </p:txBody>
+          </p:sp>
+        </mc:Fallback>
+      </mc:AlternateContent>
+    </p:spTree>
+    <p:extLst>
+      <p:ext uri="{BB962C8B-B14F-4D97-AF65-F5344CB8AC3E}">
+        <p14:creationId xmlns:p14="http://schemas.microsoft.com/office/powerpoint/2010/main" val="1579494600"/>
+      </p:ext>
+    </p:extLst>
+  </p:cSld>
+  <p:clrMapOvr>
+    <a:masterClrMapping/>
+  </p:clrMapOvr>
+</p:sld>
+</file>
+
 <file path=ppt/theme/theme1.xml><?xml version="1.0" encoding="utf-8"?>
 <a:theme xmlns:a="http://schemas.openxmlformats.org/drawingml/2006/main" name="Office 테마">
   <a:themeElements>

--- a/pics/2022-09-28-Mahalanobis_distance/pics.pptx
+++ b/pics/2022-09-28-Mahalanobis_distance/pics.pptx
@@ -10708,8 +10708,8 @@
           </a:prstGeom>
         </p:spPr>
       </p:pic>
-      <mc:AlternateContent xmlns:mc="http://schemas.openxmlformats.org/markup-compatibility/2006">
-        <mc:Choice xmlns:a14="http://schemas.microsoft.com/office/drawing/2010/main" Requires="a14">
+      <mc:AlternateContent xmlns:mc="http://schemas.openxmlformats.org/markup-compatibility/2006" xmlns:a14="http://schemas.microsoft.com/office/drawing/2010/main">
+        <mc:Choice Requires="a14">
           <p:sp>
             <p:nvSpPr>
               <p:cNvPr id="7" name="TextBox 6">
@@ -10785,7 +10785,7 @@
             </p:txBody>
           </p:sp>
         </mc:Choice>
-        <mc:Fallback>
+        <mc:Fallback xmlns="">
           <p:sp>
             <p:nvSpPr>
               <p:cNvPr id="7" name="TextBox 6">
@@ -10830,8 +10830,8 @@
           </p:sp>
         </mc:Fallback>
       </mc:AlternateContent>
-      <mc:AlternateContent xmlns:mc="http://schemas.openxmlformats.org/markup-compatibility/2006">
-        <mc:Choice xmlns:a14="http://schemas.microsoft.com/office/drawing/2010/main" Requires="a14">
+      <mc:AlternateContent xmlns:mc="http://schemas.openxmlformats.org/markup-compatibility/2006" xmlns:a14="http://schemas.microsoft.com/office/drawing/2010/main">
+        <mc:Choice Requires="a14">
           <p:sp>
             <p:nvSpPr>
               <p:cNvPr id="8" name="TextBox 7">
@@ -10886,7 +10886,7 @@
             </p:txBody>
           </p:sp>
         </mc:Choice>
-        <mc:Fallback>
+        <mc:Fallback xmlns="">
           <p:sp>
             <p:nvSpPr>
               <p:cNvPr id="8" name="TextBox 7">
@@ -10977,8 +10977,8 @@
           </a:p>
         </p:txBody>
       </p:sp>
-      <mc:AlternateContent xmlns:mc="http://schemas.openxmlformats.org/markup-compatibility/2006">
-        <mc:Choice xmlns:a14="http://schemas.microsoft.com/office/drawing/2010/main" Requires="a14">
+      <mc:AlternateContent xmlns:mc="http://schemas.openxmlformats.org/markup-compatibility/2006" xmlns:a14="http://schemas.microsoft.com/office/drawing/2010/main">
+        <mc:Choice Requires="a14">
           <p:sp>
             <p:nvSpPr>
               <p:cNvPr id="10" name="TextBox 9">
@@ -11033,7 +11033,7 @@
             </p:txBody>
           </p:sp>
         </mc:Choice>
-        <mc:Fallback>
+        <mc:Fallback xmlns="">
           <p:sp>
             <p:nvSpPr>
               <p:cNvPr id="10" name="TextBox 9">
@@ -11274,7 +11274,7 @@
             <p:spPr>
               <a:xfrm>
                 <a:off x="4386044" y="993106"/>
-                <a:ext cx="3419911" cy="610936"/>
+                <a:ext cx="3457549" cy="610936"/>
               </a:xfrm>
               <a:prstGeom prst="rect">
                 <a:avLst/>
@@ -11287,6 +11287,7 @@
               </a:bodyPr>
               <a:lstStyle/>
               <a:p>
+                <a:pPr/>
                 <a14:m>
                   <m:oMathPara xmlns:m="http://schemas.openxmlformats.org/officeDocument/2006/math">
                     <m:oMathParaPr>
@@ -11329,7 +11330,7 @@
                             <a:rPr lang="en-US" altLang="ko-KR" b="0" i="1" smtClean="0">
                               <a:latin typeface="Cambria Math" panose="02040503050406030204" pitchFamily="18" charset="0"/>
                             </a:rPr>
-                            <m:t>𝑁</m:t>
+                            <m:t>𝑛</m:t>
                           </m:r>
                         </m:den>
                       </m:f>
@@ -11406,7 +11407,13 @@
                                   <a:rPr lang="en-US" altLang="ko-KR" b="0" i="1" smtClean="0">
                                     <a:latin typeface="Cambria Math" panose="02040503050406030204" pitchFamily="18" charset="0"/>
                                   </a:rPr>
-                                  <m:t>2.9940</m:t>
+                                  <m:t>2</m:t>
+                                </m:r>
+                                <m:r>
+                                  <a:rPr lang="en-US" altLang="ko-KR" b="0" i="1" smtClean="0">
+                                    <a:latin typeface="Cambria Math" panose="02040503050406030204" pitchFamily="18" charset="0"/>
+                                  </a:rPr>
+                                  <m:t>.9940</m:t>
                                 </m:r>
                               </m:e>
                               <m:e>
@@ -11465,7 +11472,7 @@
             <p:spPr>
               <a:xfrm>
                 <a:off x="4386044" y="993106"/>
-                <a:ext cx="3419911" cy="610936"/>
+                <a:ext cx="3457549" cy="610936"/>
               </a:xfrm>
               <a:prstGeom prst="rect">
                 <a:avLst/>

--- a/pics/2022-09-28-Mahalanobis_distance/pics.pptx
+++ b/pics/2022-09-28-Mahalanobis_distance/pics.pptx
@@ -267,7 +267,7 @@
           <a:p>
             <a:fld id="{8DCFE445-8268-4AE2-ADD9-AB110B2937CA}" type="datetimeFigureOut">
               <a:rPr lang="ko-KR" altLang="en-US" smtClean="0"/>
-              <a:t>2022-10-02</a:t>
+              <a:t>2022-10-03</a:t>
             </a:fld>
             <a:endParaRPr lang="ko-KR" altLang="en-US"/>
           </a:p>
@@ -465,7 +465,7 @@
           <a:p>
             <a:fld id="{8DCFE445-8268-4AE2-ADD9-AB110B2937CA}" type="datetimeFigureOut">
               <a:rPr lang="ko-KR" altLang="en-US" smtClean="0"/>
-              <a:t>2022-10-02</a:t>
+              <a:t>2022-10-03</a:t>
             </a:fld>
             <a:endParaRPr lang="ko-KR" altLang="en-US"/>
           </a:p>
@@ -673,7 +673,7 @@
           <a:p>
             <a:fld id="{8DCFE445-8268-4AE2-ADD9-AB110B2937CA}" type="datetimeFigureOut">
               <a:rPr lang="ko-KR" altLang="en-US" smtClean="0"/>
-              <a:t>2022-10-02</a:t>
+              <a:t>2022-10-03</a:t>
             </a:fld>
             <a:endParaRPr lang="ko-KR" altLang="en-US"/>
           </a:p>
@@ -871,7 +871,7 @@
           <a:p>
             <a:fld id="{8DCFE445-8268-4AE2-ADD9-AB110B2937CA}" type="datetimeFigureOut">
               <a:rPr lang="ko-KR" altLang="en-US" smtClean="0"/>
-              <a:t>2022-10-02</a:t>
+              <a:t>2022-10-03</a:t>
             </a:fld>
             <a:endParaRPr lang="ko-KR" altLang="en-US"/>
           </a:p>
@@ -1146,7 +1146,7 @@
           <a:p>
             <a:fld id="{8DCFE445-8268-4AE2-ADD9-AB110B2937CA}" type="datetimeFigureOut">
               <a:rPr lang="ko-KR" altLang="en-US" smtClean="0"/>
-              <a:t>2022-10-02</a:t>
+              <a:t>2022-10-03</a:t>
             </a:fld>
             <a:endParaRPr lang="ko-KR" altLang="en-US"/>
           </a:p>
@@ -1411,7 +1411,7 @@
           <a:p>
             <a:fld id="{8DCFE445-8268-4AE2-ADD9-AB110B2937CA}" type="datetimeFigureOut">
               <a:rPr lang="ko-KR" altLang="en-US" smtClean="0"/>
-              <a:t>2022-10-02</a:t>
+              <a:t>2022-10-03</a:t>
             </a:fld>
             <a:endParaRPr lang="ko-KR" altLang="en-US"/>
           </a:p>
@@ -1823,7 +1823,7 @@
           <a:p>
             <a:fld id="{8DCFE445-8268-4AE2-ADD9-AB110B2937CA}" type="datetimeFigureOut">
               <a:rPr lang="ko-KR" altLang="en-US" smtClean="0"/>
-              <a:t>2022-10-02</a:t>
+              <a:t>2022-10-03</a:t>
             </a:fld>
             <a:endParaRPr lang="ko-KR" altLang="en-US"/>
           </a:p>
@@ -1964,7 +1964,7 @@
           <a:p>
             <a:fld id="{8DCFE445-8268-4AE2-ADD9-AB110B2937CA}" type="datetimeFigureOut">
               <a:rPr lang="ko-KR" altLang="en-US" smtClean="0"/>
-              <a:t>2022-10-02</a:t>
+              <a:t>2022-10-03</a:t>
             </a:fld>
             <a:endParaRPr lang="ko-KR" altLang="en-US"/>
           </a:p>
@@ -2077,7 +2077,7 @@
           <a:p>
             <a:fld id="{8DCFE445-8268-4AE2-ADD9-AB110B2937CA}" type="datetimeFigureOut">
               <a:rPr lang="ko-KR" altLang="en-US" smtClean="0"/>
-              <a:t>2022-10-02</a:t>
+              <a:t>2022-10-03</a:t>
             </a:fld>
             <a:endParaRPr lang="ko-KR" altLang="en-US"/>
           </a:p>
@@ -2388,7 +2388,7 @@
           <a:p>
             <a:fld id="{8DCFE445-8268-4AE2-ADD9-AB110B2937CA}" type="datetimeFigureOut">
               <a:rPr lang="ko-KR" altLang="en-US" smtClean="0"/>
-              <a:t>2022-10-02</a:t>
+              <a:t>2022-10-03</a:t>
             </a:fld>
             <a:endParaRPr lang="ko-KR" altLang="en-US"/>
           </a:p>
@@ -2676,7 +2676,7 @@
           <a:p>
             <a:fld id="{8DCFE445-8268-4AE2-ADD9-AB110B2937CA}" type="datetimeFigureOut">
               <a:rPr lang="ko-KR" altLang="en-US" smtClean="0"/>
-              <a:t>2022-10-02</a:t>
+              <a:t>2022-10-03</a:t>
             </a:fld>
             <a:endParaRPr lang="ko-KR" altLang="en-US"/>
           </a:p>
@@ -2917,7 +2917,7 @@
           <a:p>
             <a:fld id="{8DCFE445-8268-4AE2-ADD9-AB110B2937CA}" type="datetimeFigureOut">
               <a:rPr lang="ko-KR" altLang="en-US" smtClean="0"/>
-              <a:t>2022-10-02</a:t>
+              <a:t>2022-10-03</a:t>
             </a:fld>
             <a:endParaRPr lang="ko-KR" altLang="en-US"/>
           </a:p>
@@ -5187,7 +5187,7 @@
         </p:nvSpPr>
         <p:spPr>
           <a:xfrm>
-            <a:off x="4615604" y="2335601"/>
+            <a:off x="4415579" y="1439471"/>
             <a:ext cx="121013" cy="121013"/>
           </a:xfrm>
           <a:prstGeom prst="ellipse">
@@ -5335,8 +5335,8 @@
           </p:sp>
         </mc:Fallback>
       </mc:AlternateContent>
-      <mc:AlternateContent xmlns:mc="http://schemas.openxmlformats.org/markup-compatibility/2006" xmlns:a14="http://schemas.microsoft.com/office/drawing/2010/main">
-        <mc:Choice Requires="a14">
+      <mc:AlternateContent xmlns:mc="http://schemas.openxmlformats.org/markup-compatibility/2006">
+        <mc:Choice xmlns:a14="http://schemas.microsoft.com/office/drawing/2010/main" Requires="a14">
           <p:sp>
             <p:nvSpPr>
               <p:cNvPr id="11" name="TextBox 10">
@@ -5351,7 +5351,7 @@
             </p:nvSpPr>
             <p:spPr>
               <a:xfrm>
-                <a:off x="4736612" y="2200990"/>
+                <a:off x="4536587" y="1304860"/>
                 <a:ext cx="299173" cy="309559"/>
               </a:xfrm>
               <a:prstGeom prst="rect">
@@ -5398,7 +5398,7 @@
             </p:txBody>
           </p:sp>
         </mc:Choice>
-        <mc:Fallback xmlns="">
+        <mc:Fallback>
           <p:sp>
             <p:nvSpPr>
               <p:cNvPr id="11" name="TextBox 10">
@@ -5415,7 +5415,7 @@
             </p:nvSpPr>
             <p:spPr>
               <a:xfrm>
-                <a:off x="4736612" y="2200990"/>
+                <a:off x="4536587" y="1304860"/>
                 <a:ext cx="299173" cy="309559"/>
               </a:xfrm>
               <a:prstGeom prst="rect">
@@ -5646,8 +5646,8 @@
           </a:stretch>
         </p:blipFill>
         <p:spPr>
-          <a:xfrm rot="821653">
-            <a:off x="5982797" y="1045962"/>
+          <a:xfrm>
+            <a:off x="6024907" y="807837"/>
             <a:ext cx="5348260" cy="4011195"/>
           </a:xfrm>
           <a:prstGeom prst="rect">
@@ -5723,7 +5723,7 @@
         </p:nvSpPr>
         <p:spPr>
           <a:xfrm>
-            <a:off x="10445410" y="2335602"/>
+            <a:off x="10245385" y="1439472"/>
             <a:ext cx="121013" cy="121013"/>
           </a:xfrm>
           <a:prstGeom prst="ellipse">
@@ -5871,8 +5871,8 @@
           </p:sp>
         </mc:Fallback>
       </mc:AlternateContent>
-      <mc:AlternateContent xmlns:mc="http://schemas.openxmlformats.org/markup-compatibility/2006" xmlns:a14="http://schemas.microsoft.com/office/drawing/2010/main">
-        <mc:Choice Requires="a14">
+      <mc:AlternateContent xmlns:mc="http://schemas.openxmlformats.org/markup-compatibility/2006">
+        <mc:Choice xmlns:a14="http://schemas.microsoft.com/office/drawing/2010/main" Requires="a14">
           <p:sp>
             <p:nvSpPr>
               <p:cNvPr id="3042" name="TextBox 3041">
@@ -5887,7 +5887,7 @@
             </p:nvSpPr>
             <p:spPr>
               <a:xfrm>
-                <a:off x="10566419" y="2200990"/>
+                <a:off x="10366394" y="1304860"/>
                 <a:ext cx="299173" cy="309559"/>
               </a:xfrm>
               <a:prstGeom prst="rect">
@@ -5934,7 +5934,7 @@
             </p:txBody>
           </p:sp>
         </mc:Choice>
-        <mc:Fallback xmlns="">
+        <mc:Fallback>
           <p:sp>
             <p:nvSpPr>
               <p:cNvPr id="3042" name="TextBox 3041">
@@ -5951,7 +5951,7 @@
             </p:nvSpPr>
             <p:spPr>
               <a:xfrm>
-                <a:off x="10566419" y="2200990"/>
+                <a:off x="10366394" y="1304860"/>
                 <a:ext cx="299173" cy="309559"/>
               </a:xfrm>
               <a:prstGeom prst="rect">
@@ -6437,6 +6437,36 @@
           <a:chExt cx="0" cy="0"/>
         </a:xfrm>
       </p:grpSpPr>
+      <p:pic>
+        <p:nvPicPr>
+          <p:cNvPr id="22" name="그림 21">
+            <a:extLst>
+              <a:ext uri="{FF2B5EF4-FFF2-40B4-BE49-F238E27FC236}">
+                <a16:creationId xmlns:a16="http://schemas.microsoft.com/office/drawing/2014/main" id="{E6A8C8A2-F949-1397-5F9C-1DE1F54E6855}"/>
+              </a:ext>
+            </a:extLst>
+          </p:cNvPr>
+          <p:cNvPicPr>
+            <a:picLocks noChangeAspect="1"/>
+          </p:cNvPicPr>
+          <p:nvPr/>
+        </p:nvPicPr>
+        <p:blipFill>
+          <a:blip r:embed="rId2"/>
+          <a:stretch>
+            <a:fillRect/>
+          </a:stretch>
+        </p:blipFill>
+        <p:spPr>
+          <a:xfrm>
+            <a:off x="6024907" y="807837"/>
+            <a:ext cx="5348260" cy="4011195"/>
+          </a:xfrm>
+          <a:prstGeom prst="rect">
+            <a:avLst/>
+          </a:prstGeom>
+        </p:spPr>
+      </p:pic>
       <p:sp>
         <p:nvSpPr>
           <p:cNvPr id="5" name="타원 4">
@@ -6452,60 +6482,6 @@
         <p:spPr>
           <a:xfrm>
             <a:off x="1277667" y="3959191"/>
-            <a:ext cx="121013" cy="121013"/>
-          </a:xfrm>
-          <a:prstGeom prst="ellipse">
-            <a:avLst/>
-          </a:prstGeom>
-          <a:solidFill>
-            <a:schemeClr val="accent2"/>
-          </a:solidFill>
-          <a:ln w="28575">
-            <a:solidFill>
-              <a:schemeClr val="tx1"/>
-            </a:solidFill>
-          </a:ln>
-        </p:spPr>
-        <p:style>
-          <a:lnRef idx="2">
-            <a:schemeClr val="accent1">
-              <a:shade val="50000"/>
-            </a:schemeClr>
-          </a:lnRef>
-          <a:fillRef idx="1">
-            <a:schemeClr val="accent1"/>
-          </a:fillRef>
-          <a:effectRef idx="0">
-            <a:schemeClr val="accent1"/>
-          </a:effectRef>
-          <a:fontRef idx="minor">
-            <a:schemeClr val="lt1"/>
-          </a:fontRef>
-        </p:style>
-        <p:txBody>
-          <a:bodyPr rtlCol="0" anchor="ctr"/>
-          <a:lstStyle/>
-          <a:p>
-            <a:pPr algn="ctr"/>
-            <a:endParaRPr lang="ko-KR" altLang="en-US"/>
-          </a:p>
-        </p:txBody>
-      </p:sp>
-      <p:sp>
-        <p:nvSpPr>
-          <p:cNvPr id="6" name="타원 5">
-            <a:extLst>
-              <a:ext uri="{FF2B5EF4-FFF2-40B4-BE49-F238E27FC236}">
-                <a16:creationId xmlns:a16="http://schemas.microsoft.com/office/drawing/2014/main" id="{764FC958-9821-9716-CACF-AB13DD23C872}"/>
-              </a:ext>
-            </a:extLst>
-          </p:cNvPr>
-          <p:cNvSpPr/>
-          <p:nvPr/>
-        </p:nvSpPr>
-        <p:spPr>
-          <a:xfrm>
-            <a:off x="4615604" y="2335601"/>
             <a:ext cx="121013" cy="121013"/>
           </a:xfrm>
           <a:prstGeom prst="ellipse">
@@ -6632,117 +6608,9 @@
                 <a:avLst/>
               </a:prstGeom>
               <a:blipFill>
-                <a:blip r:embed="rId2"/>
+                <a:blip r:embed="rId3"/>
                 <a:stretch>
                   <a:fillRect r="-4082" b="-45098"/>
-                </a:stretch>
-              </a:blipFill>
-            </p:spPr>
-            <p:txBody>
-              <a:bodyPr/>
-              <a:lstStyle/>
-              <a:p>
-                <a:r>
-                  <a:rPr lang="ko-KR" altLang="en-US">
-                    <a:noFill/>
-                  </a:rPr>
-                  <a:t> </a:t>
-                </a:r>
-              </a:p>
-            </p:txBody>
-          </p:sp>
-        </mc:Fallback>
-      </mc:AlternateContent>
-      <mc:AlternateContent xmlns:mc="http://schemas.openxmlformats.org/markup-compatibility/2006" xmlns:a14="http://schemas.microsoft.com/office/drawing/2010/main">
-        <mc:Choice Requires="a14">
-          <p:sp>
-            <p:nvSpPr>
-              <p:cNvPr id="11" name="TextBox 10">
-                <a:extLst>
-                  <a:ext uri="{FF2B5EF4-FFF2-40B4-BE49-F238E27FC236}">
-                    <a16:creationId xmlns:a16="http://schemas.microsoft.com/office/drawing/2014/main" id="{3A9DDADD-8884-4E10-9771-8096138122D3}"/>
-                  </a:ext>
-                </a:extLst>
-              </p:cNvPr>
-              <p:cNvSpPr txBox="1"/>
-              <p:nvPr/>
-            </p:nvSpPr>
-            <p:spPr>
-              <a:xfrm>
-                <a:off x="4736612" y="2200990"/>
-                <a:ext cx="299173" cy="309559"/>
-              </a:xfrm>
-              <a:prstGeom prst="rect">
-                <a:avLst/>
-              </a:prstGeom>
-              <a:noFill/>
-            </p:spPr>
-            <p:txBody>
-              <a:bodyPr wrap="none" rtlCol="0">
-                <a:spAutoFit/>
-              </a:bodyPr>
-              <a:lstStyle/>
-              <a:p>
-                <a:pPr/>
-                <a14:m>
-                  <m:oMathPara xmlns:m="http://schemas.openxmlformats.org/officeDocument/2006/math">
-                    <m:oMathParaPr>
-                      <m:jc m:val="centerGroup"/>
-                    </m:oMathParaPr>
-                    <m:oMath xmlns:m="http://schemas.openxmlformats.org/officeDocument/2006/math">
-                      <m:acc>
-                        <m:accPr>
-                          <m:chr m:val="⃗"/>
-                          <m:ctrlPr>
-                            <a:rPr lang="en-US" altLang="ko-KR" sz="3200" b="0" i="1" smtClean="0">
-                              <a:latin typeface="Cambria Math" panose="02040503050406030204" pitchFamily="18" charset="0"/>
-                            </a:rPr>
-                          </m:ctrlPr>
-                        </m:accPr>
-                        <m:e>
-                          <m:r>
-                            <a:rPr lang="en-US" altLang="ko-KR" sz="3200" b="0" i="1" smtClean="0">
-                              <a:latin typeface="Cambria Math" panose="02040503050406030204" pitchFamily="18" charset="0"/>
-                            </a:rPr>
-                            <m:t>𝑦</m:t>
-                          </m:r>
-                        </m:e>
-                      </m:acc>
-                    </m:oMath>
-                  </m:oMathPara>
-                </a14:m>
-                <a:endParaRPr lang="ko-KR" altLang="en-US" sz="3200" dirty="0"/>
-              </a:p>
-            </p:txBody>
-          </p:sp>
-        </mc:Choice>
-        <mc:Fallback xmlns="">
-          <p:sp>
-            <p:nvSpPr>
-              <p:cNvPr id="11" name="TextBox 10">
-                <a:extLst>
-                  <a:ext uri="{FF2B5EF4-FFF2-40B4-BE49-F238E27FC236}">
-                    <a16:creationId xmlns:a16="http://schemas.microsoft.com/office/drawing/2014/main" id="{3A9DDADD-8884-4E10-9771-8096138122D3}"/>
-                  </a:ext>
-                </a:extLst>
-              </p:cNvPr>
-              <p:cNvSpPr txBox="1">
-                <a:spLocks noRot="1" noChangeAspect="1" noMove="1" noResize="1" noEditPoints="1" noAdjustHandles="1" noChangeArrowheads="1" noChangeShapeType="1" noTextEdit="1"/>
-              </p:cNvSpPr>
-              <p:nvPr/>
-            </p:nvSpPr>
-            <p:spPr>
-              <a:xfrm>
-                <a:off x="4736612" y="2200990"/>
-                <a:ext cx="299173" cy="309559"/>
-              </a:xfrm>
-              <a:prstGeom prst="rect">
-                <a:avLst/>
-              </a:prstGeom>
-              <a:blipFill>
-                <a:blip r:embed="rId3"/>
-                <a:stretch>
-                  <a:fillRect r="-6122" b="-70588"/>
                 </a:stretch>
               </a:blipFill>
             </p:spPr>
@@ -6943,36 +6811,6 @@
           </a:fontRef>
         </p:style>
       </p:cxnSp>
-      <p:pic>
-        <p:nvPicPr>
-          <p:cNvPr id="3038" name="그림 3037">
-            <a:extLst>
-              <a:ext uri="{FF2B5EF4-FFF2-40B4-BE49-F238E27FC236}">
-                <a16:creationId xmlns:a16="http://schemas.microsoft.com/office/drawing/2014/main" id="{440E281C-5145-5EF3-2E2A-B11973308F4C}"/>
-              </a:ext>
-            </a:extLst>
-          </p:cNvPr>
-          <p:cNvPicPr>
-            <a:picLocks noChangeAspect="1"/>
-          </p:cNvPicPr>
-          <p:nvPr/>
-        </p:nvPicPr>
-        <p:blipFill>
-          <a:blip r:embed="rId5"/>
-          <a:stretch>
-            <a:fillRect/>
-          </a:stretch>
-        </p:blipFill>
-        <p:spPr>
-          <a:xfrm rot="821653">
-            <a:off x="5982797" y="1045962"/>
-            <a:ext cx="5348260" cy="4011195"/>
-          </a:xfrm>
-          <a:prstGeom prst="rect">
-            <a:avLst/>
-          </a:prstGeom>
-        </p:spPr>
-      </p:pic>
       <p:sp>
         <p:nvSpPr>
           <p:cNvPr id="3039" name="타원 3038">
@@ -6988,60 +6826,6 @@
         <p:spPr>
           <a:xfrm>
             <a:off x="7107473" y="3959190"/>
-            <a:ext cx="121013" cy="121013"/>
-          </a:xfrm>
-          <a:prstGeom prst="ellipse">
-            <a:avLst/>
-          </a:prstGeom>
-          <a:solidFill>
-            <a:schemeClr val="accent2"/>
-          </a:solidFill>
-          <a:ln w="28575">
-            <a:solidFill>
-              <a:schemeClr val="tx1"/>
-            </a:solidFill>
-          </a:ln>
-        </p:spPr>
-        <p:style>
-          <a:lnRef idx="2">
-            <a:schemeClr val="accent1">
-              <a:shade val="50000"/>
-            </a:schemeClr>
-          </a:lnRef>
-          <a:fillRef idx="1">
-            <a:schemeClr val="accent1"/>
-          </a:fillRef>
-          <a:effectRef idx="0">
-            <a:schemeClr val="accent1"/>
-          </a:effectRef>
-          <a:fontRef idx="minor">
-            <a:schemeClr val="lt1"/>
-          </a:fontRef>
-        </p:style>
-        <p:txBody>
-          <a:bodyPr rtlCol="0" anchor="ctr"/>
-          <a:lstStyle/>
-          <a:p>
-            <a:pPr algn="ctr"/>
-            <a:endParaRPr lang="ko-KR" altLang="en-US"/>
-          </a:p>
-        </p:txBody>
-      </p:sp>
-      <p:sp>
-        <p:nvSpPr>
-          <p:cNvPr id="3040" name="타원 3039">
-            <a:extLst>
-              <a:ext uri="{FF2B5EF4-FFF2-40B4-BE49-F238E27FC236}">
-                <a16:creationId xmlns:a16="http://schemas.microsoft.com/office/drawing/2014/main" id="{52CE601F-BFC2-DEA7-FF05-7B3632283761}"/>
-              </a:ext>
-            </a:extLst>
-          </p:cNvPr>
-          <p:cNvSpPr/>
-          <p:nvPr/>
-        </p:nvSpPr>
-        <p:spPr>
-          <a:xfrm>
-            <a:off x="10445410" y="2335602"/>
             <a:ext cx="121013" cy="121013"/>
           </a:xfrm>
           <a:prstGeom prst="ellipse">
@@ -7171,114 +6955,6 @@
                 <a:blip r:embed="rId6"/>
                 <a:stretch>
                   <a:fillRect r="-6122" b="-45098"/>
-                </a:stretch>
-              </a:blipFill>
-            </p:spPr>
-            <p:txBody>
-              <a:bodyPr/>
-              <a:lstStyle/>
-              <a:p>
-                <a:r>
-                  <a:rPr lang="ko-KR" altLang="en-US">
-                    <a:noFill/>
-                  </a:rPr>
-                  <a:t> </a:t>
-                </a:r>
-              </a:p>
-            </p:txBody>
-          </p:sp>
-        </mc:Fallback>
-      </mc:AlternateContent>
-      <mc:AlternateContent xmlns:mc="http://schemas.openxmlformats.org/markup-compatibility/2006" xmlns:a14="http://schemas.microsoft.com/office/drawing/2010/main">
-        <mc:Choice Requires="a14">
-          <p:sp>
-            <p:nvSpPr>
-              <p:cNvPr id="3042" name="TextBox 3041">
-                <a:extLst>
-                  <a:ext uri="{FF2B5EF4-FFF2-40B4-BE49-F238E27FC236}">
-                    <a16:creationId xmlns:a16="http://schemas.microsoft.com/office/drawing/2014/main" id="{444ABF6D-713A-CE3D-EA21-6E6355F16D41}"/>
-                  </a:ext>
-                </a:extLst>
-              </p:cNvPr>
-              <p:cNvSpPr txBox="1"/>
-              <p:nvPr/>
-            </p:nvSpPr>
-            <p:spPr>
-              <a:xfrm>
-                <a:off x="10566419" y="2200990"/>
-                <a:ext cx="299173" cy="309559"/>
-              </a:xfrm>
-              <a:prstGeom prst="rect">
-                <a:avLst/>
-              </a:prstGeom>
-              <a:noFill/>
-            </p:spPr>
-            <p:txBody>
-              <a:bodyPr wrap="none" rtlCol="0">
-                <a:spAutoFit/>
-              </a:bodyPr>
-              <a:lstStyle/>
-              <a:p>
-                <a:pPr/>
-                <a14:m>
-                  <m:oMathPara xmlns:m="http://schemas.openxmlformats.org/officeDocument/2006/math">
-                    <m:oMathParaPr>
-                      <m:jc m:val="centerGroup"/>
-                    </m:oMathParaPr>
-                    <m:oMath xmlns:m="http://schemas.openxmlformats.org/officeDocument/2006/math">
-                      <m:acc>
-                        <m:accPr>
-                          <m:chr m:val="⃗"/>
-                          <m:ctrlPr>
-                            <a:rPr lang="en-US" altLang="ko-KR" sz="3200" b="0" i="1" smtClean="0">
-                              <a:latin typeface="Cambria Math" panose="02040503050406030204" pitchFamily="18" charset="0"/>
-                            </a:rPr>
-                          </m:ctrlPr>
-                        </m:accPr>
-                        <m:e>
-                          <m:r>
-                            <a:rPr lang="en-US" altLang="ko-KR" sz="3200" b="0" i="1" smtClean="0">
-                              <a:latin typeface="Cambria Math" panose="02040503050406030204" pitchFamily="18" charset="0"/>
-                            </a:rPr>
-                            <m:t>𝑦</m:t>
-                          </m:r>
-                        </m:e>
-                      </m:acc>
-                    </m:oMath>
-                  </m:oMathPara>
-                </a14:m>
-                <a:endParaRPr lang="ko-KR" altLang="en-US" sz="3200" dirty="0"/>
-              </a:p>
-            </p:txBody>
-          </p:sp>
-        </mc:Choice>
-        <mc:Fallback xmlns="">
-          <p:sp>
-            <p:nvSpPr>
-              <p:cNvPr id="3042" name="TextBox 3041">
-                <a:extLst>
-                  <a:ext uri="{FF2B5EF4-FFF2-40B4-BE49-F238E27FC236}">
-                    <a16:creationId xmlns:a16="http://schemas.microsoft.com/office/drawing/2014/main" id="{444ABF6D-713A-CE3D-EA21-6E6355F16D41}"/>
-                  </a:ext>
-                </a:extLst>
-              </p:cNvPr>
-              <p:cNvSpPr txBox="1">
-                <a:spLocks noRot="1" noChangeAspect="1" noMove="1" noResize="1" noEditPoints="1" noAdjustHandles="1" noChangeArrowheads="1" noChangeShapeType="1" noTextEdit="1"/>
-              </p:cNvSpPr>
-              <p:nvPr/>
-            </p:nvSpPr>
-            <p:spPr>
-              <a:xfrm>
-                <a:off x="10566419" y="2200990"/>
-                <a:ext cx="299173" cy="309559"/>
-              </a:xfrm>
-              <a:prstGeom prst="rect">
-                <a:avLst/>
-              </a:prstGeom>
-              <a:blipFill>
-                <a:blip r:embed="rId7"/>
-                <a:stretch>
-                  <a:fillRect r="-6122" b="-70588"/>
                 </a:stretch>
               </a:blipFill>
             </p:spPr>
@@ -7509,218 +7185,6 @@
           </a:prstGeom>
         </p:spPr>
       </p:pic>
-      <p:sp>
-        <p:nvSpPr>
-          <p:cNvPr id="8" name="타원 7">
-            <a:extLst>
-              <a:ext uri="{FF2B5EF4-FFF2-40B4-BE49-F238E27FC236}">
-                <a16:creationId xmlns:a16="http://schemas.microsoft.com/office/drawing/2014/main" id="{061A7C00-B131-C342-CC4A-CAEAA901E90D}"/>
-              </a:ext>
-            </a:extLst>
-          </p:cNvPr>
-          <p:cNvSpPr/>
-          <p:nvPr/>
-        </p:nvSpPr>
-        <p:spPr>
-          <a:xfrm rot="19985031">
-            <a:off x="8157246" y="2734660"/>
-            <a:ext cx="1107960" cy="695688"/>
-          </a:xfrm>
-          <a:prstGeom prst="ellipse">
-            <a:avLst/>
-          </a:prstGeom>
-          <a:noFill/>
-          <a:ln w="38100">
-            <a:solidFill>
-              <a:srgbClr val="F6A656"/>
-            </a:solidFill>
-            <a:prstDash val="dashDot"/>
-          </a:ln>
-        </p:spPr>
-        <p:style>
-          <a:lnRef idx="2">
-            <a:schemeClr val="accent1">
-              <a:shade val="50000"/>
-            </a:schemeClr>
-          </a:lnRef>
-          <a:fillRef idx="1">
-            <a:schemeClr val="accent1"/>
-          </a:fillRef>
-          <a:effectRef idx="0">
-            <a:schemeClr val="accent1"/>
-          </a:effectRef>
-          <a:fontRef idx="minor">
-            <a:schemeClr val="lt1"/>
-          </a:fontRef>
-        </p:style>
-        <p:txBody>
-          <a:bodyPr rtlCol="0" anchor="ctr"/>
-          <a:lstStyle/>
-          <a:p>
-            <a:pPr algn="ctr"/>
-            <a:endParaRPr lang="ko-KR" altLang="en-US"/>
-          </a:p>
-        </p:txBody>
-      </p:sp>
-      <p:sp>
-        <p:nvSpPr>
-          <p:cNvPr id="9" name="타원 8">
-            <a:extLst>
-              <a:ext uri="{FF2B5EF4-FFF2-40B4-BE49-F238E27FC236}">
-                <a16:creationId xmlns:a16="http://schemas.microsoft.com/office/drawing/2014/main" id="{89286454-DC64-2914-B0EC-7081AB41D36C}"/>
-              </a:ext>
-            </a:extLst>
-          </p:cNvPr>
-          <p:cNvSpPr/>
-          <p:nvPr/>
-        </p:nvSpPr>
-        <p:spPr>
-          <a:xfrm rot="19985031">
-            <a:off x="7593172" y="2380478"/>
-            <a:ext cx="2236108" cy="1404052"/>
-          </a:xfrm>
-          <a:prstGeom prst="ellipse">
-            <a:avLst/>
-          </a:prstGeom>
-          <a:noFill/>
-          <a:ln w="38100">
-            <a:solidFill>
-              <a:srgbClr val="F6A656"/>
-            </a:solidFill>
-            <a:prstDash val="dashDot"/>
-          </a:ln>
-        </p:spPr>
-        <p:style>
-          <a:lnRef idx="2">
-            <a:schemeClr val="accent1">
-              <a:shade val="50000"/>
-            </a:schemeClr>
-          </a:lnRef>
-          <a:fillRef idx="1">
-            <a:schemeClr val="accent1"/>
-          </a:fillRef>
-          <a:effectRef idx="0">
-            <a:schemeClr val="accent1"/>
-          </a:effectRef>
-          <a:fontRef idx="minor">
-            <a:schemeClr val="lt1"/>
-          </a:fontRef>
-        </p:style>
-        <p:txBody>
-          <a:bodyPr rtlCol="0" anchor="ctr"/>
-          <a:lstStyle/>
-          <a:p>
-            <a:pPr algn="ctr"/>
-            <a:endParaRPr lang="ko-KR" altLang="en-US"/>
-          </a:p>
-        </p:txBody>
-      </p:sp>
-      <p:sp>
-        <p:nvSpPr>
-          <p:cNvPr id="12" name="타원 11">
-            <a:extLst>
-              <a:ext uri="{FF2B5EF4-FFF2-40B4-BE49-F238E27FC236}">
-                <a16:creationId xmlns:a16="http://schemas.microsoft.com/office/drawing/2014/main" id="{FC106274-3A4E-FA9A-2EDD-6D899D82FF79}"/>
-              </a:ext>
-            </a:extLst>
-          </p:cNvPr>
-          <p:cNvSpPr/>
-          <p:nvPr/>
-        </p:nvSpPr>
-        <p:spPr>
-          <a:xfrm rot="19985031">
-            <a:off x="7050627" y="2039814"/>
-            <a:ext cx="3321198" cy="2085381"/>
-          </a:xfrm>
-          <a:prstGeom prst="ellipse">
-            <a:avLst/>
-          </a:prstGeom>
-          <a:noFill/>
-          <a:ln w="38100">
-            <a:solidFill>
-              <a:srgbClr val="F6A656"/>
-            </a:solidFill>
-            <a:prstDash val="dashDot"/>
-          </a:ln>
-        </p:spPr>
-        <p:style>
-          <a:lnRef idx="2">
-            <a:schemeClr val="accent1">
-              <a:shade val="50000"/>
-            </a:schemeClr>
-          </a:lnRef>
-          <a:fillRef idx="1">
-            <a:schemeClr val="accent1"/>
-          </a:fillRef>
-          <a:effectRef idx="0">
-            <a:schemeClr val="accent1"/>
-          </a:effectRef>
-          <a:fontRef idx="minor">
-            <a:schemeClr val="lt1"/>
-          </a:fontRef>
-        </p:style>
-        <p:txBody>
-          <a:bodyPr rtlCol="0" anchor="ctr"/>
-          <a:lstStyle/>
-          <a:p>
-            <a:pPr algn="ctr"/>
-            <a:endParaRPr lang="ko-KR" altLang="en-US"/>
-          </a:p>
-        </p:txBody>
-      </p:sp>
-      <p:sp>
-        <p:nvSpPr>
-          <p:cNvPr id="13" name="타원 12">
-            <a:extLst>
-              <a:ext uri="{FF2B5EF4-FFF2-40B4-BE49-F238E27FC236}">
-                <a16:creationId xmlns:a16="http://schemas.microsoft.com/office/drawing/2014/main" id="{B2C9DFA3-EB44-1E85-988E-F90E8264A022}"/>
-              </a:ext>
-            </a:extLst>
-          </p:cNvPr>
-          <p:cNvSpPr/>
-          <p:nvPr/>
-        </p:nvSpPr>
-        <p:spPr>
-          <a:xfrm rot="19985031">
-            <a:off x="6476767" y="1679487"/>
-            <a:ext cx="4468918" cy="2806034"/>
-          </a:xfrm>
-          <a:prstGeom prst="ellipse">
-            <a:avLst/>
-          </a:prstGeom>
-          <a:noFill/>
-          <a:ln w="38100">
-            <a:solidFill>
-              <a:srgbClr val="F6A656"/>
-            </a:solidFill>
-            <a:prstDash val="dashDot"/>
-          </a:ln>
-        </p:spPr>
-        <p:style>
-          <a:lnRef idx="2">
-            <a:schemeClr val="accent1">
-              <a:shade val="50000"/>
-            </a:schemeClr>
-          </a:lnRef>
-          <a:fillRef idx="1">
-            <a:schemeClr val="accent1"/>
-          </a:fillRef>
-          <a:effectRef idx="0">
-            <a:schemeClr val="accent1"/>
-          </a:effectRef>
-          <a:fontRef idx="minor">
-            <a:schemeClr val="lt1"/>
-          </a:fontRef>
-        </p:style>
-        <p:txBody>
-          <a:bodyPr rtlCol="0" anchor="ctr"/>
-          <a:lstStyle/>
-          <a:p>
-            <a:pPr algn="ctr"/>
-            <a:endParaRPr lang="ko-KR" altLang="en-US"/>
-          </a:p>
-        </p:txBody>
-      </p:sp>
       <mc:AlternateContent xmlns:mc="http://schemas.openxmlformats.org/markup-compatibility/2006" xmlns:a14="http://schemas.microsoft.com/office/drawing/2010/main">
         <mc:Choice Requires="a14">
           <p:sp>
@@ -7809,114 +7273,6 @@
               </a:prstGeom>
               <a:blipFill>
                 <a:blip r:embed="rId10"/>
-                <a:stretch>
-                  <a:fillRect/>
-                </a:stretch>
-              </a:blipFill>
-            </p:spPr>
-            <p:txBody>
-              <a:bodyPr/>
-              <a:lstStyle/>
-              <a:p>
-                <a:r>
-                  <a:rPr lang="ko-KR" altLang="en-US">
-                    <a:noFill/>
-                  </a:rPr>
-                  <a:t> </a:t>
-                </a:r>
-              </a:p>
-            </p:txBody>
-          </p:sp>
-        </mc:Fallback>
-      </mc:AlternateContent>
-      <mc:AlternateContent xmlns:mc="http://schemas.openxmlformats.org/markup-compatibility/2006" xmlns:a14="http://schemas.microsoft.com/office/drawing/2010/main">
-        <mc:Choice Requires="a14">
-          <p:sp>
-            <p:nvSpPr>
-              <p:cNvPr id="3052" name="TextBox 3051">
-                <a:extLst>
-                  <a:ext uri="{FF2B5EF4-FFF2-40B4-BE49-F238E27FC236}">
-                    <a16:creationId xmlns:a16="http://schemas.microsoft.com/office/drawing/2014/main" id="{B4A09A76-5B24-12F0-EC83-0F96127C1332}"/>
-                  </a:ext>
-                </a:extLst>
-              </p:cNvPr>
-              <p:cNvSpPr txBox="1"/>
-              <p:nvPr/>
-            </p:nvSpPr>
-            <p:spPr>
-              <a:xfrm>
-                <a:off x="8413803" y="624241"/>
-                <a:ext cx="908005" cy="584775"/>
-              </a:xfrm>
-              <a:prstGeom prst="rect">
-                <a:avLst/>
-              </a:prstGeom>
-              <a:noFill/>
-            </p:spPr>
-            <p:txBody>
-              <a:bodyPr wrap="none" rtlCol="0">
-                <a:spAutoFit/>
-              </a:bodyPr>
-              <a:lstStyle/>
-              <a:p>
-                <a:pPr/>
-                <a14:m>
-                  <m:oMathPara xmlns:m="http://schemas.openxmlformats.org/officeDocument/2006/math">
-                    <m:oMathParaPr>
-                      <m:jc m:val="centerGroup"/>
-                    </m:oMathParaPr>
-                    <m:oMath xmlns:m="http://schemas.openxmlformats.org/officeDocument/2006/math">
-                      <m:r>
-                        <a:rPr lang="en-US" altLang="ko-KR" sz="3200" b="0" i="1" smtClean="0">
-                          <a:latin typeface="Cambria Math" panose="02040503050406030204" pitchFamily="18" charset="0"/>
-                        </a:rPr>
-                        <m:t>(</m:t>
-                      </m:r>
-                      <m:r>
-                        <a:rPr lang="en-US" altLang="ko-KR" sz="3200" b="0" i="1" smtClean="0">
-                          <a:latin typeface="Cambria Math" panose="02040503050406030204" pitchFamily="18" charset="0"/>
-                        </a:rPr>
-                        <m:t>𝑏</m:t>
-                      </m:r>
-                      <m:r>
-                        <a:rPr lang="en-US" altLang="ko-KR" sz="3200" b="0" i="1" smtClean="0">
-                          <a:latin typeface="Cambria Math" panose="02040503050406030204" pitchFamily="18" charset="0"/>
-                        </a:rPr>
-                        <m:t>)</m:t>
-                      </m:r>
-                    </m:oMath>
-                  </m:oMathPara>
-                </a14:m>
-                <a:endParaRPr lang="ko-KR" altLang="en-US" sz="3200" dirty="0"/>
-              </a:p>
-            </p:txBody>
-          </p:sp>
-        </mc:Choice>
-        <mc:Fallback xmlns="">
-          <p:sp>
-            <p:nvSpPr>
-              <p:cNvPr id="3052" name="TextBox 3051">
-                <a:extLst>
-                  <a:ext uri="{FF2B5EF4-FFF2-40B4-BE49-F238E27FC236}">
-                    <a16:creationId xmlns:a16="http://schemas.microsoft.com/office/drawing/2014/main" id="{B4A09A76-5B24-12F0-EC83-0F96127C1332}"/>
-                  </a:ext>
-                </a:extLst>
-              </p:cNvPr>
-              <p:cNvSpPr txBox="1">
-                <a:spLocks noRot="1" noChangeAspect="1" noMove="1" noResize="1" noEditPoints="1" noAdjustHandles="1" noChangeArrowheads="1" noChangeShapeType="1" noTextEdit="1"/>
-              </p:cNvSpPr>
-              <p:nvPr/>
-            </p:nvSpPr>
-            <p:spPr>
-              <a:xfrm>
-                <a:off x="8413803" y="624241"/>
-                <a:ext cx="908005" cy="584775"/>
-              </a:xfrm>
-              <a:prstGeom prst="rect">
-                <a:avLst/>
-              </a:prstGeom>
-              <a:blipFill>
-                <a:blip r:embed="rId11"/>
                 <a:stretch>
                   <a:fillRect/>
                 </a:stretch>
@@ -8329,6 +7685,671 @@
           </p:txBody>
         </p:sp>
       </p:grpSp>
+      <p:sp>
+        <p:nvSpPr>
+          <p:cNvPr id="14" name="타원 13">
+            <a:extLst>
+              <a:ext uri="{FF2B5EF4-FFF2-40B4-BE49-F238E27FC236}">
+                <a16:creationId xmlns:a16="http://schemas.microsoft.com/office/drawing/2014/main" id="{9A71AC07-9735-475F-302C-3FECAC31CBBB}"/>
+              </a:ext>
+            </a:extLst>
+          </p:cNvPr>
+          <p:cNvSpPr/>
+          <p:nvPr/>
+        </p:nvSpPr>
+        <p:spPr>
+          <a:xfrm>
+            <a:off x="4415579" y="1439471"/>
+            <a:ext cx="121013" cy="121013"/>
+          </a:xfrm>
+          <a:prstGeom prst="ellipse">
+            <a:avLst/>
+          </a:prstGeom>
+          <a:solidFill>
+            <a:schemeClr val="accent2"/>
+          </a:solidFill>
+          <a:ln w="28575">
+            <a:solidFill>
+              <a:schemeClr val="tx1"/>
+            </a:solidFill>
+          </a:ln>
+        </p:spPr>
+        <p:style>
+          <a:lnRef idx="2">
+            <a:schemeClr val="accent1">
+              <a:shade val="50000"/>
+            </a:schemeClr>
+          </a:lnRef>
+          <a:fillRef idx="1">
+            <a:schemeClr val="accent1"/>
+          </a:fillRef>
+          <a:effectRef idx="0">
+            <a:schemeClr val="accent1"/>
+          </a:effectRef>
+          <a:fontRef idx="minor">
+            <a:schemeClr val="lt1"/>
+          </a:fontRef>
+        </p:style>
+        <p:txBody>
+          <a:bodyPr rtlCol="0" anchor="ctr"/>
+          <a:lstStyle/>
+          <a:p>
+            <a:pPr algn="ctr"/>
+            <a:endParaRPr lang="ko-KR" altLang="en-US"/>
+          </a:p>
+        </p:txBody>
+      </p:sp>
+      <mc:AlternateContent xmlns:mc="http://schemas.openxmlformats.org/markup-compatibility/2006">
+        <mc:Choice xmlns:a14="http://schemas.microsoft.com/office/drawing/2010/main" Requires="a14">
+          <p:sp>
+            <p:nvSpPr>
+              <p:cNvPr id="19" name="TextBox 18">
+                <a:extLst>
+                  <a:ext uri="{FF2B5EF4-FFF2-40B4-BE49-F238E27FC236}">
+                    <a16:creationId xmlns:a16="http://schemas.microsoft.com/office/drawing/2014/main" id="{EDBDB29E-283A-011F-9976-F6312B2BE8B5}"/>
+                  </a:ext>
+                </a:extLst>
+              </p:cNvPr>
+              <p:cNvSpPr txBox="1"/>
+              <p:nvPr/>
+            </p:nvSpPr>
+            <p:spPr>
+              <a:xfrm>
+                <a:off x="4536587" y="1304860"/>
+                <a:ext cx="299173" cy="309559"/>
+              </a:xfrm>
+              <a:prstGeom prst="rect">
+                <a:avLst/>
+              </a:prstGeom>
+              <a:noFill/>
+            </p:spPr>
+            <p:txBody>
+              <a:bodyPr wrap="none" rtlCol="0">
+                <a:spAutoFit/>
+              </a:bodyPr>
+              <a:lstStyle/>
+              <a:p>
+                <a:pPr/>
+                <a14:m>
+                  <m:oMathPara xmlns:m="http://schemas.openxmlformats.org/officeDocument/2006/math">
+                    <m:oMathParaPr>
+                      <m:jc m:val="centerGroup"/>
+                    </m:oMathParaPr>
+                    <m:oMath xmlns:m="http://schemas.openxmlformats.org/officeDocument/2006/math">
+                      <m:acc>
+                        <m:accPr>
+                          <m:chr m:val="⃗"/>
+                          <m:ctrlPr>
+                            <a:rPr lang="en-US" altLang="ko-KR" sz="3200" b="0" i="1" smtClean="0">
+                              <a:latin typeface="Cambria Math" panose="02040503050406030204" pitchFamily="18" charset="0"/>
+                            </a:rPr>
+                          </m:ctrlPr>
+                        </m:accPr>
+                        <m:e>
+                          <m:r>
+                            <a:rPr lang="en-US" altLang="ko-KR" sz="3200" b="0" i="1" smtClean="0">
+                              <a:latin typeface="Cambria Math" panose="02040503050406030204" pitchFamily="18" charset="0"/>
+                            </a:rPr>
+                            <m:t>𝑦</m:t>
+                          </m:r>
+                        </m:e>
+                      </m:acc>
+                    </m:oMath>
+                  </m:oMathPara>
+                </a14:m>
+                <a:endParaRPr lang="ko-KR" altLang="en-US" sz="3200" dirty="0"/>
+              </a:p>
+            </p:txBody>
+          </p:sp>
+        </mc:Choice>
+        <mc:Fallback>
+          <p:sp>
+            <p:nvSpPr>
+              <p:cNvPr id="19" name="TextBox 18">
+                <a:extLst>
+                  <a:ext uri="{FF2B5EF4-FFF2-40B4-BE49-F238E27FC236}">
+                    <a16:creationId xmlns:a16="http://schemas.microsoft.com/office/drawing/2014/main" id="{EDBDB29E-283A-011F-9976-F6312B2BE8B5}"/>
+                  </a:ext>
+                </a:extLst>
+              </p:cNvPr>
+              <p:cNvSpPr txBox="1">
+                <a:spLocks noRot="1" noChangeAspect="1" noMove="1" noResize="1" noEditPoints="1" noAdjustHandles="1" noChangeArrowheads="1" noChangeShapeType="1" noTextEdit="1"/>
+              </p:cNvSpPr>
+              <p:nvPr/>
+            </p:nvSpPr>
+            <p:spPr>
+              <a:xfrm>
+                <a:off x="4536587" y="1304860"/>
+                <a:ext cx="299173" cy="309559"/>
+              </a:xfrm>
+              <a:prstGeom prst="rect">
+                <a:avLst/>
+              </a:prstGeom>
+              <a:blipFill>
+                <a:blip r:embed="rId11"/>
+                <a:stretch>
+                  <a:fillRect r="-6122" b="-70588"/>
+                </a:stretch>
+              </a:blipFill>
+            </p:spPr>
+            <p:txBody>
+              <a:bodyPr/>
+              <a:lstStyle/>
+              <a:p>
+                <a:r>
+                  <a:rPr lang="ko-KR" altLang="en-US">
+                    <a:noFill/>
+                  </a:rPr>
+                  <a:t> </a:t>
+                </a:r>
+              </a:p>
+            </p:txBody>
+          </p:sp>
+        </mc:Fallback>
+      </mc:AlternateContent>
+      <p:sp>
+        <p:nvSpPr>
+          <p:cNvPr id="20" name="타원 19">
+            <a:extLst>
+              <a:ext uri="{FF2B5EF4-FFF2-40B4-BE49-F238E27FC236}">
+                <a16:creationId xmlns:a16="http://schemas.microsoft.com/office/drawing/2014/main" id="{6E0D4B24-C1F5-C140-3FE7-5FCA999BB3FE}"/>
+              </a:ext>
+            </a:extLst>
+          </p:cNvPr>
+          <p:cNvSpPr/>
+          <p:nvPr/>
+        </p:nvSpPr>
+        <p:spPr>
+          <a:xfrm>
+            <a:off x="10245385" y="1439472"/>
+            <a:ext cx="121013" cy="121013"/>
+          </a:xfrm>
+          <a:prstGeom prst="ellipse">
+            <a:avLst/>
+          </a:prstGeom>
+          <a:solidFill>
+            <a:schemeClr val="accent2"/>
+          </a:solidFill>
+          <a:ln w="28575">
+            <a:solidFill>
+              <a:schemeClr val="tx1"/>
+            </a:solidFill>
+          </a:ln>
+        </p:spPr>
+        <p:style>
+          <a:lnRef idx="2">
+            <a:schemeClr val="accent1">
+              <a:shade val="50000"/>
+            </a:schemeClr>
+          </a:lnRef>
+          <a:fillRef idx="1">
+            <a:schemeClr val="accent1"/>
+          </a:fillRef>
+          <a:effectRef idx="0">
+            <a:schemeClr val="accent1"/>
+          </a:effectRef>
+          <a:fontRef idx="minor">
+            <a:schemeClr val="lt1"/>
+          </a:fontRef>
+        </p:style>
+        <p:txBody>
+          <a:bodyPr rtlCol="0" anchor="ctr"/>
+          <a:lstStyle/>
+          <a:p>
+            <a:pPr algn="ctr"/>
+            <a:endParaRPr lang="ko-KR" altLang="en-US"/>
+          </a:p>
+        </p:txBody>
+      </p:sp>
+      <mc:AlternateContent xmlns:mc="http://schemas.openxmlformats.org/markup-compatibility/2006">
+        <mc:Choice xmlns:a14="http://schemas.microsoft.com/office/drawing/2010/main" Requires="a14">
+          <p:sp>
+            <p:nvSpPr>
+              <p:cNvPr id="21" name="TextBox 20">
+                <a:extLst>
+                  <a:ext uri="{FF2B5EF4-FFF2-40B4-BE49-F238E27FC236}">
+                    <a16:creationId xmlns:a16="http://schemas.microsoft.com/office/drawing/2014/main" id="{5DE76C89-9E59-8E8F-842E-605BAA2273E4}"/>
+                  </a:ext>
+                </a:extLst>
+              </p:cNvPr>
+              <p:cNvSpPr txBox="1"/>
+              <p:nvPr/>
+            </p:nvSpPr>
+            <p:spPr>
+              <a:xfrm>
+                <a:off x="10366394" y="1304860"/>
+                <a:ext cx="299173" cy="309559"/>
+              </a:xfrm>
+              <a:prstGeom prst="rect">
+                <a:avLst/>
+              </a:prstGeom>
+              <a:noFill/>
+            </p:spPr>
+            <p:txBody>
+              <a:bodyPr wrap="none" rtlCol="0">
+                <a:spAutoFit/>
+              </a:bodyPr>
+              <a:lstStyle/>
+              <a:p>
+                <a:pPr/>
+                <a14:m>
+                  <m:oMathPara xmlns:m="http://schemas.openxmlformats.org/officeDocument/2006/math">
+                    <m:oMathParaPr>
+                      <m:jc m:val="centerGroup"/>
+                    </m:oMathParaPr>
+                    <m:oMath xmlns:m="http://schemas.openxmlformats.org/officeDocument/2006/math">
+                      <m:acc>
+                        <m:accPr>
+                          <m:chr m:val="⃗"/>
+                          <m:ctrlPr>
+                            <a:rPr lang="en-US" altLang="ko-KR" sz="3200" b="0" i="1" smtClean="0">
+                              <a:latin typeface="Cambria Math" panose="02040503050406030204" pitchFamily="18" charset="0"/>
+                            </a:rPr>
+                          </m:ctrlPr>
+                        </m:accPr>
+                        <m:e>
+                          <m:r>
+                            <a:rPr lang="en-US" altLang="ko-KR" sz="3200" b="0" i="1" smtClean="0">
+                              <a:latin typeface="Cambria Math" panose="02040503050406030204" pitchFamily="18" charset="0"/>
+                            </a:rPr>
+                            <m:t>𝑦</m:t>
+                          </m:r>
+                        </m:e>
+                      </m:acc>
+                    </m:oMath>
+                  </m:oMathPara>
+                </a14:m>
+                <a:endParaRPr lang="ko-KR" altLang="en-US" sz="3200" dirty="0"/>
+              </a:p>
+            </p:txBody>
+          </p:sp>
+        </mc:Choice>
+        <mc:Fallback>
+          <p:sp>
+            <p:nvSpPr>
+              <p:cNvPr id="21" name="TextBox 20">
+                <a:extLst>
+                  <a:ext uri="{FF2B5EF4-FFF2-40B4-BE49-F238E27FC236}">
+                    <a16:creationId xmlns:a16="http://schemas.microsoft.com/office/drawing/2014/main" id="{5DE76C89-9E59-8E8F-842E-605BAA2273E4}"/>
+                  </a:ext>
+                </a:extLst>
+              </p:cNvPr>
+              <p:cNvSpPr txBox="1">
+                <a:spLocks noRot="1" noChangeAspect="1" noMove="1" noResize="1" noEditPoints="1" noAdjustHandles="1" noChangeArrowheads="1" noChangeShapeType="1" noTextEdit="1"/>
+              </p:cNvSpPr>
+              <p:nvPr/>
+            </p:nvSpPr>
+            <p:spPr>
+              <a:xfrm>
+                <a:off x="10366394" y="1304860"/>
+                <a:ext cx="299173" cy="309559"/>
+              </a:xfrm>
+              <a:prstGeom prst="rect">
+                <a:avLst/>
+              </a:prstGeom>
+              <a:blipFill>
+                <a:blip r:embed="rId12"/>
+                <a:stretch>
+                  <a:fillRect r="-6122" b="-70588"/>
+                </a:stretch>
+              </a:blipFill>
+            </p:spPr>
+            <p:txBody>
+              <a:bodyPr/>
+              <a:lstStyle/>
+              <a:p>
+                <a:r>
+                  <a:rPr lang="ko-KR" altLang="en-US">
+                    <a:noFill/>
+                  </a:rPr>
+                  <a:t> </a:t>
+                </a:r>
+              </a:p>
+            </p:txBody>
+          </p:sp>
+        </mc:Fallback>
+      </mc:AlternateContent>
+      <p:grpSp>
+        <p:nvGrpSpPr>
+          <p:cNvPr id="24" name="그룹 23">
+            <a:extLst>
+              <a:ext uri="{FF2B5EF4-FFF2-40B4-BE49-F238E27FC236}">
+                <a16:creationId xmlns:a16="http://schemas.microsoft.com/office/drawing/2014/main" id="{47173006-7FC8-235D-F719-1EC33CDE2415}"/>
+              </a:ext>
+            </a:extLst>
+          </p:cNvPr>
+          <p:cNvGrpSpPr/>
+          <p:nvPr/>
+        </p:nvGrpSpPr>
+        <p:grpSpPr>
+          <a:xfrm rot="20180222">
+            <a:off x="6607672" y="1289985"/>
+            <a:ext cx="4468918" cy="2806034"/>
+            <a:chOff x="6476767" y="1479462"/>
+            <a:chExt cx="4468918" cy="2806034"/>
+          </a:xfrm>
+        </p:grpSpPr>
+        <p:sp>
+          <p:nvSpPr>
+            <p:cNvPr id="25" name="타원 24">
+              <a:extLst>
+                <a:ext uri="{FF2B5EF4-FFF2-40B4-BE49-F238E27FC236}">
+                  <a16:creationId xmlns:a16="http://schemas.microsoft.com/office/drawing/2014/main" id="{AA097053-4B94-1EB1-191E-592B6B9CF3A9}"/>
+                </a:ext>
+              </a:extLst>
+            </p:cNvPr>
+            <p:cNvSpPr/>
+            <p:nvPr/>
+          </p:nvSpPr>
+          <p:spPr>
+            <a:xfrm rot="19985031">
+              <a:off x="8157246" y="2534635"/>
+              <a:ext cx="1107960" cy="695688"/>
+            </a:xfrm>
+            <a:prstGeom prst="ellipse">
+              <a:avLst/>
+            </a:prstGeom>
+            <a:noFill/>
+            <a:ln w="38100">
+              <a:solidFill>
+                <a:srgbClr val="F6A656"/>
+              </a:solidFill>
+              <a:prstDash val="dashDot"/>
+            </a:ln>
+          </p:spPr>
+          <p:style>
+            <a:lnRef idx="2">
+              <a:schemeClr val="accent1">
+                <a:shade val="50000"/>
+              </a:schemeClr>
+            </a:lnRef>
+            <a:fillRef idx="1">
+              <a:schemeClr val="accent1"/>
+            </a:fillRef>
+            <a:effectRef idx="0">
+              <a:schemeClr val="accent1"/>
+            </a:effectRef>
+            <a:fontRef idx="minor">
+              <a:schemeClr val="lt1"/>
+            </a:fontRef>
+          </p:style>
+          <p:txBody>
+            <a:bodyPr rtlCol="0" anchor="ctr"/>
+            <a:lstStyle/>
+            <a:p>
+              <a:pPr algn="ctr"/>
+              <a:endParaRPr lang="ko-KR" altLang="en-US"/>
+            </a:p>
+          </p:txBody>
+        </p:sp>
+        <p:sp>
+          <p:nvSpPr>
+            <p:cNvPr id="26" name="타원 25">
+              <a:extLst>
+                <a:ext uri="{FF2B5EF4-FFF2-40B4-BE49-F238E27FC236}">
+                  <a16:creationId xmlns:a16="http://schemas.microsoft.com/office/drawing/2014/main" id="{966ACA37-A6FF-64DF-9F79-5BC35A9DF1B1}"/>
+                </a:ext>
+              </a:extLst>
+            </p:cNvPr>
+            <p:cNvSpPr/>
+            <p:nvPr/>
+          </p:nvSpPr>
+          <p:spPr>
+            <a:xfrm rot="19985031">
+              <a:off x="7593172" y="2180453"/>
+              <a:ext cx="2236108" cy="1404052"/>
+            </a:xfrm>
+            <a:prstGeom prst="ellipse">
+              <a:avLst/>
+            </a:prstGeom>
+            <a:noFill/>
+            <a:ln w="38100">
+              <a:solidFill>
+                <a:srgbClr val="F6A656"/>
+              </a:solidFill>
+              <a:prstDash val="dashDot"/>
+            </a:ln>
+          </p:spPr>
+          <p:style>
+            <a:lnRef idx="2">
+              <a:schemeClr val="accent1">
+                <a:shade val="50000"/>
+              </a:schemeClr>
+            </a:lnRef>
+            <a:fillRef idx="1">
+              <a:schemeClr val="accent1"/>
+            </a:fillRef>
+            <a:effectRef idx="0">
+              <a:schemeClr val="accent1"/>
+            </a:effectRef>
+            <a:fontRef idx="minor">
+              <a:schemeClr val="lt1"/>
+            </a:fontRef>
+          </p:style>
+          <p:txBody>
+            <a:bodyPr rtlCol="0" anchor="ctr"/>
+            <a:lstStyle/>
+            <a:p>
+              <a:pPr algn="ctr"/>
+              <a:endParaRPr lang="ko-KR" altLang="en-US"/>
+            </a:p>
+          </p:txBody>
+        </p:sp>
+        <p:sp>
+          <p:nvSpPr>
+            <p:cNvPr id="27" name="타원 26">
+              <a:extLst>
+                <a:ext uri="{FF2B5EF4-FFF2-40B4-BE49-F238E27FC236}">
+                  <a16:creationId xmlns:a16="http://schemas.microsoft.com/office/drawing/2014/main" id="{C9BAC283-2617-A568-FCB4-EA6FDC2E039B}"/>
+                </a:ext>
+              </a:extLst>
+            </p:cNvPr>
+            <p:cNvSpPr/>
+            <p:nvPr/>
+          </p:nvSpPr>
+          <p:spPr>
+            <a:xfrm rot="19985031">
+              <a:off x="7050627" y="1839789"/>
+              <a:ext cx="3321198" cy="2085381"/>
+            </a:xfrm>
+            <a:prstGeom prst="ellipse">
+              <a:avLst/>
+            </a:prstGeom>
+            <a:noFill/>
+            <a:ln w="38100">
+              <a:solidFill>
+                <a:srgbClr val="F6A656"/>
+              </a:solidFill>
+              <a:prstDash val="dashDot"/>
+            </a:ln>
+          </p:spPr>
+          <p:style>
+            <a:lnRef idx="2">
+              <a:schemeClr val="accent1">
+                <a:shade val="50000"/>
+              </a:schemeClr>
+            </a:lnRef>
+            <a:fillRef idx="1">
+              <a:schemeClr val="accent1"/>
+            </a:fillRef>
+            <a:effectRef idx="0">
+              <a:schemeClr val="accent1"/>
+            </a:effectRef>
+            <a:fontRef idx="minor">
+              <a:schemeClr val="lt1"/>
+            </a:fontRef>
+          </p:style>
+          <p:txBody>
+            <a:bodyPr rtlCol="0" anchor="ctr"/>
+            <a:lstStyle/>
+            <a:p>
+              <a:pPr algn="ctr"/>
+              <a:endParaRPr lang="ko-KR" altLang="en-US"/>
+            </a:p>
+          </p:txBody>
+        </p:sp>
+        <p:sp>
+          <p:nvSpPr>
+            <p:cNvPr id="28" name="타원 27">
+              <a:extLst>
+                <a:ext uri="{FF2B5EF4-FFF2-40B4-BE49-F238E27FC236}">
+                  <a16:creationId xmlns:a16="http://schemas.microsoft.com/office/drawing/2014/main" id="{2AA2FC39-0444-6064-5215-54A18F6CCBA0}"/>
+                </a:ext>
+              </a:extLst>
+            </p:cNvPr>
+            <p:cNvSpPr/>
+            <p:nvPr/>
+          </p:nvSpPr>
+          <p:spPr>
+            <a:xfrm rot="19985031">
+              <a:off x="6476767" y="1479462"/>
+              <a:ext cx="4468918" cy="2806034"/>
+            </a:xfrm>
+            <a:prstGeom prst="ellipse">
+              <a:avLst/>
+            </a:prstGeom>
+            <a:noFill/>
+            <a:ln w="38100">
+              <a:solidFill>
+                <a:srgbClr val="F6A656"/>
+              </a:solidFill>
+              <a:prstDash val="dashDot"/>
+            </a:ln>
+          </p:spPr>
+          <p:style>
+            <a:lnRef idx="2">
+              <a:schemeClr val="accent1">
+                <a:shade val="50000"/>
+              </a:schemeClr>
+            </a:lnRef>
+            <a:fillRef idx="1">
+              <a:schemeClr val="accent1"/>
+            </a:fillRef>
+            <a:effectRef idx="0">
+              <a:schemeClr val="accent1"/>
+            </a:effectRef>
+            <a:fontRef idx="minor">
+              <a:schemeClr val="lt1"/>
+            </a:fontRef>
+          </p:style>
+          <p:txBody>
+            <a:bodyPr rtlCol="0" anchor="ctr"/>
+            <a:lstStyle/>
+            <a:p>
+              <a:pPr algn="ctr"/>
+              <a:endParaRPr lang="ko-KR" altLang="en-US"/>
+            </a:p>
+          </p:txBody>
+        </p:sp>
+      </p:grpSp>
+      <mc:AlternateContent xmlns:mc="http://schemas.openxmlformats.org/markup-compatibility/2006" xmlns:a14="http://schemas.microsoft.com/office/drawing/2010/main">
+        <mc:Choice Requires="a14">
+          <p:sp>
+            <p:nvSpPr>
+              <p:cNvPr id="3052" name="TextBox 3051">
+                <a:extLst>
+                  <a:ext uri="{FF2B5EF4-FFF2-40B4-BE49-F238E27FC236}">
+                    <a16:creationId xmlns:a16="http://schemas.microsoft.com/office/drawing/2014/main" id="{B4A09A76-5B24-12F0-EC83-0F96127C1332}"/>
+                  </a:ext>
+                </a:extLst>
+              </p:cNvPr>
+              <p:cNvSpPr txBox="1"/>
+              <p:nvPr/>
+            </p:nvSpPr>
+            <p:spPr>
+              <a:xfrm>
+                <a:off x="8413803" y="624241"/>
+                <a:ext cx="908005" cy="584775"/>
+              </a:xfrm>
+              <a:prstGeom prst="rect">
+                <a:avLst/>
+              </a:prstGeom>
+              <a:noFill/>
+            </p:spPr>
+            <p:txBody>
+              <a:bodyPr wrap="none" rtlCol="0">
+                <a:spAutoFit/>
+              </a:bodyPr>
+              <a:lstStyle/>
+              <a:p>
+                <a:pPr/>
+                <a14:m>
+                  <m:oMathPara xmlns:m="http://schemas.openxmlformats.org/officeDocument/2006/math">
+                    <m:oMathParaPr>
+                      <m:jc m:val="centerGroup"/>
+                    </m:oMathParaPr>
+                    <m:oMath xmlns:m="http://schemas.openxmlformats.org/officeDocument/2006/math">
+                      <m:r>
+                        <a:rPr lang="en-US" altLang="ko-KR" sz="3200" b="0" i="1" smtClean="0">
+                          <a:latin typeface="Cambria Math" panose="02040503050406030204" pitchFamily="18" charset="0"/>
+                        </a:rPr>
+                        <m:t>(</m:t>
+                      </m:r>
+                      <m:r>
+                        <a:rPr lang="en-US" altLang="ko-KR" sz="3200" b="0" i="1" smtClean="0">
+                          <a:latin typeface="Cambria Math" panose="02040503050406030204" pitchFamily="18" charset="0"/>
+                        </a:rPr>
+                        <m:t>𝑏</m:t>
+                      </m:r>
+                      <m:r>
+                        <a:rPr lang="en-US" altLang="ko-KR" sz="3200" b="0" i="1" smtClean="0">
+                          <a:latin typeface="Cambria Math" panose="02040503050406030204" pitchFamily="18" charset="0"/>
+                        </a:rPr>
+                        <m:t>)</m:t>
+                      </m:r>
+                    </m:oMath>
+                  </m:oMathPara>
+                </a14:m>
+                <a:endParaRPr lang="ko-KR" altLang="en-US" sz="3200" dirty="0"/>
+              </a:p>
+            </p:txBody>
+          </p:sp>
+        </mc:Choice>
+        <mc:Fallback xmlns="">
+          <p:sp>
+            <p:nvSpPr>
+              <p:cNvPr id="3052" name="TextBox 3051">
+                <a:extLst>
+                  <a:ext uri="{FF2B5EF4-FFF2-40B4-BE49-F238E27FC236}">
+                    <a16:creationId xmlns:a16="http://schemas.microsoft.com/office/drawing/2014/main" id="{B4A09A76-5B24-12F0-EC83-0F96127C1332}"/>
+                  </a:ext>
+                </a:extLst>
+              </p:cNvPr>
+              <p:cNvSpPr txBox="1">
+                <a:spLocks noRot="1" noChangeAspect="1" noMove="1" noResize="1" noEditPoints="1" noAdjustHandles="1" noChangeArrowheads="1" noChangeShapeType="1" noTextEdit="1"/>
+              </p:cNvSpPr>
+              <p:nvPr/>
+            </p:nvSpPr>
+            <p:spPr>
+              <a:xfrm>
+                <a:off x="8413803" y="624241"/>
+                <a:ext cx="908005" cy="584775"/>
+              </a:xfrm>
+              <a:prstGeom prst="rect">
+                <a:avLst/>
+              </a:prstGeom>
+              <a:blipFill>
+                <a:blip r:embed="rId13"/>
+                <a:stretch>
+                  <a:fillRect/>
+                </a:stretch>
+              </a:blipFill>
+            </p:spPr>
+            <p:txBody>
+              <a:bodyPr/>
+              <a:lstStyle/>
+              <a:p>
+                <a:r>
+                  <a:rPr lang="ko-KR" altLang="en-US">
+                    <a:noFill/>
+                  </a:rPr>
+                  <a:t> </a:t>
+                </a:r>
+              </a:p>
+            </p:txBody>
+          </p:sp>
+        </mc:Fallback>
+      </mc:AlternateContent>
     </p:spTree>
     <p:extLst>
       <p:ext uri="{BB962C8B-B14F-4D97-AF65-F5344CB8AC3E}">
@@ -11257,8 +11278,8 @@
           </a:prstGeom>
         </p:spPr>
       </p:pic>
-      <mc:AlternateContent xmlns:mc="http://schemas.openxmlformats.org/markup-compatibility/2006">
-        <mc:Choice xmlns:a14="http://schemas.microsoft.com/office/drawing/2010/main" Requires="a14">
+      <mc:AlternateContent xmlns:mc="http://schemas.openxmlformats.org/markup-compatibility/2006" xmlns:a14="http://schemas.microsoft.com/office/drawing/2010/main">
+        <mc:Choice Requires="a14">
           <p:sp>
             <p:nvSpPr>
               <p:cNvPr id="6" name="TextBox 5">
@@ -11454,7 +11475,7 @@
             </p:txBody>
           </p:sp>
         </mc:Choice>
-        <mc:Fallback>
+        <mc:Fallback xmlns="">
           <p:sp>
             <p:nvSpPr>
               <p:cNvPr id="6" name="TextBox 5">

--- a/pics/2022-09-28-Mahalanobis_distance/pics.pptx
+++ b/pics/2022-09-28-Mahalanobis_distance/pics.pptx
@@ -267,7 +267,7 @@
           <a:p>
             <a:fld id="{8DCFE445-8268-4AE2-ADD9-AB110B2937CA}" type="datetimeFigureOut">
               <a:rPr lang="ko-KR" altLang="en-US" smtClean="0"/>
-              <a:t>2022-10-03</a:t>
+              <a:t>2022-10-04</a:t>
             </a:fld>
             <a:endParaRPr lang="ko-KR" altLang="en-US"/>
           </a:p>
@@ -465,7 +465,7 @@
           <a:p>
             <a:fld id="{8DCFE445-8268-4AE2-ADD9-AB110B2937CA}" type="datetimeFigureOut">
               <a:rPr lang="ko-KR" altLang="en-US" smtClean="0"/>
-              <a:t>2022-10-03</a:t>
+              <a:t>2022-10-04</a:t>
             </a:fld>
             <a:endParaRPr lang="ko-KR" altLang="en-US"/>
           </a:p>
@@ -673,7 +673,7 @@
           <a:p>
             <a:fld id="{8DCFE445-8268-4AE2-ADD9-AB110B2937CA}" type="datetimeFigureOut">
               <a:rPr lang="ko-KR" altLang="en-US" smtClean="0"/>
-              <a:t>2022-10-03</a:t>
+              <a:t>2022-10-04</a:t>
             </a:fld>
             <a:endParaRPr lang="ko-KR" altLang="en-US"/>
           </a:p>
@@ -871,7 +871,7 @@
           <a:p>
             <a:fld id="{8DCFE445-8268-4AE2-ADD9-AB110B2937CA}" type="datetimeFigureOut">
               <a:rPr lang="ko-KR" altLang="en-US" smtClean="0"/>
-              <a:t>2022-10-03</a:t>
+              <a:t>2022-10-04</a:t>
             </a:fld>
             <a:endParaRPr lang="ko-KR" altLang="en-US"/>
           </a:p>
@@ -1146,7 +1146,7 @@
           <a:p>
             <a:fld id="{8DCFE445-8268-4AE2-ADD9-AB110B2937CA}" type="datetimeFigureOut">
               <a:rPr lang="ko-KR" altLang="en-US" smtClean="0"/>
-              <a:t>2022-10-03</a:t>
+              <a:t>2022-10-04</a:t>
             </a:fld>
             <a:endParaRPr lang="ko-KR" altLang="en-US"/>
           </a:p>
@@ -1411,7 +1411,7 @@
           <a:p>
             <a:fld id="{8DCFE445-8268-4AE2-ADD9-AB110B2937CA}" type="datetimeFigureOut">
               <a:rPr lang="ko-KR" altLang="en-US" smtClean="0"/>
-              <a:t>2022-10-03</a:t>
+              <a:t>2022-10-04</a:t>
             </a:fld>
             <a:endParaRPr lang="ko-KR" altLang="en-US"/>
           </a:p>
@@ -1823,7 +1823,7 @@
           <a:p>
             <a:fld id="{8DCFE445-8268-4AE2-ADD9-AB110B2937CA}" type="datetimeFigureOut">
               <a:rPr lang="ko-KR" altLang="en-US" smtClean="0"/>
-              <a:t>2022-10-03</a:t>
+              <a:t>2022-10-04</a:t>
             </a:fld>
             <a:endParaRPr lang="ko-KR" altLang="en-US"/>
           </a:p>
@@ -1964,7 +1964,7 @@
           <a:p>
             <a:fld id="{8DCFE445-8268-4AE2-ADD9-AB110B2937CA}" type="datetimeFigureOut">
               <a:rPr lang="ko-KR" altLang="en-US" smtClean="0"/>
-              <a:t>2022-10-03</a:t>
+              <a:t>2022-10-04</a:t>
             </a:fld>
             <a:endParaRPr lang="ko-KR" altLang="en-US"/>
           </a:p>
@@ -2077,7 +2077,7 @@
           <a:p>
             <a:fld id="{8DCFE445-8268-4AE2-ADD9-AB110B2937CA}" type="datetimeFigureOut">
               <a:rPr lang="ko-KR" altLang="en-US" smtClean="0"/>
-              <a:t>2022-10-03</a:t>
+              <a:t>2022-10-04</a:t>
             </a:fld>
             <a:endParaRPr lang="ko-KR" altLang="en-US"/>
           </a:p>
@@ -2388,7 +2388,7 @@
           <a:p>
             <a:fld id="{8DCFE445-8268-4AE2-ADD9-AB110B2937CA}" type="datetimeFigureOut">
               <a:rPr lang="ko-KR" altLang="en-US" smtClean="0"/>
-              <a:t>2022-10-03</a:t>
+              <a:t>2022-10-04</a:t>
             </a:fld>
             <a:endParaRPr lang="ko-KR" altLang="en-US"/>
           </a:p>
@@ -2676,7 +2676,7 @@
           <a:p>
             <a:fld id="{8DCFE445-8268-4AE2-ADD9-AB110B2937CA}" type="datetimeFigureOut">
               <a:rPr lang="ko-KR" altLang="en-US" smtClean="0"/>
-              <a:t>2022-10-03</a:t>
+              <a:t>2022-10-04</a:t>
             </a:fld>
             <a:endParaRPr lang="ko-KR" altLang="en-US"/>
           </a:p>
@@ -2917,7 +2917,7 @@
           <a:p>
             <a:fld id="{8DCFE445-8268-4AE2-ADD9-AB110B2937CA}" type="datetimeFigureOut">
               <a:rPr lang="ko-KR" altLang="en-US" smtClean="0"/>
-              <a:t>2022-10-03</a:t>
+              <a:t>2022-10-04</a:t>
             </a:fld>
             <a:endParaRPr lang="ko-KR" altLang="en-US"/>
           </a:p>
@@ -5335,8 +5335,8 @@
           </p:sp>
         </mc:Fallback>
       </mc:AlternateContent>
-      <mc:AlternateContent xmlns:mc="http://schemas.openxmlformats.org/markup-compatibility/2006">
-        <mc:Choice xmlns:a14="http://schemas.microsoft.com/office/drawing/2010/main" Requires="a14">
+      <mc:AlternateContent xmlns:mc="http://schemas.openxmlformats.org/markup-compatibility/2006" xmlns:a14="http://schemas.microsoft.com/office/drawing/2010/main">
+        <mc:Choice Requires="a14">
           <p:sp>
             <p:nvSpPr>
               <p:cNvPr id="11" name="TextBox 10">
@@ -5398,7 +5398,7 @@
             </p:txBody>
           </p:sp>
         </mc:Choice>
-        <mc:Fallback>
+        <mc:Fallback xmlns="">
           <p:sp>
             <p:nvSpPr>
               <p:cNvPr id="11" name="TextBox 10">
@@ -5871,8 +5871,8 @@
           </p:sp>
         </mc:Fallback>
       </mc:AlternateContent>
-      <mc:AlternateContent xmlns:mc="http://schemas.openxmlformats.org/markup-compatibility/2006">
-        <mc:Choice xmlns:a14="http://schemas.microsoft.com/office/drawing/2010/main" Requires="a14">
+      <mc:AlternateContent xmlns:mc="http://schemas.openxmlformats.org/markup-compatibility/2006" xmlns:a14="http://schemas.microsoft.com/office/drawing/2010/main">
+        <mc:Choice Requires="a14">
           <p:sp>
             <p:nvSpPr>
               <p:cNvPr id="3042" name="TextBox 3041">
@@ -5934,7 +5934,7 @@
             </p:txBody>
           </p:sp>
         </mc:Choice>
-        <mc:Fallback>
+        <mc:Fallback xmlns="">
           <p:sp>
             <p:nvSpPr>
               <p:cNvPr id="3042" name="TextBox 3041">
@@ -7739,8 +7739,8 @@
           </a:p>
         </p:txBody>
       </p:sp>
-      <mc:AlternateContent xmlns:mc="http://schemas.openxmlformats.org/markup-compatibility/2006">
-        <mc:Choice xmlns:a14="http://schemas.microsoft.com/office/drawing/2010/main" Requires="a14">
+      <mc:AlternateContent xmlns:mc="http://schemas.openxmlformats.org/markup-compatibility/2006" xmlns:a14="http://schemas.microsoft.com/office/drawing/2010/main">
+        <mc:Choice Requires="a14">
           <p:sp>
             <p:nvSpPr>
               <p:cNvPr id="19" name="TextBox 18">
@@ -7802,7 +7802,7 @@
             </p:txBody>
           </p:sp>
         </mc:Choice>
-        <mc:Fallback>
+        <mc:Fallback xmlns="">
           <p:sp>
             <p:nvSpPr>
               <p:cNvPr id="19" name="TextBox 18">
@@ -7901,8 +7901,8 @@
           </a:p>
         </p:txBody>
       </p:sp>
-      <mc:AlternateContent xmlns:mc="http://schemas.openxmlformats.org/markup-compatibility/2006">
-        <mc:Choice xmlns:a14="http://schemas.microsoft.com/office/drawing/2010/main" Requires="a14">
+      <mc:AlternateContent xmlns:mc="http://schemas.openxmlformats.org/markup-compatibility/2006" xmlns:a14="http://schemas.microsoft.com/office/drawing/2010/main">
+        <mc:Choice Requires="a14">
           <p:sp>
             <p:nvSpPr>
               <p:cNvPr id="21" name="TextBox 20">
@@ -7964,7 +7964,7 @@
             </p:txBody>
           </p:sp>
         </mc:Choice>
-        <mc:Fallback>
+        <mc:Fallback xmlns="">
           <p:sp>
             <p:nvSpPr>
               <p:cNvPr id="21" name="TextBox 20">
@@ -10386,66 +10386,6 @@
           <a:chExt cx="0" cy="0"/>
         </a:xfrm>
       </p:grpSpPr>
-      <p:pic>
-        <p:nvPicPr>
-          <p:cNvPr id="5" name="그림 4">
-            <a:extLst>
-              <a:ext uri="{FF2B5EF4-FFF2-40B4-BE49-F238E27FC236}">
-                <a16:creationId xmlns:a16="http://schemas.microsoft.com/office/drawing/2014/main" id="{4BD594B2-D4D5-91CC-609C-95BA55D357E4}"/>
-              </a:ext>
-            </a:extLst>
-          </p:cNvPr>
-          <p:cNvPicPr>
-            <a:picLocks noChangeAspect="1"/>
-          </p:cNvPicPr>
-          <p:nvPr/>
-        </p:nvPicPr>
-        <p:blipFill>
-          <a:blip r:embed="rId2"/>
-          <a:stretch>
-            <a:fillRect/>
-          </a:stretch>
-        </p:blipFill>
-        <p:spPr>
-          <a:xfrm>
-            <a:off x="84935" y="1134953"/>
-            <a:ext cx="5642233" cy="4570813"/>
-          </a:xfrm>
-          <a:prstGeom prst="rect">
-            <a:avLst/>
-          </a:prstGeom>
-        </p:spPr>
-      </p:pic>
-      <p:pic>
-        <p:nvPicPr>
-          <p:cNvPr id="7" name="그림 6">
-            <a:extLst>
-              <a:ext uri="{FF2B5EF4-FFF2-40B4-BE49-F238E27FC236}">
-                <a16:creationId xmlns:a16="http://schemas.microsoft.com/office/drawing/2014/main" id="{F0EC53B3-FE6D-6A68-F3AB-9FD7B21C7455}"/>
-              </a:ext>
-            </a:extLst>
-          </p:cNvPr>
-          <p:cNvPicPr>
-            <a:picLocks noChangeAspect="1"/>
-          </p:cNvPicPr>
-          <p:nvPr/>
-        </p:nvPicPr>
-        <p:blipFill>
-          <a:blip r:embed="rId3"/>
-          <a:stretch>
-            <a:fillRect/>
-          </a:stretch>
-        </p:blipFill>
-        <p:spPr>
-          <a:xfrm>
-            <a:off x="6568518" y="1134953"/>
-            <a:ext cx="5538547" cy="4588094"/>
-          </a:xfrm>
-          <a:prstGeom prst="rect">
-            <a:avLst/>
-          </a:prstGeom>
-        </p:spPr>
-      </p:pic>
       <p:sp>
         <p:nvSpPr>
           <p:cNvPr id="9" name="화살표: 오른쪽 8">
@@ -10460,7 +10400,7 @@
         </p:nvSpPr>
         <p:spPr>
           <a:xfrm>
-            <a:off x="5639589" y="3095362"/>
+            <a:off x="5637777" y="3095362"/>
             <a:ext cx="932661" cy="461972"/>
           </a:xfrm>
           <a:prstGeom prst="rightArrow">
@@ -10506,7 +10446,7 @@
         </p:nvSpPr>
         <p:spPr>
           <a:xfrm>
-            <a:off x="5623483" y="2449031"/>
+            <a:off x="5621671" y="2449031"/>
             <a:ext cx="941283" cy="646331"/>
           </a:xfrm>
           <a:prstGeom prst="rect">
@@ -10580,6 +10520,66 @@
           </a:p>
         </p:txBody>
       </p:sp>
+      <p:pic>
+        <p:nvPicPr>
+          <p:cNvPr id="3" name="그림 2">
+            <a:extLst>
+              <a:ext uri="{FF2B5EF4-FFF2-40B4-BE49-F238E27FC236}">
+                <a16:creationId xmlns:a16="http://schemas.microsoft.com/office/drawing/2014/main" id="{C6A68BC7-3BAF-5B81-75E0-561A8EFBAA10}"/>
+              </a:ext>
+            </a:extLst>
+          </p:cNvPr>
+          <p:cNvPicPr>
+            <a:picLocks noChangeAspect="1"/>
+          </p:cNvPicPr>
+          <p:nvPr/>
+        </p:nvPicPr>
+        <p:blipFill>
+          <a:blip r:embed="rId2"/>
+          <a:stretch>
+            <a:fillRect/>
+          </a:stretch>
+        </p:blipFill>
+        <p:spPr>
+          <a:xfrm>
+            <a:off x="554849" y="1386112"/>
+            <a:ext cx="4872126" cy="4085776"/>
+          </a:xfrm>
+          <a:prstGeom prst="rect">
+            <a:avLst/>
+          </a:prstGeom>
+        </p:spPr>
+      </p:pic>
+      <p:pic>
+        <p:nvPicPr>
+          <p:cNvPr id="6" name="그림 5">
+            <a:extLst>
+              <a:ext uri="{FF2B5EF4-FFF2-40B4-BE49-F238E27FC236}">
+                <a16:creationId xmlns:a16="http://schemas.microsoft.com/office/drawing/2014/main" id="{49F555DD-2C09-6E1C-CCE9-A28678C0FCFE}"/>
+              </a:ext>
+            </a:extLst>
+          </p:cNvPr>
+          <p:cNvPicPr>
+            <a:picLocks noChangeAspect="1"/>
+          </p:cNvPicPr>
+          <p:nvPr/>
+        </p:nvPicPr>
+        <p:blipFill>
+          <a:blip r:embed="rId3"/>
+          <a:stretch>
+            <a:fillRect/>
+          </a:stretch>
+        </p:blipFill>
+        <p:spPr>
+          <a:xfrm>
+            <a:off x="6781240" y="1386112"/>
+            <a:ext cx="4855912" cy="4085776"/>
+          </a:xfrm>
+          <a:prstGeom prst="rect">
+            <a:avLst/>
+          </a:prstGeom>
+        </p:spPr>
+      </p:pic>
     </p:spTree>
     <p:extLst>
       <p:ext uri="{BB962C8B-B14F-4D97-AF65-F5344CB8AC3E}">

--- a/pics/2022-09-28-Mahalanobis_distance/pics.pptx
+++ b/pics/2022-09-28-Mahalanobis_distance/pics.pptx
@@ -13,7 +13,9 @@
     <p:sldId id="261" r:id="rId7"/>
     <p:sldId id="263" r:id="rId8"/>
     <p:sldId id="264" r:id="rId9"/>
-    <p:sldId id="265" r:id="rId10"/>
+    <p:sldId id="266" r:id="rId10"/>
+    <p:sldId id="267" r:id="rId11"/>
+    <p:sldId id="265" r:id="rId12"/>
   </p:sldIdLst>
   <p:sldSz cx="12192000" cy="6858000"/>
   <p:notesSz cx="6858000" cy="9144000"/>
@@ -267,7 +269,7 @@
           <a:p>
             <a:fld id="{8DCFE445-8268-4AE2-ADD9-AB110B2937CA}" type="datetimeFigureOut">
               <a:rPr lang="ko-KR" altLang="en-US" smtClean="0"/>
-              <a:t>2022-10-04</a:t>
+              <a:t>2022-10-05</a:t>
             </a:fld>
             <a:endParaRPr lang="ko-KR" altLang="en-US"/>
           </a:p>
@@ -465,7 +467,7 @@
           <a:p>
             <a:fld id="{8DCFE445-8268-4AE2-ADD9-AB110B2937CA}" type="datetimeFigureOut">
               <a:rPr lang="ko-KR" altLang="en-US" smtClean="0"/>
-              <a:t>2022-10-04</a:t>
+              <a:t>2022-10-05</a:t>
             </a:fld>
             <a:endParaRPr lang="ko-KR" altLang="en-US"/>
           </a:p>
@@ -673,7 +675,7 @@
           <a:p>
             <a:fld id="{8DCFE445-8268-4AE2-ADD9-AB110B2937CA}" type="datetimeFigureOut">
               <a:rPr lang="ko-KR" altLang="en-US" smtClean="0"/>
-              <a:t>2022-10-04</a:t>
+              <a:t>2022-10-05</a:t>
             </a:fld>
             <a:endParaRPr lang="ko-KR" altLang="en-US"/>
           </a:p>
@@ -871,7 +873,7 @@
           <a:p>
             <a:fld id="{8DCFE445-8268-4AE2-ADD9-AB110B2937CA}" type="datetimeFigureOut">
               <a:rPr lang="ko-KR" altLang="en-US" smtClean="0"/>
-              <a:t>2022-10-04</a:t>
+              <a:t>2022-10-05</a:t>
             </a:fld>
             <a:endParaRPr lang="ko-KR" altLang="en-US"/>
           </a:p>
@@ -1146,7 +1148,7 @@
           <a:p>
             <a:fld id="{8DCFE445-8268-4AE2-ADD9-AB110B2937CA}" type="datetimeFigureOut">
               <a:rPr lang="ko-KR" altLang="en-US" smtClean="0"/>
-              <a:t>2022-10-04</a:t>
+              <a:t>2022-10-05</a:t>
             </a:fld>
             <a:endParaRPr lang="ko-KR" altLang="en-US"/>
           </a:p>
@@ -1411,7 +1413,7 @@
           <a:p>
             <a:fld id="{8DCFE445-8268-4AE2-ADD9-AB110B2937CA}" type="datetimeFigureOut">
               <a:rPr lang="ko-KR" altLang="en-US" smtClean="0"/>
-              <a:t>2022-10-04</a:t>
+              <a:t>2022-10-05</a:t>
             </a:fld>
             <a:endParaRPr lang="ko-KR" altLang="en-US"/>
           </a:p>
@@ -1823,7 +1825,7 @@
           <a:p>
             <a:fld id="{8DCFE445-8268-4AE2-ADD9-AB110B2937CA}" type="datetimeFigureOut">
               <a:rPr lang="ko-KR" altLang="en-US" smtClean="0"/>
-              <a:t>2022-10-04</a:t>
+              <a:t>2022-10-05</a:t>
             </a:fld>
             <a:endParaRPr lang="ko-KR" altLang="en-US"/>
           </a:p>
@@ -1964,7 +1966,7 @@
           <a:p>
             <a:fld id="{8DCFE445-8268-4AE2-ADD9-AB110B2937CA}" type="datetimeFigureOut">
               <a:rPr lang="ko-KR" altLang="en-US" smtClean="0"/>
-              <a:t>2022-10-04</a:t>
+              <a:t>2022-10-05</a:t>
             </a:fld>
             <a:endParaRPr lang="ko-KR" altLang="en-US"/>
           </a:p>
@@ -2077,7 +2079,7 @@
           <a:p>
             <a:fld id="{8DCFE445-8268-4AE2-ADD9-AB110B2937CA}" type="datetimeFigureOut">
               <a:rPr lang="ko-KR" altLang="en-US" smtClean="0"/>
-              <a:t>2022-10-04</a:t>
+              <a:t>2022-10-05</a:t>
             </a:fld>
             <a:endParaRPr lang="ko-KR" altLang="en-US"/>
           </a:p>
@@ -2388,7 +2390,7 @@
           <a:p>
             <a:fld id="{8DCFE445-8268-4AE2-ADD9-AB110B2937CA}" type="datetimeFigureOut">
               <a:rPr lang="ko-KR" altLang="en-US" smtClean="0"/>
-              <a:t>2022-10-04</a:t>
+              <a:t>2022-10-05</a:t>
             </a:fld>
             <a:endParaRPr lang="ko-KR" altLang="en-US"/>
           </a:p>
@@ -2676,7 +2678,7 @@
           <a:p>
             <a:fld id="{8DCFE445-8268-4AE2-ADD9-AB110B2937CA}" type="datetimeFigureOut">
               <a:rPr lang="ko-KR" altLang="en-US" smtClean="0"/>
-              <a:t>2022-10-04</a:t>
+              <a:t>2022-10-05</a:t>
             </a:fld>
             <a:endParaRPr lang="ko-KR" altLang="en-US"/>
           </a:p>
@@ -2917,7 +2919,7 @@
           <a:p>
             <a:fld id="{8DCFE445-8268-4AE2-ADD9-AB110B2937CA}" type="datetimeFigureOut">
               <a:rPr lang="ko-KR" altLang="en-US" smtClean="0"/>
-              <a:t>2022-10-04</a:t>
+              <a:t>2022-10-05</a:t>
             </a:fld>
             <a:endParaRPr lang="ko-KR" altLang="en-US"/>
           </a:p>
@@ -4070,6 +4072,472 @@
 </p:sld>
 </file>
 
+<file path=ppt/slides/slide10.xml><?xml version="1.0" encoding="utf-8"?>
+<p:sld xmlns:a="http://schemas.openxmlformats.org/drawingml/2006/main" xmlns:r="http://schemas.openxmlformats.org/officeDocument/2006/relationships" xmlns:p="http://schemas.openxmlformats.org/presentationml/2006/main">
+  <p:cSld>
+    <p:spTree>
+      <p:nvGrpSpPr>
+        <p:cNvPr id="1" name=""/>
+        <p:cNvGrpSpPr/>
+        <p:nvPr/>
+      </p:nvGrpSpPr>
+      <p:grpSpPr>
+        <a:xfrm>
+          <a:off x="0" y="0"/>
+          <a:ext cx="0" cy="0"/>
+          <a:chOff x="0" y="0"/>
+          <a:chExt cx="0" cy="0"/>
+        </a:xfrm>
+      </p:grpSpPr>
+      <p:sp>
+        <p:nvSpPr>
+          <p:cNvPr id="6" name="Oval 5">
+            <a:extLst>
+              <a:ext uri="{FF2B5EF4-FFF2-40B4-BE49-F238E27FC236}">
+                <a16:creationId xmlns:a16="http://schemas.microsoft.com/office/drawing/2014/main" id="{D6B86277-D592-4646-3ADC-E6E7C117D608}"/>
+              </a:ext>
+            </a:extLst>
+          </p:cNvPr>
+          <p:cNvSpPr/>
+          <p:nvPr/>
+        </p:nvSpPr>
+        <p:spPr>
+          <a:xfrm>
+            <a:off x="3951852" y="3285752"/>
+            <a:ext cx="166505" cy="164857"/>
+          </a:xfrm>
+          <a:prstGeom prst="ellipse">
+            <a:avLst/>
+          </a:prstGeom>
+          <a:noFill/>
+          <a:ln w="19050">
+            <a:solidFill>
+              <a:srgbClr val="FF0000"/>
+            </a:solidFill>
+          </a:ln>
+        </p:spPr>
+        <p:style>
+          <a:lnRef idx="2">
+            <a:schemeClr val="accent1">
+              <a:shade val="50000"/>
+            </a:schemeClr>
+          </a:lnRef>
+          <a:fillRef idx="1">
+            <a:schemeClr val="accent1"/>
+          </a:fillRef>
+          <a:effectRef idx="0">
+            <a:schemeClr val="accent1"/>
+          </a:effectRef>
+          <a:fontRef idx="minor">
+            <a:schemeClr val="lt1"/>
+          </a:fontRef>
+        </p:style>
+        <p:txBody>
+          <a:bodyPr rtlCol="0" anchor="ctr"/>
+          <a:lstStyle/>
+          <a:p>
+            <a:pPr algn="ctr"/>
+            <a:endParaRPr lang="en-US"/>
+          </a:p>
+        </p:txBody>
+      </p:sp>
+      <p:sp>
+        <p:nvSpPr>
+          <p:cNvPr id="7" name="Oval 6">
+            <a:extLst>
+              <a:ext uri="{FF2B5EF4-FFF2-40B4-BE49-F238E27FC236}">
+                <a16:creationId xmlns:a16="http://schemas.microsoft.com/office/drawing/2014/main" id="{C00D30AA-62BE-D1C7-37E3-F30DCAF615B4}"/>
+              </a:ext>
+            </a:extLst>
+          </p:cNvPr>
+          <p:cNvSpPr/>
+          <p:nvPr/>
+        </p:nvSpPr>
+        <p:spPr>
+          <a:xfrm>
+            <a:off x="6108700" y="5044702"/>
+            <a:ext cx="166505" cy="164857"/>
+          </a:xfrm>
+          <a:prstGeom prst="ellipse">
+            <a:avLst/>
+          </a:prstGeom>
+          <a:noFill/>
+          <a:ln w="19050">
+            <a:solidFill>
+              <a:srgbClr val="FF0000"/>
+            </a:solidFill>
+          </a:ln>
+        </p:spPr>
+        <p:style>
+          <a:lnRef idx="2">
+            <a:schemeClr val="accent1">
+              <a:shade val="50000"/>
+            </a:schemeClr>
+          </a:lnRef>
+          <a:fillRef idx="1">
+            <a:schemeClr val="accent1"/>
+          </a:fillRef>
+          <a:effectRef idx="0">
+            <a:schemeClr val="accent1"/>
+          </a:effectRef>
+          <a:fontRef idx="minor">
+            <a:schemeClr val="lt1"/>
+          </a:fontRef>
+        </p:style>
+        <p:txBody>
+          <a:bodyPr rtlCol="0" anchor="ctr"/>
+          <a:lstStyle/>
+          <a:p>
+            <a:pPr algn="ctr"/>
+            <a:endParaRPr lang="en-US"/>
+          </a:p>
+        </p:txBody>
+      </p:sp>
+      <p:pic>
+        <p:nvPicPr>
+          <p:cNvPr id="9" name="Picture 8">
+            <a:extLst>
+              <a:ext uri="{FF2B5EF4-FFF2-40B4-BE49-F238E27FC236}">
+                <a16:creationId xmlns:a16="http://schemas.microsoft.com/office/drawing/2014/main" id="{F69FA569-2EA3-EA01-44E5-422E03EB9E79}"/>
+              </a:ext>
+            </a:extLst>
+          </p:cNvPr>
+          <p:cNvPicPr>
+            <a:picLocks noChangeAspect="1"/>
+          </p:cNvPicPr>
+          <p:nvPr/>
+        </p:nvPicPr>
+        <p:blipFill>
+          <a:blip r:embed="rId2"/>
+          <a:stretch>
+            <a:fillRect/>
+          </a:stretch>
+        </p:blipFill>
+        <p:spPr>
+          <a:xfrm>
+            <a:off x="3429000" y="1428750"/>
+            <a:ext cx="5334000" cy="4000500"/>
+          </a:xfrm>
+          <a:prstGeom prst="rect">
+            <a:avLst/>
+          </a:prstGeom>
+        </p:spPr>
+      </p:pic>
+    </p:spTree>
+    <p:extLst>
+      <p:ext uri="{BB962C8B-B14F-4D97-AF65-F5344CB8AC3E}">
+        <p14:creationId xmlns:p14="http://schemas.microsoft.com/office/powerpoint/2010/main" val="3777877962"/>
+      </p:ext>
+    </p:extLst>
+  </p:cSld>
+  <p:clrMapOvr>
+    <a:masterClrMapping/>
+  </p:clrMapOvr>
+</p:sld>
+</file>
+
+<file path=ppt/slides/slide11.xml><?xml version="1.0" encoding="utf-8"?>
+<p:sld xmlns:a="http://schemas.openxmlformats.org/drawingml/2006/main" xmlns:r="http://schemas.openxmlformats.org/officeDocument/2006/relationships" xmlns:p="http://schemas.openxmlformats.org/presentationml/2006/main">
+  <p:cSld>
+    <p:spTree>
+      <p:nvGrpSpPr>
+        <p:cNvPr id="1" name=""/>
+        <p:cNvGrpSpPr/>
+        <p:nvPr/>
+      </p:nvGrpSpPr>
+      <p:grpSpPr>
+        <a:xfrm>
+          <a:off x="0" y="0"/>
+          <a:ext cx="0" cy="0"/>
+          <a:chOff x="0" y="0"/>
+          <a:chExt cx="0" cy="0"/>
+        </a:xfrm>
+      </p:grpSpPr>
+      <p:pic>
+        <p:nvPicPr>
+          <p:cNvPr id="5" name="그림 4">
+            <a:extLst>
+              <a:ext uri="{FF2B5EF4-FFF2-40B4-BE49-F238E27FC236}">
+                <a16:creationId xmlns:a16="http://schemas.microsoft.com/office/drawing/2014/main" id="{DA3C6634-D813-7335-2786-C31B32EC23EC}"/>
+              </a:ext>
+            </a:extLst>
+          </p:cNvPr>
+          <p:cNvPicPr>
+            <a:picLocks noChangeAspect="1"/>
+          </p:cNvPicPr>
+          <p:nvPr/>
+        </p:nvPicPr>
+        <p:blipFill>
+          <a:blip r:embed="rId2"/>
+          <a:stretch>
+            <a:fillRect/>
+          </a:stretch>
+        </p:blipFill>
+        <p:spPr>
+          <a:xfrm>
+            <a:off x="3429000" y="1428750"/>
+            <a:ext cx="5334000" cy="4000500"/>
+          </a:xfrm>
+          <a:prstGeom prst="rect">
+            <a:avLst/>
+          </a:prstGeom>
+        </p:spPr>
+      </p:pic>
+      <mc:AlternateContent xmlns:mc="http://schemas.openxmlformats.org/markup-compatibility/2006" xmlns:a14="http://schemas.microsoft.com/office/drawing/2010/main">
+        <mc:Choice Requires="a14">
+          <p:sp>
+            <p:nvSpPr>
+              <p:cNvPr id="6" name="TextBox 5">
+                <a:extLst>
+                  <a:ext uri="{FF2B5EF4-FFF2-40B4-BE49-F238E27FC236}">
+                    <a16:creationId xmlns:a16="http://schemas.microsoft.com/office/drawing/2014/main" id="{1A43EE39-BFB9-BD44-4EA9-A97678E5F7AF}"/>
+                  </a:ext>
+                </a:extLst>
+              </p:cNvPr>
+              <p:cNvSpPr txBox="1"/>
+              <p:nvPr/>
+            </p:nvSpPr>
+            <p:spPr>
+              <a:xfrm>
+                <a:off x="4386044" y="993106"/>
+                <a:ext cx="3457549" cy="610936"/>
+              </a:xfrm>
+              <a:prstGeom prst="rect">
+                <a:avLst/>
+              </a:prstGeom>
+              <a:noFill/>
+            </p:spPr>
+            <p:txBody>
+              <a:bodyPr wrap="none" rtlCol="0">
+                <a:spAutoFit/>
+              </a:bodyPr>
+              <a:lstStyle/>
+              <a:p>
+                <a:pPr/>
+                <a14:m>
+                  <m:oMathPara xmlns:m="http://schemas.openxmlformats.org/officeDocument/2006/math">
+                    <m:oMathParaPr>
+                      <m:jc m:val="centerGroup"/>
+                    </m:oMathParaPr>
+                    <m:oMath xmlns:m="http://schemas.openxmlformats.org/officeDocument/2006/math">
+                      <m:r>
+                        <m:rPr>
+                          <m:sty m:val="p"/>
+                        </m:rPr>
+                        <a:rPr lang="en-US" altLang="ko-KR" b="0" i="0" smtClean="0">
+                          <a:latin typeface="Cambria Math" panose="02040503050406030204" pitchFamily="18" charset="0"/>
+                        </a:rPr>
+                        <m:t>Σ</m:t>
+                      </m:r>
+                      <m:r>
+                        <a:rPr lang="en-US" altLang="ko-KR" b="0" i="1" smtClean="0">
+                          <a:latin typeface="Cambria Math" panose="02040503050406030204" pitchFamily="18" charset="0"/>
+                        </a:rPr>
+                        <m:t>=</m:t>
+                      </m:r>
+                      <m:f>
+                        <m:fPr>
+                          <m:ctrlPr>
+                            <a:rPr lang="en-US" altLang="ko-KR" b="0" i="1" smtClean="0">
+                              <a:latin typeface="Cambria Math" panose="02040503050406030204" pitchFamily="18" charset="0"/>
+                            </a:rPr>
+                          </m:ctrlPr>
+                        </m:fPr>
+                        <m:num>
+                          <m:r>
+                            <a:rPr lang="en-US" altLang="ko-KR" b="0" i="1" smtClean="0">
+                              <a:latin typeface="Cambria Math" panose="02040503050406030204" pitchFamily="18" charset="0"/>
+                            </a:rPr>
+                            <m:t>1</m:t>
+                          </m:r>
+                        </m:num>
+                        <m:den>
+                          <m:r>
+                            <a:rPr lang="en-US" altLang="ko-KR" b="0" i="1" smtClean="0">
+                              <a:latin typeface="Cambria Math" panose="02040503050406030204" pitchFamily="18" charset="0"/>
+                            </a:rPr>
+                            <m:t>𝑛</m:t>
+                          </m:r>
+                        </m:den>
+                      </m:f>
+                      <m:sSup>
+                        <m:sSupPr>
+                          <m:ctrlPr>
+                            <a:rPr lang="en-US" altLang="ko-KR" b="0" i="1" smtClean="0">
+                              <a:latin typeface="Cambria Math" panose="02040503050406030204" pitchFamily="18" charset="0"/>
+                            </a:rPr>
+                          </m:ctrlPr>
+                        </m:sSupPr>
+                        <m:e>
+                          <m:r>
+                            <a:rPr lang="en-US" altLang="ko-KR" b="0" i="1" smtClean="0">
+                              <a:latin typeface="Cambria Math" panose="02040503050406030204" pitchFamily="18" charset="0"/>
+                            </a:rPr>
+                            <m:t>𝑋</m:t>
+                          </m:r>
+                        </m:e>
+                        <m:sup>
+                          <m:r>
+                            <a:rPr lang="en-US" altLang="ko-KR" b="0" i="1" smtClean="0">
+                              <a:latin typeface="Cambria Math" panose="02040503050406030204" pitchFamily="18" charset="0"/>
+                            </a:rPr>
+                            <m:t>𝑇</m:t>
+                          </m:r>
+                        </m:sup>
+                      </m:sSup>
+                      <m:r>
+                        <a:rPr lang="en-US" altLang="ko-KR" b="0" i="1" smtClean="0">
+                          <a:latin typeface="Cambria Math" panose="02040503050406030204" pitchFamily="18" charset="0"/>
+                        </a:rPr>
+                        <m:t>𝑋</m:t>
+                      </m:r>
+                      <m:r>
+                        <a:rPr lang="en-US" altLang="ko-KR" b="0" i="1" smtClean="0">
+                          <a:latin typeface="Cambria Math" panose="02040503050406030204" pitchFamily="18" charset="0"/>
+                        </a:rPr>
+                        <m:t>=</m:t>
+                      </m:r>
+                      <m:d>
+                        <m:dPr>
+                          <m:begChr m:val="["/>
+                          <m:endChr m:val="]"/>
+                          <m:ctrlPr>
+                            <a:rPr lang="en-US" altLang="ko-KR" b="0" i="1" smtClean="0">
+                              <a:latin typeface="Cambria Math" panose="02040503050406030204" pitchFamily="18" charset="0"/>
+                            </a:rPr>
+                          </m:ctrlPr>
+                        </m:dPr>
+                        <m:e>
+                          <m:m>
+                            <m:mPr>
+                              <m:mcs>
+                                <m:mc>
+                                  <m:mcPr>
+                                    <m:count m:val="2"/>
+                                    <m:mcJc m:val="center"/>
+                                  </m:mcPr>
+                                </m:mc>
+                              </m:mcs>
+                              <m:ctrlPr>
+                                <a:rPr lang="en-US" altLang="ko-KR" b="0" i="1" smtClean="0">
+                                  <a:latin typeface="Cambria Math" panose="02040503050406030204" pitchFamily="18" charset="0"/>
+                                </a:rPr>
+                              </m:ctrlPr>
+                            </m:mPr>
+                            <m:mr>
+                              <m:e>
+                                <m:r>
+                                  <m:rPr>
+                                    <m:brk m:alnAt="7"/>
+                                  </m:rPr>
+                                  <a:rPr lang="en-US" altLang="ko-KR" b="0" i="1" smtClean="0">
+                                    <a:latin typeface="Cambria Math" panose="02040503050406030204" pitchFamily="18" charset="0"/>
+                                  </a:rPr>
+                                  <m:t>2</m:t>
+                                </m:r>
+                                <m:r>
+                                  <a:rPr lang="en-US" altLang="ko-KR" b="0" i="1" smtClean="0">
+                                    <a:latin typeface="Cambria Math" panose="02040503050406030204" pitchFamily="18" charset="0"/>
+                                  </a:rPr>
+                                  <m:t>.9940</m:t>
+                                </m:r>
+                              </m:e>
+                              <m:e>
+                                <m:r>
+                                  <a:rPr lang="en-US" altLang="ko-KR" b="0" i="1" smtClean="0">
+                                    <a:latin typeface="Cambria Math" panose="02040503050406030204" pitchFamily="18" charset="0"/>
+                                  </a:rPr>
+                                  <m:t>1.9664</m:t>
+                                </m:r>
+                              </m:e>
+                            </m:mr>
+                            <m:mr>
+                              <m:e>
+                                <m:r>
+                                  <a:rPr lang="en-US" altLang="ko-KR" b="0" i="1" smtClean="0">
+                                    <a:latin typeface="Cambria Math" panose="02040503050406030204" pitchFamily="18" charset="0"/>
+                                  </a:rPr>
+                                  <m:t>1.9664</m:t>
+                                </m:r>
+                              </m:e>
+                              <m:e>
+                                <m:r>
+                                  <a:rPr lang="en-US" altLang="ko-KR" b="0" i="1" smtClean="0">
+                                    <a:latin typeface="Cambria Math" panose="02040503050406030204" pitchFamily="18" charset="0"/>
+                                  </a:rPr>
+                                  <m:t>3.9514</m:t>
+                                </m:r>
+                              </m:e>
+                            </m:mr>
+                          </m:m>
+                        </m:e>
+                      </m:d>
+                    </m:oMath>
+                  </m:oMathPara>
+                </a14:m>
+                <a:endParaRPr lang="ko-KR" altLang="en-US" dirty="0"/>
+              </a:p>
+            </p:txBody>
+          </p:sp>
+        </mc:Choice>
+        <mc:Fallback xmlns="">
+          <p:sp>
+            <p:nvSpPr>
+              <p:cNvPr id="6" name="TextBox 5">
+                <a:extLst>
+                  <a:ext uri="{FF2B5EF4-FFF2-40B4-BE49-F238E27FC236}">
+                    <a16:creationId xmlns:a16="http://schemas.microsoft.com/office/drawing/2014/main" id="{1A43EE39-BFB9-BD44-4EA9-A97678E5F7AF}"/>
+                  </a:ext>
+                </a:extLst>
+              </p:cNvPr>
+              <p:cNvSpPr txBox="1">
+                <a:spLocks noRot="1" noChangeAspect="1" noMove="1" noResize="1" noEditPoints="1" noAdjustHandles="1" noChangeArrowheads="1" noChangeShapeType="1" noTextEdit="1"/>
+              </p:cNvSpPr>
+              <p:nvPr/>
+            </p:nvSpPr>
+            <p:spPr>
+              <a:xfrm>
+                <a:off x="4386044" y="993106"/>
+                <a:ext cx="3457549" cy="610936"/>
+              </a:xfrm>
+              <a:prstGeom prst="rect">
+                <a:avLst/>
+              </a:prstGeom>
+              <a:blipFill>
+                <a:blip r:embed="rId3"/>
+                <a:stretch>
+                  <a:fillRect/>
+                </a:stretch>
+              </a:blipFill>
+            </p:spPr>
+            <p:txBody>
+              <a:bodyPr/>
+              <a:lstStyle/>
+              <a:p>
+                <a:r>
+                  <a:rPr lang="ko-KR" altLang="en-US">
+                    <a:noFill/>
+                  </a:rPr>
+                  <a:t> </a:t>
+                </a:r>
+              </a:p>
+            </p:txBody>
+          </p:sp>
+        </mc:Fallback>
+      </mc:AlternateContent>
+    </p:spTree>
+    <p:extLst>
+      <p:ext uri="{BB962C8B-B14F-4D97-AF65-F5344CB8AC3E}">
+        <p14:creationId xmlns:p14="http://schemas.microsoft.com/office/powerpoint/2010/main" val="1579494600"/>
+      </p:ext>
+    </p:extLst>
+  </p:cSld>
+  <p:clrMapOvr>
+    <a:masterClrMapping/>
+  </p:clrMapOvr>
+</p:sld>
+</file>
+
 <file path=ppt/slides/slide2.xml><?xml version="1.0" encoding="utf-8"?>
 <p:sld xmlns:a="http://schemas.openxmlformats.org/drawingml/2006/main" xmlns:r="http://schemas.openxmlformats.org/officeDocument/2006/relationships" xmlns:p="http://schemas.openxmlformats.org/presentationml/2006/main">
   <p:cSld>
@@ -11248,44 +11716,316 @@
           <a:chExt cx="0" cy="0"/>
         </a:xfrm>
       </p:grpSpPr>
-      <p:pic>
-        <p:nvPicPr>
-          <p:cNvPr id="5" name="그림 4">
-            <a:extLst>
-              <a:ext uri="{FF2B5EF4-FFF2-40B4-BE49-F238E27FC236}">
-                <a16:creationId xmlns:a16="http://schemas.microsoft.com/office/drawing/2014/main" id="{DA3C6634-D813-7335-2786-C31B32EC23EC}"/>
-              </a:ext>
-            </a:extLst>
-          </p:cNvPr>
-          <p:cNvPicPr>
-            <a:picLocks noChangeAspect="1"/>
-          </p:cNvPicPr>
-          <p:nvPr/>
-        </p:nvPicPr>
-        <p:blipFill>
-          <a:blip r:embed="rId2"/>
-          <a:stretch>
-            <a:fillRect/>
-          </a:stretch>
-        </p:blipFill>
-        <p:spPr>
-          <a:xfrm>
-            <a:off x="3429000" y="1428750"/>
-            <a:ext cx="5334000" cy="4000500"/>
-          </a:xfrm>
-          <a:prstGeom prst="rect">
-            <a:avLst/>
-          </a:prstGeom>
-        </p:spPr>
-      </p:pic>
-      <mc:AlternateContent xmlns:mc="http://schemas.openxmlformats.org/markup-compatibility/2006" xmlns:a14="http://schemas.microsoft.com/office/drawing/2010/main">
-        <mc:Choice Requires="a14">
+      <p:graphicFrame>
+        <p:nvGraphicFramePr>
+          <p:cNvPr id="4" name="Table 4">
+            <a:extLst>
+              <a:ext uri="{FF2B5EF4-FFF2-40B4-BE49-F238E27FC236}">
+                <a16:creationId xmlns:a16="http://schemas.microsoft.com/office/drawing/2014/main" id="{EBF7DA75-903B-2372-50CB-212035E9BF52}"/>
+              </a:ext>
+            </a:extLst>
+          </p:cNvPr>
+          <p:cNvGraphicFramePr>
+            <a:graphicFrameLocks noGrp="1"/>
+          </p:cNvGraphicFramePr>
+          <p:nvPr>
+            <p:extLst>
+              <p:ext uri="{D42A27DB-BD31-4B8C-83A1-F6EECF244321}">
+                <p14:modId xmlns:p14="http://schemas.microsoft.com/office/powerpoint/2010/main" val="9606320"/>
+              </p:ext>
+            </p:extLst>
+          </p:nvPr>
+        </p:nvGraphicFramePr>
+        <p:xfrm>
+          <a:off x="4020192" y="1574800"/>
+          <a:ext cx="4503025" cy="1854200"/>
+        </p:xfrm>
+        <a:graphic>
+          <a:graphicData uri="http://schemas.openxmlformats.org/drawingml/2006/table">
+            <a:tbl>
+              <a:tblPr firstRow="1" bandRow="1">
+                <a:tableStyleId>{073A0DAA-6AF3-43AB-8588-CEC1D06C72B9}</a:tableStyleId>
+              </a:tblPr>
+              <a:tblGrid>
+                <a:gridCol w="1013203">
+                  <a:extLst>
+                    <a:ext uri="{9D8B030D-6E8A-4147-A177-3AD203B41FA5}">
+                      <a16:colId xmlns:a16="http://schemas.microsoft.com/office/drawing/2014/main" val="2870257285"/>
+                    </a:ext>
+                  </a:extLst>
+                </a:gridCol>
+                <a:gridCol w="1744911">
+                  <a:extLst>
+                    <a:ext uri="{9D8B030D-6E8A-4147-A177-3AD203B41FA5}">
+                      <a16:colId xmlns:a16="http://schemas.microsoft.com/office/drawing/2014/main" val="1322191462"/>
+                    </a:ext>
+                  </a:extLst>
+                </a:gridCol>
+                <a:gridCol w="1744911">
+                  <a:extLst>
+                    <a:ext uri="{9D8B030D-6E8A-4147-A177-3AD203B41FA5}">
+                      <a16:colId xmlns:a16="http://schemas.microsoft.com/office/drawing/2014/main" val="1871018560"/>
+                    </a:ext>
+                  </a:extLst>
+                </a:gridCol>
+              </a:tblGrid>
+              <a:tr h="370840">
+                <a:tc>
+                  <a:txBody>
+                    <a:bodyPr/>
+                    <a:lstStyle/>
+                    <a:p>
+                      <a:pPr algn="ctr"/>
+                      <a:r>
+                        <a:rPr lang="en-US" dirty="0"/>
+                        <a:t># Alien</a:t>
+                      </a:r>
+                    </a:p>
+                  </a:txBody>
+                  <a:tcPr/>
+                </a:tc>
+                <a:tc>
+                  <a:txBody>
+                    <a:bodyPr/>
+                    <a:lstStyle/>
+                    <a:p>
+                      <a:pPr algn="ctr"/>
+                      <a:r>
+                        <a:rPr lang="en-US" dirty="0"/>
+                        <a:t>Height (cm)</a:t>
+                      </a:r>
+                    </a:p>
+                  </a:txBody>
+                  <a:tcPr/>
+                </a:tc>
+                <a:tc>
+                  <a:txBody>
+                    <a:bodyPr/>
+                    <a:lstStyle/>
+                    <a:p>
+                      <a:pPr algn="ctr"/>
+                      <a:r>
+                        <a:rPr lang="en-US" dirty="0"/>
+                        <a:t>Weight (kg)</a:t>
+                      </a:r>
+                    </a:p>
+                  </a:txBody>
+                  <a:tcPr/>
+                </a:tc>
+                <a:extLst>
+                  <a:ext uri="{0D108BD9-81ED-4DB2-BD59-A6C34878D82A}">
+                    <a16:rowId xmlns:a16="http://schemas.microsoft.com/office/drawing/2014/main" val="1073165690"/>
+                  </a:ext>
+                </a:extLst>
+              </a:tr>
+              <a:tr h="370840">
+                <a:tc>
+                  <a:txBody>
+                    <a:bodyPr/>
+                    <a:lstStyle/>
+                    <a:p>
+                      <a:pPr algn="ctr"/>
+                      <a:r>
+                        <a:rPr lang="en-US" dirty="0"/>
+                        <a:t>1</a:t>
+                      </a:r>
+                    </a:p>
+                  </a:txBody>
+                  <a:tcPr/>
+                </a:tc>
+                <a:tc>
+                  <a:txBody>
+                    <a:bodyPr/>
+                    <a:lstStyle/>
+                    <a:p>
+                      <a:pPr algn="ctr"/>
+                      <a:r>
+                        <a:rPr lang="en-US" dirty="0"/>
+                        <a:t>11</a:t>
+                      </a:r>
+                    </a:p>
+                  </a:txBody>
+                  <a:tcPr/>
+                </a:tc>
+                <a:tc>
+                  <a:txBody>
+                    <a:bodyPr/>
+                    <a:lstStyle/>
+                    <a:p>
+                      <a:pPr algn="ctr"/>
+                      <a:r>
+                        <a:rPr lang="en-US" dirty="0"/>
+                        <a:t>10</a:t>
+                      </a:r>
+                    </a:p>
+                  </a:txBody>
+                  <a:tcPr/>
+                </a:tc>
+                <a:extLst>
+                  <a:ext uri="{0D108BD9-81ED-4DB2-BD59-A6C34878D82A}">
+                    <a16:rowId xmlns:a16="http://schemas.microsoft.com/office/drawing/2014/main" val="1831072032"/>
+                  </a:ext>
+                </a:extLst>
+              </a:tr>
+              <a:tr h="370840">
+                <a:tc>
+                  <a:txBody>
+                    <a:bodyPr/>
+                    <a:lstStyle/>
+                    <a:p>
+                      <a:pPr algn="ctr"/>
+                      <a:r>
+                        <a:rPr lang="en-US" dirty="0"/>
+                        <a:t>2</a:t>
+                      </a:r>
+                    </a:p>
+                  </a:txBody>
+                  <a:tcPr/>
+                </a:tc>
+                <a:tc>
+                  <a:txBody>
+                    <a:bodyPr/>
+                    <a:lstStyle/>
+                    <a:p>
+                      <a:pPr algn="ctr"/>
+                      <a:r>
+                        <a:rPr lang="en-US" dirty="0"/>
+                        <a:t>13</a:t>
+                      </a:r>
+                    </a:p>
+                  </a:txBody>
+                  <a:tcPr/>
+                </a:tc>
+                <a:tc>
+                  <a:txBody>
+                    <a:bodyPr/>
+                    <a:lstStyle/>
+                    <a:p>
+                      <a:pPr algn="ctr"/>
+                      <a:r>
+                        <a:rPr lang="en-US" dirty="0"/>
+                        <a:t>9</a:t>
+                      </a:r>
+                    </a:p>
+                  </a:txBody>
+                  <a:tcPr/>
+                </a:tc>
+                <a:extLst>
+                  <a:ext uri="{0D108BD9-81ED-4DB2-BD59-A6C34878D82A}">
+                    <a16:rowId xmlns:a16="http://schemas.microsoft.com/office/drawing/2014/main" val="3399391694"/>
+                  </a:ext>
+                </a:extLst>
+              </a:tr>
+              <a:tr h="370840">
+                <a:tc>
+                  <a:txBody>
+                    <a:bodyPr/>
+                    <a:lstStyle/>
+                    <a:p>
+                      <a:pPr algn="ctr"/>
+                      <a:r>
+                        <a:rPr lang="en-US" dirty="0"/>
+                        <a:t>3</a:t>
+                      </a:r>
+                    </a:p>
+                  </a:txBody>
+                  <a:tcPr/>
+                </a:tc>
+                <a:tc>
+                  <a:txBody>
+                    <a:bodyPr/>
+                    <a:lstStyle/>
+                    <a:p>
+                      <a:pPr algn="ctr"/>
+                      <a:r>
+                        <a:rPr lang="en-US" dirty="0"/>
+                        <a:t>6</a:t>
+                      </a:r>
+                    </a:p>
+                  </a:txBody>
+                  <a:tcPr/>
+                </a:tc>
+                <a:tc>
+                  <a:txBody>
+                    <a:bodyPr/>
+                    <a:lstStyle/>
+                    <a:p>
+                      <a:pPr algn="ctr"/>
+                      <a:r>
+                        <a:rPr lang="en-US" dirty="0"/>
+                        <a:t>5</a:t>
+                      </a:r>
+                    </a:p>
+                  </a:txBody>
+                  <a:tcPr/>
+                </a:tc>
+                <a:extLst>
+                  <a:ext uri="{0D108BD9-81ED-4DB2-BD59-A6C34878D82A}">
+                    <a16:rowId xmlns:a16="http://schemas.microsoft.com/office/drawing/2014/main" val="4060154270"/>
+                  </a:ext>
+                </a:extLst>
+              </a:tr>
+              <a:tr h="370840">
+                <a:tc>
+                  <a:txBody>
+                    <a:bodyPr/>
+                    <a:lstStyle/>
+                    <a:p>
+                      <a:pPr algn="ctr"/>
+                      <a:r>
+                        <a:rPr lang="en-US" dirty="0"/>
+                        <a:t>4</a:t>
+                      </a:r>
+                    </a:p>
+                  </a:txBody>
+                  <a:tcPr/>
+                </a:tc>
+                <a:tc>
+                  <a:txBody>
+                    <a:bodyPr/>
+                    <a:lstStyle/>
+                    <a:p>
+                      <a:pPr algn="ctr"/>
+                      <a:r>
+                        <a:rPr lang="en-US" dirty="0"/>
+                        <a:t>11</a:t>
+                      </a:r>
+                    </a:p>
+                  </a:txBody>
+                  <a:tcPr/>
+                </a:tc>
+                <a:tc>
+                  <a:txBody>
+                    <a:bodyPr/>
+                    <a:lstStyle/>
+                    <a:p>
+                      <a:pPr algn="ctr"/>
+                      <a:r>
+                        <a:rPr lang="en-US" dirty="0"/>
+                        <a:t>8</a:t>
+                      </a:r>
+                    </a:p>
+                  </a:txBody>
+                  <a:tcPr/>
+                </a:tc>
+                <a:extLst>
+                  <a:ext uri="{0D108BD9-81ED-4DB2-BD59-A6C34878D82A}">
+                    <a16:rowId xmlns:a16="http://schemas.microsoft.com/office/drawing/2014/main" val="132580977"/>
+                  </a:ext>
+                </a:extLst>
+              </a:tr>
+            </a:tbl>
+          </a:graphicData>
+        </a:graphic>
+      </p:graphicFrame>
+      <mc:AlternateContent xmlns:mc="http://schemas.openxmlformats.org/markup-compatibility/2006">
+        <mc:Choice xmlns:a14="http://schemas.microsoft.com/office/drawing/2010/main" Requires="a14">
           <p:sp>
             <p:nvSpPr>
-              <p:cNvPr id="6" name="TextBox 5">
+              <p:cNvPr id="5" name="TextBox 4">
                 <a:extLst>
                   <a:ext uri="{FF2B5EF4-FFF2-40B4-BE49-F238E27FC236}">
-                    <a16:creationId xmlns:a16="http://schemas.microsoft.com/office/drawing/2014/main" id="{1A43EE39-BFB9-BD44-4EA9-A97678E5F7AF}"/>
+                    <a16:creationId xmlns:a16="http://schemas.microsoft.com/office/drawing/2014/main" id="{CB6EDAC1-D5E9-5CF6-3E4A-B8417ACD6731}"/>
                   </a:ext>
                 </a:extLst>
               </p:cNvPr>
@@ -11294,8 +12034,8 @@
             </p:nvSpPr>
             <p:spPr>
               <a:xfrm>
-                <a:off x="4386044" y="993106"/>
-                <a:ext cx="3457549" cy="610936"/>
+                <a:off x="6102427" y="3550098"/>
+                <a:ext cx="338554" cy="369332"/>
               </a:xfrm>
               <a:prstGeom prst="rect">
                 <a:avLst/>
@@ -11308,7 +12048,6 @@
               </a:bodyPr>
               <a:lstStyle/>
               <a:p>
-                <a:pPr/>
                 <a14:m>
                   <m:oMathPara xmlns:m="http://schemas.openxmlformats.org/officeDocument/2006/math">
                     <m:oMathParaPr>
@@ -11316,172 +12055,26 @@
                     </m:oMathParaPr>
                     <m:oMath xmlns:m="http://schemas.openxmlformats.org/officeDocument/2006/math">
                       <m:r>
-                        <m:rPr>
-                          <m:sty m:val="p"/>
-                        </m:rPr>
-                        <a:rPr lang="en-US" altLang="ko-KR" b="0" i="0" smtClean="0">
+                        <a:rPr lang="en-US" b="0" i="1" smtClean="0">
                           <a:latin typeface="Cambria Math" panose="02040503050406030204" pitchFamily="18" charset="0"/>
                         </a:rPr>
-                        <m:t>Σ</m:t>
+                        <m:t>⋮</m:t>
                       </m:r>
-                      <m:r>
-                        <a:rPr lang="en-US" altLang="ko-KR" b="0" i="1" smtClean="0">
-                          <a:latin typeface="Cambria Math" panose="02040503050406030204" pitchFamily="18" charset="0"/>
-                        </a:rPr>
-                        <m:t>=</m:t>
-                      </m:r>
-                      <m:f>
-                        <m:fPr>
-                          <m:ctrlPr>
-                            <a:rPr lang="en-US" altLang="ko-KR" b="0" i="1" smtClean="0">
-                              <a:latin typeface="Cambria Math" panose="02040503050406030204" pitchFamily="18" charset="0"/>
-                            </a:rPr>
-                          </m:ctrlPr>
-                        </m:fPr>
-                        <m:num>
-                          <m:r>
-                            <a:rPr lang="en-US" altLang="ko-KR" b="0" i="1" smtClean="0">
-                              <a:latin typeface="Cambria Math" panose="02040503050406030204" pitchFamily="18" charset="0"/>
-                            </a:rPr>
-                            <m:t>1</m:t>
-                          </m:r>
-                        </m:num>
-                        <m:den>
-                          <m:r>
-                            <a:rPr lang="en-US" altLang="ko-KR" b="0" i="1" smtClean="0">
-                              <a:latin typeface="Cambria Math" panose="02040503050406030204" pitchFamily="18" charset="0"/>
-                            </a:rPr>
-                            <m:t>𝑛</m:t>
-                          </m:r>
-                        </m:den>
-                      </m:f>
-                      <m:sSup>
-                        <m:sSupPr>
-                          <m:ctrlPr>
-                            <a:rPr lang="en-US" altLang="ko-KR" b="0" i="1" smtClean="0">
-                              <a:latin typeface="Cambria Math" panose="02040503050406030204" pitchFamily="18" charset="0"/>
-                            </a:rPr>
-                          </m:ctrlPr>
-                        </m:sSupPr>
-                        <m:e>
-                          <m:r>
-                            <a:rPr lang="en-US" altLang="ko-KR" b="0" i="1" smtClean="0">
-                              <a:latin typeface="Cambria Math" panose="02040503050406030204" pitchFamily="18" charset="0"/>
-                            </a:rPr>
-                            <m:t>𝑋</m:t>
-                          </m:r>
-                        </m:e>
-                        <m:sup>
-                          <m:r>
-                            <a:rPr lang="en-US" altLang="ko-KR" b="0" i="1" smtClean="0">
-                              <a:latin typeface="Cambria Math" panose="02040503050406030204" pitchFamily="18" charset="0"/>
-                            </a:rPr>
-                            <m:t>𝑇</m:t>
-                          </m:r>
-                        </m:sup>
-                      </m:sSup>
-                      <m:r>
-                        <a:rPr lang="en-US" altLang="ko-KR" b="0" i="1" smtClean="0">
-                          <a:latin typeface="Cambria Math" panose="02040503050406030204" pitchFamily="18" charset="0"/>
-                        </a:rPr>
-                        <m:t>𝑋</m:t>
-                      </m:r>
-                      <m:r>
-                        <a:rPr lang="en-US" altLang="ko-KR" b="0" i="1" smtClean="0">
-                          <a:latin typeface="Cambria Math" panose="02040503050406030204" pitchFamily="18" charset="0"/>
-                        </a:rPr>
-                        <m:t>=</m:t>
-                      </m:r>
-                      <m:d>
-                        <m:dPr>
-                          <m:begChr m:val="["/>
-                          <m:endChr m:val="]"/>
-                          <m:ctrlPr>
-                            <a:rPr lang="en-US" altLang="ko-KR" b="0" i="1" smtClean="0">
-                              <a:latin typeface="Cambria Math" panose="02040503050406030204" pitchFamily="18" charset="0"/>
-                            </a:rPr>
-                          </m:ctrlPr>
-                        </m:dPr>
-                        <m:e>
-                          <m:m>
-                            <m:mPr>
-                              <m:mcs>
-                                <m:mc>
-                                  <m:mcPr>
-                                    <m:count m:val="2"/>
-                                    <m:mcJc m:val="center"/>
-                                  </m:mcPr>
-                                </m:mc>
-                              </m:mcs>
-                              <m:ctrlPr>
-                                <a:rPr lang="en-US" altLang="ko-KR" b="0" i="1" smtClean="0">
-                                  <a:latin typeface="Cambria Math" panose="02040503050406030204" pitchFamily="18" charset="0"/>
-                                </a:rPr>
-                              </m:ctrlPr>
-                            </m:mPr>
-                            <m:mr>
-                              <m:e>
-                                <m:r>
-                                  <m:rPr>
-                                    <m:brk m:alnAt="7"/>
-                                  </m:rPr>
-                                  <a:rPr lang="en-US" altLang="ko-KR" b="0" i="1" smtClean="0">
-                                    <a:latin typeface="Cambria Math" panose="02040503050406030204" pitchFamily="18" charset="0"/>
-                                  </a:rPr>
-                                  <m:t>2</m:t>
-                                </m:r>
-                                <m:r>
-                                  <a:rPr lang="en-US" altLang="ko-KR" b="0" i="1" smtClean="0">
-                                    <a:latin typeface="Cambria Math" panose="02040503050406030204" pitchFamily="18" charset="0"/>
-                                  </a:rPr>
-                                  <m:t>.9940</m:t>
-                                </m:r>
-                              </m:e>
-                              <m:e>
-                                <m:r>
-                                  <a:rPr lang="en-US" altLang="ko-KR" b="0" i="1" smtClean="0">
-                                    <a:latin typeface="Cambria Math" panose="02040503050406030204" pitchFamily="18" charset="0"/>
-                                  </a:rPr>
-                                  <m:t>1.9664</m:t>
-                                </m:r>
-                              </m:e>
-                            </m:mr>
-                            <m:mr>
-                              <m:e>
-                                <m:r>
-                                  <a:rPr lang="en-US" altLang="ko-KR" b="0" i="1" smtClean="0">
-                                    <a:latin typeface="Cambria Math" panose="02040503050406030204" pitchFamily="18" charset="0"/>
-                                  </a:rPr>
-                                  <m:t>1.9664</m:t>
-                                </m:r>
-                              </m:e>
-                              <m:e>
-                                <m:r>
-                                  <a:rPr lang="en-US" altLang="ko-KR" b="0" i="1" smtClean="0">
-                                    <a:latin typeface="Cambria Math" panose="02040503050406030204" pitchFamily="18" charset="0"/>
-                                  </a:rPr>
-                                  <m:t>3.9514</m:t>
-                                </m:r>
-                              </m:e>
-                            </m:mr>
-                          </m:m>
-                        </m:e>
-                      </m:d>
                     </m:oMath>
                   </m:oMathPara>
                 </a14:m>
-                <a:endParaRPr lang="ko-KR" altLang="en-US" dirty="0"/>
+                <a:endParaRPr lang="en-US" dirty="0"/>
               </a:p>
             </p:txBody>
           </p:sp>
         </mc:Choice>
-        <mc:Fallback xmlns="">
+        <mc:Fallback>
           <p:sp>
             <p:nvSpPr>
-              <p:cNvPr id="6" name="TextBox 5">
+              <p:cNvPr id="5" name="TextBox 4">
                 <a:extLst>
                   <a:ext uri="{FF2B5EF4-FFF2-40B4-BE49-F238E27FC236}">
-                    <a16:creationId xmlns:a16="http://schemas.microsoft.com/office/drawing/2014/main" id="{1A43EE39-BFB9-BD44-4EA9-A97678E5F7AF}"/>
+                    <a16:creationId xmlns:a16="http://schemas.microsoft.com/office/drawing/2014/main" id="{CB6EDAC1-D5E9-5CF6-3E4A-B8417ACD6731}"/>
                   </a:ext>
                 </a:extLst>
               </p:cNvPr>
@@ -11492,14 +12085,14 @@
             </p:nvSpPr>
             <p:spPr>
               <a:xfrm>
-                <a:off x="4386044" y="993106"/>
-                <a:ext cx="3457549" cy="610936"/>
+                <a:off x="6102427" y="3550098"/>
+                <a:ext cx="338554" cy="369332"/>
               </a:xfrm>
               <a:prstGeom prst="rect">
                 <a:avLst/>
               </a:prstGeom>
               <a:blipFill>
-                <a:blip r:embed="rId3"/>
+                <a:blip r:embed="rId2"/>
                 <a:stretch>
                   <a:fillRect/>
                 </a:stretch>
@@ -11510,7 +12103,7 @@
               <a:lstStyle/>
               <a:p>
                 <a:r>
-                  <a:rPr lang="ko-KR" altLang="en-US">
+                  <a:rPr lang="en-US">
                     <a:noFill/>
                   </a:rPr>
                   <a:t> </a:t>
@@ -11523,7 +12116,7 @@
     </p:spTree>
     <p:extLst>
       <p:ext uri="{BB962C8B-B14F-4D97-AF65-F5344CB8AC3E}">
-        <p14:creationId xmlns:p14="http://schemas.microsoft.com/office/powerpoint/2010/main" val="1579494600"/>
+        <p14:creationId xmlns:p14="http://schemas.microsoft.com/office/powerpoint/2010/main" val="159419004"/>
       </p:ext>
     </p:extLst>
   </p:cSld>

--- a/pics/2022-09-28-Mahalanobis_distance/pics.pptx
+++ b/pics/2022-09-28-Mahalanobis_distance/pics.pptx
@@ -4,6 +4,9 @@
   <p:sldMasterIdLst>
     <p:sldMasterId id="2147483648" r:id="rId1"/>
   </p:sldMasterIdLst>
+  <p:notesMasterIdLst>
+    <p:notesMasterId r:id="rId14"/>
+  </p:notesMasterIdLst>
   <p:sldIdLst>
     <p:sldId id="256" r:id="rId2"/>
     <p:sldId id="258" r:id="rId3"/>
@@ -12,10 +15,11 @@
     <p:sldId id="260" r:id="rId6"/>
     <p:sldId id="261" r:id="rId7"/>
     <p:sldId id="263" r:id="rId8"/>
-    <p:sldId id="264" r:id="rId9"/>
-    <p:sldId id="266" r:id="rId10"/>
-    <p:sldId id="267" r:id="rId11"/>
+    <p:sldId id="266" r:id="rId9"/>
+    <p:sldId id="267" r:id="rId10"/>
+    <p:sldId id="268" r:id="rId11"/>
     <p:sldId id="265" r:id="rId12"/>
+    <p:sldId id="264" r:id="rId13"/>
   </p:sldIdLst>
   <p:sldSz cx="12192000" cy="6858000"/>
   <p:notesSz cx="6858000" cy="9144000"/>
@@ -122,6 +126,355 @@
 </p:presentation>
 </file>
 
+<file path=ppt/notesMasters/notesMaster1.xml><?xml version="1.0" encoding="utf-8"?>
+<p:notesMaster xmlns:a="http://schemas.openxmlformats.org/drawingml/2006/main" xmlns:r="http://schemas.openxmlformats.org/officeDocument/2006/relationships" xmlns:p="http://schemas.openxmlformats.org/presentationml/2006/main">
+  <p:cSld>
+    <p:bg>
+      <p:bgRef idx="1001">
+        <a:schemeClr val="bg1"/>
+      </p:bgRef>
+    </p:bg>
+    <p:spTree>
+      <p:nvGrpSpPr>
+        <p:cNvPr id="1" name=""/>
+        <p:cNvGrpSpPr/>
+        <p:nvPr/>
+      </p:nvGrpSpPr>
+      <p:grpSpPr>
+        <a:xfrm>
+          <a:off x="0" y="0"/>
+          <a:ext cx="0" cy="0"/>
+          <a:chOff x="0" y="0"/>
+          <a:chExt cx="0" cy="0"/>
+        </a:xfrm>
+      </p:grpSpPr>
+      <p:sp>
+        <p:nvSpPr>
+          <p:cNvPr id="2" name="Header Placeholder 1"/>
+          <p:cNvSpPr>
+            <a:spLocks noGrp="1"/>
+          </p:cNvSpPr>
+          <p:nvPr>
+            <p:ph type="hdr" sz="quarter"/>
+          </p:nvPr>
+        </p:nvSpPr>
+        <p:spPr>
+          <a:xfrm>
+            <a:off x="0" y="0"/>
+            <a:ext cx="2971800" cy="458788"/>
+          </a:xfrm>
+          <a:prstGeom prst="rect">
+            <a:avLst/>
+          </a:prstGeom>
+        </p:spPr>
+        <p:txBody>
+          <a:bodyPr vert="horz" lIns="91440" tIns="45720" rIns="91440" bIns="45720" rtlCol="0"/>
+          <a:lstStyle>
+            <a:lvl1pPr algn="l">
+              <a:defRPr sz="1200"/>
+            </a:lvl1pPr>
+          </a:lstStyle>
+          <a:p>
+            <a:endParaRPr lang="en-US"/>
+          </a:p>
+        </p:txBody>
+      </p:sp>
+      <p:sp>
+        <p:nvSpPr>
+          <p:cNvPr id="3" name="Date Placeholder 2"/>
+          <p:cNvSpPr>
+            <a:spLocks noGrp="1"/>
+          </p:cNvSpPr>
+          <p:nvPr>
+            <p:ph type="dt" idx="1"/>
+          </p:nvPr>
+        </p:nvSpPr>
+        <p:spPr>
+          <a:xfrm>
+            <a:off x="3884613" y="0"/>
+            <a:ext cx="2971800" cy="458788"/>
+          </a:xfrm>
+          <a:prstGeom prst="rect">
+            <a:avLst/>
+          </a:prstGeom>
+        </p:spPr>
+        <p:txBody>
+          <a:bodyPr vert="horz" lIns="91440" tIns="45720" rIns="91440" bIns="45720" rtlCol="0"/>
+          <a:lstStyle>
+            <a:lvl1pPr algn="r">
+              <a:defRPr sz="1200"/>
+            </a:lvl1pPr>
+          </a:lstStyle>
+          <a:p>
+            <a:fld id="{37018075-E126-440E-A9BA-06DE88865D46}" type="datetimeFigureOut">
+              <a:rPr lang="en-US" smtClean="0"/>
+              <a:t>10/7/2022</a:t>
+            </a:fld>
+            <a:endParaRPr lang="en-US"/>
+          </a:p>
+        </p:txBody>
+      </p:sp>
+      <p:sp>
+        <p:nvSpPr>
+          <p:cNvPr id="4" name="Slide Image Placeholder 3"/>
+          <p:cNvSpPr>
+            <a:spLocks noGrp="1" noRot="1" noChangeAspect="1"/>
+          </p:cNvSpPr>
+          <p:nvPr>
+            <p:ph type="sldImg" idx="2"/>
+          </p:nvPr>
+        </p:nvSpPr>
+        <p:spPr>
+          <a:xfrm>
+            <a:off x="685800" y="1143000"/>
+            <a:ext cx="5486400" cy="3086100"/>
+          </a:xfrm>
+          <a:prstGeom prst="rect">
+            <a:avLst/>
+          </a:prstGeom>
+          <a:noFill/>
+          <a:ln w="12700">
+            <a:solidFill>
+              <a:prstClr val="black"/>
+            </a:solidFill>
+          </a:ln>
+        </p:spPr>
+        <p:txBody>
+          <a:bodyPr vert="horz" lIns="91440" tIns="45720" rIns="91440" bIns="45720" rtlCol="0" anchor="ctr"/>
+          <a:lstStyle/>
+          <a:p>
+            <a:endParaRPr lang="en-US"/>
+          </a:p>
+        </p:txBody>
+      </p:sp>
+      <p:sp>
+        <p:nvSpPr>
+          <p:cNvPr id="5" name="Notes Placeholder 4"/>
+          <p:cNvSpPr>
+            <a:spLocks noGrp="1"/>
+          </p:cNvSpPr>
+          <p:nvPr>
+            <p:ph type="body" sz="quarter" idx="3"/>
+          </p:nvPr>
+        </p:nvSpPr>
+        <p:spPr>
+          <a:xfrm>
+            <a:off x="685800" y="4400550"/>
+            <a:ext cx="5486400" cy="3600450"/>
+          </a:xfrm>
+          <a:prstGeom prst="rect">
+            <a:avLst/>
+          </a:prstGeom>
+        </p:spPr>
+        <p:txBody>
+          <a:bodyPr vert="horz" lIns="91440" tIns="45720" rIns="91440" bIns="45720" rtlCol="0"/>
+          <a:lstStyle/>
+          <a:p>
+            <a:pPr lvl="0"/>
+            <a:r>
+              <a:rPr lang="en-US"/>
+              <a:t>Click to edit Master text styles</a:t>
+            </a:r>
+          </a:p>
+          <a:p>
+            <a:pPr lvl="1"/>
+            <a:r>
+              <a:rPr lang="en-US"/>
+              <a:t>Second level</a:t>
+            </a:r>
+          </a:p>
+          <a:p>
+            <a:pPr lvl="2"/>
+            <a:r>
+              <a:rPr lang="en-US"/>
+              <a:t>Third level</a:t>
+            </a:r>
+          </a:p>
+          <a:p>
+            <a:pPr lvl="3"/>
+            <a:r>
+              <a:rPr lang="en-US"/>
+              <a:t>Fourth level</a:t>
+            </a:r>
+          </a:p>
+          <a:p>
+            <a:pPr lvl="4"/>
+            <a:r>
+              <a:rPr lang="en-US"/>
+              <a:t>Fifth level</a:t>
+            </a:r>
+          </a:p>
+        </p:txBody>
+      </p:sp>
+      <p:sp>
+        <p:nvSpPr>
+          <p:cNvPr id="6" name="Footer Placeholder 5"/>
+          <p:cNvSpPr>
+            <a:spLocks noGrp="1"/>
+          </p:cNvSpPr>
+          <p:nvPr>
+            <p:ph type="ftr" sz="quarter" idx="4"/>
+          </p:nvPr>
+        </p:nvSpPr>
+        <p:spPr>
+          <a:xfrm>
+            <a:off x="0" y="8685213"/>
+            <a:ext cx="2971800" cy="458787"/>
+          </a:xfrm>
+          <a:prstGeom prst="rect">
+            <a:avLst/>
+          </a:prstGeom>
+        </p:spPr>
+        <p:txBody>
+          <a:bodyPr vert="horz" lIns="91440" tIns="45720" rIns="91440" bIns="45720" rtlCol="0" anchor="b"/>
+          <a:lstStyle>
+            <a:lvl1pPr algn="l">
+              <a:defRPr sz="1200"/>
+            </a:lvl1pPr>
+          </a:lstStyle>
+          <a:p>
+            <a:endParaRPr lang="en-US"/>
+          </a:p>
+        </p:txBody>
+      </p:sp>
+      <p:sp>
+        <p:nvSpPr>
+          <p:cNvPr id="7" name="Slide Number Placeholder 6"/>
+          <p:cNvSpPr>
+            <a:spLocks noGrp="1"/>
+          </p:cNvSpPr>
+          <p:nvPr>
+            <p:ph type="sldNum" sz="quarter" idx="5"/>
+          </p:nvPr>
+        </p:nvSpPr>
+        <p:spPr>
+          <a:xfrm>
+            <a:off x="3884613" y="8685213"/>
+            <a:ext cx="2971800" cy="458787"/>
+          </a:xfrm>
+          <a:prstGeom prst="rect">
+            <a:avLst/>
+          </a:prstGeom>
+        </p:spPr>
+        <p:txBody>
+          <a:bodyPr vert="horz" lIns="91440" tIns="45720" rIns="91440" bIns="45720" rtlCol="0" anchor="b"/>
+          <a:lstStyle>
+            <a:lvl1pPr algn="r">
+              <a:defRPr sz="1200"/>
+            </a:lvl1pPr>
+          </a:lstStyle>
+          <a:p>
+            <a:fld id="{B6E2EF79-4438-4435-ADDE-4C68066BF401}" type="slidenum">
+              <a:rPr lang="en-US" smtClean="0"/>
+              <a:t>‹#›</a:t>
+            </a:fld>
+            <a:endParaRPr lang="en-US"/>
+          </a:p>
+        </p:txBody>
+      </p:sp>
+    </p:spTree>
+    <p:extLst>
+      <p:ext uri="{BB962C8B-B14F-4D97-AF65-F5344CB8AC3E}">
+        <p14:creationId xmlns:p14="http://schemas.microsoft.com/office/powerpoint/2010/main" val="962746190"/>
+      </p:ext>
+    </p:extLst>
+  </p:cSld>
+  <p:clrMap bg1="lt1" tx1="dk1" bg2="lt2" tx2="dk2" accent1="accent1" accent2="accent2" accent3="accent3" accent4="accent4" accent5="accent5" accent6="accent6" hlink="hlink" folHlink="folHlink"/>
+  <p:notesStyle>
+    <a:lvl1pPr marL="0" algn="l" defTabSz="914400" rtl="0" eaLnBrk="1" latinLnBrk="0" hangingPunct="1">
+      <a:defRPr sz="1200" kern="1200">
+        <a:solidFill>
+          <a:schemeClr val="tx1"/>
+        </a:solidFill>
+        <a:latin typeface="+mn-lt"/>
+        <a:ea typeface="+mn-ea"/>
+        <a:cs typeface="+mn-cs"/>
+      </a:defRPr>
+    </a:lvl1pPr>
+    <a:lvl2pPr marL="457200" algn="l" defTabSz="914400" rtl="0" eaLnBrk="1" latinLnBrk="0" hangingPunct="1">
+      <a:defRPr sz="1200" kern="1200">
+        <a:solidFill>
+          <a:schemeClr val="tx1"/>
+        </a:solidFill>
+        <a:latin typeface="+mn-lt"/>
+        <a:ea typeface="+mn-ea"/>
+        <a:cs typeface="+mn-cs"/>
+      </a:defRPr>
+    </a:lvl2pPr>
+    <a:lvl3pPr marL="914400" algn="l" defTabSz="914400" rtl="0" eaLnBrk="1" latinLnBrk="0" hangingPunct="1">
+      <a:defRPr sz="1200" kern="1200">
+        <a:solidFill>
+          <a:schemeClr val="tx1"/>
+        </a:solidFill>
+        <a:latin typeface="+mn-lt"/>
+        <a:ea typeface="+mn-ea"/>
+        <a:cs typeface="+mn-cs"/>
+      </a:defRPr>
+    </a:lvl3pPr>
+    <a:lvl4pPr marL="1371600" algn="l" defTabSz="914400" rtl="0" eaLnBrk="1" latinLnBrk="0" hangingPunct="1">
+      <a:defRPr sz="1200" kern="1200">
+        <a:solidFill>
+          <a:schemeClr val="tx1"/>
+        </a:solidFill>
+        <a:latin typeface="+mn-lt"/>
+        <a:ea typeface="+mn-ea"/>
+        <a:cs typeface="+mn-cs"/>
+      </a:defRPr>
+    </a:lvl4pPr>
+    <a:lvl5pPr marL="1828800" algn="l" defTabSz="914400" rtl="0" eaLnBrk="1" latinLnBrk="0" hangingPunct="1">
+      <a:defRPr sz="1200" kern="1200">
+        <a:solidFill>
+          <a:schemeClr val="tx1"/>
+        </a:solidFill>
+        <a:latin typeface="+mn-lt"/>
+        <a:ea typeface="+mn-ea"/>
+        <a:cs typeface="+mn-cs"/>
+      </a:defRPr>
+    </a:lvl5pPr>
+    <a:lvl6pPr marL="2286000" algn="l" defTabSz="914400" rtl="0" eaLnBrk="1" latinLnBrk="0" hangingPunct="1">
+      <a:defRPr sz="1200" kern="1200">
+        <a:solidFill>
+          <a:schemeClr val="tx1"/>
+        </a:solidFill>
+        <a:latin typeface="+mn-lt"/>
+        <a:ea typeface="+mn-ea"/>
+        <a:cs typeface="+mn-cs"/>
+      </a:defRPr>
+    </a:lvl6pPr>
+    <a:lvl7pPr marL="2743200" algn="l" defTabSz="914400" rtl="0" eaLnBrk="1" latinLnBrk="0" hangingPunct="1">
+      <a:defRPr sz="1200" kern="1200">
+        <a:solidFill>
+          <a:schemeClr val="tx1"/>
+        </a:solidFill>
+        <a:latin typeface="+mn-lt"/>
+        <a:ea typeface="+mn-ea"/>
+        <a:cs typeface="+mn-cs"/>
+      </a:defRPr>
+    </a:lvl7pPr>
+    <a:lvl8pPr marL="3200400" algn="l" defTabSz="914400" rtl="0" eaLnBrk="1" latinLnBrk="0" hangingPunct="1">
+      <a:defRPr sz="1200" kern="1200">
+        <a:solidFill>
+          <a:schemeClr val="tx1"/>
+        </a:solidFill>
+        <a:latin typeface="+mn-lt"/>
+        <a:ea typeface="+mn-ea"/>
+        <a:cs typeface="+mn-cs"/>
+      </a:defRPr>
+    </a:lvl8pPr>
+    <a:lvl9pPr marL="3657600" algn="l" defTabSz="914400" rtl="0" eaLnBrk="1" latinLnBrk="0" hangingPunct="1">
+      <a:defRPr sz="1200" kern="1200">
+        <a:solidFill>
+          <a:schemeClr val="tx1"/>
+        </a:solidFill>
+        <a:latin typeface="+mn-lt"/>
+        <a:ea typeface="+mn-ea"/>
+        <a:cs typeface="+mn-cs"/>
+      </a:defRPr>
+    </a:lvl9pPr>
+  </p:notesStyle>
+</p:notesMaster>
+</file>
+
 <file path=ppt/slideLayouts/slideLayout1.xml><?xml version="1.0" encoding="utf-8"?>
 <p:sldLayout xmlns:a="http://schemas.openxmlformats.org/drawingml/2006/main" xmlns:r="http://schemas.openxmlformats.org/officeDocument/2006/relationships" xmlns:p="http://schemas.openxmlformats.org/presentationml/2006/main" type="title" preserve="1">
   <p:cSld name="제목 슬라이드">
@@ -269,7 +622,7 @@
           <a:p>
             <a:fld id="{8DCFE445-8268-4AE2-ADD9-AB110B2937CA}" type="datetimeFigureOut">
               <a:rPr lang="ko-KR" altLang="en-US" smtClean="0"/>
-              <a:t>2022-10-05</a:t>
+              <a:t>2022-10-07</a:t>
             </a:fld>
             <a:endParaRPr lang="ko-KR" altLang="en-US"/>
           </a:p>
@@ -467,7 +820,7 @@
           <a:p>
             <a:fld id="{8DCFE445-8268-4AE2-ADD9-AB110B2937CA}" type="datetimeFigureOut">
               <a:rPr lang="ko-KR" altLang="en-US" smtClean="0"/>
-              <a:t>2022-10-05</a:t>
+              <a:t>2022-10-07</a:t>
             </a:fld>
             <a:endParaRPr lang="ko-KR" altLang="en-US"/>
           </a:p>
@@ -675,7 +1028,7 @@
           <a:p>
             <a:fld id="{8DCFE445-8268-4AE2-ADD9-AB110B2937CA}" type="datetimeFigureOut">
               <a:rPr lang="ko-KR" altLang="en-US" smtClean="0"/>
-              <a:t>2022-10-05</a:t>
+              <a:t>2022-10-07</a:t>
             </a:fld>
             <a:endParaRPr lang="ko-KR" altLang="en-US"/>
           </a:p>
@@ -873,7 +1226,7 @@
           <a:p>
             <a:fld id="{8DCFE445-8268-4AE2-ADD9-AB110B2937CA}" type="datetimeFigureOut">
               <a:rPr lang="ko-KR" altLang="en-US" smtClean="0"/>
-              <a:t>2022-10-05</a:t>
+              <a:t>2022-10-07</a:t>
             </a:fld>
             <a:endParaRPr lang="ko-KR" altLang="en-US"/>
           </a:p>
@@ -1148,7 +1501,7 @@
           <a:p>
             <a:fld id="{8DCFE445-8268-4AE2-ADD9-AB110B2937CA}" type="datetimeFigureOut">
               <a:rPr lang="ko-KR" altLang="en-US" smtClean="0"/>
-              <a:t>2022-10-05</a:t>
+              <a:t>2022-10-07</a:t>
             </a:fld>
             <a:endParaRPr lang="ko-KR" altLang="en-US"/>
           </a:p>
@@ -1413,7 +1766,7 @@
           <a:p>
             <a:fld id="{8DCFE445-8268-4AE2-ADD9-AB110B2937CA}" type="datetimeFigureOut">
               <a:rPr lang="ko-KR" altLang="en-US" smtClean="0"/>
-              <a:t>2022-10-05</a:t>
+              <a:t>2022-10-07</a:t>
             </a:fld>
             <a:endParaRPr lang="ko-KR" altLang="en-US"/>
           </a:p>
@@ -1825,7 +2178,7 @@
           <a:p>
             <a:fld id="{8DCFE445-8268-4AE2-ADD9-AB110B2937CA}" type="datetimeFigureOut">
               <a:rPr lang="ko-KR" altLang="en-US" smtClean="0"/>
-              <a:t>2022-10-05</a:t>
+              <a:t>2022-10-07</a:t>
             </a:fld>
             <a:endParaRPr lang="ko-KR" altLang="en-US"/>
           </a:p>
@@ -1966,7 +2319,7 @@
           <a:p>
             <a:fld id="{8DCFE445-8268-4AE2-ADD9-AB110B2937CA}" type="datetimeFigureOut">
               <a:rPr lang="ko-KR" altLang="en-US" smtClean="0"/>
-              <a:t>2022-10-05</a:t>
+              <a:t>2022-10-07</a:t>
             </a:fld>
             <a:endParaRPr lang="ko-KR" altLang="en-US"/>
           </a:p>
@@ -2079,7 +2432,7 @@
           <a:p>
             <a:fld id="{8DCFE445-8268-4AE2-ADD9-AB110B2937CA}" type="datetimeFigureOut">
               <a:rPr lang="ko-KR" altLang="en-US" smtClean="0"/>
-              <a:t>2022-10-05</a:t>
+              <a:t>2022-10-07</a:t>
             </a:fld>
             <a:endParaRPr lang="ko-KR" altLang="en-US"/>
           </a:p>
@@ -2390,7 +2743,7 @@
           <a:p>
             <a:fld id="{8DCFE445-8268-4AE2-ADD9-AB110B2937CA}" type="datetimeFigureOut">
               <a:rPr lang="ko-KR" altLang="en-US" smtClean="0"/>
-              <a:t>2022-10-05</a:t>
+              <a:t>2022-10-07</a:t>
             </a:fld>
             <a:endParaRPr lang="ko-KR" altLang="en-US"/>
           </a:p>
@@ -2678,7 +3031,7 @@
           <a:p>
             <a:fld id="{8DCFE445-8268-4AE2-ADD9-AB110B2937CA}" type="datetimeFigureOut">
               <a:rPr lang="ko-KR" altLang="en-US" smtClean="0"/>
-              <a:t>2022-10-05</a:t>
+              <a:t>2022-10-07</a:t>
             </a:fld>
             <a:endParaRPr lang="ko-KR" altLang="en-US"/>
           </a:p>
@@ -2919,7 +3272,7 @@
           <a:p>
             <a:fld id="{8DCFE445-8268-4AE2-ADD9-AB110B2937CA}" type="datetimeFigureOut">
               <a:rPr lang="ko-KR" altLang="en-US" smtClean="0"/>
-              <a:t>2022-10-05</a:t>
+              <a:t>2022-10-07</a:t>
             </a:fld>
             <a:endParaRPr lang="ko-KR" altLang="en-US"/>
           </a:p>
@@ -4089,12 +4442,148 @@
           <a:chExt cx="0" cy="0"/>
         </a:xfrm>
       </p:grpSpPr>
+      <p:pic>
+        <p:nvPicPr>
+          <p:cNvPr id="20" name="Picture 19">
+            <a:extLst>
+              <a:ext uri="{FF2B5EF4-FFF2-40B4-BE49-F238E27FC236}">
+                <a16:creationId xmlns:a16="http://schemas.microsoft.com/office/drawing/2014/main" id="{CB6FE215-5FA6-8790-CCE4-8388F56E3887}"/>
+              </a:ext>
+            </a:extLst>
+          </p:cNvPr>
+          <p:cNvPicPr>
+            <a:picLocks noChangeAspect="1"/>
+          </p:cNvPicPr>
+          <p:nvPr/>
+        </p:nvPicPr>
+        <p:blipFill rotWithShape="1">
+          <a:blip r:embed="rId2"/>
+          <a:srcRect l="52923" r="6282"/>
+          <a:stretch/>
+        </p:blipFill>
+        <p:spPr>
+          <a:xfrm>
+            <a:off x="6617327" y="1677983"/>
+            <a:ext cx="4966163" cy="3530944"/>
+          </a:xfrm>
+          <a:prstGeom prst="rect">
+            <a:avLst/>
+          </a:prstGeom>
+        </p:spPr>
+      </p:pic>
+      <p:pic>
+        <p:nvPicPr>
+          <p:cNvPr id="6" name="Picture 5">
+            <a:extLst>
+              <a:ext uri="{FF2B5EF4-FFF2-40B4-BE49-F238E27FC236}">
+                <a16:creationId xmlns:a16="http://schemas.microsoft.com/office/drawing/2014/main" id="{2D650105-84F0-8BE1-645C-31D42CF97552}"/>
+              </a:ext>
+            </a:extLst>
+          </p:cNvPr>
+          <p:cNvPicPr>
+            <a:picLocks noChangeAspect="1"/>
+          </p:cNvPicPr>
+          <p:nvPr/>
+        </p:nvPicPr>
+        <p:blipFill rotWithShape="1">
+          <a:blip r:embed="rId3"/>
+          <a:srcRect l="8257" r="50940"/>
+          <a:stretch/>
+        </p:blipFill>
+        <p:spPr>
+          <a:xfrm>
+            <a:off x="714410" y="1660823"/>
+            <a:ext cx="4974671" cy="3536354"/>
+          </a:xfrm>
+          <a:prstGeom prst="rect">
+            <a:avLst/>
+          </a:prstGeom>
+        </p:spPr>
+      </p:pic>
       <p:sp>
         <p:nvSpPr>
-          <p:cNvPr id="6" name="Oval 5">
-            <a:extLst>
-              <a:ext uri="{FF2B5EF4-FFF2-40B4-BE49-F238E27FC236}">
-                <a16:creationId xmlns:a16="http://schemas.microsoft.com/office/drawing/2014/main" id="{D6B86277-D592-4646-3ADC-E6E7C117D608}"/>
+          <p:cNvPr id="7" name="TextBox 6">
+            <a:extLst>
+              <a:ext uri="{FF2B5EF4-FFF2-40B4-BE49-F238E27FC236}">
+                <a16:creationId xmlns:a16="http://schemas.microsoft.com/office/drawing/2014/main" id="{02E7C496-2DC0-B773-73F4-4BA19CBE5A6B}"/>
+              </a:ext>
+            </a:extLst>
+          </p:cNvPr>
+          <p:cNvSpPr txBox="1"/>
+          <p:nvPr/>
+        </p:nvSpPr>
+        <p:spPr>
+          <a:xfrm>
+            <a:off x="5549352" y="2449246"/>
+            <a:ext cx="1091966" cy="923330"/>
+          </a:xfrm>
+          <a:prstGeom prst="rect">
+            <a:avLst/>
+          </a:prstGeom>
+          <a:noFill/>
+        </p:spPr>
+        <p:txBody>
+          <a:bodyPr wrap="none" rtlCol="0">
+            <a:spAutoFit/>
+          </a:bodyPr>
+          <a:lstStyle/>
+          <a:p>
+            <a:pPr algn="ctr"/>
+            <a:r>
+              <a:rPr lang="ko-KR" altLang="en-US" dirty="0">
+                <a:latin typeface="나눔스퀘어_ac" panose="020B0600000101010101" pitchFamily="50" charset="-127"/>
+                <a:ea typeface="나눔스퀘어_ac" panose="020B0600000101010101" pitchFamily="50" charset="-127"/>
+              </a:rPr>
+              <a:t>중심을</a:t>
+            </a:r>
+            <a:endParaRPr lang="en-US" altLang="ko-KR" dirty="0">
+              <a:latin typeface="나눔스퀘어_ac" panose="020B0600000101010101" pitchFamily="50" charset="-127"/>
+              <a:ea typeface="나눔스퀘어_ac" panose="020B0600000101010101" pitchFamily="50" charset="-127"/>
+            </a:endParaRPr>
+          </a:p>
+          <a:p>
+            <a:pPr algn="ctr"/>
+            <a:r>
+              <a:rPr lang="en-US" altLang="ko-KR" dirty="0">
+                <a:latin typeface="나눔스퀘어_ac" panose="020B0600000101010101" pitchFamily="50" charset="-127"/>
+                <a:ea typeface="나눔스퀘어_ac" panose="020B0600000101010101" pitchFamily="50" charset="-127"/>
+              </a:rPr>
+              <a:t>(0,0)</a:t>
+            </a:r>
+            <a:r>
+              <a:rPr lang="ko-KR" altLang="en-US" dirty="0">
+                <a:latin typeface="나눔스퀘어_ac" panose="020B0600000101010101" pitchFamily="50" charset="-127"/>
+                <a:ea typeface="나눔스퀘어_ac" panose="020B0600000101010101" pitchFamily="50" charset="-127"/>
+              </a:rPr>
+              <a:t>으로</a:t>
+            </a:r>
+            <a:endParaRPr lang="en-US" altLang="ko-KR" dirty="0">
+              <a:latin typeface="나눔스퀘어_ac" panose="020B0600000101010101" pitchFamily="50" charset="-127"/>
+              <a:ea typeface="나눔스퀘어_ac" panose="020B0600000101010101" pitchFamily="50" charset="-127"/>
+            </a:endParaRPr>
+          </a:p>
+          <a:p>
+            <a:pPr algn="ctr"/>
+            <a:r>
+              <a:rPr lang="ko-KR" altLang="en-US" dirty="0">
+                <a:latin typeface="나눔스퀘어_ac" panose="020B0600000101010101" pitchFamily="50" charset="-127"/>
+                <a:ea typeface="나눔스퀘어_ac" panose="020B0600000101010101" pitchFamily="50" charset="-127"/>
+              </a:rPr>
+              <a:t>이동</a:t>
+            </a:r>
+            <a:endParaRPr lang="en-US" altLang="ko-KR" dirty="0">
+              <a:latin typeface="나눔스퀘어_ac" panose="020B0600000101010101" pitchFamily="50" charset="-127"/>
+              <a:ea typeface="나눔스퀘어_ac" panose="020B0600000101010101" pitchFamily="50" charset="-127"/>
+            </a:endParaRPr>
+          </a:p>
+        </p:txBody>
+      </p:sp>
+      <p:sp>
+        <p:nvSpPr>
+          <p:cNvPr id="8" name="화살표: 오른쪽 8">
+            <a:extLst>
+              <a:ext uri="{FF2B5EF4-FFF2-40B4-BE49-F238E27FC236}">
+                <a16:creationId xmlns:a16="http://schemas.microsoft.com/office/drawing/2014/main" id="{932DF55D-9438-2F60-AE6F-F3840B920C0E}"/>
               </a:ext>
             </a:extLst>
           </p:cNvPr>
@@ -4103,7 +4592,53 @@
         </p:nvSpPr>
         <p:spPr>
           <a:xfrm>
-            <a:off x="3951852" y="3285752"/>
+            <a:off x="5643057" y="3240892"/>
+            <a:ext cx="932661" cy="461972"/>
+          </a:xfrm>
+          <a:prstGeom prst="rightArrow">
+            <a:avLst/>
+          </a:prstGeom>
+        </p:spPr>
+        <p:style>
+          <a:lnRef idx="2">
+            <a:schemeClr val="accent1">
+              <a:shade val="50000"/>
+            </a:schemeClr>
+          </a:lnRef>
+          <a:fillRef idx="1">
+            <a:schemeClr val="accent1"/>
+          </a:fillRef>
+          <a:effectRef idx="0">
+            <a:schemeClr val="accent1"/>
+          </a:effectRef>
+          <a:fontRef idx="minor">
+            <a:schemeClr val="lt1"/>
+          </a:fontRef>
+        </p:style>
+        <p:txBody>
+          <a:bodyPr rtlCol="0" anchor="ctr"/>
+          <a:lstStyle/>
+          <a:p>
+            <a:pPr algn="ctr"/>
+            <a:endParaRPr lang="ko-KR" altLang="en-US"/>
+          </a:p>
+        </p:txBody>
+      </p:sp>
+      <p:sp>
+        <p:nvSpPr>
+          <p:cNvPr id="9" name="Oval 8">
+            <a:extLst>
+              <a:ext uri="{FF2B5EF4-FFF2-40B4-BE49-F238E27FC236}">
+                <a16:creationId xmlns:a16="http://schemas.microsoft.com/office/drawing/2014/main" id="{4734D4AB-860E-B271-2FF4-326CCF286A28}"/>
+              </a:ext>
+            </a:extLst>
+          </p:cNvPr>
+          <p:cNvSpPr/>
+          <p:nvPr/>
+        </p:nvSpPr>
+        <p:spPr>
+          <a:xfrm>
+            <a:off x="1120515" y="3290148"/>
             <a:ext cx="166505" cy="164857"/>
           </a:xfrm>
           <a:prstGeom prst="ellipse">
@@ -4143,10 +4678,10 @@
       </p:sp>
       <p:sp>
         <p:nvSpPr>
-          <p:cNvPr id="7" name="Oval 6">
-            <a:extLst>
-              <a:ext uri="{FF2B5EF4-FFF2-40B4-BE49-F238E27FC236}">
-                <a16:creationId xmlns:a16="http://schemas.microsoft.com/office/drawing/2014/main" id="{C00D30AA-62BE-D1C7-37E3-F30DCAF615B4}"/>
+          <p:cNvPr id="10" name="Oval 9">
+            <a:extLst>
+              <a:ext uri="{FF2B5EF4-FFF2-40B4-BE49-F238E27FC236}">
+                <a16:creationId xmlns:a16="http://schemas.microsoft.com/office/drawing/2014/main" id="{0C9D1AAD-0125-A1E4-D18B-6D4BAF8D6277}"/>
               </a:ext>
             </a:extLst>
           </p:cNvPr>
@@ -4155,7 +4690,7 @@
         </p:nvSpPr>
         <p:spPr>
           <a:xfrm>
-            <a:off x="6108700" y="5044702"/>
+            <a:off x="3243807" y="4864540"/>
             <a:ext cx="166505" cy="164857"/>
           </a:xfrm>
           <a:prstGeom prst="ellipse">
@@ -4193,40 +4728,306 @@
           </a:p>
         </p:txBody>
       </p:sp>
-      <p:pic>
-        <p:nvPicPr>
-          <p:cNvPr id="9" name="Picture 8">
-            <a:extLst>
-              <a:ext uri="{FF2B5EF4-FFF2-40B4-BE49-F238E27FC236}">
-                <a16:creationId xmlns:a16="http://schemas.microsoft.com/office/drawing/2014/main" id="{F69FA569-2EA3-EA01-44E5-422E03EB9E79}"/>
-              </a:ext>
-            </a:extLst>
-          </p:cNvPr>
-          <p:cNvPicPr>
-            <a:picLocks noChangeAspect="1"/>
-          </p:cNvPicPr>
+      <p:sp>
+        <p:nvSpPr>
+          <p:cNvPr id="11" name="Oval 10">
+            <a:extLst>
+              <a:ext uri="{FF2B5EF4-FFF2-40B4-BE49-F238E27FC236}">
+                <a16:creationId xmlns:a16="http://schemas.microsoft.com/office/drawing/2014/main" id="{BCB16842-08EA-76B3-F968-D6CF7B5AA06A}"/>
+              </a:ext>
+            </a:extLst>
+          </p:cNvPr>
+          <p:cNvSpPr/>
           <p:nvPr/>
-        </p:nvPicPr>
-        <p:blipFill>
-          <a:blip r:embed="rId2"/>
-          <a:stretch>
-            <a:fillRect/>
-          </a:stretch>
-        </p:blipFill>
+        </p:nvSpPr>
         <p:spPr>
           <a:xfrm>
-            <a:off x="3429000" y="1428750"/>
-            <a:ext cx="5334000" cy="4000500"/>
+            <a:off x="6945533" y="3290148"/>
+            <a:ext cx="166505" cy="164857"/>
           </a:xfrm>
-          <a:prstGeom prst="rect">
+          <a:prstGeom prst="ellipse">
             <a:avLst/>
           </a:prstGeom>
+          <a:noFill/>
+          <a:ln w="19050">
+            <a:solidFill>
+              <a:srgbClr val="FF0000"/>
+            </a:solidFill>
+          </a:ln>
         </p:spPr>
-      </p:pic>
+        <p:style>
+          <a:lnRef idx="2">
+            <a:schemeClr val="accent1">
+              <a:shade val="50000"/>
+            </a:schemeClr>
+          </a:lnRef>
+          <a:fillRef idx="1">
+            <a:schemeClr val="accent1"/>
+          </a:fillRef>
+          <a:effectRef idx="0">
+            <a:schemeClr val="accent1"/>
+          </a:effectRef>
+          <a:fontRef idx="minor">
+            <a:schemeClr val="lt1"/>
+          </a:fontRef>
+        </p:style>
+        <p:txBody>
+          <a:bodyPr rtlCol="0" anchor="ctr"/>
+          <a:lstStyle/>
+          <a:p>
+            <a:pPr algn="ctr"/>
+            <a:endParaRPr lang="en-US"/>
+          </a:p>
+        </p:txBody>
+      </p:sp>
+      <p:sp>
+        <p:nvSpPr>
+          <p:cNvPr id="12" name="Oval 11">
+            <a:extLst>
+              <a:ext uri="{FF2B5EF4-FFF2-40B4-BE49-F238E27FC236}">
+                <a16:creationId xmlns:a16="http://schemas.microsoft.com/office/drawing/2014/main" id="{0731BD37-58A0-E5B6-74B5-8191D94CE7F5}"/>
+              </a:ext>
+            </a:extLst>
+          </p:cNvPr>
+          <p:cNvSpPr/>
+          <p:nvPr/>
+        </p:nvSpPr>
+        <p:spPr>
+          <a:xfrm>
+            <a:off x="9068825" y="4864540"/>
+            <a:ext cx="166505" cy="164857"/>
+          </a:xfrm>
+          <a:prstGeom prst="ellipse">
+            <a:avLst/>
+          </a:prstGeom>
+          <a:noFill/>
+          <a:ln w="19050">
+            <a:solidFill>
+              <a:srgbClr val="FF0000"/>
+            </a:solidFill>
+          </a:ln>
+        </p:spPr>
+        <p:style>
+          <a:lnRef idx="2">
+            <a:schemeClr val="accent1">
+              <a:shade val="50000"/>
+            </a:schemeClr>
+          </a:lnRef>
+          <a:fillRef idx="1">
+            <a:schemeClr val="accent1"/>
+          </a:fillRef>
+          <a:effectRef idx="0">
+            <a:schemeClr val="accent1"/>
+          </a:effectRef>
+          <a:fontRef idx="minor">
+            <a:schemeClr val="lt1"/>
+          </a:fontRef>
+        </p:style>
+        <p:txBody>
+          <a:bodyPr rtlCol="0" anchor="ctr"/>
+          <a:lstStyle/>
+          <a:p>
+            <a:pPr algn="ctr"/>
+            <a:endParaRPr lang="en-US"/>
+          </a:p>
+        </p:txBody>
+      </p:sp>
+      <mc:AlternateContent xmlns:mc="http://schemas.openxmlformats.org/markup-compatibility/2006">
+        <mc:Choice xmlns:a14="http://schemas.microsoft.com/office/drawing/2010/main" Requires="a14">
+          <p:sp>
+            <p:nvSpPr>
+              <p:cNvPr id="16" name="TextBox 15">
+                <a:extLst>
+                  <a:ext uri="{FF2B5EF4-FFF2-40B4-BE49-F238E27FC236}">
+                    <a16:creationId xmlns:a16="http://schemas.microsoft.com/office/drawing/2014/main" id="{7E808D5F-8CF5-5A11-0DAD-96E33228A2A1}"/>
+                  </a:ext>
+                </a:extLst>
+              </p:cNvPr>
+              <p:cNvSpPr txBox="1"/>
+              <p:nvPr/>
+            </p:nvSpPr>
+            <p:spPr>
+              <a:xfrm>
+                <a:off x="4218021" y="3690280"/>
+                <a:ext cx="1122166" cy="1107996"/>
+              </a:xfrm>
+              <a:prstGeom prst="rect">
+                <a:avLst/>
+              </a:prstGeom>
+              <a:noFill/>
+            </p:spPr>
+            <p:txBody>
+              <a:bodyPr wrap="none" rtlCol="0">
+                <a:spAutoFit/>
+              </a:bodyPr>
+              <a:lstStyle/>
+              <a:p>
+                <a14:m>
+                  <m:oMathPara xmlns:m="http://schemas.openxmlformats.org/officeDocument/2006/math">
+                    <m:oMathParaPr>
+                      <m:jc m:val="centerGroup"/>
+                    </m:oMathParaPr>
+                    <m:oMath xmlns:m="http://schemas.openxmlformats.org/officeDocument/2006/math">
+                      <m:r>
+                        <a:rPr lang="en-US" sz="6600" i="1" smtClean="0">
+                          <a:latin typeface="Cambria Math" panose="02040503050406030204" pitchFamily="18" charset="0"/>
+                          <a:ea typeface="Cambria Math" panose="02040503050406030204" pitchFamily="18" charset="0"/>
+                        </a:rPr>
+                        <m:t>𝒟</m:t>
+                      </m:r>
+                    </m:oMath>
+                  </m:oMathPara>
+                </a14:m>
+                <a:endParaRPr lang="en-US" sz="6600" dirty="0"/>
+              </a:p>
+            </p:txBody>
+          </p:sp>
+        </mc:Choice>
+        <mc:Fallback>
+          <p:sp>
+            <p:nvSpPr>
+              <p:cNvPr id="16" name="TextBox 15">
+                <a:extLst>
+                  <a:ext uri="{FF2B5EF4-FFF2-40B4-BE49-F238E27FC236}">
+                    <a16:creationId xmlns:a16="http://schemas.microsoft.com/office/drawing/2014/main" id="{7E808D5F-8CF5-5A11-0DAD-96E33228A2A1}"/>
+                  </a:ext>
+                </a:extLst>
+              </p:cNvPr>
+              <p:cNvSpPr txBox="1">
+                <a:spLocks noRot="1" noChangeAspect="1" noMove="1" noResize="1" noEditPoints="1" noAdjustHandles="1" noChangeArrowheads="1" noChangeShapeType="1" noTextEdit="1"/>
+              </p:cNvSpPr>
+              <p:nvPr/>
+            </p:nvSpPr>
+            <p:spPr>
+              <a:xfrm>
+                <a:off x="4218021" y="3690280"/>
+                <a:ext cx="1122166" cy="1107996"/>
+              </a:xfrm>
+              <a:prstGeom prst="rect">
+                <a:avLst/>
+              </a:prstGeom>
+              <a:blipFill>
+                <a:blip r:embed="rId4"/>
+                <a:stretch>
+                  <a:fillRect/>
+                </a:stretch>
+              </a:blipFill>
+            </p:spPr>
+            <p:txBody>
+              <a:bodyPr/>
+              <a:lstStyle/>
+              <a:p>
+                <a:r>
+                  <a:rPr lang="en-US">
+                    <a:noFill/>
+                  </a:rPr>
+                  <a:t> </a:t>
+                </a:r>
+              </a:p>
+            </p:txBody>
+          </p:sp>
+        </mc:Fallback>
+      </mc:AlternateContent>
+      <mc:AlternateContent xmlns:mc="http://schemas.openxmlformats.org/markup-compatibility/2006">
+        <mc:Choice xmlns:a14="http://schemas.microsoft.com/office/drawing/2010/main" Requires="a14">
+          <p:sp>
+            <p:nvSpPr>
+              <p:cNvPr id="17" name="TextBox 16">
+                <a:extLst>
+                  <a:ext uri="{FF2B5EF4-FFF2-40B4-BE49-F238E27FC236}">
+                    <a16:creationId xmlns:a16="http://schemas.microsoft.com/office/drawing/2014/main" id="{6B55B6A2-4381-AE54-AA8A-57C0857D9EF7}"/>
+                  </a:ext>
+                </a:extLst>
+              </p:cNvPr>
+              <p:cNvSpPr txBox="1"/>
+              <p:nvPr/>
+            </p:nvSpPr>
+            <p:spPr>
+              <a:xfrm>
+                <a:off x="10031446" y="3690280"/>
+                <a:ext cx="1050095" cy="1107996"/>
+              </a:xfrm>
+              <a:prstGeom prst="rect">
+                <a:avLst/>
+              </a:prstGeom>
+              <a:noFill/>
+            </p:spPr>
+            <p:txBody>
+              <a:bodyPr wrap="none" rtlCol="0">
+                <a:spAutoFit/>
+              </a:bodyPr>
+              <a:lstStyle/>
+              <a:p>
+                <a14:m>
+                  <m:oMathPara xmlns:m="http://schemas.openxmlformats.org/officeDocument/2006/math">
+                    <m:oMathParaPr>
+                      <m:jc m:val="centerGroup"/>
+                    </m:oMathParaPr>
+                    <m:oMath xmlns:m="http://schemas.openxmlformats.org/officeDocument/2006/math">
+                      <m:r>
+                        <a:rPr lang="en-US" sz="6600" b="0" i="1" smtClean="0">
+                          <a:latin typeface="Cambria Math" panose="02040503050406030204" pitchFamily="18" charset="0"/>
+                          <a:ea typeface="Cambria Math" panose="02040503050406030204" pitchFamily="18" charset="0"/>
+                        </a:rPr>
+                        <m:t>𝑋</m:t>
+                      </m:r>
+                    </m:oMath>
+                  </m:oMathPara>
+                </a14:m>
+                <a:endParaRPr lang="en-US" sz="6600" dirty="0"/>
+              </a:p>
+            </p:txBody>
+          </p:sp>
+        </mc:Choice>
+        <mc:Fallback>
+          <p:sp>
+            <p:nvSpPr>
+              <p:cNvPr id="17" name="TextBox 16">
+                <a:extLst>
+                  <a:ext uri="{FF2B5EF4-FFF2-40B4-BE49-F238E27FC236}">
+                    <a16:creationId xmlns:a16="http://schemas.microsoft.com/office/drawing/2014/main" id="{6B55B6A2-4381-AE54-AA8A-57C0857D9EF7}"/>
+                  </a:ext>
+                </a:extLst>
+              </p:cNvPr>
+              <p:cNvSpPr txBox="1">
+                <a:spLocks noRot="1" noChangeAspect="1" noMove="1" noResize="1" noEditPoints="1" noAdjustHandles="1" noChangeArrowheads="1" noChangeShapeType="1" noTextEdit="1"/>
+              </p:cNvSpPr>
+              <p:nvPr/>
+            </p:nvSpPr>
+            <p:spPr>
+              <a:xfrm>
+                <a:off x="10031446" y="3690280"/>
+                <a:ext cx="1050095" cy="1107996"/>
+              </a:xfrm>
+              <a:prstGeom prst="rect">
+                <a:avLst/>
+              </a:prstGeom>
+              <a:blipFill>
+                <a:blip r:embed="rId5"/>
+                <a:stretch>
+                  <a:fillRect/>
+                </a:stretch>
+              </a:blipFill>
+            </p:spPr>
+            <p:txBody>
+              <a:bodyPr/>
+              <a:lstStyle/>
+              <a:p>
+                <a:r>
+                  <a:rPr lang="en-US">
+                    <a:noFill/>
+                  </a:rPr>
+                  <a:t> </a:t>
+                </a:r>
+              </a:p>
+            </p:txBody>
+          </p:sp>
+        </mc:Fallback>
+      </mc:AlternateContent>
     </p:spTree>
     <p:extLst>
       <p:ext uri="{BB962C8B-B14F-4D97-AF65-F5344CB8AC3E}">
-        <p14:creationId xmlns:p14="http://schemas.microsoft.com/office/powerpoint/2010/main" val="3777877962"/>
+        <p14:creationId xmlns:p14="http://schemas.microsoft.com/office/powerpoint/2010/main" val="669677370"/>
       </p:ext>
     </p:extLst>
   </p:cSld>
@@ -4529,6 +5330,644 @@
     <p:extLst>
       <p:ext uri="{BB962C8B-B14F-4D97-AF65-F5344CB8AC3E}">
         <p14:creationId xmlns:p14="http://schemas.microsoft.com/office/powerpoint/2010/main" val="1579494600"/>
+      </p:ext>
+    </p:extLst>
+  </p:cSld>
+  <p:clrMapOvr>
+    <a:masterClrMapping/>
+  </p:clrMapOvr>
+</p:sld>
+</file>
+
+<file path=ppt/slides/slide12.xml><?xml version="1.0" encoding="utf-8"?>
+<p:sld xmlns:a="http://schemas.openxmlformats.org/drawingml/2006/main" xmlns:r="http://schemas.openxmlformats.org/officeDocument/2006/relationships" xmlns:p="http://schemas.openxmlformats.org/presentationml/2006/main">
+  <p:cSld>
+    <p:spTree>
+      <p:nvGrpSpPr>
+        <p:cNvPr id="1" name=""/>
+        <p:cNvGrpSpPr/>
+        <p:nvPr/>
+      </p:nvGrpSpPr>
+      <p:grpSpPr>
+        <a:xfrm>
+          <a:off x="0" y="0"/>
+          <a:ext cx="0" cy="0"/>
+          <a:chOff x="0" y="0"/>
+          <a:chExt cx="0" cy="0"/>
+        </a:xfrm>
+      </p:grpSpPr>
+      <p:cxnSp>
+        <p:nvCxnSpPr>
+          <p:cNvPr id="11" name="직선 화살표 연결선 10">
+            <a:extLst>
+              <a:ext uri="{FF2B5EF4-FFF2-40B4-BE49-F238E27FC236}">
+                <a16:creationId xmlns:a16="http://schemas.microsoft.com/office/drawing/2014/main" id="{950D73B3-EA7F-EF92-A0A9-39C12EF436B5}"/>
+              </a:ext>
+            </a:extLst>
+          </p:cNvPr>
+          <p:cNvCxnSpPr/>
+          <p:nvPr/>
+        </p:nvCxnSpPr>
+        <p:spPr>
+          <a:xfrm>
+            <a:off x="1390651" y="3333750"/>
+            <a:ext cx="3571875" cy="0"/>
+          </a:xfrm>
+          <a:prstGeom prst="straightConnector1">
+            <a:avLst/>
+          </a:prstGeom>
+          <a:ln w="28575">
+            <a:solidFill>
+              <a:schemeClr val="bg1">
+                <a:lumMod val="85000"/>
+              </a:schemeClr>
+            </a:solidFill>
+            <a:tailEnd type="triangle"/>
+          </a:ln>
+        </p:spPr>
+        <p:style>
+          <a:lnRef idx="1">
+            <a:schemeClr val="accent1"/>
+          </a:lnRef>
+          <a:fillRef idx="0">
+            <a:schemeClr val="accent1"/>
+          </a:fillRef>
+          <a:effectRef idx="0">
+            <a:schemeClr val="accent1"/>
+          </a:effectRef>
+          <a:fontRef idx="minor">
+            <a:schemeClr val="tx1"/>
+          </a:fontRef>
+        </p:style>
+      </p:cxnSp>
+      <p:cxnSp>
+        <p:nvCxnSpPr>
+          <p:cNvPr id="12" name="직선 화살표 연결선 11">
+            <a:extLst>
+              <a:ext uri="{FF2B5EF4-FFF2-40B4-BE49-F238E27FC236}">
+                <a16:creationId xmlns:a16="http://schemas.microsoft.com/office/drawing/2014/main" id="{2963AE3A-CBA8-89DD-7326-E1DA3FCDAF16}"/>
+              </a:ext>
+            </a:extLst>
+          </p:cNvPr>
+          <p:cNvCxnSpPr>
+            <a:cxnSpLocks/>
+          </p:cNvCxnSpPr>
+          <p:nvPr/>
+        </p:nvCxnSpPr>
+        <p:spPr>
+          <a:xfrm rot="16200000">
+            <a:off x="1362076" y="3162300"/>
+            <a:ext cx="3571875" cy="0"/>
+          </a:xfrm>
+          <a:prstGeom prst="straightConnector1">
+            <a:avLst/>
+          </a:prstGeom>
+          <a:ln w="28575">
+            <a:solidFill>
+              <a:schemeClr val="bg1">
+                <a:lumMod val="85000"/>
+              </a:schemeClr>
+            </a:solidFill>
+            <a:tailEnd type="triangle"/>
+          </a:ln>
+        </p:spPr>
+        <p:style>
+          <a:lnRef idx="1">
+            <a:schemeClr val="accent1"/>
+          </a:lnRef>
+          <a:fillRef idx="0">
+            <a:schemeClr val="accent1"/>
+          </a:fillRef>
+          <a:effectRef idx="0">
+            <a:schemeClr val="accent1"/>
+          </a:effectRef>
+          <a:fontRef idx="minor">
+            <a:schemeClr val="tx1"/>
+          </a:fontRef>
+        </p:style>
+      </p:cxnSp>
+      <p:pic>
+        <p:nvPicPr>
+          <p:cNvPr id="5" name="그림 4">
+            <a:extLst>
+              <a:ext uri="{FF2B5EF4-FFF2-40B4-BE49-F238E27FC236}">
+                <a16:creationId xmlns:a16="http://schemas.microsoft.com/office/drawing/2014/main" id="{1CEB67D3-9F57-A855-BC0E-E595E3D65249}"/>
+              </a:ext>
+            </a:extLst>
+          </p:cNvPr>
+          <p:cNvPicPr>
+            <a:picLocks noChangeAspect="1"/>
+          </p:cNvPicPr>
+          <p:nvPr/>
+        </p:nvPicPr>
+        <p:blipFill rotWithShape="1">
+          <a:blip r:embed="rId2"/>
+          <a:srcRect l="23203" t="29300" r="63047" b="33097"/>
+          <a:stretch/>
+        </p:blipFill>
+        <p:spPr>
+          <a:xfrm>
+            <a:off x="2345825" y="2390775"/>
+            <a:ext cx="1676400" cy="1885950"/>
+          </a:xfrm>
+          <a:prstGeom prst="rect">
+            <a:avLst/>
+          </a:prstGeom>
+        </p:spPr>
+      </p:pic>
+      <mc:AlternateContent xmlns:mc="http://schemas.openxmlformats.org/markup-compatibility/2006">
+        <mc:Choice xmlns:a14="http://schemas.microsoft.com/office/drawing/2010/main" Requires="a14">
+          <p:sp>
+            <p:nvSpPr>
+              <p:cNvPr id="7" name="TextBox 6">
+                <a:extLst>
+                  <a:ext uri="{FF2B5EF4-FFF2-40B4-BE49-F238E27FC236}">
+                    <a16:creationId xmlns:a16="http://schemas.microsoft.com/office/drawing/2014/main" id="{18C68052-EB6B-7ED6-8C2A-3BBA6F5825E3}"/>
+                  </a:ext>
+                </a:extLst>
+              </p:cNvPr>
+              <p:cNvSpPr txBox="1"/>
+              <p:nvPr/>
+            </p:nvSpPr>
+            <p:spPr>
+              <a:xfrm>
+                <a:off x="1854229" y="981908"/>
+                <a:ext cx="2587568" cy="369332"/>
+              </a:xfrm>
+              <a:prstGeom prst="rect">
+                <a:avLst/>
+              </a:prstGeom>
+              <a:noFill/>
+            </p:spPr>
+            <p:txBody>
+              <a:bodyPr wrap="none" rtlCol="0">
+                <a:spAutoFit/>
+              </a:bodyPr>
+              <a:lstStyle/>
+              <a:p>
+                <a:r>
+                  <a:rPr lang="en-US" altLang="ko-KR" dirty="0">
+                    <a:latin typeface="나눔스퀘어_ac" panose="020B0600000101010101" pitchFamily="50" charset="-127"/>
+                    <a:ea typeface="나눔스퀘어_ac" panose="020B0600000101010101" pitchFamily="50" charset="-127"/>
+                  </a:rPr>
+                  <a:t>“</a:t>
+                </a:r>
+                <a:r>
+                  <a:rPr lang="ko-KR" altLang="en-US" dirty="0">
+                    <a:latin typeface="나눔스퀘어_ac" panose="020B0600000101010101" pitchFamily="50" charset="-127"/>
+                    <a:ea typeface="나눔스퀘어_ac" panose="020B0600000101010101" pitchFamily="50" charset="-127"/>
+                  </a:rPr>
+                  <a:t>원시 형태</a:t>
+                </a:r>
+                <a:r>
+                  <a:rPr lang="en-US" altLang="ko-KR" dirty="0">
+                    <a:latin typeface="나눔스퀘어_ac" panose="020B0600000101010101" pitchFamily="50" charset="-127"/>
+                    <a:ea typeface="나눔스퀘어_ac" panose="020B0600000101010101" pitchFamily="50" charset="-127"/>
+                  </a:rPr>
+                  <a:t>”</a:t>
+                </a:r>
+                <a:r>
+                  <a:rPr lang="ko-KR" altLang="en-US" dirty="0">
+                    <a:latin typeface="나눔스퀘어_ac" panose="020B0600000101010101" pitchFamily="50" charset="-127"/>
+                    <a:ea typeface="나눔스퀘어_ac" panose="020B0600000101010101" pitchFamily="50" charset="-127"/>
+                  </a:rPr>
+                  <a:t>의 데이터 </a:t>
+                </a:r>
+                <a14:m>
+                  <m:oMath xmlns:m="http://schemas.openxmlformats.org/officeDocument/2006/math">
+                    <m:r>
+                      <a:rPr lang="en-US" altLang="ko-KR" i="1" dirty="0" smtClean="0">
+                        <a:latin typeface="Cambria Math" panose="02040503050406030204" pitchFamily="18" charset="0"/>
+                        <a:ea typeface="나눔스퀘어_ac" panose="020B0600000101010101" pitchFamily="50" charset="-127"/>
+                      </a:rPr>
+                      <m:t>𝑍</m:t>
+                    </m:r>
+                  </m:oMath>
+                </a14:m>
+                <a:endParaRPr lang="en-US" altLang="ko-KR" dirty="0">
+                  <a:latin typeface="나눔스퀘어_ac" panose="020B0600000101010101" pitchFamily="50" charset="-127"/>
+                  <a:ea typeface="나눔스퀘어_ac" panose="020B0600000101010101" pitchFamily="50" charset="-127"/>
+                </a:endParaRPr>
+              </a:p>
+            </p:txBody>
+          </p:sp>
+        </mc:Choice>
+        <mc:Fallback>
+          <p:sp>
+            <p:nvSpPr>
+              <p:cNvPr id="7" name="TextBox 6">
+                <a:extLst>
+                  <a:ext uri="{FF2B5EF4-FFF2-40B4-BE49-F238E27FC236}">
+                    <a16:creationId xmlns:a16="http://schemas.microsoft.com/office/drawing/2014/main" id="{18C68052-EB6B-7ED6-8C2A-3BBA6F5825E3}"/>
+                  </a:ext>
+                </a:extLst>
+              </p:cNvPr>
+              <p:cNvSpPr txBox="1">
+                <a:spLocks noRot="1" noChangeAspect="1" noMove="1" noResize="1" noEditPoints="1" noAdjustHandles="1" noChangeArrowheads="1" noChangeShapeType="1" noTextEdit="1"/>
+              </p:cNvSpPr>
+              <p:nvPr/>
+            </p:nvSpPr>
+            <p:spPr>
+              <a:xfrm>
+                <a:off x="1854229" y="981908"/>
+                <a:ext cx="2587568" cy="369332"/>
+              </a:xfrm>
+              <a:prstGeom prst="rect">
+                <a:avLst/>
+              </a:prstGeom>
+              <a:blipFill>
+                <a:blip r:embed="rId3"/>
+                <a:stretch>
+                  <a:fillRect l="-1882" t="-8197" b="-24590"/>
+                </a:stretch>
+              </a:blipFill>
+            </p:spPr>
+            <p:txBody>
+              <a:bodyPr/>
+              <a:lstStyle/>
+              <a:p>
+                <a:r>
+                  <a:rPr lang="en-US">
+                    <a:noFill/>
+                  </a:rPr>
+                  <a:t> </a:t>
+                </a:r>
+              </a:p>
+            </p:txBody>
+          </p:sp>
+        </mc:Fallback>
+      </mc:AlternateContent>
+      <mc:AlternateContent xmlns:mc="http://schemas.openxmlformats.org/markup-compatibility/2006">
+        <mc:Choice xmlns:a14="http://schemas.microsoft.com/office/drawing/2010/main" Requires="a14">
+          <p:sp>
+            <p:nvSpPr>
+              <p:cNvPr id="8" name="TextBox 7">
+                <a:extLst>
+                  <a:ext uri="{FF2B5EF4-FFF2-40B4-BE49-F238E27FC236}">
+                    <a16:creationId xmlns:a16="http://schemas.microsoft.com/office/drawing/2014/main" id="{846D1179-5BF6-38AF-12EC-D71228FE4D4D}"/>
+                  </a:ext>
+                </a:extLst>
+              </p:cNvPr>
+              <p:cNvSpPr txBox="1"/>
+              <p:nvPr/>
+            </p:nvSpPr>
+            <p:spPr>
+              <a:xfrm>
+                <a:off x="5077559" y="2471470"/>
+                <a:ext cx="1955985" cy="369332"/>
+              </a:xfrm>
+              <a:prstGeom prst="rect">
+                <a:avLst/>
+              </a:prstGeom>
+              <a:noFill/>
+            </p:spPr>
+            <p:txBody>
+              <a:bodyPr wrap="none" rtlCol="0">
+                <a:spAutoFit/>
+              </a:bodyPr>
+              <a:lstStyle/>
+              <a:p>
+                <a:r>
+                  <a:rPr lang="ko-KR" altLang="en-US" dirty="0">
+                    <a:latin typeface="나눔스퀘어_ac" panose="020B0600000101010101" pitchFamily="50" charset="-127"/>
+                    <a:ea typeface="나눔스퀘어_ac" panose="020B0600000101010101" pitchFamily="50" charset="-127"/>
+                  </a:rPr>
+                  <a:t>어떤 선형 변환 </a:t>
+                </a:r>
+                <a14:m>
+                  <m:oMath xmlns:m="http://schemas.openxmlformats.org/officeDocument/2006/math">
+                    <m:r>
+                      <a:rPr lang="en-US" altLang="ko-KR" i="1" dirty="0" smtClean="0">
+                        <a:latin typeface="Cambria Math" panose="02040503050406030204" pitchFamily="18" charset="0"/>
+                        <a:ea typeface="나눔스퀘어_ac" panose="020B0600000101010101" pitchFamily="50" charset="-127"/>
+                      </a:rPr>
+                      <m:t>𝑅</m:t>
+                    </m:r>
+                  </m:oMath>
+                </a14:m>
+                <a:endParaRPr lang="en-US" altLang="ko-KR" dirty="0">
+                  <a:latin typeface="나눔스퀘어_ac" panose="020B0600000101010101" pitchFamily="50" charset="-127"/>
+                  <a:ea typeface="나눔스퀘어_ac" panose="020B0600000101010101" pitchFamily="50" charset="-127"/>
+                </a:endParaRPr>
+              </a:p>
+            </p:txBody>
+          </p:sp>
+        </mc:Choice>
+        <mc:Fallback>
+          <p:sp>
+            <p:nvSpPr>
+              <p:cNvPr id="8" name="TextBox 7">
+                <a:extLst>
+                  <a:ext uri="{FF2B5EF4-FFF2-40B4-BE49-F238E27FC236}">
+                    <a16:creationId xmlns:a16="http://schemas.microsoft.com/office/drawing/2014/main" id="{846D1179-5BF6-38AF-12EC-D71228FE4D4D}"/>
+                  </a:ext>
+                </a:extLst>
+              </p:cNvPr>
+              <p:cNvSpPr txBox="1">
+                <a:spLocks noRot="1" noChangeAspect="1" noMove="1" noResize="1" noEditPoints="1" noAdjustHandles="1" noChangeArrowheads="1" noChangeShapeType="1" noTextEdit="1"/>
+              </p:cNvSpPr>
+              <p:nvPr/>
+            </p:nvSpPr>
+            <p:spPr>
+              <a:xfrm>
+                <a:off x="5077559" y="2471470"/>
+                <a:ext cx="1955985" cy="369332"/>
+              </a:xfrm>
+              <a:prstGeom prst="rect">
+                <a:avLst/>
+              </a:prstGeom>
+              <a:blipFill>
+                <a:blip r:embed="rId4"/>
+                <a:stretch>
+                  <a:fillRect l="-2804" t="-8197" b="-24590"/>
+                </a:stretch>
+              </a:blipFill>
+            </p:spPr>
+            <p:txBody>
+              <a:bodyPr/>
+              <a:lstStyle/>
+              <a:p>
+                <a:r>
+                  <a:rPr lang="en-US">
+                    <a:noFill/>
+                  </a:rPr>
+                  <a:t> </a:t>
+                </a:r>
+              </a:p>
+            </p:txBody>
+          </p:sp>
+        </mc:Fallback>
+      </mc:AlternateContent>
+      <p:sp>
+        <p:nvSpPr>
+          <p:cNvPr id="9" name="화살표: 오른쪽 8">
+            <a:extLst>
+              <a:ext uri="{FF2B5EF4-FFF2-40B4-BE49-F238E27FC236}">
+                <a16:creationId xmlns:a16="http://schemas.microsoft.com/office/drawing/2014/main" id="{D92CA6D8-5537-4D39-89E2-FE4AFD80E982}"/>
+              </a:ext>
+            </a:extLst>
+          </p:cNvPr>
+          <p:cNvSpPr/>
+          <p:nvPr/>
+        </p:nvSpPr>
+        <p:spPr>
+          <a:xfrm>
+            <a:off x="5460499" y="2871778"/>
+            <a:ext cx="932661" cy="461972"/>
+          </a:xfrm>
+          <a:prstGeom prst="rightArrow">
+            <a:avLst/>
+          </a:prstGeom>
+        </p:spPr>
+        <p:style>
+          <a:lnRef idx="2">
+            <a:schemeClr val="accent1">
+              <a:shade val="50000"/>
+            </a:schemeClr>
+          </a:lnRef>
+          <a:fillRef idx="1">
+            <a:schemeClr val="accent1"/>
+          </a:fillRef>
+          <a:effectRef idx="0">
+            <a:schemeClr val="accent1"/>
+          </a:effectRef>
+          <a:fontRef idx="minor">
+            <a:schemeClr val="lt1"/>
+          </a:fontRef>
+        </p:style>
+        <p:txBody>
+          <a:bodyPr rtlCol="0" anchor="ctr"/>
+          <a:lstStyle/>
+          <a:p>
+            <a:pPr algn="ctr"/>
+            <a:endParaRPr lang="ko-KR" altLang="en-US"/>
+          </a:p>
+        </p:txBody>
+      </p:sp>
+      <mc:AlternateContent xmlns:mc="http://schemas.openxmlformats.org/markup-compatibility/2006">
+        <mc:Choice xmlns:a14="http://schemas.microsoft.com/office/drawing/2010/main" Requires="a14">
+          <p:sp>
+            <p:nvSpPr>
+              <p:cNvPr id="10" name="TextBox 9">
+                <a:extLst>
+                  <a:ext uri="{FF2B5EF4-FFF2-40B4-BE49-F238E27FC236}">
+                    <a16:creationId xmlns:a16="http://schemas.microsoft.com/office/drawing/2014/main" id="{BC9BCC07-2B59-E6D6-66C9-490C35219DE3}"/>
+                  </a:ext>
+                </a:extLst>
+              </p:cNvPr>
+              <p:cNvSpPr txBox="1"/>
+              <p:nvPr/>
+            </p:nvSpPr>
+            <p:spPr>
+              <a:xfrm>
+                <a:off x="7199108" y="981908"/>
+                <a:ext cx="2974725" cy="369332"/>
+              </a:xfrm>
+              <a:prstGeom prst="rect">
+                <a:avLst/>
+              </a:prstGeom>
+              <a:noFill/>
+            </p:spPr>
+            <p:txBody>
+              <a:bodyPr wrap="none" rtlCol="0">
+                <a:spAutoFit/>
+              </a:bodyPr>
+              <a:lstStyle/>
+              <a:p>
+                <a:r>
+                  <a:rPr lang="ko-KR" altLang="en-US" dirty="0">
+                    <a:latin typeface="나눔스퀘어_ac" panose="020B0600000101010101" pitchFamily="50" charset="-127"/>
+                    <a:ea typeface="나눔스퀘어_ac" panose="020B0600000101010101" pitchFamily="50" charset="-127"/>
+                  </a:rPr>
+                  <a:t>주어진 데이터를 수정한 </a:t>
+                </a:r>
+                <a14:m>
+                  <m:oMath xmlns:m="http://schemas.openxmlformats.org/officeDocument/2006/math">
+                    <m:r>
+                      <a:rPr lang="en-US" altLang="ko-KR" b="0" i="1" smtClean="0">
+                        <a:latin typeface="Cambria Math" panose="02040503050406030204" pitchFamily="18" charset="0"/>
+                        <a:ea typeface="나눔스퀘어_ac" panose="020B0600000101010101" pitchFamily="50" charset="-127"/>
+                      </a:rPr>
+                      <m:t>𝑋</m:t>
+                    </m:r>
+                  </m:oMath>
+                </a14:m>
+                <a:endParaRPr lang="en-US" altLang="ko-KR" dirty="0">
+                  <a:latin typeface="나눔스퀘어_ac" panose="020B0600000101010101" pitchFamily="50" charset="-127"/>
+                  <a:ea typeface="나눔스퀘어_ac" panose="020B0600000101010101" pitchFamily="50" charset="-127"/>
+                </a:endParaRPr>
+              </a:p>
+            </p:txBody>
+          </p:sp>
+        </mc:Choice>
+        <mc:Fallback>
+          <p:sp>
+            <p:nvSpPr>
+              <p:cNvPr id="10" name="TextBox 9">
+                <a:extLst>
+                  <a:ext uri="{FF2B5EF4-FFF2-40B4-BE49-F238E27FC236}">
+                    <a16:creationId xmlns:a16="http://schemas.microsoft.com/office/drawing/2014/main" id="{BC9BCC07-2B59-E6D6-66C9-490C35219DE3}"/>
+                  </a:ext>
+                </a:extLst>
+              </p:cNvPr>
+              <p:cNvSpPr txBox="1">
+                <a:spLocks noRot="1" noChangeAspect="1" noMove="1" noResize="1" noEditPoints="1" noAdjustHandles="1" noChangeArrowheads="1" noChangeShapeType="1" noTextEdit="1"/>
+              </p:cNvSpPr>
+              <p:nvPr/>
+            </p:nvSpPr>
+            <p:spPr>
+              <a:xfrm>
+                <a:off x="7199108" y="981908"/>
+                <a:ext cx="2974725" cy="369332"/>
+              </a:xfrm>
+              <a:prstGeom prst="rect">
+                <a:avLst/>
+              </a:prstGeom>
+              <a:blipFill>
+                <a:blip r:embed="rId5"/>
+                <a:stretch>
+                  <a:fillRect l="-1844" t="-8197" b="-24590"/>
+                </a:stretch>
+              </a:blipFill>
+            </p:spPr>
+            <p:txBody>
+              <a:bodyPr/>
+              <a:lstStyle/>
+              <a:p>
+                <a:r>
+                  <a:rPr lang="en-US">
+                    <a:noFill/>
+                  </a:rPr>
+                  <a:t> </a:t>
+                </a:r>
+              </a:p>
+            </p:txBody>
+          </p:sp>
+        </mc:Fallback>
+      </mc:AlternateContent>
+      <p:cxnSp>
+        <p:nvCxnSpPr>
+          <p:cNvPr id="13" name="직선 화살표 연결선 12">
+            <a:extLst>
+              <a:ext uri="{FF2B5EF4-FFF2-40B4-BE49-F238E27FC236}">
+                <a16:creationId xmlns:a16="http://schemas.microsoft.com/office/drawing/2014/main" id="{8884A372-0F2C-F3B6-0101-ACC1A2B26BC3}"/>
+              </a:ext>
+            </a:extLst>
+          </p:cNvPr>
+          <p:cNvCxnSpPr/>
+          <p:nvPr/>
+        </p:nvCxnSpPr>
+        <p:spPr>
+          <a:xfrm>
+            <a:off x="6978196" y="3333750"/>
+            <a:ext cx="3571875" cy="0"/>
+          </a:xfrm>
+          <a:prstGeom prst="straightConnector1">
+            <a:avLst/>
+          </a:prstGeom>
+          <a:ln w="28575">
+            <a:solidFill>
+              <a:schemeClr val="bg1">
+                <a:lumMod val="85000"/>
+              </a:schemeClr>
+            </a:solidFill>
+            <a:tailEnd type="triangle"/>
+          </a:ln>
+        </p:spPr>
+        <p:style>
+          <a:lnRef idx="1">
+            <a:schemeClr val="accent1"/>
+          </a:lnRef>
+          <a:fillRef idx="0">
+            <a:schemeClr val="accent1"/>
+          </a:fillRef>
+          <a:effectRef idx="0">
+            <a:schemeClr val="accent1"/>
+          </a:effectRef>
+          <a:fontRef idx="minor">
+            <a:schemeClr val="tx1"/>
+          </a:fontRef>
+        </p:style>
+      </p:cxnSp>
+      <p:cxnSp>
+        <p:nvCxnSpPr>
+          <p:cNvPr id="14" name="직선 화살표 연결선 13">
+            <a:extLst>
+              <a:ext uri="{FF2B5EF4-FFF2-40B4-BE49-F238E27FC236}">
+                <a16:creationId xmlns:a16="http://schemas.microsoft.com/office/drawing/2014/main" id="{CF873D88-B5FA-F7D4-5E04-66A46C5378B5}"/>
+              </a:ext>
+            </a:extLst>
+          </p:cNvPr>
+          <p:cNvCxnSpPr>
+            <a:cxnSpLocks/>
+          </p:cNvCxnSpPr>
+          <p:nvPr/>
+        </p:nvCxnSpPr>
+        <p:spPr>
+          <a:xfrm rot="16200000">
+            <a:off x="6949621" y="3162300"/>
+            <a:ext cx="3571875" cy="0"/>
+          </a:xfrm>
+          <a:prstGeom prst="straightConnector1">
+            <a:avLst/>
+          </a:prstGeom>
+          <a:ln w="28575">
+            <a:solidFill>
+              <a:schemeClr val="bg1">
+                <a:lumMod val="85000"/>
+              </a:schemeClr>
+            </a:solidFill>
+            <a:tailEnd type="triangle"/>
+          </a:ln>
+        </p:spPr>
+        <p:style>
+          <a:lnRef idx="1">
+            <a:schemeClr val="accent1"/>
+          </a:lnRef>
+          <a:fillRef idx="0">
+            <a:schemeClr val="accent1"/>
+          </a:fillRef>
+          <a:effectRef idx="0">
+            <a:schemeClr val="accent1"/>
+          </a:effectRef>
+          <a:fontRef idx="minor">
+            <a:schemeClr val="tx1"/>
+          </a:fontRef>
+        </p:style>
+      </p:cxnSp>
+      <p:pic>
+        <p:nvPicPr>
+          <p:cNvPr id="6" name="그림 5">
+            <a:extLst>
+              <a:ext uri="{FF2B5EF4-FFF2-40B4-BE49-F238E27FC236}">
+                <a16:creationId xmlns:a16="http://schemas.microsoft.com/office/drawing/2014/main" id="{8EC64F09-6D01-1C8A-041F-221990E2E84B}"/>
+              </a:ext>
+            </a:extLst>
+          </p:cNvPr>
+          <p:cNvPicPr>
+            <a:picLocks noChangeAspect="1"/>
+          </p:cNvPicPr>
+          <p:nvPr/>
+        </p:nvPicPr>
+        <p:blipFill rotWithShape="1">
+          <a:blip r:embed="rId2"/>
+          <a:srcRect l="62031" t="15626" r="14375" b="21133"/>
+          <a:stretch/>
+        </p:blipFill>
+        <p:spPr>
+          <a:xfrm>
+            <a:off x="7297283" y="1695450"/>
+            <a:ext cx="2876550" cy="3171825"/>
+          </a:xfrm>
+          <a:prstGeom prst="rect">
+            <a:avLst/>
+          </a:prstGeom>
+        </p:spPr>
+      </p:pic>
+    </p:spTree>
+    <p:extLst>
+      <p:ext uri="{BB962C8B-B14F-4D97-AF65-F5344CB8AC3E}">
+        <p14:creationId xmlns:p14="http://schemas.microsoft.com/office/powerpoint/2010/main" val="2549363699"/>
       </p:ext>
     </p:extLst>
   </p:cSld>
@@ -11078,644 +12517,6 @@
           <a:chExt cx="0" cy="0"/>
         </a:xfrm>
       </p:grpSpPr>
-      <p:cxnSp>
-        <p:nvCxnSpPr>
-          <p:cNvPr id="11" name="직선 화살표 연결선 10">
-            <a:extLst>
-              <a:ext uri="{FF2B5EF4-FFF2-40B4-BE49-F238E27FC236}">
-                <a16:creationId xmlns:a16="http://schemas.microsoft.com/office/drawing/2014/main" id="{950D73B3-EA7F-EF92-A0A9-39C12EF436B5}"/>
-              </a:ext>
-            </a:extLst>
-          </p:cNvPr>
-          <p:cNvCxnSpPr/>
-          <p:nvPr/>
-        </p:nvCxnSpPr>
-        <p:spPr>
-          <a:xfrm>
-            <a:off x="1873751" y="3333750"/>
-            <a:ext cx="3571875" cy="0"/>
-          </a:xfrm>
-          <a:prstGeom prst="straightConnector1">
-            <a:avLst/>
-          </a:prstGeom>
-          <a:ln w="28575">
-            <a:solidFill>
-              <a:schemeClr val="bg1">
-                <a:lumMod val="85000"/>
-              </a:schemeClr>
-            </a:solidFill>
-            <a:tailEnd type="triangle"/>
-          </a:ln>
-        </p:spPr>
-        <p:style>
-          <a:lnRef idx="1">
-            <a:schemeClr val="accent1"/>
-          </a:lnRef>
-          <a:fillRef idx="0">
-            <a:schemeClr val="accent1"/>
-          </a:fillRef>
-          <a:effectRef idx="0">
-            <a:schemeClr val="accent1"/>
-          </a:effectRef>
-          <a:fontRef idx="minor">
-            <a:schemeClr val="tx1"/>
-          </a:fontRef>
-        </p:style>
-      </p:cxnSp>
-      <p:cxnSp>
-        <p:nvCxnSpPr>
-          <p:cNvPr id="12" name="직선 화살표 연결선 11">
-            <a:extLst>
-              <a:ext uri="{FF2B5EF4-FFF2-40B4-BE49-F238E27FC236}">
-                <a16:creationId xmlns:a16="http://schemas.microsoft.com/office/drawing/2014/main" id="{2963AE3A-CBA8-89DD-7326-E1DA3FCDAF16}"/>
-              </a:ext>
-            </a:extLst>
-          </p:cNvPr>
-          <p:cNvCxnSpPr>
-            <a:cxnSpLocks/>
-          </p:cNvCxnSpPr>
-          <p:nvPr/>
-        </p:nvCxnSpPr>
-        <p:spPr>
-          <a:xfrm rot="16200000">
-            <a:off x="1845176" y="3162300"/>
-            <a:ext cx="3571875" cy="0"/>
-          </a:xfrm>
-          <a:prstGeom prst="straightConnector1">
-            <a:avLst/>
-          </a:prstGeom>
-          <a:ln w="28575">
-            <a:solidFill>
-              <a:schemeClr val="bg1">
-                <a:lumMod val="85000"/>
-              </a:schemeClr>
-            </a:solidFill>
-            <a:tailEnd type="triangle"/>
-          </a:ln>
-        </p:spPr>
-        <p:style>
-          <a:lnRef idx="1">
-            <a:schemeClr val="accent1"/>
-          </a:lnRef>
-          <a:fillRef idx="0">
-            <a:schemeClr val="accent1"/>
-          </a:fillRef>
-          <a:effectRef idx="0">
-            <a:schemeClr val="accent1"/>
-          </a:effectRef>
-          <a:fontRef idx="minor">
-            <a:schemeClr val="tx1"/>
-          </a:fontRef>
-        </p:style>
-      </p:cxnSp>
-      <p:pic>
-        <p:nvPicPr>
-          <p:cNvPr id="5" name="그림 4">
-            <a:extLst>
-              <a:ext uri="{FF2B5EF4-FFF2-40B4-BE49-F238E27FC236}">
-                <a16:creationId xmlns:a16="http://schemas.microsoft.com/office/drawing/2014/main" id="{1CEB67D3-9F57-A855-BC0E-E595E3D65249}"/>
-              </a:ext>
-            </a:extLst>
-          </p:cNvPr>
-          <p:cNvPicPr>
-            <a:picLocks noChangeAspect="1"/>
-          </p:cNvPicPr>
-          <p:nvPr/>
-        </p:nvPicPr>
-        <p:blipFill rotWithShape="1">
-          <a:blip r:embed="rId2"/>
-          <a:srcRect l="23203" t="29300" r="63047" b="33097"/>
-          <a:stretch/>
-        </p:blipFill>
-        <p:spPr>
-          <a:xfrm>
-            <a:off x="2828925" y="2390775"/>
-            <a:ext cx="1676400" cy="1885950"/>
-          </a:xfrm>
-          <a:prstGeom prst="rect">
-            <a:avLst/>
-          </a:prstGeom>
-        </p:spPr>
-      </p:pic>
-      <mc:AlternateContent xmlns:mc="http://schemas.openxmlformats.org/markup-compatibility/2006" xmlns:a14="http://schemas.microsoft.com/office/drawing/2010/main">
-        <mc:Choice Requires="a14">
-          <p:sp>
-            <p:nvSpPr>
-              <p:cNvPr id="7" name="TextBox 6">
-                <a:extLst>
-                  <a:ext uri="{FF2B5EF4-FFF2-40B4-BE49-F238E27FC236}">
-                    <a16:creationId xmlns:a16="http://schemas.microsoft.com/office/drawing/2014/main" id="{18C68052-EB6B-7ED6-8C2A-3BBA6F5825E3}"/>
-                  </a:ext>
-                </a:extLst>
-              </p:cNvPr>
-              <p:cNvSpPr txBox="1"/>
-              <p:nvPr/>
-            </p:nvSpPr>
-            <p:spPr>
-              <a:xfrm>
-                <a:off x="2592161" y="981908"/>
-                <a:ext cx="2250168" cy="369332"/>
-              </a:xfrm>
-              <a:prstGeom prst="rect">
-                <a:avLst/>
-              </a:prstGeom>
-              <a:noFill/>
-            </p:spPr>
-            <p:txBody>
-              <a:bodyPr wrap="none" rtlCol="0">
-                <a:spAutoFit/>
-              </a:bodyPr>
-              <a:lstStyle/>
-              <a:p>
-                <a:r>
-                  <a:rPr lang="en-US" altLang="ko-KR" dirty="0">
-                    <a:latin typeface="나눔스퀘어_ac" panose="020B0600000101010101" pitchFamily="50" charset="-127"/>
-                    <a:ea typeface="나눔스퀘어_ac" panose="020B0600000101010101" pitchFamily="50" charset="-127"/>
-                  </a:rPr>
-                  <a:t>“</a:t>
-                </a:r>
-                <a:r>
-                  <a:rPr lang="ko-KR" altLang="en-US" dirty="0">
-                    <a:latin typeface="나눔스퀘어_ac" panose="020B0600000101010101" pitchFamily="50" charset="-127"/>
-                    <a:ea typeface="나눔스퀘어_ac" panose="020B0600000101010101" pitchFamily="50" charset="-127"/>
-                  </a:rPr>
-                  <a:t>원시 형태</a:t>
-                </a:r>
-                <a:r>
-                  <a:rPr lang="en-US" altLang="ko-KR" dirty="0">
-                    <a:latin typeface="나눔스퀘어_ac" panose="020B0600000101010101" pitchFamily="50" charset="-127"/>
-                    <a:ea typeface="나눔스퀘어_ac" panose="020B0600000101010101" pitchFamily="50" charset="-127"/>
-                  </a:rPr>
-                  <a:t>”</a:t>
-                </a:r>
-                <a:r>
-                  <a:rPr lang="ko-KR" altLang="en-US" dirty="0">
-                    <a:latin typeface="나눔스퀘어_ac" panose="020B0600000101010101" pitchFamily="50" charset="-127"/>
-                    <a:ea typeface="나눔스퀘어_ac" panose="020B0600000101010101" pitchFamily="50" charset="-127"/>
-                  </a:rPr>
-                  <a:t>의 데이터 </a:t>
-                </a:r>
-                <a14:m>
-                  <m:oMath xmlns:m="http://schemas.openxmlformats.org/officeDocument/2006/math">
-                    <m:r>
-                      <a:rPr lang="en-US" altLang="ko-KR" b="0" i="1" smtClean="0">
-                        <a:latin typeface="Cambria Math" panose="02040503050406030204" pitchFamily="18" charset="0"/>
-                        <a:ea typeface="나눔스퀘어_ac" panose="020B0600000101010101" pitchFamily="50" charset="-127"/>
-                      </a:rPr>
-                      <m:t>𝑧</m:t>
-                    </m:r>
-                  </m:oMath>
-                </a14:m>
-                <a:endParaRPr lang="en-US" altLang="ko-KR" dirty="0">
-                  <a:latin typeface="나눔스퀘어_ac" panose="020B0600000101010101" pitchFamily="50" charset="-127"/>
-                  <a:ea typeface="나눔스퀘어_ac" panose="020B0600000101010101" pitchFamily="50" charset="-127"/>
-                </a:endParaRPr>
-              </a:p>
-            </p:txBody>
-          </p:sp>
-        </mc:Choice>
-        <mc:Fallback xmlns="">
-          <p:sp>
-            <p:nvSpPr>
-              <p:cNvPr id="7" name="TextBox 6">
-                <a:extLst>
-                  <a:ext uri="{FF2B5EF4-FFF2-40B4-BE49-F238E27FC236}">
-                    <a16:creationId xmlns:a16="http://schemas.microsoft.com/office/drawing/2014/main" id="{18C68052-EB6B-7ED6-8C2A-3BBA6F5825E3}"/>
-                  </a:ext>
-                </a:extLst>
-              </p:cNvPr>
-              <p:cNvSpPr txBox="1">
-                <a:spLocks noRot="1" noChangeAspect="1" noMove="1" noResize="1" noEditPoints="1" noAdjustHandles="1" noChangeArrowheads="1" noChangeShapeType="1" noTextEdit="1"/>
-              </p:cNvSpPr>
-              <p:nvPr/>
-            </p:nvSpPr>
-            <p:spPr>
-              <a:xfrm>
-                <a:off x="2592161" y="981908"/>
-                <a:ext cx="2250168" cy="369332"/>
-              </a:xfrm>
-              <a:prstGeom prst="rect">
-                <a:avLst/>
-              </a:prstGeom>
-              <a:blipFill>
-                <a:blip r:embed="rId3"/>
-                <a:stretch>
-                  <a:fillRect l="-2168" t="-6557" b="-26230"/>
-                </a:stretch>
-              </a:blipFill>
-            </p:spPr>
-            <p:txBody>
-              <a:bodyPr/>
-              <a:lstStyle/>
-              <a:p>
-                <a:r>
-                  <a:rPr lang="ko-KR" altLang="en-US">
-                    <a:noFill/>
-                  </a:rPr>
-                  <a:t> </a:t>
-                </a:r>
-              </a:p>
-            </p:txBody>
-          </p:sp>
-        </mc:Fallback>
-      </mc:AlternateContent>
-      <mc:AlternateContent xmlns:mc="http://schemas.openxmlformats.org/markup-compatibility/2006" xmlns:a14="http://schemas.microsoft.com/office/drawing/2010/main">
-        <mc:Choice Requires="a14">
-          <p:sp>
-            <p:nvSpPr>
-              <p:cNvPr id="8" name="TextBox 7">
-                <a:extLst>
-                  <a:ext uri="{FF2B5EF4-FFF2-40B4-BE49-F238E27FC236}">
-                    <a16:creationId xmlns:a16="http://schemas.microsoft.com/office/drawing/2014/main" id="{846D1179-5BF6-38AF-12EC-D71228FE4D4D}"/>
-                  </a:ext>
-                </a:extLst>
-              </p:cNvPr>
-              <p:cNvSpPr txBox="1"/>
-              <p:nvPr/>
-            </p:nvSpPr>
-            <p:spPr>
-              <a:xfrm>
-                <a:off x="5077559" y="2471470"/>
-                <a:ext cx="1698542" cy="369332"/>
-              </a:xfrm>
-              <a:prstGeom prst="rect">
-                <a:avLst/>
-              </a:prstGeom>
-              <a:noFill/>
-            </p:spPr>
-            <p:txBody>
-              <a:bodyPr wrap="none" rtlCol="0">
-                <a:spAutoFit/>
-              </a:bodyPr>
-              <a:lstStyle/>
-              <a:p>
-                <a:r>
-                  <a:rPr lang="ko-KR" altLang="en-US" dirty="0">
-                    <a:latin typeface="나눔스퀘어_ac" panose="020B0600000101010101" pitchFamily="50" charset="-127"/>
-                    <a:ea typeface="나눔스퀘어_ac" panose="020B0600000101010101" pitchFamily="50" charset="-127"/>
-                  </a:rPr>
-                  <a:t>어떤 선형 변환 </a:t>
-                </a:r>
-                <a14:m>
-                  <m:oMath xmlns:m="http://schemas.openxmlformats.org/officeDocument/2006/math">
-                    <m:r>
-                      <a:rPr lang="en-US" altLang="ko-KR" b="0" i="1" smtClean="0">
-                        <a:latin typeface="Cambria Math" panose="02040503050406030204" pitchFamily="18" charset="0"/>
-                        <a:ea typeface="나눔스퀘어_ac" panose="020B0600000101010101" pitchFamily="50" charset="-127"/>
-                      </a:rPr>
-                      <m:t>𝐴</m:t>
-                    </m:r>
-                  </m:oMath>
-                </a14:m>
-                <a:endParaRPr lang="en-US" altLang="ko-KR" dirty="0">
-                  <a:latin typeface="나눔스퀘어_ac" panose="020B0600000101010101" pitchFamily="50" charset="-127"/>
-                  <a:ea typeface="나눔스퀘어_ac" panose="020B0600000101010101" pitchFamily="50" charset="-127"/>
-                </a:endParaRPr>
-              </a:p>
-            </p:txBody>
-          </p:sp>
-        </mc:Choice>
-        <mc:Fallback xmlns="">
-          <p:sp>
-            <p:nvSpPr>
-              <p:cNvPr id="8" name="TextBox 7">
-                <a:extLst>
-                  <a:ext uri="{FF2B5EF4-FFF2-40B4-BE49-F238E27FC236}">
-                    <a16:creationId xmlns:a16="http://schemas.microsoft.com/office/drawing/2014/main" id="{846D1179-5BF6-38AF-12EC-D71228FE4D4D}"/>
-                  </a:ext>
-                </a:extLst>
-              </p:cNvPr>
-              <p:cNvSpPr txBox="1">
-                <a:spLocks noRot="1" noChangeAspect="1" noMove="1" noResize="1" noEditPoints="1" noAdjustHandles="1" noChangeArrowheads="1" noChangeShapeType="1" noTextEdit="1"/>
-              </p:cNvSpPr>
-              <p:nvPr/>
-            </p:nvSpPr>
-            <p:spPr>
-              <a:xfrm>
-                <a:off x="5077559" y="2471470"/>
-                <a:ext cx="1698542" cy="369332"/>
-              </a:xfrm>
-              <a:prstGeom prst="rect">
-                <a:avLst/>
-              </a:prstGeom>
-              <a:blipFill>
-                <a:blip r:embed="rId4"/>
-                <a:stretch>
-                  <a:fillRect l="-3226" t="-6557" b="-26230"/>
-                </a:stretch>
-              </a:blipFill>
-            </p:spPr>
-            <p:txBody>
-              <a:bodyPr/>
-              <a:lstStyle/>
-              <a:p>
-                <a:r>
-                  <a:rPr lang="ko-KR" altLang="en-US">
-                    <a:noFill/>
-                  </a:rPr>
-                  <a:t> </a:t>
-                </a:r>
-              </a:p>
-            </p:txBody>
-          </p:sp>
-        </mc:Fallback>
-      </mc:AlternateContent>
-      <p:sp>
-        <p:nvSpPr>
-          <p:cNvPr id="9" name="화살표: 오른쪽 8">
-            <a:extLst>
-              <a:ext uri="{FF2B5EF4-FFF2-40B4-BE49-F238E27FC236}">
-                <a16:creationId xmlns:a16="http://schemas.microsoft.com/office/drawing/2014/main" id="{D92CA6D8-5537-4D39-89E2-FE4AFD80E982}"/>
-              </a:ext>
-            </a:extLst>
-          </p:cNvPr>
-          <p:cNvSpPr/>
-          <p:nvPr/>
-        </p:nvSpPr>
-        <p:spPr>
-          <a:xfrm>
-            <a:off x="5460499" y="2871778"/>
-            <a:ext cx="932661" cy="461972"/>
-          </a:xfrm>
-          <a:prstGeom prst="rightArrow">
-            <a:avLst/>
-          </a:prstGeom>
-        </p:spPr>
-        <p:style>
-          <a:lnRef idx="2">
-            <a:schemeClr val="accent1">
-              <a:shade val="50000"/>
-            </a:schemeClr>
-          </a:lnRef>
-          <a:fillRef idx="1">
-            <a:schemeClr val="accent1"/>
-          </a:fillRef>
-          <a:effectRef idx="0">
-            <a:schemeClr val="accent1"/>
-          </a:effectRef>
-          <a:fontRef idx="minor">
-            <a:schemeClr val="lt1"/>
-          </a:fontRef>
-        </p:style>
-        <p:txBody>
-          <a:bodyPr rtlCol="0" anchor="ctr"/>
-          <a:lstStyle/>
-          <a:p>
-            <a:pPr algn="ctr"/>
-            <a:endParaRPr lang="ko-KR" altLang="en-US"/>
-          </a:p>
-        </p:txBody>
-      </p:sp>
-      <mc:AlternateContent xmlns:mc="http://schemas.openxmlformats.org/markup-compatibility/2006" xmlns:a14="http://schemas.microsoft.com/office/drawing/2010/main">
-        <mc:Choice Requires="a14">
-          <p:sp>
-            <p:nvSpPr>
-              <p:cNvPr id="10" name="TextBox 9">
-                <a:extLst>
-                  <a:ext uri="{FF2B5EF4-FFF2-40B4-BE49-F238E27FC236}">
-                    <a16:creationId xmlns:a16="http://schemas.microsoft.com/office/drawing/2014/main" id="{BC9BCC07-2B59-E6D6-66C9-490C35219DE3}"/>
-                  </a:ext>
-                </a:extLst>
-              </p:cNvPr>
-              <p:cNvSpPr txBox="1"/>
-              <p:nvPr/>
-            </p:nvSpPr>
-            <p:spPr>
-              <a:xfrm>
-                <a:off x="7911838" y="981908"/>
-                <a:ext cx="1647439" cy="369332"/>
-              </a:xfrm>
-              <a:prstGeom prst="rect">
-                <a:avLst/>
-              </a:prstGeom>
-              <a:noFill/>
-            </p:spPr>
-            <p:txBody>
-              <a:bodyPr wrap="none" rtlCol="0">
-                <a:spAutoFit/>
-              </a:bodyPr>
-              <a:lstStyle/>
-              <a:p>
-                <a:r>
-                  <a:rPr lang="ko-KR" altLang="en-US" dirty="0">
-                    <a:latin typeface="나눔스퀘어_ac" panose="020B0600000101010101" pitchFamily="50" charset="-127"/>
-                    <a:ea typeface="나눔스퀘어_ac" panose="020B0600000101010101" pitchFamily="50" charset="-127"/>
-                  </a:rPr>
-                  <a:t>주어진 데이터 </a:t>
-                </a:r>
-                <a14:m>
-                  <m:oMath xmlns:m="http://schemas.openxmlformats.org/officeDocument/2006/math">
-                    <m:r>
-                      <a:rPr lang="en-US" altLang="ko-KR" b="0" i="1" smtClean="0">
-                        <a:latin typeface="Cambria Math" panose="02040503050406030204" pitchFamily="18" charset="0"/>
-                        <a:ea typeface="나눔스퀘어_ac" panose="020B0600000101010101" pitchFamily="50" charset="-127"/>
-                      </a:rPr>
-                      <m:t>𝑥</m:t>
-                    </m:r>
-                  </m:oMath>
-                </a14:m>
-                <a:endParaRPr lang="en-US" altLang="ko-KR" dirty="0">
-                  <a:latin typeface="나눔스퀘어_ac" panose="020B0600000101010101" pitchFamily="50" charset="-127"/>
-                  <a:ea typeface="나눔스퀘어_ac" panose="020B0600000101010101" pitchFamily="50" charset="-127"/>
-                </a:endParaRPr>
-              </a:p>
-            </p:txBody>
-          </p:sp>
-        </mc:Choice>
-        <mc:Fallback xmlns="">
-          <p:sp>
-            <p:nvSpPr>
-              <p:cNvPr id="10" name="TextBox 9">
-                <a:extLst>
-                  <a:ext uri="{FF2B5EF4-FFF2-40B4-BE49-F238E27FC236}">
-                    <a16:creationId xmlns:a16="http://schemas.microsoft.com/office/drawing/2014/main" id="{BC9BCC07-2B59-E6D6-66C9-490C35219DE3}"/>
-                  </a:ext>
-                </a:extLst>
-              </p:cNvPr>
-              <p:cNvSpPr txBox="1">
-                <a:spLocks noRot="1" noChangeAspect="1" noMove="1" noResize="1" noEditPoints="1" noAdjustHandles="1" noChangeArrowheads="1" noChangeShapeType="1" noTextEdit="1"/>
-              </p:cNvSpPr>
-              <p:nvPr/>
-            </p:nvSpPr>
-            <p:spPr>
-              <a:xfrm>
-                <a:off x="7911838" y="981908"/>
-                <a:ext cx="1647439" cy="369332"/>
-              </a:xfrm>
-              <a:prstGeom prst="rect">
-                <a:avLst/>
-              </a:prstGeom>
-              <a:blipFill>
-                <a:blip r:embed="rId5"/>
-                <a:stretch>
-                  <a:fillRect l="-3333" t="-6557" b="-26230"/>
-                </a:stretch>
-              </a:blipFill>
-            </p:spPr>
-            <p:txBody>
-              <a:bodyPr/>
-              <a:lstStyle/>
-              <a:p>
-                <a:r>
-                  <a:rPr lang="ko-KR" altLang="en-US">
-                    <a:noFill/>
-                  </a:rPr>
-                  <a:t> </a:t>
-                </a:r>
-              </a:p>
-            </p:txBody>
-          </p:sp>
-        </mc:Fallback>
-      </mc:AlternateContent>
-      <p:cxnSp>
-        <p:nvCxnSpPr>
-          <p:cNvPr id="13" name="직선 화살표 연결선 12">
-            <a:extLst>
-              <a:ext uri="{FF2B5EF4-FFF2-40B4-BE49-F238E27FC236}">
-                <a16:creationId xmlns:a16="http://schemas.microsoft.com/office/drawing/2014/main" id="{8884A372-0F2C-F3B6-0101-ACC1A2B26BC3}"/>
-              </a:ext>
-            </a:extLst>
-          </p:cNvPr>
-          <p:cNvCxnSpPr/>
-          <p:nvPr/>
-        </p:nvCxnSpPr>
-        <p:spPr>
-          <a:xfrm>
-            <a:off x="6978196" y="3333750"/>
-            <a:ext cx="3571875" cy="0"/>
-          </a:xfrm>
-          <a:prstGeom prst="straightConnector1">
-            <a:avLst/>
-          </a:prstGeom>
-          <a:ln w="28575">
-            <a:solidFill>
-              <a:schemeClr val="bg1">
-                <a:lumMod val="85000"/>
-              </a:schemeClr>
-            </a:solidFill>
-            <a:tailEnd type="triangle"/>
-          </a:ln>
-        </p:spPr>
-        <p:style>
-          <a:lnRef idx="1">
-            <a:schemeClr val="accent1"/>
-          </a:lnRef>
-          <a:fillRef idx="0">
-            <a:schemeClr val="accent1"/>
-          </a:fillRef>
-          <a:effectRef idx="0">
-            <a:schemeClr val="accent1"/>
-          </a:effectRef>
-          <a:fontRef idx="minor">
-            <a:schemeClr val="tx1"/>
-          </a:fontRef>
-        </p:style>
-      </p:cxnSp>
-      <p:cxnSp>
-        <p:nvCxnSpPr>
-          <p:cNvPr id="14" name="직선 화살표 연결선 13">
-            <a:extLst>
-              <a:ext uri="{FF2B5EF4-FFF2-40B4-BE49-F238E27FC236}">
-                <a16:creationId xmlns:a16="http://schemas.microsoft.com/office/drawing/2014/main" id="{CF873D88-B5FA-F7D4-5E04-66A46C5378B5}"/>
-              </a:ext>
-            </a:extLst>
-          </p:cNvPr>
-          <p:cNvCxnSpPr>
-            <a:cxnSpLocks/>
-          </p:cNvCxnSpPr>
-          <p:nvPr/>
-        </p:nvCxnSpPr>
-        <p:spPr>
-          <a:xfrm rot="16200000">
-            <a:off x="6949621" y="3162300"/>
-            <a:ext cx="3571875" cy="0"/>
-          </a:xfrm>
-          <a:prstGeom prst="straightConnector1">
-            <a:avLst/>
-          </a:prstGeom>
-          <a:ln w="28575">
-            <a:solidFill>
-              <a:schemeClr val="bg1">
-                <a:lumMod val="85000"/>
-              </a:schemeClr>
-            </a:solidFill>
-            <a:tailEnd type="triangle"/>
-          </a:ln>
-        </p:spPr>
-        <p:style>
-          <a:lnRef idx="1">
-            <a:schemeClr val="accent1"/>
-          </a:lnRef>
-          <a:fillRef idx="0">
-            <a:schemeClr val="accent1"/>
-          </a:fillRef>
-          <a:effectRef idx="0">
-            <a:schemeClr val="accent1"/>
-          </a:effectRef>
-          <a:fontRef idx="minor">
-            <a:schemeClr val="tx1"/>
-          </a:fontRef>
-        </p:style>
-      </p:cxnSp>
-      <p:pic>
-        <p:nvPicPr>
-          <p:cNvPr id="6" name="그림 5">
-            <a:extLst>
-              <a:ext uri="{FF2B5EF4-FFF2-40B4-BE49-F238E27FC236}">
-                <a16:creationId xmlns:a16="http://schemas.microsoft.com/office/drawing/2014/main" id="{8EC64F09-6D01-1C8A-041F-221990E2E84B}"/>
-              </a:ext>
-            </a:extLst>
-          </p:cNvPr>
-          <p:cNvPicPr>
-            <a:picLocks noChangeAspect="1"/>
-          </p:cNvPicPr>
-          <p:nvPr/>
-        </p:nvPicPr>
-        <p:blipFill rotWithShape="1">
-          <a:blip r:embed="rId2"/>
-          <a:srcRect l="62031" t="15626" r="14375" b="21133"/>
-          <a:stretch/>
-        </p:blipFill>
-        <p:spPr>
-          <a:xfrm>
-            <a:off x="7297283" y="1695450"/>
-            <a:ext cx="2876550" cy="3171825"/>
-          </a:xfrm>
-          <a:prstGeom prst="rect">
-            <a:avLst/>
-          </a:prstGeom>
-        </p:spPr>
-      </p:pic>
-    </p:spTree>
-    <p:extLst>
-      <p:ext uri="{BB962C8B-B14F-4D97-AF65-F5344CB8AC3E}">
-        <p14:creationId xmlns:p14="http://schemas.microsoft.com/office/powerpoint/2010/main" val="2549363699"/>
-      </p:ext>
-    </p:extLst>
-  </p:cSld>
-  <p:clrMapOvr>
-    <a:masterClrMapping/>
-  </p:clrMapOvr>
-</p:sld>
-</file>
-
-<file path=ppt/slides/slide9.xml><?xml version="1.0" encoding="utf-8"?>
-<p:sld xmlns:a="http://schemas.openxmlformats.org/drawingml/2006/main" xmlns:r="http://schemas.openxmlformats.org/officeDocument/2006/relationships" xmlns:p="http://schemas.openxmlformats.org/presentationml/2006/main">
-  <p:cSld>
-    <p:spTree>
-      <p:nvGrpSpPr>
-        <p:cNvPr id="1" name=""/>
-        <p:cNvGrpSpPr/>
-        <p:nvPr/>
-      </p:nvGrpSpPr>
-      <p:grpSpPr>
-        <a:xfrm>
-          <a:off x="0" y="0"/>
-          <a:ext cx="0" cy="0"/>
-          <a:chOff x="0" y="0"/>
-          <a:chExt cx="0" cy="0"/>
-        </a:xfrm>
-      </p:grpSpPr>
       <p:graphicFrame>
         <p:nvGraphicFramePr>
           <p:cNvPr id="4" name="Table 4">
@@ -12018,8 +12819,8 @@
           </a:graphicData>
         </a:graphic>
       </p:graphicFrame>
-      <mc:AlternateContent xmlns:mc="http://schemas.openxmlformats.org/markup-compatibility/2006">
-        <mc:Choice xmlns:a14="http://schemas.microsoft.com/office/drawing/2010/main" Requires="a14">
+      <mc:AlternateContent xmlns:mc="http://schemas.openxmlformats.org/markup-compatibility/2006" xmlns:a14="http://schemas.microsoft.com/office/drawing/2010/main">
+        <mc:Choice Requires="a14">
           <p:sp>
             <p:nvSpPr>
               <p:cNvPr id="5" name="TextBox 4">
@@ -12048,6 +12849,7 @@
               </a:bodyPr>
               <a:lstStyle/>
               <a:p>
+                <a:pPr/>
                 <a14:m>
                   <m:oMathPara xmlns:m="http://schemas.openxmlformats.org/officeDocument/2006/math">
                     <m:oMathParaPr>
@@ -12068,7 +12870,7 @@
             </p:txBody>
           </p:sp>
         </mc:Choice>
-        <mc:Fallback>
+        <mc:Fallback xmlns="">
           <p:sp>
             <p:nvSpPr>
               <p:cNvPr id="5" name="TextBox 4">
@@ -12117,6 +12919,170 @@
     <p:extLst>
       <p:ext uri="{BB962C8B-B14F-4D97-AF65-F5344CB8AC3E}">
         <p14:creationId xmlns:p14="http://schemas.microsoft.com/office/powerpoint/2010/main" val="159419004"/>
+      </p:ext>
+    </p:extLst>
+  </p:cSld>
+  <p:clrMapOvr>
+    <a:masterClrMapping/>
+  </p:clrMapOvr>
+</p:sld>
+</file>
+
+<file path=ppt/slides/slide9.xml><?xml version="1.0" encoding="utf-8"?>
+<p:sld xmlns:a="http://schemas.openxmlformats.org/drawingml/2006/main" xmlns:r="http://schemas.openxmlformats.org/officeDocument/2006/relationships" xmlns:p="http://schemas.openxmlformats.org/presentationml/2006/main">
+  <p:cSld>
+    <p:spTree>
+      <p:nvGrpSpPr>
+        <p:cNvPr id="1" name=""/>
+        <p:cNvGrpSpPr/>
+        <p:nvPr/>
+      </p:nvGrpSpPr>
+      <p:grpSpPr>
+        <a:xfrm>
+          <a:off x="0" y="0"/>
+          <a:ext cx="0" cy="0"/>
+          <a:chOff x="0" y="0"/>
+          <a:chExt cx="0" cy="0"/>
+        </a:xfrm>
+      </p:grpSpPr>
+      <p:sp>
+        <p:nvSpPr>
+          <p:cNvPr id="6" name="Oval 5">
+            <a:extLst>
+              <a:ext uri="{FF2B5EF4-FFF2-40B4-BE49-F238E27FC236}">
+                <a16:creationId xmlns:a16="http://schemas.microsoft.com/office/drawing/2014/main" id="{D6B86277-D592-4646-3ADC-E6E7C117D608}"/>
+              </a:ext>
+            </a:extLst>
+          </p:cNvPr>
+          <p:cNvSpPr/>
+          <p:nvPr/>
+        </p:nvSpPr>
+        <p:spPr>
+          <a:xfrm>
+            <a:off x="3951852" y="3285752"/>
+            <a:ext cx="166505" cy="164857"/>
+          </a:xfrm>
+          <a:prstGeom prst="ellipse">
+            <a:avLst/>
+          </a:prstGeom>
+          <a:noFill/>
+          <a:ln w="19050">
+            <a:solidFill>
+              <a:srgbClr val="FF0000"/>
+            </a:solidFill>
+          </a:ln>
+        </p:spPr>
+        <p:style>
+          <a:lnRef idx="2">
+            <a:schemeClr val="accent1">
+              <a:shade val="50000"/>
+            </a:schemeClr>
+          </a:lnRef>
+          <a:fillRef idx="1">
+            <a:schemeClr val="accent1"/>
+          </a:fillRef>
+          <a:effectRef idx="0">
+            <a:schemeClr val="accent1"/>
+          </a:effectRef>
+          <a:fontRef idx="minor">
+            <a:schemeClr val="lt1"/>
+          </a:fontRef>
+        </p:style>
+        <p:txBody>
+          <a:bodyPr rtlCol="0" anchor="ctr"/>
+          <a:lstStyle/>
+          <a:p>
+            <a:pPr algn="ctr"/>
+            <a:endParaRPr lang="en-US"/>
+          </a:p>
+        </p:txBody>
+      </p:sp>
+      <p:sp>
+        <p:nvSpPr>
+          <p:cNvPr id="7" name="Oval 6">
+            <a:extLst>
+              <a:ext uri="{FF2B5EF4-FFF2-40B4-BE49-F238E27FC236}">
+                <a16:creationId xmlns:a16="http://schemas.microsoft.com/office/drawing/2014/main" id="{C00D30AA-62BE-D1C7-37E3-F30DCAF615B4}"/>
+              </a:ext>
+            </a:extLst>
+          </p:cNvPr>
+          <p:cNvSpPr/>
+          <p:nvPr/>
+        </p:nvSpPr>
+        <p:spPr>
+          <a:xfrm>
+            <a:off x="6108700" y="5044702"/>
+            <a:ext cx="166505" cy="164857"/>
+          </a:xfrm>
+          <a:prstGeom prst="ellipse">
+            <a:avLst/>
+          </a:prstGeom>
+          <a:noFill/>
+          <a:ln w="19050">
+            <a:solidFill>
+              <a:srgbClr val="FF0000"/>
+            </a:solidFill>
+          </a:ln>
+        </p:spPr>
+        <p:style>
+          <a:lnRef idx="2">
+            <a:schemeClr val="accent1">
+              <a:shade val="50000"/>
+            </a:schemeClr>
+          </a:lnRef>
+          <a:fillRef idx="1">
+            <a:schemeClr val="accent1"/>
+          </a:fillRef>
+          <a:effectRef idx="0">
+            <a:schemeClr val="accent1"/>
+          </a:effectRef>
+          <a:fontRef idx="minor">
+            <a:schemeClr val="lt1"/>
+          </a:fontRef>
+        </p:style>
+        <p:txBody>
+          <a:bodyPr rtlCol="0" anchor="ctr"/>
+          <a:lstStyle/>
+          <a:p>
+            <a:pPr algn="ctr"/>
+            <a:endParaRPr lang="en-US"/>
+          </a:p>
+        </p:txBody>
+      </p:sp>
+      <p:pic>
+        <p:nvPicPr>
+          <p:cNvPr id="9" name="Picture 8">
+            <a:extLst>
+              <a:ext uri="{FF2B5EF4-FFF2-40B4-BE49-F238E27FC236}">
+                <a16:creationId xmlns:a16="http://schemas.microsoft.com/office/drawing/2014/main" id="{F69FA569-2EA3-EA01-44E5-422E03EB9E79}"/>
+              </a:ext>
+            </a:extLst>
+          </p:cNvPr>
+          <p:cNvPicPr>
+            <a:picLocks noChangeAspect="1"/>
+          </p:cNvPicPr>
+          <p:nvPr/>
+        </p:nvPicPr>
+        <p:blipFill>
+          <a:blip r:embed="rId2"/>
+          <a:stretch>
+            <a:fillRect/>
+          </a:stretch>
+        </p:blipFill>
+        <p:spPr>
+          <a:xfrm>
+            <a:off x="3429000" y="1428750"/>
+            <a:ext cx="5334000" cy="4000500"/>
+          </a:xfrm>
+          <a:prstGeom prst="rect">
+            <a:avLst/>
+          </a:prstGeom>
+        </p:spPr>
+      </p:pic>
+    </p:spTree>
+    <p:extLst>
+      <p:ext uri="{BB962C8B-B14F-4D97-AF65-F5344CB8AC3E}">
+        <p14:creationId xmlns:p14="http://schemas.microsoft.com/office/powerpoint/2010/main" val="3777877962"/>
       </p:ext>
     </p:extLst>
   </p:cSld>
@@ -12419,4 +13385,299 @@
     </a:ext>
   </a:extLst>
 </a:theme>
+</file>
+
+<file path=ppt/theme/theme2.xml><?xml version="1.0" encoding="utf-8"?>
+<a:theme xmlns:a="http://schemas.openxmlformats.org/drawingml/2006/main" name="Office Theme">
+  <a:themeElements>
+    <a:clrScheme name="Office">
+      <a:dk1>
+        <a:sysClr val="windowText" lastClr="000000"/>
+      </a:dk1>
+      <a:lt1>
+        <a:sysClr val="window" lastClr="FFFFFF"/>
+      </a:lt1>
+      <a:dk2>
+        <a:srgbClr val="44546A"/>
+      </a:dk2>
+      <a:lt2>
+        <a:srgbClr val="E7E6E6"/>
+      </a:lt2>
+      <a:accent1>
+        <a:srgbClr val="4472C4"/>
+      </a:accent1>
+      <a:accent2>
+        <a:srgbClr val="ED7D31"/>
+      </a:accent2>
+      <a:accent3>
+        <a:srgbClr val="A5A5A5"/>
+      </a:accent3>
+      <a:accent4>
+        <a:srgbClr val="FFC000"/>
+      </a:accent4>
+      <a:accent5>
+        <a:srgbClr val="5B9BD5"/>
+      </a:accent5>
+      <a:accent6>
+        <a:srgbClr val="70AD47"/>
+      </a:accent6>
+      <a:hlink>
+        <a:srgbClr val="0563C1"/>
+      </a:hlink>
+      <a:folHlink>
+        <a:srgbClr val="954F72"/>
+      </a:folHlink>
+    </a:clrScheme>
+    <a:fontScheme name="Office">
+      <a:majorFont>
+        <a:latin typeface="Calibri Light" panose="020F0302020204030204"/>
+        <a:ea typeface=""/>
+        <a:cs typeface=""/>
+        <a:font script="Jpan" typeface="游ゴシック Light"/>
+        <a:font script="Hang" typeface="맑은 고딕"/>
+        <a:font script="Hans" typeface="等线 Light"/>
+        <a:font script="Hant" typeface="新細明體"/>
+        <a:font script="Arab" typeface="Times New Roman"/>
+        <a:font script="Hebr" typeface="Times New Roman"/>
+        <a:font script="Thai" typeface="Angsana New"/>
+        <a:font script="Ethi" typeface="Nyala"/>
+        <a:font script="Beng" typeface="Vrinda"/>
+        <a:font script="Gujr" typeface="Shruti"/>
+        <a:font script="Khmr" typeface="MoolBoran"/>
+        <a:font script="Knda" typeface="Tunga"/>
+        <a:font script="Guru" typeface="Raavi"/>
+        <a:font script="Cans" typeface="Euphemia"/>
+        <a:font script="Cher" typeface="Plantagenet Cherokee"/>
+        <a:font script="Yiii" typeface="Microsoft Yi Baiti"/>
+        <a:font script="Tibt" typeface="Microsoft Himalaya"/>
+        <a:font script="Thaa" typeface="MV Boli"/>
+        <a:font script="Deva" typeface="Mangal"/>
+        <a:font script="Telu" typeface="Gautami"/>
+        <a:font script="Taml" typeface="Latha"/>
+        <a:font script="Syrc" typeface="Estrangelo Edessa"/>
+        <a:font script="Orya" typeface="Kalinga"/>
+        <a:font script="Mlym" typeface="Kartika"/>
+        <a:font script="Laoo" typeface="DokChampa"/>
+        <a:font script="Sinh" typeface="Iskoola Pota"/>
+        <a:font script="Mong" typeface="Mongolian Baiti"/>
+        <a:font script="Viet" typeface="Times New Roman"/>
+        <a:font script="Uigh" typeface="Microsoft Uighur"/>
+        <a:font script="Geor" typeface="Sylfaen"/>
+        <a:font script="Armn" typeface="Arial"/>
+        <a:font script="Bugi" typeface="Leelawadee UI"/>
+        <a:font script="Bopo" typeface="Microsoft JhengHei"/>
+        <a:font script="Java" typeface="Javanese Text"/>
+        <a:font script="Lisu" typeface="Segoe UI"/>
+        <a:font script="Mymr" typeface="Myanmar Text"/>
+        <a:font script="Nkoo" typeface="Ebrima"/>
+        <a:font script="Olck" typeface="Nirmala UI"/>
+        <a:font script="Osma" typeface="Ebrima"/>
+        <a:font script="Phag" typeface="Phagspa"/>
+        <a:font script="Syrn" typeface="Estrangelo Edessa"/>
+        <a:font script="Syrj" typeface="Estrangelo Edessa"/>
+        <a:font script="Syre" typeface="Estrangelo Edessa"/>
+        <a:font script="Sora" typeface="Nirmala UI"/>
+        <a:font script="Tale" typeface="Microsoft Tai Le"/>
+        <a:font script="Talu" typeface="Microsoft New Tai Lue"/>
+        <a:font script="Tfng" typeface="Ebrima"/>
+      </a:majorFont>
+      <a:minorFont>
+        <a:latin typeface="Calibri" panose="020F0502020204030204"/>
+        <a:ea typeface=""/>
+        <a:cs typeface=""/>
+        <a:font script="Jpan" typeface="游ゴシック"/>
+        <a:font script="Hang" typeface="맑은 고딕"/>
+        <a:font script="Hans" typeface="等线"/>
+        <a:font script="Hant" typeface="新細明體"/>
+        <a:font script="Arab" typeface="Arial"/>
+        <a:font script="Hebr" typeface="Arial"/>
+        <a:font script="Thai" typeface="Cordia New"/>
+        <a:font script="Ethi" typeface="Nyala"/>
+        <a:font script="Beng" typeface="Vrinda"/>
+        <a:font script="Gujr" typeface="Shruti"/>
+        <a:font script="Khmr" typeface="DaunPenh"/>
+        <a:font script="Knda" typeface="Tunga"/>
+        <a:font script="Guru" typeface="Raavi"/>
+        <a:font script="Cans" typeface="Euphemia"/>
+        <a:font script="Cher" typeface="Plantagenet Cherokee"/>
+        <a:font script="Yiii" typeface="Microsoft Yi Baiti"/>
+        <a:font script="Tibt" typeface="Microsoft Himalaya"/>
+        <a:font script="Thaa" typeface="MV Boli"/>
+        <a:font script="Deva" typeface="Mangal"/>
+        <a:font script="Telu" typeface="Gautami"/>
+        <a:font script="Taml" typeface="Latha"/>
+        <a:font script="Syrc" typeface="Estrangelo Edessa"/>
+        <a:font script="Orya" typeface="Kalinga"/>
+        <a:font script="Mlym" typeface="Kartika"/>
+        <a:font script="Laoo" typeface="DokChampa"/>
+        <a:font script="Sinh" typeface="Iskoola Pota"/>
+        <a:font script="Mong" typeface="Mongolian Baiti"/>
+        <a:font script="Viet" typeface="Arial"/>
+        <a:font script="Uigh" typeface="Microsoft Uighur"/>
+        <a:font script="Geor" typeface="Sylfaen"/>
+        <a:font script="Armn" typeface="Arial"/>
+        <a:font script="Bugi" typeface="Leelawadee UI"/>
+        <a:font script="Bopo" typeface="Microsoft JhengHei"/>
+        <a:font script="Java" typeface="Javanese Text"/>
+        <a:font script="Lisu" typeface="Segoe UI"/>
+        <a:font script="Mymr" typeface="Myanmar Text"/>
+        <a:font script="Nkoo" typeface="Ebrima"/>
+        <a:font script="Olck" typeface="Nirmala UI"/>
+        <a:font script="Osma" typeface="Ebrima"/>
+        <a:font script="Phag" typeface="Phagspa"/>
+        <a:font script="Syrn" typeface="Estrangelo Edessa"/>
+        <a:font script="Syrj" typeface="Estrangelo Edessa"/>
+        <a:font script="Syre" typeface="Estrangelo Edessa"/>
+        <a:font script="Sora" typeface="Nirmala UI"/>
+        <a:font script="Tale" typeface="Microsoft Tai Le"/>
+        <a:font script="Talu" typeface="Microsoft New Tai Lue"/>
+        <a:font script="Tfng" typeface="Ebrima"/>
+      </a:minorFont>
+    </a:fontScheme>
+    <a:fmtScheme name="Office">
+      <a:fillStyleLst>
+        <a:solidFill>
+          <a:schemeClr val="phClr"/>
+        </a:solidFill>
+        <a:gradFill rotWithShape="1">
+          <a:gsLst>
+            <a:gs pos="0">
+              <a:schemeClr val="phClr">
+                <a:lumMod val="110000"/>
+                <a:satMod val="105000"/>
+                <a:tint val="67000"/>
+              </a:schemeClr>
+            </a:gs>
+            <a:gs pos="50000">
+              <a:schemeClr val="phClr">
+                <a:lumMod val="105000"/>
+                <a:satMod val="103000"/>
+                <a:tint val="73000"/>
+              </a:schemeClr>
+            </a:gs>
+            <a:gs pos="100000">
+              <a:schemeClr val="phClr">
+                <a:lumMod val="105000"/>
+                <a:satMod val="109000"/>
+                <a:tint val="81000"/>
+              </a:schemeClr>
+            </a:gs>
+          </a:gsLst>
+          <a:lin ang="5400000" scaled="0"/>
+        </a:gradFill>
+        <a:gradFill rotWithShape="1">
+          <a:gsLst>
+            <a:gs pos="0">
+              <a:schemeClr val="phClr">
+                <a:satMod val="103000"/>
+                <a:lumMod val="102000"/>
+                <a:tint val="94000"/>
+              </a:schemeClr>
+            </a:gs>
+            <a:gs pos="50000">
+              <a:schemeClr val="phClr">
+                <a:satMod val="110000"/>
+                <a:lumMod val="100000"/>
+                <a:shade val="100000"/>
+              </a:schemeClr>
+            </a:gs>
+            <a:gs pos="100000">
+              <a:schemeClr val="phClr">
+                <a:lumMod val="99000"/>
+                <a:satMod val="120000"/>
+                <a:shade val="78000"/>
+              </a:schemeClr>
+            </a:gs>
+          </a:gsLst>
+          <a:lin ang="5400000" scaled="0"/>
+        </a:gradFill>
+      </a:fillStyleLst>
+      <a:lnStyleLst>
+        <a:ln w="6350" cap="flat" cmpd="sng" algn="ctr">
+          <a:solidFill>
+            <a:schemeClr val="phClr"/>
+          </a:solidFill>
+          <a:prstDash val="solid"/>
+          <a:miter lim="800000"/>
+        </a:ln>
+        <a:ln w="12700" cap="flat" cmpd="sng" algn="ctr">
+          <a:solidFill>
+            <a:schemeClr val="phClr"/>
+          </a:solidFill>
+          <a:prstDash val="solid"/>
+          <a:miter lim="800000"/>
+        </a:ln>
+        <a:ln w="19050" cap="flat" cmpd="sng" algn="ctr">
+          <a:solidFill>
+            <a:schemeClr val="phClr"/>
+          </a:solidFill>
+          <a:prstDash val="solid"/>
+          <a:miter lim="800000"/>
+        </a:ln>
+      </a:lnStyleLst>
+      <a:effectStyleLst>
+        <a:effectStyle>
+          <a:effectLst/>
+        </a:effectStyle>
+        <a:effectStyle>
+          <a:effectLst/>
+        </a:effectStyle>
+        <a:effectStyle>
+          <a:effectLst>
+            <a:outerShdw blurRad="57150" dist="19050" dir="5400000" algn="ctr" rotWithShape="0">
+              <a:srgbClr val="000000">
+                <a:alpha val="63000"/>
+              </a:srgbClr>
+            </a:outerShdw>
+          </a:effectLst>
+        </a:effectStyle>
+      </a:effectStyleLst>
+      <a:bgFillStyleLst>
+        <a:solidFill>
+          <a:schemeClr val="phClr"/>
+        </a:solidFill>
+        <a:solidFill>
+          <a:schemeClr val="phClr">
+            <a:tint val="95000"/>
+            <a:satMod val="170000"/>
+          </a:schemeClr>
+        </a:solidFill>
+        <a:gradFill rotWithShape="1">
+          <a:gsLst>
+            <a:gs pos="0">
+              <a:schemeClr val="phClr">
+                <a:tint val="93000"/>
+                <a:satMod val="150000"/>
+                <a:shade val="98000"/>
+                <a:lumMod val="102000"/>
+              </a:schemeClr>
+            </a:gs>
+            <a:gs pos="50000">
+              <a:schemeClr val="phClr">
+                <a:tint val="98000"/>
+                <a:satMod val="130000"/>
+                <a:shade val="90000"/>
+                <a:lumMod val="103000"/>
+              </a:schemeClr>
+            </a:gs>
+            <a:gs pos="100000">
+              <a:schemeClr val="phClr">
+                <a:shade val="63000"/>
+                <a:satMod val="120000"/>
+              </a:schemeClr>
+            </a:gs>
+          </a:gsLst>
+          <a:lin ang="5400000" scaled="0"/>
+        </a:gradFill>
+      </a:bgFillStyleLst>
+    </a:fmtScheme>
+  </a:themeElements>
+  <a:objectDefaults/>
+  <a:extraClrSchemeLst/>
+  <a:extLst>
+    <a:ext uri="{05A4C25C-085E-4340-85A3-A5531E510DB2}">
+      <thm15:themeFamily xmlns:thm15="http://schemas.microsoft.com/office/thememl/2012/main" name="Office Theme" id="{62F939B6-93AF-4DB8-9C6B-D6C7DFDC589F}" vid="{4A3C46E8-61CC-4603-A589-7422A47A8E4A}"/>
+    </a:ext>
+  </a:extLst>
+</a:theme>
 </file>
--- a/pics/2022-09-28-Mahalanobis_distance/pics.pptx
+++ b/pics/2022-09-28-Mahalanobis_distance/pics.pptx
@@ -5,7 +5,7 @@
     <p:sldMasterId id="2147483648" r:id="rId1"/>
   </p:sldMasterIdLst>
   <p:notesMasterIdLst>
-    <p:notesMasterId r:id="rId14"/>
+    <p:notesMasterId r:id="rId15"/>
   </p:notesMasterIdLst>
   <p:sldIdLst>
     <p:sldId id="256" r:id="rId2"/>
@@ -15,11 +15,12 @@
     <p:sldId id="260" r:id="rId6"/>
     <p:sldId id="261" r:id="rId7"/>
     <p:sldId id="263" r:id="rId8"/>
-    <p:sldId id="266" r:id="rId9"/>
-    <p:sldId id="267" r:id="rId10"/>
-    <p:sldId id="268" r:id="rId11"/>
-    <p:sldId id="265" r:id="rId12"/>
-    <p:sldId id="264" r:id="rId13"/>
+    <p:sldId id="269" r:id="rId9"/>
+    <p:sldId id="266" r:id="rId10"/>
+    <p:sldId id="267" r:id="rId11"/>
+    <p:sldId id="268" r:id="rId12"/>
+    <p:sldId id="265" r:id="rId13"/>
+    <p:sldId id="264" r:id="rId14"/>
   </p:sldIdLst>
   <p:sldSz cx="12192000" cy="6858000"/>
   <p:notesSz cx="6858000" cy="9144000"/>
@@ -208,7 +209,7 @@
           <a:p>
             <a:fld id="{37018075-E126-440E-A9BA-06DE88865D46}" type="datetimeFigureOut">
               <a:rPr lang="en-US" smtClean="0"/>
-              <a:t>10/7/2022</a:t>
+              <a:t>10/10/2022</a:t>
             </a:fld>
             <a:endParaRPr lang="en-US"/>
           </a:p>
@@ -622,7 +623,7 @@
           <a:p>
             <a:fld id="{8DCFE445-8268-4AE2-ADD9-AB110B2937CA}" type="datetimeFigureOut">
               <a:rPr lang="ko-KR" altLang="en-US" smtClean="0"/>
-              <a:t>2022-10-07</a:t>
+              <a:t>2022-10-10</a:t>
             </a:fld>
             <a:endParaRPr lang="ko-KR" altLang="en-US"/>
           </a:p>
@@ -820,7 +821,7 @@
           <a:p>
             <a:fld id="{8DCFE445-8268-4AE2-ADD9-AB110B2937CA}" type="datetimeFigureOut">
               <a:rPr lang="ko-KR" altLang="en-US" smtClean="0"/>
-              <a:t>2022-10-07</a:t>
+              <a:t>2022-10-10</a:t>
             </a:fld>
             <a:endParaRPr lang="ko-KR" altLang="en-US"/>
           </a:p>
@@ -1028,7 +1029,7 @@
           <a:p>
             <a:fld id="{8DCFE445-8268-4AE2-ADD9-AB110B2937CA}" type="datetimeFigureOut">
               <a:rPr lang="ko-KR" altLang="en-US" smtClean="0"/>
-              <a:t>2022-10-07</a:t>
+              <a:t>2022-10-10</a:t>
             </a:fld>
             <a:endParaRPr lang="ko-KR" altLang="en-US"/>
           </a:p>
@@ -1226,7 +1227,7 @@
           <a:p>
             <a:fld id="{8DCFE445-8268-4AE2-ADD9-AB110B2937CA}" type="datetimeFigureOut">
               <a:rPr lang="ko-KR" altLang="en-US" smtClean="0"/>
-              <a:t>2022-10-07</a:t>
+              <a:t>2022-10-10</a:t>
             </a:fld>
             <a:endParaRPr lang="ko-KR" altLang="en-US"/>
           </a:p>
@@ -1501,7 +1502,7 @@
           <a:p>
             <a:fld id="{8DCFE445-8268-4AE2-ADD9-AB110B2937CA}" type="datetimeFigureOut">
               <a:rPr lang="ko-KR" altLang="en-US" smtClean="0"/>
-              <a:t>2022-10-07</a:t>
+              <a:t>2022-10-10</a:t>
             </a:fld>
             <a:endParaRPr lang="ko-KR" altLang="en-US"/>
           </a:p>
@@ -1766,7 +1767,7 @@
           <a:p>
             <a:fld id="{8DCFE445-8268-4AE2-ADD9-AB110B2937CA}" type="datetimeFigureOut">
               <a:rPr lang="ko-KR" altLang="en-US" smtClean="0"/>
-              <a:t>2022-10-07</a:t>
+              <a:t>2022-10-10</a:t>
             </a:fld>
             <a:endParaRPr lang="ko-KR" altLang="en-US"/>
           </a:p>
@@ -2178,7 +2179,7 @@
           <a:p>
             <a:fld id="{8DCFE445-8268-4AE2-ADD9-AB110B2937CA}" type="datetimeFigureOut">
               <a:rPr lang="ko-KR" altLang="en-US" smtClean="0"/>
-              <a:t>2022-10-07</a:t>
+              <a:t>2022-10-10</a:t>
             </a:fld>
             <a:endParaRPr lang="ko-KR" altLang="en-US"/>
           </a:p>
@@ -2319,7 +2320,7 @@
           <a:p>
             <a:fld id="{8DCFE445-8268-4AE2-ADD9-AB110B2937CA}" type="datetimeFigureOut">
               <a:rPr lang="ko-KR" altLang="en-US" smtClean="0"/>
-              <a:t>2022-10-07</a:t>
+              <a:t>2022-10-10</a:t>
             </a:fld>
             <a:endParaRPr lang="ko-KR" altLang="en-US"/>
           </a:p>
@@ -2432,7 +2433,7 @@
           <a:p>
             <a:fld id="{8DCFE445-8268-4AE2-ADD9-AB110B2937CA}" type="datetimeFigureOut">
               <a:rPr lang="ko-KR" altLang="en-US" smtClean="0"/>
-              <a:t>2022-10-07</a:t>
+              <a:t>2022-10-10</a:t>
             </a:fld>
             <a:endParaRPr lang="ko-KR" altLang="en-US"/>
           </a:p>
@@ -2743,7 +2744,7 @@
           <a:p>
             <a:fld id="{8DCFE445-8268-4AE2-ADD9-AB110B2937CA}" type="datetimeFigureOut">
               <a:rPr lang="ko-KR" altLang="en-US" smtClean="0"/>
-              <a:t>2022-10-07</a:t>
+              <a:t>2022-10-10</a:t>
             </a:fld>
             <a:endParaRPr lang="ko-KR" altLang="en-US"/>
           </a:p>
@@ -3031,7 +3032,7 @@
           <a:p>
             <a:fld id="{8DCFE445-8268-4AE2-ADD9-AB110B2937CA}" type="datetimeFigureOut">
               <a:rPr lang="ko-KR" altLang="en-US" smtClean="0"/>
-              <a:t>2022-10-07</a:t>
+              <a:t>2022-10-10</a:t>
             </a:fld>
             <a:endParaRPr lang="ko-KR" altLang="en-US"/>
           </a:p>
@@ -3272,7 +3273,7 @@
           <a:p>
             <a:fld id="{8DCFE445-8268-4AE2-ADD9-AB110B2937CA}" type="datetimeFigureOut">
               <a:rPr lang="ko-KR" altLang="en-US" smtClean="0"/>
-              <a:t>2022-10-07</a:t>
+              <a:t>2022-10-10</a:t>
             </a:fld>
             <a:endParaRPr lang="ko-KR" altLang="en-US"/>
           </a:p>
@@ -4442,6 +4443,170 @@
           <a:chExt cx="0" cy="0"/>
         </a:xfrm>
       </p:grpSpPr>
+      <p:sp>
+        <p:nvSpPr>
+          <p:cNvPr id="6" name="Oval 5">
+            <a:extLst>
+              <a:ext uri="{FF2B5EF4-FFF2-40B4-BE49-F238E27FC236}">
+                <a16:creationId xmlns:a16="http://schemas.microsoft.com/office/drawing/2014/main" id="{D6B86277-D592-4646-3ADC-E6E7C117D608}"/>
+              </a:ext>
+            </a:extLst>
+          </p:cNvPr>
+          <p:cNvSpPr/>
+          <p:nvPr/>
+        </p:nvSpPr>
+        <p:spPr>
+          <a:xfrm>
+            <a:off x="3951852" y="3285752"/>
+            <a:ext cx="166505" cy="164857"/>
+          </a:xfrm>
+          <a:prstGeom prst="ellipse">
+            <a:avLst/>
+          </a:prstGeom>
+          <a:noFill/>
+          <a:ln w="19050">
+            <a:solidFill>
+              <a:srgbClr val="FF0000"/>
+            </a:solidFill>
+          </a:ln>
+        </p:spPr>
+        <p:style>
+          <a:lnRef idx="2">
+            <a:schemeClr val="accent1">
+              <a:shade val="50000"/>
+            </a:schemeClr>
+          </a:lnRef>
+          <a:fillRef idx="1">
+            <a:schemeClr val="accent1"/>
+          </a:fillRef>
+          <a:effectRef idx="0">
+            <a:schemeClr val="accent1"/>
+          </a:effectRef>
+          <a:fontRef idx="minor">
+            <a:schemeClr val="lt1"/>
+          </a:fontRef>
+        </p:style>
+        <p:txBody>
+          <a:bodyPr rtlCol="0" anchor="ctr"/>
+          <a:lstStyle/>
+          <a:p>
+            <a:pPr algn="ctr"/>
+            <a:endParaRPr lang="en-US"/>
+          </a:p>
+        </p:txBody>
+      </p:sp>
+      <p:sp>
+        <p:nvSpPr>
+          <p:cNvPr id="7" name="Oval 6">
+            <a:extLst>
+              <a:ext uri="{FF2B5EF4-FFF2-40B4-BE49-F238E27FC236}">
+                <a16:creationId xmlns:a16="http://schemas.microsoft.com/office/drawing/2014/main" id="{C00D30AA-62BE-D1C7-37E3-F30DCAF615B4}"/>
+              </a:ext>
+            </a:extLst>
+          </p:cNvPr>
+          <p:cNvSpPr/>
+          <p:nvPr/>
+        </p:nvSpPr>
+        <p:spPr>
+          <a:xfrm>
+            <a:off x="6108700" y="5044702"/>
+            <a:ext cx="166505" cy="164857"/>
+          </a:xfrm>
+          <a:prstGeom prst="ellipse">
+            <a:avLst/>
+          </a:prstGeom>
+          <a:noFill/>
+          <a:ln w="19050">
+            <a:solidFill>
+              <a:srgbClr val="FF0000"/>
+            </a:solidFill>
+          </a:ln>
+        </p:spPr>
+        <p:style>
+          <a:lnRef idx="2">
+            <a:schemeClr val="accent1">
+              <a:shade val="50000"/>
+            </a:schemeClr>
+          </a:lnRef>
+          <a:fillRef idx="1">
+            <a:schemeClr val="accent1"/>
+          </a:fillRef>
+          <a:effectRef idx="0">
+            <a:schemeClr val="accent1"/>
+          </a:effectRef>
+          <a:fontRef idx="minor">
+            <a:schemeClr val="lt1"/>
+          </a:fontRef>
+        </p:style>
+        <p:txBody>
+          <a:bodyPr rtlCol="0" anchor="ctr"/>
+          <a:lstStyle/>
+          <a:p>
+            <a:pPr algn="ctr"/>
+            <a:endParaRPr lang="en-US"/>
+          </a:p>
+        </p:txBody>
+      </p:sp>
+      <p:pic>
+        <p:nvPicPr>
+          <p:cNvPr id="9" name="Picture 8">
+            <a:extLst>
+              <a:ext uri="{FF2B5EF4-FFF2-40B4-BE49-F238E27FC236}">
+                <a16:creationId xmlns:a16="http://schemas.microsoft.com/office/drawing/2014/main" id="{F69FA569-2EA3-EA01-44E5-422E03EB9E79}"/>
+              </a:ext>
+            </a:extLst>
+          </p:cNvPr>
+          <p:cNvPicPr>
+            <a:picLocks noChangeAspect="1"/>
+          </p:cNvPicPr>
+          <p:nvPr/>
+        </p:nvPicPr>
+        <p:blipFill>
+          <a:blip r:embed="rId2"/>
+          <a:stretch>
+            <a:fillRect/>
+          </a:stretch>
+        </p:blipFill>
+        <p:spPr>
+          <a:xfrm>
+            <a:off x="3429000" y="1428750"/>
+            <a:ext cx="5334000" cy="4000500"/>
+          </a:xfrm>
+          <a:prstGeom prst="rect">
+            <a:avLst/>
+          </a:prstGeom>
+        </p:spPr>
+      </p:pic>
+    </p:spTree>
+    <p:extLst>
+      <p:ext uri="{BB962C8B-B14F-4D97-AF65-F5344CB8AC3E}">
+        <p14:creationId xmlns:p14="http://schemas.microsoft.com/office/powerpoint/2010/main" val="3777877962"/>
+      </p:ext>
+    </p:extLst>
+  </p:cSld>
+  <p:clrMapOvr>
+    <a:masterClrMapping/>
+  </p:clrMapOvr>
+</p:sld>
+</file>
+
+<file path=ppt/slides/slide11.xml><?xml version="1.0" encoding="utf-8"?>
+<p:sld xmlns:a="http://schemas.openxmlformats.org/drawingml/2006/main" xmlns:r="http://schemas.openxmlformats.org/officeDocument/2006/relationships" xmlns:p="http://schemas.openxmlformats.org/presentationml/2006/main">
+  <p:cSld>
+    <p:spTree>
+      <p:nvGrpSpPr>
+        <p:cNvPr id="1" name=""/>
+        <p:cNvGrpSpPr/>
+        <p:nvPr/>
+      </p:nvGrpSpPr>
+      <p:grpSpPr>
+        <a:xfrm>
+          <a:off x="0" y="0"/>
+          <a:ext cx="0" cy="0"/>
+          <a:chOff x="0" y="0"/>
+          <a:chExt cx="0" cy="0"/>
+        </a:xfrm>
+      </p:grpSpPr>
       <p:pic>
         <p:nvPicPr>
           <p:cNvPr id="20" name="Picture 19">
@@ -4832,8 +4997,8 @@
           </a:p>
         </p:txBody>
       </p:sp>
-      <mc:AlternateContent xmlns:mc="http://schemas.openxmlformats.org/markup-compatibility/2006">
-        <mc:Choice xmlns:a14="http://schemas.microsoft.com/office/drawing/2010/main" Requires="a14">
+      <mc:AlternateContent xmlns:mc="http://schemas.openxmlformats.org/markup-compatibility/2006" xmlns:a14="http://schemas.microsoft.com/office/drawing/2010/main">
+        <mc:Choice Requires="a14">
           <p:sp>
             <p:nvSpPr>
               <p:cNvPr id="16" name="TextBox 15">
@@ -4862,6 +5027,7 @@
               </a:bodyPr>
               <a:lstStyle/>
               <a:p>
+                <a:pPr/>
                 <a14:m>
                   <m:oMathPara xmlns:m="http://schemas.openxmlformats.org/officeDocument/2006/math">
                     <m:oMathParaPr>
@@ -4883,7 +5049,7 @@
             </p:txBody>
           </p:sp>
         </mc:Choice>
-        <mc:Fallback>
+        <mc:Fallback xmlns="">
           <p:sp>
             <p:nvSpPr>
               <p:cNvPr id="16" name="TextBox 15">
@@ -4928,8 +5094,8 @@
           </p:sp>
         </mc:Fallback>
       </mc:AlternateContent>
-      <mc:AlternateContent xmlns:mc="http://schemas.openxmlformats.org/markup-compatibility/2006">
-        <mc:Choice xmlns:a14="http://schemas.microsoft.com/office/drawing/2010/main" Requires="a14">
+      <mc:AlternateContent xmlns:mc="http://schemas.openxmlformats.org/markup-compatibility/2006" xmlns:a14="http://schemas.microsoft.com/office/drawing/2010/main">
+        <mc:Choice Requires="a14">
           <p:sp>
             <p:nvSpPr>
               <p:cNvPr id="17" name="TextBox 16">
@@ -4958,6 +5124,7 @@
               </a:bodyPr>
               <a:lstStyle/>
               <a:p>
+                <a:pPr/>
                 <a14:m>
                   <m:oMathPara xmlns:m="http://schemas.openxmlformats.org/officeDocument/2006/math">
                     <m:oMathParaPr>
@@ -4979,7 +5146,7 @@
             </p:txBody>
           </p:sp>
         </mc:Choice>
-        <mc:Fallback>
+        <mc:Fallback xmlns="">
           <p:sp>
             <p:nvSpPr>
               <p:cNvPr id="17" name="TextBox 16">
@@ -5037,7 +5204,7 @@
 </p:sld>
 </file>
 
-<file path=ppt/slides/slide11.xml><?xml version="1.0" encoding="utf-8"?>
+<file path=ppt/slides/slide12.xml><?xml version="1.0" encoding="utf-8"?>
 <p:sld xmlns:a="http://schemas.openxmlformats.org/drawingml/2006/main" xmlns:r="http://schemas.openxmlformats.org/officeDocument/2006/relationships" xmlns:p="http://schemas.openxmlformats.org/presentationml/2006/main">
   <p:cSld>
     <p:spTree>
@@ -5339,7 +5506,7 @@
 </p:sld>
 </file>
 
-<file path=ppt/slides/slide12.xml><?xml version="1.0" encoding="utf-8"?>
+<file path=ppt/slides/slide13.xml><?xml version="1.0" encoding="utf-8"?>
 <p:sld xmlns:a="http://schemas.openxmlformats.org/drawingml/2006/main" xmlns:r="http://schemas.openxmlformats.org/officeDocument/2006/relationships" xmlns:p="http://schemas.openxmlformats.org/presentationml/2006/main">
   <p:cSld>
     <p:spTree>
@@ -5475,8 +5642,8 @@
           </a:prstGeom>
         </p:spPr>
       </p:pic>
-      <mc:AlternateContent xmlns:mc="http://schemas.openxmlformats.org/markup-compatibility/2006">
-        <mc:Choice xmlns:a14="http://schemas.microsoft.com/office/drawing/2010/main" Requires="a14">
+      <mc:AlternateContent xmlns:mc="http://schemas.openxmlformats.org/markup-compatibility/2006" xmlns:a14="http://schemas.microsoft.com/office/drawing/2010/main">
+        <mc:Choice Requires="a14">
           <p:sp>
             <p:nvSpPr>
               <p:cNvPr id="7" name="TextBox 6">
@@ -5552,7 +5719,7 @@
             </p:txBody>
           </p:sp>
         </mc:Choice>
-        <mc:Fallback>
+        <mc:Fallback xmlns="">
           <p:sp>
             <p:nvSpPr>
               <p:cNvPr id="7" name="TextBox 6">
@@ -5597,8 +5764,8 @@
           </p:sp>
         </mc:Fallback>
       </mc:AlternateContent>
-      <mc:AlternateContent xmlns:mc="http://schemas.openxmlformats.org/markup-compatibility/2006">
-        <mc:Choice xmlns:a14="http://schemas.microsoft.com/office/drawing/2010/main" Requires="a14">
+      <mc:AlternateContent xmlns:mc="http://schemas.openxmlformats.org/markup-compatibility/2006" xmlns:a14="http://schemas.microsoft.com/office/drawing/2010/main">
+        <mc:Choice Requires="a14">
           <p:sp>
             <p:nvSpPr>
               <p:cNvPr id="8" name="TextBox 7">
@@ -5653,7 +5820,7 @@
             </p:txBody>
           </p:sp>
         </mc:Choice>
-        <mc:Fallback>
+        <mc:Fallback xmlns="">
           <p:sp>
             <p:nvSpPr>
               <p:cNvPr id="8" name="TextBox 7">
@@ -5744,8 +5911,8 @@
           </a:p>
         </p:txBody>
       </p:sp>
-      <mc:AlternateContent xmlns:mc="http://schemas.openxmlformats.org/markup-compatibility/2006">
-        <mc:Choice xmlns:a14="http://schemas.microsoft.com/office/drawing/2010/main" Requires="a14">
+      <mc:AlternateContent xmlns:mc="http://schemas.openxmlformats.org/markup-compatibility/2006" xmlns:a14="http://schemas.microsoft.com/office/drawing/2010/main">
+        <mc:Choice Requires="a14">
           <p:sp>
             <p:nvSpPr>
               <p:cNvPr id="10" name="TextBox 9">
@@ -5800,7 +5967,7 @@
             </p:txBody>
           </p:sp>
         </mc:Choice>
-        <mc:Fallback>
+        <mc:Fallback xmlns="">
           <p:sp>
             <p:nvSpPr>
               <p:cNvPr id="10" name="TextBox 9">
@@ -12517,6 +12684,642 @@
           <a:chExt cx="0" cy="0"/>
         </a:xfrm>
       </p:grpSpPr>
+      <p:pic>
+        <p:nvPicPr>
+          <p:cNvPr id="5" name="그림 4">
+            <a:extLst>
+              <a:ext uri="{FF2B5EF4-FFF2-40B4-BE49-F238E27FC236}">
+                <a16:creationId xmlns:a16="http://schemas.microsoft.com/office/drawing/2014/main" id="{F0E9D988-F282-5A77-6A88-1FB2C3949912}"/>
+              </a:ext>
+            </a:extLst>
+          </p:cNvPr>
+          <p:cNvPicPr>
+            <a:picLocks noChangeAspect="1"/>
+          </p:cNvPicPr>
+          <p:nvPr/>
+        </p:nvPicPr>
+        <p:blipFill rotWithShape="1">
+          <a:blip r:embed="rId2"/>
+          <a:srcRect l="9363" r="64357"/>
+          <a:stretch/>
+        </p:blipFill>
+        <p:spPr>
+          <a:xfrm>
+            <a:off x="157299" y="1925294"/>
+            <a:ext cx="3978032" cy="3007412"/>
+          </a:xfrm>
+          <a:prstGeom prst="rect">
+            <a:avLst/>
+          </a:prstGeom>
+        </p:spPr>
+      </p:pic>
+      <p:pic>
+        <p:nvPicPr>
+          <p:cNvPr id="6" name="그림 5">
+            <a:extLst>
+              <a:ext uri="{FF2B5EF4-FFF2-40B4-BE49-F238E27FC236}">
+                <a16:creationId xmlns:a16="http://schemas.microsoft.com/office/drawing/2014/main" id="{0173A002-5896-B7AD-BF40-160A18354244}"/>
+              </a:ext>
+            </a:extLst>
+          </p:cNvPr>
+          <p:cNvPicPr>
+            <a:picLocks noChangeAspect="1"/>
+          </p:cNvPicPr>
+          <p:nvPr/>
+        </p:nvPicPr>
+        <p:blipFill rotWithShape="1">
+          <a:blip r:embed="rId2"/>
+          <a:srcRect l="37703" r="36392"/>
+          <a:stretch/>
+        </p:blipFill>
+        <p:spPr>
+          <a:xfrm>
+            <a:off x="4135331" y="1925294"/>
+            <a:ext cx="3921337" cy="3007412"/>
+          </a:xfrm>
+          <a:prstGeom prst="rect">
+            <a:avLst/>
+          </a:prstGeom>
+        </p:spPr>
+      </p:pic>
+      <p:pic>
+        <p:nvPicPr>
+          <p:cNvPr id="7" name="그림 6">
+            <a:extLst>
+              <a:ext uri="{FF2B5EF4-FFF2-40B4-BE49-F238E27FC236}">
+                <a16:creationId xmlns:a16="http://schemas.microsoft.com/office/drawing/2014/main" id="{A24F3AD9-B048-A4FB-0454-9320ED48ABA3}"/>
+              </a:ext>
+            </a:extLst>
+          </p:cNvPr>
+          <p:cNvPicPr>
+            <a:picLocks noChangeAspect="1"/>
+          </p:cNvPicPr>
+          <p:nvPr/>
+        </p:nvPicPr>
+        <p:blipFill rotWithShape="1">
+          <a:blip r:embed="rId2"/>
+          <a:srcRect l="66167" r="8552"/>
+          <a:stretch/>
+        </p:blipFill>
+        <p:spPr>
+          <a:xfrm>
+            <a:off x="8056669" y="1925294"/>
+            <a:ext cx="3826847" cy="3007412"/>
+          </a:xfrm>
+          <a:prstGeom prst="rect">
+            <a:avLst/>
+          </a:prstGeom>
+        </p:spPr>
+      </p:pic>
+      <mc:AlternateContent xmlns:mc="http://schemas.openxmlformats.org/markup-compatibility/2006">
+        <mc:Choice xmlns:a14="http://schemas.microsoft.com/office/drawing/2010/main" Requires="a14">
+          <p:sp>
+            <p:nvSpPr>
+              <p:cNvPr id="9" name="TextBox 8">
+                <a:extLst>
+                  <a:ext uri="{FF2B5EF4-FFF2-40B4-BE49-F238E27FC236}">
+                    <a16:creationId xmlns:a16="http://schemas.microsoft.com/office/drawing/2014/main" id="{61E31780-09A1-DB38-4DF6-9599FA901104}"/>
+                  </a:ext>
+                </a:extLst>
+              </p:cNvPr>
+              <p:cNvSpPr txBox="1"/>
+              <p:nvPr/>
+            </p:nvSpPr>
+            <p:spPr>
+              <a:xfrm>
+                <a:off x="1471130" y="1489376"/>
+                <a:ext cx="1350370" cy="552459"/>
+              </a:xfrm>
+              <a:prstGeom prst="rect">
+                <a:avLst/>
+              </a:prstGeom>
+              <a:noFill/>
+            </p:spPr>
+            <p:txBody>
+              <a:bodyPr wrap="none" rtlCol="0">
+                <a:spAutoFit/>
+              </a:bodyPr>
+              <a:lstStyle/>
+              <a:p>
+                <a14:m>
+                  <m:oMathPara xmlns:m="http://schemas.openxmlformats.org/officeDocument/2006/math">
+                    <m:oMathParaPr>
+                      <m:jc m:val="centerGroup"/>
+                    </m:oMathParaPr>
+                    <m:oMath xmlns:m="http://schemas.openxmlformats.org/officeDocument/2006/math">
+                      <m:r>
+                        <m:rPr>
+                          <m:sty m:val="p"/>
+                        </m:rPr>
+                        <a:rPr lang="en-US" altLang="ko-KR" b="0" i="0" smtClean="0">
+                          <a:latin typeface="Cambria Math" panose="02040503050406030204" pitchFamily="18" charset="0"/>
+                        </a:rPr>
+                        <m:t>Σ</m:t>
+                      </m:r>
+                      <m:r>
+                        <a:rPr lang="en-US" altLang="ko-KR" b="0" i="1" smtClean="0">
+                          <a:latin typeface="Cambria Math" panose="02040503050406030204" pitchFamily="18" charset="0"/>
+                        </a:rPr>
+                        <m:t>=</m:t>
+                      </m:r>
+                      <m:d>
+                        <m:dPr>
+                          <m:begChr m:val="["/>
+                          <m:endChr m:val="]"/>
+                          <m:ctrlPr>
+                            <a:rPr lang="en-US" altLang="ko-KR" i="1" smtClean="0">
+                              <a:latin typeface="Cambria Math" panose="02040503050406030204" pitchFamily="18" charset="0"/>
+                            </a:rPr>
+                          </m:ctrlPr>
+                        </m:dPr>
+                        <m:e>
+                          <m:m>
+                            <m:mPr>
+                              <m:mcs>
+                                <m:mc>
+                                  <m:mcPr>
+                                    <m:count m:val="2"/>
+                                    <m:mcJc m:val="center"/>
+                                  </m:mcPr>
+                                </m:mc>
+                              </m:mcs>
+                              <m:ctrlPr>
+                                <a:rPr lang="en-US" altLang="ko-KR" i="1" smtClean="0">
+                                  <a:latin typeface="Cambria Math" panose="02040503050406030204" pitchFamily="18" charset="0"/>
+                                </a:rPr>
+                              </m:ctrlPr>
+                            </m:mPr>
+                            <m:mr>
+                              <m:e>
+                                <m:r>
+                                  <m:rPr>
+                                    <m:brk m:alnAt="7"/>
+                                  </m:rPr>
+                                  <a:rPr lang="en-US" altLang="ko-KR" b="0" i="1" smtClean="0">
+                                    <a:latin typeface="Cambria Math" panose="02040503050406030204" pitchFamily="18" charset="0"/>
+                                  </a:rPr>
+                                  <m:t>2</m:t>
+                                </m:r>
+                              </m:e>
+                              <m:e>
+                                <m:r>
+                                  <a:rPr lang="en-US" altLang="ko-KR" b="0" i="1" smtClean="0">
+                                    <a:latin typeface="Cambria Math" panose="02040503050406030204" pitchFamily="18" charset="0"/>
+                                  </a:rPr>
+                                  <m:t>1</m:t>
+                                </m:r>
+                              </m:e>
+                            </m:mr>
+                            <m:mr>
+                              <m:e>
+                                <m:r>
+                                  <a:rPr lang="en-US" altLang="ko-KR" b="0" i="1" smtClean="0">
+                                    <a:latin typeface="Cambria Math" panose="02040503050406030204" pitchFamily="18" charset="0"/>
+                                  </a:rPr>
+                                  <m:t>1</m:t>
+                                </m:r>
+                              </m:e>
+                              <m:e>
+                                <m:r>
+                                  <a:rPr lang="en-US" altLang="ko-KR" b="0" i="1" smtClean="0">
+                                    <a:latin typeface="Cambria Math" panose="02040503050406030204" pitchFamily="18" charset="0"/>
+                                  </a:rPr>
+                                  <m:t>2</m:t>
+                                </m:r>
+                              </m:e>
+                            </m:mr>
+                          </m:m>
+                        </m:e>
+                      </m:d>
+                    </m:oMath>
+                  </m:oMathPara>
+                </a14:m>
+                <a:endParaRPr lang="ko-KR" altLang="en-US" dirty="0"/>
+              </a:p>
+            </p:txBody>
+          </p:sp>
+        </mc:Choice>
+        <mc:Fallback>
+          <p:sp>
+            <p:nvSpPr>
+              <p:cNvPr id="9" name="TextBox 8">
+                <a:extLst>
+                  <a:ext uri="{FF2B5EF4-FFF2-40B4-BE49-F238E27FC236}">
+                    <a16:creationId xmlns:a16="http://schemas.microsoft.com/office/drawing/2014/main" id="{61E31780-09A1-DB38-4DF6-9599FA901104}"/>
+                  </a:ext>
+                </a:extLst>
+              </p:cNvPr>
+              <p:cNvSpPr txBox="1">
+                <a:spLocks noRot="1" noChangeAspect="1" noMove="1" noResize="1" noEditPoints="1" noAdjustHandles="1" noChangeArrowheads="1" noChangeShapeType="1" noTextEdit="1"/>
+              </p:cNvSpPr>
+              <p:nvPr/>
+            </p:nvSpPr>
+            <p:spPr>
+              <a:xfrm>
+                <a:off x="1471130" y="1489376"/>
+                <a:ext cx="1350370" cy="552459"/>
+              </a:xfrm>
+              <a:prstGeom prst="rect">
+                <a:avLst/>
+              </a:prstGeom>
+              <a:blipFill>
+                <a:blip r:embed="rId3"/>
+                <a:stretch>
+                  <a:fillRect/>
+                </a:stretch>
+              </a:blipFill>
+            </p:spPr>
+            <p:txBody>
+              <a:bodyPr/>
+              <a:lstStyle/>
+              <a:p>
+                <a:r>
+                  <a:rPr lang="ko-KR" altLang="en-US">
+                    <a:noFill/>
+                  </a:rPr>
+                  <a:t> </a:t>
+                </a:r>
+              </a:p>
+            </p:txBody>
+          </p:sp>
+        </mc:Fallback>
+      </mc:AlternateContent>
+      <mc:AlternateContent xmlns:mc="http://schemas.openxmlformats.org/markup-compatibility/2006">
+        <mc:Choice xmlns:a14="http://schemas.microsoft.com/office/drawing/2010/main" Requires="a14">
+          <p:sp>
+            <p:nvSpPr>
+              <p:cNvPr id="10" name="TextBox 9">
+                <a:extLst>
+                  <a:ext uri="{FF2B5EF4-FFF2-40B4-BE49-F238E27FC236}">
+                    <a16:creationId xmlns:a16="http://schemas.microsoft.com/office/drawing/2014/main" id="{C3EA6EE4-AA6B-65B7-21AE-196FDF686772}"/>
+                  </a:ext>
+                </a:extLst>
+              </p:cNvPr>
+              <p:cNvSpPr txBox="1"/>
+              <p:nvPr/>
+            </p:nvSpPr>
+            <p:spPr>
+              <a:xfrm>
+                <a:off x="5247690" y="1489376"/>
+                <a:ext cx="1696618" cy="552459"/>
+              </a:xfrm>
+              <a:prstGeom prst="rect">
+                <a:avLst/>
+              </a:prstGeom>
+              <a:noFill/>
+            </p:spPr>
+            <p:txBody>
+              <a:bodyPr wrap="none" rtlCol="0">
+                <a:spAutoFit/>
+              </a:bodyPr>
+              <a:lstStyle/>
+              <a:p>
+                <a14:m>
+                  <m:oMathPara xmlns:m="http://schemas.openxmlformats.org/officeDocument/2006/math">
+                    <m:oMathParaPr>
+                      <m:jc m:val="centerGroup"/>
+                    </m:oMathParaPr>
+                    <m:oMath xmlns:m="http://schemas.openxmlformats.org/officeDocument/2006/math">
+                      <m:r>
+                        <m:rPr>
+                          <m:sty m:val="p"/>
+                        </m:rPr>
+                        <a:rPr lang="en-US" altLang="ko-KR" b="0" i="0" smtClean="0">
+                          <a:latin typeface="Cambria Math" panose="02040503050406030204" pitchFamily="18" charset="0"/>
+                        </a:rPr>
+                        <m:t>Σ</m:t>
+                      </m:r>
+                      <m:r>
+                        <a:rPr lang="en-US" altLang="ko-KR" b="0" i="1" smtClean="0">
+                          <a:latin typeface="Cambria Math" panose="02040503050406030204" pitchFamily="18" charset="0"/>
+                        </a:rPr>
+                        <m:t>=</m:t>
+                      </m:r>
+                      <m:d>
+                        <m:dPr>
+                          <m:begChr m:val="["/>
+                          <m:endChr m:val="]"/>
+                          <m:ctrlPr>
+                            <a:rPr lang="en-US" altLang="ko-KR" i="1" smtClean="0">
+                              <a:latin typeface="Cambria Math" panose="02040503050406030204" pitchFamily="18" charset="0"/>
+                            </a:rPr>
+                          </m:ctrlPr>
+                        </m:dPr>
+                        <m:e>
+                          <m:m>
+                            <m:mPr>
+                              <m:mcs>
+                                <m:mc>
+                                  <m:mcPr>
+                                    <m:count m:val="2"/>
+                                    <m:mcJc m:val="center"/>
+                                  </m:mcPr>
+                                </m:mc>
+                              </m:mcs>
+                              <m:ctrlPr>
+                                <a:rPr lang="en-US" altLang="ko-KR" i="1" smtClean="0">
+                                  <a:latin typeface="Cambria Math" panose="02040503050406030204" pitchFamily="18" charset="0"/>
+                                </a:rPr>
+                              </m:ctrlPr>
+                            </m:mPr>
+                            <m:mr>
+                              <m:e>
+                                <m:r>
+                                  <m:rPr>
+                                    <m:brk m:alnAt="7"/>
+                                  </m:rPr>
+                                  <a:rPr lang="en-US" altLang="ko-KR" b="0" i="1" smtClean="0">
+                                    <a:latin typeface="Cambria Math" panose="02040503050406030204" pitchFamily="18" charset="0"/>
+                                  </a:rPr>
+                                  <m:t>2</m:t>
+                                </m:r>
+                              </m:e>
+                              <m:e>
+                                <m:r>
+                                  <a:rPr lang="en-US" altLang="ko-KR" b="0" i="1" smtClean="0">
+                                    <a:latin typeface="Cambria Math" panose="02040503050406030204" pitchFamily="18" charset="0"/>
+                                  </a:rPr>
+                                  <m:t>−1</m:t>
+                                </m:r>
+                              </m:e>
+                            </m:mr>
+                            <m:mr>
+                              <m:e>
+                                <m:r>
+                                  <a:rPr lang="en-US" altLang="ko-KR" b="0" i="1" smtClean="0">
+                                    <a:latin typeface="Cambria Math" panose="02040503050406030204" pitchFamily="18" charset="0"/>
+                                  </a:rPr>
+                                  <m:t>−1</m:t>
+                                </m:r>
+                              </m:e>
+                              <m:e>
+                                <m:r>
+                                  <a:rPr lang="en-US" altLang="ko-KR" b="0" i="1" smtClean="0">
+                                    <a:latin typeface="Cambria Math" panose="02040503050406030204" pitchFamily="18" charset="0"/>
+                                  </a:rPr>
+                                  <m:t>2</m:t>
+                                </m:r>
+                              </m:e>
+                            </m:mr>
+                          </m:m>
+                        </m:e>
+                      </m:d>
+                    </m:oMath>
+                  </m:oMathPara>
+                </a14:m>
+                <a:endParaRPr lang="ko-KR" altLang="en-US" dirty="0"/>
+              </a:p>
+            </p:txBody>
+          </p:sp>
+        </mc:Choice>
+        <mc:Fallback>
+          <p:sp>
+            <p:nvSpPr>
+              <p:cNvPr id="10" name="TextBox 9">
+                <a:extLst>
+                  <a:ext uri="{FF2B5EF4-FFF2-40B4-BE49-F238E27FC236}">
+                    <a16:creationId xmlns:a16="http://schemas.microsoft.com/office/drawing/2014/main" id="{C3EA6EE4-AA6B-65B7-21AE-196FDF686772}"/>
+                  </a:ext>
+                </a:extLst>
+              </p:cNvPr>
+              <p:cNvSpPr txBox="1">
+                <a:spLocks noRot="1" noChangeAspect="1" noMove="1" noResize="1" noEditPoints="1" noAdjustHandles="1" noChangeArrowheads="1" noChangeShapeType="1" noTextEdit="1"/>
+              </p:cNvSpPr>
+              <p:nvPr/>
+            </p:nvSpPr>
+            <p:spPr>
+              <a:xfrm>
+                <a:off x="5247690" y="1489376"/>
+                <a:ext cx="1696618" cy="552459"/>
+              </a:xfrm>
+              <a:prstGeom prst="rect">
+                <a:avLst/>
+              </a:prstGeom>
+              <a:blipFill>
+                <a:blip r:embed="rId4"/>
+                <a:stretch>
+                  <a:fillRect/>
+                </a:stretch>
+              </a:blipFill>
+            </p:spPr>
+            <p:txBody>
+              <a:bodyPr/>
+              <a:lstStyle/>
+              <a:p>
+                <a:r>
+                  <a:rPr lang="ko-KR" altLang="en-US">
+                    <a:noFill/>
+                  </a:rPr>
+                  <a:t> </a:t>
+                </a:r>
+              </a:p>
+            </p:txBody>
+          </p:sp>
+        </mc:Fallback>
+      </mc:AlternateContent>
+      <mc:AlternateContent xmlns:mc="http://schemas.openxmlformats.org/markup-compatibility/2006">
+        <mc:Choice xmlns:a14="http://schemas.microsoft.com/office/drawing/2010/main" Requires="a14">
+          <p:sp>
+            <p:nvSpPr>
+              <p:cNvPr id="11" name="TextBox 10">
+                <a:extLst>
+                  <a:ext uri="{FF2B5EF4-FFF2-40B4-BE49-F238E27FC236}">
+                    <a16:creationId xmlns:a16="http://schemas.microsoft.com/office/drawing/2014/main" id="{477CFC31-4529-A9CC-875B-060CDCD9D223}"/>
+                  </a:ext>
+                </a:extLst>
+              </p:cNvPr>
+              <p:cNvSpPr txBox="1"/>
+              <p:nvPr/>
+            </p:nvSpPr>
+            <p:spPr>
+              <a:xfrm>
+                <a:off x="9294907" y="1482813"/>
+                <a:ext cx="1350370" cy="554254"/>
+              </a:xfrm>
+              <a:prstGeom prst="rect">
+                <a:avLst/>
+              </a:prstGeom>
+              <a:noFill/>
+            </p:spPr>
+            <p:txBody>
+              <a:bodyPr wrap="none" rtlCol="0">
+                <a:spAutoFit/>
+              </a:bodyPr>
+              <a:lstStyle/>
+              <a:p>
+                <a14:m>
+                  <m:oMathPara xmlns:m="http://schemas.openxmlformats.org/officeDocument/2006/math">
+                    <m:oMathParaPr>
+                      <m:jc m:val="centerGroup"/>
+                    </m:oMathParaPr>
+                    <m:oMath xmlns:m="http://schemas.openxmlformats.org/officeDocument/2006/math">
+                      <m:r>
+                        <m:rPr>
+                          <m:sty m:val="p"/>
+                        </m:rPr>
+                        <a:rPr lang="en-US" altLang="ko-KR" b="0" i="0" smtClean="0">
+                          <a:latin typeface="Cambria Math" panose="02040503050406030204" pitchFamily="18" charset="0"/>
+                        </a:rPr>
+                        <m:t>Σ</m:t>
+                      </m:r>
+                      <m:r>
+                        <a:rPr lang="en-US" altLang="ko-KR" b="0" i="1" smtClean="0">
+                          <a:latin typeface="Cambria Math" panose="02040503050406030204" pitchFamily="18" charset="0"/>
+                        </a:rPr>
+                        <m:t>=</m:t>
+                      </m:r>
+                      <m:d>
+                        <m:dPr>
+                          <m:begChr m:val="["/>
+                          <m:endChr m:val="]"/>
+                          <m:ctrlPr>
+                            <a:rPr lang="en-US" altLang="ko-KR" i="1" smtClean="0">
+                              <a:latin typeface="Cambria Math" panose="02040503050406030204" pitchFamily="18" charset="0"/>
+                            </a:rPr>
+                          </m:ctrlPr>
+                        </m:dPr>
+                        <m:e>
+                          <m:m>
+                            <m:mPr>
+                              <m:mcs>
+                                <m:mc>
+                                  <m:mcPr>
+                                    <m:count m:val="2"/>
+                                    <m:mcJc m:val="center"/>
+                                  </m:mcPr>
+                                </m:mc>
+                              </m:mcs>
+                              <m:ctrlPr>
+                                <a:rPr lang="en-US" altLang="ko-KR" i="1" smtClean="0">
+                                  <a:latin typeface="Cambria Math" panose="02040503050406030204" pitchFamily="18" charset="0"/>
+                                </a:rPr>
+                              </m:ctrlPr>
+                            </m:mPr>
+                            <m:mr>
+                              <m:e>
+                                <m:r>
+                                  <m:rPr>
+                                    <m:brk m:alnAt="7"/>
+                                  </m:rPr>
+                                  <a:rPr lang="en-US" altLang="ko-KR" b="0" i="1" smtClean="0">
+                                    <a:latin typeface="Cambria Math" panose="02040503050406030204" pitchFamily="18" charset="0"/>
+                                  </a:rPr>
+                                  <m:t>1</m:t>
+                                </m:r>
+                              </m:e>
+                              <m:e>
+                                <m:r>
+                                  <a:rPr lang="en-US" altLang="ko-KR" b="0" i="1" smtClean="0">
+                                    <a:latin typeface="Cambria Math" panose="02040503050406030204" pitchFamily="18" charset="0"/>
+                                  </a:rPr>
+                                  <m:t>0</m:t>
+                                </m:r>
+                              </m:e>
+                            </m:mr>
+                            <m:mr>
+                              <m:e>
+                                <m:r>
+                                  <a:rPr lang="en-US" altLang="ko-KR" b="0" i="1" smtClean="0">
+                                    <a:latin typeface="Cambria Math" panose="02040503050406030204" pitchFamily="18" charset="0"/>
+                                  </a:rPr>
+                                  <m:t>0</m:t>
+                                </m:r>
+                              </m:e>
+                              <m:e>
+                                <m:r>
+                                  <a:rPr lang="en-US" altLang="ko-KR" b="0" i="1" smtClean="0">
+                                    <a:latin typeface="Cambria Math" panose="02040503050406030204" pitchFamily="18" charset="0"/>
+                                  </a:rPr>
+                                  <m:t>1</m:t>
+                                </m:r>
+                              </m:e>
+                            </m:mr>
+                          </m:m>
+                        </m:e>
+                      </m:d>
+                    </m:oMath>
+                  </m:oMathPara>
+                </a14:m>
+                <a:endParaRPr lang="ko-KR" altLang="en-US" dirty="0"/>
+              </a:p>
+            </p:txBody>
+          </p:sp>
+        </mc:Choice>
+        <mc:Fallback>
+          <p:sp>
+            <p:nvSpPr>
+              <p:cNvPr id="11" name="TextBox 10">
+                <a:extLst>
+                  <a:ext uri="{FF2B5EF4-FFF2-40B4-BE49-F238E27FC236}">
+                    <a16:creationId xmlns:a16="http://schemas.microsoft.com/office/drawing/2014/main" id="{477CFC31-4529-A9CC-875B-060CDCD9D223}"/>
+                  </a:ext>
+                </a:extLst>
+              </p:cNvPr>
+              <p:cNvSpPr txBox="1">
+                <a:spLocks noRot="1" noChangeAspect="1" noMove="1" noResize="1" noEditPoints="1" noAdjustHandles="1" noChangeArrowheads="1" noChangeShapeType="1" noTextEdit="1"/>
+              </p:cNvSpPr>
+              <p:nvPr/>
+            </p:nvSpPr>
+            <p:spPr>
+              <a:xfrm>
+                <a:off x="9294907" y="1482813"/>
+                <a:ext cx="1350370" cy="554254"/>
+              </a:xfrm>
+              <a:prstGeom prst="rect">
+                <a:avLst/>
+              </a:prstGeom>
+              <a:blipFill>
+                <a:blip r:embed="rId5"/>
+                <a:stretch>
+                  <a:fillRect/>
+                </a:stretch>
+              </a:blipFill>
+            </p:spPr>
+            <p:txBody>
+              <a:bodyPr/>
+              <a:lstStyle/>
+              <a:p>
+                <a:r>
+                  <a:rPr lang="ko-KR" altLang="en-US">
+                    <a:noFill/>
+                  </a:rPr>
+                  <a:t> </a:t>
+                </a:r>
+              </a:p>
+            </p:txBody>
+          </p:sp>
+        </mc:Fallback>
+      </mc:AlternateContent>
+    </p:spTree>
+    <p:extLst>
+      <p:ext uri="{BB962C8B-B14F-4D97-AF65-F5344CB8AC3E}">
+        <p14:creationId xmlns:p14="http://schemas.microsoft.com/office/powerpoint/2010/main" val="1927841771"/>
+      </p:ext>
+    </p:extLst>
+  </p:cSld>
+  <p:clrMapOvr>
+    <a:masterClrMapping/>
+  </p:clrMapOvr>
+</p:sld>
+</file>
+
+<file path=ppt/slides/slide9.xml><?xml version="1.0" encoding="utf-8"?>
+<p:sld xmlns:a="http://schemas.openxmlformats.org/drawingml/2006/main" xmlns:r="http://schemas.openxmlformats.org/officeDocument/2006/relationships" xmlns:p="http://schemas.openxmlformats.org/presentationml/2006/main">
+  <p:cSld>
+    <p:spTree>
+      <p:nvGrpSpPr>
+        <p:cNvPr id="1" name=""/>
+        <p:cNvGrpSpPr/>
+        <p:nvPr/>
+      </p:nvGrpSpPr>
+      <p:grpSpPr>
+        <a:xfrm>
+          <a:off x="0" y="0"/>
+          <a:ext cx="0" cy="0"/>
+          <a:chOff x="0" y="0"/>
+          <a:chExt cx="0" cy="0"/>
+        </a:xfrm>
+      </p:grpSpPr>
       <p:graphicFrame>
         <p:nvGraphicFramePr>
           <p:cNvPr id="4" name="Table 4">
@@ -12919,170 +13722,6 @@
     <p:extLst>
       <p:ext uri="{BB962C8B-B14F-4D97-AF65-F5344CB8AC3E}">
         <p14:creationId xmlns:p14="http://schemas.microsoft.com/office/powerpoint/2010/main" val="159419004"/>
-      </p:ext>
-    </p:extLst>
-  </p:cSld>
-  <p:clrMapOvr>
-    <a:masterClrMapping/>
-  </p:clrMapOvr>
-</p:sld>
-</file>
-
-<file path=ppt/slides/slide9.xml><?xml version="1.0" encoding="utf-8"?>
-<p:sld xmlns:a="http://schemas.openxmlformats.org/drawingml/2006/main" xmlns:r="http://schemas.openxmlformats.org/officeDocument/2006/relationships" xmlns:p="http://schemas.openxmlformats.org/presentationml/2006/main">
-  <p:cSld>
-    <p:spTree>
-      <p:nvGrpSpPr>
-        <p:cNvPr id="1" name=""/>
-        <p:cNvGrpSpPr/>
-        <p:nvPr/>
-      </p:nvGrpSpPr>
-      <p:grpSpPr>
-        <a:xfrm>
-          <a:off x="0" y="0"/>
-          <a:ext cx="0" cy="0"/>
-          <a:chOff x="0" y="0"/>
-          <a:chExt cx="0" cy="0"/>
-        </a:xfrm>
-      </p:grpSpPr>
-      <p:sp>
-        <p:nvSpPr>
-          <p:cNvPr id="6" name="Oval 5">
-            <a:extLst>
-              <a:ext uri="{FF2B5EF4-FFF2-40B4-BE49-F238E27FC236}">
-                <a16:creationId xmlns:a16="http://schemas.microsoft.com/office/drawing/2014/main" id="{D6B86277-D592-4646-3ADC-E6E7C117D608}"/>
-              </a:ext>
-            </a:extLst>
-          </p:cNvPr>
-          <p:cNvSpPr/>
-          <p:nvPr/>
-        </p:nvSpPr>
-        <p:spPr>
-          <a:xfrm>
-            <a:off x="3951852" y="3285752"/>
-            <a:ext cx="166505" cy="164857"/>
-          </a:xfrm>
-          <a:prstGeom prst="ellipse">
-            <a:avLst/>
-          </a:prstGeom>
-          <a:noFill/>
-          <a:ln w="19050">
-            <a:solidFill>
-              <a:srgbClr val="FF0000"/>
-            </a:solidFill>
-          </a:ln>
-        </p:spPr>
-        <p:style>
-          <a:lnRef idx="2">
-            <a:schemeClr val="accent1">
-              <a:shade val="50000"/>
-            </a:schemeClr>
-          </a:lnRef>
-          <a:fillRef idx="1">
-            <a:schemeClr val="accent1"/>
-          </a:fillRef>
-          <a:effectRef idx="0">
-            <a:schemeClr val="accent1"/>
-          </a:effectRef>
-          <a:fontRef idx="minor">
-            <a:schemeClr val="lt1"/>
-          </a:fontRef>
-        </p:style>
-        <p:txBody>
-          <a:bodyPr rtlCol="0" anchor="ctr"/>
-          <a:lstStyle/>
-          <a:p>
-            <a:pPr algn="ctr"/>
-            <a:endParaRPr lang="en-US"/>
-          </a:p>
-        </p:txBody>
-      </p:sp>
-      <p:sp>
-        <p:nvSpPr>
-          <p:cNvPr id="7" name="Oval 6">
-            <a:extLst>
-              <a:ext uri="{FF2B5EF4-FFF2-40B4-BE49-F238E27FC236}">
-                <a16:creationId xmlns:a16="http://schemas.microsoft.com/office/drawing/2014/main" id="{C00D30AA-62BE-D1C7-37E3-F30DCAF615B4}"/>
-              </a:ext>
-            </a:extLst>
-          </p:cNvPr>
-          <p:cNvSpPr/>
-          <p:nvPr/>
-        </p:nvSpPr>
-        <p:spPr>
-          <a:xfrm>
-            <a:off x="6108700" y="5044702"/>
-            <a:ext cx="166505" cy="164857"/>
-          </a:xfrm>
-          <a:prstGeom prst="ellipse">
-            <a:avLst/>
-          </a:prstGeom>
-          <a:noFill/>
-          <a:ln w="19050">
-            <a:solidFill>
-              <a:srgbClr val="FF0000"/>
-            </a:solidFill>
-          </a:ln>
-        </p:spPr>
-        <p:style>
-          <a:lnRef idx="2">
-            <a:schemeClr val="accent1">
-              <a:shade val="50000"/>
-            </a:schemeClr>
-          </a:lnRef>
-          <a:fillRef idx="1">
-            <a:schemeClr val="accent1"/>
-          </a:fillRef>
-          <a:effectRef idx="0">
-            <a:schemeClr val="accent1"/>
-          </a:effectRef>
-          <a:fontRef idx="minor">
-            <a:schemeClr val="lt1"/>
-          </a:fontRef>
-        </p:style>
-        <p:txBody>
-          <a:bodyPr rtlCol="0" anchor="ctr"/>
-          <a:lstStyle/>
-          <a:p>
-            <a:pPr algn="ctr"/>
-            <a:endParaRPr lang="en-US"/>
-          </a:p>
-        </p:txBody>
-      </p:sp>
-      <p:pic>
-        <p:nvPicPr>
-          <p:cNvPr id="9" name="Picture 8">
-            <a:extLst>
-              <a:ext uri="{FF2B5EF4-FFF2-40B4-BE49-F238E27FC236}">
-                <a16:creationId xmlns:a16="http://schemas.microsoft.com/office/drawing/2014/main" id="{F69FA569-2EA3-EA01-44E5-422E03EB9E79}"/>
-              </a:ext>
-            </a:extLst>
-          </p:cNvPr>
-          <p:cNvPicPr>
-            <a:picLocks noChangeAspect="1"/>
-          </p:cNvPicPr>
-          <p:nvPr/>
-        </p:nvPicPr>
-        <p:blipFill>
-          <a:blip r:embed="rId2"/>
-          <a:stretch>
-            <a:fillRect/>
-          </a:stretch>
-        </p:blipFill>
-        <p:spPr>
-          <a:xfrm>
-            <a:off x="3429000" y="1428750"/>
-            <a:ext cx="5334000" cy="4000500"/>
-          </a:xfrm>
-          <a:prstGeom prst="rect">
-            <a:avLst/>
-          </a:prstGeom>
-        </p:spPr>
-      </p:pic>
-    </p:spTree>
-    <p:extLst>
-      <p:ext uri="{BB962C8B-B14F-4D97-AF65-F5344CB8AC3E}">
-        <p14:creationId xmlns:p14="http://schemas.microsoft.com/office/powerpoint/2010/main" val="3777877962"/>
       </p:ext>
     </p:extLst>
   </p:cSld>

--- a/pics/2022-09-28-Mahalanobis_distance/pics.pptx
+++ b/pics/2022-09-28-Mahalanobis_distance/pics.pptx
@@ -5,7 +5,7 @@
     <p:sldMasterId id="2147483648" r:id="rId1"/>
   </p:sldMasterIdLst>
   <p:notesMasterIdLst>
-    <p:notesMasterId r:id="rId15"/>
+    <p:notesMasterId r:id="rId17"/>
   </p:notesMasterIdLst>
   <p:sldIdLst>
     <p:sldId id="256" r:id="rId2"/>
@@ -16,11 +16,13 @@
     <p:sldId id="261" r:id="rId7"/>
     <p:sldId id="263" r:id="rId8"/>
     <p:sldId id="269" r:id="rId9"/>
-    <p:sldId id="266" r:id="rId10"/>
-    <p:sldId id="267" r:id="rId11"/>
-    <p:sldId id="268" r:id="rId12"/>
-    <p:sldId id="265" r:id="rId13"/>
-    <p:sldId id="264" r:id="rId14"/>
+    <p:sldId id="270" r:id="rId10"/>
+    <p:sldId id="271" r:id="rId11"/>
+    <p:sldId id="266" r:id="rId12"/>
+    <p:sldId id="267" r:id="rId13"/>
+    <p:sldId id="268" r:id="rId14"/>
+    <p:sldId id="265" r:id="rId15"/>
+    <p:sldId id="264" r:id="rId16"/>
   </p:sldIdLst>
   <p:sldSz cx="12192000" cy="6858000"/>
   <p:notesSz cx="6858000" cy="9144000"/>
@@ -209,7 +211,7 @@
           <a:p>
             <a:fld id="{37018075-E126-440E-A9BA-06DE88865D46}" type="datetimeFigureOut">
               <a:rPr lang="en-US" smtClean="0"/>
-              <a:t>10/10/2022</a:t>
+              <a:t>10/14/2022</a:t>
             </a:fld>
             <a:endParaRPr lang="en-US"/>
           </a:p>
@@ -623,7 +625,7 @@
           <a:p>
             <a:fld id="{8DCFE445-8268-4AE2-ADD9-AB110B2937CA}" type="datetimeFigureOut">
               <a:rPr lang="ko-KR" altLang="en-US" smtClean="0"/>
-              <a:t>2022-10-10</a:t>
+              <a:t>2022-10-14</a:t>
             </a:fld>
             <a:endParaRPr lang="ko-KR" altLang="en-US"/>
           </a:p>
@@ -821,7 +823,7 @@
           <a:p>
             <a:fld id="{8DCFE445-8268-4AE2-ADD9-AB110B2937CA}" type="datetimeFigureOut">
               <a:rPr lang="ko-KR" altLang="en-US" smtClean="0"/>
-              <a:t>2022-10-10</a:t>
+              <a:t>2022-10-14</a:t>
             </a:fld>
             <a:endParaRPr lang="ko-KR" altLang="en-US"/>
           </a:p>
@@ -1029,7 +1031,7 @@
           <a:p>
             <a:fld id="{8DCFE445-8268-4AE2-ADD9-AB110B2937CA}" type="datetimeFigureOut">
               <a:rPr lang="ko-KR" altLang="en-US" smtClean="0"/>
-              <a:t>2022-10-10</a:t>
+              <a:t>2022-10-14</a:t>
             </a:fld>
             <a:endParaRPr lang="ko-KR" altLang="en-US"/>
           </a:p>
@@ -1227,7 +1229,7 @@
           <a:p>
             <a:fld id="{8DCFE445-8268-4AE2-ADD9-AB110B2937CA}" type="datetimeFigureOut">
               <a:rPr lang="ko-KR" altLang="en-US" smtClean="0"/>
-              <a:t>2022-10-10</a:t>
+              <a:t>2022-10-14</a:t>
             </a:fld>
             <a:endParaRPr lang="ko-KR" altLang="en-US"/>
           </a:p>
@@ -1502,7 +1504,7 @@
           <a:p>
             <a:fld id="{8DCFE445-8268-4AE2-ADD9-AB110B2937CA}" type="datetimeFigureOut">
               <a:rPr lang="ko-KR" altLang="en-US" smtClean="0"/>
-              <a:t>2022-10-10</a:t>
+              <a:t>2022-10-14</a:t>
             </a:fld>
             <a:endParaRPr lang="ko-KR" altLang="en-US"/>
           </a:p>
@@ -1767,7 +1769,7 @@
           <a:p>
             <a:fld id="{8DCFE445-8268-4AE2-ADD9-AB110B2937CA}" type="datetimeFigureOut">
               <a:rPr lang="ko-KR" altLang="en-US" smtClean="0"/>
-              <a:t>2022-10-10</a:t>
+              <a:t>2022-10-14</a:t>
             </a:fld>
             <a:endParaRPr lang="ko-KR" altLang="en-US"/>
           </a:p>
@@ -2179,7 +2181,7 @@
           <a:p>
             <a:fld id="{8DCFE445-8268-4AE2-ADD9-AB110B2937CA}" type="datetimeFigureOut">
               <a:rPr lang="ko-KR" altLang="en-US" smtClean="0"/>
-              <a:t>2022-10-10</a:t>
+              <a:t>2022-10-14</a:t>
             </a:fld>
             <a:endParaRPr lang="ko-KR" altLang="en-US"/>
           </a:p>
@@ -2320,7 +2322,7 @@
           <a:p>
             <a:fld id="{8DCFE445-8268-4AE2-ADD9-AB110B2937CA}" type="datetimeFigureOut">
               <a:rPr lang="ko-KR" altLang="en-US" smtClean="0"/>
-              <a:t>2022-10-10</a:t>
+              <a:t>2022-10-14</a:t>
             </a:fld>
             <a:endParaRPr lang="ko-KR" altLang="en-US"/>
           </a:p>
@@ -2433,7 +2435,7 @@
           <a:p>
             <a:fld id="{8DCFE445-8268-4AE2-ADD9-AB110B2937CA}" type="datetimeFigureOut">
               <a:rPr lang="ko-KR" altLang="en-US" smtClean="0"/>
-              <a:t>2022-10-10</a:t>
+              <a:t>2022-10-14</a:t>
             </a:fld>
             <a:endParaRPr lang="ko-KR" altLang="en-US"/>
           </a:p>
@@ -2744,7 +2746,7 @@
           <a:p>
             <a:fld id="{8DCFE445-8268-4AE2-ADD9-AB110B2937CA}" type="datetimeFigureOut">
               <a:rPr lang="ko-KR" altLang="en-US" smtClean="0"/>
-              <a:t>2022-10-10</a:t>
+              <a:t>2022-10-14</a:t>
             </a:fld>
             <a:endParaRPr lang="ko-KR" altLang="en-US"/>
           </a:p>
@@ -3032,7 +3034,7 @@
           <a:p>
             <a:fld id="{8DCFE445-8268-4AE2-ADD9-AB110B2937CA}" type="datetimeFigureOut">
               <a:rPr lang="ko-KR" altLang="en-US" smtClean="0"/>
-              <a:t>2022-10-10</a:t>
+              <a:t>2022-10-14</a:t>
             </a:fld>
             <a:endParaRPr lang="ko-KR" altLang="en-US"/>
           </a:p>
@@ -3273,7 +3275,7 @@
           <a:p>
             <a:fld id="{8DCFE445-8268-4AE2-ADD9-AB110B2937CA}" type="datetimeFigureOut">
               <a:rPr lang="ko-KR" altLang="en-US" smtClean="0"/>
-              <a:t>2022-10-10</a:t>
+              <a:t>2022-10-14</a:t>
             </a:fld>
             <a:endParaRPr lang="ko-KR" altLang="en-US"/>
           </a:p>
@@ -4443,6 +4445,830 @@
           <a:chExt cx="0" cy="0"/>
         </a:xfrm>
       </p:grpSpPr>
+      <mc:AlternateContent xmlns:mc="http://schemas.openxmlformats.org/markup-compatibility/2006">
+        <mc:Choice xmlns:a14="http://schemas.microsoft.com/office/drawing/2010/main" Requires="a14">
+          <p:sp>
+            <p:nvSpPr>
+              <p:cNvPr id="9" name="TextBox 8">
+                <a:extLst>
+                  <a:ext uri="{FF2B5EF4-FFF2-40B4-BE49-F238E27FC236}">
+                    <a16:creationId xmlns:a16="http://schemas.microsoft.com/office/drawing/2014/main" id="{61E31780-09A1-DB38-4DF6-9599FA901104}"/>
+                  </a:ext>
+                </a:extLst>
+              </p:cNvPr>
+              <p:cNvSpPr txBox="1"/>
+              <p:nvPr/>
+            </p:nvSpPr>
+            <p:spPr>
+              <a:xfrm>
+                <a:off x="4590334" y="994652"/>
+                <a:ext cx="2560054" cy="715645"/>
+              </a:xfrm>
+              <a:prstGeom prst="rect">
+                <a:avLst/>
+              </a:prstGeom>
+              <a:noFill/>
+            </p:spPr>
+            <p:txBody>
+              <a:bodyPr wrap="square" rtlCol="0">
+                <a:spAutoFit/>
+              </a:bodyPr>
+              <a:lstStyle/>
+              <a:p>
+                <a:pPr/>
+                <a14:m>
+                  <m:oMathPara xmlns:m="http://schemas.openxmlformats.org/officeDocument/2006/math">
+                    <m:oMathParaPr>
+                      <m:jc m:val="center"/>
+                    </m:oMathParaPr>
+                    <m:oMath xmlns:m="http://schemas.openxmlformats.org/officeDocument/2006/math">
+                      <m:r>
+                        <m:rPr>
+                          <m:sty m:val="p"/>
+                        </m:rPr>
+                        <a:rPr lang="en-US" altLang="ko-KR" sz="2400" b="0" i="0" smtClean="0">
+                          <a:latin typeface="Cambria Math" panose="02040503050406030204" pitchFamily="18" charset="0"/>
+                        </a:rPr>
+                        <m:t>Σ</m:t>
+                      </m:r>
+                      <m:r>
+                        <a:rPr lang="en-US" altLang="ko-KR" sz="2400" b="0" i="1" smtClean="0">
+                          <a:latin typeface="Cambria Math" panose="02040503050406030204" pitchFamily="18" charset="0"/>
+                        </a:rPr>
+                        <m:t>=</m:t>
+                      </m:r>
+                      <m:d>
+                        <m:dPr>
+                          <m:begChr m:val="["/>
+                          <m:endChr m:val="]"/>
+                          <m:ctrlPr>
+                            <a:rPr lang="en-US" altLang="ko-KR" sz="2400" i="1" smtClean="0">
+                              <a:latin typeface="Cambria Math" panose="02040503050406030204" pitchFamily="18" charset="0"/>
+                            </a:rPr>
+                          </m:ctrlPr>
+                        </m:dPr>
+                        <m:e>
+                          <m:m>
+                            <m:mPr>
+                              <m:mcs>
+                                <m:mc>
+                                  <m:mcPr>
+                                    <m:count m:val="2"/>
+                                    <m:mcJc m:val="center"/>
+                                  </m:mcPr>
+                                </m:mc>
+                              </m:mcs>
+                              <m:ctrlPr>
+                                <a:rPr lang="en-US" altLang="ko-KR" sz="2400" i="1" smtClean="0">
+                                  <a:latin typeface="Cambria Math" panose="02040503050406030204" pitchFamily="18" charset="0"/>
+                                </a:rPr>
+                              </m:ctrlPr>
+                            </m:mPr>
+                            <m:mr>
+                              <m:e>
+                                <m:r>
+                                  <a:rPr lang="en-US" altLang="ko-KR" sz="2400" b="0" i="1" smtClean="0">
+                                    <a:latin typeface="Cambria Math" panose="02040503050406030204" pitchFamily="18" charset="0"/>
+                                  </a:rPr>
+                                  <m:t>1.0</m:t>
+                                </m:r>
+                              </m:e>
+                              <m:e>
+                                <m:r>
+                                  <a:rPr lang="en-US" altLang="ko-KR" sz="2400" b="0" i="1" smtClean="0">
+                                    <a:latin typeface="Cambria Math" panose="02040503050406030204" pitchFamily="18" charset="0"/>
+                                  </a:rPr>
+                                  <m:t>0.5</m:t>
+                                </m:r>
+                              </m:e>
+                            </m:mr>
+                            <m:mr>
+                              <m:e>
+                                <m:r>
+                                  <a:rPr lang="en-US" altLang="ko-KR" sz="2400" b="0" i="1" smtClean="0">
+                                    <a:latin typeface="Cambria Math" panose="02040503050406030204" pitchFamily="18" charset="0"/>
+                                  </a:rPr>
+                                  <m:t>0.5</m:t>
+                                </m:r>
+                              </m:e>
+                              <m:e>
+                                <m:r>
+                                  <a:rPr lang="en-US" altLang="ko-KR" sz="2400" b="0" i="1" smtClean="0">
+                                    <a:latin typeface="Cambria Math" panose="02040503050406030204" pitchFamily="18" charset="0"/>
+                                  </a:rPr>
+                                  <m:t>1.5</m:t>
+                                </m:r>
+                              </m:e>
+                            </m:mr>
+                          </m:m>
+                        </m:e>
+                      </m:d>
+                    </m:oMath>
+                  </m:oMathPara>
+                </a14:m>
+                <a:endParaRPr lang="ko-KR" altLang="en-US" sz="2400" dirty="0"/>
+              </a:p>
+            </p:txBody>
+          </p:sp>
+        </mc:Choice>
+        <mc:Fallback>
+          <p:sp>
+            <p:nvSpPr>
+              <p:cNvPr id="9" name="TextBox 8">
+                <a:extLst>
+                  <a:ext uri="{FF2B5EF4-FFF2-40B4-BE49-F238E27FC236}">
+                    <a16:creationId xmlns:a16="http://schemas.microsoft.com/office/drawing/2014/main" id="{61E31780-09A1-DB38-4DF6-9599FA901104}"/>
+                  </a:ext>
+                </a:extLst>
+              </p:cNvPr>
+              <p:cNvSpPr txBox="1">
+                <a:spLocks noRot="1" noChangeAspect="1" noMove="1" noResize="1" noEditPoints="1" noAdjustHandles="1" noChangeArrowheads="1" noChangeShapeType="1" noTextEdit="1"/>
+              </p:cNvSpPr>
+              <p:nvPr/>
+            </p:nvSpPr>
+            <p:spPr>
+              <a:xfrm>
+                <a:off x="4590334" y="994652"/>
+                <a:ext cx="2560054" cy="715645"/>
+              </a:xfrm>
+              <a:prstGeom prst="rect">
+                <a:avLst/>
+              </a:prstGeom>
+              <a:blipFill>
+                <a:blip r:embed="rId2"/>
+                <a:stretch>
+                  <a:fillRect/>
+                </a:stretch>
+              </a:blipFill>
+            </p:spPr>
+            <p:txBody>
+              <a:bodyPr/>
+              <a:lstStyle/>
+              <a:p>
+                <a:r>
+                  <a:rPr lang="ko-KR" altLang="en-US">
+                    <a:noFill/>
+                  </a:rPr>
+                  <a:t> </a:t>
+                </a:r>
+              </a:p>
+            </p:txBody>
+          </p:sp>
+        </mc:Fallback>
+      </mc:AlternateContent>
+      <p:pic>
+        <p:nvPicPr>
+          <p:cNvPr id="3" name="그림 2">
+            <a:extLst>
+              <a:ext uri="{FF2B5EF4-FFF2-40B4-BE49-F238E27FC236}">
+                <a16:creationId xmlns:a16="http://schemas.microsoft.com/office/drawing/2014/main" id="{541412FE-2E25-2953-8C8D-253D51495EAA}"/>
+              </a:ext>
+            </a:extLst>
+          </p:cNvPr>
+          <p:cNvPicPr>
+            <a:picLocks noChangeAspect="1"/>
+          </p:cNvPicPr>
+          <p:nvPr/>
+        </p:nvPicPr>
+        <p:blipFill rotWithShape="1">
+          <a:blip r:embed="rId3"/>
+          <a:srcRect l="9961" r="64885"/>
+          <a:stretch/>
+        </p:blipFill>
+        <p:spPr>
+          <a:xfrm>
+            <a:off x="3080818" y="1494185"/>
+            <a:ext cx="5579087" cy="4406669"/>
+          </a:xfrm>
+          <a:prstGeom prst="rect">
+            <a:avLst/>
+          </a:prstGeom>
+        </p:spPr>
+      </p:pic>
+      <p:cxnSp>
+        <p:nvCxnSpPr>
+          <p:cNvPr id="6" name="직선 화살표 연결선 5">
+            <a:extLst>
+              <a:ext uri="{FF2B5EF4-FFF2-40B4-BE49-F238E27FC236}">
+                <a16:creationId xmlns:a16="http://schemas.microsoft.com/office/drawing/2014/main" id="{BCA36C68-F396-BDE3-79E5-3AA570BC4454}"/>
+              </a:ext>
+            </a:extLst>
+          </p:cNvPr>
+          <p:cNvCxnSpPr/>
+          <p:nvPr/>
+        </p:nvCxnSpPr>
+        <p:spPr>
+          <a:xfrm flipV="1">
+            <a:off x="5794095" y="2088777"/>
+            <a:ext cx="1180446" cy="1550894"/>
+          </a:xfrm>
+          <a:prstGeom prst="straightConnector1">
+            <a:avLst/>
+          </a:prstGeom>
+          <a:ln w="38100">
+            <a:solidFill>
+              <a:schemeClr val="tx1"/>
+            </a:solidFill>
+            <a:tailEnd type="triangle"/>
+          </a:ln>
+        </p:spPr>
+        <p:style>
+          <a:lnRef idx="1">
+            <a:schemeClr val="accent1"/>
+          </a:lnRef>
+          <a:fillRef idx="0">
+            <a:schemeClr val="accent1"/>
+          </a:fillRef>
+          <a:effectRef idx="0">
+            <a:schemeClr val="accent1"/>
+          </a:effectRef>
+          <a:fontRef idx="minor">
+            <a:schemeClr val="tx1"/>
+          </a:fontRef>
+        </p:style>
+      </p:cxnSp>
+      <p:cxnSp>
+        <p:nvCxnSpPr>
+          <p:cNvPr id="7" name="직선 화살표 연결선 6">
+            <a:extLst>
+              <a:ext uri="{FF2B5EF4-FFF2-40B4-BE49-F238E27FC236}">
+                <a16:creationId xmlns:a16="http://schemas.microsoft.com/office/drawing/2014/main" id="{7738A9E2-E49D-C41F-3F71-FC1019CAFB64}"/>
+              </a:ext>
+            </a:extLst>
+          </p:cNvPr>
+          <p:cNvCxnSpPr>
+            <a:cxnSpLocks/>
+          </p:cNvCxnSpPr>
+          <p:nvPr/>
+        </p:nvCxnSpPr>
+        <p:spPr>
+          <a:xfrm flipH="1" flipV="1">
+            <a:off x="4959852" y="3003970"/>
+            <a:ext cx="836240" cy="636495"/>
+          </a:xfrm>
+          <a:prstGeom prst="straightConnector1">
+            <a:avLst/>
+          </a:prstGeom>
+          <a:ln w="38100">
+            <a:solidFill>
+              <a:schemeClr val="tx1"/>
+            </a:solidFill>
+            <a:tailEnd type="triangle"/>
+          </a:ln>
+        </p:spPr>
+        <p:style>
+          <a:lnRef idx="1">
+            <a:schemeClr val="accent1"/>
+          </a:lnRef>
+          <a:fillRef idx="0">
+            <a:schemeClr val="accent1"/>
+          </a:fillRef>
+          <a:effectRef idx="0">
+            <a:schemeClr val="accent1"/>
+          </a:effectRef>
+          <a:fontRef idx="minor">
+            <a:schemeClr val="tx1"/>
+          </a:fontRef>
+        </p:style>
+      </p:cxnSp>
+      <p:sp>
+        <p:nvSpPr>
+          <p:cNvPr id="13" name="TextBox 12">
+            <a:extLst>
+              <a:ext uri="{FF2B5EF4-FFF2-40B4-BE49-F238E27FC236}">
+                <a16:creationId xmlns:a16="http://schemas.microsoft.com/office/drawing/2014/main" id="{2C2DB68F-7BE0-5903-3757-F4712068582A}"/>
+              </a:ext>
+            </a:extLst>
+          </p:cNvPr>
+          <p:cNvSpPr txBox="1"/>
+          <p:nvPr/>
+        </p:nvSpPr>
+        <p:spPr>
+          <a:xfrm>
+            <a:off x="7029299" y="1947507"/>
+            <a:ext cx="607859" cy="369332"/>
+          </a:xfrm>
+          <a:prstGeom prst="rect">
+            <a:avLst/>
+          </a:prstGeom>
+          <a:solidFill>
+            <a:srgbClr val="FFFFFF">
+              <a:alpha val="78039"/>
+            </a:srgbClr>
+          </a:solidFill>
+        </p:spPr>
+        <p:txBody>
+          <a:bodyPr wrap="none" rtlCol="0">
+            <a:spAutoFit/>
+          </a:bodyPr>
+          <a:lstStyle/>
+          <a:p>
+            <a:r>
+              <a:rPr lang="en-US" altLang="ko-KR" b="1" dirty="0"/>
+              <a:t>PC1</a:t>
+            </a:r>
+            <a:endParaRPr lang="ko-KR" altLang="en-US" b="1" dirty="0"/>
+          </a:p>
+        </p:txBody>
+      </p:sp>
+      <p:sp>
+        <p:nvSpPr>
+          <p:cNvPr id="14" name="TextBox 13">
+            <a:extLst>
+              <a:ext uri="{FF2B5EF4-FFF2-40B4-BE49-F238E27FC236}">
+                <a16:creationId xmlns:a16="http://schemas.microsoft.com/office/drawing/2014/main" id="{AEFF24BD-7317-7ABC-3D2B-C1CECDC9B671}"/>
+              </a:ext>
+            </a:extLst>
+          </p:cNvPr>
+          <p:cNvSpPr txBox="1"/>
+          <p:nvPr/>
+        </p:nvSpPr>
+        <p:spPr>
+          <a:xfrm>
+            <a:off x="4309974" y="2751812"/>
+            <a:ext cx="607859" cy="369332"/>
+          </a:xfrm>
+          <a:prstGeom prst="rect">
+            <a:avLst/>
+          </a:prstGeom>
+          <a:solidFill>
+            <a:srgbClr val="FFFFFF">
+              <a:alpha val="76078"/>
+            </a:srgbClr>
+          </a:solidFill>
+        </p:spPr>
+        <p:txBody>
+          <a:bodyPr wrap="none" rtlCol="0">
+            <a:spAutoFit/>
+          </a:bodyPr>
+          <a:lstStyle/>
+          <a:p>
+            <a:r>
+              <a:rPr lang="en-US" altLang="ko-KR" b="1" dirty="0"/>
+              <a:t>PC2</a:t>
+            </a:r>
+            <a:endParaRPr lang="ko-KR" altLang="en-US" b="1" dirty="0"/>
+          </a:p>
+        </p:txBody>
+      </p:sp>
+    </p:spTree>
+    <p:extLst>
+      <p:ext uri="{BB962C8B-B14F-4D97-AF65-F5344CB8AC3E}">
+        <p14:creationId xmlns:p14="http://schemas.microsoft.com/office/powerpoint/2010/main" val="3329069191"/>
+      </p:ext>
+    </p:extLst>
+  </p:cSld>
+  <p:clrMapOvr>
+    <a:masterClrMapping/>
+  </p:clrMapOvr>
+</p:sld>
+</file>
+
+<file path=ppt/slides/slide11.xml><?xml version="1.0" encoding="utf-8"?>
+<p:sld xmlns:a="http://schemas.openxmlformats.org/drawingml/2006/main" xmlns:r="http://schemas.openxmlformats.org/officeDocument/2006/relationships" xmlns:p="http://schemas.openxmlformats.org/presentationml/2006/main">
+  <p:cSld>
+    <p:spTree>
+      <p:nvGrpSpPr>
+        <p:cNvPr id="1" name=""/>
+        <p:cNvGrpSpPr/>
+        <p:nvPr/>
+      </p:nvGrpSpPr>
+      <p:grpSpPr>
+        <a:xfrm>
+          <a:off x="0" y="0"/>
+          <a:ext cx="0" cy="0"/>
+          <a:chOff x="0" y="0"/>
+          <a:chExt cx="0" cy="0"/>
+        </a:xfrm>
+      </p:grpSpPr>
+      <p:graphicFrame>
+        <p:nvGraphicFramePr>
+          <p:cNvPr id="4" name="Table 4">
+            <a:extLst>
+              <a:ext uri="{FF2B5EF4-FFF2-40B4-BE49-F238E27FC236}">
+                <a16:creationId xmlns:a16="http://schemas.microsoft.com/office/drawing/2014/main" id="{EBF7DA75-903B-2372-50CB-212035E9BF52}"/>
+              </a:ext>
+            </a:extLst>
+          </p:cNvPr>
+          <p:cNvGraphicFramePr>
+            <a:graphicFrameLocks noGrp="1"/>
+          </p:cNvGraphicFramePr>
+          <p:nvPr>
+            <p:extLst>
+              <p:ext uri="{D42A27DB-BD31-4B8C-83A1-F6EECF244321}">
+                <p14:modId xmlns:p14="http://schemas.microsoft.com/office/powerpoint/2010/main" val="9606320"/>
+              </p:ext>
+            </p:extLst>
+          </p:nvPr>
+        </p:nvGraphicFramePr>
+        <p:xfrm>
+          <a:off x="4020192" y="1574800"/>
+          <a:ext cx="4503025" cy="1854200"/>
+        </p:xfrm>
+        <a:graphic>
+          <a:graphicData uri="http://schemas.openxmlformats.org/drawingml/2006/table">
+            <a:tbl>
+              <a:tblPr firstRow="1" bandRow="1">
+                <a:tableStyleId>{073A0DAA-6AF3-43AB-8588-CEC1D06C72B9}</a:tableStyleId>
+              </a:tblPr>
+              <a:tblGrid>
+                <a:gridCol w="1013203">
+                  <a:extLst>
+                    <a:ext uri="{9D8B030D-6E8A-4147-A177-3AD203B41FA5}">
+                      <a16:colId xmlns:a16="http://schemas.microsoft.com/office/drawing/2014/main" val="2870257285"/>
+                    </a:ext>
+                  </a:extLst>
+                </a:gridCol>
+                <a:gridCol w="1744911">
+                  <a:extLst>
+                    <a:ext uri="{9D8B030D-6E8A-4147-A177-3AD203B41FA5}">
+                      <a16:colId xmlns:a16="http://schemas.microsoft.com/office/drawing/2014/main" val="1322191462"/>
+                    </a:ext>
+                  </a:extLst>
+                </a:gridCol>
+                <a:gridCol w="1744911">
+                  <a:extLst>
+                    <a:ext uri="{9D8B030D-6E8A-4147-A177-3AD203B41FA5}">
+                      <a16:colId xmlns:a16="http://schemas.microsoft.com/office/drawing/2014/main" val="1871018560"/>
+                    </a:ext>
+                  </a:extLst>
+                </a:gridCol>
+              </a:tblGrid>
+              <a:tr h="370840">
+                <a:tc>
+                  <a:txBody>
+                    <a:bodyPr/>
+                    <a:lstStyle/>
+                    <a:p>
+                      <a:pPr algn="ctr"/>
+                      <a:r>
+                        <a:rPr lang="en-US" dirty="0"/>
+                        <a:t># Alien</a:t>
+                      </a:r>
+                    </a:p>
+                  </a:txBody>
+                  <a:tcPr/>
+                </a:tc>
+                <a:tc>
+                  <a:txBody>
+                    <a:bodyPr/>
+                    <a:lstStyle/>
+                    <a:p>
+                      <a:pPr algn="ctr"/>
+                      <a:r>
+                        <a:rPr lang="en-US" dirty="0"/>
+                        <a:t>Height (cm)</a:t>
+                      </a:r>
+                    </a:p>
+                  </a:txBody>
+                  <a:tcPr/>
+                </a:tc>
+                <a:tc>
+                  <a:txBody>
+                    <a:bodyPr/>
+                    <a:lstStyle/>
+                    <a:p>
+                      <a:pPr algn="ctr"/>
+                      <a:r>
+                        <a:rPr lang="en-US" dirty="0"/>
+                        <a:t>Weight (kg)</a:t>
+                      </a:r>
+                    </a:p>
+                  </a:txBody>
+                  <a:tcPr/>
+                </a:tc>
+                <a:extLst>
+                  <a:ext uri="{0D108BD9-81ED-4DB2-BD59-A6C34878D82A}">
+                    <a16:rowId xmlns:a16="http://schemas.microsoft.com/office/drawing/2014/main" val="1073165690"/>
+                  </a:ext>
+                </a:extLst>
+              </a:tr>
+              <a:tr h="370840">
+                <a:tc>
+                  <a:txBody>
+                    <a:bodyPr/>
+                    <a:lstStyle/>
+                    <a:p>
+                      <a:pPr algn="ctr"/>
+                      <a:r>
+                        <a:rPr lang="en-US" dirty="0"/>
+                        <a:t>1</a:t>
+                      </a:r>
+                    </a:p>
+                  </a:txBody>
+                  <a:tcPr/>
+                </a:tc>
+                <a:tc>
+                  <a:txBody>
+                    <a:bodyPr/>
+                    <a:lstStyle/>
+                    <a:p>
+                      <a:pPr algn="ctr"/>
+                      <a:r>
+                        <a:rPr lang="en-US" dirty="0"/>
+                        <a:t>11</a:t>
+                      </a:r>
+                    </a:p>
+                  </a:txBody>
+                  <a:tcPr/>
+                </a:tc>
+                <a:tc>
+                  <a:txBody>
+                    <a:bodyPr/>
+                    <a:lstStyle/>
+                    <a:p>
+                      <a:pPr algn="ctr"/>
+                      <a:r>
+                        <a:rPr lang="en-US" dirty="0"/>
+                        <a:t>10</a:t>
+                      </a:r>
+                    </a:p>
+                  </a:txBody>
+                  <a:tcPr/>
+                </a:tc>
+                <a:extLst>
+                  <a:ext uri="{0D108BD9-81ED-4DB2-BD59-A6C34878D82A}">
+                    <a16:rowId xmlns:a16="http://schemas.microsoft.com/office/drawing/2014/main" val="1831072032"/>
+                  </a:ext>
+                </a:extLst>
+              </a:tr>
+              <a:tr h="370840">
+                <a:tc>
+                  <a:txBody>
+                    <a:bodyPr/>
+                    <a:lstStyle/>
+                    <a:p>
+                      <a:pPr algn="ctr"/>
+                      <a:r>
+                        <a:rPr lang="en-US" dirty="0"/>
+                        <a:t>2</a:t>
+                      </a:r>
+                    </a:p>
+                  </a:txBody>
+                  <a:tcPr/>
+                </a:tc>
+                <a:tc>
+                  <a:txBody>
+                    <a:bodyPr/>
+                    <a:lstStyle/>
+                    <a:p>
+                      <a:pPr algn="ctr"/>
+                      <a:r>
+                        <a:rPr lang="en-US" dirty="0"/>
+                        <a:t>13</a:t>
+                      </a:r>
+                    </a:p>
+                  </a:txBody>
+                  <a:tcPr/>
+                </a:tc>
+                <a:tc>
+                  <a:txBody>
+                    <a:bodyPr/>
+                    <a:lstStyle/>
+                    <a:p>
+                      <a:pPr algn="ctr"/>
+                      <a:r>
+                        <a:rPr lang="en-US" dirty="0"/>
+                        <a:t>9</a:t>
+                      </a:r>
+                    </a:p>
+                  </a:txBody>
+                  <a:tcPr/>
+                </a:tc>
+                <a:extLst>
+                  <a:ext uri="{0D108BD9-81ED-4DB2-BD59-A6C34878D82A}">
+                    <a16:rowId xmlns:a16="http://schemas.microsoft.com/office/drawing/2014/main" val="3399391694"/>
+                  </a:ext>
+                </a:extLst>
+              </a:tr>
+              <a:tr h="370840">
+                <a:tc>
+                  <a:txBody>
+                    <a:bodyPr/>
+                    <a:lstStyle/>
+                    <a:p>
+                      <a:pPr algn="ctr"/>
+                      <a:r>
+                        <a:rPr lang="en-US" dirty="0"/>
+                        <a:t>3</a:t>
+                      </a:r>
+                    </a:p>
+                  </a:txBody>
+                  <a:tcPr/>
+                </a:tc>
+                <a:tc>
+                  <a:txBody>
+                    <a:bodyPr/>
+                    <a:lstStyle/>
+                    <a:p>
+                      <a:pPr algn="ctr"/>
+                      <a:r>
+                        <a:rPr lang="en-US" dirty="0"/>
+                        <a:t>6</a:t>
+                      </a:r>
+                    </a:p>
+                  </a:txBody>
+                  <a:tcPr/>
+                </a:tc>
+                <a:tc>
+                  <a:txBody>
+                    <a:bodyPr/>
+                    <a:lstStyle/>
+                    <a:p>
+                      <a:pPr algn="ctr"/>
+                      <a:r>
+                        <a:rPr lang="en-US" dirty="0"/>
+                        <a:t>5</a:t>
+                      </a:r>
+                    </a:p>
+                  </a:txBody>
+                  <a:tcPr/>
+                </a:tc>
+                <a:extLst>
+                  <a:ext uri="{0D108BD9-81ED-4DB2-BD59-A6C34878D82A}">
+                    <a16:rowId xmlns:a16="http://schemas.microsoft.com/office/drawing/2014/main" val="4060154270"/>
+                  </a:ext>
+                </a:extLst>
+              </a:tr>
+              <a:tr h="370840">
+                <a:tc>
+                  <a:txBody>
+                    <a:bodyPr/>
+                    <a:lstStyle/>
+                    <a:p>
+                      <a:pPr algn="ctr"/>
+                      <a:r>
+                        <a:rPr lang="en-US" dirty="0"/>
+                        <a:t>4</a:t>
+                      </a:r>
+                    </a:p>
+                  </a:txBody>
+                  <a:tcPr/>
+                </a:tc>
+                <a:tc>
+                  <a:txBody>
+                    <a:bodyPr/>
+                    <a:lstStyle/>
+                    <a:p>
+                      <a:pPr algn="ctr"/>
+                      <a:r>
+                        <a:rPr lang="en-US" dirty="0"/>
+                        <a:t>11</a:t>
+                      </a:r>
+                    </a:p>
+                  </a:txBody>
+                  <a:tcPr/>
+                </a:tc>
+                <a:tc>
+                  <a:txBody>
+                    <a:bodyPr/>
+                    <a:lstStyle/>
+                    <a:p>
+                      <a:pPr algn="ctr"/>
+                      <a:r>
+                        <a:rPr lang="en-US" dirty="0"/>
+                        <a:t>8</a:t>
+                      </a:r>
+                    </a:p>
+                  </a:txBody>
+                  <a:tcPr/>
+                </a:tc>
+                <a:extLst>
+                  <a:ext uri="{0D108BD9-81ED-4DB2-BD59-A6C34878D82A}">
+                    <a16:rowId xmlns:a16="http://schemas.microsoft.com/office/drawing/2014/main" val="132580977"/>
+                  </a:ext>
+                </a:extLst>
+              </a:tr>
+            </a:tbl>
+          </a:graphicData>
+        </a:graphic>
+      </p:graphicFrame>
+      <mc:AlternateContent xmlns:mc="http://schemas.openxmlformats.org/markup-compatibility/2006" xmlns:a14="http://schemas.microsoft.com/office/drawing/2010/main">
+        <mc:Choice Requires="a14">
+          <p:sp>
+            <p:nvSpPr>
+              <p:cNvPr id="5" name="TextBox 4">
+                <a:extLst>
+                  <a:ext uri="{FF2B5EF4-FFF2-40B4-BE49-F238E27FC236}">
+                    <a16:creationId xmlns:a16="http://schemas.microsoft.com/office/drawing/2014/main" id="{CB6EDAC1-D5E9-5CF6-3E4A-B8417ACD6731}"/>
+                  </a:ext>
+                </a:extLst>
+              </p:cNvPr>
+              <p:cNvSpPr txBox="1"/>
+              <p:nvPr/>
+            </p:nvSpPr>
+            <p:spPr>
+              <a:xfrm>
+                <a:off x="6102427" y="3550098"/>
+                <a:ext cx="338554" cy="369332"/>
+              </a:xfrm>
+              <a:prstGeom prst="rect">
+                <a:avLst/>
+              </a:prstGeom>
+              <a:noFill/>
+            </p:spPr>
+            <p:txBody>
+              <a:bodyPr wrap="none" rtlCol="0">
+                <a:spAutoFit/>
+              </a:bodyPr>
+              <a:lstStyle/>
+              <a:p>
+                <a:pPr/>
+                <a14:m>
+                  <m:oMathPara xmlns:m="http://schemas.openxmlformats.org/officeDocument/2006/math">
+                    <m:oMathParaPr>
+                      <m:jc m:val="centerGroup"/>
+                    </m:oMathParaPr>
+                    <m:oMath xmlns:m="http://schemas.openxmlformats.org/officeDocument/2006/math">
+                      <m:r>
+                        <a:rPr lang="en-US" b="0" i="1" smtClean="0">
+                          <a:latin typeface="Cambria Math" panose="02040503050406030204" pitchFamily="18" charset="0"/>
+                        </a:rPr>
+                        <m:t>⋮</m:t>
+                      </m:r>
+                    </m:oMath>
+                  </m:oMathPara>
+                </a14:m>
+                <a:endParaRPr lang="en-US" dirty="0"/>
+              </a:p>
+            </p:txBody>
+          </p:sp>
+        </mc:Choice>
+        <mc:Fallback xmlns="">
+          <p:sp>
+            <p:nvSpPr>
+              <p:cNvPr id="5" name="TextBox 4">
+                <a:extLst>
+                  <a:ext uri="{FF2B5EF4-FFF2-40B4-BE49-F238E27FC236}">
+                    <a16:creationId xmlns:a16="http://schemas.microsoft.com/office/drawing/2014/main" id="{CB6EDAC1-D5E9-5CF6-3E4A-B8417ACD6731}"/>
+                  </a:ext>
+                </a:extLst>
+              </p:cNvPr>
+              <p:cNvSpPr txBox="1">
+                <a:spLocks noRot="1" noChangeAspect="1" noMove="1" noResize="1" noEditPoints="1" noAdjustHandles="1" noChangeArrowheads="1" noChangeShapeType="1" noTextEdit="1"/>
+              </p:cNvSpPr>
+              <p:nvPr/>
+            </p:nvSpPr>
+            <p:spPr>
+              <a:xfrm>
+                <a:off x="6102427" y="3550098"/>
+                <a:ext cx="338554" cy="369332"/>
+              </a:xfrm>
+              <a:prstGeom prst="rect">
+                <a:avLst/>
+              </a:prstGeom>
+              <a:blipFill>
+                <a:blip r:embed="rId2"/>
+                <a:stretch>
+                  <a:fillRect/>
+                </a:stretch>
+              </a:blipFill>
+            </p:spPr>
+            <p:txBody>
+              <a:bodyPr/>
+              <a:lstStyle/>
+              <a:p>
+                <a:r>
+                  <a:rPr lang="en-US">
+                    <a:noFill/>
+                  </a:rPr>
+                  <a:t> </a:t>
+                </a:r>
+              </a:p>
+            </p:txBody>
+          </p:sp>
+        </mc:Fallback>
+      </mc:AlternateContent>
+    </p:spTree>
+    <p:extLst>
+      <p:ext uri="{BB962C8B-B14F-4D97-AF65-F5344CB8AC3E}">
+        <p14:creationId xmlns:p14="http://schemas.microsoft.com/office/powerpoint/2010/main" val="159419004"/>
+      </p:ext>
+    </p:extLst>
+  </p:cSld>
+  <p:clrMapOvr>
+    <a:masterClrMapping/>
+  </p:clrMapOvr>
+</p:sld>
+</file>
+
+<file path=ppt/slides/slide12.xml><?xml version="1.0" encoding="utf-8"?>
+<p:sld xmlns:a="http://schemas.openxmlformats.org/drawingml/2006/main" xmlns:r="http://schemas.openxmlformats.org/officeDocument/2006/relationships" xmlns:p="http://schemas.openxmlformats.org/presentationml/2006/main">
+  <p:cSld>
+    <p:spTree>
+      <p:nvGrpSpPr>
+        <p:cNvPr id="1" name=""/>
+        <p:cNvGrpSpPr/>
+        <p:nvPr/>
+      </p:nvGrpSpPr>
+      <p:grpSpPr>
+        <a:xfrm>
+          <a:off x="0" y="0"/>
+          <a:ext cx="0" cy="0"/>
+          <a:chOff x="0" y="0"/>
+          <a:chExt cx="0" cy="0"/>
+        </a:xfrm>
+      </p:grpSpPr>
       <p:sp>
         <p:nvSpPr>
           <p:cNvPr id="6" name="Oval 5">
@@ -4590,7 +5416,7 @@
 </p:sld>
 </file>
 
-<file path=ppt/slides/slide11.xml><?xml version="1.0" encoding="utf-8"?>
+<file path=ppt/slides/slide13.xml><?xml version="1.0" encoding="utf-8"?>
 <p:sld xmlns:a="http://schemas.openxmlformats.org/drawingml/2006/main" xmlns:r="http://schemas.openxmlformats.org/officeDocument/2006/relationships" xmlns:p="http://schemas.openxmlformats.org/presentationml/2006/main">
   <p:cSld>
     <p:spTree>
@@ -5204,7 +6030,7 @@
 </p:sld>
 </file>
 
-<file path=ppt/slides/slide12.xml><?xml version="1.0" encoding="utf-8"?>
+<file path=ppt/slides/slide14.xml><?xml version="1.0" encoding="utf-8"?>
 <p:sld xmlns:a="http://schemas.openxmlformats.org/drawingml/2006/main" xmlns:r="http://schemas.openxmlformats.org/officeDocument/2006/relationships" xmlns:p="http://schemas.openxmlformats.org/presentationml/2006/main">
   <p:cSld>
     <p:spTree>
@@ -5506,7 +6332,7 @@
 </p:sld>
 </file>
 
-<file path=ppt/slides/slide13.xml><?xml version="1.0" encoding="utf-8"?>
+<file path=ppt/slides/slide15.xml><?xml version="1.0" encoding="utf-8"?>
 <p:sld xmlns:a="http://schemas.openxmlformats.org/drawingml/2006/main" xmlns:r="http://schemas.openxmlformats.org/officeDocument/2006/relationships" xmlns:p="http://schemas.openxmlformats.org/presentationml/2006/main">
   <p:cSld>
     <p:spTree>
@@ -12684,93 +13510,6 @@
           <a:chExt cx="0" cy="0"/>
         </a:xfrm>
       </p:grpSpPr>
-      <p:pic>
-        <p:nvPicPr>
-          <p:cNvPr id="5" name="그림 4">
-            <a:extLst>
-              <a:ext uri="{FF2B5EF4-FFF2-40B4-BE49-F238E27FC236}">
-                <a16:creationId xmlns:a16="http://schemas.microsoft.com/office/drawing/2014/main" id="{F0E9D988-F282-5A77-6A88-1FB2C3949912}"/>
-              </a:ext>
-            </a:extLst>
-          </p:cNvPr>
-          <p:cNvPicPr>
-            <a:picLocks noChangeAspect="1"/>
-          </p:cNvPicPr>
-          <p:nvPr/>
-        </p:nvPicPr>
-        <p:blipFill rotWithShape="1">
-          <a:blip r:embed="rId2"/>
-          <a:srcRect l="9363" r="64357"/>
-          <a:stretch/>
-        </p:blipFill>
-        <p:spPr>
-          <a:xfrm>
-            <a:off x="157299" y="1925294"/>
-            <a:ext cx="3978032" cy="3007412"/>
-          </a:xfrm>
-          <a:prstGeom prst="rect">
-            <a:avLst/>
-          </a:prstGeom>
-        </p:spPr>
-      </p:pic>
-      <p:pic>
-        <p:nvPicPr>
-          <p:cNvPr id="6" name="그림 5">
-            <a:extLst>
-              <a:ext uri="{FF2B5EF4-FFF2-40B4-BE49-F238E27FC236}">
-                <a16:creationId xmlns:a16="http://schemas.microsoft.com/office/drawing/2014/main" id="{0173A002-5896-B7AD-BF40-160A18354244}"/>
-              </a:ext>
-            </a:extLst>
-          </p:cNvPr>
-          <p:cNvPicPr>
-            <a:picLocks noChangeAspect="1"/>
-          </p:cNvPicPr>
-          <p:nvPr/>
-        </p:nvPicPr>
-        <p:blipFill rotWithShape="1">
-          <a:blip r:embed="rId2"/>
-          <a:srcRect l="37703" r="36392"/>
-          <a:stretch/>
-        </p:blipFill>
-        <p:spPr>
-          <a:xfrm>
-            <a:off x="4135331" y="1925294"/>
-            <a:ext cx="3921337" cy="3007412"/>
-          </a:xfrm>
-          <a:prstGeom prst="rect">
-            <a:avLst/>
-          </a:prstGeom>
-        </p:spPr>
-      </p:pic>
-      <p:pic>
-        <p:nvPicPr>
-          <p:cNvPr id="7" name="그림 6">
-            <a:extLst>
-              <a:ext uri="{FF2B5EF4-FFF2-40B4-BE49-F238E27FC236}">
-                <a16:creationId xmlns:a16="http://schemas.microsoft.com/office/drawing/2014/main" id="{A24F3AD9-B048-A4FB-0454-9320ED48ABA3}"/>
-              </a:ext>
-            </a:extLst>
-          </p:cNvPr>
-          <p:cNvPicPr>
-            <a:picLocks noChangeAspect="1"/>
-          </p:cNvPicPr>
-          <p:nvPr/>
-        </p:nvPicPr>
-        <p:blipFill rotWithShape="1">
-          <a:blip r:embed="rId2"/>
-          <a:srcRect l="66167" r="8552"/>
-          <a:stretch/>
-        </p:blipFill>
-        <p:spPr>
-          <a:xfrm>
-            <a:off x="8056669" y="1925294"/>
-            <a:ext cx="3826847" cy="3007412"/>
-          </a:xfrm>
-          <a:prstGeom prst="rect">
-            <a:avLst/>
-          </a:prstGeom>
-        </p:spPr>
-      </p:pic>
       <mc:AlternateContent xmlns:mc="http://schemas.openxmlformats.org/markup-compatibility/2006">
         <mc:Choice xmlns:a14="http://schemas.microsoft.com/office/drawing/2010/main" Requires="a14">
           <p:sp>
@@ -12787,8 +13526,8 @@
             </p:nvSpPr>
             <p:spPr>
               <a:xfrm>
-                <a:off x="1471130" y="1489376"/>
-                <a:ext cx="1350370" cy="552459"/>
+                <a:off x="1440539" y="1498340"/>
+                <a:ext cx="1703030" cy="559897"/>
               </a:xfrm>
               <a:prstGeom prst="rect">
                 <a:avLst/>
@@ -12801,6 +13540,7 @@
               </a:bodyPr>
               <a:lstStyle/>
               <a:p>
+                <a:pPr/>
                 <a14:m>
                   <m:oMathPara xmlns:m="http://schemas.openxmlformats.org/officeDocument/2006/math">
                     <m:oMathParaPr>
@@ -12852,13 +13592,10 @@
                             <m:mr>
                               <m:e>
                                 <m:r>
-                                  <m:rPr>
-                                    <m:brk m:alnAt="7"/>
-                                  </m:rPr>
                                   <a:rPr lang="en-US" altLang="ko-KR" b="0" i="1" smtClean="0">
                                     <a:latin typeface="Cambria Math" panose="02040503050406030204" pitchFamily="18" charset="0"/>
                                   </a:rPr>
-                                  <m:t>2</m:t>
+                                  <m:t>1.0</m:t>
                                 </m:r>
                               </m:e>
                               <m:e>
@@ -12866,7 +13603,7 @@
                                   <a:rPr lang="en-US" altLang="ko-KR" b="0" i="1" smtClean="0">
                                     <a:latin typeface="Cambria Math" panose="02040503050406030204" pitchFamily="18" charset="0"/>
                                   </a:rPr>
-                                  <m:t>1</m:t>
+                                  <m:t>0.5</m:t>
                                 </m:r>
                               </m:e>
                             </m:mr>
@@ -12876,7 +13613,7 @@
                                   <a:rPr lang="en-US" altLang="ko-KR" b="0" i="1" smtClean="0">
                                     <a:latin typeface="Cambria Math" panose="02040503050406030204" pitchFamily="18" charset="0"/>
                                   </a:rPr>
-                                  <m:t>1</m:t>
+                                  <m:t>0.5</m:t>
                                 </m:r>
                               </m:e>
                               <m:e>
@@ -12884,7 +13621,7 @@
                                   <a:rPr lang="en-US" altLang="ko-KR" b="0" i="1" smtClean="0">
                                     <a:latin typeface="Cambria Math" panose="02040503050406030204" pitchFamily="18" charset="0"/>
                                   </a:rPr>
-                                  <m:t>2</m:t>
+                                  <m:t>1.5</m:t>
                                 </m:r>
                               </m:e>
                             </m:mr>
@@ -12916,14 +13653,14 @@
             </p:nvSpPr>
             <p:spPr>
               <a:xfrm>
-                <a:off x="1471130" y="1489376"/>
-                <a:ext cx="1350370" cy="552459"/>
+                <a:off x="1440539" y="1498340"/>
+                <a:ext cx="1703030" cy="559897"/>
               </a:xfrm>
               <a:prstGeom prst="rect">
                 <a:avLst/>
               </a:prstGeom>
               <a:blipFill>
-                <a:blip r:embed="rId3"/>
+                <a:blip r:embed="rId2"/>
                 <a:stretch>
                   <a:fillRect/>
                 </a:stretch>
@@ -12960,8 +13697,8 @@
             </p:nvSpPr>
             <p:spPr>
               <a:xfrm>
-                <a:off x="5247690" y="1489376"/>
-                <a:ext cx="1696618" cy="552459"/>
+                <a:off x="5050615" y="1498340"/>
+                <a:ext cx="2049279" cy="559897"/>
               </a:xfrm>
               <a:prstGeom prst="rect">
                 <a:avLst/>
@@ -12974,6 +13711,7 @@
               </a:bodyPr>
               <a:lstStyle/>
               <a:p>
+                <a:pPr/>
                 <a14:m>
                   <m:oMathPara xmlns:m="http://schemas.openxmlformats.org/officeDocument/2006/math">
                     <m:oMathParaPr>
@@ -13025,13 +13763,10 @@
                             <m:mr>
                               <m:e>
                                 <m:r>
-                                  <m:rPr>
-                                    <m:brk m:alnAt="7"/>
-                                  </m:rPr>
                                   <a:rPr lang="en-US" altLang="ko-KR" b="0" i="1" smtClean="0">
                                     <a:latin typeface="Cambria Math" panose="02040503050406030204" pitchFamily="18" charset="0"/>
                                   </a:rPr>
-                                  <m:t>2</m:t>
+                                  <m:t>1.0</m:t>
                                 </m:r>
                               </m:e>
                               <m:e>
@@ -13039,7 +13774,13 @@
                                   <a:rPr lang="en-US" altLang="ko-KR" b="0" i="1" smtClean="0">
                                     <a:latin typeface="Cambria Math" panose="02040503050406030204" pitchFamily="18" charset="0"/>
                                   </a:rPr>
-                                  <m:t>−1</m:t>
+                                  <m:t>−</m:t>
+                                </m:r>
+                                <m:r>
+                                  <a:rPr lang="en-US" altLang="ko-KR" b="0" i="1" smtClean="0">
+                                    <a:latin typeface="Cambria Math" panose="02040503050406030204" pitchFamily="18" charset="0"/>
+                                  </a:rPr>
+                                  <m:t>0.5</m:t>
                                 </m:r>
                               </m:e>
                             </m:mr>
@@ -13049,7 +13790,13 @@
                                   <a:rPr lang="en-US" altLang="ko-KR" b="0" i="1" smtClean="0">
                                     <a:latin typeface="Cambria Math" panose="02040503050406030204" pitchFamily="18" charset="0"/>
                                   </a:rPr>
-                                  <m:t>−1</m:t>
+                                  <m:t>−</m:t>
+                                </m:r>
+                                <m:r>
+                                  <a:rPr lang="en-US" altLang="ko-KR" b="0" i="1" smtClean="0">
+                                    <a:latin typeface="Cambria Math" panose="02040503050406030204" pitchFamily="18" charset="0"/>
+                                  </a:rPr>
+                                  <m:t>0.5</m:t>
                                 </m:r>
                               </m:e>
                               <m:e>
@@ -13057,7 +13804,7 @@
                                   <a:rPr lang="en-US" altLang="ko-KR" b="0" i="1" smtClean="0">
                                     <a:latin typeface="Cambria Math" panose="02040503050406030204" pitchFamily="18" charset="0"/>
                                   </a:rPr>
-                                  <m:t>2</m:t>
+                                  <m:t>1.5</m:t>
                                 </m:r>
                               </m:e>
                             </m:mr>
@@ -13089,14 +13836,14 @@
             </p:nvSpPr>
             <p:spPr>
               <a:xfrm>
-                <a:off x="5247690" y="1489376"/>
-                <a:ext cx="1696618" cy="552459"/>
+                <a:off x="5050615" y="1498340"/>
+                <a:ext cx="2049279" cy="559897"/>
               </a:xfrm>
               <a:prstGeom prst="rect">
                 <a:avLst/>
               </a:prstGeom>
               <a:blipFill>
-                <a:blip r:embed="rId4"/>
+                <a:blip r:embed="rId3"/>
                 <a:stretch>
                   <a:fillRect/>
                 </a:stretch>
@@ -13133,7 +13880,7 @@
             </p:nvSpPr>
             <p:spPr>
               <a:xfrm>
-                <a:off x="9294907" y="1482813"/>
+                <a:off x="9159340" y="1491777"/>
                 <a:ext cx="1350370" cy="554254"/>
               </a:xfrm>
               <a:prstGeom prst="rect">
@@ -13147,6 +13894,7 @@
               </a:bodyPr>
               <a:lstStyle/>
               <a:p>
+                <a:pPr/>
                 <a14:m>
                   <m:oMathPara xmlns:m="http://schemas.openxmlformats.org/officeDocument/2006/math">
                     <m:oMathParaPr>
@@ -13262,14 +14010,14 @@
             </p:nvSpPr>
             <p:spPr>
               <a:xfrm>
-                <a:off x="9294907" y="1482813"/>
+                <a:off x="9159340" y="1491777"/>
                 <a:ext cx="1350370" cy="554254"/>
               </a:xfrm>
               <a:prstGeom prst="rect">
                 <a:avLst/>
               </a:prstGeom>
               <a:blipFill>
-                <a:blip r:embed="rId5"/>
+                <a:blip r:embed="rId4"/>
                 <a:stretch>
                   <a:fillRect/>
                 </a:stretch>
@@ -13290,6 +14038,93 @@
           </p:sp>
         </mc:Fallback>
       </mc:AlternateContent>
+      <p:pic>
+        <p:nvPicPr>
+          <p:cNvPr id="3" name="그림 2">
+            <a:extLst>
+              <a:ext uri="{FF2B5EF4-FFF2-40B4-BE49-F238E27FC236}">
+                <a16:creationId xmlns:a16="http://schemas.microsoft.com/office/drawing/2014/main" id="{541412FE-2E25-2953-8C8D-253D51495EAA}"/>
+              </a:ext>
+            </a:extLst>
+          </p:cNvPr>
+          <p:cNvPicPr>
+            <a:picLocks noChangeAspect="1"/>
+          </p:cNvPicPr>
+          <p:nvPr/>
+        </p:nvPicPr>
+        <p:blipFill rotWithShape="1">
+          <a:blip r:embed="rId5"/>
+          <a:srcRect l="9961" r="64885"/>
+          <a:stretch/>
+        </p:blipFill>
+        <p:spPr>
+          <a:xfrm>
+            <a:off x="516913" y="2046031"/>
+            <a:ext cx="3711388" cy="2931458"/>
+          </a:xfrm>
+          <a:prstGeom prst="rect">
+            <a:avLst/>
+          </a:prstGeom>
+        </p:spPr>
+      </p:pic>
+      <p:pic>
+        <p:nvPicPr>
+          <p:cNvPr id="4" name="그림 3">
+            <a:extLst>
+              <a:ext uri="{FF2B5EF4-FFF2-40B4-BE49-F238E27FC236}">
+                <a16:creationId xmlns:a16="http://schemas.microsoft.com/office/drawing/2014/main" id="{17789A76-3388-BB69-9798-5D0284D3CC61}"/>
+              </a:ext>
+            </a:extLst>
+          </p:cNvPr>
+          <p:cNvPicPr>
+            <a:picLocks noChangeAspect="1"/>
+          </p:cNvPicPr>
+          <p:nvPr/>
+        </p:nvPicPr>
+        <p:blipFill rotWithShape="1">
+          <a:blip r:embed="rId5"/>
+          <a:srcRect l="38274" r="36572"/>
+          <a:stretch/>
+        </p:blipFill>
+        <p:spPr>
+          <a:xfrm>
+            <a:off x="4320986" y="2046031"/>
+            <a:ext cx="3711389" cy="2931458"/>
+          </a:xfrm>
+          <a:prstGeom prst="rect">
+            <a:avLst/>
+          </a:prstGeom>
+        </p:spPr>
+      </p:pic>
+      <p:pic>
+        <p:nvPicPr>
+          <p:cNvPr id="8" name="그림 7">
+            <a:extLst>
+              <a:ext uri="{FF2B5EF4-FFF2-40B4-BE49-F238E27FC236}">
+                <a16:creationId xmlns:a16="http://schemas.microsoft.com/office/drawing/2014/main" id="{A6ABF968-F618-1C60-410D-7396978C2E8E}"/>
+              </a:ext>
+            </a:extLst>
+          </p:cNvPr>
+          <p:cNvPicPr>
+            <a:picLocks noChangeAspect="1"/>
+          </p:cNvPicPr>
+          <p:nvPr/>
+        </p:nvPicPr>
+        <p:blipFill rotWithShape="1">
+          <a:blip r:embed="rId5"/>
+          <a:srcRect l="66587" r="8260"/>
+          <a:stretch/>
+        </p:blipFill>
+        <p:spPr>
+          <a:xfrm>
+            <a:off x="8134025" y="2046031"/>
+            <a:ext cx="3711389" cy="2931458"/>
+          </a:xfrm>
+          <a:prstGeom prst="rect">
+            <a:avLst/>
+          </a:prstGeom>
+        </p:spPr>
+      </p:pic>
     </p:spTree>
     <p:extLst>
       <p:ext uri="{BB962C8B-B14F-4D97-AF65-F5344CB8AC3E}">
@@ -13320,316 +14155,14 @@
           <a:chExt cx="0" cy="0"/>
         </a:xfrm>
       </p:grpSpPr>
-      <p:graphicFrame>
-        <p:nvGraphicFramePr>
-          <p:cNvPr id="4" name="Table 4">
-            <a:extLst>
-              <a:ext uri="{FF2B5EF4-FFF2-40B4-BE49-F238E27FC236}">
-                <a16:creationId xmlns:a16="http://schemas.microsoft.com/office/drawing/2014/main" id="{EBF7DA75-903B-2372-50CB-212035E9BF52}"/>
-              </a:ext>
-            </a:extLst>
-          </p:cNvPr>
-          <p:cNvGraphicFramePr>
-            <a:graphicFrameLocks noGrp="1"/>
-          </p:cNvGraphicFramePr>
-          <p:nvPr>
-            <p:extLst>
-              <p:ext uri="{D42A27DB-BD31-4B8C-83A1-F6EECF244321}">
-                <p14:modId xmlns:p14="http://schemas.microsoft.com/office/powerpoint/2010/main" val="9606320"/>
-              </p:ext>
-            </p:extLst>
-          </p:nvPr>
-        </p:nvGraphicFramePr>
-        <p:xfrm>
-          <a:off x="4020192" y="1574800"/>
-          <a:ext cx="4503025" cy="1854200"/>
-        </p:xfrm>
-        <a:graphic>
-          <a:graphicData uri="http://schemas.openxmlformats.org/drawingml/2006/table">
-            <a:tbl>
-              <a:tblPr firstRow="1" bandRow="1">
-                <a:tableStyleId>{073A0DAA-6AF3-43AB-8588-CEC1D06C72B9}</a:tableStyleId>
-              </a:tblPr>
-              <a:tblGrid>
-                <a:gridCol w="1013203">
-                  <a:extLst>
-                    <a:ext uri="{9D8B030D-6E8A-4147-A177-3AD203B41FA5}">
-                      <a16:colId xmlns:a16="http://schemas.microsoft.com/office/drawing/2014/main" val="2870257285"/>
-                    </a:ext>
-                  </a:extLst>
-                </a:gridCol>
-                <a:gridCol w="1744911">
-                  <a:extLst>
-                    <a:ext uri="{9D8B030D-6E8A-4147-A177-3AD203B41FA5}">
-                      <a16:colId xmlns:a16="http://schemas.microsoft.com/office/drawing/2014/main" val="1322191462"/>
-                    </a:ext>
-                  </a:extLst>
-                </a:gridCol>
-                <a:gridCol w="1744911">
-                  <a:extLst>
-                    <a:ext uri="{9D8B030D-6E8A-4147-A177-3AD203B41FA5}">
-                      <a16:colId xmlns:a16="http://schemas.microsoft.com/office/drawing/2014/main" val="1871018560"/>
-                    </a:ext>
-                  </a:extLst>
-                </a:gridCol>
-              </a:tblGrid>
-              <a:tr h="370840">
-                <a:tc>
-                  <a:txBody>
-                    <a:bodyPr/>
-                    <a:lstStyle/>
-                    <a:p>
-                      <a:pPr algn="ctr"/>
-                      <a:r>
-                        <a:rPr lang="en-US" dirty="0"/>
-                        <a:t># Alien</a:t>
-                      </a:r>
-                    </a:p>
-                  </a:txBody>
-                  <a:tcPr/>
-                </a:tc>
-                <a:tc>
-                  <a:txBody>
-                    <a:bodyPr/>
-                    <a:lstStyle/>
-                    <a:p>
-                      <a:pPr algn="ctr"/>
-                      <a:r>
-                        <a:rPr lang="en-US" dirty="0"/>
-                        <a:t>Height (cm)</a:t>
-                      </a:r>
-                    </a:p>
-                  </a:txBody>
-                  <a:tcPr/>
-                </a:tc>
-                <a:tc>
-                  <a:txBody>
-                    <a:bodyPr/>
-                    <a:lstStyle/>
-                    <a:p>
-                      <a:pPr algn="ctr"/>
-                      <a:r>
-                        <a:rPr lang="en-US" dirty="0"/>
-                        <a:t>Weight (kg)</a:t>
-                      </a:r>
-                    </a:p>
-                  </a:txBody>
-                  <a:tcPr/>
-                </a:tc>
-                <a:extLst>
-                  <a:ext uri="{0D108BD9-81ED-4DB2-BD59-A6C34878D82A}">
-                    <a16:rowId xmlns:a16="http://schemas.microsoft.com/office/drawing/2014/main" val="1073165690"/>
-                  </a:ext>
-                </a:extLst>
-              </a:tr>
-              <a:tr h="370840">
-                <a:tc>
-                  <a:txBody>
-                    <a:bodyPr/>
-                    <a:lstStyle/>
-                    <a:p>
-                      <a:pPr algn="ctr"/>
-                      <a:r>
-                        <a:rPr lang="en-US" dirty="0"/>
-                        <a:t>1</a:t>
-                      </a:r>
-                    </a:p>
-                  </a:txBody>
-                  <a:tcPr/>
-                </a:tc>
-                <a:tc>
-                  <a:txBody>
-                    <a:bodyPr/>
-                    <a:lstStyle/>
-                    <a:p>
-                      <a:pPr algn="ctr"/>
-                      <a:r>
-                        <a:rPr lang="en-US" dirty="0"/>
-                        <a:t>11</a:t>
-                      </a:r>
-                    </a:p>
-                  </a:txBody>
-                  <a:tcPr/>
-                </a:tc>
-                <a:tc>
-                  <a:txBody>
-                    <a:bodyPr/>
-                    <a:lstStyle/>
-                    <a:p>
-                      <a:pPr algn="ctr"/>
-                      <a:r>
-                        <a:rPr lang="en-US" dirty="0"/>
-                        <a:t>10</a:t>
-                      </a:r>
-                    </a:p>
-                  </a:txBody>
-                  <a:tcPr/>
-                </a:tc>
-                <a:extLst>
-                  <a:ext uri="{0D108BD9-81ED-4DB2-BD59-A6C34878D82A}">
-                    <a16:rowId xmlns:a16="http://schemas.microsoft.com/office/drawing/2014/main" val="1831072032"/>
-                  </a:ext>
-                </a:extLst>
-              </a:tr>
-              <a:tr h="370840">
-                <a:tc>
-                  <a:txBody>
-                    <a:bodyPr/>
-                    <a:lstStyle/>
-                    <a:p>
-                      <a:pPr algn="ctr"/>
-                      <a:r>
-                        <a:rPr lang="en-US" dirty="0"/>
-                        <a:t>2</a:t>
-                      </a:r>
-                    </a:p>
-                  </a:txBody>
-                  <a:tcPr/>
-                </a:tc>
-                <a:tc>
-                  <a:txBody>
-                    <a:bodyPr/>
-                    <a:lstStyle/>
-                    <a:p>
-                      <a:pPr algn="ctr"/>
-                      <a:r>
-                        <a:rPr lang="en-US" dirty="0"/>
-                        <a:t>13</a:t>
-                      </a:r>
-                    </a:p>
-                  </a:txBody>
-                  <a:tcPr/>
-                </a:tc>
-                <a:tc>
-                  <a:txBody>
-                    <a:bodyPr/>
-                    <a:lstStyle/>
-                    <a:p>
-                      <a:pPr algn="ctr"/>
-                      <a:r>
-                        <a:rPr lang="en-US" dirty="0"/>
-                        <a:t>9</a:t>
-                      </a:r>
-                    </a:p>
-                  </a:txBody>
-                  <a:tcPr/>
-                </a:tc>
-                <a:extLst>
-                  <a:ext uri="{0D108BD9-81ED-4DB2-BD59-A6C34878D82A}">
-                    <a16:rowId xmlns:a16="http://schemas.microsoft.com/office/drawing/2014/main" val="3399391694"/>
-                  </a:ext>
-                </a:extLst>
-              </a:tr>
-              <a:tr h="370840">
-                <a:tc>
-                  <a:txBody>
-                    <a:bodyPr/>
-                    <a:lstStyle/>
-                    <a:p>
-                      <a:pPr algn="ctr"/>
-                      <a:r>
-                        <a:rPr lang="en-US" dirty="0"/>
-                        <a:t>3</a:t>
-                      </a:r>
-                    </a:p>
-                  </a:txBody>
-                  <a:tcPr/>
-                </a:tc>
-                <a:tc>
-                  <a:txBody>
-                    <a:bodyPr/>
-                    <a:lstStyle/>
-                    <a:p>
-                      <a:pPr algn="ctr"/>
-                      <a:r>
-                        <a:rPr lang="en-US" dirty="0"/>
-                        <a:t>6</a:t>
-                      </a:r>
-                    </a:p>
-                  </a:txBody>
-                  <a:tcPr/>
-                </a:tc>
-                <a:tc>
-                  <a:txBody>
-                    <a:bodyPr/>
-                    <a:lstStyle/>
-                    <a:p>
-                      <a:pPr algn="ctr"/>
-                      <a:r>
-                        <a:rPr lang="en-US" dirty="0"/>
-                        <a:t>5</a:t>
-                      </a:r>
-                    </a:p>
-                  </a:txBody>
-                  <a:tcPr/>
-                </a:tc>
-                <a:extLst>
-                  <a:ext uri="{0D108BD9-81ED-4DB2-BD59-A6C34878D82A}">
-                    <a16:rowId xmlns:a16="http://schemas.microsoft.com/office/drawing/2014/main" val="4060154270"/>
-                  </a:ext>
-                </a:extLst>
-              </a:tr>
-              <a:tr h="370840">
-                <a:tc>
-                  <a:txBody>
-                    <a:bodyPr/>
-                    <a:lstStyle/>
-                    <a:p>
-                      <a:pPr algn="ctr"/>
-                      <a:r>
-                        <a:rPr lang="en-US" dirty="0"/>
-                        <a:t>4</a:t>
-                      </a:r>
-                    </a:p>
-                  </a:txBody>
-                  <a:tcPr/>
-                </a:tc>
-                <a:tc>
-                  <a:txBody>
-                    <a:bodyPr/>
-                    <a:lstStyle/>
-                    <a:p>
-                      <a:pPr algn="ctr"/>
-                      <a:r>
-                        <a:rPr lang="en-US" dirty="0"/>
-                        <a:t>11</a:t>
-                      </a:r>
-                    </a:p>
-                  </a:txBody>
-                  <a:tcPr/>
-                </a:tc>
-                <a:tc>
-                  <a:txBody>
-                    <a:bodyPr/>
-                    <a:lstStyle/>
-                    <a:p>
-                      <a:pPr algn="ctr"/>
-                      <a:r>
-                        <a:rPr lang="en-US" dirty="0"/>
-                        <a:t>8</a:t>
-                      </a:r>
-                    </a:p>
-                  </a:txBody>
-                  <a:tcPr/>
-                </a:tc>
-                <a:extLst>
-                  <a:ext uri="{0D108BD9-81ED-4DB2-BD59-A6C34878D82A}">
-                    <a16:rowId xmlns:a16="http://schemas.microsoft.com/office/drawing/2014/main" val="132580977"/>
-                  </a:ext>
-                </a:extLst>
-              </a:tr>
-            </a:tbl>
-          </a:graphicData>
-        </a:graphic>
-      </p:graphicFrame>
-      <mc:AlternateContent xmlns:mc="http://schemas.openxmlformats.org/markup-compatibility/2006" xmlns:a14="http://schemas.microsoft.com/office/drawing/2010/main">
-        <mc:Choice Requires="a14">
+      <mc:AlternateContent xmlns:mc="http://schemas.openxmlformats.org/markup-compatibility/2006">
+        <mc:Choice xmlns:a14="http://schemas.microsoft.com/office/drawing/2010/main" Requires="a14">
           <p:sp>
             <p:nvSpPr>
-              <p:cNvPr id="5" name="TextBox 4">
+              <p:cNvPr id="4" name="TextBox 3">
                 <a:extLst>
                   <a:ext uri="{FF2B5EF4-FFF2-40B4-BE49-F238E27FC236}">
-                    <a16:creationId xmlns:a16="http://schemas.microsoft.com/office/drawing/2014/main" id="{CB6EDAC1-D5E9-5CF6-3E4A-B8417ACD6731}"/>
+                    <a16:creationId xmlns:a16="http://schemas.microsoft.com/office/drawing/2014/main" id="{EA20A4FA-1370-36A5-BC8C-5A91D4CFAB25}"/>
                   </a:ext>
                 </a:extLst>
               </p:cNvPr>
@@ -13638,8 +14171,8 @@
             </p:nvSpPr>
             <p:spPr>
               <a:xfrm>
-                <a:off x="6102427" y="3550098"/>
-                <a:ext cx="338554" cy="369332"/>
+                <a:off x="995020" y="1006713"/>
+                <a:ext cx="10201960" cy="4403963"/>
               </a:xfrm>
               <a:prstGeom prst="rect">
                 <a:avLst/>
@@ -13659,27 +14192,87 @@
                       <m:jc m:val="centerGroup"/>
                     </m:oMathParaPr>
                     <m:oMath xmlns:m="http://schemas.openxmlformats.org/officeDocument/2006/math">
-                      <m:r>
-                        <a:rPr lang="en-US" b="0" i="1" smtClean="0">
-                          <a:latin typeface="Cambria Math" panose="02040503050406030204" pitchFamily="18" charset="0"/>
-                        </a:rPr>
-                        <m:t>⋮</m:t>
-                      </m:r>
+                      <m:d>
+                        <m:dPr>
+                          <m:begChr m:val="["/>
+                          <m:endChr m:val="]"/>
+                          <m:ctrlPr>
+                            <a:rPr lang="en-US" altLang="ko-KR" sz="16600" i="1" smtClean="0">
+                              <a:latin typeface="Cambria Math" panose="02040503050406030204" pitchFamily="18" charset="0"/>
+                            </a:rPr>
+                          </m:ctrlPr>
+                        </m:dPr>
+                        <m:e>
+                          <m:m>
+                            <m:mPr>
+                              <m:mcs>
+                                <m:mc>
+                                  <m:mcPr>
+                                    <m:count m:val="2"/>
+                                    <m:mcJc m:val="center"/>
+                                  </m:mcPr>
+                                </m:mc>
+                              </m:mcs>
+                              <m:ctrlPr>
+                                <a:rPr lang="en-US" altLang="ko-KR" sz="16600" i="1" smtClean="0">
+                                  <a:latin typeface="Cambria Math" panose="02040503050406030204" pitchFamily="18" charset="0"/>
+                                </a:rPr>
+                              </m:ctrlPr>
+                            </m:mPr>
+                            <m:mr>
+                              <m:e>
+                                <m:r>
+                                  <a:rPr lang="en-US" altLang="ko-KR" sz="16600" b="0" i="1" smtClean="0">
+                                    <a:latin typeface="Cambria Math" panose="02040503050406030204" pitchFamily="18" charset="0"/>
+                                  </a:rPr>
+                                  <m:t>1.0</m:t>
+                                </m:r>
+                              </m:e>
+                              <m:e>
+                                <m:r>
+                                  <a:rPr lang="en-US" altLang="ko-KR" sz="16600" b="0" i="1" smtClean="0">
+                                    <a:latin typeface="Cambria Math" panose="02040503050406030204" pitchFamily="18" charset="0"/>
+                                  </a:rPr>
+                                  <m:t>0.5</m:t>
+                                </m:r>
+                              </m:e>
+                            </m:mr>
+                            <m:mr>
+                              <m:e>
+                                <m:r>
+                                  <a:rPr lang="en-US" altLang="ko-KR" sz="16600" b="0" i="1" smtClean="0">
+                                    <a:latin typeface="Cambria Math" panose="02040503050406030204" pitchFamily="18" charset="0"/>
+                                  </a:rPr>
+                                  <m:t>0.5</m:t>
+                                </m:r>
+                              </m:e>
+                              <m:e>
+                                <m:r>
+                                  <a:rPr lang="en-US" altLang="ko-KR" sz="16600" b="0" i="1" smtClean="0">
+                                    <a:latin typeface="Cambria Math" panose="02040503050406030204" pitchFamily="18" charset="0"/>
+                                  </a:rPr>
+                                  <m:t>1.5</m:t>
+                                </m:r>
+                              </m:e>
+                            </m:mr>
+                          </m:m>
+                        </m:e>
+                      </m:d>
                     </m:oMath>
                   </m:oMathPara>
                 </a14:m>
-                <a:endParaRPr lang="en-US" dirty="0"/>
+                <a:endParaRPr lang="ko-KR" altLang="en-US" sz="16600" dirty="0"/>
               </a:p>
             </p:txBody>
           </p:sp>
         </mc:Choice>
-        <mc:Fallback xmlns="">
+        <mc:Fallback>
           <p:sp>
             <p:nvSpPr>
-              <p:cNvPr id="5" name="TextBox 4">
+              <p:cNvPr id="4" name="TextBox 3">
                 <a:extLst>
                   <a:ext uri="{FF2B5EF4-FFF2-40B4-BE49-F238E27FC236}">
-                    <a16:creationId xmlns:a16="http://schemas.microsoft.com/office/drawing/2014/main" id="{CB6EDAC1-D5E9-5CF6-3E4A-B8417ACD6731}"/>
+                    <a16:creationId xmlns:a16="http://schemas.microsoft.com/office/drawing/2014/main" id="{EA20A4FA-1370-36A5-BC8C-5A91D4CFAB25}"/>
                   </a:ext>
                 </a:extLst>
               </p:cNvPr>
@@ -13690,8 +14283,8 @@
             </p:nvSpPr>
             <p:spPr>
               <a:xfrm>
-                <a:off x="6102427" y="3550098"/>
-                <a:ext cx="338554" cy="369332"/>
+                <a:off x="995020" y="1006713"/>
+                <a:ext cx="10201960" cy="4403963"/>
               </a:xfrm>
               <a:prstGeom prst="rect">
                 <a:avLst/>
@@ -13708,7 +14301,755 @@
               <a:lstStyle/>
               <a:p>
                 <a:r>
-                  <a:rPr lang="en-US">
+                  <a:rPr lang="ko-KR" altLang="en-US">
+                    <a:noFill/>
+                  </a:rPr>
+                  <a:t> </a:t>
+                </a:r>
+              </a:p>
+            </p:txBody>
+          </p:sp>
+        </mc:Fallback>
+      </mc:AlternateContent>
+      <p:sp>
+        <p:nvSpPr>
+          <p:cNvPr id="5" name="타원 4">
+            <a:extLst>
+              <a:ext uri="{FF2B5EF4-FFF2-40B4-BE49-F238E27FC236}">
+                <a16:creationId xmlns:a16="http://schemas.microsoft.com/office/drawing/2014/main" id="{E1CD52EA-212F-74C7-126C-E90157A0F364}"/>
+              </a:ext>
+            </a:extLst>
+          </p:cNvPr>
+          <p:cNvSpPr/>
+          <p:nvPr/>
+        </p:nvSpPr>
+        <p:spPr>
+          <a:xfrm>
+            <a:off x="2008094" y="1006712"/>
+            <a:ext cx="3304686" cy="2340980"/>
+          </a:xfrm>
+          <a:prstGeom prst="ellipse">
+            <a:avLst/>
+          </a:prstGeom>
+          <a:noFill/>
+          <a:ln w="76200">
+            <a:solidFill>
+              <a:schemeClr val="accent1">
+                <a:lumMod val="60000"/>
+                <a:lumOff val="40000"/>
+              </a:schemeClr>
+            </a:solidFill>
+            <a:prstDash val="sysDash"/>
+          </a:ln>
+        </p:spPr>
+        <p:style>
+          <a:lnRef idx="2">
+            <a:schemeClr val="accent1">
+              <a:shade val="50000"/>
+            </a:schemeClr>
+          </a:lnRef>
+          <a:fillRef idx="1">
+            <a:schemeClr val="accent1"/>
+          </a:fillRef>
+          <a:effectRef idx="0">
+            <a:schemeClr val="accent1"/>
+          </a:effectRef>
+          <a:fontRef idx="minor">
+            <a:schemeClr val="lt1"/>
+          </a:fontRef>
+        </p:style>
+        <p:txBody>
+          <a:bodyPr rtlCol="0" anchor="ctr"/>
+          <a:lstStyle/>
+          <a:p>
+            <a:pPr algn="ctr"/>
+            <a:endParaRPr lang="ko-KR" altLang="en-US"/>
+          </a:p>
+        </p:txBody>
+      </p:sp>
+      <mc:AlternateContent xmlns:mc="http://schemas.openxmlformats.org/markup-compatibility/2006">
+        <mc:Choice xmlns:a14="http://schemas.microsoft.com/office/drawing/2010/main" Requires="a14">
+          <p:sp>
+            <p:nvSpPr>
+              <p:cNvPr id="6" name="TextBox 5">
+                <a:extLst>
+                  <a:ext uri="{FF2B5EF4-FFF2-40B4-BE49-F238E27FC236}">
+                    <a16:creationId xmlns:a16="http://schemas.microsoft.com/office/drawing/2014/main" id="{06E1DF11-7442-1E17-8106-B241F168133D}"/>
+                  </a:ext>
+                </a:extLst>
+              </p:cNvPr>
+              <p:cNvSpPr txBox="1"/>
+              <p:nvPr/>
+            </p:nvSpPr>
+            <p:spPr>
+              <a:xfrm>
+                <a:off x="406927" y="483491"/>
+                <a:ext cx="3997889" cy="523220"/>
+              </a:xfrm>
+              <a:prstGeom prst="rect">
+                <a:avLst/>
+              </a:prstGeom>
+              <a:noFill/>
+            </p:spPr>
+            <p:txBody>
+              <a:bodyPr wrap="none" rtlCol="0">
+                <a:spAutoFit/>
+              </a:bodyPr>
+              <a:lstStyle/>
+              <a:p>
+                <a14:m>
+                  <m:oMath xmlns:m="http://schemas.openxmlformats.org/officeDocument/2006/math">
+                    <m:r>
+                      <a:rPr lang="en-US" altLang="ko-KR" sz="2800" i="1" dirty="0" smtClean="0">
+                        <a:solidFill>
+                          <a:schemeClr val="accent1">
+                            <a:lumMod val="75000"/>
+                          </a:schemeClr>
+                        </a:solidFill>
+                        <a:latin typeface="Cambria Math" panose="02040503050406030204" pitchFamily="18" charset="0"/>
+                        <a:ea typeface="KoPub돋움체 Bold" panose="00000800000000000000" pitchFamily="2" charset="-127"/>
+                      </a:rPr>
+                      <m:t>𝑥</m:t>
+                    </m:r>
+                  </m:oMath>
+                </a14:m>
+                <a:r>
+                  <a:rPr lang="ko-KR" altLang="en-US" sz="2800" dirty="0">
+                    <a:solidFill>
+                      <a:schemeClr val="accent1">
+                        <a:lumMod val="75000"/>
+                      </a:schemeClr>
+                    </a:solidFill>
+                    <a:latin typeface="KoPub돋움체 Bold" panose="00000800000000000000" pitchFamily="2" charset="-127"/>
+                    <a:ea typeface="KoPub돋움체 Bold" panose="00000800000000000000" pitchFamily="2" charset="-127"/>
+                  </a:rPr>
+                  <a:t>축 방향으로 퍼진 정도</a:t>
+                </a:r>
+              </a:p>
+            </p:txBody>
+          </p:sp>
+        </mc:Choice>
+        <mc:Fallback>
+          <p:sp>
+            <p:nvSpPr>
+              <p:cNvPr id="6" name="TextBox 5">
+                <a:extLst>
+                  <a:ext uri="{FF2B5EF4-FFF2-40B4-BE49-F238E27FC236}">
+                    <a16:creationId xmlns:a16="http://schemas.microsoft.com/office/drawing/2014/main" id="{06E1DF11-7442-1E17-8106-B241F168133D}"/>
+                  </a:ext>
+                </a:extLst>
+              </p:cNvPr>
+              <p:cNvSpPr txBox="1">
+                <a:spLocks noRot="1" noChangeAspect="1" noMove="1" noResize="1" noEditPoints="1" noAdjustHandles="1" noChangeArrowheads="1" noChangeShapeType="1" noTextEdit="1"/>
+              </p:cNvSpPr>
+              <p:nvPr/>
+            </p:nvSpPr>
+            <p:spPr>
+              <a:xfrm>
+                <a:off x="406927" y="483491"/>
+                <a:ext cx="3997889" cy="523220"/>
+              </a:xfrm>
+              <a:prstGeom prst="rect">
+                <a:avLst/>
+              </a:prstGeom>
+              <a:blipFill>
+                <a:blip r:embed="rId3"/>
+                <a:stretch>
+                  <a:fillRect t="-11628" r="-1982" b="-31395"/>
+                </a:stretch>
+              </a:blipFill>
+            </p:spPr>
+            <p:txBody>
+              <a:bodyPr/>
+              <a:lstStyle/>
+              <a:p>
+                <a:r>
+                  <a:rPr lang="ko-KR" altLang="en-US">
+                    <a:noFill/>
+                  </a:rPr>
+                  <a:t> </a:t>
+                </a:r>
+              </a:p>
+            </p:txBody>
+          </p:sp>
+        </mc:Fallback>
+      </mc:AlternateContent>
+      <p:sp>
+        <p:nvSpPr>
+          <p:cNvPr id="7" name="타원 6">
+            <a:extLst>
+              <a:ext uri="{FF2B5EF4-FFF2-40B4-BE49-F238E27FC236}">
+                <a16:creationId xmlns:a16="http://schemas.microsoft.com/office/drawing/2014/main" id="{E3BBD6BE-A884-EBBD-31A1-BD30FF97F4B8}"/>
+              </a:ext>
+            </a:extLst>
+          </p:cNvPr>
+          <p:cNvSpPr/>
+          <p:nvPr/>
+        </p:nvSpPr>
+        <p:spPr>
+          <a:xfrm>
+            <a:off x="6913947" y="3428716"/>
+            <a:ext cx="3180312" cy="2340980"/>
+          </a:xfrm>
+          <a:prstGeom prst="ellipse">
+            <a:avLst/>
+          </a:prstGeom>
+          <a:noFill/>
+          <a:ln w="76200">
+            <a:solidFill>
+              <a:schemeClr val="accent2">
+                <a:lumMod val="60000"/>
+                <a:lumOff val="40000"/>
+              </a:schemeClr>
+            </a:solidFill>
+            <a:prstDash val="sysDash"/>
+          </a:ln>
+        </p:spPr>
+        <p:style>
+          <a:lnRef idx="2">
+            <a:schemeClr val="accent1">
+              <a:shade val="50000"/>
+            </a:schemeClr>
+          </a:lnRef>
+          <a:fillRef idx="1">
+            <a:schemeClr val="accent1"/>
+          </a:fillRef>
+          <a:effectRef idx="0">
+            <a:schemeClr val="accent1"/>
+          </a:effectRef>
+          <a:fontRef idx="minor">
+            <a:schemeClr val="lt1"/>
+          </a:fontRef>
+        </p:style>
+        <p:txBody>
+          <a:bodyPr rtlCol="0" anchor="ctr"/>
+          <a:lstStyle/>
+          <a:p>
+            <a:pPr algn="ctr"/>
+            <a:endParaRPr lang="ko-KR" altLang="en-US"/>
+          </a:p>
+        </p:txBody>
+      </p:sp>
+      <p:sp>
+        <p:nvSpPr>
+          <p:cNvPr id="9" name="타원 8">
+            <a:extLst>
+              <a:ext uri="{FF2B5EF4-FFF2-40B4-BE49-F238E27FC236}">
+                <a16:creationId xmlns:a16="http://schemas.microsoft.com/office/drawing/2014/main" id="{D045BFA4-A794-1C82-8C5B-35AEF22ABC5B}"/>
+              </a:ext>
+            </a:extLst>
+          </p:cNvPr>
+          <p:cNvSpPr/>
+          <p:nvPr/>
+        </p:nvSpPr>
+        <p:spPr>
+          <a:xfrm>
+            <a:off x="6913947" y="1006711"/>
+            <a:ext cx="3180312" cy="2340980"/>
+          </a:xfrm>
+          <a:prstGeom prst="ellipse">
+            <a:avLst/>
+          </a:prstGeom>
+          <a:noFill/>
+          <a:ln w="76200">
+            <a:solidFill>
+              <a:schemeClr val="accent6">
+                <a:lumMod val="60000"/>
+                <a:lumOff val="40000"/>
+              </a:schemeClr>
+            </a:solidFill>
+            <a:prstDash val="sysDash"/>
+          </a:ln>
+        </p:spPr>
+        <p:style>
+          <a:lnRef idx="2">
+            <a:schemeClr val="accent1">
+              <a:shade val="50000"/>
+            </a:schemeClr>
+          </a:lnRef>
+          <a:fillRef idx="1">
+            <a:schemeClr val="accent1"/>
+          </a:fillRef>
+          <a:effectRef idx="0">
+            <a:schemeClr val="accent1"/>
+          </a:effectRef>
+          <a:fontRef idx="minor">
+            <a:schemeClr val="lt1"/>
+          </a:fontRef>
+        </p:style>
+        <p:txBody>
+          <a:bodyPr rtlCol="0" anchor="ctr"/>
+          <a:lstStyle/>
+          <a:p>
+            <a:pPr algn="ctr"/>
+            <a:endParaRPr lang="ko-KR" altLang="en-US"/>
+          </a:p>
+        </p:txBody>
+      </p:sp>
+      <p:sp>
+        <p:nvSpPr>
+          <p:cNvPr id="10" name="타원 9">
+            <a:extLst>
+              <a:ext uri="{FF2B5EF4-FFF2-40B4-BE49-F238E27FC236}">
+                <a16:creationId xmlns:a16="http://schemas.microsoft.com/office/drawing/2014/main" id="{CC2873EF-5BCC-DC41-464B-6EAB8498F846}"/>
+              </a:ext>
+            </a:extLst>
+          </p:cNvPr>
+          <p:cNvSpPr/>
+          <p:nvPr/>
+        </p:nvSpPr>
+        <p:spPr>
+          <a:xfrm>
+            <a:off x="2008094" y="3428716"/>
+            <a:ext cx="3304686" cy="2340980"/>
+          </a:xfrm>
+          <a:prstGeom prst="ellipse">
+            <a:avLst/>
+          </a:prstGeom>
+          <a:noFill/>
+          <a:ln w="76200">
+            <a:solidFill>
+              <a:schemeClr val="accent6">
+                <a:lumMod val="60000"/>
+                <a:lumOff val="40000"/>
+              </a:schemeClr>
+            </a:solidFill>
+            <a:prstDash val="sysDash"/>
+          </a:ln>
+        </p:spPr>
+        <p:style>
+          <a:lnRef idx="2">
+            <a:schemeClr val="accent1">
+              <a:shade val="50000"/>
+            </a:schemeClr>
+          </a:lnRef>
+          <a:fillRef idx="1">
+            <a:schemeClr val="accent1"/>
+          </a:fillRef>
+          <a:effectRef idx="0">
+            <a:schemeClr val="accent1"/>
+          </a:effectRef>
+          <a:fontRef idx="minor">
+            <a:schemeClr val="lt1"/>
+          </a:fontRef>
+        </p:style>
+        <p:txBody>
+          <a:bodyPr rtlCol="0" anchor="ctr"/>
+          <a:lstStyle/>
+          <a:p>
+            <a:pPr algn="ctr"/>
+            <a:endParaRPr lang="ko-KR" altLang="en-US"/>
+          </a:p>
+        </p:txBody>
+      </p:sp>
+      <mc:AlternateContent xmlns:mc="http://schemas.openxmlformats.org/markup-compatibility/2006">
+        <mc:Choice xmlns:a14="http://schemas.microsoft.com/office/drawing/2010/main" Requires="a14">
+          <p:sp>
+            <p:nvSpPr>
+              <p:cNvPr id="12" name="TextBox 11">
+                <a:extLst>
+                  <a:ext uri="{FF2B5EF4-FFF2-40B4-BE49-F238E27FC236}">
+                    <a16:creationId xmlns:a16="http://schemas.microsoft.com/office/drawing/2014/main" id="{893D3FDE-652A-FB73-8C82-D09CF3614CA4}"/>
+                  </a:ext>
+                </a:extLst>
+              </p:cNvPr>
+              <p:cNvSpPr txBox="1"/>
+              <p:nvPr/>
+            </p:nvSpPr>
+            <p:spPr>
+              <a:xfrm>
+                <a:off x="396084" y="5635845"/>
+                <a:ext cx="2648417" cy="954107"/>
+              </a:xfrm>
+              <a:prstGeom prst="rect">
+                <a:avLst/>
+              </a:prstGeom>
+              <a:noFill/>
+            </p:spPr>
+            <p:txBody>
+              <a:bodyPr wrap="none" rtlCol="0">
+                <a:spAutoFit/>
+              </a:bodyPr>
+              <a:lstStyle/>
+              <a:p>
+                <a14:m>
+                  <m:oMath xmlns:m="http://schemas.openxmlformats.org/officeDocument/2006/math">
+                    <m:r>
+                      <a:rPr lang="en-US" altLang="ko-KR" sz="2800" i="1" dirty="0" smtClean="0">
+                        <a:solidFill>
+                          <a:schemeClr val="accent6">
+                            <a:lumMod val="75000"/>
+                          </a:schemeClr>
+                        </a:solidFill>
+                        <a:latin typeface="Cambria Math" panose="02040503050406030204" pitchFamily="18" charset="0"/>
+                        <a:ea typeface="KoPub돋움체 Bold" panose="00000800000000000000" pitchFamily="2" charset="-127"/>
+                      </a:rPr>
+                      <m:t>𝑥</m:t>
+                    </m:r>
+                    <m:r>
+                      <a:rPr lang="en-US" altLang="ko-KR" sz="2800" i="1" dirty="0" smtClean="0">
+                        <a:solidFill>
+                          <a:schemeClr val="accent6">
+                            <a:lumMod val="75000"/>
+                          </a:schemeClr>
+                        </a:solidFill>
+                        <a:latin typeface="Cambria Math" panose="02040503050406030204" pitchFamily="18" charset="0"/>
+                        <a:ea typeface="KoPub돋움체 Bold" panose="00000800000000000000" pitchFamily="2" charset="-127"/>
+                      </a:rPr>
+                      <m:t>, </m:t>
+                    </m:r>
+                    <m:r>
+                      <a:rPr lang="en-US" altLang="ko-KR" sz="2800" i="1" dirty="0" smtClean="0">
+                        <a:solidFill>
+                          <a:schemeClr val="accent6">
+                            <a:lumMod val="75000"/>
+                          </a:schemeClr>
+                        </a:solidFill>
+                        <a:latin typeface="Cambria Math" panose="02040503050406030204" pitchFamily="18" charset="0"/>
+                        <a:ea typeface="KoPub돋움체 Bold" panose="00000800000000000000" pitchFamily="2" charset="-127"/>
+                      </a:rPr>
+                      <m:t>𝑦</m:t>
+                    </m:r>
+                  </m:oMath>
+                </a14:m>
+                <a:r>
+                  <a:rPr lang="ko-KR" altLang="en-US" sz="2800" dirty="0">
+                    <a:solidFill>
+                      <a:schemeClr val="accent6">
+                        <a:lumMod val="75000"/>
+                      </a:schemeClr>
+                    </a:solidFill>
+                    <a:latin typeface="KoPub돋움체 Bold" panose="00000800000000000000" pitchFamily="2" charset="-127"/>
+                    <a:ea typeface="KoPub돋움체 Bold" panose="00000800000000000000" pitchFamily="2" charset="-127"/>
+                  </a:rPr>
+                  <a:t>축 방향으로</a:t>
+                </a:r>
+                <a:endParaRPr lang="en-US" altLang="ko-KR" sz="2800" dirty="0">
+                  <a:solidFill>
+                    <a:schemeClr val="accent6">
+                      <a:lumMod val="75000"/>
+                    </a:schemeClr>
+                  </a:solidFill>
+                  <a:latin typeface="KoPub돋움체 Bold" panose="00000800000000000000" pitchFamily="2" charset="-127"/>
+                  <a:ea typeface="KoPub돋움체 Bold" panose="00000800000000000000" pitchFamily="2" charset="-127"/>
+                </a:endParaRPr>
+              </a:p>
+              <a:p>
+                <a:r>
+                  <a:rPr lang="ko-KR" altLang="en-US" sz="2800" dirty="0">
+                    <a:solidFill>
+                      <a:schemeClr val="accent6">
+                        <a:lumMod val="75000"/>
+                      </a:schemeClr>
+                    </a:solidFill>
+                    <a:latin typeface="KoPub돋움체 Bold" panose="00000800000000000000" pitchFamily="2" charset="-127"/>
+                    <a:ea typeface="KoPub돋움체 Bold" panose="00000800000000000000" pitchFamily="2" charset="-127"/>
+                  </a:rPr>
+                  <a:t>함께 퍼진 정도</a:t>
+                </a:r>
+              </a:p>
+            </p:txBody>
+          </p:sp>
+        </mc:Choice>
+        <mc:Fallback>
+          <p:sp>
+            <p:nvSpPr>
+              <p:cNvPr id="12" name="TextBox 11">
+                <a:extLst>
+                  <a:ext uri="{FF2B5EF4-FFF2-40B4-BE49-F238E27FC236}">
+                    <a16:creationId xmlns:a16="http://schemas.microsoft.com/office/drawing/2014/main" id="{893D3FDE-652A-FB73-8C82-D09CF3614CA4}"/>
+                  </a:ext>
+                </a:extLst>
+              </p:cNvPr>
+              <p:cNvSpPr txBox="1">
+                <a:spLocks noRot="1" noChangeAspect="1" noMove="1" noResize="1" noEditPoints="1" noAdjustHandles="1" noChangeArrowheads="1" noChangeShapeType="1" noTextEdit="1"/>
+              </p:cNvSpPr>
+              <p:nvPr/>
+            </p:nvSpPr>
+            <p:spPr>
+              <a:xfrm>
+                <a:off x="396084" y="5635845"/>
+                <a:ext cx="2648417" cy="954107"/>
+              </a:xfrm>
+              <a:prstGeom prst="rect">
+                <a:avLst/>
+              </a:prstGeom>
+              <a:blipFill>
+                <a:blip r:embed="rId4"/>
+                <a:stretch>
+                  <a:fillRect l="-4839" t="-7051" r="-3456" b="-17308"/>
+                </a:stretch>
+              </a:blipFill>
+            </p:spPr>
+            <p:txBody>
+              <a:bodyPr/>
+              <a:lstStyle/>
+              <a:p>
+                <a:r>
+                  <a:rPr lang="ko-KR" altLang="en-US">
+                    <a:noFill/>
+                  </a:rPr>
+                  <a:t> </a:t>
+                </a:r>
+              </a:p>
+            </p:txBody>
+          </p:sp>
+        </mc:Fallback>
+      </mc:AlternateContent>
+      <mc:AlternateContent xmlns:mc="http://schemas.openxmlformats.org/markup-compatibility/2006">
+        <mc:Choice xmlns:a14="http://schemas.microsoft.com/office/drawing/2010/main" Requires="a14">
+          <p:sp>
+            <p:nvSpPr>
+              <p:cNvPr id="8" name="TextBox 7">
+                <a:extLst>
+                  <a:ext uri="{FF2B5EF4-FFF2-40B4-BE49-F238E27FC236}">
+                    <a16:creationId xmlns:a16="http://schemas.microsoft.com/office/drawing/2014/main" id="{33DF3E9B-15B5-F2E5-6B31-876ABD74294A}"/>
+                  </a:ext>
+                </a:extLst>
+              </p:cNvPr>
+              <p:cNvSpPr txBox="1"/>
+              <p:nvPr/>
+            </p:nvSpPr>
+            <p:spPr>
+              <a:xfrm>
+                <a:off x="7707580" y="5739227"/>
+                <a:ext cx="4088336" cy="523220"/>
+              </a:xfrm>
+              <a:prstGeom prst="rect">
+                <a:avLst/>
+              </a:prstGeom>
+              <a:noFill/>
+            </p:spPr>
+            <p:txBody>
+              <a:bodyPr wrap="square" rtlCol="0">
+                <a:spAutoFit/>
+              </a:bodyPr>
+              <a:lstStyle/>
+              <a:p>
+                <a14:m>
+                  <m:oMath xmlns:m="http://schemas.openxmlformats.org/officeDocument/2006/math">
+                    <m:r>
+                      <a:rPr lang="en-US" altLang="ko-KR" sz="2800" i="1" dirty="0" smtClean="0">
+                        <a:solidFill>
+                          <a:schemeClr val="accent2">
+                            <a:lumMod val="75000"/>
+                          </a:schemeClr>
+                        </a:solidFill>
+                        <a:latin typeface="Cambria Math" panose="02040503050406030204" pitchFamily="18" charset="0"/>
+                        <a:ea typeface="KoPub돋움체 Bold" panose="00000800000000000000" pitchFamily="2" charset="-127"/>
+                      </a:rPr>
+                      <m:t>𝑦</m:t>
+                    </m:r>
+                  </m:oMath>
+                </a14:m>
+                <a:r>
+                  <a:rPr lang="ko-KR" altLang="en-US" sz="2800" dirty="0">
+                    <a:solidFill>
+                      <a:schemeClr val="accent2">
+                        <a:lumMod val="75000"/>
+                      </a:schemeClr>
+                    </a:solidFill>
+                    <a:latin typeface="KoPub돋움체 Bold" panose="00000800000000000000" pitchFamily="2" charset="-127"/>
+                    <a:ea typeface="KoPub돋움체 Bold" panose="00000800000000000000" pitchFamily="2" charset="-127"/>
+                  </a:rPr>
+                  <a:t>축 방향으로 퍼진 정도</a:t>
+                </a:r>
+              </a:p>
+            </p:txBody>
+          </p:sp>
+        </mc:Choice>
+        <mc:Fallback>
+          <p:sp>
+            <p:nvSpPr>
+              <p:cNvPr id="8" name="TextBox 7">
+                <a:extLst>
+                  <a:ext uri="{FF2B5EF4-FFF2-40B4-BE49-F238E27FC236}">
+                    <a16:creationId xmlns:a16="http://schemas.microsoft.com/office/drawing/2014/main" id="{33DF3E9B-15B5-F2E5-6B31-876ABD74294A}"/>
+                  </a:ext>
+                </a:extLst>
+              </p:cNvPr>
+              <p:cNvSpPr txBox="1">
+                <a:spLocks noRot="1" noChangeAspect="1" noMove="1" noResize="1" noEditPoints="1" noAdjustHandles="1" noChangeArrowheads="1" noChangeShapeType="1" noTextEdit="1"/>
+              </p:cNvSpPr>
+              <p:nvPr/>
+            </p:nvSpPr>
+            <p:spPr>
+              <a:xfrm>
+                <a:off x="7707580" y="5739227"/>
+                <a:ext cx="4088336" cy="523220"/>
+              </a:xfrm>
+              <a:prstGeom prst="rect">
+                <a:avLst/>
+              </a:prstGeom>
+              <a:blipFill>
+                <a:blip r:embed="rId5"/>
+                <a:stretch>
+                  <a:fillRect t="-11628" b="-31395"/>
+                </a:stretch>
+              </a:blipFill>
+            </p:spPr>
+            <p:txBody>
+              <a:bodyPr/>
+              <a:lstStyle/>
+              <a:p>
+                <a:r>
+                  <a:rPr lang="ko-KR" altLang="en-US">
+                    <a:noFill/>
+                  </a:rPr>
+                  <a:t> </a:t>
+                </a:r>
+              </a:p>
+            </p:txBody>
+          </p:sp>
+        </mc:Fallback>
+      </mc:AlternateContent>
+      <mc:AlternateContent xmlns:mc="http://schemas.openxmlformats.org/markup-compatibility/2006">
+        <mc:Choice xmlns:a14="http://schemas.microsoft.com/office/drawing/2010/main" Requires="a14">
+          <p:sp>
+            <p:nvSpPr>
+              <p:cNvPr id="11" name="TextBox 10">
+                <a:extLst>
+                  <a:ext uri="{FF2B5EF4-FFF2-40B4-BE49-F238E27FC236}">
+                    <a16:creationId xmlns:a16="http://schemas.microsoft.com/office/drawing/2014/main" id="{BC193A1E-0681-9D71-0EBE-5100FDC2D610}"/>
+                  </a:ext>
+                </a:extLst>
+              </p:cNvPr>
+              <p:cNvSpPr txBox="1"/>
+              <p:nvPr/>
+            </p:nvSpPr>
+            <p:spPr>
+              <a:xfrm>
+                <a:off x="8849857" y="268047"/>
+                <a:ext cx="2845569" cy="954107"/>
+              </a:xfrm>
+              <a:prstGeom prst="rect">
+                <a:avLst/>
+              </a:prstGeom>
+              <a:noFill/>
+            </p:spPr>
+            <p:txBody>
+              <a:bodyPr wrap="square" rtlCol="0">
+                <a:spAutoFit/>
+              </a:bodyPr>
+              <a:lstStyle/>
+              <a:p>
+                <a:pPr algn="r"/>
+                <a14:m>
+                  <m:oMath xmlns:m="http://schemas.openxmlformats.org/officeDocument/2006/math">
+                    <m:r>
+                      <a:rPr lang="en-US" altLang="ko-KR" sz="2800" i="1" dirty="0" smtClean="0">
+                        <a:solidFill>
+                          <a:schemeClr val="accent6">
+                            <a:lumMod val="75000"/>
+                          </a:schemeClr>
+                        </a:solidFill>
+                        <a:latin typeface="Cambria Math" panose="02040503050406030204" pitchFamily="18" charset="0"/>
+                        <a:ea typeface="KoPub돋움체 Bold" panose="00000800000000000000" pitchFamily="2" charset="-127"/>
+                      </a:rPr>
+                      <m:t>𝑥</m:t>
+                    </m:r>
+                    <m:r>
+                      <a:rPr lang="en-US" altLang="ko-KR" sz="2800" i="1" dirty="0" smtClean="0">
+                        <a:solidFill>
+                          <a:schemeClr val="accent6">
+                            <a:lumMod val="75000"/>
+                          </a:schemeClr>
+                        </a:solidFill>
+                        <a:latin typeface="Cambria Math" panose="02040503050406030204" pitchFamily="18" charset="0"/>
+                        <a:ea typeface="KoPub돋움체 Bold" panose="00000800000000000000" pitchFamily="2" charset="-127"/>
+                      </a:rPr>
+                      <m:t>, </m:t>
+                    </m:r>
+                    <m:r>
+                      <a:rPr lang="en-US" altLang="ko-KR" sz="2800" i="1" dirty="0" smtClean="0">
+                        <a:solidFill>
+                          <a:schemeClr val="accent6">
+                            <a:lumMod val="75000"/>
+                          </a:schemeClr>
+                        </a:solidFill>
+                        <a:latin typeface="Cambria Math" panose="02040503050406030204" pitchFamily="18" charset="0"/>
+                        <a:ea typeface="KoPub돋움체 Bold" panose="00000800000000000000" pitchFamily="2" charset="-127"/>
+                      </a:rPr>
+                      <m:t>𝑦</m:t>
+                    </m:r>
+                  </m:oMath>
+                </a14:m>
+                <a:r>
+                  <a:rPr lang="ko-KR" altLang="en-US" sz="2800" dirty="0">
+                    <a:solidFill>
+                      <a:schemeClr val="accent6">
+                        <a:lumMod val="75000"/>
+                      </a:schemeClr>
+                    </a:solidFill>
+                    <a:latin typeface="KoPub돋움체 Bold" panose="00000800000000000000" pitchFamily="2" charset="-127"/>
+                    <a:ea typeface="KoPub돋움체 Bold" panose="00000800000000000000" pitchFamily="2" charset="-127"/>
+                  </a:rPr>
+                  <a:t>축 방향으로</a:t>
+                </a:r>
+                <a:endParaRPr lang="en-US" altLang="ko-KR" sz="2800" dirty="0">
+                  <a:solidFill>
+                    <a:schemeClr val="accent6">
+                      <a:lumMod val="75000"/>
+                    </a:schemeClr>
+                  </a:solidFill>
+                  <a:latin typeface="KoPub돋움체 Bold" panose="00000800000000000000" pitchFamily="2" charset="-127"/>
+                  <a:ea typeface="KoPub돋움체 Bold" panose="00000800000000000000" pitchFamily="2" charset="-127"/>
+                </a:endParaRPr>
+              </a:p>
+              <a:p>
+                <a:pPr algn="r"/>
+                <a:r>
+                  <a:rPr lang="ko-KR" altLang="en-US" sz="2800" dirty="0">
+                    <a:solidFill>
+                      <a:schemeClr val="accent6">
+                        <a:lumMod val="75000"/>
+                      </a:schemeClr>
+                    </a:solidFill>
+                    <a:latin typeface="KoPub돋움체 Bold" panose="00000800000000000000" pitchFamily="2" charset="-127"/>
+                    <a:ea typeface="KoPub돋움체 Bold" panose="00000800000000000000" pitchFamily="2" charset="-127"/>
+                  </a:rPr>
+                  <a:t>함께 퍼진 정도</a:t>
+                </a:r>
+              </a:p>
+            </p:txBody>
+          </p:sp>
+        </mc:Choice>
+        <mc:Fallback>
+          <p:sp>
+            <p:nvSpPr>
+              <p:cNvPr id="11" name="TextBox 10">
+                <a:extLst>
+                  <a:ext uri="{FF2B5EF4-FFF2-40B4-BE49-F238E27FC236}">
+                    <a16:creationId xmlns:a16="http://schemas.microsoft.com/office/drawing/2014/main" id="{BC193A1E-0681-9D71-0EBE-5100FDC2D610}"/>
+                  </a:ext>
+                </a:extLst>
+              </p:cNvPr>
+              <p:cNvSpPr txBox="1">
+                <a:spLocks noRot="1" noChangeAspect="1" noMove="1" noResize="1" noEditPoints="1" noAdjustHandles="1" noChangeArrowheads="1" noChangeShapeType="1" noTextEdit="1"/>
+              </p:cNvSpPr>
+              <p:nvPr/>
+            </p:nvSpPr>
+            <p:spPr>
+              <a:xfrm>
+                <a:off x="8849857" y="268047"/>
+                <a:ext cx="2845569" cy="954107"/>
+              </a:xfrm>
+              <a:prstGeom prst="rect">
+                <a:avLst/>
+              </a:prstGeom>
+              <a:blipFill>
+                <a:blip r:embed="rId6"/>
+                <a:stretch>
+                  <a:fillRect t="-7051" r="-4283" b="-17308"/>
+                </a:stretch>
+              </a:blipFill>
+            </p:spPr>
+            <p:txBody>
+              <a:bodyPr/>
+              <a:lstStyle/>
+              <a:p>
+                <a:r>
+                  <a:rPr lang="ko-KR" altLang="en-US">
                     <a:noFill/>
                   </a:rPr>
                   <a:t> </a:t>
@@ -13721,7 +15062,7 @@
     </p:spTree>
     <p:extLst>
       <p:ext uri="{BB962C8B-B14F-4D97-AF65-F5344CB8AC3E}">
-        <p14:creationId xmlns:p14="http://schemas.microsoft.com/office/powerpoint/2010/main" val="159419004"/>
+        <p14:creationId xmlns:p14="http://schemas.microsoft.com/office/powerpoint/2010/main" val="2574305871"/>
       </p:ext>
     </p:extLst>
   </p:cSld>

--- a/pics/2022-09-28-Mahalanobis_distance/pics.pptx
+++ b/pics/2022-09-28-Mahalanobis_distance/pics.pptx
@@ -211,7 +211,7 @@
           <a:p>
             <a:fld id="{37018075-E126-440E-A9BA-06DE88865D46}" type="datetimeFigureOut">
               <a:rPr lang="en-US" smtClean="0"/>
-              <a:t>10/14/2022</a:t>
+              <a:t>10/16/2022</a:t>
             </a:fld>
             <a:endParaRPr lang="en-US"/>
           </a:p>
@@ -625,7 +625,7 @@
           <a:p>
             <a:fld id="{8DCFE445-8268-4AE2-ADD9-AB110B2937CA}" type="datetimeFigureOut">
               <a:rPr lang="ko-KR" altLang="en-US" smtClean="0"/>
-              <a:t>2022-10-14</a:t>
+              <a:t>2022-10-16</a:t>
             </a:fld>
             <a:endParaRPr lang="ko-KR" altLang="en-US"/>
           </a:p>
@@ -823,7 +823,7 @@
           <a:p>
             <a:fld id="{8DCFE445-8268-4AE2-ADD9-AB110B2937CA}" type="datetimeFigureOut">
               <a:rPr lang="ko-KR" altLang="en-US" smtClean="0"/>
-              <a:t>2022-10-14</a:t>
+              <a:t>2022-10-16</a:t>
             </a:fld>
             <a:endParaRPr lang="ko-KR" altLang="en-US"/>
           </a:p>
@@ -1031,7 +1031,7 @@
           <a:p>
             <a:fld id="{8DCFE445-8268-4AE2-ADD9-AB110B2937CA}" type="datetimeFigureOut">
               <a:rPr lang="ko-KR" altLang="en-US" smtClean="0"/>
-              <a:t>2022-10-14</a:t>
+              <a:t>2022-10-16</a:t>
             </a:fld>
             <a:endParaRPr lang="ko-KR" altLang="en-US"/>
           </a:p>
@@ -1229,7 +1229,7 @@
           <a:p>
             <a:fld id="{8DCFE445-8268-4AE2-ADD9-AB110B2937CA}" type="datetimeFigureOut">
               <a:rPr lang="ko-KR" altLang="en-US" smtClean="0"/>
-              <a:t>2022-10-14</a:t>
+              <a:t>2022-10-16</a:t>
             </a:fld>
             <a:endParaRPr lang="ko-KR" altLang="en-US"/>
           </a:p>
@@ -1504,7 +1504,7 @@
           <a:p>
             <a:fld id="{8DCFE445-8268-4AE2-ADD9-AB110B2937CA}" type="datetimeFigureOut">
               <a:rPr lang="ko-KR" altLang="en-US" smtClean="0"/>
-              <a:t>2022-10-14</a:t>
+              <a:t>2022-10-16</a:t>
             </a:fld>
             <a:endParaRPr lang="ko-KR" altLang="en-US"/>
           </a:p>
@@ -1769,7 +1769,7 @@
           <a:p>
             <a:fld id="{8DCFE445-8268-4AE2-ADD9-AB110B2937CA}" type="datetimeFigureOut">
               <a:rPr lang="ko-KR" altLang="en-US" smtClean="0"/>
-              <a:t>2022-10-14</a:t>
+              <a:t>2022-10-16</a:t>
             </a:fld>
             <a:endParaRPr lang="ko-KR" altLang="en-US"/>
           </a:p>
@@ -2181,7 +2181,7 @@
           <a:p>
             <a:fld id="{8DCFE445-8268-4AE2-ADD9-AB110B2937CA}" type="datetimeFigureOut">
               <a:rPr lang="ko-KR" altLang="en-US" smtClean="0"/>
-              <a:t>2022-10-14</a:t>
+              <a:t>2022-10-16</a:t>
             </a:fld>
             <a:endParaRPr lang="ko-KR" altLang="en-US"/>
           </a:p>
@@ -2322,7 +2322,7 @@
           <a:p>
             <a:fld id="{8DCFE445-8268-4AE2-ADD9-AB110B2937CA}" type="datetimeFigureOut">
               <a:rPr lang="ko-KR" altLang="en-US" smtClean="0"/>
-              <a:t>2022-10-14</a:t>
+              <a:t>2022-10-16</a:t>
             </a:fld>
             <a:endParaRPr lang="ko-KR" altLang="en-US"/>
           </a:p>
@@ -2435,7 +2435,7 @@
           <a:p>
             <a:fld id="{8DCFE445-8268-4AE2-ADD9-AB110B2937CA}" type="datetimeFigureOut">
               <a:rPr lang="ko-KR" altLang="en-US" smtClean="0"/>
-              <a:t>2022-10-14</a:t>
+              <a:t>2022-10-16</a:t>
             </a:fld>
             <a:endParaRPr lang="ko-KR" altLang="en-US"/>
           </a:p>
@@ -2746,7 +2746,7 @@
           <a:p>
             <a:fld id="{8DCFE445-8268-4AE2-ADD9-AB110B2937CA}" type="datetimeFigureOut">
               <a:rPr lang="ko-KR" altLang="en-US" smtClean="0"/>
-              <a:t>2022-10-14</a:t>
+              <a:t>2022-10-16</a:t>
             </a:fld>
             <a:endParaRPr lang="ko-KR" altLang="en-US"/>
           </a:p>
@@ -3034,7 +3034,7 @@
           <a:p>
             <a:fld id="{8DCFE445-8268-4AE2-ADD9-AB110B2937CA}" type="datetimeFigureOut">
               <a:rPr lang="ko-KR" altLang="en-US" smtClean="0"/>
-              <a:t>2022-10-14</a:t>
+              <a:t>2022-10-16</a:t>
             </a:fld>
             <a:endParaRPr lang="ko-KR" altLang="en-US"/>
           </a:p>
@@ -3275,7 +3275,7 @@
           <a:p>
             <a:fld id="{8DCFE445-8268-4AE2-ADD9-AB110B2937CA}" type="datetimeFigureOut">
               <a:rPr lang="ko-KR" altLang="en-US" smtClean="0"/>
-              <a:t>2022-10-14</a:t>
+              <a:t>2022-10-16</a:t>
             </a:fld>
             <a:endParaRPr lang="ko-KR" altLang="en-US"/>
           </a:p>
@@ -4445,6 +4445,36 @@
           <a:chExt cx="0" cy="0"/>
         </a:xfrm>
       </p:grpSpPr>
+      <p:pic>
+        <p:nvPicPr>
+          <p:cNvPr id="29" name="Picture 28">
+            <a:extLst>
+              <a:ext uri="{FF2B5EF4-FFF2-40B4-BE49-F238E27FC236}">
+                <a16:creationId xmlns:a16="http://schemas.microsoft.com/office/drawing/2014/main" id="{9E0FB7B8-76B4-B631-BB33-A15227B04689}"/>
+              </a:ext>
+            </a:extLst>
+          </p:cNvPr>
+          <p:cNvPicPr>
+            <a:picLocks noChangeAspect="1"/>
+          </p:cNvPicPr>
+          <p:nvPr/>
+        </p:nvPicPr>
+        <p:blipFill>
+          <a:blip r:embed="rId2"/>
+          <a:stretch>
+            <a:fillRect/>
+          </a:stretch>
+        </p:blipFill>
+        <p:spPr>
+          <a:xfrm>
+            <a:off x="948835" y="1417219"/>
+            <a:ext cx="6454140" cy="4840605"/>
+          </a:xfrm>
+          <a:prstGeom prst="rect">
+            <a:avLst/>
+          </a:prstGeom>
+        </p:spPr>
+      </p:pic>
       <mc:AlternateContent xmlns:mc="http://schemas.openxmlformats.org/markup-compatibility/2006">
         <mc:Choice xmlns:a14="http://schemas.microsoft.com/office/drawing/2010/main" Requires="a14">
           <p:sp>
@@ -4461,8 +4491,8 @@
             </p:nvSpPr>
             <p:spPr>
               <a:xfrm>
-                <a:off x="4590334" y="994652"/>
-                <a:ext cx="2560054" cy="715645"/>
+                <a:off x="1922238" y="975899"/>
+                <a:ext cx="4122993" cy="770852"/>
               </a:xfrm>
               <a:prstGeom prst="rect">
                 <a:avLst/>
@@ -4563,6 +4593,92 @@
                           </m:m>
                         </m:e>
                       </m:d>
+                      <m:r>
+                        <a:rPr lang="en-US" altLang="ko-KR" sz="2400" b="0" i="1" smtClean="0">
+                          <a:latin typeface="Cambria Math" panose="02040503050406030204" pitchFamily="18" charset="0"/>
+                        </a:rPr>
+                        <m:t>  </m:t>
+                      </m:r>
+                      <m:groupChr>
+                        <m:groupChrPr>
+                          <m:chr m:val="→"/>
+                          <m:vertJc m:val="bot"/>
+                          <m:ctrlPr>
+                            <a:rPr lang="en-US" altLang="ko-KR" sz="2400" b="0" i="1" smtClean="0">
+                              <a:latin typeface="Cambria Math" panose="02040503050406030204" pitchFamily="18" charset="0"/>
+                            </a:rPr>
+                          </m:ctrlPr>
+                        </m:groupChrPr>
+                        <m:e>
+                          <m:r>
+                            <m:rPr>
+                              <m:brk m:alnAt="2"/>
+                            </m:rPr>
+                            <a:rPr lang="en-US" altLang="ko-KR" sz="2400" b="0" i="1" smtClean="0">
+                              <a:latin typeface="Cambria Math" panose="02040503050406030204" pitchFamily="18" charset="0"/>
+                            </a:rPr>
+                            <m:t>   </m:t>
+                          </m:r>
+                          <m:r>
+                            <a:rPr lang="en-US" altLang="ko-KR" sz="2400" b="0" i="1" smtClean="0">
+                              <a:latin typeface="Cambria Math" panose="02040503050406030204" pitchFamily="18" charset="0"/>
+                            </a:rPr>
+                            <m:t>𝐸𝑉𝐷</m:t>
+                          </m:r>
+                          <m:r>
+                            <a:rPr lang="en-US" altLang="ko-KR" sz="2400" b="0" i="1" smtClean="0">
+                              <a:latin typeface="Cambria Math" panose="02040503050406030204" pitchFamily="18" charset="0"/>
+                            </a:rPr>
+                            <m:t>   </m:t>
+                          </m:r>
+                        </m:e>
+                      </m:groupChr>
+                      <m:r>
+                        <a:rPr lang="en-US" altLang="ko-KR" sz="2400" b="0" i="1" smtClean="0">
+                          <a:latin typeface="Cambria Math" panose="02040503050406030204" pitchFamily="18" charset="0"/>
+                        </a:rPr>
+                        <m:t>  </m:t>
+                      </m:r>
+                      <m:r>
+                        <a:rPr lang="en-US" altLang="ko-KR" sz="2400" b="0" i="1" smtClean="0">
+                          <a:latin typeface="Cambria Math" panose="02040503050406030204" pitchFamily="18" charset="0"/>
+                        </a:rPr>
+                        <m:t>𝑄</m:t>
+                      </m:r>
+                      <m:r>
+                        <m:rPr>
+                          <m:sty m:val="p"/>
+                        </m:rPr>
+                        <a:rPr lang="en-US" altLang="ko-KR" sz="2400" b="0" i="0" smtClean="0">
+                          <a:latin typeface="Cambria Math" panose="02040503050406030204" pitchFamily="18" charset="0"/>
+                        </a:rPr>
+                        <m:t>Λ</m:t>
+                      </m:r>
+                      <m:sSup>
+                        <m:sSupPr>
+                          <m:ctrlPr>
+                            <a:rPr lang="en-US" altLang="ko-KR" sz="2400" b="0" i="1" smtClean="0">
+                              <a:latin typeface="Cambria Math" panose="02040503050406030204" pitchFamily="18" charset="0"/>
+                            </a:rPr>
+                          </m:ctrlPr>
+                        </m:sSupPr>
+                        <m:e>
+                          <m:r>
+                            <a:rPr lang="en-US" altLang="ko-KR" sz="2400" b="0" i="1" smtClean="0">
+                              <a:latin typeface="Cambria Math" panose="02040503050406030204" pitchFamily="18" charset="0"/>
+                            </a:rPr>
+                            <m:t>𝑄</m:t>
+                          </m:r>
+                        </m:e>
+                        <m:sup>
+                          <m:r>
+                            <a:rPr lang="en-US" altLang="ko-KR" sz="2400" b="0" i="1" smtClean="0">
+                              <a:latin typeface="Cambria Math" panose="02040503050406030204" pitchFamily="18" charset="0"/>
+                            </a:rPr>
+                            <m:t>𝑇</m:t>
+                          </m:r>
+                        </m:sup>
+                      </m:sSup>
                     </m:oMath>
                   </m:oMathPara>
                 </a14:m>
@@ -4588,14 +4704,14 @@
             </p:nvSpPr>
             <p:spPr>
               <a:xfrm>
-                <a:off x="4590334" y="994652"/>
-                <a:ext cx="2560054" cy="715645"/>
+                <a:off x="1922238" y="975899"/>
+                <a:ext cx="4122993" cy="770852"/>
               </a:xfrm>
               <a:prstGeom prst="rect">
                 <a:avLst/>
               </a:prstGeom>
               <a:blipFill>
-                <a:blip r:embed="rId2"/>
+                <a:blip r:embed="rId3"/>
                 <a:stretch>
                   <a:fillRect/>
                 </a:stretch>
@@ -4606,7 +4722,7 @@
               <a:lstStyle/>
               <a:p>
                 <a:r>
-                  <a:rPr lang="ko-KR" altLang="en-US">
+                  <a:rPr lang="en-US">
                     <a:noFill/>
                   </a:rPr>
                   <a:t> </a:t>
@@ -4616,121 +4732,6 @@
           </p:sp>
         </mc:Fallback>
       </mc:AlternateContent>
-      <p:pic>
-        <p:nvPicPr>
-          <p:cNvPr id="3" name="그림 2">
-            <a:extLst>
-              <a:ext uri="{FF2B5EF4-FFF2-40B4-BE49-F238E27FC236}">
-                <a16:creationId xmlns:a16="http://schemas.microsoft.com/office/drawing/2014/main" id="{541412FE-2E25-2953-8C8D-253D51495EAA}"/>
-              </a:ext>
-            </a:extLst>
-          </p:cNvPr>
-          <p:cNvPicPr>
-            <a:picLocks noChangeAspect="1"/>
-          </p:cNvPicPr>
-          <p:nvPr/>
-        </p:nvPicPr>
-        <p:blipFill rotWithShape="1">
-          <a:blip r:embed="rId3"/>
-          <a:srcRect l="9961" r="64885"/>
-          <a:stretch/>
-        </p:blipFill>
-        <p:spPr>
-          <a:xfrm>
-            <a:off x="3080818" y="1494185"/>
-            <a:ext cx="5579087" cy="4406669"/>
-          </a:xfrm>
-          <a:prstGeom prst="rect">
-            <a:avLst/>
-          </a:prstGeom>
-        </p:spPr>
-      </p:pic>
-      <p:cxnSp>
-        <p:nvCxnSpPr>
-          <p:cNvPr id="6" name="직선 화살표 연결선 5">
-            <a:extLst>
-              <a:ext uri="{FF2B5EF4-FFF2-40B4-BE49-F238E27FC236}">
-                <a16:creationId xmlns:a16="http://schemas.microsoft.com/office/drawing/2014/main" id="{BCA36C68-F396-BDE3-79E5-3AA570BC4454}"/>
-              </a:ext>
-            </a:extLst>
-          </p:cNvPr>
-          <p:cNvCxnSpPr/>
-          <p:nvPr/>
-        </p:nvCxnSpPr>
-        <p:spPr>
-          <a:xfrm flipV="1">
-            <a:off x="5794095" y="2088777"/>
-            <a:ext cx="1180446" cy="1550894"/>
-          </a:xfrm>
-          <a:prstGeom prst="straightConnector1">
-            <a:avLst/>
-          </a:prstGeom>
-          <a:ln w="38100">
-            <a:solidFill>
-              <a:schemeClr val="tx1"/>
-            </a:solidFill>
-            <a:tailEnd type="triangle"/>
-          </a:ln>
-        </p:spPr>
-        <p:style>
-          <a:lnRef idx="1">
-            <a:schemeClr val="accent1"/>
-          </a:lnRef>
-          <a:fillRef idx="0">
-            <a:schemeClr val="accent1"/>
-          </a:fillRef>
-          <a:effectRef idx="0">
-            <a:schemeClr val="accent1"/>
-          </a:effectRef>
-          <a:fontRef idx="minor">
-            <a:schemeClr val="tx1"/>
-          </a:fontRef>
-        </p:style>
-      </p:cxnSp>
-      <p:cxnSp>
-        <p:nvCxnSpPr>
-          <p:cNvPr id="7" name="직선 화살표 연결선 6">
-            <a:extLst>
-              <a:ext uri="{FF2B5EF4-FFF2-40B4-BE49-F238E27FC236}">
-                <a16:creationId xmlns:a16="http://schemas.microsoft.com/office/drawing/2014/main" id="{7738A9E2-E49D-C41F-3F71-FC1019CAFB64}"/>
-              </a:ext>
-            </a:extLst>
-          </p:cNvPr>
-          <p:cNvCxnSpPr>
-            <a:cxnSpLocks/>
-          </p:cNvCxnSpPr>
-          <p:nvPr/>
-        </p:nvCxnSpPr>
-        <p:spPr>
-          <a:xfrm flipH="1" flipV="1">
-            <a:off x="4959852" y="3003970"/>
-            <a:ext cx="836240" cy="636495"/>
-          </a:xfrm>
-          <a:prstGeom prst="straightConnector1">
-            <a:avLst/>
-          </a:prstGeom>
-          <a:ln w="38100">
-            <a:solidFill>
-              <a:schemeClr val="tx1"/>
-            </a:solidFill>
-            <a:tailEnd type="triangle"/>
-          </a:ln>
-        </p:spPr>
-        <p:style>
-          <a:lnRef idx="1">
-            <a:schemeClr val="accent1"/>
-          </a:lnRef>
-          <a:fillRef idx="0">
-            <a:schemeClr val="accent1"/>
-          </a:fillRef>
-          <a:effectRef idx="0">
-            <a:schemeClr val="accent1"/>
-          </a:effectRef>
-          <a:fontRef idx="minor">
-            <a:schemeClr val="tx1"/>
-          </a:fontRef>
-        </p:style>
-      </p:cxnSp>
       <p:sp>
         <p:nvSpPr>
           <p:cNvPr id="13" name="TextBox 12">
@@ -4745,7 +4746,7 @@
         </p:nvSpPr>
         <p:spPr>
           <a:xfrm>
-            <a:off x="7029299" y="1947507"/>
+            <a:off x="4983647" y="2048022"/>
             <a:ext cx="607859" cy="369332"/>
           </a:xfrm>
           <a:prstGeom prst="rect">
@@ -4764,10 +4765,18 @@
           <a:lstStyle/>
           <a:p>
             <a:r>
-              <a:rPr lang="en-US" altLang="ko-KR" b="1" dirty="0"/>
+              <a:rPr lang="en-US" altLang="ko-KR" b="1" dirty="0">
+                <a:solidFill>
+                  <a:schemeClr val="accent1"/>
+                </a:solidFill>
+              </a:rPr>
               <a:t>PC1</a:t>
             </a:r>
-            <a:endParaRPr lang="ko-KR" altLang="en-US" b="1" dirty="0"/>
+            <a:endParaRPr lang="ko-KR" altLang="en-US" b="1" dirty="0">
+              <a:solidFill>
+                <a:schemeClr val="accent1"/>
+              </a:solidFill>
+            </a:endParaRPr>
           </a:p>
         </p:txBody>
       </p:sp>
@@ -4785,7 +4794,7 @@
         </p:nvSpPr>
         <p:spPr>
           <a:xfrm>
-            <a:off x="4309974" y="2751812"/>
+            <a:off x="2413408" y="2345427"/>
             <a:ext cx="607859" cy="369332"/>
           </a:xfrm>
           <a:prstGeom prst="rect">
@@ -4804,13 +4813,1231 @@
           <a:lstStyle/>
           <a:p>
             <a:r>
-              <a:rPr lang="en-US" altLang="ko-KR" b="1" dirty="0"/>
+              <a:rPr lang="en-US" altLang="ko-KR" b="1" dirty="0">
+                <a:solidFill>
+                  <a:srgbClr val="FF0000"/>
+                </a:solidFill>
+              </a:rPr>
               <a:t>PC2</a:t>
             </a:r>
-            <a:endParaRPr lang="ko-KR" altLang="en-US" b="1" dirty="0"/>
+            <a:endParaRPr lang="ko-KR" altLang="en-US" b="1" dirty="0">
+              <a:solidFill>
+                <a:srgbClr val="FF0000"/>
+              </a:solidFill>
+            </a:endParaRPr>
           </a:p>
         </p:txBody>
       </p:sp>
+      <mc:AlternateContent xmlns:mc="http://schemas.openxmlformats.org/markup-compatibility/2006">
+        <mc:Choice xmlns:a14="http://schemas.microsoft.com/office/drawing/2010/main" Requires="a14">
+          <p:sp>
+            <p:nvSpPr>
+              <p:cNvPr id="5" name="TextBox 4">
+                <a:extLst>
+                  <a:ext uri="{FF2B5EF4-FFF2-40B4-BE49-F238E27FC236}">
+                    <a16:creationId xmlns:a16="http://schemas.microsoft.com/office/drawing/2014/main" id="{9C4EBEC4-C5FF-D4CD-7115-BC22A5BD378A}"/>
+                  </a:ext>
+                </a:extLst>
+              </p:cNvPr>
+              <p:cNvSpPr txBox="1"/>
+              <p:nvPr/>
+            </p:nvSpPr>
+            <p:spPr>
+              <a:xfrm>
+                <a:off x="6589240" y="2367733"/>
+                <a:ext cx="4535292" cy="1087236"/>
+              </a:xfrm>
+              <a:prstGeom prst="rect">
+                <a:avLst/>
+              </a:prstGeom>
+              <a:noFill/>
+            </p:spPr>
+            <p:txBody>
+              <a:bodyPr wrap="square" rtlCol="0">
+                <a:spAutoFit/>
+              </a:bodyPr>
+              <a:lstStyle/>
+              <a:p>
+                <a:pPr/>
+                <a14:m>
+                  <m:oMathPara xmlns:m="http://schemas.openxmlformats.org/officeDocument/2006/math">
+                    <m:oMathParaPr>
+                      <m:jc m:val="center"/>
+                    </m:oMathParaPr>
+                    <m:oMath xmlns:m="http://schemas.openxmlformats.org/officeDocument/2006/math">
+                      <m:r>
+                        <a:rPr lang="en-US" altLang="ko-KR" sz="2000" i="1" smtClean="0">
+                          <a:latin typeface="Cambria Math" panose="02040503050406030204" pitchFamily="18" charset="0"/>
+                        </a:rPr>
+                        <m:t>𝑄</m:t>
+                      </m:r>
+                      <m:r>
+                        <a:rPr lang="en-US" altLang="ko-KR" sz="2000" b="0" i="1" smtClean="0">
+                          <a:latin typeface="Cambria Math" panose="02040503050406030204" pitchFamily="18" charset="0"/>
+                        </a:rPr>
+                        <m:t>=</m:t>
+                      </m:r>
+                      <m:d>
+                        <m:dPr>
+                          <m:begChr m:val="["/>
+                          <m:endChr m:val="]"/>
+                          <m:ctrlPr>
+                            <a:rPr lang="en-US" altLang="ko-KR" sz="2000" b="0" i="1" smtClean="0">
+                              <a:latin typeface="Cambria Math" panose="02040503050406030204" pitchFamily="18" charset="0"/>
+                            </a:rPr>
+                          </m:ctrlPr>
+                        </m:dPr>
+                        <m:e>
+                          <m:m>
+                            <m:mPr>
+                              <m:mcs>
+                                <m:mc>
+                                  <m:mcPr>
+                                    <m:count m:val="2"/>
+                                    <m:mcJc m:val="center"/>
+                                  </m:mcPr>
+                                </m:mc>
+                              </m:mcs>
+                              <m:ctrlPr>
+                                <a:rPr lang="en-US" altLang="ko-KR" sz="2000" b="0" i="1" smtClean="0">
+                                  <a:latin typeface="Cambria Math" panose="02040503050406030204" pitchFamily="18" charset="0"/>
+                                </a:rPr>
+                              </m:ctrlPr>
+                            </m:mPr>
+                            <m:mr>
+                              <m:e>
+                                <m:m>
+                                  <m:mPr>
+                                    <m:mcs>
+                                      <m:mc>
+                                        <m:mcPr>
+                                          <m:count m:val="1"/>
+                                          <m:mcJc m:val="center"/>
+                                        </m:mcPr>
+                                      </m:mc>
+                                    </m:mcs>
+                                    <m:ctrlPr>
+                                      <a:rPr lang="en-US" altLang="ko-KR" sz="2000" b="0" i="1" smtClean="0">
+                                        <a:latin typeface="Cambria Math" panose="02040503050406030204" pitchFamily="18" charset="0"/>
+                                      </a:rPr>
+                                    </m:ctrlPr>
+                                  </m:mPr>
+                                  <m:mr>
+                                    <m:e>
+                                      <m:r>
+                                        <m:rPr>
+                                          <m:brk m:alnAt="7"/>
+                                        </m:rPr>
+                                        <a:rPr lang="en-US" altLang="ko-KR" sz="2000" b="0" i="1" smtClean="0">
+                                          <a:latin typeface="Cambria Math" panose="02040503050406030204" pitchFamily="18" charset="0"/>
+                                        </a:rPr>
+                                        <m:t>|</m:t>
+                                      </m:r>
+                                    </m:e>
+                                  </m:mr>
+                                  <m:mr>
+                                    <m:e>
+                                      <m:sSub>
+                                        <m:sSubPr>
+                                          <m:ctrlPr>
+                                            <a:rPr lang="en-US" altLang="ko-KR" sz="2000" b="0" i="1" smtClean="0">
+                                              <a:latin typeface="Cambria Math" panose="02040503050406030204" pitchFamily="18" charset="0"/>
+                                            </a:rPr>
+                                          </m:ctrlPr>
+                                        </m:sSubPr>
+                                        <m:e>
+                                          <m:r>
+                                            <a:rPr lang="en-US" altLang="ko-KR" sz="2000" b="0" i="1" smtClean="0">
+                                              <a:latin typeface="Cambria Math" panose="02040503050406030204" pitchFamily="18" charset="0"/>
+                                            </a:rPr>
+                                            <m:t>𝑞</m:t>
+                                          </m:r>
+                                        </m:e>
+                                        <m:sub>
+                                          <m:r>
+                                            <a:rPr lang="en-US" altLang="ko-KR" sz="2000" b="0" i="1" smtClean="0">
+                                              <a:latin typeface="Cambria Math" panose="02040503050406030204" pitchFamily="18" charset="0"/>
+                                            </a:rPr>
+                                            <m:t>1</m:t>
+                                          </m:r>
+                                        </m:sub>
+                                      </m:sSub>
+                                    </m:e>
+                                  </m:mr>
+                                  <m:mr>
+                                    <m:e>
+                                      <m:r>
+                                        <a:rPr lang="en-US" altLang="ko-KR" sz="2000" b="0" i="1" smtClean="0">
+                                          <a:latin typeface="Cambria Math" panose="02040503050406030204" pitchFamily="18" charset="0"/>
+                                        </a:rPr>
+                                        <m:t>|</m:t>
+                                      </m:r>
+                                    </m:e>
+                                  </m:mr>
+                                </m:m>
+                              </m:e>
+                              <m:e>
+                                <m:m>
+                                  <m:mPr>
+                                    <m:mcs>
+                                      <m:mc>
+                                        <m:mcPr>
+                                          <m:count m:val="1"/>
+                                          <m:mcJc m:val="center"/>
+                                        </m:mcPr>
+                                      </m:mc>
+                                    </m:mcs>
+                                    <m:ctrlPr>
+                                      <a:rPr lang="en-US" altLang="ko-KR" sz="2000" b="0" i="1" smtClean="0">
+                                        <a:latin typeface="Cambria Math" panose="02040503050406030204" pitchFamily="18" charset="0"/>
+                                      </a:rPr>
+                                    </m:ctrlPr>
+                                  </m:mPr>
+                                  <m:mr>
+                                    <m:e>
+                                      <m:r>
+                                        <m:rPr>
+                                          <m:brk m:alnAt="7"/>
+                                        </m:rPr>
+                                        <a:rPr lang="en-US" altLang="ko-KR" sz="2000" b="0" i="1" smtClean="0">
+                                          <a:latin typeface="Cambria Math" panose="02040503050406030204" pitchFamily="18" charset="0"/>
+                                        </a:rPr>
+                                        <m:t>|</m:t>
+                                      </m:r>
+                                    </m:e>
+                                  </m:mr>
+                                  <m:mr>
+                                    <m:e>
+                                      <m:sSub>
+                                        <m:sSubPr>
+                                          <m:ctrlPr>
+                                            <a:rPr lang="en-US" altLang="ko-KR" sz="2000" b="0" i="1" smtClean="0">
+                                              <a:latin typeface="Cambria Math" panose="02040503050406030204" pitchFamily="18" charset="0"/>
+                                            </a:rPr>
+                                          </m:ctrlPr>
+                                        </m:sSubPr>
+                                        <m:e>
+                                          <m:r>
+                                            <a:rPr lang="en-US" altLang="ko-KR" sz="2000" b="0" i="1" smtClean="0">
+                                              <a:latin typeface="Cambria Math" panose="02040503050406030204" pitchFamily="18" charset="0"/>
+                                            </a:rPr>
+                                            <m:t>𝑞</m:t>
+                                          </m:r>
+                                        </m:e>
+                                        <m:sub>
+                                          <m:r>
+                                            <a:rPr lang="en-US" altLang="ko-KR" sz="2000" b="0" i="1" smtClean="0">
+                                              <a:latin typeface="Cambria Math" panose="02040503050406030204" pitchFamily="18" charset="0"/>
+                                            </a:rPr>
+                                            <m:t>2</m:t>
+                                          </m:r>
+                                        </m:sub>
+                                      </m:sSub>
+                                    </m:e>
+                                  </m:mr>
+                                  <m:mr>
+                                    <m:e>
+                                      <m:r>
+                                        <a:rPr lang="en-US" altLang="ko-KR" sz="2000" b="0" i="1" smtClean="0">
+                                          <a:latin typeface="Cambria Math" panose="02040503050406030204" pitchFamily="18" charset="0"/>
+                                        </a:rPr>
+                                        <m:t>|</m:t>
+                                      </m:r>
+                                    </m:e>
+                                  </m:mr>
+                                </m:m>
+                              </m:e>
+                            </m:mr>
+                          </m:m>
+                        </m:e>
+                      </m:d>
+                      <m:r>
+                        <a:rPr lang="en-US" altLang="ko-KR" sz="2000" b="0" i="1" smtClean="0">
+                          <a:latin typeface="Cambria Math" panose="02040503050406030204" pitchFamily="18" charset="0"/>
+                        </a:rPr>
+                        <m:t>=</m:t>
+                      </m:r>
+                      <m:d>
+                        <m:dPr>
+                          <m:begChr m:val="["/>
+                          <m:endChr m:val="]"/>
+                          <m:ctrlPr>
+                            <a:rPr lang="en-US" altLang="ko-KR" sz="2000" i="1">
+                              <a:latin typeface="Cambria Math" panose="02040503050406030204" pitchFamily="18" charset="0"/>
+                            </a:rPr>
+                          </m:ctrlPr>
+                        </m:dPr>
+                        <m:e>
+                          <m:m>
+                            <m:mPr>
+                              <m:mcs>
+                                <m:mc>
+                                  <m:mcPr>
+                                    <m:count m:val="2"/>
+                                    <m:mcJc m:val="center"/>
+                                  </m:mcPr>
+                                </m:mc>
+                              </m:mcs>
+                              <m:ctrlPr>
+                                <a:rPr lang="en-US" altLang="ko-KR" sz="2000" i="1">
+                                  <a:latin typeface="Cambria Math" panose="02040503050406030204" pitchFamily="18" charset="0"/>
+                                </a:rPr>
+                              </m:ctrlPr>
+                            </m:mPr>
+                            <m:mr>
+                              <m:e>
+                                <m:r>
+                                  <a:rPr lang="en-US" altLang="ko-KR" sz="2000" b="0" i="1" smtClean="0">
+                                    <a:latin typeface="Cambria Math" panose="02040503050406030204" pitchFamily="18" charset="0"/>
+                                  </a:rPr>
+                                  <m:t>−0.8507</m:t>
+                                </m:r>
+                              </m:e>
+                              <m:e>
+                                <m:r>
+                                  <a:rPr lang="en-US" altLang="ko-KR" sz="2000" i="1">
+                                    <a:latin typeface="Cambria Math" panose="02040503050406030204" pitchFamily="18" charset="0"/>
+                                  </a:rPr>
+                                  <m:t>0.5</m:t>
+                                </m:r>
+                                <m:r>
+                                  <a:rPr lang="en-US" altLang="ko-KR" sz="2000" b="0" i="1" smtClean="0">
+                                    <a:latin typeface="Cambria Math" panose="02040503050406030204" pitchFamily="18" charset="0"/>
+                                  </a:rPr>
+                                  <m:t>257</m:t>
+                                </m:r>
+                              </m:e>
+                            </m:mr>
+                            <m:mr>
+                              <m:e>
+                                <m:r>
+                                  <a:rPr lang="en-US" altLang="ko-KR" sz="2000" i="1">
+                                    <a:latin typeface="Cambria Math" panose="02040503050406030204" pitchFamily="18" charset="0"/>
+                                  </a:rPr>
+                                  <m:t>0.5</m:t>
+                                </m:r>
+                                <m:r>
+                                  <a:rPr lang="en-US" altLang="ko-KR" sz="2000" b="0" i="1" smtClean="0">
+                                    <a:latin typeface="Cambria Math" panose="02040503050406030204" pitchFamily="18" charset="0"/>
+                                  </a:rPr>
+                                  <m:t>257</m:t>
+                                </m:r>
+                              </m:e>
+                              <m:e>
+                                <m:r>
+                                  <a:rPr lang="en-US" altLang="ko-KR" sz="2000" b="0" i="1" smtClean="0">
+                                    <a:latin typeface="Cambria Math" panose="02040503050406030204" pitchFamily="18" charset="0"/>
+                                  </a:rPr>
+                                  <m:t>0.8507</m:t>
+                                </m:r>
+                              </m:e>
+                            </m:mr>
+                          </m:m>
+                        </m:e>
+                      </m:d>
+                    </m:oMath>
+                  </m:oMathPara>
+                </a14:m>
+                <a:endParaRPr lang="en-US" altLang="ko-KR" sz="2000" dirty="0"/>
+              </a:p>
+              <a:p>
+                <a:pPr/>
+                <a:endParaRPr lang="en-US" altLang="ko-KR" sz="2000" dirty="0"/>
+              </a:p>
+            </p:txBody>
+          </p:sp>
+        </mc:Choice>
+        <mc:Fallback>
+          <p:sp>
+            <p:nvSpPr>
+              <p:cNvPr id="5" name="TextBox 4">
+                <a:extLst>
+                  <a:ext uri="{FF2B5EF4-FFF2-40B4-BE49-F238E27FC236}">
+                    <a16:creationId xmlns:a16="http://schemas.microsoft.com/office/drawing/2014/main" id="{9C4EBEC4-C5FF-D4CD-7115-BC22A5BD378A}"/>
+                  </a:ext>
+                </a:extLst>
+              </p:cNvPr>
+              <p:cNvSpPr txBox="1">
+                <a:spLocks noRot="1" noChangeAspect="1" noMove="1" noResize="1" noEditPoints="1" noAdjustHandles="1" noChangeArrowheads="1" noChangeShapeType="1" noTextEdit="1"/>
+              </p:cNvSpPr>
+              <p:nvPr/>
+            </p:nvSpPr>
+            <p:spPr>
+              <a:xfrm>
+                <a:off x="6589240" y="2367733"/>
+                <a:ext cx="4535292" cy="1087236"/>
+              </a:xfrm>
+              <a:prstGeom prst="rect">
+                <a:avLst/>
+              </a:prstGeom>
+              <a:blipFill>
+                <a:blip r:embed="rId4"/>
+                <a:stretch>
+                  <a:fillRect/>
+                </a:stretch>
+              </a:blipFill>
+            </p:spPr>
+            <p:txBody>
+              <a:bodyPr/>
+              <a:lstStyle/>
+              <a:p>
+                <a:r>
+                  <a:rPr lang="en-US">
+                    <a:noFill/>
+                  </a:rPr>
+                  <a:t> </a:t>
+                </a:r>
+              </a:p>
+            </p:txBody>
+          </p:sp>
+        </mc:Fallback>
+      </mc:AlternateContent>
+      <mc:AlternateContent xmlns:mc="http://schemas.openxmlformats.org/markup-compatibility/2006">
+        <mc:Choice xmlns:a14="http://schemas.microsoft.com/office/drawing/2010/main" Requires="a14">
+          <p:sp>
+            <p:nvSpPr>
+              <p:cNvPr id="10" name="TextBox 9">
+                <a:extLst>
+                  <a:ext uri="{FF2B5EF4-FFF2-40B4-BE49-F238E27FC236}">
+                    <a16:creationId xmlns:a16="http://schemas.microsoft.com/office/drawing/2014/main" id="{B4FBAA5F-27F0-A641-05E1-59CDB51290E6}"/>
+                  </a:ext>
+                </a:extLst>
+              </p:cNvPr>
+              <p:cNvSpPr txBox="1"/>
+              <p:nvPr/>
+            </p:nvSpPr>
+            <p:spPr>
+              <a:xfrm>
+                <a:off x="6566879" y="3678496"/>
+                <a:ext cx="4580015" cy="785282"/>
+              </a:xfrm>
+              <a:prstGeom prst="rect">
+                <a:avLst/>
+              </a:prstGeom>
+              <a:noFill/>
+            </p:spPr>
+            <p:txBody>
+              <a:bodyPr wrap="square">
+                <a:spAutoFit/>
+              </a:bodyPr>
+              <a:lstStyle/>
+              <a:p>
+                <a:pPr/>
+                <a14:m>
+                  <m:oMathPara xmlns:m="http://schemas.openxmlformats.org/officeDocument/2006/math">
+                    <m:oMathParaPr>
+                      <m:jc m:val="center"/>
+                    </m:oMathParaPr>
+                    <m:oMath xmlns:m="http://schemas.openxmlformats.org/officeDocument/2006/math">
+                      <m:r>
+                        <m:rPr>
+                          <m:sty m:val="p"/>
+                        </m:rPr>
+                        <a:rPr lang="en-US" altLang="ko-KR" sz="2000" b="0" i="0" smtClean="0">
+                          <a:latin typeface="Cambria Math" panose="02040503050406030204" pitchFamily="18" charset="0"/>
+                        </a:rPr>
+                        <m:t>Λ</m:t>
+                      </m:r>
+                      <m:r>
+                        <a:rPr lang="en-US" altLang="ko-KR" sz="2000" b="0" i="1" smtClean="0">
+                          <a:latin typeface="Cambria Math" panose="02040503050406030204" pitchFamily="18" charset="0"/>
+                        </a:rPr>
+                        <m:t>=</m:t>
+                      </m:r>
+                      <m:d>
+                        <m:dPr>
+                          <m:begChr m:val="["/>
+                          <m:endChr m:val="]"/>
+                          <m:ctrlPr>
+                            <a:rPr lang="en-US" altLang="ko-KR" sz="2000" i="1">
+                              <a:latin typeface="Cambria Math" panose="02040503050406030204" pitchFamily="18" charset="0"/>
+                            </a:rPr>
+                          </m:ctrlPr>
+                        </m:dPr>
+                        <m:e>
+                          <m:m>
+                            <m:mPr>
+                              <m:mcs>
+                                <m:mc>
+                                  <m:mcPr>
+                                    <m:count m:val="2"/>
+                                    <m:mcJc m:val="center"/>
+                                  </m:mcPr>
+                                </m:mc>
+                              </m:mcs>
+                              <m:ctrlPr>
+                                <a:rPr lang="en-US" altLang="ko-KR" sz="2000" i="1">
+                                  <a:latin typeface="Cambria Math" panose="02040503050406030204" pitchFamily="18" charset="0"/>
+                                </a:rPr>
+                              </m:ctrlPr>
+                            </m:mPr>
+                            <m:mr>
+                              <m:e>
+                                <m:sSub>
+                                  <m:sSubPr>
+                                    <m:ctrlPr>
+                                      <a:rPr lang="en-US" altLang="ko-KR" sz="2000" b="0" i="1" smtClean="0">
+                                        <a:latin typeface="Cambria Math" panose="02040503050406030204" pitchFamily="18" charset="0"/>
+                                      </a:rPr>
+                                    </m:ctrlPr>
+                                  </m:sSubPr>
+                                  <m:e>
+                                    <m:r>
+                                      <a:rPr lang="en-US" altLang="ko-KR" sz="2000" b="0" i="1" smtClean="0">
+                                        <a:latin typeface="Cambria Math" panose="02040503050406030204" pitchFamily="18" charset="0"/>
+                                      </a:rPr>
+                                      <m:t>𝜆</m:t>
+                                    </m:r>
+                                  </m:e>
+                                  <m:sub>
+                                    <m:r>
+                                      <a:rPr lang="en-US" altLang="ko-KR" sz="2000" b="0" i="1" smtClean="0">
+                                        <a:latin typeface="Cambria Math" panose="02040503050406030204" pitchFamily="18" charset="0"/>
+                                      </a:rPr>
+                                      <m:t>1</m:t>
+                                    </m:r>
+                                  </m:sub>
+                                </m:sSub>
+                              </m:e>
+                              <m:e>
+                                <m:r>
+                                  <a:rPr lang="en-US" altLang="ko-KR" sz="2000" i="1">
+                                    <a:latin typeface="Cambria Math" panose="02040503050406030204" pitchFamily="18" charset="0"/>
+                                  </a:rPr>
+                                  <m:t>0</m:t>
+                                </m:r>
+                              </m:e>
+                            </m:mr>
+                            <m:mr>
+                              <m:e>
+                                <m:r>
+                                  <a:rPr lang="en-US" altLang="ko-KR" sz="2000" i="1">
+                                    <a:latin typeface="Cambria Math" panose="02040503050406030204" pitchFamily="18" charset="0"/>
+                                  </a:rPr>
+                                  <m:t>0</m:t>
+                                </m:r>
+                              </m:e>
+                              <m:e>
+                                <m:sSub>
+                                  <m:sSubPr>
+                                    <m:ctrlPr>
+                                      <a:rPr lang="en-US" altLang="ko-KR" sz="2000" b="0" i="1" smtClean="0">
+                                        <a:latin typeface="Cambria Math" panose="02040503050406030204" pitchFamily="18" charset="0"/>
+                                      </a:rPr>
+                                    </m:ctrlPr>
+                                  </m:sSubPr>
+                                  <m:e>
+                                    <m:r>
+                                      <a:rPr lang="en-US" altLang="ko-KR" sz="2000" b="0" i="1" smtClean="0">
+                                        <a:latin typeface="Cambria Math" panose="02040503050406030204" pitchFamily="18" charset="0"/>
+                                      </a:rPr>
+                                      <m:t>𝜆</m:t>
+                                    </m:r>
+                                  </m:e>
+                                  <m:sub>
+                                    <m:r>
+                                      <a:rPr lang="en-US" altLang="ko-KR" sz="2000" b="0" i="1" smtClean="0">
+                                        <a:latin typeface="Cambria Math" panose="02040503050406030204" pitchFamily="18" charset="0"/>
+                                      </a:rPr>
+                                      <m:t>2</m:t>
+                                    </m:r>
+                                  </m:sub>
+                                </m:sSub>
+                              </m:e>
+                            </m:mr>
+                          </m:m>
+                        </m:e>
+                      </m:d>
+                      <m:r>
+                        <a:rPr lang="en-US" altLang="ko-KR" sz="2000" b="0" i="1" smtClean="0">
+                          <a:latin typeface="Cambria Math" panose="02040503050406030204" pitchFamily="18" charset="0"/>
+                        </a:rPr>
+                        <m:t>=</m:t>
+                      </m:r>
+                      <m:d>
+                        <m:dPr>
+                          <m:begChr m:val="["/>
+                          <m:endChr m:val="]"/>
+                          <m:ctrlPr>
+                            <a:rPr lang="en-US" altLang="ko-KR" sz="2000" i="1">
+                              <a:latin typeface="Cambria Math" panose="02040503050406030204" pitchFamily="18" charset="0"/>
+                            </a:rPr>
+                          </m:ctrlPr>
+                        </m:dPr>
+                        <m:e>
+                          <m:m>
+                            <m:mPr>
+                              <m:mcs>
+                                <m:mc>
+                                  <m:mcPr>
+                                    <m:count m:val="2"/>
+                                    <m:mcJc m:val="center"/>
+                                  </m:mcPr>
+                                </m:mc>
+                              </m:mcs>
+                              <m:ctrlPr>
+                                <a:rPr lang="en-US" altLang="ko-KR" sz="2000" i="1">
+                                  <a:latin typeface="Cambria Math" panose="02040503050406030204" pitchFamily="18" charset="0"/>
+                                </a:rPr>
+                              </m:ctrlPr>
+                            </m:mPr>
+                            <m:mr>
+                              <m:e>
+                                <m:r>
+                                  <a:rPr lang="en-US" altLang="ko-KR" sz="2000" b="0" i="1" smtClean="0">
+                                    <a:latin typeface="Cambria Math" panose="02040503050406030204" pitchFamily="18" charset="0"/>
+                                  </a:rPr>
+                                  <m:t>0.6910</m:t>
+                                </m:r>
+                              </m:e>
+                              <m:e>
+                                <m:r>
+                                  <a:rPr lang="en-US" altLang="ko-KR" sz="2000" i="1">
+                                    <a:latin typeface="Cambria Math" panose="02040503050406030204" pitchFamily="18" charset="0"/>
+                                  </a:rPr>
+                                  <m:t>0</m:t>
+                                </m:r>
+                              </m:e>
+                            </m:mr>
+                            <m:mr>
+                              <m:e>
+                                <m:r>
+                                  <a:rPr lang="en-US" altLang="ko-KR" sz="2000" i="1">
+                                    <a:latin typeface="Cambria Math" panose="02040503050406030204" pitchFamily="18" charset="0"/>
+                                  </a:rPr>
+                                  <m:t>0</m:t>
+                                </m:r>
+                              </m:e>
+                              <m:e>
+                                <m:r>
+                                  <a:rPr lang="en-US" altLang="ko-KR" sz="2000" b="0" i="1" smtClean="0">
+                                    <a:latin typeface="Cambria Math" panose="02040503050406030204" pitchFamily="18" charset="0"/>
+                                  </a:rPr>
+                                  <m:t>1.8090</m:t>
+                                </m:r>
+                              </m:e>
+                            </m:mr>
+                          </m:m>
+                        </m:e>
+                      </m:d>
+                    </m:oMath>
+                  </m:oMathPara>
+                </a14:m>
+                <a:endParaRPr lang="ko-KR" altLang="en-US" sz="2000" dirty="0"/>
+              </a:p>
+              <a:p>
+                <a:endParaRPr lang="ko-KR" altLang="en-US" sz="2000" dirty="0"/>
+              </a:p>
+            </p:txBody>
+          </p:sp>
+        </mc:Choice>
+        <mc:Fallback>
+          <p:sp>
+            <p:nvSpPr>
+              <p:cNvPr id="10" name="TextBox 9">
+                <a:extLst>
+                  <a:ext uri="{FF2B5EF4-FFF2-40B4-BE49-F238E27FC236}">
+                    <a16:creationId xmlns:a16="http://schemas.microsoft.com/office/drawing/2014/main" id="{B4FBAA5F-27F0-A641-05E1-59CDB51290E6}"/>
+                  </a:ext>
+                </a:extLst>
+              </p:cNvPr>
+              <p:cNvSpPr txBox="1">
+                <a:spLocks noRot="1" noChangeAspect="1" noMove="1" noResize="1" noEditPoints="1" noAdjustHandles="1" noChangeArrowheads="1" noChangeShapeType="1" noTextEdit="1"/>
+              </p:cNvSpPr>
+              <p:nvPr/>
+            </p:nvSpPr>
+            <p:spPr>
+              <a:xfrm>
+                <a:off x="6566879" y="3678496"/>
+                <a:ext cx="4580015" cy="785282"/>
+              </a:xfrm>
+              <a:prstGeom prst="rect">
+                <a:avLst/>
+              </a:prstGeom>
+              <a:blipFill>
+                <a:blip r:embed="rId5"/>
+                <a:stretch>
+                  <a:fillRect/>
+                </a:stretch>
+              </a:blipFill>
+            </p:spPr>
+            <p:txBody>
+              <a:bodyPr/>
+              <a:lstStyle/>
+              <a:p>
+                <a:r>
+                  <a:rPr lang="en-US">
+                    <a:noFill/>
+                  </a:rPr>
+                  <a:t> </a:t>
+                </a:r>
+              </a:p>
+            </p:txBody>
+          </p:sp>
+        </mc:Fallback>
+      </mc:AlternateContent>
+      <p:sp>
+        <p:nvSpPr>
+          <p:cNvPr id="11" name="Rectangle 10">
+            <a:extLst>
+              <a:ext uri="{FF2B5EF4-FFF2-40B4-BE49-F238E27FC236}">
+                <a16:creationId xmlns:a16="http://schemas.microsoft.com/office/drawing/2014/main" id="{269ED6CD-6E13-ACE9-FADB-5017B1FF68CE}"/>
+              </a:ext>
+            </a:extLst>
+          </p:cNvPr>
+          <p:cNvSpPr/>
+          <p:nvPr/>
+        </p:nvSpPr>
+        <p:spPr>
+          <a:xfrm>
+            <a:off x="9948876" y="2500987"/>
+            <a:ext cx="777059" cy="815009"/>
+          </a:xfrm>
+          <a:prstGeom prst="rect">
+            <a:avLst/>
+          </a:prstGeom>
+          <a:solidFill>
+            <a:schemeClr val="accent1">
+              <a:alpha val="30000"/>
+            </a:schemeClr>
+          </a:solidFill>
+          <a:ln>
+            <a:noFill/>
+          </a:ln>
+        </p:spPr>
+        <p:style>
+          <a:lnRef idx="2">
+            <a:schemeClr val="accent1">
+              <a:shade val="50000"/>
+            </a:schemeClr>
+          </a:lnRef>
+          <a:fillRef idx="1">
+            <a:schemeClr val="accent1"/>
+          </a:fillRef>
+          <a:effectRef idx="0">
+            <a:schemeClr val="accent1"/>
+          </a:effectRef>
+          <a:fontRef idx="minor">
+            <a:schemeClr val="lt1"/>
+          </a:fontRef>
+        </p:style>
+        <p:txBody>
+          <a:bodyPr rtlCol="0" anchor="ctr"/>
+          <a:lstStyle/>
+          <a:p>
+            <a:pPr algn="ctr"/>
+            <a:endParaRPr lang="en-US"/>
+          </a:p>
+        </p:txBody>
+      </p:sp>
+      <p:sp>
+        <p:nvSpPr>
+          <p:cNvPr id="12" name="Rectangle 11">
+            <a:extLst>
+              <a:ext uri="{FF2B5EF4-FFF2-40B4-BE49-F238E27FC236}">
+                <a16:creationId xmlns:a16="http://schemas.microsoft.com/office/drawing/2014/main" id="{8C7C7E0E-DF2E-C6D7-1D76-010028780183}"/>
+              </a:ext>
+            </a:extLst>
+          </p:cNvPr>
+          <p:cNvSpPr/>
+          <p:nvPr/>
+        </p:nvSpPr>
+        <p:spPr>
+          <a:xfrm>
+            <a:off x="8765831" y="2514240"/>
+            <a:ext cx="963171" cy="815009"/>
+          </a:xfrm>
+          <a:prstGeom prst="rect">
+            <a:avLst/>
+          </a:prstGeom>
+          <a:solidFill>
+            <a:srgbClr val="FF0000">
+              <a:alpha val="30000"/>
+            </a:srgbClr>
+          </a:solidFill>
+          <a:ln>
+            <a:noFill/>
+          </a:ln>
+        </p:spPr>
+        <p:style>
+          <a:lnRef idx="2">
+            <a:schemeClr val="accent1">
+              <a:shade val="50000"/>
+            </a:schemeClr>
+          </a:lnRef>
+          <a:fillRef idx="1">
+            <a:schemeClr val="accent1"/>
+          </a:fillRef>
+          <a:effectRef idx="0">
+            <a:schemeClr val="accent1"/>
+          </a:effectRef>
+          <a:fontRef idx="minor">
+            <a:schemeClr val="lt1"/>
+          </a:fontRef>
+        </p:style>
+        <p:txBody>
+          <a:bodyPr rtlCol="0" anchor="ctr"/>
+          <a:lstStyle/>
+          <a:p>
+            <a:pPr algn="ctr"/>
+            <a:endParaRPr lang="en-US"/>
+          </a:p>
+        </p:txBody>
+      </p:sp>
+      <p:sp>
+        <p:nvSpPr>
+          <p:cNvPr id="16" name="TextBox 15">
+            <a:extLst>
+              <a:ext uri="{FF2B5EF4-FFF2-40B4-BE49-F238E27FC236}">
+                <a16:creationId xmlns:a16="http://schemas.microsoft.com/office/drawing/2014/main" id="{8F2961C8-C35D-FFEE-4D3F-67B8AAB71BDA}"/>
+              </a:ext>
+            </a:extLst>
+          </p:cNvPr>
+          <p:cNvSpPr txBox="1"/>
+          <p:nvPr/>
+        </p:nvSpPr>
+        <p:spPr>
+          <a:xfrm>
+            <a:off x="10011174" y="2144908"/>
+            <a:ext cx="658818" cy="369332"/>
+          </a:xfrm>
+          <a:prstGeom prst="rect">
+            <a:avLst/>
+          </a:prstGeom>
+          <a:noFill/>
+        </p:spPr>
+        <p:txBody>
+          <a:bodyPr wrap="square">
+            <a:spAutoFit/>
+          </a:bodyPr>
+          <a:lstStyle/>
+          <a:p>
+            <a:pPr algn="ctr"/>
+            <a:r>
+              <a:rPr lang="en-US" altLang="ko-KR" b="1" dirty="0">
+                <a:solidFill>
+                  <a:schemeClr val="accent1"/>
+                </a:solidFill>
+              </a:rPr>
+              <a:t>PC1</a:t>
+            </a:r>
+            <a:endParaRPr lang="en-US" dirty="0">
+              <a:solidFill>
+                <a:schemeClr val="accent1"/>
+              </a:solidFill>
+            </a:endParaRPr>
+          </a:p>
+        </p:txBody>
+      </p:sp>
+      <p:sp>
+        <p:nvSpPr>
+          <p:cNvPr id="17" name="TextBox 16">
+            <a:extLst>
+              <a:ext uri="{FF2B5EF4-FFF2-40B4-BE49-F238E27FC236}">
+                <a16:creationId xmlns:a16="http://schemas.microsoft.com/office/drawing/2014/main" id="{D37AAD69-E6FE-DAD9-DF66-B6C77D6B613C}"/>
+              </a:ext>
+            </a:extLst>
+          </p:cNvPr>
+          <p:cNvSpPr txBox="1"/>
+          <p:nvPr/>
+        </p:nvSpPr>
+        <p:spPr>
+          <a:xfrm>
+            <a:off x="8950999" y="2138283"/>
+            <a:ext cx="658818" cy="369332"/>
+          </a:xfrm>
+          <a:prstGeom prst="rect">
+            <a:avLst/>
+          </a:prstGeom>
+          <a:noFill/>
+        </p:spPr>
+        <p:txBody>
+          <a:bodyPr wrap="square">
+            <a:spAutoFit/>
+          </a:bodyPr>
+          <a:lstStyle/>
+          <a:p>
+            <a:pPr algn="ctr"/>
+            <a:r>
+              <a:rPr lang="en-US" altLang="ko-KR" b="1" dirty="0">
+                <a:solidFill>
+                  <a:srgbClr val="FF0000"/>
+                </a:solidFill>
+              </a:rPr>
+              <a:t>PC2</a:t>
+            </a:r>
+            <a:endParaRPr lang="en-US" dirty="0">
+              <a:solidFill>
+                <a:srgbClr val="FF0000"/>
+              </a:solidFill>
+            </a:endParaRPr>
+          </a:p>
+        </p:txBody>
+      </p:sp>
+      <p:sp>
+        <p:nvSpPr>
+          <p:cNvPr id="18" name="Rectangle 17">
+            <a:extLst>
+              <a:ext uri="{FF2B5EF4-FFF2-40B4-BE49-F238E27FC236}">
+                <a16:creationId xmlns:a16="http://schemas.microsoft.com/office/drawing/2014/main" id="{94FEAEFF-9F46-6EF0-A240-F9B65CFE9231}"/>
+              </a:ext>
+            </a:extLst>
+          </p:cNvPr>
+          <p:cNvSpPr/>
+          <p:nvPr/>
+        </p:nvSpPr>
+        <p:spPr>
+          <a:xfrm>
+            <a:off x="9852799" y="4054170"/>
+            <a:ext cx="777059" cy="259686"/>
+          </a:xfrm>
+          <a:prstGeom prst="rect">
+            <a:avLst/>
+          </a:prstGeom>
+          <a:solidFill>
+            <a:schemeClr val="accent1">
+              <a:alpha val="30000"/>
+            </a:schemeClr>
+          </a:solidFill>
+          <a:ln>
+            <a:noFill/>
+          </a:ln>
+        </p:spPr>
+        <p:style>
+          <a:lnRef idx="2">
+            <a:schemeClr val="accent1">
+              <a:shade val="50000"/>
+            </a:schemeClr>
+          </a:lnRef>
+          <a:fillRef idx="1">
+            <a:schemeClr val="accent1"/>
+          </a:fillRef>
+          <a:effectRef idx="0">
+            <a:schemeClr val="accent1"/>
+          </a:effectRef>
+          <a:fontRef idx="minor">
+            <a:schemeClr val="lt1"/>
+          </a:fontRef>
+        </p:style>
+        <p:txBody>
+          <a:bodyPr rtlCol="0" anchor="ctr"/>
+          <a:lstStyle/>
+          <a:p>
+            <a:pPr algn="ctr"/>
+            <a:endParaRPr lang="en-US"/>
+          </a:p>
+        </p:txBody>
+      </p:sp>
+      <mc:AlternateContent xmlns:mc="http://schemas.openxmlformats.org/markup-compatibility/2006">
+        <mc:Choice xmlns:a14="http://schemas.microsoft.com/office/drawing/2010/main" Requires="a14">
+          <p:sp>
+            <p:nvSpPr>
+              <p:cNvPr id="20" name="TextBox 19">
+                <a:extLst>
+                  <a:ext uri="{FF2B5EF4-FFF2-40B4-BE49-F238E27FC236}">
+                    <a16:creationId xmlns:a16="http://schemas.microsoft.com/office/drawing/2014/main" id="{3F945730-FB13-F86D-F50D-BD63F6A3A613}"/>
+                  </a:ext>
+                </a:extLst>
+              </p:cNvPr>
+              <p:cNvSpPr txBox="1"/>
+              <p:nvPr/>
+            </p:nvSpPr>
+            <p:spPr>
+              <a:xfrm>
+                <a:off x="10266800" y="3722522"/>
+                <a:ext cx="658818" cy="369332"/>
+              </a:xfrm>
+              <a:prstGeom prst="rect">
+                <a:avLst/>
+              </a:prstGeom>
+              <a:noFill/>
+            </p:spPr>
+            <p:txBody>
+              <a:bodyPr wrap="square">
+                <a:spAutoFit/>
+              </a:bodyPr>
+              <a:lstStyle/>
+              <a:p>
+                <a:pPr algn="ctr"/>
+                <a14:m>
+                  <m:oMathPara xmlns:m="http://schemas.openxmlformats.org/officeDocument/2006/math">
+                    <m:oMathParaPr>
+                      <m:jc m:val="centerGroup"/>
+                    </m:oMathParaPr>
+                    <m:oMath xmlns:m="http://schemas.openxmlformats.org/officeDocument/2006/math">
+                      <m:sSub>
+                        <m:sSubPr>
+                          <m:ctrlPr>
+                            <a:rPr lang="en-US" altLang="ko-KR" b="1" i="1" dirty="0" smtClean="0">
+                              <a:solidFill>
+                                <a:schemeClr val="accent1"/>
+                              </a:solidFill>
+                              <a:latin typeface="Cambria Math" panose="02040503050406030204" pitchFamily="18" charset="0"/>
+                            </a:rPr>
+                          </m:ctrlPr>
+                        </m:sSubPr>
+                        <m:e>
+                          <m:r>
+                            <a:rPr lang="en-US" altLang="ko-KR" b="1" i="1" dirty="0" smtClean="0">
+                              <a:solidFill>
+                                <a:schemeClr val="accent1"/>
+                              </a:solidFill>
+                              <a:latin typeface="Cambria Math" panose="02040503050406030204" pitchFamily="18" charset="0"/>
+                            </a:rPr>
+                            <m:t>𝝈</m:t>
+                          </m:r>
+                        </m:e>
+                        <m:sub>
+                          <m:r>
+                            <a:rPr lang="en-US" altLang="ko-KR" b="1" i="1" dirty="0" smtClean="0">
+                              <a:solidFill>
+                                <a:schemeClr val="accent1"/>
+                              </a:solidFill>
+                              <a:latin typeface="Cambria Math" panose="02040503050406030204" pitchFamily="18" charset="0"/>
+                            </a:rPr>
+                            <m:t>𝟏</m:t>
+                          </m:r>
+                        </m:sub>
+                      </m:sSub>
+                    </m:oMath>
+                  </m:oMathPara>
+                </a14:m>
+                <a:endParaRPr lang="en-US" dirty="0">
+                  <a:solidFill>
+                    <a:schemeClr val="accent1"/>
+                  </a:solidFill>
+                </a:endParaRPr>
+              </a:p>
+            </p:txBody>
+          </p:sp>
+        </mc:Choice>
+        <mc:Fallback>
+          <p:sp>
+            <p:nvSpPr>
+              <p:cNvPr id="20" name="TextBox 19">
+                <a:extLst>
+                  <a:ext uri="{FF2B5EF4-FFF2-40B4-BE49-F238E27FC236}">
+                    <a16:creationId xmlns:a16="http://schemas.microsoft.com/office/drawing/2014/main" id="{3F945730-FB13-F86D-F50D-BD63F6A3A613}"/>
+                  </a:ext>
+                </a:extLst>
+              </p:cNvPr>
+              <p:cNvSpPr txBox="1">
+                <a:spLocks noRot="1" noChangeAspect="1" noMove="1" noResize="1" noEditPoints="1" noAdjustHandles="1" noChangeArrowheads="1" noChangeShapeType="1" noTextEdit="1"/>
+              </p:cNvSpPr>
+              <p:nvPr/>
+            </p:nvSpPr>
+            <p:spPr>
+              <a:xfrm>
+                <a:off x="10266800" y="3722522"/>
+                <a:ext cx="658818" cy="369332"/>
+              </a:xfrm>
+              <a:prstGeom prst="rect">
+                <a:avLst/>
+              </a:prstGeom>
+              <a:blipFill>
+                <a:blip r:embed="rId6"/>
+                <a:stretch>
+                  <a:fillRect b="-3333"/>
+                </a:stretch>
+              </a:blipFill>
+            </p:spPr>
+            <p:txBody>
+              <a:bodyPr/>
+              <a:lstStyle/>
+              <a:p>
+                <a:r>
+                  <a:rPr lang="en-US">
+                    <a:noFill/>
+                  </a:rPr>
+                  <a:t> </a:t>
+                </a:r>
+              </a:p>
+            </p:txBody>
+          </p:sp>
+        </mc:Fallback>
+      </mc:AlternateContent>
+      <p:sp>
+        <p:nvSpPr>
+          <p:cNvPr id="21" name="Rectangle 20">
+            <a:extLst>
+              <a:ext uri="{FF2B5EF4-FFF2-40B4-BE49-F238E27FC236}">
+                <a16:creationId xmlns:a16="http://schemas.microsoft.com/office/drawing/2014/main" id="{FDEE2FDE-2E97-DDBE-4638-63B5018483B1}"/>
+              </a:ext>
+            </a:extLst>
+          </p:cNvPr>
+          <p:cNvSpPr/>
+          <p:nvPr/>
+        </p:nvSpPr>
+        <p:spPr>
+          <a:xfrm>
+            <a:off x="8840312" y="3740954"/>
+            <a:ext cx="777059" cy="259686"/>
+          </a:xfrm>
+          <a:prstGeom prst="rect">
+            <a:avLst/>
+          </a:prstGeom>
+          <a:solidFill>
+            <a:srgbClr val="FF0000">
+              <a:alpha val="30000"/>
+            </a:srgbClr>
+          </a:solidFill>
+          <a:ln>
+            <a:noFill/>
+          </a:ln>
+        </p:spPr>
+        <p:style>
+          <a:lnRef idx="2">
+            <a:schemeClr val="accent1">
+              <a:shade val="50000"/>
+            </a:schemeClr>
+          </a:lnRef>
+          <a:fillRef idx="1">
+            <a:schemeClr val="accent1"/>
+          </a:fillRef>
+          <a:effectRef idx="0">
+            <a:schemeClr val="accent1"/>
+          </a:effectRef>
+          <a:fontRef idx="minor">
+            <a:schemeClr val="lt1"/>
+          </a:fontRef>
+        </p:style>
+        <p:txBody>
+          <a:bodyPr rtlCol="0" anchor="ctr"/>
+          <a:lstStyle/>
+          <a:p>
+            <a:pPr algn="ctr"/>
+            <a:endParaRPr lang="en-US"/>
+          </a:p>
+        </p:txBody>
+      </p:sp>
+      <mc:AlternateContent xmlns:mc="http://schemas.openxmlformats.org/markup-compatibility/2006">
+        <mc:Choice xmlns:a14="http://schemas.microsoft.com/office/drawing/2010/main" Requires="a14">
+          <p:sp>
+            <p:nvSpPr>
+              <p:cNvPr id="22" name="TextBox 21">
+                <a:extLst>
+                  <a:ext uri="{FF2B5EF4-FFF2-40B4-BE49-F238E27FC236}">
+                    <a16:creationId xmlns:a16="http://schemas.microsoft.com/office/drawing/2014/main" id="{AFBE2206-CBF2-064E-71C7-16B4DD664892}"/>
+                  </a:ext>
+                </a:extLst>
+              </p:cNvPr>
+              <p:cNvSpPr txBox="1"/>
+              <p:nvPr/>
+            </p:nvSpPr>
+            <p:spPr>
+              <a:xfrm>
+                <a:off x="9266261" y="3407781"/>
+                <a:ext cx="658818" cy="369332"/>
+              </a:xfrm>
+              <a:prstGeom prst="rect">
+                <a:avLst/>
+              </a:prstGeom>
+              <a:noFill/>
+            </p:spPr>
+            <p:txBody>
+              <a:bodyPr wrap="square">
+                <a:spAutoFit/>
+              </a:bodyPr>
+              <a:lstStyle/>
+              <a:p>
+                <a:pPr algn="ctr"/>
+                <a14:m>
+                  <m:oMathPara xmlns:m="http://schemas.openxmlformats.org/officeDocument/2006/math">
+                    <m:oMathParaPr>
+                      <m:jc m:val="centerGroup"/>
+                    </m:oMathParaPr>
+                    <m:oMath xmlns:m="http://schemas.openxmlformats.org/officeDocument/2006/math">
+                      <m:sSub>
+                        <m:sSubPr>
+                          <m:ctrlPr>
+                            <a:rPr lang="en-US" altLang="ko-KR" b="1" i="1" dirty="0" smtClean="0">
+                              <a:solidFill>
+                                <a:srgbClr val="FF0000"/>
+                              </a:solidFill>
+                              <a:latin typeface="Cambria Math" panose="02040503050406030204" pitchFamily="18" charset="0"/>
+                            </a:rPr>
+                          </m:ctrlPr>
+                        </m:sSubPr>
+                        <m:e>
+                          <m:r>
+                            <a:rPr lang="en-US" altLang="ko-KR" b="1" i="1" dirty="0" smtClean="0">
+                              <a:solidFill>
+                                <a:srgbClr val="FF0000"/>
+                              </a:solidFill>
+                              <a:latin typeface="Cambria Math" panose="02040503050406030204" pitchFamily="18" charset="0"/>
+                            </a:rPr>
+                            <m:t>𝝈</m:t>
+                          </m:r>
+                        </m:e>
+                        <m:sub>
+                          <m:r>
+                            <a:rPr lang="en-US" altLang="ko-KR" b="1" i="1" dirty="0" smtClean="0">
+                              <a:solidFill>
+                                <a:srgbClr val="FF0000"/>
+                              </a:solidFill>
+                              <a:latin typeface="Cambria Math" panose="02040503050406030204" pitchFamily="18" charset="0"/>
+                            </a:rPr>
+                            <m:t>𝟐</m:t>
+                          </m:r>
+                        </m:sub>
+                      </m:sSub>
+                    </m:oMath>
+                  </m:oMathPara>
+                </a14:m>
+                <a:endParaRPr lang="en-US" dirty="0">
+                  <a:solidFill>
+                    <a:srgbClr val="FF0000"/>
+                  </a:solidFill>
+                </a:endParaRPr>
+              </a:p>
+            </p:txBody>
+          </p:sp>
+        </mc:Choice>
+        <mc:Fallback>
+          <p:sp>
+            <p:nvSpPr>
+              <p:cNvPr id="22" name="TextBox 21">
+                <a:extLst>
+                  <a:ext uri="{FF2B5EF4-FFF2-40B4-BE49-F238E27FC236}">
+                    <a16:creationId xmlns:a16="http://schemas.microsoft.com/office/drawing/2014/main" id="{AFBE2206-CBF2-064E-71C7-16B4DD664892}"/>
+                  </a:ext>
+                </a:extLst>
+              </p:cNvPr>
+              <p:cNvSpPr txBox="1">
+                <a:spLocks noRot="1" noChangeAspect="1" noMove="1" noResize="1" noEditPoints="1" noAdjustHandles="1" noChangeArrowheads="1" noChangeShapeType="1" noTextEdit="1"/>
+              </p:cNvSpPr>
+              <p:nvPr/>
+            </p:nvSpPr>
+            <p:spPr>
+              <a:xfrm>
+                <a:off x="9266261" y="3407781"/>
+                <a:ext cx="658818" cy="369332"/>
+              </a:xfrm>
+              <a:prstGeom prst="rect">
+                <a:avLst/>
+              </a:prstGeom>
+              <a:blipFill>
+                <a:blip r:embed="rId7"/>
+                <a:stretch>
+                  <a:fillRect b="-3279"/>
+                </a:stretch>
+              </a:blipFill>
+            </p:spPr>
+            <p:txBody>
+              <a:bodyPr/>
+              <a:lstStyle/>
+              <a:p>
+                <a:r>
+                  <a:rPr lang="en-US">
+                    <a:noFill/>
+                  </a:rPr>
+                  <a:t> </a:t>
+                </a:r>
+              </a:p>
+            </p:txBody>
+          </p:sp>
+        </mc:Fallback>
+      </mc:AlternateContent>
     </p:spTree>
     <p:extLst>
       <p:ext uri="{BB962C8B-B14F-4D97-AF65-F5344CB8AC3E}">
@@ -7621,8 +8848,8 @@
           </a:fontRef>
         </p:style>
       </p:cxnSp>
-      <mc:AlternateContent xmlns:mc="http://schemas.openxmlformats.org/markup-compatibility/2006" xmlns:a14="http://schemas.microsoft.com/office/drawing/2010/main">
-        <mc:Choice Requires="a14">
+      <mc:AlternateContent xmlns:mc="http://schemas.openxmlformats.org/markup-compatibility/2006">
+        <mc:Choice xmlns:a14="http://schemas.microsoft.com/office/drawing/2010/main" Requires="a14">
           <p:sp>
             <p:nvSpPr>
               <p:cNvPr id="25" name="TextBox 24">
@@ -7637,8 +8864,8 @@
             </p:nvSpPr>
             <p:spPr>
               <a:xfrm rot="20045561">
-                <a:off x="3173490" y="2458274"/>
-                <a:ext cx="4425891" cy="689163"/>
+                <a:off x="3173106" y="2458274"/>
+                <a:ext cx="4426660" cy="689163"/>
               </a:xfrm>
               <a:prstGeom prst="rect">
                 <a:avLst/>
@@ -7700,6 +8927,59 @@
                         </m:radPr>
                         <m:deg/>
                         <m:e>
+                          <m:d>
+                            <m:dPr>
+                              <m:ctrlPr>
+                                <a:rPr lang="en-US" altLang="ko-KR" sz="3200" b="0" i="1" smtClean="0">
+                                  <a:latin typeface="Cambria Math" panose="02040503050406030204" pitchFamily="18" charset="0"/>
+                                </a:rPr>
+                              </m:ctrlPr>
+                            </m:dPr>
+                            <m:e>
+                              <m:acc>
+                                <m:accPr>
+                                  <m:chr m:val="⃗"/>
+                                  <m:ctrlPr>
+                                    <a:rPr lang="en-US" altLang="ko-KR" sz="3200" b="0" i="1" smtClean="0">
+                                      <a:latin typeface="Cambria Math" panose="02040503050406030204" pitchFamily="18" charset="0"/>
+                                    </a:rPr>
+                                  </m:ctrlPr>
+                                </m:accPr>
+                                <m:e>
+                                  <m:r>
+                                    <a:rPr lang="en-US" altLang="ko-KR" sz="3200" b="0" i="1" smtClean="0">
+                                      <a:latin typeface="Cambria Math" panose="02040503050406030204" pitchFamily="18" charset="0"/>
+                                    </a:rPr>
+                                    <m:t>𝑥</m:t>
+                                  </m:r>
+                                </m:e>
+                              </m:acc>
+                              <m:r>
+                                <a:rPr lang="en-US" altLang="ko-KR" sz="3200" b="0" i="1" smtClean="0">
+                                  <a:latin typeface="Cambria Math" panose="02040503050406030204" pitchFamily="18" charset="0"/>
+                                </a:rPr>
+                                <m:t>−</m:t>
+                              </m:r>
+                              <m:acc>
+                                <m:accPr>
+                                  <m:chr m:val="⃗"/>
+                                  <m:ctrlPr>
+                                    <a:rPr lang="en-US" altLang="ko-KR" sz="3200" b="0" i="1" smtClean="0">
+                                      <a:latin typeface="Cambria Math" panose="02040503050406030204" pitchFamily="18" charset="0"/>
+                                    </a:rPr>
+                                  </m:ctrlPr>
+                                </m:accPr>
+                                <m:e>
+                                  <m:r>
+                                    <a:rPr lang="en-US" altLang="ko-KR" sz="3200" b="0" i="1" smtClean="0">
+                                      <a:latin typeface="Cambria Math" panose="02040503050406030204" pitchFamily="18" charset="0"/>
+                                    </a:rPr>
+                                    <m:t>𝑦</m:t>
+                                  </m:r>
+                                </m:e>
+                              </m:acc>
+                            </m:e>
+                          </m:d>
                           <m:sSup>
                             <m:sSupPr>
                               <m:ctrlPr>
@@ -7772,60 +9052,6 @@
                               </m:r>
                             </m:sup>
                           </m:sSup>
-                          <m:r>
-                            <a:rPr lang="en-US" altLang="ko-KR" sz="3200" b="0" i="1" smtClean="0">
-                              <a:latin typeface="Cambria Math" panose="02040503050406030204" pitchFamily="18" charset="0"/>
-                            </a:rPr>
-                            <m:t>(</m:t>
-                          </m:r>
-                          <m:acc>
-                            <m:accPr>
-                              <m:chr m:val="⃗"/>
-                              <m:ctrlPr>
-                                <a:rPr lang="en-US" altLang="ko-KR" sz="3200" b="0" i="1" smtClean="0">
-                                  <a:latin typeface="Cambria Math" panose="02040503050406030204" pitchFamily="18" charset="0"/>
-                                </a:rPr>
-                              </m:ctrlPr>
-                            </m:accPr>
-                            <m:e>
-                              <m:r>
-                                <a:rPr lang="en-US" altLang="ko-KR" sz="3200" b="0" i="1" smtClean="0">
-                                  <a:latin typeface="Cambria Math" panose="02040503050406030204" pitchFamily="18" charset="0"/>
-                                </a:rPr>
-                                <m:t>𝑥</m:t>
-                              </m:r>
-                            </m:e>
-                          </m:acc>
-                          <m:r>
-                            <a:rPr lang="en-US" altLang="ko-KR" sz="3200" b="0" i="1" smtClean="0">
-                              <a:latin typeface="Cambria Math" panose="02040503050406030204" pitchFamily="18" charset="0"/>
-                            </a:rPr>
-                            <m:t>−</m:t>
-                          </m:r>
-                          <m:acc>
-                            <m:accPr>
-                              <m:chr m:val="⃗"/>
-                              <m:ctrlPr>
-                                <a:rPr lang="en-US" altLang="ko-KR" sz="3200" b="0" i="1" smtClean="0">
-                                  <a:latin typeface="Cambria Math" panose="02040503050406030204" pitchFamily="18" charset="0"/>
-                                </a:rPr>
-                              </m:ctrlPr>
-                            </m:accPr>
-                            <m:e>
-                              <m:r>
-                                <a:rPr lang="en-US" altLang="ko-KR" sz="3200" b="0" i="1" smtClean="0">
-                                  <a:latin typeface="Cambria Math" panose="02040503050406030204" pitchFamily="18" charset="0"/>
-                                </a:rPr>
-                                <m:t>𝑦</m:t>
-                              </m:r>
-                            </m:e>
-                          </m:acc>
-                          <m:r>
-                            <a:rPr lang="en-US" altLang="ko-KR" sz="3200" b="0" i="1" smtClean="0">
-                              <a:latin typeface="Cambria Math" panose="02040503050406030204" pitchFamily="18" charset="0"/>
-                            </a:rPr>
-                            <m:t>)</m:t>
-                          </m:r>
                         </m:e>
                       </m:rad>
                     </m:oMath>
@@ -7836,7 +9062,7 @@
             </p:txBody>
           </p:sp>
         </mc:Choice>
-        <mc:Fallback xmlns="">
+        <mc:Fallback>
           <p:sp>
             <p:nvSpPr>
               <p:cNvPr id="25" name="TextBox 24">
@@ -7853,8 +9079,8 @@
             </p:nvSpPr>
             <p:spPr>
               <a:xfrm rot="20045561">
-                <a:off x="3173490" y="2458274"/>
-                <a:ext cx="4425891" cy="689163"/>
+                <a:off x="3173106" y="2458274"/>
+                <a:ext cx="4426660" cy="689163"/>
               </a:xfrm>
               <a:prstGeom prst="rect">
                 <a:avLst/>
@@ -7871,7 +9097,7 @@
               <a:lstStyle/>
               <a:p>
                 <a:r>
-                  <a:rPr lang="ko-KR" altLang="en-US">
+                  <a:rPr lang="en-US">
                     <a:noFill/>
                   </a:rPr>
                   <a:t> </a:t>
@@ -13510,8 +14736,8 @@
           <a:chExt cx="0" cy="0"/>
         </a:xfrm>
       </p:grpSpPr>
-      <mc:AlternateContent xmlns:mc="http://schemas.openxmlformats.org/markup-compatibility/2006">
-        <mc:Choice xmlns:a14="http://schemas.microsoft.com/office/drawing/2010/main" Requires="a14">
+      <mc:AlternateContent xmlns:mc="http://schemas.openxmlformats.org/markup-compatibility/2006" xmlns:a14="http://schemas.microsoft.com/office/drawing/2010/main">
+        <mc:Choice Requires="a14">
           <p:sp>
             <p:nvSpPr>
               <p:cNvPr id="9" name="TextBox 8">
@@ -13636,7 +14862,7 @@
             </p:txBody>
           </p:sp>
         </mc:Choice>
-        <mc:Fallback>
+        <mc:Fallback xmlns="">
           <p:sp>
             <p:nvSpPr>
               <p:cNvPr id="9" name="TextBox 8">
@@ -13681,8 +14907,8 @@
           </p:sp>
         </mc:Fallback>
       </mc:AlternateContent>
-      <mc:AlternateContent xmlns:mc="http://schemas.openxmlformats.org/markup-compatibility/2006">
-        <mc:Choice xmlns:a14="http://schemas.microsoft.com/office/drawing/2010/main" Requires="a14">
+      <mc:AlternateContent xmlns:mc="http://schemas.openxmlformats.org/markup-compatibility/2006" xmlns:a14="http://schemas.microsoft.com/office/drawing/2010/main">
+        <mc:Choice Requires="a14">
           <p:sp>
             <p:nvSpPr>
               <p:cNvPr id="10" name="TextBox 9">
@@ -13774,13 +15000,7 @@
                                   <a:rPr lang="en-US" altLang="ko-KR" b="0" i="1" smtClean="0">
                                     <a:latin typeface="Cambria Math" panose="02040503050406030204" pitchFamily="18" charset="0"/>
                                   </a:rPr>
-                                  <m:t>−</m:t>
-                                </m:r>
-                                <m:r>
-                                  <a:rPr lang="en-US" altLang="ko-KR" b="0" i="1" smtClean="0">
-                                    <a:latin typeface="Cambria Math" panose="02040503050406030204" pitchFamily="18" charset="0"/>
-                                  </a:rPr>
-                                  <m:t>0.5</m:t>
+                                  <m:t>−0.5</m:t>
                                 </m:r>
                               </m:e>
                             </m:mr>
@@ -13790,13 +15010,7 @@
                                   <a:rPr lang="en-US" altLang="ko-KR" b="0" i="1" smtClean="0">
                                     <a:latin typeface="Cambria Math" panose="02040503050406030204" pitchFamily="18" charset="0"/>
                                   </a:rPr>
-                                  <m:t>−</m:t>
-                                </m:r>
-                                <m:r>
-                                  <a:rPr lang="en-US" altLang="ko-KR" b="0" i="1" smtClean="0">
-                                    <a:latin typeface="Cambria Math" panose="02040503050406030204" pitchFamily="18" charset="0"/>
-                                  </a:rPr>
-                                  <m:t>0.5</m:t>
+                                  <m:t>−0.5</m:t>
                                 </m:r>
                               </m:e>
                               <m:e>
@@ -13819,7 +15033,7 @@
             </p:txBody>
           </p:sp>
         </mc:Choice>
-        <mc:Fallback>
+        <mc:Fallback xmlns="">
           <p:sp>
             <p:nvSpPr>
               <p:cNvPr id="10" name="TextBox 9">
@@ -13864,8 +15078,8 @@
           </p:sp>
         </mc:Fallback>
       </mc:AlternateContent>
-      <mc:AlternateContent xmlns:mc="http://schemas.openxmlformats.org/markup-compatibility/2006">
-        <mc:Choice xmlns:a14="http://schemas.microsoft.com/office/drawing/2010/main" Requires="a14">
+      <mc:AlternateContent xmlns:mc="http://schemas.openxmlformats.org/markup-compatibility/2006" xmlns:a14="http://schemas.microsoft.com/office/drawing/2010/main">
+        <mc:Choice Requires="a14">
           <p:sp>
             <p:nvSpPr>
               <p:cNvPr id="11" name="TextBox 10">
@@ -13993,7 +15207,7 @@
             </p:txBody>
           </p:sp>
         </mc:Choice>
-        <mc:Fallback>
+        <mc:Fallback xmlns="">
           <p:sp>
             <p:nvSpPr>
               <p:cNvPr id="11" name="TextBox 10">
@@ -14155,8 +15369,8 @@
           <a:chExt cx="0" cy="0"/>
         </a:xfrm>
       </p:grpSpPr>
-      <mc:AlternateContent xmlns:mc="http://schemas.openxmlformats.org/markup-compatibility/2006">
-        <mc:Choice xmlns:a14="http://schemas.microsoft.com/office/drawing/2010/main" Requires="a14">
+      <mc:AlternateContent xmlns:mc="http://schemas.openxmlformats.org/markup-compatibility/2006" xmlns:a14="http://schemas.microsoft.com/office/drawing/2010/main">
+        <mc:Choice Requires="a14">
           <p:sp>
             <p:nvSpPr>
               <p:cNvPr id="4" name="TextBox 3">
@@ -14266,7 +15480,7 @@
             </p:txBody>
           </p:sp>
         </mc:Choice>
-        <mc:Fallback>
+        <mc:Fallback xmlns="">
           <p:sp>
             <p:nvSpPr>
               <p:cNvPr id="4" name="TextBox 3">
@@ -14367,8 +15581,8 @@
           </a:p>
         </p:txBody>
       </p:sp>
-      <mc:AlternateContent xmlns:mc="http://schemas.openxmlformats.org/markup-compatibility/2006">
-        <mc:Choice xmlns:a14="http://schemas.microsoft.com/office/drawing/2010/main" Requires="a14">
+      <mc:AlternateContent xmlns:mc="http://schemas.openxmlformats.org/markup-compatibility/2006" xmlns:a14="http://schemas.microsoft.com/office/drawing/2010/main">
+        <mc:Choice Requires="a14">
           <p:sp>
             <p:nvSpPr>
               <p:cNvPr id="6" name="TextBox 5">
@@ -14429,7 +15643,7 @@
             </p:txBody>
           </p:sp>
         </mc:Choice>
-        <mc:Fallback>
+        <mc:Fallback xmlns="">
           <p:sp>
             <p:nvSpPr>
               <p:cNvPr id="6" name="TextBox 5">
@@ -14642,8 +15856,8 @@
           </a:p>
         </p:txBody>
       </p:sp>
-      <mc:AlternateContent xmlns:mc="http://schemas.openxmlformats.org/markup-compatibility/2006">
-        <mc:Choice xmlns:a14="http://schemas.microsoft.com/office/drawing/2010/main" Requires="a14">
+      <mc:AlternateContent xmlns:mc="http://schemas.openxmlformats.org/markup-compatibility/2006" xmlns:a14="http://schemas.microsoft.com/office/drawing/2010/main">
+        <mc:Choice Requires="a14">
           <p:sp>
             <p:nvSpPr>
               <p:cNvPr id="12" name="TextBox 11">
@@ -14751,7 +15965,7 @@
             </p:txBody>
           </p:sp>
         </mc:Choice>
-        <mc:Fallback>
+        <mc:Fallback xmlns="">
           <p:sp>
             <p:nvSpPr>
               <p:cNvPr id="12" name="TextBox 11">
@@ -14796,8 +16010,8 @@
           </p:sp>
         </mc:Fallback>
       </mc:AlternateContent>
-      <mc:AlternateContent xmlns:mc="http://schemas.openxmlformats.org/markup-compatibility/2006">
-        <mc:Choice xmlns:a14="http://schemas.microsoft.com/office/drawing/2010/main" Requires="a14">
+      <mc:AlternateContent xmlns:mc="http://schemas.openxmlformats.org/markup-compatibility/2006" xmlns:a14="http://schemas.microsoft.com/office/drawing/2010/main">
+        <mc:Choice Requires="a14">
           <p:sp>
             <p:nvSpPr>
               <p:cNvPr id="8" name="TextBox 7">
@@ -14858,7 +16072,7 @@
             </p:txBody>
           </p:sp>
         </mc:Choice>
-        <mc:Fallback>
+        <mc:Fallback xmlns="">
           <p:sp>
             <p:nvSpPr>
               <p:cNvPr id="8" name="TextBox 7">
@@ -14903,8 +16117,8 @@
           </p:sp>
         </mc:Fallback>
       </mc:AlternateContent>
-      <mc:AlternateContent xmlns:mc="http://schemas.openxmlformats.org/markup-compatibility/2006">
-        <mc:Choice xmlns:a14="http://schemas.microsoft.com/office/drawing/2010/main" Requires="a14">
+      <mc:AlternateContent xmlns:mc="http://schemas.openxmlformats.org/markup-compatibility/2006" xmlns:a14="http://schemas.microsoft.com/office/drawing/2010/main">
+        <mc:Choice Requires="a14">
           <p:sp>
             <p:nvSpPr>
               <p:cNvPr id="11" name="TextBox 10">
@@ -15014,7 +16228,7 @@
             </p:txBody>
           </p:sp>
         </mc:Choice>
-        <mc:Fallback>
+        <mc:Fallback xmlns="">
           <p:sp>
             <p:nvSpPr>
               <p:cNvPr id="11" name="TextBox 10">

--- a/pics/2022-09-28-Mahalanobis_distance/pics.pptx
+++ b/pics/2022-09-28-Mahalanobis_distance/pics.pptx
@@ -5,7 +5,7 @@
     <p:sldMasterId id="2147483648" r:id="rId1"/>
   </p:sldMasterIdLst>
   <p:notesMasterIdLst>
-    <p:notesMasterId r:id="rId17"/>
+    <p:notesMasterId r:id="rId18"/>
   </p:notesMasterIdLst>
   <p:sldIdLst>
     <p:sldId id="256" r:id="rId2"/>
@@ -23,6 +23,7 @@
     <p:sldId id="268" r:id="rId14"/>
     <p:sldId id="265" r:id="rId15"/>
     <p:sldId id="264" r:id="rId16"/>
+    <p:sldId id="272" r:id="rId17"/>
   </p:sldIdLst>
   <p:sldSz cx="12192000" cy="6858000"/>
   <p:notesSz cx="6858000" cy="9144000"/>
@@ -211,7 +212,7 @@
           <a:p>
             <a:fld id="{37018075-E126-440E-A9BA-06DE88865D46}" type="datetimeFigureOut">
               <a:rPr lang="en-US" smtClean="0"/>
-              <a:t>10/16/2022</a:t>
+              <a:t>10/18/2022</a:t>
             </a:fld>
             <a:endParaRPr lang="en-US"/>
           </a:p>
@@ -625,7 +626,7 @@
           <a:p>
             <a:fld id="{8DCFE445-8268-4AE2-ADD9-AB110B2937CA}" type="datetimeFigureOut">
               <a:rPr lang="ko-KR" altLang="en-US" smtClean="0"/>
-              <a:t>2022-10-16</a:t>
+              <a:t>2022-10-18</a:t>
             </a:fld>
             <a:endParaRPr lang="ko-KR" altLang="en-US"/>
           </a:p>
@@ -823,7 +824,7 @@
           <a:p>
             <a:fld id="{8DCFE445-8268-4AE2-ADD9-AB110B2937CA}" type="datetimeFigureOut">
               <a:rPr lang="ko-KR" altLang="en-US" smtClean="0"/>
-              <a:t>2022-10-16</a:t>
+              <a:t>2022-10-18</a:t>
             </a:fld>
             <a:endParaRPr lang="ko-KR" altLang="en-US"/>
           </a:p>
@@ -1031,7 +1032,7 @@
           <a:p>
             <a:fld id="{8DCFE445-8268-4AE2-ADD9-AB110B2937CA}" type="datetimeFigureOut">
               <a:rPr lang="ko-KR" altLang="en-US" smtClean="0"/>
-              <a:t>2022-10-16</a:t>
+              <a:t>2022-10-18</a:t>
             </a:fld>
             <a:endParaRPr lang="ko-KR" altLang="en-US"/>
           </a:p>
@@ -1229,7 +1230,7 @@
           <a:p>
             <a:fld id="{8DCFE445-8268-4AE2-ADD9-AB110B2937CA}" type="datetimeFigureOut">
               <a:rPr lang="ko-KR" altLang="en-US" smtClean="0"/>
-              <a:t>2022-10-16</a:t>
+              <a:t>2022-10-18</a:t>
             </a:fld>
             <a:endParaRPr lang="ko-KR" altLang="en-US"/>
           </a:p>
@@ -1504,7 +1505,7 @@
           <a:p>
             <a:fld id="{8DCFE445-8268-4AE2-ADD9-AB110B2937CA}" type="datetimeFigureOut">
               <a:rPr lang="ko-KR" altLang="en-US" smtClean="0"/>
-              <a:t>2022-10-16</a:t>
+              <a:t>2022-10-18</a:t>
             </a:fld>
             <a:endParaRPr lang="ko-KR" altLang="en-US"/>
           </a:p>
@@ -1769,7 +1770,7 @@
           <a:p>
             <a:fld id="{8DCFE445-8268-4AE2-ADD9-AB110B2937CA}" type="datetimeFigureOut">
               <a:rPr lang="ko-KR" altLang="en-US" smtClean="0"/>
-              <a:t>2022-10-16</a:t>
+              <a:t>2022-10-18</a:t>
             </a:fld>
             <a:endParaRPr lang="ko-KR" altLang="en-US"/>
           </a:p>
@@ -2181,7 +2182,7 @@
           <a:p>
             <a:fld id="{8DCFE445-8268-4AE2-ADD9-AB110B2937CA}" type="datetimeFigureOut">
               <a:rPr lang="ko-KR" altLang="en-US" smtClean="0"/>
-              <a:t>2022-10-16</a:t>
+              <a:t>2022-10-18</a:t>
             </a:fld>
             <a:endParaRPr lang="ko-KR" altLang="en-US"/>
           </a:p>
@@ -2322,7 +2323,7 @@
           <a:p>
             <a:fld id="{8DCFE445-8268-4AE2-ADD9-AB110B2937CA}" type="datetimeFigureOut">
               <a:rPr lang="ko-KR" altLang="en-US" smtClean="0"/>
-              <a:t>2022-10-16</a:t>
+              <a:t>2022-10-18</a:t>
             </a:fld>
             <a:endParaRPr lang="ko-KR" altLang="en-US"/>
           </a:p>
@@ -2435,7 +2436,7 @@
           <a:p>
             <a:fld id="{8DCFE445-8268-4AE2-ADD9-AB110B2937CA}" type="datetimeFigureOut">
               <a:rPr lang="ko-KR" altLang="en-US" smtClean="0"/>
-              <a:t>2022-10-16</a:t>
+              <a:t>2022-10-18</a:t>
             </a:fld>
             <a:endParaRPr lang="ko-KR" altLang="en-US"/>
           </a:p>
@@ -2746,7 +2747,7 @@
           <a:p>
             <a:fld id="{8DCFE445-8268-4AE2-ADD9-AB110B2937CA}" type="datetimeFigureOut">
               <a:rPr lang="ko-KR" altLang="en-US" smtClean="0"/>
-              <a:t>2022-10-16</a:t>
+              <a:t>2022-10-18</a:t>
             </a:fld>
             <a:endParaRPr lang="ko-KR" altLang="en-US"/>
           </a:p>
@@ -3034,7 +3035,7 @@
           <a:p>
             <a:fld id="{8DCFE445-8268-4AE2-ADD9-AB110B2937CA}" type="datetimeFigureOut">
               <a:rPr lang="ko-KR" altLang="en-US" smtClean="0"/>
-              <a:t>2022-10-16</a:t>
+              <a:t>2022-10-18</a:t>
             </a:fld>
             <a:endParaRPr lang="ko-KR" altLang="en-US"/>
           </a:p>
@@ -3275,7 +3276,7 @@
           <a:p>
             <a:fld id="{8DCFE445-8268-4AE2-ADD9-AB110B2937CA}" type="datetimeFigureOut">
               <a:rPr lang="ko-KR" altLang="en-US" smtClean="0"/>
-              <a:t>2022-10-16</a:t>
+              <a:t>2022-10-18</a:t>
             </a:fld>
             <a:endParaRPr lang="ko-KR" altLang="en-US"/>
           </a:p>
@@ -4475,8 +4476,8 @@
           </a:prstGeom>
         </p:spPr>
       </p:pic>
-      <mc:AlternateContent xmlns:mc="http://schemas.openxmlformats.org/markup-compatibility/2006">
-        <mc:Choice xmlns:a14="http://schemas.microsoft.com/office/drawing/2010/main" Requires="a14">
+      <mc:AlternateContent xmlns:mc="http://schemas.openxmlformats.org/markup-compatibility/2006" xmlns:a14="http://schemas.microsoft.com/office/drawing/2010/main">
+        <mc:Choice Requires="a14">
           <p:sp>
             <p:nvSpPr>
               <p:cNvPr id="9" name="TextBox 8">
@@ -4617,7 +4618,13 @@
                             <a:rPr lang="en-US" altLang="ko-KR" sz="2400" b="0" i="1" smtClean="0">
                               <a:latin typeface="Cambria Math" panose="02040503050406030204" pitchFamily="18" charset="0"/>
                             </a:rPr>
-                            <m:t>   </m:t>
+                            <m:t> </m:t>
+                          </m:r>
+                          <m:r>
+                            <a:rPr lang="en-US" altLang="ko-KR" sz="2400" b="0" i="1" smtClean="0">
+                              <a:latin typeface="Cambria Math" panose="02040503050406030204" pitchFamily="18" charset="0"/>
+                            </a:rPr>
+                            <m:t>  </m:t>
                           </m:r>
                           <m:r>
                             <a:rPr lang="en-US" altLang="ko-KR" sz="2400" b="0" i="1" smtClean="0">
@@ -4687,7 +4694,7 @@
             </p:txBody>
           </p:sp>
         </mc:Choice>
-        <mc:Fallback>
+        <mc:Fallback xmlns="">
           <p:sp>
             <p:nvSpPr>
               <p:cNvPr id="9" name="TextBox 8">
@@ -4828,8 +4835,8 @@
           </a:p>
         </p:txBody>
       </p:sp>
-      <mc:AlternateContent xmlns:mc="http://schemas.openxmlformats.org/markup-compatibility/2006">
-        <mc:Choice xmlns:a14="http://schemas.microsoft.com/office/drawing/2010/main" Requires="a14">
+      <mc:AlternateContent xmlns:mc="http://schemas.openxmlformats.org/markup-compatibility/2006" xmlns:a14="http://schemas.microsoft.com/office/drawing/2010/main">
+        <mc:Choice Requires="a14">
           <p:sp>
             <p:nvSpPr>
               <p:cNvPr id="5" name="TextBox 4">
@@ -5141,13 +5148,12 @@
                 <a:endParaRPr lang="en-US" altLang="ko-KR" sz="2000" dirty="0"/>
               </a:p>
               <a:p>
-                <a:pPr/>
                 <a:endParaRPr lang="en-US" altLang="ko-KR" sz="2000" dirty="0"/>
               </a:p>
             </p:txBody>
           </p:sp>
         </mc:Choice>
-        <mc:Fallback>
+        <mc:Fallback xmlns="">
           <p:sp>
             <p:nvSpPr>
               <p:cNvPr id="5" name="TextBox 4">
@@ -5192,8 +5198,8 @@
           </p:sp>
         </mc:Fallback>
       </mc:AlternateContent>
-      <mc:AlternateContent xmlns:mc="http://schemas.openxmlformats.org/markup-compatibility/2006">
-        <mc:Choice xmlns:a14="http://schemas.microsoft.com/office/drawing/2010/main" Requires="a14">
+      <mc:AlternateContent xmlns:mc="http://schemas.openxmlformats.org/markup-compatibility/2006" xmlns:a14="http://schemas.microsoft.com/office/drawing/2010/main">
+        <mc:Choice Requires="a14">
           <p:sp>
             <p:nvSpPr>
               <p:cNvPr id="10" name="TextBox 9">
@@ -5431,7 +5437,7 @@
             </p:txBody>
           </p:sp>
         </mc:Choice>
-        <mc:Fallback>
+        <mc:Fallback xmlns="">
           <p:sp>
             <p:nvSpPr>
               <p:cNvPr id="10" name="TextBox 9">
@@ -5728,8 +5734,8 @@
           </a:p>
         </p:txBody>
       </p:sp>
-      <mc:AlternateContent xmlns:mc="http://schemas.openxmlformats.org/markup-compatibility/2006">
-        <mc:Choice xmlns:a14="http://schemas.microsoft.com/office/drawing/2010/main" Requires="a14">
+      <mc:AlternateContent xmlns:mc="http://schemas.openxmlformats.org/markup-compatibility/2006" xmlns:a14="http://schemas.microsoft.com/office/drawing/2010/main">
+        <mc:Choice Requires="a14">
           <p:sp>
             <p:nvSpPr>
               <p:cNvPr id="20" name="TextBox 19">
@@ -5811,7 +5817,7 @@
             </p:txBody>
           </p:sp>
         </mc:Choice>
-        <mc:Fallback>
+        <mc:Fallback xmlns="">
           <p:sp>
             <p:nvSpPr>
               <p:cNvPr id="20" name="TextBox 19">
@@ -5910,8 +5916,8 @@
           </a:p>
         </p:txBody>
       </p:sp>
-      <mc:AlternateContent xmlns:mc="http://schemas.openxmlformats.org/markup-compatibility/2006">
-        <mc:Choice xmlns:a14="http://schemas.microsoft.com/office/drawing/2010/main" Requires="a14">
+      <mc:AlternateContent xmlns:mc="http://schemas.openxmlformats.org/markup-compatibility/2006" xmlns:a14="http://schemas.microsoft.com/office/drawing/2010/main">
+        <mc:Choice Requires="a14">
           <p:sp>
             <p:nvSpPr>
               <p:cNvPr id="22" name="TextBox 21">
@@ -5993,7 +5999,7 @@
             </p:txBody>
           </p:sp>
         </mc:Choice>
-        <mc:Fallback>
+        <mc:Fallback xmlns="">
           <p:sp>
             <p:nvSpPr>
               <p:cNvPr id="22" name="TextBox 21">
@@ -8197,6 +8203,843 @@
 </p:sld>
 </file>
 
+<file path=ppt/slides/slide16.xml><?xml version="1.0" encoding="utf-8"?>
+<p:sld xmlns:a="http://schemas.openxmlformats.org/drawingml/2006/main" xmlns:r="http://schemas.openxmlformats.org/officeDocument/2006/relationships" xmlns:p="http://schemas.openxmlformats.org/presentationml/2006/main">
+  <p:cSld>
+    <p:spTree>
+      <p:nvGrpSpPr>
+        <p:cNvPr id="1" name=""/>
+        <p:cNvGrpSpPr/>
+        <p:nvPr/>
+      </p:nvGrpSpPr>
+      <p:grpSpPr>
+        <a:xfrm>
+          <a:off x="0" y="0"/>
+          <a:ext cx="0" cy="0"/>
+          <a:chOff x="0" y="0"/>
+          <a:chExt cx="0" cy="0"/>
+        </a:xfrm>
+      </p:grpSpPr>
+      <p:cxnSp>
+        <p:nvCxnSpPr>
+          <p:cNvPr id="4" name="직선 화살표 연결선 3">
+            <a:extLst>
+              <a:ext uri="{FF2B5EF4-FFF2-40B4-BE49-F238E27FC236}">
+                <a16:creationId xmlns:a16="http://schemas.microsoft.com/office/drawing/2014/main" id="{9F628ACD-9C7B-B33D-C4FC-97F5E039A4B4}"/>
+              </a:ext>
+            </a:extLst>
+          </p:cNvPr>
+          <p:cNvCxnSpPr/>
+          <p:nvPr/>
+        </p:nvCxnSpPr>
+        <p:spPr>
+          <a:xfrm>
+            <a:off x="514467" y="3832977"/>
+            <a:ext cx="3913870" cy="0"/>
+          </a:xfrm>
+          <a:prstGeom prst="straightConnector1">
+            <a:avLst/>
+          </a:prstGeom>
+          <a:ln w="28575">
+            <a:solidFill>
+              <a:schemeClr val="bg1">
+                <a:lumMod val="85000"/>
+              </a:schemeClr>
+            </a:solidFill>
+            <a:tailEnd type="triangle"/>
+          </a:ln>
+        </p:spPr>
+        <p:style>
+          <a:lnRef idx="1">
+            <a:schemeClr val="accent1"/>
+          </a:lnRef>
+          <a:fillRef idx="0">
+            <a:schemeClr val="accent1"/>
+          </a:fillRef>
+          <a:effectRef idx="0">
+            <a:schemeClr val="accent1"/>
+          </a:effectRef>
+          <a:fontRef idx="minor">
+            <a:schemeClr val="tx1"/>
+          </a:fontRef>
+        </p:style>
+      </p:cxnSp>
+      <p:cxnSp>
+        <p:nvCxnSpPr>
+          <p:cNvPr id="5" name="직선 화살표 연결선 4">
+            <a:extLst>
+              <a:ext uri="{FF2B5EF4-FFF2-40B4-BE49-F238E27FC236}">
+                <a16:creationId xmlns:a16="http://schemas.microsoft.com/office/drawing/2014/main" id="{5C2F2D1A-02BB-4FA4-9ABE-0743FE6F935A}"/>
+              </a:ext>
+            </a:extLst>
+          </p:cNvPr>
+          <p:cNvCxnSpPr>
+            <a:cxnSpLocks/>
+          </p:cNvCxnSpPr>
+          <p:nvPr/>
+        </p:nvCxnSpPr>
+        <p:spPr>
+          <a:xfrm rot="16200000">
+            <a:off x="483157" y="3645111"/>
+            <a:ext cx="3913869" cy="0"/>
+          </a:xfrm>
+          <a:prstGeom prst="straightConnector1">
+            <a:avLst/>
+          </a:prstGeom>
+          <a:ln w="28575">
+            <a:solidFill>
+              <a:schemeClr val="bg1">
+                <a:lumMod val="85000"/>
+              </a:schemeClr>
+            </a:solidFill>
+            <a:tailEnd type="triangle"/>
+          </a:ln>
+        </p:spPr>
+        <p:style>
+          <a:lnRef idx="1">
+            <a:schemeClr val="accent1"/>
+          </a:lnRef>
+          <a:fillRef idx="0">
+            <a:schemeClr val="accent1"/>
+          </a:fillRef>
+          <a:effectRef idx="0">
+            <a:schemeClr val="accent1"/>
+          </a:effectRef>
+          <a:fontRef idx="minor">
+            <a:schemeClr val="tx1"/>
+          </a:fontRef>
+        </p:style>
+      </p:cxnSp>
+      <p:pic>
+        <p:nvPicPr>
+          <p:cNvPr id="6" name="그림 5">
+            <a:extLst>
+              <a:ext uri="{FF2B5EF4-FFF2-40B4-BE49-F238E27FC236}">
+                <a16:creationId xmlns:a16="http://schemas.microsoft.com/office/drawing/2014/main" id="{00E439F7-D01A-BEFB-C421-72F35630657A}"/>
+              </a:ext>
+            </a:extLst>
+          </p:cNvPr>
+          <p:cNvPicPr>
+            <a:picLocks noChangeAspect="1"/>
+          </p:cNvPicPr>
+          <p:nvPr/>
+        </p:nvPicPr>
+        <p:blipFill rotWithShape="1">
+          <a:blip r:embed="rId2"/>
+          <a:srcRect l="23203" t="29300" r="63047" b="33097"/>
+          <a:stretch/>
+        </p:blipFill>
+        <p:spPr>
+          <a:xfrm>
+            <a:off x="1561096" y="2799716"/>
+            <a:ext cx="1836910" cy="2066523"/>
+          </a:xfrm>
+          <a:prstGeom prst="rect">
+            <a:avLst/>
+          </a:prstGeom>
+        </p:spPr>
+      </p:pic>
+      <mc:AlternateContent xmlns:mc="http://schemas.openxmlformats.org/markup-compatibility/2006">
+        <mc:Choice xmlns:a14="http://schemas.microsoft.com/office/drawing/2010/main" Requires="a14">
+          <p:sp>
+            <p:nvSpPr>
+              <p:cNvPr id="7" name="TextBox 6">
+                <a:extLst>
+                  <a:ext uri="{FF2B5EF4-FFF2-40B4-BE49-F238E27FC236}">
+                    <a16:creationId xmlns:a16="http://schemas.microsoft.com/office/drawing/2014/main" id="{568ED131-A892-7DEA-BE7D-3FE9F38B82CE}"/>
+                  </a:ext>
+                </a:extLst>
+              </p:cNvPr>
+              <p:cNvSpPr txBox="1"/>
+              <p:nvPr/>
+            </p:nvSpPr>
+            <p:spPr>
+              <a:xfrm>
+                <a:off x="1315007" y="1255955"/>
+                <a:ext cx="2250168" cy="369332"/>
+              </a:xfrm>
+              <a:prstGeom prst="rect">
+                <a:avLst/>
+              </a:prstGeom>
+              <a:noFill/>
+            </p:spPr>
+            <p:txBody>
+              <a:bodyPr wrap="none" rtlCol="0">
+                <a:spAutoFit/>
+              </a:bodyPr>
+              <a:lstStyle/>
+              <a:p>
+                <a:pPr algn="ctr"/>
+                <a:r>
+                  <a:rPr lang="en-US" altLang="ko-KR" dirty="0">
+                    <a:latin typeface="나눔스퀘어_ac" panose="020B0600000101010101" pitchFamily="50" charset="-127"/>
+                    <a:ea typeface="나눔스퀘어_ac" panose="020B0600000101010101" pitchFamily="50" charset="-127"/>
+                  </a:rPr>
+                  <a:t>“</a:t>
+                </a:r>
+                <a:r>
+                  <a:rPr lang="ko-KR" altLang="en-US" dirty="0">
+                    <a:latin typeface="나눔스퀘어_ac" panose="020B0600000101010101" pitchFamily="50" charset="-127"/>
+                    <a:ea typeface="나눔스퀘어_ac" panose="020B0600000101010101" pitchFamily="50" charset="-127"/>
+                  </a:rPr>
+                  <a:t>원시 형태</a:t>
+                </a:r>
+                <a:r>
+                  <a:rPr lang="en-US" altLang="ko-KR" dirty="0">
+                    <a:latin typeface="나눔스퀘어_ac" panose="020B0600000101010101" pitchFamily="50" charset="-127"/>
+                    <a:ea typeface="나눔스퀘어_ac" panose="020B0600000101010101" pitchFamily="50" charset="-127"/>
+                  </a:rPr>
+                  <a:t>”</a:t>
+                </a:r>
+                <a:r>
+                  <a:rPr lang="ko-KR" altLang="en-US" dirty="0">
+                    <a:latin typeface="나눔스퀘어_ac" panose="020B0600000101010101" pitchFamily="50" charset="-127"/>
+                    <a:ea typeface="나눔스퀘어_ac" panose="020B0600000101010101" pitchFamily="50" charset="-127"/>
+                  </a:rPr>
+                  <a:t>의 데이터 </a:t>
+                </a:r>
+                <a14:m>
+                  <m:oMath xmlns:m="http://schemas.openxmlformats.org/officeDocument/2006/math">
+                    <m:r>
+                      <a:rPr lang="en-US" altLang="ko-KR" i="1" dirty="0" smtClean="0">
+                        <a:latin typeface="Cambria Math" panose="02040503050406030204" pitchFamily="18" charset="0"/>
+                        <a:ea typeface="나눔스퀘어_ac" panose="020B0600000101010101" pitchFamily="50" charset="-127"/>
+                      </a:rPr>
+                      <m:t>𝑍</m:t>
+                    </m:r>
+                  </m:oMath>
+                </a14:m>
+                <a:endParaRPr lang="en-US" altLang="ko-KR" dirty="0">
+                  <a:latin typeface="나눔스퀘어_ac" panose="020B0600000101010101" pitchFamily="50" charset="-127"/>
+                  <a:ea typeface="나눔스퀘어_ac" panose="020B0600000101010101" pitchFamily="50" charset="-127"/>
+                </a:endParaRPr>
+              </a:p>
+            </p:txBody>
+          </p:sp>
+        </mc:Choice>
+        <mc:Fallback>
+          <p:sp>
+            <p:nvSpPr>
+              <p:cNvPr id="7" name="TextBox 6">
+                <a:extLst>
+                  <a:ext uri="{FF2B5EF4-FFF2-40B4-BE49-F238E27FC236}">
+                    <a16:creationId xmlns:a16="http://schemas.microsoft.com/office/drawing/2014/main" id="{568ED131-A892-7DEA-BE7D-3FE9F38B82CE}"/>
+                  </a:ext>
+                </a:extLst>
+              </p:cNvPr>
+              <p:cNvSpPr txBox="1">
+                <a:spLocks noRot="1" noChangeAspect="1" noMove="1" noResize="1" noEditPoints="1" noAdjustHandles="1" noChangeArrowheads="1" noChangeShapeType="1" noTextEdit="1"/>
+              </p:cNvSpPr>
+              <p:nvPr/>
+            </p:nvSpPr>
+            <p:spPr>
+              <a:xfrm>
+                <a:off x="1315007" y="1255955"/>
+                <a:ext cx="2250168" cy="369332"/>
+              </a:xfrm>
+              <a:prstGeom prst="rect">
+                <a:avLst/>
+              </a:prstGeom>
+              <a:blipFill>
+                <a:blip r:embed="rId3"/>
+                <a:stretch>
+                  <a:fillRect l="-1897" t="-6557" b="-26230"/>
+                </a:stretch>
+              </a:blipFill>
+            </p:spPr>
+            <p:txBody>
+              <a:bodyPr/>
+              <a:lstStyle/>
+              <a:p>
+                <a:r>
+                  <a:rPr lang="ko-KR" altLang="en-US">
+                    <a:noFill/>
+                  </a:rPr>
+                  <a:t> </a:t>
+                </a:r>
+              </a:p>
+            </p:txBody>
+          </p:sp>
+        </mc:Fallback>
+      </mc:AlternateContent>
+      <mc:AlternateContent xmlns:mc="http://schemas.openxmlformats.org/markup-compatibility/2006">
+        <mc:Choice xmlns:a14="http://schemas.microsoft.com/office/drawing/2010/main" Requires="a14">
+          <p:sp>
+            <p:nvSpPr>
+              <p:cNvPr id="8" name="TextBox 7">
+                <a:extLst>
+                  <a:ext uri="{FF2B5EF4-FFF2-40B4-BE49-F238E27FC236}">
+                    <a16:creationId xmlns:a16="http://schemas.microsoft.com/office/drawing/2014/main" id="{434CA4A3-EB71-B1DF-4F8C-032B11AE08F2}"/>
+                  </a:ext>
+                </a:extLst>
+              </p:cNvPr>
+              <p:cNvSpPr txBox="1"/>
+              <p:nvPr/>
+            </p:nvSpPr>
+            <p:spPr>
+              <a:xfrm>
+                <a:off x="4888358" y="2361080"/>
+                <a:ext cx="2348202" cy="508770"/>
+              </a:xfrm>
+              <a:prstGeom prst="rect">
+                <a:avLst/>
+              </a:prstGeom>
+              <a:noFill/>
+            </p:spPr>
+            <p:txBody>
+              <a:bodyPr wrap="none" rtlCol="0">
+                <a:spAutoFit/>
+              </a:bodyPr>
+              <a:lstStyle/>
+              <a:p>
+                <a:pPr algn="ctr"/>
+                <a:r>
+                  <a:rPr lang="ko-KR" altLang="en-US" dirty="0">
+                    <a:solidFill>
+                      <a:schemeClr val="accent1"/>
+                    </a:solidFill>
+                    <a:latin typeface="나눔스퀘어_ac" panose="020B0600000101010101" pitchFamily="50" charset="-127"/>
+                    <a:ea typeface="나눔스퀘어_ac" panose="020B0600000101010101" pitchFamily="50" charset="-127"/>
+                  </a:rPr>
+                  <a:t>어떤 선형 변환 </a:t>
+                </a:r>
+                <a14:m>
+                  <m:oMath xmlns:m="http://schemas.openxmlformats.org/officeDocument/2006/math">
+                    <m:r>
+                      <a:rPr lang="en-US" altLang="ko-KR" i="1" dirty="0" smtClean="0">
+                        <a:solidFill>
+                          <a:schemeClr val="accent1"/>
+                        </a:solidFill>
+                        <a:latin typeface="Cambria Math" panose="02040503050406030204" pitchFamily="18" charset="0"/>
+                        <a:ea typeface="나눔스퀘어_ac" panose="020B0600000101010101" pitchFamily="50" charset="-127"/>
+                      </a:rPr>
+                      <m:t>𝑅</m:t>
+                    </m:r>
+                  </m:oMath>
+                </a14:m>
+                <a:endParaRPr lang="en-US" altLang="ko-KR" dirty="0">
+                  <a:solidFill>
+                    <a:schemeClr val="accent1"/>
+                  </a:solidFill>
+                  <a:latin typeface="나눔스퀘어_ac" panose="020B0600000101010101" pitchFamily="50" charset="-127"/>
+                  <a:ea typeface="나눔스퀘어_ac" panose="020B0600000101010101" pitchFamily="50" charset="-127"/>
+                </a:endParaRPr>
+              </a:p>
+            </p:txBody>
+          </p:sp>
+        </mc:Choice>
+        <mc:Fallback>
+          <p:sp>
+            <p:nvSpPr>
+              <p:cNvPr id="8" name="TextBox 7">
+                <a:extLst>
+                  <a:ext uri="{FF2B5EF4-FFF2-40B4-BE49-F238E27FC236}">
+                    <a16:creationId xmlns:a16="http://schemas.microsoft.com/office/drawing/2014/main" id="{434CA4A3-EB71-B1DF-4F8C-032B11AE08F2}"/>
+                  </a:ext>
+                </a:extLst>
+              </p:cNvPr>
+              <p:cNvSpPr txBox="1">
+                <a:spLocks noRot="1" noChangeAspect="1" noMove="1" noResize="1" noEditPoints="1" noAdjustHandles="1" noChangeArrowheads="1" noChangeShapeType="1" noTextEdit="1"/>
+              </p:cNvSpPr>
+              <p:nvPr/>
+            </p:nvSpPr>
+            <p:spPr>
+              <a:xfrm>
+                <a:off x="4888358" y="2361080"/>
+                <a:ext cx="2348202" cy="508770"/>
+              </a:xfrm>
+              <a:prstGeom prst="rect">
+                <a:avLst/>
+              </a:prstGeom>
+              <a:blipFill>
+                <a:blip r:embed="rId4"/>
+                <a:stretch>
+                  <a:fillRect t="-4762"/>
+                </a:stretch>
+              </a:blipFill>
+            </p:spPr>
+            <p:txBody>
+              <a:bodyPr/>
+              <a:lstStyle/>
+              <a:p>
+                <a:r>
+                  <a:rPr lang="ko-KR" altLang="en-US">
+                    <a:noFill/>
+                  </a:rPr>
+                  <a:t> </a:t>
+                </a:r>
+              </a:p>
+            </p:txBody>
+          </p:sp>
+        </mc:Fallback>
+      </mc:AlternateContent>
+      <p:sp>
+        <p:nvSpPr>
+          <p:cNvPr id="9" name="화살표: 오른쪽 8">
+            <a:extLst>
+              <a:ext uri="{FF2B5EF4-FFF2-40B4-BE49-F238E27FC236}">
+                <a16:creationId xmlns:a16="http://schemas.microsoft.com/office/drawing/2014/main" id="{FACFA7C3-C318-B1B1-F889-BC5B53B2965A}"/>
+              </a:ext>
+            </a:extLst>
+          </p:cNvPr>
+          <p:cNvSpPr/>
+          <p:nvPr/>
+        </p:nvSpPr>
+        <p:spPr>
+          <a:xfrm>
+            <a:off x="5551480" y="2799716"/>
+            <a:ext cx="1021960" cy="506205"/>
+          </a:xfrm>
+          <a:prstGeom prst="rightArrow">
+            <a:avLst/>
+          </a:prstGeom>
+        </p:spPr>
+        <p:style>
+          <a:lnRef idx="2">
+            <a:schemeClr val="accent1">
+              <a:shade val="50000"/>
+            </a:schemeClr>
+          </a:lnRef>
+          <a:fillRef idx="1">
+            <a:schemeClr val="accent1"/>
+          </a:fillRef>
+          <a:effectRef idx="0">
+            <a:schemeClr val="accent1"/>
+          </a:effectRef>
+          <a:fontRef idx="minor">
+            <a:schemeClr val="lt1"/>
+          </a:fontRef>
+        </p:style>
+        <p:txBody>
+          <a:bodyPr rtlCol="0" anchor="ctr"/>
+          <a:lstStyle/>
+          <a:p>
+            <a:pPr algn="ctr"/>
+            <a:endParaRPr lang="ko-KR" altLang="en-US"/>
+          </a:p>
+        </p:txBody>
+      </p:sp>
+      <mc:AlternateContent xmlns:mc="http://schemas.openxmlformats.org/markup-compatibility/2006">
+        <mc:Choice xmlns:a14="http://schemas.microsoft.com/office/drawing/2010/main" Requires="a14">
+          <p:sp>
+            <p:nvSpPr>
+              <p:cNvPr id="10" name="TextBox 9">
+                <a:extLst>
+                  <a:ext uri="{FF2B5EF4-FFF2-40B4-BE49-F238E27FC236}">
+                    <a16:creationId xmlns:a16="http://schemas.microsoft.com/office/drawing/2014/main" id="{125B2260-5708-08DC-290A-89C928EEFBAC}"/>
+                  </a:ext>
+                </a:extLst>
+              </p:cNvPr>
+              <p:cNvSpPr txBox="1"/>
+              <p:nvPr/>
+            </p:nvSpPr>
+            <p:spPr>
+              <a:xfrm>
+                <a:off x="8439169" y="1255955"/>
+                <a:ext cx="2500236" cy="369332"/>
+              </a:xfrm>
+              <a:prstGeom prst="rect">
+                <a:avLst/>
+              </a:prstGeom>
+              <a:noFill/>
+            </p:spPr>
+            <p:txBody>
+              <a:bodyPr wrap="none" rtlCol="0">
+                <a:spAutoFit/>
+              </a:bodyPr>
+              <a:lstStyle/>
+              <a:p>
+                <a:pPr algn="ctr"/>
+                <a:r>
+                  <a:rPr lang="ko-KR" altLang="en-US" dirty="0">
+                    <a:latin typeface="나눔스퀘어_ac" panose="020B0600000101010101" pitchFamily="50" charset="-127"/>
+                    <a:ea typeface="나눔스퀘어_ac" panose="020B0600000101010101" pitchFamily="50" charset="-127"/>
+                  </a:rPr>
+                  <a:t>주어진 데이터를 수정한 </a:t>
+                </a:r>
+                <a14:m>
+                  <m:oMath xmlns:m="http://schemas.openxmlformats.org/officeDocument/2006/math">
+                    <m:r>
+                      <a:rPr lang="en-US" altLang="ko-KR" b="0" i="1" smtClean="0">
+                        <a:latin typeface="Cambria Math" panose="02040503050406030204" pitchFamily="18" charset="0"/>
+                        <a:ea typeface="나눔스퀘어_ac" panose="020B0600000101010101" pitchFamily="50" charset="-127"/>
+                      </a:rPr>
+                      <m:t>𝑋</m:t>
+                    </m:r>
+                  </m:oMath>
+                </a14:m>
+                <a:endParaRPr lang="en-US" altLang="ko-KR" dirty="0">
+                  <a:latin typeface="나눔스퀘어_ac" panose="020B0600000101010101" pitchFamily="50" charset="-127"/>
+                  <a:ea typeface="나눔스퀘어_ac" panose="020B0600000101010101" pitchFamily="50" charset="-127"/>
+                </a:endParaRPr>
+              </a:p>
+            </p:txBody>
+          </p:sp>
+        </mc:Choice>
+        <mc:Fallback>
+          <p:sp>
+            <p:nvSpPr>
+              <p:cNvPr id="10" name="TextBox 9">
+                <a:extLst>
+                  <a:ext uri="{FF2B5EF4-FFF2-40B4-BE49-F238E27FC236}">
+                    <a16:creationId xmlns:a16="http://schemas.microsoft.com/office/drawing/2014/main" id="{125B2260-5708-08DC-290A-89C928EEFBAC}"/>
+                  </a:ext>
+                </a:extLst>
+              </p:cNvPr>
+              <p:cNvSpPr txBox="1">
+                <a:spLocks noRot="1" noChangeAspect="1" noMove="1" noResize="1" noEditPoints="1" noAdjustHandles="1" noChangeArrowheads="1" noChangeShapeType="1" noTextEdit="1"/>
+              </p:cNvSpPr>
+              <p:nvPr/>
+            </p:nvSpPr>
+            <p:spPr>
+              <a:xfrm>
+                <a:off x="8439169" y="1255955"/>
+                <a:ext cx="2500236" cy="369332"/>
+              </a:xfrm>
+              <a:prstGeom prst="rect">
+                <a:avLst/>
+              </a:prstGeom>
+              <a:blipFill>
+                <a:blip r:embed="rId5"/>
+                <a:stretch>
+                  <a:fillRect l="-1460" t="-6557" b="-26230"/>
+                </a:stretch>
+              </a:blipFill>
+            </p:spPr>
+            <p:txBody>
+              <a:bodyPr/>
+              <a:lstStyle/>
+              <a:p>
+                <a:r>
+                  <a:rPr lang="ko-KR" altLang="en-US">
+                    <a:noFill/>
+                  </a:rPr>
+                  <a:t> </a:t>
+                </a:r>
+              </a:p>
+            </p:txBody>
+          </p:sp>
+        </mc:Fallback>
+      </mc:AlternateContent>
+      <p:cxnSp>
+        <p:nvCxnSpPr>
+          <p:cNvPr id="11" name="직선 화살표 연결선 10">
+            <a:extLst>
+              <a:ext uri="{FF2B5EF4-FFF2-40B4-BE49-F238E27FC236}">
+                <a16:creationId xmlns:a16="http://schemas.microsoft.com/office/drawing/2014/main" id="{2E25BDAF-5626-672C-AC1C-1E1B015E7AEB}"/>
+              </a:ext>
+            </a:extLst>
+          </p:cNvPr>
+          <p:cNvCxnSpPr/>
+          <p:nvPr/>
+        </p:nvCxnSpPr>
+        <p:spPr>
+          <a:xfrm>
+            <a:off x="7763664" y="3832977"/>
+            <a:ext cx="3913870" cy="0"/>
+          </a:xfrm>
+          <a:prstGeom prst="straightConnector1">
+            <a:avLst/>
+          </a:prstGeom>
+          <a:ln w="28575">
+            <a:solidFill>
+              <a:schemeClr val="bg1">
+                <a:lumMod val="85000"/>
+              </a:schemeClr>
+            </a:solidFill>
+            <a:tailEnd type="triangle"/>
+          </a:ln>
+        </p:spPr>
+        <p:style>
+          <a:lnRef idx="1">
+            <a:schemeClr val="accent1"/>
+          </a:lnRef>
+          <a:fillRef idx="0">
+            <a:schemeClr val="accent1"/>
+          </a:fillRef>
+          <a:effectRef idx="0">
+            <a:schemeClr val="accent1"/>
+          </a:effectRef>
+          <a:fontRef idx="minor">
+            <a:schemeClr val="tx1"/>
+          </a:fontRef>
+        </p:style>
+      </p:cxnSp>
+      <p:cxnSp>
+        <p:nvCxnSpPr>
+          <p:cNvPr id="12" name="직선 화살표 연결선 11">
+            <a:extLst>
+              <a:ext uri="{FF2B5EF4-FFF2-40B4-BE49-F238E27FC236}">
+                <a16:creationId xmlns:a16="http://schemas.microsoft.com/office/drawing/2014/main" id="{0CAADD75-D274-4F51-E57C-5BEF0548FE01}"/>
+              </a:ext>
+            </a:extLst>
+          </p:cNvPr>
+          <p:cNvCxnSpPr>
+            <a:cxnSpLocks/>
+          </p:cNvCxnSpPr>
+          <p:nvPr/>
+        </p:nvCxnSpPr>
+        <p:spPr>
+          <a:xfrm rot="16200000">
+            <a:off x="7732354" y="3645111"/>
+            <a:ext cx="3913869" cy="0"/>
+          </a:xfrm>
+          <a:prstGeom prst="straightConnector1">
+            <a:avLst/>
+          </a:prstGeom>
+          <a:ln w="28575">
+            <a:solidFill>
+              <a:schemeClr val="bg1">
+                <a:lumMod val="85000"/>
+              </a:schemeClr>
+            </a:solidFill>
+            <a:tailEnd type="triangle"/>
+          </a:ln>
+        </p:spPr>
+        <p:style>
+          <a:lnRef idx="1">
+            <a:schemeClr val="accent1"/>
+          </a:lnRef>
+          <a:fillRef idx="0">
+            <a:schemeClr val="accent1"/>
+          </a:fillRef>
+          <a:effectRef idx="0">
+            <a:schemeClr val="accent1"/>
+          </a:effectRef>
+          <a:fontRef idx="minor">
+            <a:schemeClr val="tx1"/>
+          </a:fontRef>
+        </p:style>
+      </p:cxnSp>
+      <p:pic>
+        <p:nvPicPr>
+          <p:cNvPr id="13" name="그림 12">
+            <a:extLst>
+              <a:ext uri="{FF2B5EF4-FFF2-40B4-BE49-F238E27FC236}">
+                <a16:creationId xmlns:a16="http://schemas.microsoft.com/office/drawing/2014/main" id="{CF4057BF-21D0-D99A-0F91-9FAF081F6BFB}"/>
+              </a:ext>
+            </a:extLst>
+          </p:cNvPr>
+          <p:cNvPicPr>
+            <a:picLocks noChangeAspect="1"/>
+          </p:cNvPicPr>
+          <p:nvPr/>
+        </p:nvPicPr>
+        <p:blipFill rotWithShape="1">
+          <a:blip r:embed="rId2"/>
+          <a:srcRect l="62031" t="15626" r="14375" b="21133"/>
+          <a:stretch/>
+        </p:blipFill>
+        <p:spPr>
+          <a:xfrm>
+            <a:off x="8113303" y="2037817"/>
+            <a:ext cx="3151969" cy="3475515"/>
+          </a:xfrm>
+          <a:prstGeom prst="rect">
+            <a:avLst/>
+          </a:prstGeom>
+        </p:spPr>
+      </p:pic>
+      <p:sp>
+        <p:nvSpPr>
+          <p:cNvPr id="14" name="화살표: 오른쪽 13">
+            <a:extLst>
+              <a:ext uri="{FF2B5EF4-FFF2-40B4-BE49-F238E27FC236}">
+                <a16:creationId xmlns:a16="http://schemas.microsoft.com/office/drawing/2014/main" id="{5F962085-B071-7972-CD84-D7E4A280EC52}"/>
+              </a:ext>
+            </a:extLst>
+          </p:cNvPr>
+          <p:cNvSpPr/>
+          <p:nvPr/>
+        </p:nvSpPr>
+        <p:spPr>
+          <a:xfrm flipH="1">
+            <a:off x="5551480" y="3336590"/>
+            <a:ext cx="1021960" cy="506205"/>
+          </a:xfrm>
+          <a:prstGeom prst="rightArrow">
+            <a:avLst/>
+          </a:prstGeom>
+          <a:solidFill>
+            <a:schemeClr val="accent2"/>
+          </a:solidFill>
+        </p:spPr>
+        <p:style>
+          <a:lnRef idx="2">
+            <a:schemeClr val="accent1">
+              <a:shade val="50000"/>
+            </a:schemeClr>
+          </a:lnRef>
+          <a:fillRef idx="1">
+            <a:schemeClr val="accent1"/>
+          </a:fillRef>
+          <a:effectRef idx="0">
+            <a:schemeClr val="accent1"/>
+          </a:effectRef>
+          <a:fontRef idx="minor">
+            <a:schemeClr val="lt1"/>
+          </a:fontRef>
+        </p:style>
+        <p:txBody>
+          <a:bodyPr rtlCol="0" anchor="ctr"/>
+          <a:lstStyle/>
+          <a:p>
+            <a:pPr algn="ctr"/>
+            <a:endParaRPr lang="ko-KR" altLang="en-US"/>
+          </a:p>
+        </p:txBody>
+      </p:sp>
+      <mc:AlternateContent xmlns:mc="http://schemas.openxmlformats.org/markup-compatibility/2006">
+        <mc:Choice xmlns:a14="http://schemas.microsoft.com/office/drawing/2010/main" Requires="a14">
+          <p:sp>
+            <p:nvSpPr>
+              <p:cNvPr id="15" name="TextBox 14">
+                <a:extLst>
+                  <a:ext uri="{FF2B5EF4-FFF2-40B4-BE49-F238E27FC236}">
+                    <a16:creationId xmlns:a16="http://schemas.microsoft.com/office/drawing/2014/main" id="{7A623601-CB2F-C007-FD65-AB89F3D13F4C}"/>
+                  </a:ext>
+                </a:extLst>
+              </p:cNvPr>
+              <p:cNvSpPr txBox="1"/>
+              <p:nvPr/>
+            </p:nvSpPr>
+            <p:spPr>
+              <a:xfrm>
+                <a:off x="4730517" y="3873465"/>
+                <a:ext cx="2663885" cy="508770"/>
+              </a:xfrm>
+              <a:prstGeom prst="rect">
+                <a:avLst/>
+              </a:prstGeom>
+              <a:noFill/>
+            </p:spPr>
+            <p:txBody>
+              <a:bodyPr wrap="none" rtlCol="0">
+                <a:spAutoFit/>
+              </a:bodyPr>
+              <a:lstStyle/>
+              <a:p>
+                <a:pPr algn="ctr"/>
+                <a:r>
+                  <a:rPr lang="ko-KR" altLang="en-US" dirty="0">
+                    <a:solidFill>
+                      <a:schemeClr val="accent2"/>
+                    </a:solidFill>
+                    <a:latin typeface="나눔스퀘어_ac" panose="020B0600000101010101" pitchFamily="50" charset="-127"/>
+                    <a:ea typeface="나눔스퀘어_ac" panose="020B0600000101010101" pitchFamily="50" charset="-127"/>
+                  </a:rPr>
+                  <a:t>어떤 선형 변환 </a:t>
+                </a:r>
+                <a14:m>
+                  <m:oMath xmlns:m="http://schemas.openxmlformats.org/officeDocument/2006/math">
+                    <m:sSup>
+                      <m:sSupPr>
+                        <m:ctrlPr>
+                          <a:rPr lang="en-US" altLang="ko-KR" b="0" i="1" dirty="0" smtClean="0">
+                            <a:solidFill>
+                              <a:schemeClr val="accent2"/>
+                            </a:solidFill>
+                            <a:latin typeface="Cambria Math" panose="02040503050406030204" pitchFamily="18" charset="0"/>
+                            <a:ea typeface="나눔스퀘어_ac" panose="020B0600000101010101" pitchFamily="50" charset="-127"/>
+                          </a:rPr>
+                        </m:ctrlPr>
+                      </m:sSupPr>
+                      <m:e>
+                        <m:r>
+                          <a:rPr lang="en-US" altLang="ko-KR" i="1" dirty="0" smtClean="0">
+                            <a:solidFill>
+                              <a:schemeClr val="accent2"/>
+                            </a:solidFill>
+                            <a:latin typeface="Cambria Math" panose="02040503050406030204" pitchFamily="18" charset="0"/>
+                            <a:ea typeface="나눔스퀘어_ac" panose="020B0600000101010101" pitchFamily="50" charset="-127"/>
+                          </a:rPr>
+                          <m:t>𝑅</m:t>
+                        </m:r>
+                      </m:e>
+                      <m:sup>
+                        <m:r>
+                          <a:rPr lang="en-US" altLang="ko-KR" b="0" i="1" dirty="0" smtClean="0">
+                            <a:solidFill>
+                              <a:schemeClr val="accent2"/>
+                            </a:solidFill>
+                            <a:latin typeface="Cambria Math" panose="02040503050406030204" pitchFamily="18" charset="0"/>
+                            <a:ea typeface="나눔스퀘어_ac" panose="020B0600000101010101" pitchFamily="50" charset="-127"/>
+                          </a:rPr>
+                          <m:t>−1</m:t>
+                        </m:r>
+                      </m:sup>
+                    </m:sSup>
+                  </m:oMath>
+                </a14:m>
+                <a:endParaRPr lang="en-US" altLang="ko-KR" dirty="0">
+                  <a:solidFill>
+                    <a:schemeClr val="accent2"/>
+                  </a:solidFill>
+                  <a:latin typeface="나눔스퀘어_ac" panose="020B0600000101010101" pitchFamily="50" charset="-127"/>
+                  <a:ea typeface="나눔스퀘어_ac" panose="020B0600000101010101" pitchFamily="50" charset="-127"/>
+                </a:endParaRPr>
+              </a:p>
+            </p:txBody>
+          </p:sp>
+        </mc:Choice>
+        <mc:Fallback>
+          <p:sp>
+            <p:nvSpPr>
+              <p:cNvPr id="15" name="TextBox 14">
+                <a:extLst>
+                  <a:ext uri="{FF2B5EF4-FFF2-40B4-BE49-F238E27FC236}">
+                    <a16:creationId xmlns:a16="http://schemas.microsoft.com/office/drawing/2014/main" id="{7A623601-CB2F-C007-FD65-AB89F3D13F4C}"/>
+                  </a:ext>
+                </a:extLst>
+              </p:cNvPr>
+              <p:cNvSpPr txBox="1">
+                <a:spLocks noRot="1" noChangeAspect="1" noMove="1" noResize="1" noEditPoints="1" noAdjustHandles="1" noChangeArrowheads="1" noChangeShapeType="1" noTextEdit="1"/>
+              </p:cNvSpPr>
+              <p:nvPr/>
+            </p:nvSpPr>
+            <p:spPr>
+              <a:xfrm>
+                <a:off x="4730517" y="3873465"/>
+                <a:ext cx="2663885" cy="508770"/>
+              </a:xfrm>
+              <a:prstGeom prst="rect">
+                <a:avLst/>
+              </a:prstGeom>
+              <a:blipFill>
+                <a:blip r:embed="rId6"/>
+                <a:stretch>
+                  <a:fillRect t="-4762"/>
+                </a:stretch>
+              </a:blipFill>
+            </p:spPr>
+            <p:txBody>
+              <a:bodyPr/>
+              <a:lstStyle/>
+              <a:p>
+                <a:r>
+                  <a:rPr lang="ko-KR" altLang="en-US">
+                    <a:noFill/>
+                  </a:rPr>
+                  <a:t> </a:t>
+                </a:r>
+              </a:p>
+            </p:txBody>
+          </p:sp>
+        </mc:Fallback>
+      </mc:AlternateContent>
+    </p:spTree>
+    <p:extLst>
+      <p:ext uri="{BB962C8B-B14F-4D97-AF65-F5344CB8AC3E}">
+        <p14:creationId xmlns:p14="http://schemas.microsoft.com/office/powerpoint/2010/main" val="52453976"/>
+      </p:ext>
+    </p:extLst>
+  </p:cSld>
+  <p:clrMapOvr>
+    <a:masterClrMapping/>
+  </p:clrMapOvr>
+</p:sld>
+</file>
+
 <file path=ppt/slides/slide2.xml><?xml version="1.0" encoding="utf-8"?>
 <p:sld xmlns:a="http://schemas.openxmlformats.org/drawingml/2006/main" xmlns:r="http://schemas.openxmlformats.org/officeDocument/2006/relationships" xmlns:p="http://schemas.openxmlformats.org/presentationml/2006/main">
   <p:cSld>
@@ -8848,8 +9691,8 @@
           </a:fontRef>
         </p:style>
       </p:cxnSp>
-      <mc:AlternateContent xmlns:mc="http://schemas.openxmlformats.org/markup-compatibility/2006">
-        <mc:Choice xmlns:a14="http://schemas.microsoft.com/office/drawing/2010/main" Requires="a14">
+      <mc:AlternateContent xmlns:mc="http://schemas.openxmlformats.org/markup-compatibility/2006" xmlns:a14="http://schemas.microsoft.com/office/drawing/2010/main">
+        <mc:Choice Requires="a14">
           <p:sp>
             <p:nvSpPr>
               <p:cNvPr id="25" name="TextBox 24">
@@ -9062,7 +9905,7 @@
             </p:txBody>
           </p:sp>
         </mc:Choice>
-        <mc:Fallback>
+        <mc:Fallback xmlns="">
           <p:sp>
             <p:nvSpPr>
               <p:cNvPr id="25" name="TextBox 24">

--- a/pics/2022-09-28-Mahalanobis_distance/pics.pptx
+++ b/pics/2022-09-28-Mahalanobis_distance/pics.pptx
@@ -5,7 +5,7 @@
     <p:sldMasterId id="2147483648" r:id="rId1"/>
   </p:sldMasterIdLst>
   <p:notesMasterIdLst>
-    <p:notesMasterId r:id="rId18"/>
+    <p:notesMasterId r:id="rId24"/>
   </p:notesMasterIdLst>
   <p:sldIdLst>
     <p:sldId id="256" r:id="rId2"/>
@@ -14,16 +14,22 @@
     <p:sldId id="259" r:id="rId5"/>
     <p:sldId id="260" r:id="rId6"/>
     <p:sldId id="261" r:id="rId7"/>
-    <p:sldId id="263" r:id="rId8"/>
-    <p:sldId id="269" r:id="rId9"/>
-    <p:sldId id="270" r:id="rId10"/>
-    <p:sldId id="271" r:id="rId11"/>
-    <p:sldId id="266" r:id="rId12"/>
-    <p:sldId id="267" r:id="rId13"/>
-    <p:sldId id="268" r:id="rId14"/>
-    <p:sldId id="265" r:id="rId15"/>
-    <p:sldId id="264" r:id="rId16"/>
-    <p:sldId id="272" r:id="rId17"/>
+    <p:sldId id="273" r:id="rId8"/>
+    <p:sldId id="263" r:id="rId9"/>
+    <p:sldId id="274" r:id="rId10"/>
+    <p:sldId id="269" r:id="rId11"/>
+    <p:sldId id="270" r:id="rId12"/>
+    <p:sldId id="277" r:id="rId13"/>
+    <p:sldId id="271" r:id="rId14"/>
+    <p:sldId id="266" r:id="rId15"/>
+    <p:sldId id="267" r:id="rId16"/>
+    <p:sldId id="268" r:id="rId17"/>
+    <p:sldId id="275" r:id="rId18"/>
+    <p:sldId id="265" r:id="rId19"/>
+    <p:sldId id="264" r:id="rId20"/>
+    <p:sldId id="276" r:id="rId21"/>
+    <p:sldId id="272" r:id="rId22"/>
+    <p:sldId id="278" r:id="rId23"/>
   </p:sldIdLst>
   <p:sldSz cx="12192000" cy="6858000"/>
   <p:notesSz cx="6858000" cy="9144000"/>
@@ -212,7 +218,7 @@
           <a:p>
             <a:fld id="{37018075-E126-440E-A9BA-06DE88865D46}" type="datetimeFigureOut">
               <a:rPr lang="en-US" smtClean="0"/>
-              <a:t>10/18/2022</a:t>
+              <a:t>5/15/2023</a:t>
             </a:fld>
             <a:endParaRPr lang="en-US"/>
           </a:p>
@@ -626,7 +632,7 @@
           <a:p>
             <a:fld id="{8DCFE445-8268-4AE2-ADD9-AB110B2937CA}" type="datetimeFigureOut">
               <a:rPr lang="ko-KR" altLang="en-US" smtClean="0"/>
-              <a:t>2022-10-18</a:t>
+              <a:t>2023-05-15</a:t>
             </a:fld>
             <a:endParaRPr lang="ko-KR" altLang="en-US"/>
           </a:p>
@@ -824,7 +830,7 @@
           <a:p>
             <a:fld id="{8DCFE445-8268-4AE2-ADD9-AB110B2937CA}" type="datetimeFigureOut">
               <a:rPr lang="ko-KR" altLang="en-US" smtClean="0"/>
-              <a:t>2022-10-18</a:t>
+              <a:t>2023-05-15</a:t>
             </a:fld>
             <a:endParaRPr lang="ko-KR" altLang="en-US"/>
           </a:p>
@@ -1032,7 +1038,7 @@
           <a:p>
             <a:fld id="{8DCFE445-8268-4AE2-ADD9-AB110B2937CA}" type="datetimeFigureOut">
               <a:rPr lang="ko-KR" altLang="en-US" smtClean="0"/>
-              <a:t>2022-10-18</a:t>
+              <a:t>2023-05-15</a:t>
             </a:fld>
             <a:endParaRPr lang="ko-KR" altLang="en-US"/>
           </a:p>
@@ -1230,7 +1236,7 @@
           <a:p>
             <a:fld id="{8DCFE445-8268-4AE2-ADD9-AB110B2937CA}" type="datetimeFigureOut">
               <a:rPr lang="ko-KR" altLang="en-US" smtClean="0"/>
-              <a:t>2022-10-18</a:t>
+              <a:t>2023-05-15</a:t>
             </a:fld>
             <a:endParaRPr lang="ko-KR" altLang="en-US"/>
           </a:p>
@@ -1505,7 +1511,7 @@
           <a:p>
             <a:fld id="{8DCFE445-8268-4AE2-ADD9-AB110B2937CA}" type="datetimeFigureOut">
               <a:rPr lang="ko-KR" altLang="en-US" smtClean="0"/>
-              <a:t>2022-10-18</a:t>
+              <a:t>2023-05-15</a:t>
             </a:fld>
             <a:endParaRPr lang="ko-KR" altLang="en-US"/>
           </a:p>
@@ -1770,7 +1776,7 @@
           <a:p>
             <a:fld id="{8DCFE445-8268-4AE2-ADD9-AB110B2937CA}" type="datetimeFigureOut">
               <a:rPr lang="ko-KR" altLang="en-US" smtClean="0"/>
-              <a:t>2022-10-18</a:t>
+              <a:t>2023-05-15</a:t>
             </a:fld>
             <a:endParaRPr lang="ko-KR" altLang="en-US"/>
           </a:p>
@@ -2182,7 +2188,7 @@
           <a:p>
             <a:fld id="{8DCFE445-8268-4AE2-ADD9-AB110B2937CA}" type="datetimeFigureOut">
               <a:rPr lang="ko-KR" altLang="en-US" smtClean="0"/>
-              <a:t>2022-10-18</a:t>
+              <a:t>2023-05-15</a:t>
             </a:fld>
             <a:endParaRPr lang="ko-KR" altLang="en-US"/>
           </a:p>
@@ -2323,7 +2329,7 @@
           <a:p>
             <a:fld id="{8DCFE445-8268-4AE2-ADD9-AB110B2937CA}" type="datetimeFigureOut">
               <a:rPr lang="ko-KR" altLang="en-US" smtClean="0"/>
-              <a:t>2022-10-18</a:t>
+              <a:t>2023-05-15</a:t>
             </a:fld>
             <a:endParaRPr lang="ko-KR" altLang="en-US"/>
           </a:p>
@@ -2436,7 +2442,7 @@
           <a:p>
             <a:fld id="{8DCFE445-8268-4AE2-ADD9-AB110B2937CA}" type="datetimeFigureOut">
               <a:rPr lang="ko-KR" altLang="en-US" smtClean="0"/>
-              <a:t>2022-10-18</a:t>
+              <a:t>2023-05-15</a:t>
             </a:fld>
             <a:endParaRPr lang="ko-KR" altLang="en-US"/>
           </a:p>
@@ -2747,7 +2753,7 @@
           <a:p>
             <a:fld id="{8DCFE445-8268-4AE2-ADD9-AB110B2937CA}" type="datetimeFigureOut">
               <a:rPr lang="ko-KR" altLang="en-US" smtClean="0"/>
-              <a:t>2022-10-18</a:t>
+              <a:t>2023-05-15</a:t>
             </a:fld>
             <a:endParaRPr lang="ko-KR" altLang="en-US"/>
           </a:p>
@@ -3035,7 +3041,7 @@
           <a:p>
             <a:fld id="{8DCFE445-8268-4AE2-ADD9-AB110B2937CA}" type="datetimeFigureOut">
               <a:rPr lang="ko-KR" altLang="en-US" smtClean="0"/>
-              <a:t>2022-10-18</a:t>
+              <a:t>2023-05-15</a:t>
             </a:fld>
             <a:endParaRPr lang="ko-KR" altLang="en-US"/>
           </a:p>
@@ -3276,7 +3282,7 @@
           <a:p>
             <a:fld id="{8DCFE445-8268-4AE2-ADD9-AB110B2937CA}" type="datetimeFigureOut">
               <a:rPr lang="ko-KR" altLang="en-US" smtClean="0"/>
-              <a:t>2022-10-18</a:t>
+              <a:t>2023-05-15</a:t>
             </a:fld>
             <a:endParaRPr lang="ko-KR" altLang="en-US"/>
           </a:p>
@@ -4430,6 +4436,2585 @@
 </file>
 
 <file path=ppt/slides/slide10.xml><?xml version="1.0" encoding="utf-8"?>
+<p:sld xmlns:a="http://schemas.openxmlformats.org/drawingml/2006/main" xmlns:r="http://schemas.openxmlformats.org/officeDocument/2006/relationships" xmlns:p="http://schemas.openxmlformats.org/presentationml/2006/main">
+  <p:cSld>
+    <p:spTree>
+      <p:nvGrpSpPr>
+        <p:cNvPr id="1" name=""/>
+        <p:cNvGrpSpPr/>
+        <p:nvPr/>
+      </p:nvGrpSpPr>
+      <p:grpSpPr>
+        <a:xfrm>
+          <a:off x="0" y="0"/>
+          <a:ext cx="0" cy="0"/>
+          <a:chOff x="0" y="0"/>
+          <a:chExt cx="0" cy="0"/>
+        </a:xfrm>
+      </p:grpSpPr>
+      <mc:AlternateContent xmlns:mc="http://schemas.openxmlformats.org/markup-compatibility/2006" xmlns:a14="http://schemas.microsoft.com/office/drawing/2010/main">
+        <mc:Choice Requires="a14">
+          <p:sp>
+            <p:nvSpPr>
+              <p:cNvPr id="9" name="TextBox 8">
+                <a:extLst>
+                  <a:ext uri="{FF2B5EF4-FFF2-40B4-BE49-F238E27FC236}">
+                    <a16:creationId xmlns:a16="http://schemas.microsoft.com/office/drawing/2014/main" id="{61E31780-09A1-DB38-4DF6-9599FA901104}"/>
+                  </a:ext>
+                </a:extLst>
+              </p:cNvPr>
+              <p:cNvSpPr txBox="1"/>
+              <p:nvPr/>
+            </p:nvSpPr>
+            <p:spPr>
+              <a:xfrm>
+                <a:off x="1440539" y="1498340"/>
+                <a:ext cx="1703030" cy="559897"/>
+              </a:xfrm>
+              <a:prstGeom prst="rect">
+                <a:avLst/>
+              </a:prstGeom>
+              <a:noFill/>
+            </p:spPr>
+            <p:txBody>
+              <a:bodyPr wrap="none" rtlCol="0">
+                <a:spAutoFit/>
+              </a:bodyPr>
+              <a:lstStyle/>
+              <a:p>
+                <a:pPr/>
+                <a14:m>
+                  <m:oMathPara xmlns:m="http://schemas.openxmlformats.org/officeDocument/2006/math">
+                    <m:oMathParaPr>
+                      <m:jc m:val="centerGroup"/>
+                    </m:oMathParaPr>
+                    <m:oMath xmlns:m="http://schemas.openxmlformats.org/officeDocument/2006/math">
+                      <m:r>
+                        <m:rPr>
+                          <m:sty m:val="p"/>
+                        </m:rPr>
+                        <a:rPr lang="en-US" altLang="ko-KR" b="0" i="0" smtClean="0">
+                          <a:latin typeface="Cambria Math" panose="02040503050406030204" pitchFamily="18" charset="0"/>
+                        </a:rPr>
+                        <m:t>Σ</m:t>
+                      </m:r>
+                      <m:r>
+                        <a:rPr lang="en-US" altLang="ko-KR" b="0" i="1" smtClean="0">
+                          <a:latin typeface="Cambria Math" panose="02040503050406030204" pitchFamily="18" charset="0"/>
+                        </a:rPr>
+                        <m:t>=</m:t>
+                      </m:r>
+                      <m:d>
+                        <m:dPr>
+                          <m:begChr m:val="["/>
+                          <m:endChr m:val="]"/>
+                          <m:ctrlPr>
+                            <a:rPr lang="en-US" altLang="ko-KR" i="1" smtClean="0">
+                              <a:latin typeface="Cambria Math" panose="02040503050406030204" pitchFamily="18" charset="0"/>
+                            </a:rPr>
+                          </m:ctrlPr>
+                        </m:dPr>
+                        <m:e>
+                          <m:m>
+                            <m:mPr>
+                              <m:mcs>
+                                <m:mc>
+                                  <m:mcPr>
+                                    <m:count m:val="2"/>
+                                    <m:mcJc m:val="center"/>
+                                  </m:mcPr>
+                                </m:mc>
+                              </m:mcs>
+                              <m:ctrlPr>
+                                <a:rPr lang="en-US" altLang="ko-KR" i="1" smtClean="0">
+                                  <a:latin typeface="Cambria Math" panose="02040503050406030204" pitchFamily="18" charset="0"/>
+                                </a:rPr>
+                              </m:ctrlPr>
+                            </m:mPr>
+                            <m:mr>
+                              <m:e>
+                                <m:r>
+                                  <a:rPr lang="en-US" altLang="ko-KR" b="0" i="1" smtClean="0">
+                                    <a:latin typeface="Cambria Math" panose="02040503050406030204" pitchFamily="18" charset="0"/>
+                                  </a:rPr>
+                                  <m:t>1.0</m:t>
+                                </m:r>
+                              </m:e>
+                              <m:e>
+                                <m:r>
+                                  <a:rPr lang="en-US" altLang="ko-KR" b="0" i="1" smtClean="0">
+                                    <a:latin typeface="Cambria Math" panose="02040503050406030204" pitchFamily="18" charset="0"/>
+                                  </a:rPr>
+                                  <m:t>0.5</m:t>
+                                </m:r>
+                              </m:e>
+                            </m:mr>
+                            <m:mr>
+                              <m:e>
+                                <m:r>
+                                  <a:rPr lang="en-US" altLang="ko-KR" b="0" i="1" smtClean="0">
+                                    <a:latin typeface="Cambria Math" panose="02040503050406030204" pitchFamily="18" charset="0"/>
+                                  </a:rPr>
+                                  <m:t>0.5</m:t>
+                                </m:r>
+                              </m:e>
+                              <m:e>
+                                <m:r>
+                                  <a:rPr lang="en-US" altLang="ko-KR" b="0" i="1" smtClean="0">
+                                    <a:latin typeface="Cambria Math" panose="02040503050406030204" pitchFamily="18" charset="0"/>
+                                  </a:rPr>
+                                  <m:t>1.5</m:t>
+                                </m:r>
+                              </m:e>
+                            </m:mr>
+                          </m:m>
+                        </m:e>
+                      </m:d>
+                    </m:oMath>
+                  </m:oMathPara>
+                </a14:m>
+                <a:endParaRPr lang="ko-KR" altLang="en-US" dirty="0"/>
+              </a:p>
+            </p:txBody>
+          </p:sp>
+        </mc:Choice>
+        <mc:Fallback xmlns="">
+          <p:sp>
+            <p:nvSpPr>
+              <p:cNvPr id="9" name="TextBox 8">
+                <a:extLst>
+                  <a:ext uri="{FF2B5EF4-FFF2-40B4-BE49-F238E27FC236}">
+                    <a16:creationId xmlns:a16="http://schemas.microsoft.com/office/drawing/2014/main" id="{61E31780-09A1-DB38-4DF6-9599FA901104}"/>
+                  </a:ext>
+                </a:extLst>
+              </p:cNvPr>
+              <p:cNvSpPr txBox="1">
+                <a:spLocks noRot="1" noChangeAspect="1" noMove="1" noResize="1" noEditPoints="1" noAdjustHandles="1" noChangeArrowheads="1" noChangeShapeType="1" noTextEdit="1"/>
+              </p:cNvSpPr>
+              <p:nvPr/>
+            </p:nvSpPr>
+            <p:spPr>
+              <a:xfrm>
+                <a:off x="1440539" y="1498340"/>
+                <a:ext cx="1703030" cy="559897"/>
+              </a:xfrm>
+              <a:prstGeom prst="rect">
+                <a:avLst/>
+              </a:prstGeom>
+              <a:blipFill>
+                <a:blip r:embed="rId2"/>
+                <a:stretch>
+                  <a:fillRect/>
+                </a:stretch>
+              </a:blipFill>
+            </p:spPr>
+            <p:txBody>
+              <a:bodyPr/>
+              <a:lstStyle/>
+              <a:p>
+                <a:r>
+                  <a:rPr lang="ko-KR" altLang="en-US">
+                    <a:noFill/>
+                  </a:rPr>
+                  <a:t> </a:t>
+                </a:r>
+              </a:p>
+            </p:txBody>
+          </p:sp>
+        </mc:Fallback>
+      </mc:AlternateContent>
+      <mc:AlternateContent xmlns:mc="http://schemas.openxmlformats.org/markup-compatibility/2006" xmlns:a14="http://schemas.microsoft.com/office/drawing/2010/main">
+        <mc:Choice Requires="a14">
+          <p:sp>
+            <p:nvSpPr>
+              <p:cNvPr id="10" name="TextBox 9">
+                <a:extLst>
+                  <a:ext uri="{FF2B5EF4-FFF2-40B4-BE49-F238E27FC236}">
+                    <a16:creationId xmlns:a16="http://schemas.microsoft.com/office/drawing/2014/main" id="{C3EA6EE4-AA6B-65B7-21AE-196FDF686772}"/>
+                  </a:ext>
+                </a:extLst>
+              </p:cNvPr>
+              <p:cNvSpPr txBox="1"/>
+              <p:nvPr/>
+            </p:nvSpPr>
+            <p:spPr>
+              <a:xfrm>
+                <a:off x="5050615" y="1498340"/>
+                <a:ext cx="2049279" cy="559897"/>
+              </a:xfrm>
+              <a:prstGeom prst="rect">
+                <a:avLst/>
+              </a:prstGeom>
+              <a:noFill/>
+            </p:spPr>
+            <p:txBody>
+              <a:bodyPr wrap="none" rtlCol="0">
+                <a:spAutoFit/>
+              </a:bodyPr>
+              <a:lstStyle/>
+              <a:p>
+                <a:pPr/>
+                <a14:m>
+                  <m:oMathPara xmlns:m="http://schemas.openxmlformats.org/officeDocument/2006/math">
+                    <m:oMathParaPr>
+                      <m:jc m:val="centerGroup"/>
+                    </m:oMathParaPr>
+                    <m:oMath xmlns:m="http://schemas.openxmlformats.org/officeDocument/2006/math">
+                      <m:r>
+                        <m:rPr>
+                          <m:sty m:val="p"/>
+                        </m:rPr>
+                        <a:rPr lang="en-US" altLang="ko-KR" b="0" i="0" smtClean="0">
+                          <a:latin typeface="Cambria Math" panose="02040503050406030204" pitchFamily="18" charset="0"/>
+                        </a:rPr>
+                        <m:t>Σ</m:t>
+                      </m:r>
+                      <m:r>
+                        <a:rPr lang="en-US" altLang="ko-KR" b="0" i="1" smtClean="0">
+                          <a:latin typeface="Cambria Math" panose="02040503050406030204" pitchFamily="18" charset="0"/>
+                        </a:rPr>
+                        <m:t>=</m:t>
+                      </m:r>
+                      <m:d>
+                        <m:dPr>
+                          <m:begChr m:val="["/>
+                          <m:endChr m:val="]"/>
+                          <m:ctrlPr>
+                            <a:rPr lang="en-US" altLang="ko-KR" i="1" smtClean="0">
+                              <a:latin typeface="Cambria Math" panose="02040503050406030204" pitchFamily="18" charset="0"/>
+                            </a:rPr>
+                          </m:ctrlPr>
+                        </m:dPr>
+                        <m:e>
+                          <m:m>
+                            <m:mPr>
+                              <m:mcs>
+                                <m:mc>
+                                  <m:mcPr>
+                                    <m:count m:val="2"/>
+                                    <m:mcJc m:val="center"/>
+                                  </m:mcPr>
+                                </m:mc>
+                              </m:mcs>
+                              <m:ctrlPr>
+                                <a:rPr lang="en-US" altLang="ko-KR" i="1" smtClean="0">
+                                  <a:latin typeface="Cambria Math" panose="02040503050406030204" pitchFamily="18" charset="0"/>
+                                </a:rPr>
+                              </m:ctrlPr>
+                            </m:mPr>
+                            <m:mr>
+                              <m:e>
+                                <m:r>
+                                  <a:rPr lang="en-US" altLang="ko-KR" b="0" i="1" smtClean="0">
+                                    <a:latin typeface="Cambria Math" panose="02040503050406030204" pitchFamily="18" charset="0"/>
+                                  </a:rPr>
+                                  <m:t>1.0</m:t>
+                                </m:r>
+                              </m:e>
+                              <m:e>
+                                <m:r>
+                                  <a:rPr lang="en-US" altLang="ko-KR" b="0" i="1" smtClean="0">
+                                    <a:latin typeface="Cambria Math" panose="02040503050406030204" pitchFamily="18" charset="0"/>
+                                  </a:rPr>
+                                  <m:t>−0.5</m:t>
+                                </m:r>
+                              </m:e>
+                            </m:mr>
+                            <m:mr>
+                              <m:e>
+                                <m:r>
+                                  <a:rPr lang="en-US" altLang="ko-KR" b="0" i="1" smtClean="0">
+                                    <a:latin typeface="Cambria Math" panose="02040503050406030204" pitchFamily="18" charset="0"/>
+                                  </a:rPr>
+                                  <m:t>−0.5</m:t>
+                                </m:r>
+                              </m:e>
+                              <m:e>
+                                <m:r>
+                                  <a:rPr lang="en-US" altLang="ko-KR" b="0" i="1" smtClean="0">
+                                    <a:latin typeface="Cambria Math" panose="02040503050406030204" pitchFamily="18" charset="0"/>
+                                  </a:rPr>
+                                  <m:t>1.5</m:t>
+                                </m:r>
+                              </m:e>
+                            </m:mr>
+                          </m:m>
+                        </m:e>
+                      </m:d>
+                    </m:oMath>
+                  </m:oMathPara>
+                </a14:m>
+                <a:endParaRPr lang="ko-KR" altLang="en-US" dirty="0"/>
+              </a:p>
+            </p:txBody>
+          </p:sp>
+        </mc:Choice>
+        <mc:Fallback xmlns="">
+          <p:sp>
+            <p:nvSpPr>
+              <p:cNvPr id="10" name="TextBox 9">
+                <a:extLst>
+                  <a:ext uri="{FF2B5EF4-FFF2-40B4-BE49-F238E27FC236}">
+                    <a16:creationId xmlns:a16="http://schemas.microsoft.com/office/drawing/2014/main" id="{C3EA6EE4-AA6B-65B7-21AE-196FDF686772}"/>
+                  </a:ext>
+                </a:extLst>
+              </p:cNvPr>
+              <p:cNvSpPr txBox="1">
+                <a:spLocks noRot="1" noChangeAspect="1" noMove="1" noResize="1" noEditPoints="1" noAdjustHandles="1" noChangeArrowheads="1" noChangeShapeType="1" noTextEdit="1"/>
+              </p:cNvSpPr>
+              <p:nvPr/>
+            </p:nvSpPr>
+            <p:spPr>
+              <a:xfrm>
+                <a:off x="5050615" y="1498340"/>
+                <a:ext cx="2049279" cy="559897"/>
+              </a:xfrm>
+              <a:prstGeom prst="rect">
+                <a:avLst/>
+              </a:prstGeom>
+              <a:blipFill>
+                <a:blip r:embed="rId3"/>
+                <a:stretch>
+                  <a:fillRect/>
+                </a:stretch>
+              </a:blipFill>
+            </p:spPr>
+            <p:txBody>
+              <a:bodyPr/>
+              <a:lstStyle/>
+              <a:p>
+                <a:r>
+                  <a:rPr lang="ko-KR" altLang="en-US">
+                    <a:noFill/>
+                  </a:rPr>
+                  <a:t> </a:t>
+                </a:r>
+              </a:p>
+            </p:txBody>
+          </p:sp>
+        </mc:Fallback>
+      </mc:AlternateContent>
+      <mc:AlternateContent xmlns:mc="http://schemas.openxmlformats.org/markup-compatibility/2006" xmlns:a14="http://schemas.microsoft.com/office/drawing/2010/main">
+        <mc:Choice Requires="a14">
+          <p:sp>
+            <p:nvSpPr>
+              <p:cNvPr id="11" name="TextBox 10">
+                <a:extLst>
+                  <a:ext uri="{FF2B5EF4-FFF2-40B4-BE49-F238E27FC236}">
+                    <a16:creationId xmlns:a16="http://schemas.microsoft.com/office/drawing/2014/main" id="{477CFC31-4529-A9CC-875B-060CDCD9D223}"/>
+                  </a:ext>
+                </a:extLst>
+              </p:cNvPr>
+              <p:cNvSpPr txBox="1"/>
+              <p:nvPr/>
+            </p:nvSpPr>
+            <p:spPr>
+              <a:xfrm>
+                <a:off x="9159340" y="1491777"/>
+                <a:ext cx="1350370" cy="554254"/>
+              </a:xfrm>
+              <a:prstGeom prst="rect">
+                <a:avLst/>
+              </a:prstGeom>
+              <a:noFill/>
+            </p:spPr>
+            <p:txBody>
+              <a:bodyPr wrap="none" rtlCol="0">
+                <a:spAutoFit/>
+              </a:bodyPr>
+              <a:lstStyle/>
+              <a:p>
+                <a:pPr/>
+                <a14:m>
+                  <m:oMathPara xmlns:m="http://schemas.openxmlformats.org/officeDocument/2006/math">
+                    <m:oMathParaPr>
+                      <m:jc m:val="centerGroup"/>
+                    </m:oMathParaPr>
+                    <m:oMath xmlns:m="http://schemas.openxmlformats.org/officeDocument/2006/math">
+                      <m:r>
+                        <m:rPr>
+                          <m:sty m:val="p"/>
+                        </m:rPr>
+                        <a:rPr lang="en-US" altLang="ko-KR" b="0" i="0" smtClean="0">
+                          <a:latin typeface="Cambria Math" panose="02040503050406030204" pitchFamily="18" charset="0"/>
+                        </a:rPr>
+                        <m:t>Σ</m:t>
+                      </m:r>
+                      <m:r>
+                        <a:rPr lang="en-US" altLang="ko-KR" b="0" i="1" smtClean="0">
+                          <a:latin typeface="Cambria Math" panose="02040503050406030204" pitchFamily="18" charset="0"/>
+                        </a:rPr>
+                        <m:t>=</m:t>
+                      </m:r>
+                      <m:d>
+                        <m:dPr>
+                          <m:begChr m:val="["/>
+                          <m:endChr m:val="]"/>
+                          <m:ctrlPr>
+                            <a:rPr lang="en-US" altLang="ko-KR" i="1" smtClean="0">
+                              <a:latin typeface="Cambria Math" panose="02040503050406030204" pitchFamily="18" charset="0"/>
+                            </a:rPr>
+                          </m:ctrlPr>
+                        </m:dPr>
+                        <m:e>
+                          <m:m>
+                            <m:mPr>
+                              <m:mcs>
+                                <m:mc>
+                                  <m:mcPr>
+                                    <m:count m:val="2"/>
+                                    <m:mcJc m:val="center"/>
+                                  </m:mcPr>
+                                </m:mc>
+                              </m:mcs>
+                              <m:ctrlPr>
+                                <a:rPr lang="en-US" altLang="ko-KR" i="1" smtClean="0">
+                                  <a:latin typeface="Cambria Math" panose="02040503050406030204" pitchFamily="18" charset="0"/>
+                                </a:rPr>
+                              </m:ctrlPr>
+                            </m:mPr>
+                            <m:mr>
+                              <m:e>
+                                <m:r>
+                                  <m:rPr>
+                                    <m:brk m:alnAt="7"/>
+                                  </m:rPr>
+                                  <a:rPr lang="en-US" altLang="ko-KR" b="0" i="1" smtClean="0">
+                                    <a:latin typeface="Cambria Math" panose="02040503050406030204" pitchFamily="18" charset="0"/>
+                                  </a:rPr>
+                                  <m:t>1</m:t>
+                                </m:r>
+                              </m:e>
+                              <m:e>
+                                <m:r>
+                                  <a:rPr lang="en-US" altLang="ko-KR" b="0" i="1" smtClean="0">
+                                    <a:latin typeface="Cambria Math" panose="02040503050406030204" pitchFamily="18" charset="0"/>
+                                  </a:rPr>
+                                  <m:t>0</m:t>
+                                </m:r>
+                              </m:e>
+                            </m:mr>
+                            <m:mr>
+                              <m:e>
+                                <m:r>
+                                  <a:rPr lang="en-US" altLang="ko-KR" b="0" i="1" smtClean="0">
+                                    <a:latin typeface="Cambria Math" panose="02040503050406030204" pitchFamily="18" charset="0"/>
+                                  </a:rPr>
+                                  <m:t>0</m:t>
+                                </m:r>
+                              </m:e>
+                              <m:e>
+                                <m:r>
+                                  <a:rPr lang="en-US" altLang="ko-KR" b="0" i="1" smtClean="0">
+                                    <a:latin typeface="Cambria Math" panose="02040503050406030204" pitchFamily="18" charset="0"/>
+                                  </a:rPr>
+                                  <m:t>1</m:t>
+                                </m:r>
+                              </m:e>
+                            </m:mr>
+                          </m:m>
+                        </m:e>
+                      </m:d>
+                    </m:oMath>
+                  </m:oMathPara>
+                </a14:m>
+                <a:endParaRPr lang="ko-KR" altLang="en-US" dirty="0"/>
+              </a:p>
+            </p:txBody>
+          </p:sp>
+        </mc:Choice>
+        <mc:Fallback xmlns="">
+          <p:sp>
+            <p:nvSpPr>
+              <p:cNvPr id="11" name="TextBox 10">
+                <a:extLst>
+                  <a:ext uri="{FF2B5EF4-FFF2-40B4-BE49-F238E27FC236}">
+                    <a16:creationId xmlns:a16="http://schemas.microsoft.com/office/drawing/2014/main" id="{477CFC31-4529-A9CC-875B-060CDCD9D223}"/>
+                  </a:ext>
+                </a:extLst>
+              </p:cNvPr>
+              <p:cNvSpPr txBox="1">
+                <a:spLocks noRot="1" noChangeAspect="1" noMove="1" noResize="1" noEditPoints="1" noAdjustHandles="1" noChangeArrowheads="1" noChangeShapeType="1" noTextEdit="1"/>
+              </p:cNvSpPr>
+              <p:nvPr/>
+            </p:nvSpPr>
+            <p:spPr>
+              <a:xfrm>
+                <a:off x="9159340" y="1491777"/>
+                <a:ext cx="1350370" cy="554254"/>
+              </a:xfrm>
+              <a:prstGeom prst="rect">
+                <a:avLst/>
+              </a:prstGeom>
+              <a:blipFill>
+                <a:blip r:embed="rId4"/>
+                <a:stretch>
+                  <a:fillRect/>
+                </a:stretch>
+              </a:blipFill>
+            </p:spPr>
+            <p:txBody>
+              <a:bodyPr/>
+              <a:lstStyle/>
+              <a:p>
+                <a:r>
+                  <a:rPr lang="ko-KR" altLang="en-US">
+                    <a:noFill/>
+                  </a:rPr>
+                  <a:t> </a:t>
+                </a:r>
+              </a:p>
+            </p:txBody>
+          </p:sp>
+        </mc:Fallback>
+      </mc:AlternateContent>
+      <p:pic>
+        <p:nvPicPr>
+          <p:cNvPr id="3" name="그림 2">
+            <a:extLst>
+              <a:ext uri="{FF2B5EF4-FFF2-40B4-BE49-F238E27FC236}">
+                <a16:creationId xmlns:a16="http://schemas.microsoft.com/office/drawing/2014/main" id="{541412FE-2E25-2953-8C8D-253D51495EAA}"/>
+              </a:ext>
+            </a:extLst>
+          </p:cNvPr>
+          <p:cNvPicPr>
+            <a:picLocks noChangeAspect="1"/>
+          </p:cNvPicPr>
+          <p:nvPr/>
+        </p:nvPicPr>
+        <p:blipFill rotWithShape="1">
+          <a:blip r:embed="rId5"/>
+          <a:srcRect l="9961" r="64885"/>
+          <a:stretch/>
+        </p:blipFill>
+        <p:spPr>
+          <a:xfrm>
+            <a:off x="516913" y="2046031"/>
+            <a:ext cx="3711388" cy="2931458"/>
+          </a:xfrm>
+          <a:prstGeom prst="rect">
+            <a:avLst/>
+          </a:prstGeom>
+        </p:spPr>
+      </p:pic>
+      <p:pic>
+        <p:nvPicPr>
+          <p:cNvPr id="4" name="그림 3">
+            <a:extLst>
+              <a:ext uri="{FF2B5EF4-FFF2-40B4-BE49-F238E27FC236}">
+                <a16:creationId xmlns:a16="http://schemas.microsoft.com/office/drawing/2014/main" id="{17789A76-3388-BB69-9798-5D0284D3CC61}"/>
+              </a:ext>
+            </a:extLst>
+          </p:cNvPr>
+          <p:cNvPicPr>
+            <a:picLocks noChangeAspect="1"/>
+          </p:cNvPicPr>
+          <p:nvPr/>
+        </p:nvPicPr>
+        <p:blipFill rotWithShape="1">
+          <a:blip r:embed="rId5"/>
+          <a:srcRect l="38274" r="36572"/>
+          <a:stretch/>
+        </p:blipFill>
+        <p:spPr>
+          <a:xfrm>
+            <a:off x="4320986" y="2046031"/>
+            <a:ext cx="3711389" cy="2931458"/>
+          </a:xfrm>
+          <a:prstGeom prst="rect">
+            <a:avLst/>
+          </a:prstGeom>
+        </p:spPr>
+      </p:pic>
+      <p:pic>
+        <p:nvPicPr>
+          <p:cNvPr id="8" name="그림 7">
+            <a:extLst>
+              <a:ext uri="{FF2B5EF4-FFF2-40B4-BE49-F238E27FC236}">
+                <a16:creationId xmlns:a16="http://schemas.microsoft.com/office/drawing/2014/main" id="{A6ABF968-F618-1C60-410D-7396978C2E8E}"/>
+              </a:ext>
+            </a:extLst>
+          </p:cNvPr>
+          <p:cNvPicPr>
+            <a:picLocks noChangeAspect="1"/>
+          </p:cNvPicPr>
+          <p:nvPr/>
+        </p:nvPicPr>
+        <p:blipFill rotWithShape="1">
+          <a:blip r:embed="rId5"/>
+          <a:srcRect l="66587" r="8260"/>
+          <a:stretch/>
+        </p:blipFill>
+        <p:spPr>
+          <a:xfrm>
+            <a:off x="8134025" y="2046031"/>
+            <a:ext cx="3711389" cy="2931458"/>
+          </a:xfrm>
+          <a:prstGeom prst="rect">
+            <a:avLst/>
+          </a:prstGeom>
+        </p:spPr>
+      </p:pic>
+    </p:spTree>
+    <p:extLst>
+      <p:ext uri="{BB962C8B-B14F-4D97-AF65-F5344CB8AC3E}">
+        <p14:creationId xmlns:p14="http://schemas.microsoft.com/office/powerpoint/2010/main" val="1927841771"/>
+      </p:ext>
+    </p:extLst>
+  </p:cSld>
+  <p:clrMapOvr>
+    <a:masterClrMapping/>
+  </p:clrMapOvr>
+</p:sld>
+</file>
+
+<file path=ppt/slides/slide11.xml><?xml version="1.0" encoding="utf-8"?>
+<p:sld xmlns:a="http://schemas.openxmlformats.org/drawingml/2006/main" xmlns:r="http://schemas.openxmlformats.org/officeDocument/2006/relationships" xmlns:p="http://schemas.openxmlformats.org/presentationml/2006/main">
+  <p:cSld>
+    <p:spTree>
+      <p:nvGrpSpPr>
+        <p:cNvPr id="1" name=""/>
+        <p:cNvGrpSpPr/>
+        <p:nvPr/>
+      </p:nvGrpSpPr>
+      <p:grpSpPr>
+        <a:xfrm>
+          <a:off x="0" y="0"/>
+          <a:ext cx="0" cy="0"/>
+          <a:chOff x="0" y="0"/>
+          <a:chExt cx="0" cy="0"/>
+        </a:xfrm>
+      </p:grpSpPr>
+      <mc:AlternateContent xmlns:mc="http://schemas.openxmlformats.org/markup-compatibility/2006" xmlns:a14="http://schemas.microsoft.com/office/drawing/2010/main">
+        <mc:Choice Requires="a14">
+          <p:sp>
+            <p:nvSpPr>
+              <p:cNvPr id="4" name="TextBox 3">
+                <a:extLst>
+                  <a:ext uri="{FF2B5EF4-FFF2-40B4-BE49-F238E27FC236}">
+                    <a16:creationId xmlns:a16="http://schemas.microsoft.com/office/drawing/2014/main" id="{EA20A4FA-1370-36A5-BC8C-5A91D4CFAB25}"/>
+                  </a:ext>
+                </a:extLst>
+              </p:cNvPr>
+              <p:cNvSpPr txBox="1"/>
+              <p:nvPr/>
+            </p:nvSpPr>
+            <p:spPr>
+              <a:xfrm>
+                <a:off x="995020" y="1006713"/>
+                <a:ext cx="10201960" cy="4403963"/>
+              </a:xfrm>
+              <a:prstGeom prst="rect">
+                <a:avLst/>
+              </a:prstGeom>
+              <a:noFill/>
+            </p:spPr>
+            <p:txBody>
+              <a:bodyPr wrap="none" rtlCol="0">
+                <a:spAutoFit/>
+              </a:bodyPr>
+              <a:lstStyle/>
+              <a:p>
+                <a:pPr/>
+                <a14:m>
+                  <m:oMathPara xmlns:m="http://schemas.openxmlformats.org/officeDocument/2006/math">
+                    <m:oMathParaPr>
+                      <m:jc m:val="centerGroup"/>
+                    </m:oMathParaPr>
+                    <m:oMath xmlns:m="http://schemas.openxmlformats.org/officeDocument/2006/math">
+                      <m:d>
+                        <m:dPr>
+                          <m:begChr m:val="["/>
+                          <m:endChr m:val="]"/>
+                          <m:ctrlPr>
+                            <a:rPr lang="en-US" altLang="ko-KR" sz="16600" i="1" smtClean="0">
+                              <a:latin typeface="Cambria Math" panose="02040503050406030204" pitchFamily="18" charset="0"/>
+                            </a:rPr>
+                          </m:ctrlPr>
+                        </m:dPr>
+                        <m:e>
+                          <m:m>
+                            <m:mPr>
+                              <m:mcs>
+                                <m:mc>
+                                  <m:mcPr>
+                                    <m:count m:val="2"/>
+                                    <m:mcJc m:val="center"/>
+                                  </m:mcPr>
+                                </m:mc>
+                              </m:mcs>
+                              <m:ctrlPr>
+                                <a:rPr lang="en-US" altLang="ko-KR" sz="16600" i="1" smtClean="0">
+                                  <a:latin typeface="Cambria Math" panose="02040503050406030204" pitchFamily="18" charset="0"/>
+                                </a:rPr>
+                              </m:ctrlPr>
+                            </m:mPr>
+                            <m:mr>
+                              <m:e>
+                                <m:r>
+                                  <a:rPr lang="en-US" altLang="ko-KR" sz="16600" b="0" i="1" smtClean="0">
+                                    <a:latin typeface="Cambria Math" panose="02040503050406030204" pitchFamily="18" charset="0"/>
+                                  </a:rPr>
+                                  <m:t>1.0</m:t>
+                                </m:r>
+                              </m:e>
+                              <m:e>
+                                <m:r>
+                                  <a:rPr lang="en-US" altLang="ko-KR" sz="16600" b="0" i="1" smtClean="0">
+                                    <a:latin typeface="Cambria Math" panose="02040503050406030204" pitchFamily="18" charset="0"/>
+                                  </a:rPr>
+                                  <m:t>0.5</m:t>
+                                </m:r>
+                              </m:e>
+                            </m:mr>
+                            <m:mr>
+                              <m:e>
+                                <m:r>
+                                  <a:rPr lang="en-US" altLang="ko-KR" sz="16600" b="0" i="1" smtClean="0">
+                                    <a:latin typeface="Cambria Math" panose="02040503050406030204" pitchFamily="18" charset="0"/>
+                                  </a:rPr>
+                                  <m:t>0.5</m:t>
+                                </m:r>
+                              </m:e>
+                              <m:e>
+                                <m:r>
+                                  <a:rPr lang="en-US" altLang="ko-KR" sz="16600" b="0" i="1" smtClean="0">
+                                    <a:latin typeface="Cambria Math" panose="02040503050406030204" pitchFamily="18" charset="0"/>
+                                  </a:rPr>
+                                  <m:t>1.5</m:t>
+                                </m:r>
+                              </m:e>
+                            </m:mr>
+                          </m:m>
+                        </m:e>
+                      </m:d>
+                    </m:oMath>
+                  </m:oMathPara>
+                </a14:m>
+                <a:endParaRPr lang="ko-KR" altLang="en-US" sz="16600" dirty="0"/>
+              </a:p>
+            </p:txBody>
+          </p:sp>
+        </mc:Choice>
+        <mc:Fallback xmlns="">
+          <p:sp>
+            <p:nvSpPr>
+              <p:cNvPr id="4" name="TextBox 3">
+                <a:extLst>
+                  <a:ext uri="{FF2B5EF4-FFF2-40B4-BE49-F238E27FC236}">
+                    <a16:creationId xmlns:a16="http://schemas.microsoft.com/office/drawing/2014/main" id="{EA20A4FA-1370-36A5-BC8C-5A91D4CFAB25}"/>
+                  </a:ext>
+                </a:extLst>
+              </p:cNvPr>
+              <p:cNvSpPr txBox="1">
+                <a:spLocks noRot="1" noChangeAspect="1" noMove="1" noResize="1" noEditPoints="1" noAdjustHandles="1" noChangeArrowheads="1" noChangeShapeType="1" noTextEdit="1"/>
+              </p:cNvSpPr>
+              <p:nvPr/>
+            </p:nvSpPr>
+            <p:spPr>
+              <a:xfrm>
+                <a:off x="995020" y="1006713"/>
+                <a:ext cx="10201960" cy="4403963"/>
+              </a:xfrm>
+              <a:prstGeom prst="rect">
+                <a:avLst/>
+              </a:prstGeom>
+              <a:blipFill>
+                <a:blip r:embed="rId2"/>
+                <a:stretch>
+                  <a:fillRect/>
+                </a:stretch>
+              </a:blipFill>
+            </p:spPr>
+            <p:txBody>
+              <a:bodyPr/>
+              <a:lstStyle/>
+              <a:p>
+                <a:r>
+                  <a:rPr lang="ko-KR" altLang="en-US">
+                    <a:noFill/>
+                  </a:rPr>
+                  <a:t> </a:t>
+                </a:r>
+              </a:p>
+            </p:txBody>
+          </p:sp>
+        </mc:Fallback>
+      </mc:AlternateContent>
+      <p:sp>
+        <p:nvSpPr>
+          <p:cNvPr id="5" name="타원 4">
+            <a:extLst>
+              <a:ext uri="{FF2B5EF4-FFF2-40B4-BE49-F238E27FC236}">
+                <a16:creationId xmlns:a16="http://schemas.microsoft.com/office/drawing/2014/main" id="{E1CD52EA-212F-74C7-126C-E90157A0F364}"/>
+              </a:ext>
+            </a:extLst>
+          </p:cNvPr>
+          <p:cNvSpPr/>
+          <p:nvPr/>
+        </p:nvSpPr>
+        <p:spPr>
+          <a:xfrm>
+            <a:off x="2008094" y="1006712"/>
+            <a:ext cx="3304686" cy="2340980"/>
+          </a:xfrm>
+          <a:prstGeom prst="ellipse">
+            <a:avLst/>
+          </a:prstGeom>
+          <a:noFill/>
+          <a:ln w="76200">
+            <a:solidFill>
+              <a:schemeClr val="accent1">
+                <a:lumMod val="60000"/>
+                <a:lumOff val="40000"/>
+              </a:schemeClr>
+            </a:solidFill>
+            <a:prstDash val="sysDash"/>
+          </a:ln>
+        </p:spPr>
+        <p:style>
+          <a:lnRef idx="2">
+            <a:schemeClr val="accent1">
+              <a:shade val="50000"/>
+            </a:schemeClr>
+          </a:lnRef>
+          <a:fillRef idx="1">
+            <a:schemeClr val="accent1"/>
+          </a:fillRef>
+          <a:effectRef idx="0">
+            <a:schemeClr val="accent1"/>
+          </a:effectRef>
+          <a:fontRef idx="minor">
+            <a:schemeClr val="lt1"/>
+          </a:fontRef>
+        </p:style>
+        <p:txBody>
+          <a:bodyPr rtlCol="0" anchor="ctr"/>
+          <a:lstStyle/>
+          <a:p>
+            <a:pPr algn="ctr"/>
+            <a:endParaRPr lang="ko-KR" altLang="en-US"/>
+          </a:p>
+        </p:txBody>
+      </p:sp>
+      <mc:AlternateContent xmlns:mc="http://schemas.openxmlformats.org/markup-compatibility/2006" xmlns:a14="http://schemas.microsoft.com/office/drawing/2010/main">
+        <mc:Choice Requires="a14">
+          <p:sp>
+            <p:nvSpPr>
+              <p:cNvPr id="6" name="TextBox 5">
+                <a:extLst>
+                  <a:ext uri="{FF2B5EF4-FFF2-40B4-BE49-F238E27FC236}">
+                    <a16:creationId xmlns:a16="http://schemas.microsoft.com/office/drawing/2014/main" id="{06E1DF11-7442-1E17-8106-B241F168133D}"/>
+                  </a:ext>
+                </a:extLst>
+              </p:cNvPr>
+              <p:cNvSpPr txBox="1"/>
+              <p:nvPr/>
+            </p:nvSpPr>
+            <p:spPr>
+              <a:xfrm>
+                <a:off x="406927" y="483491"/>
+                <a:ext cx="3997889" cy="523220"/>
+              </a:xfrm>
+              <a:prstGeom prst="rect">
+                <a:avLst/>
+              </a:prstGeom>
+              <a:noFill/>
+            </p:spPr>
+            <p:txBody>
+              <a:bodyPr wrap="none" rtlCol="0">
+                <a:spAutoFit/>
+              </a:bodyPr>
+              <a:lstStyle/>
+              <a:p>
+                <a14:m>
+                  <m:oMath xmlns:m="http://schemas.openxmlformats.org/officeDocument/2006/math">
+                    <m:r>
+                      <a:rPr lang="en-US" altLang="ko-KR" sz="2800" i="1" dirty="0" smtClean="0">
+                        <a:solidFill>
+                          <a:schemeClr val="accent1">
+                            <a:lumMod val="75000"/>
+                          </a:schemeClr>
+                        </a:solidFill>
+                        <a:latin typeface="Cambria Math" panose="02040503050406030204" pitchFamily="18" charset="0"/>
+                        <a:ea typeface="KoPub돋움체 Bold" panose="00000800000000000000" pitchFamily="2" charset="-127"/>
+                      </a:rPr>
+                      <m:t>𝑥</m:t>
+                    </m:r>
+                  </m:oMath>
+                </a14:m>
+                <a:r>
+                  <a:rPr lang="ko-KR" altLang="en-US" sz="2800" dirty="0">
+                    <a:solidFill>
+                      <a:schemeClr val="accent1">
+                        <a:lumMod val="75000"/>
+                      </a:schemeClr>
+                    </a:solidFill>
+                    <a:latin typeface="KoPub돋움체 Bold" panose="00000800000000000000" pitchFamily="2" charset="-127"/>
+                    <a:ea typeface="KoPub돋움체 Bold" panose="00000800000000000000" pitchFamily="2" charset="-127"/>
+                  </a:rPr>
+                  <a:t>축 방향으로 퍼진 정도</a:t>
+                </a:r>
+              </a:p>
+            </p:txBody>
+          </p:sp>
+        </mc:Choice>
+        <mc:Fallback xmlns="">
+          <p:sp>
+            <p:nvSpPr>
+              <p:cNvPr id="6" name="TextBox 5">
+                <a:extLst>
+                  <a:ext uri="{FF2B5EF4-FFF2-40B4-BE49-F238E27FC236}">
+                    <a16:creationId xmlns:a16="http://schemas.microsoft.com/office/drawing/2014/main" id="{06E1DF11-7442-1E17-8106-B241F168133D}"/>
+                  </a:ext>
+                </a:extLst>
+              </p:cNvPr>
+              <p:cNvSpPr txBox="1">
+                <a:spLocks noRot="1" noChangeAspect="1" noMove="1" noResize="1" noEditPoints="1" noAdjustHandles="1" noChangeArrowheads="1" noChangeShapeType="1" noTextEdit="1"/>
+              </p:cNvSpPr>
+              <p:nvPr/>
+            </p:nvSpPr>
+            <p:spPr>
+              <a:xfrm>
+                <a:off x="406927" y="483491"/>
+                <a:ext cx="3997889" cy="523220"/>
+              </a:xfrm>
+              <a:prstGeom prst="rect">
+                <a:avLst/>
+              </a:prstGeom>
+              <a:blipFill>
+                <a:blip r:embed="rId3"/>
+                <a:stretch>
+                  <a:fillRect t="-11628" r="-1982" b="-31395"/>
+                </a:stretch>
+              </a:blipFill>
+            </p:spPr>
+            <p:txBody>
+              <a:bodyPr/>
+              <a:lstStyle/>
+              <a:p>
+                <a:r>
+                  <a:rPr lang="ko-KR" altLang="en-US">
+                    <a:noFill/>
+                  </a:rPr>
+                  <a:t> </a:t>
+                </a:r>
+              </a:p>
+            </p:txBody>
+          </p:sp>
+        </mc:Fallback>
+      </mc:AlternateContent>
+      <p:sp>
+        <p:nvSpPr>
+          <p:cNvPr id="7" name="타원 6">
+            <a:extLst>
+              <a:ext uri="{FF2B5EF4-FFF2-40B4-BE49-F238E27FC236}">
+                <a16:creationId xmlns:a16="http://schemas.microsoft.com/office/drawing/2014/main" id="{E3BBD6BE-A884-EBBD-31A1-BD30FF97F4B8}"/>
+              </a:ext>
+            </a:extLst>
+          </p:cNvPr>
+          <p:cNvSpPr/>
+          <p:nvPr/>
+        </p:nvSpPr>
+        <p:spPr>
+          <a:xfrm>
+            <a:off x="6913947" y="3428716"/>
+            <a:ext cx="3180312" cy="2340980"/>
+          </a:xfrm>
+          <a:prstGeom prst="ellipse">
+            <a:avLst/>
+          </a:prstGeom>
+          <a:noFill/>
+          <a:ln w="76200">
+            <a:solidFill>
+              <a:schemeClr val="accent2">
+                <a:lumMod val="60000"/>
+                <a:lumOff val="40000"/>
+              </a:schemeClr>
+            </a:solidFill>
+            <a:prstDash val="sysDash"/>
+          </a:ln>
+        </p:spPr>
+        <p:style>
+          <a:lnRef idx="2">
+            <a:schemeClr val="accent1">
+              <a:shade val="50000"/>
+            </a:schemeClr>
+          </a:lnRef>
+          <a:fillRef idx="1">
+            <a:schemeClr val="accent1"/>
+          </a:fillRef>
+          <a:effectRef idx="0">
+            <a:schemeClr val="accent1"/>
+          </a:effectRef>
+          <a:fontRef idx="minor">
+            <a:schemeClr val="lt1"/>
+          </a:fontRef>
+        </p:style>
+        <p:txBody>
+          <a:bodyPr rtlCol="0" anchor="ctr"/>
+          <a:lstStyle/>
+          <a:p>
+            <a:pPr algn="ctr"/>
+            <a:endParaRPr lang="ko-KR" altLang="en-US"/>
+          </a:p>
+        </p:txBody>
+      </p:sp>
+      <p:sp>
+        <p:nvSpPr>
+          <p:cNvPr id="9" name="타원 8">
+            <a:extLst>
+              <a:ext uri="{FF2B5EF4-FFF2-40B4-BE49-F238E27FC236}">
+                <a16:creationId xmlns:a16="http://schemas.microsoft.com/office/drawing/2014/main" id="{D045BFA4-A794-1C82-8C5B-35AEF22ABC5B}"/>
+              </a:ext>
+            </a:extLst>
+          </p:cNvPr>
+          <p:cNvSpPr/>
+          <p:nvPr/>
+        </p:nvSpPr>
+        <p:spPr>
+          <a:xfrm>
+            <a:off x="6913947" y="1006711"/>
+            <a:ext cx="3180312" cy="2340980"/>
+          </a:xfrm>
+          <a:prstGeom prst="ellipse">
+            <a:avLst/>
+          </a:prstGeom>
+          <a:noFill/>
+          <a:ln w="76200">
+            <a:solidFill>
+              <a:schemeClr val="accent6">
+                <a:lumMod val="60000"/>
+                <a:lumOff val="40000"/>
+              </a:schemeClr>
+            </a:solidFill>
+            <a:prstDash val="sysDash"/>
+          </a:ln>
+        </p:spPr>
+        <p:style>
+          <a:lnRef idx="2">
+            <a:schemeClr val="accent1">
+              <a:shade val="50000"/>
+            </a:schemeClr>
+          </a:lnRef>
+          <a:fillRef idx="1">
+            <a:schemeClr val="accent1"/>
+          </a:fillRef>
+          <a:effectRef idx="0">
+            <a:schemeClr val="accent1"/>
+          </a:effectRef>
+          <a:fontRef idx="minor">
+            <a:schemeClr val="lt1"/>
+          </a:fontRef>
+        </p:style>
+        <p:txBody>
+          <a:bodyPr rtlCol="0" anchor="ctr"/>
+          <a:lstStyle/>
+          <a:p>
+            <a:pPr algn="ctr"/>
+            <a:endParaRPr lang="ko-KR" altLang="en-US"/>
+          </a:p>
+        </p:txBody>
+      </p:sp>
+      <p:sp>
+        <p:nvSpPr>
+          <p:cNvPr id="10" name="타원 9">
+            <a:extLst>
+              <a:ext uri="{FF2B5EF4-FFF2-40B4-BE49-F238E27FC236}">
+                <a16:creationId xmlns:a16="http://schemas.microsoft.com/office/drawing/2014/main" id="{CC2873EF-5BCC-DC41-464B-6EAB8498F846}"/>
+              </a:ext>
+            </a:extLst>
+          </p:cNvPr>
+          <p:cNvSpPr/>
+          <p:nvPr/>
+        </p:nvSpPr>
+        <p:spPr>
+          <a:xfrm>
+            <a:off x="2008094" y="3428716"/>
+            <a:ext cx="3304686" cy="2340980"/>
+          </a:xfrm>
+          <a:prstGeom prst="ellipse">
+            <a:avLst/>
+          </a:prstGeom>
+          <a:noFill/>
+          <a:ln w="76200">
+            <a:solidFill>
+              <a:schemeClr val="accent6">
+                <a:lumMod val="60000"/>
+                <a:lumOff val="40000"/>
+              </a:schemeClr>
+            </a:solidFill>
+            <a:prstDash val="sysDash"/>
+          </a:ln>
+        </p:spPr>
+        <p:style>
+          <a:lnRef idx="2">
+            <a:schemeClr val="accent1">
+              <a:shade val="50000"/>
+            </a:schemeClr>
+          </a:lnRef>
+          <a:fillRef idx="1">
+            <a:schemeClr val="accent1"/>
+          </a:fillRef>
+          <a:effectRef idx="0">
+            <a:schemeClr val="accent1"/>
+          </a:effectRef>
+          <a:fontRef idx="minor">
+            <a:schemeClr val="lt1"/>
+          </a:fontRef>
+        </p:style>
+        <p:txBody>
+          <a:bodyPr rtlCol="0" anchor="ctr"/>
+          <a:lstStyle/>
+          <a:p>
+            <a:pPr algn="ctr"/>
+            <a:endParaRPr lang="ko-KR" altLang="en-US"/>
+          </a:p>
+        </p:txBody>
+      </p:sp>
+      <mc:AlternateContent xmlns:mc="http://schemas.openxmlformats.org/markup-compatibility/2006" xmlns:a14="http://schemas.microsoft.com/office/drawing/2010/main">
+        <mc:Choice Requires="a14">
+          <p:sp>
+            <p:nvSpPr>
+              <p:cNvPr id="12" name="TextBox 11">
+                <a:extLst>
+                  <a:ext uri="{FF2B5EF4-FFF2-40B4-BE49-F238E27FC236}">
+                    <a16:creationId xmlns:a16="http://schemas.microsoft.com/office/drawing/2014/main" id="{893D3FDE-652A-FB73-8C82-D09CF3614CA4}"/>
+                  </a:ext>
+                </a:extLst>
+              </p:cNvPr>
+              <p:cNvSpPr txBox="1"/>
+              <p:nvPr/>
+            </p:nvSpPr>
+            <p:spPr>
+              <a:xfrm>
+                <a:off x="396084" y="5635845"/>
+                <a:ext cx="2648417" cy="954107"/>
+              </a:xfrm>
+              <a:prstGeom prst="rect">
+                <a:avLst/>
+              </a:prstGeom>
+              <a:noFill/>
+            </p:spPr>
+            <p:txBody>
+              <a:bodyPr wrap="none" rtlCol="0">
+                <a:spAutoFit/>
+              </a:bodyPr>
+              <a:lstStyle/>
+              <a:p>
+                <a14:m>
+                  <m:oMath xmlns:m="http://schemas.openxmlformats.org/officeDocument/2006/math">
+                    <m:r>
+                      <a:rPr lang="en-US" altLang="ko-KR" sz="2800" i="1" dirty="0" smtClean="0">
+                        <a:solidFill>
+                          <a:schemeClr val="accent6">
+                            <a:lumMod val="75000"/>
+                          </a:schemeClr>
+                        </a:solidFill>
+                        <a:latin typeface="Cambria Math" panose="02040503050406030204" pitchFamily="18" charset="0"/>
+                        <a:ea typeface="KoPub돋움체 Bold" panose="00000800000000000000" pitchFamily="2" charset="-127"/>
+                      </a:rPr>
+                      <m:t>𝑥</m:t>
+                    </m:r>
+                    <m:r>
+                      <a:rPr lang="en-US" altLang="ko-KR" sz="2800" i="1" dirty="0" smtClean="0">
+                        <a:solidFill>
+                          <a:schemeClr val="accent6">
+                            <a:lumMod val="75000"/>
+                          </a:schemeClr>
+                        </a:solidFill>
+                        <a:latin typeface="Cambria Math" panose="02040503050406030204" pitchFamily="18" charset="0"/>
+                        <a:ea typeface="KoPub돋움체 Bold" panose="00000800000000000000" pitchFamily="2" charset="-127"/>
+                      </a:rPr>
+                      <m:t>, </m:t>
+                    </m:r>
+                    <m:r>
+                      <a:rPr lang="en-US" altLang="ko-KR" sz="2800" i="1" dirty="0" smtClean="0">
+                        <a:solidFill>
+                          <a:schemeClr val="accent6">
+                            <a:lumMod val="75000"/>
+                          </a:schemeClr>
+                        </a:solidFill>
+                        <a:latin typeface="Cambria Math" panose="02040503050406030204" pitchFamily="18" charset="0"/>
+                        <a:ea typeface="KoPub돋움체 Bold" panose="00000800000000000000" pitchFamily="2" charset="-127"/>
+                      </a:rPr>
+                      <m:t>𝑦</m:t>
+                    </m:r>
+                  </m:oMath>
+                </a14:m>
+                <a:r>
+                  <a:rPr lang="ko-KR" altLang="en-US" sz="2800" dirty="0">
+                    <a:solidFill>
+                      <a:schemeClr val="accent6">
+                        <a:lumMod val="75000"/>
+                      </a:schemeClr>
+                    </a:solidFill>
+                    <a:latin typeface="KoPub돋움체 Bold" panose="00000800000000000000" pitchFamily="2" charset="-127"/>
+                    <a:ea typeface="KoPub돋움체 Bold" panose="00000800000000000000" pitchFamily="2" charset="-127"/>
+                  </a:rPr>
+                  <a:t>축 방향으로</a:t>
+                </a:r>
+                <a:endParaRPr lang="en-US" altLang="ko-KR" sz="2800" dirty="0">
+                  <a:solidFill>
+                    <a:schemeClr val="accent6">
+                      <a:lumMod val="75000"/>
+                    </a:schemeClr>
+                  </a:solidFill>
+                  <a:latin typeface="KoPub돋움체 Bold" panose="00000800000000000000" pitchFamily="2" charset="-127"/>
+                  <a:ea typeface="KoPub돋움체 Bold" panose="00000800000000000000" pitchFamily="2" charset="-127"/>
+                </a:endParaRPr>
+              </a:p>
+              <a:p>
+                <a:r>
+                  <a:rPr lang="ko-KR" altLang="en-US" sz="2800" dirty="0">
+                    <a:solidFill>
+                      <a:schemeClr val="accent6">
+                        <a:lumMod val="75000"/>
+                      </a:schemeClr>
+                    </a:solidFill>
+                    <a:latin typeface="KoPub돋움체 Bold" panose="00000800000000000000" pitchFamily="2" charset="-127"/>
+                    <a:ea typeface="KoPub돋움체 Bold" panose="00000800000000000000" pitchFamily="2" charset="-127"/>
+                  </a:rPr>
+                  <a:t>함께 퍼진 정도</a:t>
+                </a:r>
+              </a:p>
+            </p:txBody>
+          </p:sp>
+        </mc:Choice>
+        <mc:Fallback xmlns="">
+          <p:sp>
+            <p:nvSpPr>
+              <p:cNvPr id="12" name="TextBox 11">
+                <a:extLst>
+                  <a:ext uri="{FF2B5EF4-FFF2-40B4-BE49-F238E27FC236}">
+                    <a16:creationId xmlns:a16="http://schemas.microsoft.com/office/drawing/2014/main" id="{893D3FDE-652A-FB73-8C82-D09CF3614CA4}"/>
+                  </a:ext>
+                </a:extLst>
+              </p:cNvPr>
+              <p:cNvSpPr txBox="1">
+                <a:spLocks noRot="1" noChangeAspect="1" noMove="1" noResize="1" noEditPoints="1" noAdjustHandles="1" noChangeArrowheads="1" noChangeShapeType="1" noTextEdit="1"/>
+              </p:cNvSpPr>
+              <p:nvPr/>
+            </p:nvSpPr>
+            <p:spPr>
+              <a:xfrm>
+                <a:off x="396084" y="5635845"/>
+                <a:ext cx="2648417" cy="954107"/>
+              </a:xfrm>
+              <a:prstGeom prst="rect">
+                <a:avLst/>
+              </a:prstGeom>
+              <a:blipFill>
+                <a:blip r:embed="rId4"/>
+                <a:stretch>
+                  <a:fillRect l="-4839" t="-7051" r="-3456" b="-17308"/>
+                </a:stretch>
+              </a:blipFill>
+            </p:spPr>
+            <p:txBody>
+              <a:bodyPr/>
+              <a:lstStyle/>
+              <a:p>
+                <a:r>
+                  <a:rPr lang="ko-KR" altLang="en-US">
+                    <a:noFill/>
+                  </a:rPr>
+                  <a:t> </a:t>
+                </a:r>
+              </a:p>
+            </p:txBody>
+          </p:sp>
+        </mc:Fallback>
+      </mc:AlternateContent>
+      <mc:AlternateContent xmlns:mc="http://schemas.openxmlformats.org/markup-compatibility/2006" xmlns:a14="http://schemas.microsoft.com/office/drawing/2010/main">
+        <mc:Choice Requires="a14">
+          <p:sp>
+            <p:nvSpPr>
+              <p:cNvPr id="8" name="TextBox 7">
+                <a:extLst>
+                  <a:ext uri="{FF2B5EF4-FFF2-40B4-BE49-F238E27FC236}">
+                    <a16:creationId xmlns:a16="http://schemas.microsoft.com/office/drawing/2014/main" id="{33DF3E9B-15B5-F2E5-6B31-876ABD74294A}"/>
+                  </a:ext>
+                </a:extLst>
+              </p:cNvPr>
+              <p:cNvSpPr txBox="1"/>
+              <p:nvPr/>
+            </p:nvSpPr>
+            <p:spPr>
+              <a:xfrm>
+                <a:off x="7707580" y="5739227"/>
+                <a:ext cx="4088336" cy="523220"/>
+              </a:xfrm>
+              <a:prstGeom prst="rect">
+                <a:avLst/>
+              </a:prstGeom>
+              <a:noFill/>
+            </p:spPr>
+            <p:txBody>
+              <a:bodyPr wrap="square" rtlCol="0">
+                <a:spAutoFit/>
+              </a:bodyPr>
+              <a:lstStyle/>
+              <a:p>
+                <a14:m>
+                  <m:oMath xmlns:m="http://schemas.openxmlformats.org/officeDocument/2006/math">
+                    <m:r>
+                      <a:rPr lang="en-US" altLang="ko-KR" sz="2800" i="1" dirty="0" smtClean="0">
+                        <a:solidFill>
+                          <a:schemeClr val="accent2">
+                            <a:lumMod val="75000"/>
+                          </a:schemeClr>
+                        </a:solidFill>
+                        <a:latin typeface="Cambria Math" panose="02040503050406030204" pitchFamily="18" charset="0"/>
+                        <a:ea typeface="KoPub돋움체 Bold" panose="00000800000000000000" pitchFamily="2" charset="-127"/>
+                      </a:rPr>
+                      <m:t>𝑦</m:t>
+                    </m:r>
+                  </m:oMath>
+                </a14:m>
+                <a:r>
+                  <a:rPr lang="ko-KR" altLang="en-US" sz="2800" dirty="0">
+                    <a:solidFill>
+                      <a:schemeClr val="accent2">
+                        <a:lumMod val="75000"/>
+                      </a:schemeClr>
+                    </a:solidFill>
+                    <a:latin typeface="KoPub돋움체 Bold" panose="00000800000000000000" pitchFamily="2" charset="-127"/>
+                    <a:ea typeface="KoPub돋움체 Bold" panose="00000800000000000000" pitchFamily="2" charset="-127"/>
+                  </a:rPr>
+                  <a:t>축 방향으로 퍼진 정도</a:t>
+                </a:r>
+              </a:p>
+            </p:txBody>
+          </p:sp>
+        </mc:Choice>
+        <mc:Fallback xmlns="">
+          <p:sp>
+            <p:nvSpPr>
+              <p:cNvPr id="8" name="TextBox 7">
+                <a:extLst>
+                  <a:ext uri="{FF2B5EF4-FFF2-40B4-BE49-F238E27FC236}">
+                    <a16:creationId xmlns:a16="http://schemas.microsoft.com/office/drawing/2014/main" id="{33DF3E9B-15B5-F2E5-6B31-876ABD74294A}"/>
+                  </a:ext>
+                </a:extLst>
+              </p:cNvPr>
+              <p:cNvSpPr txBox="1">
+                <a:spLocks noRot="1" noChangeAspect="1" noMove="1" noResize="1" noEditPoints="1" noAdjustHandles="1" noChangeArrowheads="1" noChangeShapeType="1" noTextEdit="1"/>
+              </p:cNvSpPr>
+              <p:nvPr/>
+            </p:nvSpPr>
+            <p:spPr>
+              <a:xfrm>
+                <a:off x="7707580" y="5739227"/>
+                <a:ext cx="4088336" cy="523220"/>
+              </a:xfrm>
+              <a:prstGeom prst="rect">
+                <a:avLst/>
+              </a:prstGeom>
+              <a:blipFill>
+                <a:blip r:embed="rId5"/>
+                <a:stretch>
+                  <a:fillRect t="-11628" b="-31395"/>
+                </a:stretch>
+              </a:blipFill>
+            </p:spPr>
+            <p:txBody>
+              <a:bodyPr/>
+              <a:lstStyle/>
+              <a:p>
+                <a:r>
+                  <a:rPr lang="ko-KR" altLang="en-US">
+                    <a:noFill/>
+                  </a:rPr>
+                  <a:t> </a:t>
+                </a:r>
+              </a:p>
+            </p:txBody>
+          </p:sp>
+        </mc:Fallback>
+      </mc:AlternateContent>
+      <mc:AlternateContent xmlns:mc="http://schemas.openxmlformats.org/markup-compatibility/2006" xmlns:a14="http://schemas.microsoft.com/office/drawing/2010/main">
+        <mc:Choice Requires="a14">
+          <p:sp>
+            <p:nvSpPr>
+              <p:cNvPr id="11" name="TextBox 10">
+                <a:extLst>
+                  <a:ext uri="{FF2B5EF4-FFF2-40B4-BE49-F238E27FC236}">
+                    <a16:creationId xmlns:a16="http://schemas.microsoft.com/office/drawing/2014/main" id="{BC193A1E-0681-9D71-0EBE-5100FDC2D610}"/>
+                  </a:ext>
+                </a:extLst>
+              </p:cNvPr>
+              <p:cNvSpPr txBox="1"/>
+              <p:nvPr/>
+            </p:nvSpPr>
+            <p:spPr>
+              <a:xfrm>
+                <a:off x="8849857" y="268047"/>
+                <a:ext cx="2845569" cy="954107"/>
+              </a:xfrm>
+              <a:prstGeom prst="rect">
+                <a:avLst/>
+              </a:prstGeom>
+              <a:noFill/>
+            </p:spPr>
+            <p:txBody>
+              <a:bodyPr wrap="square" rtlCol="0">
+                <a:spAutoFit/>
+              </a:bodyPr>
+              <a:lstStyle/>
+              <a:p>
+                <a:pPr algn="r"/>
+                <a14:m>
+                  <m:oMath xmlns:m="http://schemas.openxmlformats.org/officeDocument/2006/math">
+                    <m:r>
+                      <a:rPr lang="en-US" altLang="ko-KR" sz="2800" i="1" dirty="0" smtClean="0">
+                        <a:solidFill>
+                          <a:schemeClr val="accent6">
+                            <a:lumMod val="75000"/>
+                          </a:schemeClr>
+                        </a:solidFill>
+                        <a:latin typeface="Cambria Math" panose="02040503050406030204" pitchFamily="18" charset="0"/>
+                        <a:ea typeface="KoPub돋움체 Bold" panose="00000800000000000000" pitchFamily="2" charset="-127"/>
+                      </a:rPr>
+                      <m:t>𝑥</m:t>
+                    </m:r>
+                    <m:r>
+                      <a:rPr lang="en-US" altLang="ko-KR" sz="2800" i="1" dirty="0" smtClean="0">
+                        <a:solidFill>
+                          <a:schemeClr val="accent6">
+                            <a:lumMod val="75000"/>
+                          </a:schemeClr>
+                        </a:solidFill>
+                        <a:latin typeface="Cambria Math" panose="02040503050406030204" pitchFamily="18" charset="0"/>
+                        <a:ea typeface="KoPub돋움체 Bold" panose="00000800000000000000" pitchFamily="2" charset="-127"/>
+                      </a:rPr>
+                      <m:t>, </m:t>
+                    </m:r>
+                    <m:r>
+                      <a:rPr lang="en-US" altLang="ko-KR" sz="2800" i="1" dirty="0" smtClean="0">
+                        <a:solidFill>
+                          <a:schemeClr val="accent6">
+                            <a:lumMod val="75000"/>
+                          </a:schemeClr>
+                        </a:solidFill>
+                        <a:latin typeface="Cambria Math" panose="02040503050406030204" pitchFamily="18" charset="0"/>
+                        <a:ea typeface="KoPub돋움체 Bold" panose="00000800000000000000" pitchFamily="2" charset="-127"/>
+                      </a:rPr>
+                      <m:t>𝑦</m:t>
+                    </m:r>
+                  </m:oMath>
+                </a14:m>
+                <a:r>
+                  <a:rPr lang="ko-KR" altLang="en-US" sz="2800" dirty="0">
+                    <a:solidFill>
+                      <a:schemeClr val="accent6">
+                        <a:lumMod val="75000"/>
+                      </a:schemeClr>
+                    </a:solidFill>
+                    <a:latin typeface="KoPub돋움체 Bold" panose="00000800000000000000" pitchFamily="2" charset="-127"/>
+                    <a:ea typeface="KoPub돋움체 Bold" panose="00000800000000000000" pitchFamily="2" charset="-127"/>
+                  </a:rPr>
+                  <a:t>축 방향으로</a:t>
+                </a:r>
+                <a:endParaRPr lang="en-US" altLang="ko-KR" sz="2800" dirty="0">
+                  <a:solidFill>
+                    <a:schemeClr val="accent6">
+                      <a:lumMod val="75000"/>
+                    </a:schemeClr>
+                  </a:solidFill>
+                  <a:latin typeface="KoPub돋움체 Bold" panose="00000800000000000000" pitchFamily="2" charset="-127"/>
+                  <a:ea typeface="KoPub돋움체 Bold" panose="00000800000000000000" pitchFamily="2" charset="-127"/>
+                </a:endParaRPr>
+              </a:p>
+              <a:p>
+                <a:pPr algn="r"/>
+                <a:r>
+                  <a:rPr lang="ko-KR" altLang="en-US" sz="2800" dirty="0">
+                    <a:solidFill>
+                      <a:schemeClr val="accent6">
+                        <a:lumMod val="75000"/>
+                      </a:schemeClr>
+                    </a:solidFill>
+                    <a:latin typeface="KoPub돋움체 Bold" panose="00000800000000000000" pitchFamily="2" charset="-127"/>
+                    <a:ea typeface="KoPub돋움체 Bold" panose="00000800000000000000" pitchFamily="2" charset="-127"/>
+                  </a:rPr>
+                  <a:t>함께 퍼진 정도</a:t>
+                </a:r>
+              </a:p>
+            </p:txBody>
+          </p:sp>
+        </mc:Choice>
+        <mc:Fallback xmlns="">
+          <p:sp>
+            <p:nvSpPr>
+              <p:cNvPr id="11" name="TextBox 10">
+                <a:extLst>
+                  <a:ext uri="{FF2B5EF4-FFF2-40B4-BE49-F238E27FC236}">
+                    <a16:creationId xmlns:a16="http://schemas.microsoft.com/office/drawing/2014/main" id="{BC193A1E-0681-9D71-0EBE-5100FDC2D610}"/>
+                  </a:ext>
+                </a:extLst>
+              </p:cNvPr>
+              <p:cNvSpPr txBox="1">
+                <a:spLocks noRot="1" noChangeAspect="1" noMove="1" noResize="1" noEditPoints="1" noAdjustHandles="1" noChangeArrowheads="1" noChangeShapeType="1" noTextEdit="1"/>
+              </p:cNvSpPr>
+              <p:nvPr/>
+            </p:nvSpPr>
+            <p:spPr>
+              <a:xfrm>
+                <a:off x="8849857" y="268047"/>
+                <a:ext cx="2845569" cy="954107"/>
+              </a:xfrm>
+              <a:prstGeom prst="rect">
+                <a:avLst/>
+              </a:prstGeom>
+              <a:blipFill>
+                <a:blip r:embed="rId6"/>
+                <a:stretch>
+                  <a:fillRect t="-7051" r="-4283" b="-17308"/>
+                </a:stretch>
+              </a:blipFill>
+            </p:spPr>
+            <p:txBody>
+              <a:bodyPr/>
+              <a:lstStyle/>
+              <a:p>
+                <a:r>
+                  <a:rPr lang="ko-KR" altLang="en-US">
+                    <a:noFill/>
+                  </a:rPr>
+                  <a:t> </a:t>
+                </a:r>
+              </a:p>
+            </p:txBody>
+          </p:sp>
+        </mc:Fallback>
+      </mc:AlternateContent>
+    </p:spTree>
+    <p:extLst>
+      <p:ext uri="{BB962C8B-B14F-4D97-AF65-F5344CB8AC3E}">
+        <p14:creationId xmlns:p14="http://schemas.microsoft.com/office/powerpoint/2010/main" val="2574305871"/>
+      </p:ext>
+    </p:extLst>
+  </p:cSld>
+  <p:clrMapOvr>
+    <a:masterClrMapping/>
+  </p:clrMapOvr>
+</p:sld>
+</file>
+
+<file path=ppt/slides/slide12.xml><?xml version="1.0" encoding="utf-8"?>
+<p:sld xmlns:a="http://schemas.openxmlformats.org/drawingml/2006/main" xmlns:r="http://schemas.openxmlformats.org/officeDocument/2006/relationships" xmlns:p="http://schemas.openxmlformats.org/presentationml/2006/main">
+  <p:cSld>
+    <p:spTree>
+      <p:nvGrpSpPr>
+        <p:cNvPr id="1" name=""/>
+        <p:cNvGrpSpPr/>
+        <p:nvPr/>
+      </p:nvGrpSpPr>
+      <p:grpSpPr>
+        <a:xfrm>
+          <a:off x="0" y="0"/>
+          <a:ext cx="0" cy="0"/>
+          <a:chOff x="0" y="0"/>
+          <a:chExt cx="0" cy="0"/>
+        </a:xfrm>
+      </p:grpSpPr>
+      <mc:AlternateContent xmlns:mc="http://schemas.openxmlformats.org/markup-compatibility/2006" xmlns:a14="http://schemas.microsoft.com/office/drawing/2010/main">
+        <mc:Choice Requires="a14">
+          <p:sp>
+            <p:nvSpPr>
+              <p:cNvPr id="4" name="TextBox 3">
+                <a:extLst>
+                  <a:ext uri="{FF2B5EF4-FFF2-40B4-BE49-F238E27FC236}">
+                    <a16:creationId xmlns:a16="http://schemas.microsoft.com/office/drawing/2014/main" id="{EA20A4FA-1370-36A5-BC8C-5A91D4CFAB25}"/>
+                  </a:ext>
+                </a:extLst>
+              </p:cNvPr>
+              <p:cNvSpPr txBox="1"/>
+              <p:nvPr/>
+            </p:nvSpPr>
+            <p:spPr>
+              <a:xfrm>
+                <a:off x="995020" y="1006713"/>
+                <a:ext cx="10201960" cy="4403963"/>
+              </a:xfrm>
+              <a:prstGeom prst="rect">
+                <a:avLst/>
+              </a:prstGeom>
+              <a:noFill/>
+            </p:spPr>
+            <p:txBody>
+              <a:bodyPr wrap="none" rtlCol="0">
+                <a:spAutoFit/>
+              </a:bodyPr>
+              <a:lstStyle/>
+              <a:p>
+                <a:pPr/>
+                <a14:m>
+                  <m:oMathPara xmlns:m="http://schemas.openxmlformats.org/officeDocument/2006/math">
+                    <m:oMathParaPr>
+                      <m:jc m:val="centerGroup"/>
+                    </m:oMathParaPr>
+                    <m:oMath xmlns:m="http://schemas.openxmlformats.org/officeDocument/2006/math">
+                      <m:d>
+                        <m:dPr>
+                          <m:begChr m:val="["/>
+                          <m:endChr m:val="]"/>
+                          <m:ctrlPr>
+                            <a:rPr lang="en-US" altLang="ko-KR" sz="16600" i="1" smtClean="0">
+                              <a:latin typeface="Cambria Math" panose="02040503050406030204" pitchFamily="18" charset="0"/>
+                            </a:rPr>
+                          </m:ctrlPr>
+                        </m:dPr>
+                        <m:e>
+                          <m:m>
+                            <m:mPr>
+                              <m:mcs>
+                                <m:mc>
+                                  <m:mcPr>
+                                    <m:count m:val="2"/>
+                                    <m:mcJc m:val="center"/>
+                                  </m:mcPr>
+                                </m:mc>
+                              </m:mcs>
+                              <m:ctrlPr>
+                                <a:rPr lang="en-US" altLang="ko-KR" sz="16600" i="1" smtClean="0">
+                                  <a:latin typeface="Cambria Math" panose="02040503050406030204" pitchFamily="18" charset="0"/>
+                                </a:rPr>
+                              </m:ctrlPr>
+                            </m:mPr>
+                            <m:mr>
+                              <m:e>
+                                <m:r>
+                                  <a:rPr lang="en-US" altLang="ko-KR" sz="16600" b="0" i="1" smtClean="0">
+                                    <a:latin typeface="Cambria Math" panose="02040503050406030204" pitchFamily="18" charset="0"/>
+                                  </a:rPr>
+                                  <m:t>1.0</m:t>
+                                </m:r>
+                              </m:e>
+                              <m:e>
+                                <m:r>
+                                  <a:rPr lang="en-US" altLang="ko-KR" sz="16600" b="0" i="1" smtClean="0">
+                                    <a:latin typeface="Cambria Math" panose="02040503050406030204" pitchFamily="18" charset="0"/>
+                                  </a:rPr>
+                                  <m:t>0.5</m:t>
+                                </m:r>
+                              </m:e>
+                            </m:mr>
+                            <m:mr>
+                              <m:e>
+                                <m:r>
+                                  <a:rPr lang="en-US" altLang="ko-KR" sz="16600" b="0" i="1" smtClean="0">
+                                    <a:latin typeface="Cambria Math" panose="02040503050406030204" pitchFamily="18" charset="0"/>
+                                  </a:rPr>
+                                  <m:t>0.5</m:t>
+                                </m:r>
+                              </m:e>
+                              <m:e>
+                                <m:r>
+                                  <a:rPr lang="en-US" altLang="ko-KR" sz="16600" b="0" i="1" smtClean="0">
+                                    <a:latin typeface="Cambria Math" panose="02040503050406030204" pitchFamily="18" charset="0"/>
+                                  </a:rPr>
+                                  <m:t>1.5</m:t>
+                                </m:r>
+                              </m:e>
+                            </m:mr>
+                          </m:m>
+                        </m:e>
+                      </m:d>
+                    </m:oMath>
+                  </m:oMathPara>
+                </a14:m>
+                <a:endParaRPr lang="ko-KR" altLang="en-US" sz="16600" dirty="0"/>
+              </a:p>
+            </p:txBody>
+          </p:sp>
+        </mc:Choice>
+        <mc:Fallback xmlns="">
+          <p:sp>
+            <p:nvSpPr>
+              <p:cNvPr id="4" name="TextBox 3">
+                <a:extLst>
+                  <a:ext uri="{FF2B5EF4-FFF2-40B4-BE49-F238E27FC236}">
+                    <a16:creationId xmlns:a16="http://schemas.microsoft.com/office/drawing/2014/main" id="{EA20A4FA-1370-36A5-BC8C-5A91D4CFAB25}"/>
+                  </a:ext>
+                </a:extLst>
+              </p:cNvPr>
+              <p:cNvSpPr txBox="1">
+                <a:spLocks noRot="1" noChangeAspect="1" noMove="1" noResize="1" noEditPoints="1" noAdjustHandles="1" noChangeArrowheads="1" noChangeShapeType="1" noTextEdit="1"/>
+              </p:cNvSpPr>
+              <p:nvPr/>
+            </p:nvSpPr>
+            <p:spPr>
+              <a:xfrm>
+                <a:off x="995020" y="1006713"/>
+                <a:ext cx="10201960" cy="4403963"/>
+              </a:xfrm>
+              <a:prstGeom prst="rect">
+                <a:avLst/>
+              </a:prstGeom>
+              <a:blipFill>
+                <a:blip r:embed="rId2"/>
+                <a:stretch>
+                  <a:fillRect/>
+                </a:stretch>
+              </a:blipFill>
+            </p:spPr>
+            <p:txBody>
+              <a:bodyPr/>
+              <a:lstStyle/>
+              <a:p>
+                <a:r>
+                  <a:rPr lang="ko-KR" altLang="en-US">
+                    <a:noFill/>
+                  </a:rPr>
+                  <a:t> </a:t>
+                </a:r>
+              </a:p>
+            </p:txBody>
+          </p:sp>
+        </mc:Fallback>
+      </mc:AlternateContent>
+      <p:sp>
+        <p:nvSpPr>
+          <p:cNvPr id="5" name="타원 4">
+            <a:extLst>
+              <a:ext uri="{FF2B5EF4-FFF2-40B4-BE49-F238E27FC236}">
+                <a16:creationId xmlns:a16="http://schemas.microsoft.com/office/drawing/2014/main" id="{E1CD52EA-212F-74C7-126C-E90157A0F364}"/>
+              </a:ext>
+            </a:extLst>
+          </p:cNvPr>
+          <p:cNvSpPr/>
+          <p:nvPr/>
+        </p:nvSpPr>
+        <p:spPr>
+          <a:xfrm>
+            <a:off x="2008094" y="1006712"/>
+            <a:ext cx="3304686" cy="2340980"/>
+          </a:xfrm>
+          <a:prstGeom prst="ellipse">
+            <a:avLst/>
+          </a:prstGeom>
+          <a:noFill/>
+          <a:ln w="76200">
+            <a:solidFill>
+              <a:schemeClr val="accent1">
+                <a:lumMod val="60000"/>
+                <a:lumOff val="40000"/>
+              </a:schemeClr>
+            </a:solidFill>
+            <a:prstDash val="sysDash"/>
+          </a:ln>
+        </p:spPr>
+        <p:style>
+          <a:lnRef idx="2">
+            <a:schemeClr val="accent1">
+              <a:shade val="50000"/>
+            </a:schemeClr>
+          </a:lnRef>
+          <a:fillRef idx="1">
+            <a:schemeClr val="accent1"/>
+          </a:fillRef>
+          <a:effectRef idx="0">
+            <a:schemeClr val="accent1"/>
+          </a:effectRef>
+          <a:fontRef idx="minor">
+            <a:schemeClr val="lt1"/>
+          </a:fontRef>
+        </p:style>
+        <p:txBody>
+          <a:bodyPr rtlCol="0" anchor="ctr"/>
+          <a:lstStyle/>
+          <a:p>
+            <a:pPr algn="ctr"/>
+            <a:endParaRPr lang="ko-KR" altLang="en-US"/>
+          </a:p>
+        </p:txBody>
+      </p:sp>
+      <mc:AlternateContent xmlns:mc="http://schemas.openxmlformats.org/markup-compatibility/2006">
+        <mc:Choice xmlns:a14="http://schemas.microsoft.com/office/drawing/2010/main" Requires="a14">
+          <p:sp>
+            <p:nvSpPr>
+              <p:cNvPr id="6" name="TextBox 5">
+                <a:extLst>
+                  <a:ext uri="{FF2B5EF4-FFF2-40B4-BE49-F238E27FC236}">
+                    <a16:creationId xmlns:a16="http://schemas.microsoft.com/office/drawing/2014/main" id="{06E1DF11-7442-1E17-8106-B241F168133D}"/>
+                  </a:ext>
+                </a:extLst>
+              </p:cNvPr>
+              <p:cNvSpPr txBox="1"/>
+              <p:nvPr/>
+            </p:nvSpPr>
+            <p:spPr>
+              <a:xfrm>
+                <a:off x="406927" y="519933"/>
+                <a:ext cx="4789837" cy="523220"/>
+              </a:xfrm>
+              <a:prstGeom prst="rect">
+                <a:avLst/>
+              </a:prstGeom>
+              <a:noFill/>
+            </p:spPr>
+            <p:txBody>
+              <a:bodyPr wrap="none" rtlCol="0">
+                <a:spAutoFit/>
+              </a:bodyPr>
+              <a:lstStyle/>
+              <a:p>
+                <a:r>
+                  <a:rPr lang="en-US" altLang="ko-KR" sz="2800" dirty="0">
+                    <a:solidFill>
+                      <a:schemeClr val="accent1">
+                        <a:lumMod val="75000"/>
+                      </a:schemeClr>
+                    </a:solidFill>
+                    <a:latin typeface="KoPubWorld돋움체 Bold" panose="00000800000000000000" pitchFamily="2" charset="-127"/>
+                    <a:ea typeface="KoPubWorld돋움체 Bold" panose="00000800000000000000" pitchFamily="2" charset="-127"/>
+                    <a:cs typeface="KoPubWorld돋움체 Bold" panose="00000800000000000000" pitchFamily="2" charset="-127"/>
+                  </a:rPr>
+                  <a:t>Deviation in </a:t>
+                </a:r>
+                <a14:m>
+                  <m:oMath xmlns:m="http://schemas.openxmlformats.org/officeDocument/2006/math">
+                    <m:r>
+                      <a:rPr lang="en-US" altLang="ko-KR" sz="2800" i="1" dirty="0" smtClean="0">
+                        <a:solidFill>
+                          <a:schemeClr val="accent1">
+                            <a:lumMod val="75000"/>
+                          </a:schemeClr>
+                        </a:solidFill>
+                        <a:latin typeface="Cambria Math" panose="02040503050406030204" pitchFamily="18" charset="0"/>
+                        <a:ea typeface="KoPub돋움체 Bold" panose="00000800000000000000" pitchFamily="2" charset="-127"/>
+                      </a:rPr>
+                      <m:t>𝑥</m:t>
+                    </m:r>
+                  </m:oMath>
+                </a14:m>
+                <a:r>
+                  <a:rPr lang="en-US" altLang="ko-KR" sz="2800" dirty="0">
+                    <a:solidFill>
+                      <a:schemeClr val="accent1">
+                        <a:lumMod val="75000"/>
+                      </a:schemeClr>
+                    </a:solidFill>
+                    <a:latin typeface="KoPubWorld돋움체 Bold" panose="00000800000000000000" pitchFamily="2" charset="-127"/>
+                    <a:ea typeface="KoPubWorld돋움체 Bold" panose="00000800000000000000" pitchFamily="2" charset="-127"/>
+                    <a:cs typeface="KoPubWorld돋움체 Bold" panose="00000800000000000000" pitchFamily="2" charset="-127"/>
+                  </a:rPr>
+                  <a:t>-axis direction</a:t>
+                </a:r>
+                <a:endParaRPr lang="ko-KR" altLang="en-US" sz="2800" dirty="0">
+                  <a:solidFill>
+                    <a:schemeClr val="accent1">
+                      <a:lumMod val="75000"/>
+                    </a:schemeClr>
+                  </a:solidFill>
+                  <a:latin typeface="KoPubWorld돋움체 Bold" panose="00000800000000000000" pitchFamily="2" charset="-127"/>
+                  <a:ea typeface="KoPubWorld돋움체 Bold" panose="00000800000000000000" pitchFamily="2" charset="-127"/>
+                  <a:cs typeface="KoPubWorld돋움체 Bold" panose="00000800000000000000" pitchFamily="2" charset="-127"/>
+                </a:endParaRPr>
+              </a:p>
+            </p:txBody>
+          </p:sp>
+        </mc:Choice>
+        <mc:Fallback>
+          <p:sp>
+            <p:nvSpPr>
+              <p:cNvPr id="6" name="TextBox 5">
+                <a:extLst>
+                  <a:ext uri="{FF2B5EF4-FFF2-40B4-BE49-F238E27FC236}">
+                    <a16:creationId xmlns:a16="http://schemas.microsoft.com/office/drawing/2014/main" id="{06E1DF11-7442-1E17-8106-B241F168133D}"/>
+                  </a:ext>
+                </a:extLst>
+              </p:cNvPr>
+              <p:cNvSpPr txBox="1">
+                <a:spLocks noRot="1" noChangeAspect="1" noMove="1" noResize="1" noEditPoints="1" noAdjustHandles="1" noChangeArrowheads="1" noChangeShapeType="1" noTextEdit="1"/>
+              </p:cNvSpPr>
+              <p:nvPr/>
+            </p:nvSpPr>
+            <p:spPr>
+              <a:xfrm>
+                <a:off x="406927" y="519933"/>
+                <a:ext cx="4789837" cy="523220"/>
+              </a:xfrm>
+              <a:prstGeom prst="rect">
+                <a:avLst/>
+              </a:prstGeom>
+              <a:blipFill>
+                <a:blip r:embed="rId3"/>
+                <a:stretch>
+                  <a:fillRect l="-2675" t="-9302" b="-33721"/>
+                </a:stretch>
+              </a:blipFill>
+            </p:spPr>
+            <p:txBody>
+              <a:bodyPr/>
+              <a:lstStyle/>
+              <a:p>
+                <a:r>
+                  <a:rPr lang="en-US">
+                    <a:noFill/>
+                  </a:rPr>
+                  <a:t> </a:t>
+                </a:r>
+              </a:p>
+            </p:txBody>
+          </p:sp>
+        </mc:Fallback>
+      </mc:AlternateContent>
+      <p:sp>
+        <p:nvSpPr>
+          <p:cNvPr id="7" name="타원 6">
+            <a:extLst>
+              <a:ext uri="{FF2B5EF4-FFF2-40B4-BE49-F238E27FC236}">
+                <a16:creationId xmlns:a16="http://schemas.microsoft.com/office/drawing/2014/main" id="{E3BBD6BE-A884-EBBD-31A1-BD30FF97F4B8}"/>
+              </a:ext>
+            </a:extLst>
+          </p:cNvPr>
+          <p:cNvSpPr/>
+          <p:nvPr/>
+        </p:nvSpPr>
+        <p:spPr>
+          <a:xfrm>
+            <a:off x="6913947" y="3428716"/>
+            <a:ext cx="3180312" cy="2340980"/>
+          </a:xfrm>
+          <a:prstGeom prst="ellipse">
+            <a:avLst/>
+          </a:prstGeom>
+          <a:noFill/>
+          <a:ln w="76200">
+            <a:solidFill>
+              <a:schemeClr val="accent2">
+                <a:lumMod val="60000"/>
+                <a:lumOff val="40000"/>
+              </a:schemeClr>
+            </a:solidFill>
+            <a:prstDash val="sysDash"/>
+          </a:ln>
+        </p:spPr>
+        <p:style>
+          <a:lnRef idx="2">
+            <a:schemeClr val="accent1">
+              <a:shade val="50000"/>
+            </a:schemeClr>
+          </a:lnRef>
+          <a:fillRef idx="1">
+            <a:schemeClr val="accent1"/>
+          </a:fillRef>
+          <a:effectRef idx="0">
+            <a:schemeClr val="accent1"/>
+          </a:effectRef>
+          <a:fontRef idx="minor">
+            <a:schemeClr val="lt1"/>
+          </a:fontRef>
+        </p:style>
+        <p:txBody>
+          <a:bodyPr rtlCol="0" anchor="ctr"/>
+          <a:lstStyle/>
+          <a:p>
+            <a:pPr algn="ctr"/>
+            <a:endParaRPr lang="ko-KR" altLang="en-US"/>
+          </a:p>
+        </p:txBody>
+      </p:sp>
+      <p:sp>
+        <p:nvSpPr>
+          <p:cNvPr id="9" name="타원 8">
+            <a:extLst>
+              <a:ext uri="{FF2B5EF4-FFF2-40B4-BE49-F238E27FC236}">
+                <a16:creationId xmlns:a16="http://schemas.microsoft.com/office/drawing/2014/main" id="{D045BFA4-A794-1C82-8C5B-35AEF22ABC5B}"/>
+              </a:ext>
+            </a:extLst>
+          </p:cNvPr>
+          <p:cNvSpPr/>
+          <p:nvPr/>
+        </p:nvSpPr>
+        <p:spPr>
+          <a:xfrm>
+            <a:off x="6913947" y="1006711"/>
+            <a:ext cx="3180312" cy="2340980"/>
+          </a:xfrm>
+          <a:prstGeom prst="ellipse">
+            <a:avLst/>
+          </a:prstGeom>
+          <a:noFill/>
+          <a:ln w="76200">
+            <a:solidFill>
+              <a:schemeClr val="accent6">
+                <a:lumMod val="60000"/>
+                <a:lumOff val="40000"/>
+              </a:schemeClr>
+            </a:solidFill>
+            <a:prstDash val="sysDash"/>
+          </a:ln>
+        </p:spPr>
+        <p:style>
+          <a:lnRef idx="2">
+            <a:schemeClr val="accent1">
+              <a:shade val="50000"/>
+            </a:schemeClr>
+          </a:lnRef>
+          <a:fillRef idx="1">
+            <a:schemeClr val="accent1"/>
+          </a:fillRef>
+          <a:effectRef idx="0">
+            <a:schemeClr val="accent1"/>
+          </a:effectRef>
+          <a:fontRef idx="minor">
+            <a:schemeClr val="lt1"/>
+          </a:fontRef>
+        </p:style>
+        <p:txBody>
+          <a:bodyPr rtlCol="0" anchor="ctr"/>
+          <a:lstStyle/>
+          <a:p>
+            <a:pPr algn="ctr"/>
+            <a:endParaRPr lang="ko-KR" altLang="en-US"/>
+          </a:p>
+        </p:txBody>
+      </p:sp>
+      <p:sp>
+        <p:nvSpPr>
+          <p:cNvPr id="10" name="타원 9">
+            <a:extLst>
+              <a:ext uri="{FF2B5EF4-FFF2-40B4-BE49-F238E27FC236}">
+                <a16:creationId xmlns:a16="http://schemas.microsoft.com/office/drawing/2014/main" id="{CC2873EF-5BCC-DC41-464B-6EAB8498F846}"/>
+              </a:ext>
+            </a:extLst>
+          </p:cNvPr>
+          <p:cNvSpPr/>
+          <p:nvPr/>
+        </p:nvSpPr>
+        <p:spPr>
+          <a:xfrm>
+            <a:off x="2008094" y="3428716"/>
+            <a:ext cx="3304686" cy="2340980"/>
+          </a:xfrm>
+          <a:prstGeom prst="ellipse">
+            <a:avLst/>
+          </a:prstGeom>
+          <a:noFill/>
+          <a:ln w="76200">
+            <a:solidFill>
+              <a:schemeClr val="accent6">
+                <a:lumMod val="60000"/>
+                <a:lumOff val="40000"/>
+              </a:schemeClr>
+            </a:solidFill>
+            <a:prstDash val="sysDash"/>
+          </a:ln>
+        </p:spPr>
+        <p:style>
+          <a:lnRef idx="2">
+            <a:schemeClr val="accent1">
+              <a:shade val="50000"/>
+            </a:schemeClr>
+          </a:lnRef>
+          <a:fillRef idx="1">
+            <a:schemeClr val="accent1"/>
+          </a:fillRef>
+          <a:effectRef idx="0">
+            <a:schemeClr val="accent1"/>
+          </a:effectRef>
+          <a:fontRef idx="minor">
+            <a:schemeClr val="lt1"/>
+          </a:fontRef>
+        </p:style>
+        <p:txBody>
+          <a:bodyPr rtlCol="0" anchor="ctr"/>
+          <a:lstStyle/>
+          <a:p>
+            <a:pPr algn="ctr"/>
+            <a:endParaRPr lang="ko-KR" altLang="en-US"/>
+          </a:p>
+        </p:txBody>
+      </p:sp>
+      <mc:AlternateContent xmlns:mc="http://schemas.openxmlformats.org/markup-compatibility/2006">
+        <mc:Choice xmlns:a14="http://schemas.microsoft.com/office/drawing/2010/main" Requires="a14">
+          <p:sp>
+            <p:nvSpPr>
+              <p:cNvPr id="12" name="TextBox 11">
+                <a:extLst>
+                  <a:ext uri="{FF2B5EF4-FFF2-40B4-BE49-F238E27FC236}">
+                    <a16:creationId xmlns:a16="http://schemas.microsoft.com/office/drawing/2014/main" id="{893D3FDE-652A-FB73-8C82-D09CF3614CA4}"/>
+                  </a:ext>
+                </a:extLst>
+              </p:cNvPr>
+              <p:cNvSpPr txBox="1"/>
+              <p:nvPr/>
+            </p:nvSpPr>
+            <p:spPr>
+              <a:xfrm>
+                <a:off x="406927" y="5739227"/>
+                <a:ext cx="4190506" cy="954107"/>
+              </a:xfrm>
+              <a:prstGeom prst="rect">
+                <a:avLst/>
+              </a:prstGeom>
+              <a:noFill/>
+            </p:spPr>
+            <p:txBody>
+              <a:bodyPr wrap="none" rtlCol="0">
+                <a:spAutoFit/>
+              </a:bodyPr>
+              <a:lstStyle/>
+              <a:p>
+                <a:r>
+                  <a:rPr lang="en-US" altLang="ko-KR" sz="2800" dirty="0">
+                    <a:solidFill>
+                      <a:schemeClr val="accent6">
+                        <a:lumMod val="75000"/>
+                      </a:schemeClr>
+                    </a:solidFill>
+                    <a:latin typeface="KoPubWorld돋움체 Bold" panose="00000800000000000000" pitchFamily="2" charset="-127"/>
+                    <a:ea typeface="KoPubWorld돋움체 Bold" panose="00000800000000000000" pitchFamily="2" charset="-127"/>
+                    <a:cs typeface="KoPubWorld돋움체 Bold" panose="00000800000000000000" pitchFamily="2" charset="-127"/>
+                  </a:rPr>
+                  <a:t>Co-deviation in </a:t>
+                </a:r>
+                <a14:m>
+                  <m:oMath xmlns:m="http://schemas.openxmlformats.org/officeDocument/2006/math">
+                    <m:r>
+                      <a:rPr lang="en-US" altLang="ko-KR" sz="2800" i="1" dirty="0" smtClean="0">
+                        <a:solidFill>
+                          <a:schemeClr val="accent6">
+                            <a:lumMod val="75000"/>
+                          </a:schemeClr>
+                        </a:solidFill>
+                        <a:latin typeface="Cambria Math" panose="02040503050406030204" pitchFamily="18" charset="0"/>
+                        <a:ea typeface="KoPub돋움체 Bold" panose="00000800000000000000" pitchFamily="2" charset="-127"/>
+                      </a:rPr>
+                      <m:t>𝑥</m:t>
+                    </m:r>
+                    <m:r>
+                      <a:rPr lang="en-US" altLang="ko-KR" sz="2800" i="1" dirty="0" smtClean="0">
+                        <a:solidFill>
+                          <a:schemeClr val="accent6">
+                            <a:lumMod val="75000"/>
+                          </a:schemeClr>
+                        </a:solidFill>
+                        <a:latin typeface="Cambria Math" panose="02040503050406030204" pitchFamily="18" charset="0"/>
+                        <a:ea typeface="KoPub돋움체 Bold" panose="00000800000000000000" pitchFamily="2" charset="-127"/>
+                      </a:rPr>
+                      <m:t>, </m:t>
+                    </m:r>
+                    <m:r>
+                      <a:rPr lang="en-US" altLang="ko-KR" sz="2800" i="1" dirty="0" smtClean="0">
+                        <a:solidFill>
+                          <a:schemeClr val="accent6">
+                            <a:lumMod val="75000"/>
+                          </a:schemeClr>
+                        </a:solidFill>
+                        <a:latin typeface="Cambria Math" panose="02040503050406030204" pitchFamily="18" charset="0"/>
+                        <a:ea typeface="KoPub돋움체 Bold" panose="00000800000000000000" pitchFamily="2" charset="-127"/>
+                      </a:rPr>
+                      <m:t>𝑦</m:t>
+                    </m:r>
+                  </m:oMath>
+                </a14:m>
+                <a:r>
+                  <a:rPr lang="en-US" altLang="ko-KR" sz="2800" dirty="0">
+                    <a:solidFill>
+                      <a:schemeClr val="accent6">
+                        <a:lumMod val="75000"/>
+                      </a:schemeClr>
+                    </a:solidFill>
+                    <a:latin typeface="KoPubWorld돋움체 Bold" panose="00000800000000000000" pitchFamily="2" charset="-127"/>
+                    <a:ea typeface="KoPubWorld돋움체 Bold" panose="00000800000000000000" pitchFamily="2" charset="-127"/>
+                    <a:cs typeface="KoPubWorld돋움체 Bold" panose="00000800000000000000" pitchFamily="2" charset="-127"/>
+                  </a:rPr>
+                  <a:t>-axis</a:t>
+                </a:r>
+              </a:p>
+              <a:p>
+                <a:r>
+                  <a:rPr lang="en-US" altLang="ko-KR" sz="2800" dirty="0">
+                    <a:solidFill>
+                      <a:schemeClr val="accent6">
+                        <a:lumMod val="75000"/>
+                      </a:schemeClr>
+                    </a:solidFill>
+                    <a:latin typeface="KoPubWorld돋움체 Bold" panose="00000800000000000000" pitchFamily="2" charset="-127"/>
+                    <a:ea typeface="KoPubWorld돋움체 Bold" panose="00000800000000000000" pitchFamily="2" charset="-127"/>
+                    <a:cs typeface="KoPubWorld돋움체 Bold" panose="00000800000000000000" pitchFamily="2" charset="-127"/>
+                  </a:rPr>
+                  <a:t>direction</a:t>
+                </a:r>
+                <a:endParaRPr lang="ko-KR" altLang="en-US" sz="2800" dirty="0">
+                  <a:solidFill>
+                    <a:schemeClr val="accent6">
+                      <a:lumMod val="75000"/>
+                    </a:schemeClr>
+                  </a:solidFill>
+                  <a:latin typeface="KoPubWorld돋움체 Bold" panose="00000800000000000000" pitchFamily="2" charset="-127"/>
+                  <a:ea typeface="KoPubWorld돋움체 Bold" panose="00000800000000000000" pitchFamily="2" charset="-127"/>
+                  <a:cs typeface="KoPubWorld돋움체 Bold" panose="00000800000000000000" pitchFamily="2" charset="-127"/>
+                </a:endParaRPr>
+              </a:p>
+            </p:txBody>
+          </p:sp>
+        </mc:Choice>
+        <mc:Fallback>
+          <p:sp>
+            <p:nvSpPr>
+              <p:cNvPr id="12" name="TextBox 11">
+                <a:extLst>
+                  <a:ext uri="{FF2B5EF4-FFF2-40B4-BE49-F238E27FC236}">
+                    <a16:creationId xmlns:a16="http://schemas.microsoft.com/office/drawing/2014/main" id="{893D3FDE-652A-FB73-8C82-D09CF3614CA4}"/>
+                  </a:ext>
+                </a:extLst>
+              </p:cNvPr>
+              <p:cNvSpPr txBox="1">
+                <a:spLocks noRot="1" noChangeAspect="1" noMove="1" noResize="1" noEditPoints="1" noAdjustHandles="1" noChangeArrowheads="1" noChangeShapeType="1" noTextEdit="1"/>
+              </p:cNvSpPr>
+              <p:nvPr/>
+            </p:nvSpPr>
+            <p:spPr>
+              <a:xfrm>
+                <a:off x="406927" y="5739227"/>
+                <a:ext cx="4190506" cy="954107"/>
+              </a:xfrm>
+              <a:prstGeom prst="rect">
+                <a:avLst/>
+              </a:prstGeom>
+              <a:blipFill>
+                <a:blip r:embed="rId4"/>
+                <a:stretch>
+                  <a:fillRect l="-3057" t="-5096" r="-437" b="-16561"/>
+                </a:stretch>
+              </a:blipFill>
+            </p:spPr>
+            <p:txBody>
+              <a:bodyPr/>
+              <a:lstStyle/>
+              <a:p>
+                <a:r>
+                  <a:rPr lang="en-US">
+                    <a:noFill/>
+                  </a:rPr>
+                  <a:t> </a:t>
+                </a:r>
+              </a:p>
+            </p:txBody>
+          </p:sp>
+        </mc:Fallback>
+      </mc:AlternateContent>
+      <mc:AlternateContent xmlns:mc="http://schemas.openxmlformats.org/markup-compatibility/2006">
+        <mc:Choice xmlns:a14="http://schemas.microsoft.com/office/drawing/2010/main" Requires="a14">
+          <p:sp>
+            <p:nvSpPr>
+              <p:cNvPr id="8" name="TextBox 7">
+                <a:extLst>
+                  <a:ext uri="{FF2B5EF4-FFF2-40B4-BE49-F238E27FC236}">
+                    <a16:creationId xmlns:a16="http://schemas.microsoft.com/office/drawing/2014/main" id="{33DF3E9B-15B5-F2E5-6B31-876ABD74294A}"/>
+                  </a:ext>
+                </a:extLst>
+              </p:cNvPr>
+              <p:cNvSpPr txBox="1"/>
+              <p:nvPr/>
+            </p:nvSpPr>
+            <p:spPr>
+              <a:xfrm>
+                <a:off x="6710134" y="5819129"/>
+                <a:ext cx="4946887" cy="523220"/>
+              </a:xfrm>
+              <a:prstGeom prst="rect">
+                <a:avLst/>
+              </a:prstGeom>
+              <a:noFill/>
+            </p:spPr>
+            <p:txBody>
+              <a:bodyPr wrap="square" rtlCol="0">
+                <a:spAutoFit/>
+              </a:bodyPr>
+              <a:lstStyle/>
+              <a:p>
+                <a:pPr algn="ctr"/>
+                <a:r>
+                  <a:rPr lang="en-US" altLang="ko-KR" sz="2800" dirty="0">
+                    <a:solidFill>
+                      <a:schemeClr val="accent2">
+                        <a:lumMod val="75000"/>
+                      </a:schemeClr>
+                    </a:solidFill>
+                    <a:latin typeface="KoPub돋움체 Bold" panose="00000800000000000000" pitchFamily="2" charset="-127"/>
+                    <a:ea typeface="KoPub돋움체 Bold" panose="00000800000000000000" pitchFamily="2" charset="-127"/>
+                  </a:rPr>
+                  <a:t>Deviation in </a:t>
+                </a:r>
+                <a14:m>
+                  <m:oMath xmlns:m="http://schemas.openxmlformats.org/officeDocument/2006/math">
+                    <m:r>
+                      <a:rPr lang="en-US" altLang="ko-KR" sz="2800" i="1" dirty="0" smtClean="0">
+                        <a:solidFill>
+                          <a:schemeClr val="accent2">
+                            <a:lumMod val="75000"/>
+                          </a:schemeClr>
+                        </a:solidFill>
+                        <a:latin typeface="Cambria Math" panose="02040503050406030204" pitchFamily="18" charset="0"/>
+                        <a:ea typeface="KoPub돋움체 Bold" panose="00000800000000000000" pitchFamily="2" charset="-127"/>
+                      </a:rPr>
+                      <m:t>𝑦</m:t>
+                    </m:r>
+                  </m:oMath>
+                </a14:m>
+                <a:r>
+                  <a:rPr lang="en-US" altLang="ko-KR" sz="2800" dirty="0">
+                    <a:solidFill>
+                      <a:schemeClr val="accent2">
+                        <a:lumMod val="75000"/>
+                      </a:schemeClr>
+                    </a:solidFill>
+                    <a:latin typeface="KoPub돋움체 Bold" panose="00000800000000000000" pitchFamily="2" charset="-127"/>
+                    <a:ea typeface="KoPub돋움체 Bold" panose="00000800000000000000" pitchFamily="2" charset="-127"/>
+                  </a:rPr>
+                  <a:t>-axis direction</a:t>
+                </a:r>
+                <a:endParaRPr lang="ko-KR" altLang="en-US" sz="2800" dirty="0">
+                  <a:solidFill>
+                    <a:schemeClr val="accent2">
+                      <a:lumMod val="75000"/>
+                    </a:schemeClr>
+                  </a:solidFill>
+                  <a:latin typeface="KoPub돋움체 Bold" panose="00000800000000000000" pitchFamily="2" charset="-127"/>
+                  <a:ea typeface="KoPub돋움체 Bold" panose="00000800000000000000" pitchFamily="2" charset="-127"/>
+                </a:endParaRPr>
+              </a:p>
+            </p:txBody>
+          </p:sp>
+        </mc:Choice>
+        <mc:Fallback>
+          <p:sp>
+            <p:nvSpPr>
+              <p:cNvPr id="8" name="TextBox 7">
+                <a:extLst>
+                  <a:ext uri="{FF2B5EF4-FFF2-40B4-BE49-F238E27FC236}">
+                    <a16:creationId xmlns:a16="http://schemas.microsoft.com/office/drawing/2014/main" id="{33DF3E9B-15B5-F2E5-6B31-876ABD74294A}"/>
+                  </a:ext>
+                </a:extLst>
+              </p:cNvPr>
+              <p:cNvSpPr txBox="1">
+                <a:spLocks noRot="1" noChangeAspect="1" noMove="1" noResize="1" noEditPoints="1" noAdjustHandles="1" noChangeArrowheads="1" noChangeShapeType="1" noTextEdit="1"/>
+              </p:cNvSpPr>
+              <p:nvPr/>
+            </p:nvSpPr>
+            <p:spPr>
+              <a:xfrm>
+                <a:off x="6710134" y="5819129"/>
+                <a:ext cx="4946887" cy="523220"/>
+              </a:xfrm>
+              <a:prstGeom prst="rect">
+                <a:avLst/>
+              </a:prstGeom>
+              <a:blipFill>
+                <a:blip r:embed="rId5"/>
+                <a:stretch>
+                  <a:fillRect t="-12941" b="-32941"/>
+                </a:stretch>
+              </a:blipFill>
+            </p:spPr>
+            <p:txBody>
+              <a:bodyPr/>
+              <a:lstStyle/>
+              <a:p>
+                <a:r>
+                  <a:rPr lang="en-US">
+                    <a:noFill/>
+                  </a:rPr>
+                  <a:t> </a:t>
+                </a:r>
+              </a:p>
+            </p:txBody>
+          </p:sp>
+        </mc:Fallback>
+      </mc:AlternateContent>
+      <mc:AlternateContent xmlns:mc="http://schemas.openxmlformats.org/markup-compatibility/2006">
+        <mc:Choice xmlns:a14="http://schemas.microsoft.com/office/drawing/2010/main" Requires="a14">
+          <p:sp>
+            <p:nvSpPr>
+              <p:cNvPr id="11" name="TextBox 10">
+                <a:extLst>
+                  <a:ext uri="{FF2B5EF4-FFF2-40B4-BE49-F238E27FC236}">
+                    <a16:creationId xmlns:a16="http://schemas.microsoft.com/office/drawing/2014/main" id="{BC193A1E-0681-9D71-0EBE-5100FDC2D610}"/>
+                  </a:ext>
+                </a:extLst>
+              </p:cNvPr>
+              <p:cNvSpPr txBox="1"/>
+              <p:nvPr/>
+            </p:nvSpPr>
+            <p:spPr>
+              <a:xfrm>
+                <a:off x="7089870" y="566099"/>
+                <a:ext cx="4187413" cy="954107"/>
+              </a:xfrm>
+              <a:prstGeom prst="rect">
+                <a:avLst/>
+              </a:prstGeom>
+              <a:noFill/>
+            </p:spPr>
+            <p:txBody>
+              <a:bodyPr wrap="square" rtlCol="0">
+                <a:spAutoFit/>
+              </a:bodyPr>
+              <a:lstStyle/>
+              <a:p>
+                <a:pPr algn="r"/>
+                <a:r>
+                  <a:rPr lang="en-US" altLang="ko-KR" sz="2800" dirty="0">
+                    <a:solidFill>
+                      <a:schemeClr val="accent6">
+                        <a:lumMod val="75000"/>
+                      </a:schemeClr>
+                    </a:solidFill>
+                    <a:latin typeface="KoPubWorld돋움체 Bold" panose="00000800000000000000" pitchFamily="2" charset="-127"/>
+                    <a:ea typeface="KoPubWorld돋움체 Bold" panose="00000800000000000000" pitchFamily="2" charset="-127"/>
+                    <a:cs typeface="KoPubWorld돋움체 Bold" panose="00000800000000000000" pitchFamily="2" charset="-127"/>
+                  </a:rPr>
+                  <a:t>Co-deviation in </a:t>
+                </a:r>
+                <a14:m>
+                  <m:oMath xmlns:m="http://schemas.openxmlformats.org/officeDocument/2006/math">
+                    <m:r>
+                      <a:rPr lang="en-US" altLang="ko-KR" sz="2800" i="1" dirty="0">
+                        <a:solidFill>
+                          <a:schemeClr val="accent6">
+                            <a:lumMod val="75000"/>
+                          </a:schemeClr>
+                        </a:solidFill>
+                        <a:latin typeface="Cambria Math" panose="02040503050406030204" pitchFamily="18" charset="0"/>
+                        <a:ea typeface="KoPub돋움체 Bold" panose="00000800000000000000" pitchFamily="2" charset="-127"/>
+                      </a:rPr>
+                      <m:t>𝑥</m:t>
+                    </m:r>
+                    <m:r>
+                      <a:rPr lang="en-US" altLang="ko-KR" sz="2800" i="1" dirty="0">
+                        <a:solidFill>
+                          <a:schemeClr val="accent6">
+                            <a:lumMod val="75000"/>
+                          </a:schemeClr>
+                        </a:solidFill>
+                        <a:latin typeface="Cambria Math" panose="02040503050406030204" pitchFamily="18" charset="0"/>
+                        <a:ea typeface="KoPub돋움체 Bold" panose="00000800000000000000" pitchFamily="2" charset="-127"/>
+                      </a:rPr>
+                      <m:t>, </m:t>
+                    </m:r>
+                    <m:r>
+                      <a:rPr lang="en-US" altLang="ko-KR" sz="2800" i="1" dirty="0">
+                        <a:solidFill>
+                          <a:schemeClr val="accent6">
+                            <a:lumMod val="75000"/>
+                          </a:schemeClr>
+                        </a:solidFill>
+                        <a:latin typeface="Cambria Math" panose="02040503050406030204" pitchFamily="18" charset="0"/>
+                        <a:ea typeface="KoPub돋움체 Bold" panose="00000800000000000000" pitchFamily="2" charset="-127"/>
+                      </a:rPr>
+                      <m:t>𝑦</m:t>
+                    </m:r>
+                  </m:oMath>
+                </a14:m>
+                <a:r>
+                  <a:rPr lang="en-US" altLang="ko-KR" sz="2800" dirty="0">
+                    <a:solidFill>
+                      <a:schemeClr val="accent6">
+                        <a:lumMod val="75000"/>
+                      </a:schemeClr>
+                    </a:solidFill>
+                    <a:latin typeface="KoPubWorld돋움체 Bold" panose="00000800000000000000" pitchFamily="2" charset="-127"/>
+                    <a:ea typeface="KoPubWorld돋움체 Bold" panose="00000800000000000000" pitchFamily="2" charset="-127"/>
+                    <a:cs typeface="KoPubWorld돋움체 Bold" panose="00000800000000000000" pitchFamily="2" charset="-127"/>
+                  </a:rPr>
+                  <a:t>-axis</a:t>
+                </a:r>
+              </a:p>
+              <a:p>
+                <a:pPr algn="r"/>
+                <a:r>
+                  <a:rPr lang="en-US" altLang="ko-KR" sz="2800" dirty="0">
+                    <a:solidFill>
+                      <a:schemeClr val="accent6">
+                        <a:lumMod val="75000"/>
+                      </a:schemeClr>
+                    </a:solidFill>
+                    <a:latin typeface="KoPubWorld돋움체 Bold" panose="00000800000000000000" pitchFamily="2" charset="-127"/>
+                    <a:ea typeface="KoPubWorld돋움체 Bold" panose="00000800000000000000" pitchFamily="2" charset="-127"/>
+                    <a:cs typeface="KoPubWorld돋움체 Bold" panose="00000800000000000000" pitchFamily="2" charset="-127"/>
+                  </a:rPr>
+                  <a:t>direction</a:t>
+                </a:r>
+                <a:endParaRPr lang="ko-KR" altLang="en-US" sz="2800" dirty="0">
+                  <a:solidFill>
+                    <a:schemeClr val="accent6">
+                      <a:lumMod val="75000"/>
+                    </a:schemeClr>
+                  </a:solidFill>
+                  <a:latin typeface="KoPubWorld돋움체 Bold" panose="00000800000000000000" pitchFamily="2" charset="-127"/>
+                  <a:ea typeface="KoPubWorld돋움체 Bold" panose="00000800000000000000" pitchFamily="2" charset="-127"/>
+                  <a:cs typeface="KoPubWorld돋움체 Bold" panose="00000800000000000000" pitchFamily="2" charset="-127"/>
+                </a:endParaRPr>
+              </a:p>
+            </p:txBody>
+          </p:sp>
+        </mc:Choice>
+        <mc:Fallback>
+          <p:sp>
+            <p:nvSpPr>
+              <p:cNvPr id="11" name="TextBox 10">
+                <a:extLst>
+                  <a:ext uri="{FF2B5EF4-FFF2-40B4-BE49-F238E27FC236}">
+                    <a16:creationId xmlns:a16="http://schemas.microsoft.com/office/drawing/2014/main" id="{BC193A1E-0681-9D71-0EBE-5100FDC2D610}"/>
+                  </a:ext>
+                </a:extLst>
+              </p:cNvPr>
+              <p:cNvSpPr txBox="1">
+                <a:spLocks noRot="1" noChangeAspect="1" noMove="1" noResize="1" noEditPoints="1" noAdjustHandles="1" noChangeArrowheads="1" noChangeShapeType="1" noTextEdit="1"/>
+              </p:cNvSpPr>
+              <p:nvPr/>
+            </p:nvSpPr>
+            <p:spPr>
+              <a:xfrm>
+                <a:off x="7089870" y="566099"/>
+                <a:ext cx="4187413" cy="954107"/>
+              </a:xfrm>
+              <a:prstGeom prst="rect">
+                <a:avLst/>
+              </a:prstGeom>
+              <a:blipFill>
+                <a:blip r:embed="rId6"/>
+                <a:stretch>
+                  <a:fillRect l="-437" t="-5769" r="-3057" b="-17308"/>
+                </a:stretch>
+              </a:blipFill>
+            </p:spPr>
+            <p:txBody>
+              <a:bodyPr/>
+              <a:lstStyle/>
+              <a:p>
+                <a:r>
+                  <a:rPr lang="en-US">
+                    <a:noFill/>
+                  </a:rPr>
+                  <a:t> </a:t>
+                </a:r>
+              </a:p>
+            </p:txBody>
+          </p:sp>
+        </mc:Fallback>
+      </mc:AlternateContent>
+    </p:spTree>
+    <p:extLst>
+      <p:ext uri="{BB962C8B-B14F-4D97-AF65-F5344CB8AC3E}">
+        <p14:creationId xmlns:p14="http://schemas.microsoft.com/office/powerpoint/2010/main" val="1394011532"/>
+      </p:ext>
+    </p:extLst>
+  </p:cSld>
+  <p:clrMapOvr>
+    <a:masterClrMapping/>
+  </p:clrMapOvr>
+</p:sld>
+</file>
+
+<file path=ppt/slides/slide13.xml><?xml version="1.0" encoding="utf-8"?>
 <p:sld xmlns:a="http://schemas.openxmlformats.org/drawingml/2006/main" xmlns:r="http://schemas.openxmlformats.org/officeDocument/2006/relationships" xmlns:p="http://schemas.openxmlformats.org/presentationml/2006/main">
   <p:cSld>
     <p:spTree>
@@ -6057,7 +8642,7 @@
 </p:sld>
 </file>
 
-<file path=ppt/slides/slide11.xml><?xml version="1.0" encoding="utf-8"?>
+<file path=ppt/slides/slide14.xml><?xml version="1.0" encoding="utf-8"?>
 <p:sld xmlns:a="http://schemas.openxmlformats.org/drawingml/2006/main" xmlns:r="http://schemas.openxmlformats.org/officeDocument/2006/relationships" xmlns:p="http://schemas.openxmlformats.org/presentationml/2006/main">
   <p:cSld>
     <p:spTree>
@@ -6485,7 +9070,7 @@
 </p:sld>
 </file>
 
-<file path=ppt/slides/slide12.xml><?xml version="1.0" encoding="utf-8"?>
+<file path=ppt/slides/slide15.xml><?xml version="1.0" encoding="utf-8"?>
 <p:sld xmlns:a="http://schemas.openxmlformats.org/drawingml/2006/main" xmlns:r="http://schemas.openxmlformats.org/officeDocument/2006/relationships" xmlns:p="http://schemas.openxmlformats.org/presentationml/2006/main">
   <p:cSld>
     <p:spTree>
@@ -6649,7 +9234,7 @@
 </p:sld>
 </file>
 
-<file path=ppt/slides/slide13.xml><?xml version="1.0" encoding="utf-8"?>
+<file path=ppt/slides/slide16.xml><?xml version="1.0" encoding="utf-8"?>
 <p:sld xmlns:a="http://schemas.openxmlformats.org/drawingml/2006/main" xmlns:r="http://schemas.openxmlformats.org/officeDocument/2006/relationships" xmlns:p="http://schemas.openxmlformats.org/presentationml/2006/main">
   <p:cSld>
     <p:spTree>
@@ -7263,7 +9848,602 @@
 </p:sld>
 </file>
 
-<file path=ppt/slides/slide14.xml><?xml version="1.0" encoding="utf-8"?>
+<file path=ppt/slides/slide17.xml><?xml version="1.0" encoding="utf-8"?>
+<p:sld xmlns:a="http://schemas.openxmlformats.org/drawingml/2006/main" xmlns:r="http://schemas.openxmlformats.org/officeDocument/2006/relationships" xmlns:p="http://schemas.openxmlformats.org/presentationml/2006/main">
+  <p:cSld>
+    <p:spTree>
+      <p:nvGrpSpPr>
+        <p:cNvPr id="1" name=""/>
+        <p:cNvGrpSpPr/>
+        <p:nvPr/>
+      </p:nvGrpSpPr>
+      <p:grpSpPr>
+        <a:xfrm>
+          <a:off x="0" y="0"/>
+          <a:ext cx="0" cy="0"/>
+          <a:chOff x="0" y="0"/>
+          <a:chExt cx="0" cy="0"/>
+        </a:xfrm>
+      </p:grpSpPr>
+      <p:pic>
+        <p:nvPicPr>
+          <p:cNvPr id="20" name="Picture 19">
+            <a:extLst>
+              <a:ext uri="{FF2B5EF4-FFF2-40B4-BE49-F238E27FC236}">
+                <a16:creationId xmlns:a16="http://schemas.microsoft.com/office/drawing/2014/main" id="{CB6FE215-5FA6-8790-CCE4-8388F56E3887}"/>
+              </a:ext>
+            </a:extLst>
+          </p:cNvPr>
+          <p:cNvPicPr>
+            <a:picLocks noChangeAspect="1"/>
+          </p:cNvPicPr>
+          <p:nvPr/>
+        </p:nvPicPr>
+        <p:blipFill rotWithShape="1">
+          <a:blip r:embed="rId2"/>
+          <a:srcRect l="52923" r="6282"/>
+          <a:stretch/>
+        </p:blipFill>
+        <p:spPr>
+          <a:xfrm>
+            <a:off x="6617327" y="1677983"/>
+            <a:ext cx="4966163" cy="3530944"/>
+          </a:xfrm>
+          <a:prstGeom prst="rect">
+            <a:avLst/>
+          </a:prstGeom>
+        </p:spPr>
+      </p:pic>
+      <p:pic>
+        <p:nvPicPr>
+          <p:cNvPr id="6" name="Picture 5">
+            <a:extLst>
+              <a:ext uri="{FF2B5EF4-FFF2-40B4-BE49-F238E27FC236}">
+                <a16:creationId xmlns:a16="http://schemas.microsoft.com/office/drawing/2014/main" id="{2D650105-84F0-8BE1-645C-31D42CF97552}"/>
+              </a:ext>
+            </a:extLst>
+          </p:cNvPr>
+          <p:cNvPicPr>
+            <a:picLocks noChangeAspect="1"/>
+          </p:cNvPicPr>
+          <p:nvPr/>
+        </p:nvPicPr>
+        <p:blipFill rotWithShape="1">
+          <a:blip r:embed="rId3"/>
+          <a:srcRect l="8257" r="50940"/>
+          <a:stretch/>
+        </p:blipFill>
+        <p:spPr>
+          <a:xfrm>
+            <a:off x="714410" y="1660823"/>
+            <a:ext cx="4974671" cy="3536354"/>
+          </a:xfrm>
+          <a:prstGeom prst="rect">
+            <a:avLst/>
+          </a:prstGeom>
+        </p:spPr>
+      </p:pic>
+      <p:sp>
+        <p:nvSpPr>
+          <p:cNvPr id="7" name="TextBox 6">
+            <a:extLst>
+              <a:ext uri="{FF2B5EF4-FFF2-40B4-BE49-F238E27FC236}">
+                <a16:creationId xmlns:a16="http://schemas.microsoft.com/office/drawing/2014/main" id="{02E7C496-2DC0-B773-73F4-4BA19CBE5A6B}"/>
+              </a:ext>
+            </a:extLst>
+          </p:cNvPr>
+          <p:cNvSpPr txBox="1"/>
+          <p:nvPr/>
+        </p:nvSpPr>
+        <p:spPr>
+          <a:xfrm>
+            <a:off x="5469367" y="2369344"/>
+            <a:ext cx="1251946" cy="923330"/>
+          </a:xfrm>
+          <a:prstGeom prst="rect">
+            <a:avLst/>
+          </a:prstGeom>
+          <a:noFill/>
+        </p:spPr>
+        <p:txBody>
+          <a:bodyPr wrap="none" rtlCol="0">
+            <a:spAutoFit/>
+          </a:bodyPr>
+          <a:lstStyle/>
+          <a:p>
+            <a:pPr algn="ctr"/>
+            <a:r>
+              <a:rPr lang="en-US" altLang="ko-KR" dirty="0">
+                <a:latin typeface="나눔스퀘어_ac" panose="020B0600000101010101" pitchFamily="50" charset="-127"/>
+                <a:ea typeface="나눔스퀘어_ac" panose="020B0600000101010101" pitchFamily="50" charset="-127"/>
+              </a:rPr>
+              <a:t>Move </a:t>
+            </a:r>
+          </a:p>
+          <a:p>
+            <a:pPr algn="ctr"/>
+            <a:r>
+              <a:rPr lang="en-US" altLang="ko-KR" dirty="0">
+                <a:latin typeface="나눔스퀘어_ac" panose="020B0600000101010101" pitchFamily="50" charset="-127"/>
+                <a:ea typeface="나눔스퀘어_ac" panose="020B0600000101010101" pitchFamily="50" charset="-127"/>
+              </a:rPr>
+              <a:t>the center</a:t>
+            </a:r>
+          </a:p>
+          <a:p>
+            <a:pPr algn="ctr"/>
+            <a:r>
+              <a:rPr lang="en-US" altLang="ko-KR" dirty="0">
+                <a:latin typeface="나눔스퀘어_ac" panose="020B0600000101010101" pitchFamily="50" charset="-127"/>
+                <a:ea typeface="나눔스퀘어_ac" panose="020B0600000101010101" pitchFamily="50" charset="-127"/>
+              </a:rPr>
+              <a:t>to (0,0)</a:t>
+            </a:r>
+          </a:p>
+        </p:txBody>
+      </p:sp>
+      <p:sp>
+        <p:nvSpPr>
+          <p:cNvPr id="8" name="화살표: 오른쪽 8">
+            <a:extLst>
+              <a:ext uri="{FF2B5EF4-FFF2-40B4-BE49-F238E27FC236}">
+                <a16:creationId xmlns:a16="http://schemas.microsoft.com/office/drawing/2014/main" id="{932DF55D-9438-2F60-AE6F-F3840B920C0E}"/>
+              </a:ext>
+            </a:extLst>
+          </p:cNvPr>
+          <p:cNvSpPr/>
+          <p:nvPr/>
+        </p:nvSpPr>
+        <p:spPr>
+          <a:xfrm>
+            <a:off x="5643057" y="3240892"/>
+            <a:ext cx="932661" cy="461972"/>
+          </a:xfrm>
+          <a:prstGeom prst="rightArrow">
+            <a:avLst/>
+          </a:prstGeom>
+        </p:spPr>
+        <p:style>
+          <a:lnRef idx="2">
+            <a:schemeClr val="accent1">
+              <a:shade val="50000"/>
+            </a:schemeClr>
+          </a:lnRef>
+          <a:fillRef idx="1">
+            <a:schemeClr val="accent1"/>
+          </a:fillRef>
+          <a:effectRef idx="0">
+            <a:schemeClr val="accent1"/>
+          </a:effectRef>
+          <a:fontRef idx="minor">
+            <a:schemeClr val="lt1"/>
+          </a:fontRef>
+        </p:style>
+        <p:txBody>
+          <a:bodyPr rtlCol="0" anchor="ctr"/>
+          <a:lstStyle/>
+          <a:p>
+            <a:pPr algn="ctr"/>
+            <a:endParaRPr lang="ko-KR" altLang="en-US"/>
+          </a:p>
+        </p:txBody>
+      </p:sp>
+      <p:sp>
+        <p:nvSpPr>
+          <p:cNvPr id="9" name="Oval 8">
+            <a:extLst>
+              <a:ext uri="{FF2B5EF4-FFF2-40B4-BE49-F238E27FC236}">
+                <a16:creationId xmlns:a16="http://schemas.microsoft.com/office/drawing/2014/main" id="{4734D4AB-860E-B271-2FF4-326CCF286A28}"/>
+              </a:ext>
+            </a:extLst>
+          </p:cNvPr>
+          <p:cNvSpPr/>
+          <p:nvPr/>
+        </p:nvSpPr>
+        <p:spPr>
+          <a:xfrm>
+            <a:off x="1120515" y="3290148"/>
+            <a:ext cx="166505" cy="164857"/>
+          </a:xfrm>
+          <a:prstGeom prst="ellipse">
+            <a:avLst/>
+          </a:prstGeom>
+          <a:noFill/>
+          <a:ln w="19050">
+            <a:solidFill>
+              <a:srgbClr val="FF0000"/>
+            </a:solidFill>
+          </a:ln>
+        </p:spPr>
+        <p:style>
+          <a:lnRef idx="2">
+            <a:schemeClr val="accent1">
+              <a:shade val="50000"/>
+            </a:schemeClr>
+          </a:lnRef>
+          <a:fillRef idx="1">
+            <a:schemeClr val="accent1"/>
+          </a:fillRef>
+          <a:effectRef idx="0">
+            <a:schemeClr val="accent1"/>
+          </a:effectRef>
+          <a:fontRef idx="minor">
+            <a:schemeClr val="lt1"/>
+          </a:fontRef>
+        </p:style>
+        <p:txBody>
+          <a:bodyPr rtlCol="0" anchor="ctr"/>
+          <a:lstStyle/>
+          <a:p>
+            <a:pPr algn="ctr"/>
+            <a:endParaRPr lang="en-US"/>
+          </a:p>
+        </p:txBody>
+      </p:sp>
+      <p:sp>
+        <p:nvSpPr>
+          <p:cNvPr id="10" name="Oval 9">
+            <a:extLst>
+              <a:ext uri="{FF2B5EF4-FFF2-40B4-BE49-F238E27FC236}">
+                <a16:creationId xmlns:a16="http://schemas.microsoft.com/office/drawing/2014/main" id="{0C9D1AAD-0125-A1E4-D18B-6D4BAF8D6277}"/>
+              </a:ext>
+            </a:extLst>
+          </p:cNvPr>
+          <p:cNvSpPr/>
+          <p:nvPr/>
+        </p:nvSpPr>
+        <p:spPr>
+          <a:xfrm>
+            <a:off x="3243807" y="4864540"/>
+            <a:ext cx="166505" cy="164857"/>
+          </a:xfrm>
+          <a:prstGeom prst="ellipse">
+            <a:avLst/>
+          </a:prstGeom>
+          <a:noFill/>
+          <a:ln w="19050">
+            <a:solidFill>
+              <a:srgbClr val="FF0000"/>
+            </a:solidFill>
+          </a:ln>
+        </p:spPr>
+        <p:style>
+          <a:lnRef idx="2">
+            <a:schemeClr val="accent1">
+              <a:shade val="50000"/>
+            </a:schemeClr>
+          </a:lnRef>
+          <a:fillRef idx="1">
+            <a:schemeClr val="accent1"/>
+          </a:fillRef>
+          <a:effectRef idx="0">
+            <a:schemeClr val="accent1"/>
+          </a:effectRef>
+          <a:fontRef idx="minor">
+            <a:schemeClr val="lt1"/>
+          </a:fontRef>
+        </p:style>
+        <p:txBody>
+          <a:bodyPr rtlCol="0" anchor="ctr"/>
+          <a:lstStyle/>
+          <a:p>
+            <a:pPr algn="ctr"/>
+            <a:endParaRPr lang="en-US"/>
+          </a:p>
+        </p:txBody>
+      </p:sp>
+      <p:sp>
+        <p:nvSpPr>
+          <p:cNvPr id="11" name="Oval 10">
+            <a:extLst>
+              <a:ext uri="{FF2B5EF4-FFF2-40B4-BE49-F238E27FC236}">
+                <a16:creationId xmlns:a16="http://schemas.microsoft.com/office/drawing/2014/main" id="{BCB16842-08EA-76B3-F968-D6CF7B5AA06A}"/>
+              </a:ext>
+            </a:extLst>
+          </p:cNvPr>
+          <p:cNvSpPr/>
+          <p:nvPr/>
+        </p:nvSpPr>
+        <p:spPr>
+          <a:xfrm>
+            <a:off x="6945533" y="3290148"/>
+            <a:ext cx="166505" cy="164857"/>
+          </a:xfrm>
+          <a:prstGeom prst="ellipse">
+            <a:avLst/>
+          </a:prstGeom>
+          <a:noFill/>
+          <a:ln w="19050">
+            <a:solidFill>
+              <a:srgbClr val="FF0000"/>
+            </a:solidFill>
+          </a:ln>
+        </p:spPr>
+        <p:style>
+          <a:lnRef idx="2">
+            <a:schemeClr val="accent1">
+              <a:shade val="50000"/>
+            </a:schemeClr>
+          </a:lnRef>
+          <a:fillRef idx="1">
+            <a:schemeClr val="accent1"/>
+          </a:fillRef>
+          <a:effectRef idx="0">
+            <a:schemeClr val="accent1"/>
+          </a:effectRef>
+          <a:fontRef idx="minor">
+            <a:schemeClr val="lt1"/>
+          </a:fontRef>
+        </p:style>
+        <p:txBody>
+          <a:bodyPr rtlCol="0" anchor="ctr"/>
+          <a:lstStyle/>
+          <a:p>
+            <a:pPr algn="ctr"/>
+            <a:endParaRPr lang="en-US"/>
+          </a:p>
+        </p:txBody>
+      </p:sp>
+      <p:sp>
+        <p:nvSpPr>
+          <p:cNvPr id="12" name="Oval 11">
+            <a:extLst>
+              <a:ext uri="{FF2B5EF4-FFF2-40B4-BE49-F238E27FC236}">
+                <a16:creationId xmlns:a16="http://schemas.microsoft.com/office/drawing/2014/main" id="{0731BD37-58A0-E5B6-74B5-8191D94CE7F5}"/>
+              </a:ext>
+            </a:extLst>
+          </p:cNvPr>
+          <p:cNvSpPr/>
+          <p:nvPr/>
+        </p:nvSpPr>
+        <p:spPr>
+          <a:xfrm>
+            <a:off x="9068825" y="4864540"/>
+            <a:ext cx="166505" cy="164857"/>
+          </a:xfrm>
+          <a:prstGeom prst="ellipse">
+            <a:avLst/>
+          </a:prstGeom>
+          <a:noFill/>
+          <a:ln w="19050">
+            <a:solidFill>
+              <a:srgbClr val="FF0000"/>
+            </a:solidFill>
+          </a:ln>
+        </p:spPr>
+        <p:style>
+          <a:lnRef idx="2">
+            <a:schemeClr val="accent1">
+              <a:shade val="50000"/>
+            </a:schemeClr>
+          </a:lnRef>
+          <a:fillRef idx="1">
+            <a:schemeClr val="accent1"/>
+          </a:fillRef>
+          <a:effectRef idx="0">
+            <a:schemeClr val="accent1"/>
+          </a:effectRef>
+          <a:fontRef idx="minor">
+            <a:schemeClr val="lt1"/>
+          </a:fontRef>
+        </p:style>
+        <p:txBody>
+          <a:bodyPr rtlCol="0" anchor="ctr"/>
+          <a:lstStyle/>
+          <a:p>
+            <a:pPr algn="ctr"/>
+            <a:endParaRPr lang="en-US"/>
+          </a:p>
+        </p:txBody>
+      </p:sp>
+      <mc:AlternateContent xmlns:mc="http://schemas.openxmlformats.org/markup-compatibility/2006" xmlns:a14="http://schemas.microsoft.com/office/drawing/2010/main">
+        <mc:Choice Requires="a14">
+          <p:sp>
+            <p:nvSpPr>
+              <p:cNvPr id="16" name="TextBox 15">
+                <a:extLst>
+                  <a:ext uri="{FF2B5EF4-FFF2-40B4-BE49-F238E27FC236}">
+                    <a16:creationId xmlns:a16="http://schemas.microsoft.com/office/drawing/2014/main" id="{7E808D5F-8CF5-5A11-0DAD-96E33228A2A1}"/>
+                  </a:ext>
+                </a:extLst>
+              </p:cNvPr>
+              <p:cNvSpPr txBox="1"/>
+              <p:nvPr/>
+            </p:nvSpPr>
+            <p:spPr>
+              <a:xfrm>
+                <a:off x="4218021" y="3690280"/>
+                <a:ext cx="1122166" cy="1107996"/>
+              </a:xfrm>
+              <a:prstGeom prst="rect">
+                <a:avLst/>
+              </a:prstGeom>
+              <a:noFill/>
+            </p:spPr>
+            <p:txBody>
+              <a:bodyPr wrap="none" rtlCol="0">
+                <a:spAutoFit/>
+              </a:bodyPr>
+              <a:lstStyle/>
+              <a:p>
+                <a:pPr/>
+                <a14:m>
+                  <m:oMathPara xmlns:m="http://schemas.openxmlformats.org/officeDocument/2006/math">
+                    <m:oMathParaPr>
+                      <m:jc m:val="centerGroup"/>
+                    </m:oMathParaPr>
+                    <m:oMath xmlns:m="http://schemas.openxmlformats.org/officeDocument/2006/math">
+                      <m:r>
+                        <a:rPr lang="en-US" sz="6600" i="1" smtClean="0">
+                          <a:latin typeface="Cambria Math" panose="02040503050406030204" pitchFamily="18" charset="0"/>
+                          <a:ea typeface="Cambria Math" panose="02040503050406030204" pitchFamily="18" charset="0"/>
+                        </a:rPr>
+                        <m:t>𝒟</m:t>
+                      </m:r>
+                    </m:oMath>
+                  </m:oMathPara>
+                </a14:m>
+                <a:endParaRPr lang="en-US" sz="6600" dirty="0"/>
+              </a:p>
+            </p:txBody>
+          </p:sp>
+        </mc:Choice>
+        <mc:Fallback xmlns="">
+          <p:sp>
+            <p:nvSpPr>
+              <p:cNvPr id="16" name="TextBox 15">
+                <a:extLst>
+                  <a:ext uri="{FF2B5EF4-FFF2-40B4-BE49-F238E27FC236}">
+                    <a16:creationId xmlns:a16="http://schemas.microsoft.com/office/drawing/2014/main" id="{7E808D5F-8CF5-5A11-0DAD-96E33228A2A1}"/>
+                  </a:ext>
+                </a:extLst>
+              </p:cNvPr>
+              <p:cNvSpPr txBox="1">
+                <a:spLocks noRot="1" noChangeAspect="1" noMove="1" noResize="1" noEditPoints="1" noAdjustHandles="1" noChangeArrowheads="1" noChangeShapeType="1" noTextEdit="1"/>
+              </p:cNvSpPr>
+              <p:nvPr/>
+            </p:nvSpPr>
+            <p:spPr>
+              <a:xfrm>
+                <a:off x="4218021" y="3690280"/>
+                <a:ext cx="1122166" cy="1107996"/>
+              </a:xfrm>
+              <a:prstGeom prst="rect">
+                <a:avLst/>
+              </a:prstGeom>
+              <a:blipFill>
+                <a:blip r:embed="rId4"/>
+                <a:stretch>
+                  <a:fillRect/>
+                </a:stretch>
+              </a:blipFill>
+            </p:spPr>
+            <p:txBody>
+              <a:bodyPr/>
+              <a:lstStyle/>
+              <a:p>
+                <a:r>
+                  <a:rPr lang="en-US">
+                    <a:noFill/>
+                  </a:rPr>
+                  <a:t> </a:t>
+                </a:r>
+              </a:p>
+            </p:txBody>
+          </p:sp>
+        </mc:Fallback>
+      </mc:AlternateContent>
+      <mc:AlternateContent xmlns:mc="http://schemas.openxmlformats.org/markup-compatibility/2006" xmlns:a14="http://schemas.microsoft.com/office/drawing/2010/main">
+        <mc:Choice Requires="a14">
+          <p:sp>
+            <p:nvSpPr>
+              <p:cNvPr id="17" name="TextBox 16">
+                <a:extLst>
+                  <a:ext uri="{FF2B5EF4-FFF2-40B4-BE49-F238E27FC236}">
+                    <a16:creationId xmlns:a16="http://schemas.microsoft.com/office/drawing/2014/main" id="{6B55B6A2-4381-AE54-AA8A-57C0857D9EF7}"/>
+                  </a:ext>
+                </a:extLst>
+              </p:cNvPr>
+              <p:cNvSpPr txBox="1"/>
+              <p:nvPr/>
+            </p:nvSpPr>
+            <p:spPr>
+              <a:xfrm>
+                <a:off x="10031446" y="3690280"/>
+                <a:ext cx="1050095" cy="1107996"/>
+              </a:xfrm>
+              <a:prstGeom prst="rect">
+                <a:avLst/>
+              </a:prstGeom>
+              <a:noFill/>
+            </p:spPr>
+            <p:txBody>
+              <a:bodyPr wrap="none" rtlCol="0">
+                <a:spAutoFit/>
+              </a:bodyPr>
+              <a:lstStyle/>
+              <a:p>
+                <a:pPr/>
+                <a14:m>
+                  <m:oMathPara xmlns:m="http://schemas.openxmlformats.org/officeDocument/2006/math">
+                    <m:oMathParaPr>
+                      <m:jc m:val="centerGroup"/>
+                    </m:oMathParaPr>
+                    <m:oMath xmlns:m="http://schemas.openxmlformats.org/officeDocument/2006/math">
+                      <m:r>
+                        <a:rPr lang="en-US" sz="6600" b="0" i="1" smtClean="0">
+                          <a:latin typeface="Cambria Math" panose="02040503050406030204" pitchFamily="18" charset="0"/>
+                          <a:ea typeface="Cambria Math" panose="02040503050406030204" pitchFamily="18" charset="0"/>
+                        </a:rPr>
+                        <m:t>𝑋</m:t>
+                      </m:r>
+                    </m:oMath>
+                  </m:oMathPara>
+                </a14:m>
+                <a:endParaRPr lang="en-US" sz="6600" dirty="0"/>
+              </a:p>
+            </p:txBody>
+          </p:sp>
+        </mc:Choice>
+        <mc:Fallback xmlns="">
+          <p:sp>
+            <p:nvSpPr>
+              <p:cNvPr id="17" name="TextBox 16">
+                <a:extLst>
+                  <a:ext uri="{FF2B5EF4-FFF2-40B4-BE49-F238E27FC236}">
+                    <a16:creationId xmlns:a16="http://schemas.microsoft.com/office/drawing/2014/main" id="{6B55B6A2-4381-AE54-AA8A-57C0857D9EF7}"/>
+                  </a:ext>
+                </a:extLst>
+              </p:cNvPr>
+              <p:cNvSpPr txBox="1">
+                <a:spLocks noRot="1" noChangeAspect="1" noMove="1" noResize="1" noEditPoints="1" noAdjustHandles="1" noChangeArrowheads="1" noChangeShapeType="1" noTextEdit="1"/>
+              </p:cNvSpPr>
+              <p:nvPr/>
+            </p:nvSpPr>
+            <p:spPr>
+              <a:xfrm>
+                <a:off x="10031446" y="3690280"/>
+                <a:ext cx="1050095" cy="1107996"/>
+              </a:xfrm>
+              <a:prstGeom prst="rect">
+                <a:avLst/>
+              </a:prstGeom>
+              <a:blipFill>
+                <a:blip r:embed="rId5"/>
+                <a:stretch>
+                  <a:fillRect/>
+                </a:stretch>
+              </a:blipFill>
+            </p:spPr>
+            <p:txBody>
+              <a:bodyPr/>
+              <a:lstStyle/>
+              <a:p>
+                <a:r>
+                  <a:rPr lang="en-US">
+                    <a:noFill/>
+                  </a:rPr>
+                  <a:t> </a:t>
+                </a:r>
+              </a:p>
+            </p:txBody>
+          </p:sp>
+        </mc:Fallback>
+      </mc:AlternateContent>
+    </p:spTree>
+    <p:extLst>
+      <p:ext uri="{BB962C8B-B14F-4D97-AF65-F5344CB8AC3E}">
+        <p14:creationId xmlns:p14="http://schemas.microsoft.com/office/powerpoint/2010/main" val="2777261563"/>
+      </p:ext>
+    </p:extLst>
+  </p:cSld>
+  <p:clrMapOvr>
+    <a:masterClrMapping/>
+  </p:clrMapOvr>
+</p:sld>
+</file>
+
+<file path=ppt/slides/slide18.xml><?xml version="1.0" encoding="utf-8"?>
 <p:sld xmlns:a="http://schemas.openxmlformats.org/drawingml/2006/main" xmlns:r="http://schemas.openxmlformats.org/officeDocument/2006/relationships" xmlns:p="http://schemas.openxmlformats.org/presentationml/2006/main">
   <p:cSld>
     <p:spTree>
@@ -7565,7 +10745,7 @@
 </p:sld>
 </file>
 
-<file path=ppt/slides/slide15.xml><?xml version="1.0" encoding="utf-8"?>
+<file path=ppt/slides/slide19.xml><?xml version="1.0" encoding="utf-8"?>
 <p:sld xmlns:a="http://schemas.openxmlformats.org/drawingml/2006/main" xmlns:r="http://schemas.openxmlformats.org/officeDocument/2006/relationships" xmlns:p="http://schemas.openxmlformats.org/presentationml/2006/main">
   <p:cSld>
     <p:spTree>
@@ -8194,843 +11374,6 @@
     <p:extLst>
       <p:ext uri="{BB962C8B-B14F-4D97-AF65-F5344CB8AC3E}">
         <p14:creationId xmlns:p14="http://schemas.microsoft.com/office/powerpoint/2010/main" val="2549363699"/>
-      </p:ext>
-    </p:extLst>
-  </p:cSld>
-  <p:clrMapOvr>
-    <a:masterClrMapping/>
-  </p:clrMapOvr>
-</p:sld>
-</file>
-
-<file path=ppt/slides/slide16.xml><?xml version="1.0" encoding="utf-8"?>
-<p:sld xmlns:a="http://schemas.openxmlformats.org/drawingml/2006/main" xmlns:r="http://schemas.openxmlformats.org/officeDocument/2006/relationships" xmlns:p="http://schemas.openxmlformats.org/presentationml/2006/main">
-  <p:cSld>
-    <p:spTree>
-      <p:nvGrpSpPr>
-        <p:cNvPr id="1" name=""/>
-        <p:cNvGrpSpPr/>
-        <p:nvPr/>
-      </p:nvGrpSpPr>
-      <p:grpSpPr>
-        <a:xfrm>
-          <a:off x="0" y="0"/>
-          <a:ext cx="0" cy="0"/>
-          <a:chOff x="0" y="0"/>
-          <a:chExt cx="0" cy="0"/>
-        </a:xfrm>
-      </p:grpSpPr>
-      <p:cxnSp>
-        <p:nvCxnSpPr>
-          <p:cNvPr id="4" name="직선 화살표 연결선 3">
-            <a:extLst>
-              <a:ext uri="{FF2B5EF4-FFF2-40B4-BE49-F238E27FC236}">
-                <a16:creationId xmlns:a16="http://schemas.microsoft.com/office/drawing/2014/main" id="{9F628ACD-9C7B-B33D-C4FC-97F5E039A4B4}"/>
-              </a:ext>
-            </a:extLst>
-          </p:cNvPr>
-          <p:cNvCxnSpPr/>
-          <p:nvPr/>
-        </p:nvCxnSpPr>
-        <p:spPr>
-          <a:xfrm>
-            <a:off x="514467" y="3832977"/>
-            <a:ext cx="3913870" cy="0"/>
-          </a:xfrm>
-          <a:prstGeom prst="straightConnector1">
-            <a:avLst/>
-          </a:prstGeom>
-          <a:ln w="28575">
-            <a:solidFill>
-              <a:schemeClr val="bg1">
-                <a:lumMod val="85000"/>
-              </a:schemeClr>
-            </a:solidFill>
-            <a:tailEnd type="triangle"/>
-          </a:ln>
-        </p:spPr>
-        <p:style>
-          <a:lnRef idx="1">
-            <a:schemeClr val="accent1"/>
-          </a:lnRef>
-          <a:fillRef idx="0">
-            <a:schemeClr val="accent1"/>
-          </a:fillRef>
-          <a:effectRef idx="0">
-            <a:schemeClr val="accent1"/>
-          </a:effectRef>
-          <a:fontRef idx="minor">
-            <a:schemeClr val="tx1"/>
-          </a:fontRef>
-        </p:style>
-      </p:cxnSp>
-      <p:cxnSp>
-        <p:nvCxnSpPr>
-          <p:cNvPr id="5" name="직선 화살표 연결선 4">
-            <a:extLst>
-              <a:ext uri="{FF2B5EF4-FFF2-40B4-BE49-F238E27FC236}">
-                <a16:creationId xmlns:a16="http://schemas.microsoft.com/office/drawing/2014/main" id="{5C2F2D1A-02BB-4FA4-9ABE-0743FE6F935A}"/>
-              </a:ext>
-            </a:extLst>
-          </p:cNvPr>
-          <p:cNvCxnSpPr>
-            <a:cxnSpLocks/>
-          </p:cNvCxnSpPr>
-          <p:nvPr/>
-        </p:nvCxnSpPr>
-        <p:spPr>
-          <a:xfrm rot="16200000">
-            <a:off x="483157" y="3645111"/>
-            <a:ext cx="3913869" cy="0"/>
-          </a:xfrm>
-          <a:prstGeom prst="straightConnector1">
-            <a:avLst/>
-          </a:prstGeom>
-          <a:ln w="28575">
-            <a:solidFill>
-              <a:schemeClr val="bg1">
-                <a:lumMod val="85000"/>
-              </a:schemeClr>
-            </a:solidFill>
-            <a:tailEnd type="triangle"/>
-          </a:ln>
-        </p:spPr>
-        <p:style>
-          <a:lnRef idx="1">
-            <a:schemeClr val="accent1"/>
-          </a:lnRef>
-          <a:fillRef idx="0">
-            <a:schemeClr val="accent1"/>
-          </a:fillRef>
-          <a:effectRef idx="0">
-            <a:schemeClr val="accent1"/>
-          </a:effectRef>
-          <a:fontRef idx="minor">
-            <a:schemeClr val="tx1"/>
-          </a:fontRef>
-        </p:style>
-      </p:cxnSp>
-      <p:pic>
-        <p:nvPicPr>
-          <p:cNvPr id="6" name="그림 5">
-            <a:extLst>
-              <a:ext uri="{FF2B5EF4-FFF2-40B4-BE49-F238E27FC236}">
-                <a16:creationId xmlns:a16="http://schemas.microsoft.com/office/drawing/2014/main" id="{00E439F7-D01A-BEFB-C421-72F35630657A}"/>
-              </a:ext>
-            </a:extLst>
-          </p:cNvPr>
-          <p:cNvPicPr>
-            <a:picLocks noChangeAspect="1"/>
-          </p:cNvPicPr>
-          <p:nvPr/>
-        </p:nvPicPr>
-        <p:blipFill rotWithShape="1">
-          <a:blip r:embed="rId2"/>
-          <a:srcRect l="23203" t="29300" r="63047" b="33097"/>
-          <a:stretch/>
-        </p:blipFill>
-        <p:spPr>
-          <a:xfrm>
-            <a:off x="1561096" y="2799716"/>
-            <a:ext cx="1836910" cy="2066523"/>
-          </a:xfrm>
-          <a:prstGeom prst="rect">
-            <a:avLst/>
-          </a:prstGeom>
-        </p:spPr>
-      </p:pic>
-      <mc:AlternateContent xmlns:mc="http://schemas.openxmlformats.org/markup-compatibility/2006">
-        <mc:Choice xmlns:a14="http://schemas.microsoft.com/office/drawing/2010/main" Requires="a14">
-          <p:sp>
-            <p:nvSpPr>
-              <p:cNvPr id="7" name="TextBox 6">
-                <a:extLst>
-                  <a:ext uri="{FF2B5EF4-FFF2-40B4-BE49-F238E27FC236}">
-                    <a16:creationId xmlns:a16="http://schemas.microsoft.com/office/drawing/2014/main" id="{568ED131-A892-7DEA-BE7D-3FE9F38B82CE}"/>
-                  </a:ext>
-                </a:extLst>
-              </p:cNvPr>
-              <p:cNvSpPr txBox="1"/>
-              <p:nvPr/>
-            </p:nvSpPr>
-            <p:spPr>
-              <a:xfrm>
-                <a:off x="1315007" y="1255955"/>
-                <a:ext cx="2250168" cy="369332"/>
-              </a:xfrm>
-              <a:prstGeom prst="rect">
-                <a:avLst/>
-              </a:prstGeom>
-              <a:noFill/>
-            </p:spPr>
-            <p:txBody>
-              <a:bodyPr wrap="none" rtlCol="0">
-                <a:spAutoFit/>
-              </a:bodyPr>
-              <a:lstStyle/>
-              <a:p>
-                <a:pPr algn="ctr"/>
-                <a:r>
-                  <a:rPr lang="en-US" altLang="ko-KR" dirty="0">
-                    <a:latin typeface="나눔스퀘어_ac" panose="020B0600000101010101" pitchFamily="50" charset="-127"/>
-                    <a:ea typeface="나눔스퀘어_ac" panose="020B0600000101010101" pitchFamily="50" charset="-127"/>
-                  </a:rPr>
-                  <a:t>“</a:t>
-                </a:r>
-                <a:r>
-                  <a:rPr lang="ko-KR" altLang="en-US" dirty="0">
-                    <a:latin typeface="나눔스퀘어_ac" panose="020B0600000101010101" pitchFamily="50" charset="-127"/>
-                    <a:ea typeface="나눔스퀘어_ac" panose="020B0600000101010101" pitchFamily="50" charset="-127"/>
-                  </a:rPr>
-                  <a:t>원시 형태</a:t>
-                </a:r>
-                <a:r>
-                  <a:rPr lang="en-US" altLang="ko-KR" dirty="0">
-                    <a:latin typeface="나눔스퀘어_ac" panose="020B0600000101010101" pitchFamily="50" charset="-127"/>
-                    <a:ea typeface="나눔스퀘어_ac" panose="020B0600000101010101" pitchFamily="50" charset="-127"/>
-                  </a:rPr>
-                  <a:t>”</a:t>
-                </a:r>
-                <a:r>
-                  <a:rPr lang="ko-KR" altLang="en-US" dirty="0">
-                    <a:latin typeface="나눔스퀘어_ac" panose="020B0600000101010101" pitchFamily="50" charset="-127"/>
-                    <a:ea typeface="나눔스퀘어_ac" panose="020B0600000101010101" pitchFamily="50" charset="-127"/>
-                  </a:rPr>
-                  <a:t>의 데이터 </a:t>
-                </a:r>
-                <a14:m>
-                  <m:oMath xmlns:m="http://schemas.openxmlformats.org/officeDocument/2006/math">
-                    <m:r>
-                      <a:rPr lang="en-US" altLang="ko-KR" i="1" dirty="0" smtClean="0">
-                        <a:latin typeface="Cambria Math" panose="02040503050406030204" pitchFamily="18" charset="0"/>
-                        <a:ea typeface="나눔스퀘어_ac" panose="020B0600000101010101" pitchFamily="50" charset="-127"/>
-                      </a:rPr>
-                      <m:t>𝑍</m:t>
-                    </m:r>
-                  </m:oMath>
-                </a14:m>
-                <a:endParaRPr lang="en-US" altLang="ko-KR" dirty="0">
-                  <a:latin typeface="나눔스퀘어_ac" panose="020B0600000101010101" pitchFamily="50" charset="-127"/>
-                  <a:ea typeface="나눔스퀘어_ac" panose="020B0600000101010101" pitchFamily="50" charset="-127"/>
-                </a:endParaRPr>
-              </a:p>
-            </p:txBody>
-          </p:sp>
-        </mc:Choice>
-        <mc:Fallback>
-          <p:sp>
-            <p:nvSpPr>
-              <p:cNvPr id="7" name="TextBox 6">
-                <a:extLst>
-                  <a:ext uri="{FF2B5EF4-FFF2-40B4-BE49-F238E27FC236}">
-                    <a16:creationId xmlns:a16="http://schemas.microsoft.com/office/drawing/2014/main" id="{568ED131-A892-7DEA-BE7D-3FE9F38B82CE}"/>
-                  </a:ext>
-                </a:extLst>
-              </p:cNvPr>
-              <p:cNvSpPr txBox="1">
-                <a:spLocks noRot="1" noChangeAspect="1" noMove="1" noResize="1" noEditPoints="1" noAdjustHandles="1" noChangeArrowheads="1" noChangeShapeType="1" noTextEdit="1"/>
-              </p:cNvSpPr>
-              <p:nvPr/>
-            </p:nvSpPr>
-            <p:spPr>
-              <a:xfrm>
-                <a:off x="1315007" y="1255955"/>
-                <a:ext cx="2250168" cy="369332"/>
-              </a:xfrm>
-              <a:prstGeom prst="rect">
-                <a:avLst/>
-              </a:prstGeom>
-              <a:blipFill>
-                <a:blip r:embed="rId3"/>
-                <a:stretch>
-                  <a:fillRect l="-1897" t="-6557" b="-26230"/>
-                </a:stretch>
-              </a:blipFill>
-            </p:spPr>
-            <p:txBody>
-              <a:bodyPr/>
-              <a:lstStyle/>
-              <a:p>
-                <a:r>
-                  <a:rPr lang="ko-KR" altLang="en-US">
-                    <a:noFill/>
-                  </a:rPr>
-                  <a:t> </a:t>
-                </a:r>
-              </a:p>
-            </p:txBody>
-          </p:sp>
-        </mc:Fallback>
-      </mc:AlternateContent>
-      <mc:AlternateContent xmlns:mc="http://schemas.openxmlformats.org/markup-compatibility/2006">
-        <mc:Choice xmlns:a14="http://schemas.microsoft.com/office/drawing/2010/main" Requires="a14">
-          <p:sp>
-            <p:nvSpPr>
-              <p:cNvPr id="8" name="TextBox 7">
-                <a:extLst>
-                  <a:ext uri="{FF2B5EF4-FFF2-40B4-BE49-F238E27FC236}">
-                    <a16:creationId xmlns:a16="http://schemas.microsoft.com/office/drawing/2014/main" id="{434CA4A3-EB71-B1DF-4F8C-032B11AE08F2}"/>
-                  </a:ext>
-                </a:extLst>
-              </p:cNvPr>
-              <p:cNvSpPr txBox="1"/>
-              <p:nvPr/>
-            </p:nvSpPr>
-            <p:spPr>
-              <a:xfrm>
-                <a:off x="4888358" y="2361080"/>
-                <a:ext cx="2348202" cy="508770"/>
-              </a:xfrm>
-              <a:prstGeom prst="rect">
-                <a:avLst/>
-              </a:prstGeom>
-              <a:noFill/>
-            </p:spPr>
-            <p:txBody>
-              <a:bodyPr wrap="none" rtlCol="0">
-                <a:spAutoFit/>
-              </a:bodyPr>
-              <a:lstStyle/>
-              <a:p>
-                <a:pPr algn="ctr"/>
-                <a:r>
-                  <a:rPr lang="ko-KR" altLang="en-US" dirty="0">
-                    <a:solidFill>
-                      <a:schemeClr val="accent1"/>
-                    </a:solidFill>
-                    <a:latin typeface="나눔스퀘어_ac" panose="020B0600000101010101" pitchFamily="50" charset="-127"/>
-                    <a:ea typeface="나눔스퀘어_ac" panose="020B0600000101010101" pitchFamily="50" charset="-127"/>
-                  </a:rPr>
-                  <a:t>어떤 선형 변환 </a:t>
-                </a:r>
-                <a14:m>
-                  <m:oMath xmlns:m="http://schemas.openxmlformats.org/officeDocument/2006/math">
-                    <m:r>
-                      <a:rPr lang="en-US" altLang="ko-KR" i="1" dirty="0" smtClean="0">
-                        <a:solidFill>
-                          <a:schemeClr val="accent1"/>
-                        </a:solidFill>
-                        <a:latin typeface="Cambria Math" panose="02040503050406030204" pitchFamily="18" charset="0"/>
-                        <a:ea typeface="나눔스퀘어_ac" panose="020B0600000101010101" pitchFamily="50" charset="-127"/>
-                      </a:rPr>
-                      <m:t>𝑅</m:t>
-                    </m:r>
-                  </m:oMath>
-                </a14:m>
-                <a:endParaRPr lang="en-US" altLang="ko-KR" dirty="0">
-                  <a:solidFill>
-                    <a:schemeClr val="accent1"/>
-                  </a:solidFill>
-                  <a:latin typeface="나눔스퀘어_ac" panose="020B0600000101010101" pitchFamily="50" charset="-127"/>
-                  <a:ea typeface="나눔스퀘어_ac" panose="020B0600000101010101" pitchFamily="50" charset="-127"/>
-                </a:endParaRPr>
-              </a:p>
-            </p:txBody>
-          </p:sp>
-        </mc:Choice>
-        <mc:Fallback>
-          <p:sp>
-            <p:nvSpPr>
-              <p:cNvPr id="8" name="TextBox 7">
-                <a:extLst>
-                  <a:ext uri="{FF2B5EF4-FFF2-40B4-BE49-F238E27FC236}">
-                    <a16:creationId xmlns:a16="http://schemas.microsoft.com/office/drawing/2014/main" id="{434CA4A3-EB71-B1DF-4F8C-032B11AE08F2}"/>
-                  </a:ext>
-                </a:extLst>
-              </p:cNvPr>
-              <p:cNvSpPr txBox="1">
-                <a:spLocks noRot="1" noChangeAspect="1" noMove="1" noResize="1" noEditPoints="1" noAdjustHandles="1" noChangeArrowheads="1" noChangeShapeType="1" noTextEdit="1"/>
-              </p:cNvSpPr>
-              <p:nvPr/>
-            </p:nvSpPr>
-            <p:spPr>
-              <a:xfrm>
-                <a:off x="4888358" y="2361080"/>
-                <a:ext cx="2348202" cy="508770"/>
-              </a:xfrm>
-              <a:prstGeom prst="rect">
-                <a:avLst/>
-              </a:prstGeom>
-              <a:blipFill>
-                <a:blip r:embed="rId4"/>
-                <a:stretch>
-                  <a:fillRect t="-4762"/>
-                </a:stretch>
-              </a:blipFill>
-            </p:spPr>
-            <p:txBody>
-              <a:bodyPr/>
-              <a:lstStyle/>
-              <a:p>
-                <a:r>
-                  <a:rPr lang="ko-KR" altLang="en-US">
-                    <a:noFill/>
-                  </a:rPr>
-                  <a:t> </a:t>
-                </a:r>
-              </a:p>
-            </p:txBody>
-          </p:sp>
-        </mc:Fallback>
-      </mc:AlternateContent>
-      <p:sp>
-        <p:nvSpPr>
-          <p:cNvPr id="9" name="화살표: 오른쪽 8">
-            <a:extLst>
-              <a:ext uri="{FF2B5EF4-FFF2-40B4-BE49-F238E27FC236}">
-                <a16:creationId xmlns:a16="http://schemas.microsoft.com/office/drawing/2014/main" id="{FACFA7C3-C318-B1B1-F889-BC5B53B2965A}"/>
-              </a:ext>
-            </a:extLst>
-          </p:cNvPr>
-          <p:cNvSpPr/>
-          <p:nvPr/>
-        </p:nvSpPr>
-        <p:spPr>
-          <a:xfrm>
-            <a:off x="5551480" y="2799716"/>
-            <a:ext cx="1021960" cy="506205"/>
-          </a:xfrm>
-          <a:prstGeom prst="rightArrow">
-            <a:avLst/>
-          </a:prstGeom>
-        </p:spPr>
-        <p:style>
-          <a:lnRef idx="2">
-            <a:schemeClr val="accent1">
-              <a:shade val="50000"/>
-            </a:schemeClr>
-          </a:lnRef>
-          <a:fillRef idx="1">
-            <a:schemeClr val="accent1"/>
-          </a:fillRef>
-          <a:effectRef idx="0">
-            <a:schemeClr val="accent1"/>
-          </a:effectRef>
-          <a:fontRef idx="minor">
-            <a:schemeClr val="lt1"/>
-          </a:fontRef>
-        </p:style>
-        <p:txBody>
-          <a:bodyPr rtlCol="0" anchor="ctr"/>
-          <a:lstStyle/>
-          <a:p>
-            <a:pPr algn="ctr"/>
-            <a:endParaRPr lang="ko-KR" altLang="en-US"/>
-          </a:p>
-        </p:txBody>
-      </p:sp>
-      <mc:AlternateContent xmlns:mc="http://schemas.openxmlformats.org/markup-compatibility/2006">
-        <mc:Choice xmlns:a14="http://schemas.microsoft.com/office/drawing/2010/main" Requires="a14">
-          <p:sp>
-            <p:nvSpPr>
-              <p:cNvPr id="10" name="TextBox 9">
-                <a:extLst>
-                  <a:ext uri="{FF2B5EF4-FFF2-40B4-BE49-F238E27FC236}">
-                    <a16:creationId xmlns:a16="http://schemas.microsoft.com/office/drawing/2014/main" id="{125B2260-5708-08DC-290A-89C928EEFBAC}"/>
-                  </a:ext>
-                </a:extLst>
-              </p:cNvPr>
-              <p:cNvSpPr txBox="1"/>
-              <p:nvPr/>
-            </p:nvSpPr>
-            <p:spPr>
-              <a:xfrm>
-                <a:off x="8439169" y="1255955"/>
-                <a:ext cx="2500236" cy="369332"/>
-              </a:xfrm>
-              <a:prstGeom prst="rect">
-                <a:avLst/>
-              </a:prstGeom>
-              <a:noFill/>
-            </p:spPr>
-            <p:txBody>
-              <a:bodyPr wrap="none" rtlCol="0">
-                <a:spAutoFit/>
-              </a:bodyPr>
-              <a:lstStyle/>
-              <a:p>
-                <a:pPr algn="ctr"/>
-                <a:r>
-                  <a:rPr lang="ko-KR" altLang="en-US" dirty="0">
-                    <a:latin typeface="나눔스퀘어_ac" panose="020B0600000101010101" pitchFamily="50" charset="-127"/>
-                    <a:ea typeface="나눔스퀘어_ac" panose="020B0600000101010101" pitchFamily="50" charset="-127"/>
-                  </a:rPr>
-                  <a:t>주어진 데이터를 수정한 </a:t>
-                </a:r>
-                <a14:m>
-                  <m:oMath xmlns:m="http://schemas.openxmlformats.org/officeDocument/2006/math">
-                    <m:r>
-                      <a:rPr lang="en-US" altLang="ko-KR" b="0" i="1" smtClean="0">
-                        <a:latin typeface="Cambria Math" panose="02040503050406030204" pitchFamily="18" charset="0"/>
-                        <a:ea typeface="나눔스퀘어_ac" panose="020B0600000101010101" pitchFamily="50" charset="-127"/>
-                      </a:rPr>
-                      <m:t>𝑋</m:t>
-                    </m:r>
-                  </m:oMath>
-                </a14:m>
-                <a:endParaRPr lang="en-US" altLang="ko-KR" dirty="0">
-                  <a:latin typeface="나눔스퀘어_ac" panose="020B0600000101010101" pitchFamily="50" charset="-127"/>
-                  <a:ea typeface="나눔스퀘어_ac" panose="020B0600000101010101" pitchFamily="50" charset="-127"/>
-                </a:endParaRPr>
-              </a:p>
-            </p:txBody>
-          </p:sp>
-        </mc:Choice>
-        <mc:Fallback>
-          <p:sp>
-            <p:nvSpPr>
-              <p:cNvPr id="10" name="TextBox 9">
-                <a:extLst>
-                  <a:ext uri="{FF2B5EF4-FFF2-40B4-BE49-F238E27FC236}">
-                    <a16:creationId xmlns:a16="http://schemas.microsoft.com/office/drawing/2014/main" id="{125B2260-5708-08DC-290A-89C928EEFBAC}"/>
-                  </a:ext>
-                </a:extLst>
-              </p:cNvPr>
-              <p:cNvSpPr txBox="1">
-                <a:spLocks noRot="1" noChangeAspect="1" noMove="1" noResize="1" noEditPoints="1" noAdjustHandles="1" noChangeArrowheads="1" noChangeShapeType="1" noTextEdit="1"/>
-              </p:cNvSpPr>
-              <p:nvPr/>
-            </p:nvSpPr>
-            <p:spPr>
-              <a:xfrm>
-                <a:off x="8439169" y="1255955"/>
-                <a:ext cx="2500236" cy="369332"/>
-              </a:xfrm>
-              <a:prstGeom prst="rect">
-                <a:avLst/>
-              </a:prstGeom>
-              <a:blipFill>
-                <a:blip r:embed="rId5"/>
-                <a:stretch>
-                  <a:fillRect l="-1460" t="-6557" b="-26230"/>
-                </a:stretch>
-              </a:blipFill>
-            </p:spPr>
-            <p:txBody>
-              <a:bodyPr/>
-              <a:lstStyle/>
-              <a:p>
-                <a:r>
-                  <a:rPr lang="ko-KR" altLang="en-US">
-                    <a:noFill/>
-                  </a:rPr>
-                  <a:t> </a:t>
-                </a:r>
-              </a:p>
-            </p:txBody>
-          </p:sp>
-        </mc:Fallback>
-      </mc:AlternateContent>
-      <p:cxnSp>
-        <p:nvCxnSpPr>
-          <p:cNvPr id="11" name="직선 화살표 연결선 10">
-            <a:extLst>
-              <a:ext uri="{FF2B5EF4-FFF2-40B4-BE49-F238E27FC236}">
-                <a16:creationId xmlns:a16="http://schemas.microsoft.com/office/drawing/2014/main" id="{2E25BDAF-5626-672C-AC1C-1E1B015E7AEB}"/>
-              </a:ext>
-            </a:extLst>
-          </p:cNvPr>
-          <p:cNvCxnSpPr/>
-          <p:nvPr/>
-        </p:nvCxnSpPr>
-        <p:spPr>
-          <a:xfrm>
-            <a:off x="7763664" y="3832977"/>
-            <a:ext cx="3913870" cy="0"/>
-          </a:xfrm>
-          <a:prstGeom prst="straightConnector1">
-            <a:avLst/>
-          </a:prstGeom>
-          <a:ln w="28575">
-            <a:solidFill>
-              <a:schemeClr val="bg1">
-                <a:lumMod val="85000"/>
-              </a:schemeClr>
-            </a:solidFill>
-            <a:tailEnd type="triangle"/>
-          </a:ln>
-        </p:spPr>
-        <p:style>
-          <a:lnRef idx="1">
-            <a:schemeClr val="accent1"/>
-          </a:lnRef>
-          <a:fillRef idx="0">
-            <a:schemeClr val="accent1"/>
-          </a:fillRef>
-          <a:effectRef idx="0">
-            <a:schemeClr val="accent1"/>
-          </a:effectRef>
-          <a:fontRef idx="minor">
-            <a:schemeClr val="tx1"/>
-          </a:fontRef>
-        </p:style>
-      </p:cxnSp>
-      <p:cxnSp>
-        <p:nvCxnSpPr>
-          <p:cNvPr id="12" name="직선 화살표 연결선 11">
-            <a:extLst>
-              <a:ext uri="{FF2B5EF4-FFF2-40B4-BE49-F238E27FC236}">
-                <a16:creationId xmlns:a16="http://schemas.microsoft.com/office/drawing/2014/main" id="{0CAADD75-D274-4F51-E57C-5BEF0548FE01}"/>
-              </a:ext>
-            </a:extLst>
-          </p:cNvPr>
-          <p:cNvCxnSpPr>
-            <a:cxnSpLocks/>
-          </p:cNvCxnSpPr>
-          <p:nvPr/>
-        </p:nvCxnSpPr>
-        <p:spPr>
-          <a:xfrm rot="16200000">
-            <a:off x="7732354" y="3645111"/>
-            <a:ext cx="3913869" cy="0"/>
-          </a:xfrm>
-          <a:prstGeom prst="straightConnector1">
-            <a:avLst/>
-          </a:prstGeom>
-          <a:ln w="28575">
-            <a:solidFill>
-              <a:schemeClr val="bg1">
-                <a:lumMod val="85000"/>
-              </a:schemeClr>
-            </a:solidFill>
-            <a:tailEnd type="triangle"/>
-          </a:ln>
-        </p:spPr>
-        <p:style>
-          <a:lnRef idx="1">
-            <a:schemeClr val="accent1"/>
-          </a:lnRef>
-          <a:fillRef idx="0">
-            <a:schemeClr val="accent1"/>
-          </a:fillRef>
-          <a:effectRef idx="0">
-            <a:schemeClr val="accent1"/>
-          </a:effectRef>
-          <a:fontRef idx="minor">
-            <a:schemeClr val="tx1"/>
-          </a:fontRef>
-        </p:style>
-      </p:cxnSp>
-      <p:pic>
-        <p:nvPicPr>
-          <p:cNvPr id="13" name="그림 12">
-            <a:extLst>
-              <a:ext uri="{FF2B5EF4-FFF2-40B4-BE49-F238E27FC236}">
-                <a16:creationId xmlns:a16="http://schemas.microsoft.com/office/drawing/2014/main" id="{CF4057BF-21D0-D99A-0F91-9FAF081F6BFB}"/>
-              </a:ext>
-            </a:extLst>
-          </p:cNvPr>
-          <p:cNvPicPr>
-            <a:picLocks noChangeAspect="1"/>
-          </p:cNvPicPr>
-          <p:nvPr/>
-        </p:nvPicPr>
-        <p:blipFill rotWithShape="1">
-          <a:blip r:embed="rId2"/>
-          <a:srcRect l="62031" t="15626" r="14375" b="21133"/>
-          <a:stretch/>
-        </p:blipFill>
-        <p:spPr>
-          <a:xfrm>
-            <a:off x="8113303" y="2037817"/>
-            <a:ext cx="3151969" cy="3475515"/>
-          </a:xfrm>
-          <a:prstGeom prst="rect">
-            <a:avLst/>
-          </a:prstGeom>
-        </p:spPr>
-      </p:pic>
-      <p:sp>
-        <p:nvSpPr>
-          <p:cNvPr id="14" name="화살표: 오른쪽 13">
-            <a:extLst>
-              <a:ext uri="{FF2B5EF4-FFF2-40B4-BE49-F238E27FC236}">
-                <a16:creationId xmlns:a16="http://schemas.microsoft.com/office/drawing/2014/main" id="{5F962085-B071-7972-CD84-D7E4A280EC52}"/>
-              </a:ext>
-            </a:extLst>
-          </p:cNvPr>
-          <p:cNvSpPr/>
-          <p:nvPr/>
-        </p:nvSpPr>
-        <p:spPr>
-          <a:xfrm flipH="1">
-            <a:off x="5551480" y="3336590"/>
-            <a:ext cx="1021960" cy="506205"/>
-          </a:xfrm>
-          <a:prstGeom prst="rightArrow">
-            <a:avLst/>
-          </a:prstGeom>
-          <a:solidFill>
-            <a:schemeClr val="accent2"/>
-          </a:solidFill>
-        </p:spPr>
-        <p:style>
-          <a:lnRef idx="2">
-            <a:schemeClr val="accent1">
-              <a:shade val="50000"/>
-            </a:schemeClr>
-          </a:lnRef>
-          <a:fillRef idx="1">
-            <a:schemeClr val="accent1"/>
-          </a:fillRef>
-          <a:effectRef idx="0">
-            <a:schemeClr val="accent1"/>
-          </a:effectRef>
-          <a:fontRef idx="minor">
-            <a:schemeClr val="lt1"/>
-          </a:fontRef>
-        </p:style>
-        <p:txBody>
-          <a:bodyPr rtlCol="0" anchor="ctr"/>
-          <a:lstStyle/>
-          <a:p>
-            <a:pPr algn="ctr"/>
-            <a:endParaRPr lang="ko-KR" altLang="en-US"/>
-          </a:p>
-        </p:txBody>
-      </p:sp>
-      <mc:AlternateContent xmlns:mc="http://schemas.openxmlformats.org/markup-compatibility/2006">
-        <mc:Choice xmlns:a14="http://schemas.microsoft.com/office/drawing/2010/main" Requires="a14">
-          <p:sp>
-            <p:nvSpPr>
-              <p:cNvPr id="15" name="TextBox 14">
-                <a:extLst>
-                  <a:ext uri="{FF2B5EF4-FFF2-40B4-BE49-F238E27FC236}">
-                    <a16:creationId xmlns:a16="http://schemas.microsoft.com/office/drawing/2014/main" id="{7A623601-CB2F-C007-FD65-AB89F3D13F4C}"/>
-                  </a:ext>
-                </a:extLst>
-              </p:cNvPr>
-              <p:cNvSpPr txBox="1"/>
-              <p:nvPr/>
-            </p:nvSpPr>
-            <p:spPr>
-              <a:xfrm>
-                <a:off x="4730517" y="3873465"/>
-                <a:ext cx="2663885" cy="508770"/>
-              </a:xfrm>
-              <a:prstGeom prst="rect">
-                <a:avLst/>
-              </a:prstGeom>
-              <a:noFill/>
-            </p:spPr>
-            <p:txBody>
-              <a:bodyPr wrap="none" rtlCol="0">
-                <a:spAutoFit/>
-              </a:bodyPr>
-              <a:lstStyle/>
-              <a:p>
-                <a:pPr algn="ctr"/>
-                <a:r>
-                  <a:rPr lang="ko-KR" altLang="en-US" dirty="0">
-                    <a:solidFill>
-                      <a:schemeClr val="accent2"/>
-                    </a:solidFill>
-                    <a:latin typeface="나눔스퀘어_ac" panose="020B0600000101010101" pitchFamily="50" charset="-127"/>
-                    <a:ea typeface="나눔스퀘어_ac" panose="020B0600000101010101" pitchFamily="50" charset="-127"/>
-                  </a:rPr>
-                  <a:t>어떤 선형 변환 </a:t>
-                </a:r>
-                <a14:m>
-                  <m:oMath xmlns:m="http://schemas.openxmlformats.org/officeDocument/2006/math">
-                    <m:sSup>
-                      <m:sSupPr>
-                        <m:ctrlPr>
-                          <a:rPr lang="en-US" altLang="ko-KR" b="0" i="1" dirty="0" smtClean="0">
-                            <a:solidFill>
-                              <a:schemeClr val="accent2"/>
-                            </a:solidFill>
-                            <a:latin typeface="Cambria Math" panose="02040503050406030204" pitchFamily="18" charset="0"/>
-                            <a:ea typeface="나눔스퀘어_ac" panose="020B0600000101010101" pitchFamily="50" charset="-127"/>
-                          </a:rPr>
-                        </m:ctrlPr>
-                      </m:sSupPr>
-                      <m:e>
-                        <m:r>
-                          <a:rPr lang="en-US" altLang="ko-KR" i="1" dirty="0" smtClean="0">
-                            <a:solidFill>
-                              <a:schemeClr val="accent2"/>
-                            </a:solidFill>
-                            <a:latin typeface="Cambria Math" panose="02040503050406030204" pitchFamily="18" charset="0"/>
-                            <a:ea typeface="나눔스퀘어_ac" panose="020B0600000101010101" pitchFamily="50" charset="-127"/>
-                          </a:rPr>
-                          <m:t>𝑅</m:t>
-                        </m:r>
-                      </m:e>
-                      <m:sup>
-                        <m:r>
-                          <a:rPr lang="en-US" altLang="ko-KR" b="0" i="1" dirty="0" smtClean="0">
-                            <a:solidFill>
-                              <a:schemeClr val="accent2"/>
-                            </a:solidFill>
-                            <a:latin typeface="Cambria Math" panose="02040503050406030204" pitchFamily="18" charset="0"/>
-                            <a:ea typeface="나눔스퀘어_ac" panose="020B0600000101010101" pitchFamily="50" charset="-127"/>
-                          </a:rPr>
-                          <m:t>−1</m:t>
-                        </m:r>
-                      </m:sup>
-                    </m:sSup>
-                  </m:oMath>
-                </a14:m>
-                <a:endParaRPr lang="en-US" altLang="ko-KR" dirty="0">
-                  <a:solidFill>
-                    <a:schemeClr val="accent2"/>
-                  </a:solidFill>
-                  <a:latin typeface="나눔스퀘어_ac" panose="020B0600000101010101" pitchFamily="50" charset="-127"/>
-                  <a:ea typeface="나눔스퀘어_ac" panose="020B0600000101010101" pitchFamily="50" charset="-127"/>
-                </a:endParaRPr>
-              </a:p>
-            </p:txBody>
-          </p:sp>
-        </mc:Choice>
-        <mc:Fallback>
-          <p:sp>
-            <p:nvSpPr>
-              <p:cNvPr id="15" name="TextBox 14">
-                <a:extLst>
-                  <a:ext uri="{FF2B5EF4-FFF2-40B4-BE49-F238E27FC236}">
-                    <a16:creationId xmlns:a16="http://schemas.microsoft.com/office/drawing/2014/main" id="{7A623601-CB2F-C007-FD65-AB89F3D13F4C}"/>
-                  </a:ext>
-                </a:extLst>
-              </p:cNvPr>
-              <p:cNvSpPr txBox="1">
-                <a:spLocks noRot="1" noChangeAspect="1" noMove="1" noResize="1" noEditPoints="1" noAdjustHandles="1" noChangeArrowheads="1" noChangeShapeType="1" noTextEdit="1"/>
-              </p:cNvSpPr>
-              <p:nvPr/>
-            </p:nvSpPr>
-            <p:spPr>
-              <a:xfrm>
-                <a:off x="4730517" y="3873465"/>
-                <a:ext cx="2663885" cy="508770"/>
-              </a:xfrm>
-              <a:prstGeom prst="rect">
-                <a:avLst/>
-              </a:prstGeom>
-              <a:blipFill>
-                <a:blip r:embed="rId6"/>
-                <a:stretch>
-                  <a:fillRect t="-4762"/>
-                </a:stretch>
-              </a:blipFill>
-            </p:spPr>
-            <p:txBody>
-              <a:bodyPr/>
-              <a:lstStyle/>
-              <a:p>
-                <a:r>
-                  <a:rPr lang="ko-KR" altLang="en-US">
-                    <a:noFill/>
-                  </a:rPr>
-                  <a:t> </a:t>
-                </a:r>
-              </a:p>
-            </p:txBody>
-          </p:sp>
-        </mc:Fallback>
-      </mc:AlternateContent>
-    </p:spTree>
-    <p:extLst>
-      <p:ext uri="{BB962C8B-B14F-4D97-AF65-F5344CB8AC3E}">
-        <p14:creationId xmlns:p14="http://schemas.microsoft.com/office/powerpoint/2010/main" val="52453976"/>
       </p:ext>
     </p:extLst>
   </p:cSld>
@@ -10071,6 +12414,1970 @@
 </p:sld>
 </file>
 
+<file path=ppt/slides/slide20.xml><?xml version="1.0" encoding="utf-8"?>
+<p:sld xmlns:a="http://schemas.openxmlformats.org/drawingml/2006/main" xmlns:r="http://schemas.openxmlformats.org/officeDocument/2006/relationships" xmlns:p="http://schemas.openxmlformats.org/presentationml/2006/main">
+  <p:cSld>
+    <p:spTree>
+      <p:nvGrpSpPr>
+        <p:cNvPr id="1" name=""/>
+        <p:cNvGrpSpPr/>
+        <p:nvPr/>
+      </p:nvGrpSpPr>
+      <p:grpSpPr>
+        <a:xfrm>
+          <a:off x="0" y="0"/>
+          <a:ext cx="0" cy="0"/>
+          <a:chOff x="0" y="0"/>
+          <a:chExt cx="0" cy="0"/>
+        </a:xfrm>
+      </p:grpSpPr>
+      <p:cxnSp>
+        <p:nvCxnSpPr>
+          <p:cNvPr id="11" name="직선 화살표 연결선 10">
+            <a:extLst>
+              <a:ext uri="{FF2B5EF4-FFF2-40B4-BE49-F238E27FC236}">
+                <a16:creationId xmlns:a16="http://schemas.microsoft.com/office/drawing/2014/main" id="{950D73B3-EA7F-EF92-A0A9-39C12EF436B5}"/>
+              </a:ext>
+            </a:extLst>
+          </p:cNvPr>
+          <p:cNvCxnSpPr/>
+          <p:nvPr/>
+        </p:nvCxnSpPr>
+        <p:spPr>
+          <a:xfrm>
+            <a:off x="1390651" y="3333750"/>
+            <a:ext cx="3571875" cy="0"/>
+          </a:xfrm>
+          <a:prstGeom prst="straightConnector1">
+            <a:avLst/>
+          </a:prstGeom>
+          <a:ln w="28575">
+            <a:solidFill>
+              <a:schemeClr val="bg1">
+                <a:lumMod val="85000"/>
+              </a:schemeClr>
+            </a:solidFill>
+            <a:tailEnd type="triangle"/>
+          </a:ln>
+        </p:spPr>
+        <p:style>
+          <a:lnRef idx="1">
+            <a:schemeClr val="accent1"/>
+          </a:lnRef>
+          <a:fillRef idx="0">
+            <a:schemeClr val="accent1"/>
+          </a:fillRef>
+          <a:effectRef idx="0">
+            <a:schemeClr val="accent1"/>
+          </a:effectRef>
+          <a:fontRef idx="minor">
+            <a:schemeClr val="tx1"/>
+          </a:fontRef>
+        </p:style>
+      </p:cxnSp>
+      <p:cxnSp>
+        <p:nvCxnSpPr>
+          <p:cNvPr id="12" name="직선 화살표 연결선 11">
+            <a:extLst>
+              <a:ext uri="{FF2B5EF4-FFF2-40B4-BE49-F238E27FC236}">
+                <a16:creationId xmlns:a16="http://schemas.microsoft.com/office/drawing/2014/main" id="{2963AE3A-CBA8-89DD-7326-E1DA3FCDAF16}"/>
+              </a:ext>
+            </a:extLst>
+          </p:cNvPr>
+          <p:cNvCxnSpPr>
+            <a:cxnSpLocks/>
+          </p:cNvCxnSpPr>
+          <p:nvPr/>
+        </p:nvCxnSpPr>
+        <p:spPr>
+          <a:xfrm rot="16200000">
+            <a:off x="1362076" y="3162300"/>
+            <a:ext cx="3571875" cy="0"/>
+          </a:xfrm>
+          <a:prstGeom prst="straightConnector1">
+            <a:avLst/>
+          </a:prstGeom>
+          <a:ln w="28575">
+            <a:solidFill>
+              <a:schemeClr val="bg1">
+                <a:lumMod val="85000"/>
+              </a:schemeClr>
+            </a:solidFill>
+            <a:tailEnd type="triangle"/>
+          </a:ln>
+        </p:spPr>
+        <p:style>
+          <a:lnRef idx="1">
+            <a:schemeClr val="accent1"/>
+          </a:lnRef>
+          <a:fillRef idx="0">
+            <a:schemeClr val="accent1"/>
+          </a:fillRef>
+          <a:effectRef idx="0">
+            <a:schemeClr val="accent1"/>
+          </a:effectRef>
+          <a:fontRef idx="minor">
+            <a:schemeClr val="tx1"/>
+          </a:fontRef>
+        </p:style>
+      </p:cxnSp>
+      <p:pic>
+        <p:nvPicPr>
+          <p:cNvPr id="5" name="그림 4">
+            <a:extLst>
+              <a:ext uri="{FF2B5EF4-FFF2-40B4-BE49-F238E27FC236}">
+                <a16:creationId xmlns:a16="http://schemas.microsoft.com/office/drawing/2014/main" id="{1CEB67D3-9F57-A855-BC0E-E595E3D65249}"/>
+              </a:ext>
+            </a:extLst>
+          </p:cNvPr>
+          <p:cNvPicPr>
+            <a:picLocks noChangeAspect="1"/>
+          </p:cNvPicPr>
+          <p:nvPr/>
+        </p:nvPicPr>
+        <p:blipFill rotWithShape="1">
+          <a:blip r:embed="rId2"/>
+          <a:srcRect l="23203" t="29300" r="63047" b="33097"/>
+          <a:stretch/>
+        </p:blipFill>
+        <p:spPr>
+          <a:xfrm>
+            <a:off x="2345825" y="2390775"/>
+            <a:ext cx="1676400" cy="1885950"/>
+          </a:xfrm>
+          <a:prstGeom prst="rect">
+            <a:avLst/>
+          </a:prstGeom>
+        </p:spPr>
+      </p:pic>
+      <p:sp>
+        <p:nvSpPr>
+          <p:cNvPr id="7" name="TextBox 6">
+            <a:extLst>
+              <a:ext uri="{FF2B5EF4-FFF2-40B4-BE49-F238E27FC236}">
+                <a16:creationId xmlns:a16="http://schemas.microsoft.com/office/drawing/2014/main" id="{18C68052-EB6B-7ED6-8C2A-3BBA6F5825E3}"/>
+              </a:ext>
+            </a:extLst>
+          </p:cNvPr>
+          <p:cNvSpPr txBox="1"/>
+          <p:nvPr/>
+        </p:nvSpPr>
+        <p:spPr>
+          <a:xfrm>
+            <a:off x="1960765" y="981908"/>
+            <a:ext cx="2383858" cy="369332"/>
+          </a:xfrm>
+          <a:prstGeom prst="rect">
+            <a:avLst/>
+          </a:prstGeom>
+          <a:noFill/>
+        </p:spPr>
+        <p:txBody>
+          <a:bodyPr wrap="none" rtlCol="0">
+            <a:spAutoFit/>
+          </a:bodyPr>
+          <a:lstStyle/>
+          <a:p>
+            <a:r>
+              <a:rPr lang="en-US" altLang="ko-KR" dirty="0">
+                <a:latin typeface="나눔스퀘어_ac" panose="020B0600000101010101" pitchFamily="50" charset="-127"/>
+                <a:ea typeface="나눔스퀘어_ac" panose="020B0600000101010101" pitchFamily="50" charset="-127"/>
+              </a:rPr>
+              <a:t>Data Z as “raw form”</a:t>
+            </a:r>
+          </a:p>
+        </p:txBody>
+      </p:sp>
+      <mc:AlternateContent xmlns:mc="http://schemas.openxmlformats.org/markup-compatibility/2006">
+        <mc:Choice xmlns:a14="http://schemas.microsoft.com/office/drawing/2010/main" Requires="a14">
+          <p:sp>
+            <p:nvSpPr>
+              <p:cNvPr id="8" name="TextBox 7">
+                <a:extLst>
+                  <a:ext uri="{FF2B5EF4-FFF2-40B4-BE49-F238E27FC236}">
+                    <a16:creationId xmlns:a16="http://schemas.microsoft.com/office/drawing/2014/main" id="{846D1179-5BF6-38AF-12EC-D71228FE4D4D}"/>
+                  </a:ext>
+                </a:extLst>
+              </p:cNvPr>
+              <p:cNvSpPr txBox="1"/>
+              <p:nvPr/>
+            </p:nvSpPr>
+            <p:spPr>
+              <a:xfrm>
+                <a:off x="4731332" y="2471470"/>
+                <a:ext cx="2318135" cy="369332"/>
+              </a:xfrm>
+              <a:prstGeom prst="rect">
+                <a:avLst/>
+              </a:prstGeom>
+              <a:noFill/>
+            </p:spPr>
+            <p:txBody>
+              <a:bodyPr wrap="none" rtlCol="0">
+                <a:spAutoFit/>
+              </a:bodyPr>
+              <a:lstStyle/>
+              <a:p>
+                <a:r>
+                  <a:rPr lang="en-US" altLang="ko-KR" dirty="0">
+                    <a:latin typeface="나눔스퀘어_ac" panose="020B0600000101010101" pitchFamily="50" charset="-127"/>
+                    <a:ea typeface="나눔스퀘어_ac" panose="020B0600000101010101" pitchFamily="50" charset="-127"/>
+                  </a:rPr>
+                  <a:t>A linear transform</a:t>
+                </a:r>
+                <a:r>
+                  <a:rPr lang="ko-KR" altLang="en-US" dirty="0">
+                    <a:latin typeface="나눔스퀘어_ac" panose="020B0600000101010101" pitchFamily="50" charset="-127"/>
+                    <a:ea typeface="나눔스퀘어_ac" panose="020B0600000101010101" pitchFamily="50" charset="-127"/>
+                  </a:rPr>
+                  <a:t> </a:t>
+                </a:r>
+                <a14:m>
+                  <m:oMath xmlns:m="http://schemas.openxmlformats.org/officeDocument/2006/math">
+                    <m:r>
+                      <a:rPr lang="en-US" altLang="ko-KR" i="1" dirty="0" smtClean="0">
+                        <a:latin typeface="Cambria Math" panose="02040503050406030204" pitchFamily="18" charset="0"/>
+                        <a:ea typeface="나눔스퀘어_ac" panose="020B0600000101010101" pitchFamily="50" charset="-127"/>
+                      </a:rPr>
+                      <m:t>𝑅</m:t>
+                    </m:r>
+                  </m:oMath>
+                </a14:m>
+                <a:endParaRPr lang="en-US" altLang="ko-KR" dirty="0">
+                  <a:latin typeface="나눔스퀘어_ac" panose="020B0600000101010101" pitchFamily="50" charset="-127"/>
+                  <a:ea typeface="나눔스퀘어_ac" panose="020B0600000101010101" pitchFamily="50" charset="-127"/>
+                </a:endParaRPr>
+              </a:p>
+            </p:txBody>
+          </p:sp>
+        </mc:Choice>
+        <mc:Fallback>
+          <p:sp>
+            <p:nvSpPr>
+              <p:cNvPr id="8" name="TextBox 7">
+                <a:extLst>
+                  <a:ext uri="{FF2B5EF4-FFF2-40B4-BE49-F238E27FC236}">
+                    <a16:creationId xmlns:a16="http://schemas.microsoft.com/office/drawing/2014/main" id="{846D1179-5BF6-38AF-12EC-D71228FE4D4D}"/>
+                  </a:ext>
+                </a:extLst>
+              </p:cNvPr>
+              <p:cNvSpPr txBox="1">
+                <a:spLocks noRot="1" noChangeAspect="1" noMove="1" noResize="1" noEditPoints="1" noAdjustHandles="1" noChangeArrowheads="1" noChangeShapeType="1" noTextEdit="1"/>
+              </p:cNvSpPr>
+              <p:nvPr/>
+            </p:nvSpPr>
+            <p:spPr>
+              <a:xfrm>
+                <a:off x="4731332" y="2471470"/>
+                <a:ext cx="2318135" cy="369332"/>
+              </a:xfrm>
+              <a:prstGeom prst="rect">
+                <a:avLst/>
+              </a:prstGeom>
+              <a:blipFill>
+                <a:blip r:embed="rId3"/>
+                <a:stretch>
+                  <a:fillRect l="-2105" t="-8197" b="-24590"/>
+                </a:stretch>
+              </a:blipFill>
+            </p:spPr>
+            <p:txBody>
+              <a:bodyPr/>
+              <a:lstStyle/>
+              <a:p>
+                <a:r>
+                  <a:rPr lang="en-US">
+                    <a:noFill/>
+                  </a:rPr>
+                  <a:t> </a:t>
+                </a:r>
+              </a:p>
+            </p:txBody>
+          </p:sp>
+        </mc:Fallback>
+      </mc:AlternateContent>
+      <p:sp>
+        <p:nvSpPr>
+          <p:cNvPr id="9" name="화살표: 오른쪽 8">
+            <a:extLst>
+              <a:ext uri="{FF2B5EF4-FFF2-40B4-BE49-F238E27FC236}">
+                <a16:creationId xmlns:a16="http://schemas.microsoft.com/office/drawing/2014/main" id="{D92CA6D8-5537-4D39-89E2-FE4AFD80E982}"/>
+              </a:ext>
+            </a:extLst>
+          </p:cNvPr>
+          <p:cNvSpPr/>
+          <p:nvPr/>
+        </p:nvSpPr>
+        <p:spPr>
+          <a:xfrm>
+            <a:off x="5460499" y="2871778"/>
+            <a:ext cx="932661" cy="461972"/>
+          </a:xfrm>
+          <a:prstGeom prst="rightArrow">
+            <a:avLst/>
+          </a:prstGeom>
+        </p:spPr>
+        <p:style>
+          <a:lnRef idx="2">
+            <a:schemeClr val="accent1">
+              <a:shade val="50000"/>
+            </a:schemeClr>
+          </a:lnRef>
+          <a:fillRef idx="1">
+            <a:schemeClr val="accent1"/>
+          </a:fillRef>
+          <a:effectRef idx="0">
+            <a:schemeClr val="accent1"/>
+          </a:effectRef>
+          <a:fontRef idx="minor">
+            <a:schemeClr val="lt1"/>
+          </a:fontRef>
+        </p:style>
+        <p:txBody>
+          <a:bodyPr rtlCol="0" anchor="ctr"/>
+          <a:lstStyle/>
+          <a:p>
+            <a:pPr algn="ctr"/>
+            <a:endParaRPr lang="ko-KR" altLang="en-US"/>
+          </a:p>
+        </p:txBody>
+      </p:sp>
+      <p:sp>
+        <p:nvSpPr>
+          <p:cNvPr id="10" name="TextBox 9">
+            <a:extLst>
+              <a:ext uri="{FF2B5EF4-FFF2-40B4-BE49-F238E27FC236}">
+                <a16:creationId xmlns:a16="http://schemas.microsoft.com/office/drawing/2014/main" id="{BC9BCC07-2B59-E6D6-66C9-490C35219DE3}"/>
+              </a:ext>
+            </a:extLst>
+          </p:cNvPr>
+          <p:cNvSpPr txBox="1"/>
+          <p:nvPr/>
+        </p:nvSpPr>
+        <p:spPr>
+          <a:xfrm>
+            <a:off x="6577667" y="981908"/>
+            <a:ext cx="4505401" cy="369332"/>
+          </a:xfrm>
+          <a:prstGeom prst="rect">
+            <a:avLst/>
+          </a:prstGeom>
+          <a:noFill/>
+        </p:spPr>
+        <p:txBody>
+          <a:bodyPr wrap="none" rtlCol="0">
+            <a:spAutoFit/>
+          </a:bodyPr>
+          <a:lstStyle/>
+          <a:p>
+            <a:r>
+              <a:rPr lang="en-US" altLang="ko-KR" dirty="0">
+                <a:latin typeface="나눔스퀘어_ac" panose="020B0600000101010101" pitchFamily="50" charset="-127"/>
+                <a:ea typeface="나눔스퀘어_ac" panose="020B0600000101010101" pitchFamily="50" charset="-127"/>
+              </a:rPr>
+              <a:t>“X” after transformation the given data Z</a:t>
+            </a:r>
+          </a:p>
+        </p:txBody>
+      </p:sp>
+      <p:cxnSp>
+        <p:nvCxnSpPr>
+          <p:cNvPr id="13" name="직선 화살표 연결선 12">
+            <a:extLst>
+              <a:ext uri="{FF2B5EF4-FFF2-40B4-BE49-F238E27FC236}">
+                <a16:creationId xmlns:a16="http://schemas.microsoft.com/office/drawing/2014/main" id="{8884A372-0F2C-F3B6-0101-ACC1A2B26BC3}"/>
+              </a:ext>
+            </a:extLst>
+          </p:cNvPr>
+          <p:cNvCxnSpPr/>
+          <p:nvPr/>
+        </p:nvCxnSpPr>
+        <p:spPr>
+          <a:xfrm>
+            <a:off x="6978196" y="3333750"/>
+            <a:ext cx="3571875" cy="0"/>
+          </a:xfrm>
+          <a:prstGeom prst="straightConnector1">
+            <a:avLst/>
+          </a:prstGeom>
+          <a:ln w="28575">
+            <a:solidFill>
+              <a:schemeClr val="bg1">
+                <a:lumMod val="85000"/>
+              </a:schemeClr>
+            </a:solidFill>
+            <a:tailEnd type="triangle"/>
+          </a:ln>
+        </p:spPr>
+        <p:style>
+          <a:lnRef idx="1">
+            <a:schemeClr val="accent1"/>
+          </a:lnRef>
+          <a:fillRef idx="0">
+            <a:schemeClr val="accent1"/>
+          </a:fillRef>
+          <a:effectRef idx="0">
+            <a:schemeClr val="accent1"/>
+          </a:effectRef>
+          <a:fontRef idx="minor">
+            <a:schemeClr val="tx1"/>
+          </a:fontRef>
+        </p:style>
+      </p:cxnSp>
+      <p:cxnSp>
+        <p:nvCxnSpPr>
+          <p:cNvPr id="14" name="직선 화살표 연결선 13">
+            <a:extLst>
+              <a:ext uri="{FF2B5EF4-FFF2-40B4-BE49-F238E27FC236}">
+                <a16:creationId xmlns:a16="http://schemas.microsoft.com/office/drawing/2014/main" id="{CF873D88-B5FA-F7D4-5E04-66A46C5378B5}"/>
+              </a:ext>
+            </a:extLst>
+          </p:cNvPr>
+          <p:cNvCxnSpPr>
+            <a:cxnSpLocks/>
+          </p:cNvCxnSpPr>
+          <p:nvPr/>
+        </p:nvCxnSpPr>
+        <p:spPr>
+          <a:xfrm rot="16200000">
+            <a:off x="6949621" y="3162300"/>
+            <a:ext cx="3571875" cy="0"/>
+          </a:xfrm>
+          <a:prstGeom prst="straightConnector1">
+            <a:avLst/>
+          </a:prstGeom>
+          <a:ln w="28575">
+            <a:solidFill>
+              <a:schemeClr val="bg1">
+                <a:lumMod val="85000"/>
+              </a:schemeClr>
+            </a:solidFill>
+            <a:tailEnd type="triangle"/>
+          </a:ln>
+        </p:spPr>
+        <p:style>
+          <a:lnRef idx="1">
+            <a:schemeClr val="accent1"/>
+          </a:lnRef>
+          <a:fillRef idx="0">
+            <a:schemeClr val="accent1"/>
+          </a:fillRef>
+          <a:effectRef idx="0">
+            <a:schemeClr val="accent1"/>
+          </a:effectRef>
+          <a:fontRef idx="minor">
+            <a:schemeClr val="tx1"/>
+          </a:fontRef>
+        </p:style>
+      </p:cxnSp>
+      <p:pic>
+        <p:nvPicPr>
+          <p:cNvPr id="6" name="그림 5">
+            <a:extLst>
+              <a:ext uri="{FF2B5EF4-FFF2-40B4-BE49-F238E27FC236}">
+                <a16:creationId xmlns:a16="http://schemas.microsoft.com/office/drawing/2014/main" id="{8EC64F09-6D01-1C8A-041F-221990E2E84B}"/>
+              </a:ext>
+            </a:extLst>
+          </p:cNvPr>
+          <p:cNvPicPr>
+            <a:picLocks noChangeAspect="1"/>
+          </p:cNvPicPr>
+          <p:nvPr/>
+        </p:nvPicPr>
+        <p:blipFill rotWithShape="1">
+          <a:blip r:embed="rId2"/>
+          <a:srcRect l="62031" t="15626" r="14375" b="21133"/>
+          <a:stretch/>
+        </p:blipFill>
+        <p:spPr>
+          <a:xfrm>
+            <a:off x="7297283" y="1695450"/>
+            <a:ext cx="2876550" cy="3171825"/>
+          </a:xfrm>
+          <a:prstGeom prst="rect">
+            <a:avLst/>
+          </a:prstGeom>
+        </p:spPr>
+      </p:pic>
+    </p:spTree>
+    <p:extLst>
+      <p:ext uri="{BB962C8B-B14F-4D97-AF65-F5344CB8AC3E}">
+        <p14:creationId xmlns:p14="http://schemas.microsoft.com/office/powerpoint/2010/main" val="936788503"/>
+      </p:ext>
+    </p:extLst>
+  </p:cSld>
+  <p:clrMapOvr>
+    <a:masterClrMapping/>
+  </p:clrMapOvr>
+</p:sld>
+</file>
+
+<file path=ppt/slides/slide21.xml><?xml version="1.0" encoding="utf-8"?>
+<p:sld xmlns:a="http://schemas.openxmlformats.org/drawingml/2006/main" xmlns:r="http://schemas.openxmlformats.org/officeDocument/2006/relationships" xmlns:p="http://schemas.openxmlformats.org/presentationml/2006/main">
+  <p:cSld>
+    <p:spTree>
+      <p:nvGrpSpPr>
+        <p:cNvPr id="1" name=""/>
+        <p:cNvGrpSpPr/>
+        <p:nvPr/>
+      </p:nvGrpSpPr>
+      <p:grpSpPr>
+        <a:xfrm>
+          <a:off x="0" y="0"/>
+          <a:ext cx="0" cy="0"/>
+          <a:chOff x="0" y="0"/>
+          <a:chExt cx="0" cy="0"/>
+        </a:xfrm>
+      </p:grpSpPr>
+      <p:cxnSp>
+        <p:nvCxnSpPr>
+          <p:cNvPr id="4" name="직선 화살표 연결선 3">
+            <a:extLst>
+              <a:ext uri="{FF2B5EF4-FFF2-40B4-BE49-F238E27FC236}">
+                <a16:creationId xmlns:a16="http://schemas.microsoft.com/office/drawing/2014/main" id="{9F628ACD-9C7B-B33D-C4FC-97F5E039A4B4}"/>
+              </a:ext>
+            </a:extLst>
+          </p:cNvPr>
+          <p:cNvCxnSpPr/>
+          <p:nvPr/>
+        </p:nvCxnSpPr>
+        <p:spPr>
+          <a:xfrm>
+            <a:off x="514467" y="3832977"/>
+            <a:ext cx="3913870" cy="0"/>
+          </a:xfrm>
+          <a:prstGeom prst="straightConnector1">
+            <a:avLst/>
+          </a:prstGeom>
+          <a:ln w="28575">
+            <a:solidFill>
+              <a:schemeClr val="bg1">
+                <a:lumMod val="85000"/>
+              </a:schemeClr>
+            </a:solidFill>
+            <a:tailEnd type="triangle"/>
+          </a:ln>
+        </p:spPr>
+        <p:style>
+          <a:lnRef idx="1">
+            <a:schemeClr val="accent1"/>
+          </a:lnRef>
+          <a:fillRef idx="0">
+            <a:schemeClr val="accent1"/>
+          </a:fillRef>
+          <a:effectRef idx="0">
+            <a:schemeClr val="accent1"/>
+          </a:effectRef>
+          <a:fontRef idx="minor">
+            <a:schemeClr val="tx1"/>
+          </a:fontRef>
+        </p:style>
+      </p:cxnSp>
+      <p:cxnSp>
+        <p:nvCxnSpPr>
+          <p:cNvPr id="5" name="직선 화살표 연결선 4">
+            <a:extLst>
+              <a:ext uri="{FF2B5EF4-FFF2-40B4-BE49-F238E27FC236}">
+                <a16:creationId xmlns:a16="http://schemas.microsoft.com/office/drawing/2014/main" id="{5C2F2D1A-02BB-4FA4-9ABE-0743FE6F935A}"/>
+              </a:ext>
+            </a:extLst>
+          </p:cNvPr>
+          <p:cNvCxnSpPr>
+            <a:cxnSpLocks/>
+          </p:cNvCxnSpPr>
+          <p:nvPr/>
+        </p:nvCxnSpPr>
+        <p:spPr>
+          <a:xfrm rot="16200000">
+            <a:off x="483157" y="3645111"/>
+            <a:ext cx="3913869" cy="0"/>
+          </a:xfrm>
+          <a:prstGeom prst="straightConnector1">
+            <a:avLst/>
+          </a:prstGeom>
+          <a:ln w="28575">
+            <a:solidFill>
+              <a:schemeClr val="bg1">
+                <a:lumMod val="85000"/>
+              </a:schemeClr>
+            </a:solidFill>
+            <a:tailEnd type="triangle"/>
+          </a:ln>
+        </p:spPr>
+        <p:style>
+          <a:lnRef idx="1">
+            <a:schemeClr val="accent1"/>
+          </a:lnRef>
+          <a:fillRef idx="0">
+            <a:schemeClr val="accent1"/>
+          </a:fillRef>
+          <a:effectRef idx="0">
+            <a:schemeClr val="accent1"/>
+          </a:effectRef>
+          <a:fontRef idx="minor">
+            <a:schemeClr val="tx1"/>
+          </a:fontRef>
+        </p:style>
+      </p:cxnSp>
+      <p:pic>
+        <p:nvPicPr>
+          <p:cNvPr id="6" name="그림 5">
+            <a:extLst>
+              <a:ext uri="{FF2B5EF4-FFF2-40B4-BE49-F238E27FC236}">
+                <a16:creationId xmlns:a16="http://schemas.microsoft.com/office/drawing/2014/main" id="{00E439F7-D01A-BEFB-C421-72F35630657A}"/>
+              </a:ext>
+            </a:extLst>
+          </p:cNvPr>
+          <p:cNvPicPr>
+            <a:picLocks noChangeAspect="1"/>
+          </p:cNvPicPr>
+          <p:nvPr/>
+        </p:nvPicPr>
+        <p:blipFill rotWithShape="1">
+          <a:blip r:embed="rId2"/>
+          <a:srcRect l="23203" t="29300" r="63047" b="33097"/>
+          <a:stretch/>
+        </p:blipFill>
+        <p:spPr>
+          <a:xfrm>
+            <a:off x="1561096" y="2799716"/>
+            <a:ext cx="1836910" cy="2066523"/>
+          </a:xfrm>
+          <a:prstGeom prst="rect">
+            <a:avLst/>
+          </a:prstGeom>
+        </p:spPr>
+      </p:pic>
+      <mc:AlternateContent xmlns:mc="http://schemas.openxmlformats.org/markup-compatibility/2006" xmlns:a14="http://schemas.microsoft.com/office/drawing/2010/main">
+        <mc:Choice Requires="a14">
+          <p:sp>
+            <p:nvSpPr>
+              <p:cNvPr id="7" name="TextBox 6">
+                <a:extLst>
+                  <a:ext uri="{FF2B5EF4-FFF2-40B4-BE49-F238E27FC236}">
+                    <a16:creationId xmlns:a16="http://schemas.microsoft.com/office/drawing/2014/main" id="{568ED131-A892-7DEA-BE7D-3FE9F38B82CE}"/>
+                  </a:ext>
+                </a:extLst>
+              </p:cNvPr>
+              <p:cNvSpPr txBox="1"/>
+              <p:nvPr/>
+            </p:nvSpPr>
+            <p:spPr>
+              <a:xfrm>
+                <a:off x="1315007" y="1255955"/>
+                <a:ext cx="2250168" cy="369332"/>
+              </a:xfrm>
+              <a:prstGeom prst="rect">
+                <a:avLst/>
+              </a:prstGeom>
+              <a:noFill/>
+            </p:spPr>
+            <p:txBody>
+              <a:bodyPr wrap="none" rtlCol="0">
+                <a:spAutoFit/>
+              </a:bodyPr>
+              <a:lstStyle/>
+              <a:p>
+                <a:pPr algn="ctr"/>
+                <a:r>
+                  <a:rPr lang="en-US" altLang="ko-KR" dirty="0">
+                    <a:latin typeface="나눔스퀘어_ac" panose="020B0600000101010101" pitchFamily="50" charset="-127"/>
+                    <a:ea typeface="나눔스퀘어_ac" panose="020B0600000101010101" pitchFamily="50" charset="-127"/>
+                  </a:rPr>
+                  <a:t>“</a:t>
+                </a:r>
+                <a:r>
+                  <a:rPr lang="ko-KR" altLang="en-US" dirty="0">
+                    <a:latin typeface="나눔스퀘어_ac" panose="020B0600000101010101" pitchFamily="50" charset="-127"/>
+                    <a:ea typeface="나눔스퀘어_ac" panose="020B0600000101010101" pitchFamily="50" charset="-127"/>
+                  </a:rPr>
+                  <a:t>원시 형태</a:t>
+                </a:r>
+                <a:r>
+                  <a:rPr lang="en-US" altLang="ko-KR" dirty="0">
+                    <a:latin typeface="나눔스퀘어_ac" panose="020B0600000101010101" pitchFamily="50" charset="-127"/>
+                    <a:ea typeface="나눔스퀘어_ac" panose="020B0600000101010101" pitchFamily="50" charset="-127"/>
+                  </a:rPr>
+                  <a:t>”</a:t>
+                </a:r>
+                <a:r>
+                  <a:rPr lang="ko-KR" altLang="en-US" dirty="0">
+                    <a:latin typeface="나눔스퀘어_ac" panose="020B0600000101010101" pitchFamily="50" charset="-127"/>
+                    <a:ea typeface="나눔스퀘어_ac" panose="020B0600000101010101" pitchFamily="50" charset="-127"/>
+                  </a:rPr>
+                  <a:t>의 데이터 </a:t>
+                </a:r>
+                <a14:m>
+                  <m:oMath xmlns:m="http://schemas.openxmlformats.org/officeDocument/2006/math">
+                    <m:r>
+                      <a:rPr lang="en-US" altLang="ko-KR" i="1" dirty="0" smtClean="0">
+                        <a:latin typeface="Cambria Math" panose="02040503050406030204" pitchFamily="18" charset="0"/>
+                        <a:ea typeface="나눔스퀘어_ac" panose="020B0600000101010101" pitchFamily="50" charset="-127"/>
+                      </a:rPr>
+                      <m:t>𝑍</m:t>
+                    </m:r>
+                  </m:oMath>
+                </a14:m>
+                <a:endParaRPr lang="en-US" altLang="ko-KR" dirty="0">
+                  <a:latin typeface="나눔스퀘어_ac" panose="020B0600000101010101" pitchFamily="50" charset="-127"/>
+                  <a:ea typeface="나눔스퀘어_ac" panose="020B0600000101010101" pitchFamily="50" charset="-127"/>
+                </a:endParaRPr>
+              </a:p>
+            </p:txBody>
+          </p:sp>
+        </mc:Choice>
+        <mc:Fallback xmlns="">
+          <p:sp>
+            <p:nvSpPr>
+              <p:cNvPr id="7" name="TextBox 6">
+                <a:extLst>
+                  <a:ext uri="{FF2B5EF4-FFF2-40B4-BE49-F238E27FC236}">
+                    <a16:creationId xmlns:a16="http://schemas.microsoft.com/office/drawing/2014/main" id="{568ED131-A892-7DEA-BE7D-3FE9F38B82CE}"/>
+                  </a:ext>
+                </a:extLst>
+              </p:cNvPr>
+              <p:cNvSpPr txBox="1">
+                <a:spLocks noRot="1" noChangeAspect="1" noMove="1" noResize="1" noEditPoints="1" noAdjustHandles="1" noChangeArrowheads="1" noChangeShapeType="1" noTextEdit="1"/>
+              </p:cNvSpPr>
+              <p:nvPr/>
+            </p:nvSpPr>
+            <p:spPr>
+              <a:xfrm>
+                <a:off x="1315007" y="1255955"/>
+                <a:ext cx="2250168" cy="369332"/>
+              </a:xfrm>
+              <a:prstGeom prst="rect">
+                <a:avLst/>
+              </a:prstGeom>
+              <a:blipFill>
+                <a:blip r:embed="rId3"/>
+                <a:stretch>
+                  <a:fillRect l="-1897" t="-6557" b="-26230"/>
+                </a:stretch>
+              </a:blipFill>
+            </p:spPr>
+            <p:txBody>
+              <a:bodyPr/>
+              <a:lstStyle/>
+              <a:p>
+                <a:r>
+                  <a:rPr lang="ko-KR" altLang="en-US">
+                    <a:noFill/>
+                  </a:rPr>
+                  <a:t> </a:t>
+                </a:r>
+              </a:p>
+            </p:txBody>
+          </p:sp>
+        </mc:Fallback>
+      </mc:AlternateContent>
+      <mc:AlternateContent xmlns:mc="http://schemas.openxmlformats.org/markup-compatibility/2006" xmlns:a14="http://schemas.microsoft.com/office/drawing/2010/main">
+        <mc:Choice Requires="a14">
+          <p:sp>
+            <p:nvSpPr>
+              <p:cNvPr id="8" name="TextBox 7">
+                <a:extLst>
+                  <a:ext uri="{FF2B5EF4-FFF2-40B4-BE49-F238E27FC236}">
+                    <a16:creationId xmlns:a16="http://schemas.microsoft.com/office/drawing/2014/main" id="{434CA4A3-EB71-B1DF-4F8C-032B11AE08F2}"/>
+                  </a:ext>
+                </a:extLst>
+              </p:cNvPr>
+              <p:cNvSpPr txBox="1"/>
+              <p:nvPr/>
+            </p:nvSpPr>
+            <p:spPr>
+              <a:xfrm>
+                <a:off x="4888358" y="2361080"/>
+                <a:ext cx="2348202" cy="508770"/>
+              </a:xfrm>
+              <a:prstGeom prst="rect">
+                <a:avLst/>
+              </a:prstGeom>
+              <a:noFill/>
+            </p:spPr>
+            <p:txBody>
+              <a:bodyPr wrap="none" rtlCol="0">
+                <a:spAutoFit/>
+              </a:bodyPr>
+              <a:lstStyle/>
+              <a:p>
+                <a:pPr algn="ctr"/>
+                <a:r>
+                  <a:rPr lang="ko-KR" altLang="en-US" dirty="0">
+                    <a:solidFill>
+                      <a:schemeClr val="accent1"/>
+                    </a:solidFill>
+                    <a:latin typeface="나눔스퀘어_ac" panose="020B0600000101010101" pitchFamily="50" charset="-127"/>
+                    <a:ea typeface="나눔스퀘어_ac" panose="020B0600000101010101" pitchFamily="50" charset="-127"/>
+                  </a:rPr>
+                  <a:t>어떤 선형 변환 </a:t>
+                </a:r>
+                <a14:m>
+                  <m:oMath xmlns:m="http://schemas.openxmlformats.org/officeDocument/2006/math">
+                    <m:r>
+                      <a:rPr lang="en-US" altLang="ko-KR" i="1" dirty="0" smtClean="0">
+                        <a:solidFill>
+                          <a:schemeClr val="accent1"/>
+                        </a:solidFill>
+                        <a:latin typeface="Cambria Math" panose="02040503050406030204" pitchFamily="18" charset="0"/>
+                        <a:ea typeface="나눔스퀘어_ac" panose="020B0600000101010101" pitchFamily="50" charset="-127"/>
+                      </a:rPr>
+                      <m:t>𝑅</m:t>
+                    </m:r>
+                  </m:oMath>
+                </a14:m>
+                <a:endParaRPr lang="en-US" altLang="ko-KR" dirty="0">
+                  <a:solidFill>
+                    <a:schemeClr val="accent1"/>
+                  </a:solidFill>
+                  <a:latin typeface="나눔스퀘어_ac" panose="020B0600000101010101" pitchFamily="50" charset="-127"/>
+                  <a:ea typeface="나눔스퀘어_ac" panose="020B0600000101010101" pitchFamily="50" charset="-127"/>
+                </a:endParaRPr>
+              </a:p>
+            </p:txBody>
+          </p:sp>
+        </mc:Choice>
+        <mc:Fallback xmlns="">
+          <p:sp>
+            <p:nvSpPr>
+              <p:cNvPr id="8" name="TextBox 7">
+                <a:extLst>
+                  <a:ext uri="{FF2B5EF4-FFF2-40B4-BE49-F238E27FC236}">
+                    <a16:creationId xmlns:a16="http://schemas.microsoft.com/office/drawing/2014/main" id="{434CA4A3-EB71-B1DF-4F8C-032B11AE08F2}"/>
+                  </a:ext>
+                </a:extLst>
+              </p:cNvPr>
+              <p:cNvSpPr txBox="1">
+                <a:spLocks noRot="1" noChangeAspect="1" noMove="1" noResize="1" noEditPoints="1" noAdjustHandles="1" noChangeArrowheads="1" noChangeShapeType="1" noTextEdit="1"/>
+              </p:cNvSpPr>
+              <p:nvPr/>
+            </p:nvSpPr>
+            <p:spPr>
+              <a:xfrm>
+                <a:off x="4888358" y="2361080"/>
+                <a:ext cx="2348202" cy="508770"/>
+              </a:xfrm>
+              <a:prstGeom prst="rect">
+                <a:avLst/>
+              </a:prstGeom>
+              <a:blipFill>
+                <a:blip r:embed="rId4"/>
+                <a:stretch>
+                  <a:fillRect t="-4762"/>
+                </a:stretch>
+              </a:blipFill>
+            </p:spPr>
+            <p:txBody>
+              <a:bodyPr/>
+              <a:lstStyle/>
+              <a:p>
+                <a:r>
+                  <a:rPr lang="ko-KR" altLang="en-US">
+                    <a:noFill/>
+                  </a:rPr>
+                  <a:t> </a:t>
+                </a:r>
+              </a:p>
+            </p:txBody>
+          </p:sp>
+        </mc:Fallback>
+      </mc:AlternateContent>
+      <p:sp>
+        <p:nvSpPr>
+          <p:cNvPr id="9" name="화살표: 오른쪽 8">
+            <a:extLst>
+              <a:ext uri="{FF2B5EF4-FFF2-40B4-BE49-F238E27FC236}">
+                <a16:creationId xmlns:a16="http://schemas.microsoft.com/office/drawing/2014/main" id="{FACFA7C3-C318-B1B1-F889-BC5B53B2965A}"/>
+              </a:ext>
+            </a:extLst>
+          </p:cNvPr>
+          <p:cNvSpPr/>
+          <p:nvPr/>
+        </p:nvSpPr>
+        <p:spPr>
+          <a:xfrm>
+            <a:off x="5551480" y="2799716"/>
+            <a:ext cx="1021960" cy="506205"/>
+          </a:xfrm>
+          <a:prstGeom prst="rightArrow">
+            <a:avLst/>
+          </a:prstGeom>
+        </p:spPr>
+        <p:style>
+          <a:lnRef idx="2">
+            <a:schemeClr val="accent1">
+              <a:shade val="50000"/>
+            </a:schemeClr>
+          </a:lnRef>
+          <a:fillRef idx="1">
+            <a:schemeClr val="accent1"/>
+          </a:fillRef>
+          <a:effectRef idx="0">
+            <a:schemeClr val="accent1"/>
+          </a:effectRef>
+          <a:fontRef idx="minor">
+            <a:schemeClr val="lt1"/>
+          </a:fontRef>
+        </p:style>
+        <p:txBody>
+          <a:bodyPr rtlCol="0" anchor="ctr"/>
+          <a:lstStyle/>
+          <a:p>
+            <a:pPr algn="ctr"/>
+            <a:endParaRPr lang="ko-KR" altLang="en-US"/>
+          </a:p>
+        </p:txBody>
+      </p:sp>
+      <mc:AlternateContent xmlns:mc="http://schemas.openxmlformats.org/markup-compatibility/2006" xmlns:a14="http://schemas.microsoft.com/office/drawing/2010/main">
+        <mc:Choice Requires="a14">
+          <p:sp>
+            <p:nvSpPr>
+              <p:cNvPr id="10" name="TextBox 9">
+                <a:extLst>
+                  <a:ext uri="{FF2B5EF4-FFF2-40B4-BE49-F238E27FC236}">
+                    <a16:creationId xmlns:a16="http://schemas.microsoft.com/office/drawing/2014/main" id="{125B2260-5708-08DC-290A-89C928EEFBAC}"/>
+                  </a:ext>
+                </a:extLst>
+              </p:cNvPr>
+              <p:cNvSpPr txBox="1"/>
+              <p:nvPr/>
+            </p:nvSpPr>
+            <p:spPr>
+              <a:xfrm>
+                <a:off x="8439169" y="1255955"/>
+                <a:ext cx="2500236" cy="369332"/>
+              </a:xfrm>
+              <a:prstGeom prst="rect">
+                <a:avLst/>
+              </a:prstGeom>
+              <a:noFill/>
+            </p:spPr>
+            <p:txBody>
+              <a:bodyPr wrap="none" rtlCol="0">
+                <a:spAutoFit/>
+              </a:bodyPr>
+              <a:lstStyle/>
+              <a:p>
+                <a:pPr algn="ctr"/>
+                <a:r>
+                  <a:rPr lang="ko-KR" altLang="en-US" dirty="0">
+                    <a:latin typeface="나눔스퀘어_ac" panose="020B0600000101010101" pitchFamily="50" charset="-127"/>
+                    <a:ea typeface="나눔스퀘어_ac" panose="020B0600000101010101" pitchFamily="50" charset="-127"/>
+                  </a:rPr>
+                  <a:t>주어진 데이터를 수정한 </a:t>
+                </a:r>
+                <a14:m>
+                  <m:oMath xmlns:m="http://schemas.openxmlformats.org/officeDocument/2006/math">
+                    <m:r>
+                      <a:rPr lang="en-US" altLang="ko-KR" b="0" i="1" smtClean="0">
+                        <a:latin typeface="Cambria Math" panose="02040503050406030204" pitchFamily="18" charset="0"/>
+                        <a:ea typeface="나눔스퀘어_ac" panose="020B0600000101010101" pitchFamily="50" charset="-127"/>
+                      </a:rPr>
+                      <m:t>𝑋</m:t>
+                    </m:r>
+                  </m:oMath>
+                </a14:m>
+                <a:endParaRPr lang="en-US" altLang="ko-KR" dirty="0">
+                  <a:latin typeface="나눔스퀘어_ac" panose="020B0600000101010101" pitchFamily="50" charset="-127"/>
+                  <a:ea typeface="나눔스퀘어_ac" panose="020B0600000101010101" pitchFamily="50" charset="-127"/>
+                </a:endParaRPr>
+              </a:p>
+            </p:txBody>
+          </p:sp>
+        </mc:Choice>
+        <mc:Fallback xmlns="">
+          <p:sp>
+            <p:nvSpPr>
+              <p:cNvPr id="10" name="TextBox 9">
+                <a:extLst>
+                  <a:ext uri="{FF2B5EF4-FFF2-40B4-BE49-F238E27FC236}">
+                    <a16:creationId xmlns:a16="http://schemas.microsoft.com/office/drawing/2014/main" id="{125B2260-5708-08DC-290A-89C928EEFBAC}"/>
+                  </a:ext>
+                </a:extLst>
+              </p:cNvPr>
+              <p:cNvSpPr txBox="1">
+                <a:spLocks noRot="1" noChangeAspect="1" noMove="1" noResize="1" noEditPoints="1" noAdjustHandles="1" noChangeArrowheads="1" noChangeShapeType="1" noTextEdit="1"/>
+              </p:cNvSpPr>
+              <p:nvPr/>
+            </p:nvSpPr>
+            <p:spPr>
+              <a:xfrm>
+                <a:off x="8439169" y="1255955"/>
+                <a:ext cx="2500236" cy="369332"/>
+              </a:xfrm>
+              <a:prstGeom prst="rect">
+                <a:avLst/>
+              </a:prstGeom>
+              <a:blipFill>
+                <a:blip r:embed="rId5"/>
+                <a:stretch>
+                  <a:fillRect l="-1460" t="-6557" b="-26230"/>
+                </a:stretch>
+              </a:blipFill>
+            </p:spPr>
+            <p:txBody>
+              <a:bodyPr/>
+              <a:lstStyle/>
+              <a:p>
+                <a:r>
+                  <a:rPr lang="ko-KR" altLang="en-US">
+                    <a:noFill/>
+                  </a:rPr>
+                  <a:t> </a:t>
+                </a:r>
+              </a:p>
+            </p:txBody>
+          </p:sp>
+        </mc:Fallback>
+      </mc:AlternateContent>
+      <p:cxnSp>
+        <p:nvCxnSpPr>
+          <p:cNvPr id="11" name="직선 화살표 연결선 10">
+            <a:extLst>
+              <a:ext uri="{FF2B5EF4-FFF2-40B4-BE49-F238E27FC236}">
+                <a16:creationId xmlns:a16="http://schemas.microsoft.com/office/drawing/2014/main" id="{2E25BDAF-5626-672C-AC1C-1E1B015E7AEB}"/>
+              </a:ext>
+            </a:extLst>
+          </p:cNvPr>
+          <p:cNvCxnSpPr/>
+          <p:nvPr/>
+        </p:nvCxnSpPr>
+        <p:spPr>
+          <a:xfrm>
+            <a:off x="7763664" y="3832977"/>
+            <a:ext cx="3913870" cy="0"/>
+          </a:xfrm>
+          <a:prstGeom prst="straightConnector1">
+            <a:avLst/>
+          </a:prstGeom>
+          <a:ln w="28575">
+            <a:solidFill>
+              <a:schemeClr val="bg1">
+                <a:lumMod val="85000"/>
+              </a:schemeClr>
+            </a:solidFill>
+            <a:tailEnd type="triangle"/>
+          </a:ln>
+        </p:spPr>
+        <p:style>
+          <a:lnRef idx="1">
+            <a:schemeClr val="accent1"/>
+          </a:lnRef>
+          <a:fillRef idx="0">
+            <a:schemeClr val="accent1"/>
+          </a:fillRef>
+          <a:effectRef idx="0">
+            <a:schemeClr val="accent1"/>
+          </a:effectRef>
+          <a:fontRef idx="minor">
+            <a:schemeClr val="tx1"/>
+          </a:fontRef>
+        </p:style>
+      </p:cxnSp>
+      <p:cxnSp>
+        <p:nvCxnSpPr>
+          <p:cNvPr id="12" name="직선 화살표 연결선 11">
+            <a:extLst>
+              <a:ext uri="{FF2B5EF4-FFF2-40B4-BE49-F238E27FC236}">
+                <a16:creationId xmlns:a16="http://schemas.microsoft.com/office/drawing/2014/main" id="{0CAADD75-D274-4F51-E57C-5BEF0548FE01}"/>
+              </a:ext>
+            </a:extLst>
+          </p:cNvPr>
+          <p:cNvCxnSpPr>
+            <a:cxnSpLocks/>
+          </p:cNvCxnSpPr>
+          <p:nvPr/>
+        </p:nvCxnSpPr>
+        <p:spPr>
+          <a:xfrm rot="16200000">
+            <a:off x="7732354" y="3645111"/>
+            <a:ext cx="3913869" cy="0"/>
+          </a:xfrm>
+          <a:prstGeom prst="straightConnector1">
+            <a:avLst/>
+          </a:prstGeom>
+          <a:ln w="28575">
+            <a:solidFill>
+              <a:schemeClr val="bg1">
+                <a:lumMod val="85000"/>
+              </a:schemeClr>
+            </a:solidFill>
+            <a:tailEnd type="triangle"/>
+          </a:ln>
+        </p:spPr>
+        <p:style>
+          <a:lnRef idx="1">
+            <a:schemeClr val="accent1"/>
+          </a:lnRef>
+          <a:fillRef idx="0">
+            <a:schemeClr val="accent1"/>
+          </a:fillRef>
+          <a:effectRef idx="0">
+            <a:schemeClr val="accent1"/>
+          </a:effectRef>
+          <a:fontRef idx="minor">
+            <a:schemeClr val="tx1"/>
+          </a:fontRef>
+        </p:style>
+      </p:cxnSp>
+      <p:pic>
+        <p:nvPicPr>
+          <p:cNvPr id="13" name="그림 12">
+            <a:extLst>
+              <a:ext uri="{FF2B5EF4-FFF2-40B4-BE49-F238E27FC236}">
+                <a16:creationId xmlns:a16="http://schemas.microsoft.com/office/drawing/2014/main" id="{CF4057BF-21D0-D99A-0F91-9FAF081F6BFB}"/>
+              </a:ext>
+            </a:extLst>
+          </p:cNvPr>
+          <p:cNvPicPr>
+            <a:picLocks noChangeAspect="1"/>
+          </p:cNvPicPr>
+          <p:nvPr/>
+        </p:nvPicPr>
+        <p:blipFill rotWithShape="1">
+          <a:blip r:embed="rId2"/>
+          <a:srcRect l="62031" t="15626" r="14375" b="21133"/>
+          <a:stretch/>
+        </p:blipFill>
+        <p:spPr>
+          <a:xfrm>
+            <a:off x="8113303" y="2037817"/>
+            <a:ext cx="3151969" cy="3475515"/>
+          </a:xfrm>
+          <a:prstGeom prst="rect">
+            <a:avLst/>
+          </a:prstGeom>
+        </p:spPr>
+      </p:pic>
+      <p:sp>
+        <p:nvSpPr>
+          <p:cNvPr id="14" name="화살표: 오른쪽 13">
+            <a:extLst>
+              <a:ext uri="{FF2B5EF4-FFF2-40B4-BE49-F238E27FC236}">
+                <a16:creationId xmlns:a16="http://schemas.microsoft.com/office/drawing/2014/main" id="{5F962085-B071-7972-CD84-D7E4A280EC52}"/>
+              </a:ext>
+            </a:extLst>
+          </p:cNvPr>
+          <p:cNvSpPr/>
+          <p:nvPr/>
+        </p:nvSpPr>
+        <p:spPr>
+          <a:xfrm flipH="1">
+            <a:off x="5551480" y="3336590"/>
+            <a:ext cx="1021960" cy="506205"/>
+          </a:xfrm>
+          <a:prstGeom prst="rightArrow">
+            <a:avLst/>
+          </a:prstGeom>
+          <a:solidFill>
+            <a:schemeClr val="accent2"/>
+          </a:solidFill>
+        </p:spPr>
+        <p:style>
+          <a:lnRef idx="2">
+            <a:schemeClr val="accent1">
+              <a:shade val="50000"/>
+            </a:schemeClr>
+          </a:lnRef>
+          <a:fillRef idx="1">
+            <a:schemeClr val="accent1"/>
+          </a:fillRef>
+          <a:effectRef idx="0">
+            <a:schemeClr val="accent1"/>
+          </a:effectRef>
+          <a:fontRef idx="minor">
+            <a:schemeClr val="lt1"/>
+          </a:fontRef>
+        </p:style>
+        <p:txBody>
+          <a:bodyPr rtlCol="0" anchor="ctr"/>
+          <a:lstStyle/>
+          <a:p>
+            <a:pPr algn="ctr"/>
+            <a:endParaRPr lang="ko-KR" altLang="en-US"/>
+          </a:p>
+        </p:txBody>
+      </p:sp>
+      <mc:AlternateContent xmlns:mc="http://schemas.openxmlformats.org/markup-compatibility/2006" xmlns:a14="http://schemas.microsoft.com/office/drawing/2010/main">
+        <mc:Choice Requires="a14">
+          <p:sp>
+            <p:nvSpPr>
+              <p:cNvPr id="15" name="TextBox 14">
+                <a:extLst>
+                  <a:ext uri="{FF2B5EF4-FFF2-40B4-BE49-F238E27FC236}">
+                    <a16:creationId xmlns:a16="http://schemas.microsoft.com/office/drawing/2014/main" id="{7A623601-CB2F-C007-FD65-AB89F3D13F4C}"/>
+                  </a:ext>
+                </a:extLst>
+              </p:cNvPr>
+              <p:cNvSpPr txBox="1"/>
+              <p:nvPr/>
+            </p:nvSpPr>
+            <p:spPr>
+              <a:xfrm>
+                <a:off x="4730517" y="3873465"/>
+                <a:ext cx="2663885" cy="508770"/>
+              </a:xfrm>
+              <a:prstGeom prst="rect">
+                <a:avLst/>
+              </a:prstGeom>
+              <a:noFill/>
+            </p:spPr>
+            <p:txBody>
+              <a:bodyPr wrap="none" rtlCol="0">
+                <a:spAutoFit/>
+              </a:bodyPr>
+              <a:lstStyle/>
+              <a:p>
+                <a:pPr algn="ctr"/>
+                <a:r>
+                  <a:rPr lang="ko-KR" altLang="en-US" dirty="0">
+                    <a:solidFill>
+                      <a:schemeClr val="accent2"/>
+                    </a:solidFill>
+                    <a:latin typeface="나눔스퀘어_ac" panose="020B0600000101010101" pitchFamily="50" charset="-127"/>
+                    <a:ea typeface="나눔스퀘어_ac" panose="020B0600000101010101" pitchFamily="50" charset="-127"/>
+                  </a:rPr>
+                  <a:t>어떤 선형 변환 </a:t>
+                </a:r>
+                <a14:m>
+                  <m:oMath xmlns:m="http://schemas.openxmlformats.org/officeDocument/2006/math">
+                    <m:sSup>
+                      <m:sSupPr>
+                        <m:ctrlPr>
+                          <a:rPr lang="en-US" altLang="ko-KR" b="0" i="1" dirty="0" smtClean="0">
+                            <a:solidFill>
+                              <a:schemeClr val="accent2"/>
+                            </a:solidFill>
+                            <a:latin typeface="Cambria Math" panose="02040503050406030204" pitchFamily="18" charset="0"/>
+                            <a:ea typeface="나눔스퀘어_ac" panose="020B0600000101010101" pitchFamily="50" charset="-127"/>
+                          </a:rPr>
+                        </m:ctrlPr>
+                      </m:sSupPr>
+                      <m:e>
+                        <m:r>
+                          <a:rPr lang="en-US" altLang="ko-KR" i="1" dirty="0" smtClean="0">
+                            <a:solidFill>
+                              <a:schemeClr val="accent2"/>
+                            </a:solidFill>
+                            <a:latin typeface="Cambria Math" panose="02040503050406030204" pitchFamily="18" charset="0"/>
+                            <a:ea typeface="나눔스퀘어_ac" panose="020B0600000101010101" pitchFamily="50" charset="-127"/>
+                          </a:rPr>
+                          <m:t>𝑅</m:t>
+                        </m:r>
+                      </m:e>
+                      <m:sup>
+                        <m:r>
+                          <a:rPr lang="en-US" altLang="ko-KR" b="0" i="1" dirty="0" smtClean="0">
+                            <a:solidFill>
+                              <a:schemeClr val="accent2"/>
+                            </a:solidFill>
+                            <a:latin typeface="Cambria Math" panose="02040503050406030204" pitchFamily="18" charset="0"/>
+                            <a:ea typeface="나눔스퀘어_ac" panose="020B0600000101010101" pitchFamily="50" charset="-127"/>
+                          </a:rPr>
+                          <m:t>−1</m:t>
+                        </m:r>
+                      </m:sup>
+                    </m:sSup>
+                  </m:oMath>
+                </a14:m>
+                <a:endParaRPr lang="en-US" altLang="ko-KR" dirty="0">
+                  <a:solidFill>
+                    <a:schemeClr val="accent2"/>
+                  </a:solidFill>
+                  <a:latin typeface="나눔스퀘어_ac" panose="020B0600000101010101" pitchFamily="50" charset="-127"/>
+                  <a:ea typeface="나눔스퀘어_ac" panose="020B0600000101010101" pitchFamily="50" charset="-127"/>
+                </a:endParaRPr>
+              </a:p>
+            </p:txBody>
+          </p:sp>
+        </mc:Choice>
+        <mc:Fallback xmlns="">
+          <p:sp>
+            <p:nvSpPr>
+              <p:cNvPr id="15" name="TextBox 14">
+                <a:extLst>
+                  <a:ext uri="{FF2B5EF4-FFF2-40B4-BE49-F238E27FC236}">
+                    <a16:creationId xmlns:a16="http://schemas.microsoft.com/office/drawing/2014/main" id="{7A623601-CB2F-C007-FD65-AB89F3D13F4C}"/>
+                  </a:ext>
+                </a:extLst>
+              </p:cNvPr>
+              <p:cNvSpPr txBox="1">
+                <a:spLocks noRot="1" noChangeAspect="1" noMove="1" noResize="1" noEditPoints="1" noAdjustHandles="1" noChangeArrowheads="1" noChangeShapeType="1" noTextEdit="1"/>
+              </p:cNvSpPr>
+              <p:nvPr/>
+            </p:nvSpPr>
+            <p:spPr>
+              <a:xfrm>
+                <a:off x="4730517" y="3873465"/>
+                <a:ext cx="2663885" cy="508770"/>
+              </a:xfrm>
+              <a:prstGeom prst="rect">
+                <a:avLst/>
+              </a:prstGeom>
+              <a:blipFill>
+                <a:blip r:embed="rId6"/>
+                <a:stretch>
+                  <a:fillRect t="-4762"/>
+                </a:stretch>
+              </a:blipFill>
+            </p:spPr>
+            <p:txBody>
+              <a:bodyPr/>
+              <a:lstStyle/>
+              <a:p>
+                <a:r>
+                  <a:rPr lang="ko-KR" altLang="en-US">
+                    <a:noFill/>
+                  </a:rPr>
+                  <a:t> </a:t>
+                </a:r>
+              </a:p>
+            </p:txBody>
+          </p:sp>
+        </mc:Fallback>
+      </mc:AlternateContent>
+    </p:spTree>
+    <p:extLst>
+      <p:ext uri="{BB962C8B-B14F-4D97-AF65-F5344CB8AC3E}">
+        <p14:creationId xmlns:p14="http://schemas.microsoft.com/office/powerpoint/2010/main" val="52453976"/>
+      </p:ext>
+    </p:extLst>
+  </p:cSld>
+  <p:clrMapOvr>
+    <a:masterClrMapping/>
+  </p:clrMapOvr>
+</p:sld>
+</file>
+
+<file path=ppt/slides/slide22.xml><?xml version="1.0" encoding="utf-8"?>
+<p:sld xmlns:a="http://schemas.openxmlformats.org/drawingml/2006/main" xmlns:r="http://schemas.openxmlformats.org/officeDocument/2006/relationships" xmlns:p="http://schemas.openxmlformats.org/presentationml/2006/main">
+  <p:cSld>
+    <p:spTree>
+      <p:nvGrpSpPr>
+        <p:cNvPr id="1" name=""/>
+        <p:cNvGrpSpPr/>
+        <p:nvPr/>
+      </p:nvGrpSpPr>
+      <p:grpSpPr>
+        <a:xfrm>
+          <a:off x="0" y="0"/>
+          <a:ext cx="0" cy="0"/>
+          <a:chOff x="0" y="0"/>
+          <a:chExt cx="0" cy="0"/>
+        </a:xfrm>
+      </p:grpSpPr>
+      <p:cxnSp>
+        <p:nvCxnSpPr>
+          <p:cNvPr id="4" name="직선 화살표 연결선 3">
+            <a:extLst>
+              <a:ext uri="{FF2B5EF4-FFF2-40B4-BE49-F238E27FC236}">
+                <a16:creationId xmlns:a16="http://schemas.microsoft.com/office/drawing/2014/main" id="{9F628ACD-9C7B-B33D-C4FC-97F5E039A4B4}"/>
+              </a:ext>
+            </a:extLst>
+          </p:cNvPr>
+          <p:cNvCxnSpPr/>
+          <p:nvPr/>
+        </p:nvCxnSpPr>
+        <p:spPr>
+          <a:xfrm>
+            <a:off x="514467" y="3832977"/>
+            <a:ext cx="3913870" cy="0"/>
+          </a:xfrm>
+          <a:prstGeom prst="straightConnector1">
+            <a:avLst/>
+          </a:prstGeom>
+          <a:ln w="28575">
+            <a:solidFill>
+              <a:schemeClr val="bg1">
+                <a:lumMod val="85000"/>
+              </a:schemeClr>
+            </a:solidFill>
+            <a:tailEnd type="triangle"/>
+          </a:ln>
+        </p:spPr>
+        <p:style>
+          <a:lnRef idx="1">
+            <a:schemeClr val="accent1"/>
+          </a:lnRef>
+          <a:fillRef idx="0">
+            <a:schemeClr val="accent1"/>
+          </a:fillRef>
+          <a:effectRef idx="0">
+            <a:schemeClr val="accent1"/>
+          </a:effectRef>
+          <a:fontRef idx="minor">
+            <a:schemeClr val="tx1"/>
+          </a:fontRef>
+        </p:style>
+      </p:cxnSp>
+      <p:cxnSp>
+        <p:nvCxnSpPr>
+          <p:cNvPr id="5" name="직선 화살표 연결선 4">
+            <a:extLst>
+              <a:ext uri="{FF2B5EF4-FFF2-40B4-BE49-F238E27FC236}">
+                <a16:creationId xmlns:a16="http://schemas.microsoft.com/office/drawing/2014/main" id="{5C2F2D1A-02BB-4FA4-9ABE-0743FE6F935A}"/>
+              </a:ext>
+            </a:extLst>
+          </p:cNvPr>
+          <p:cNvCxnSpPr>
+            <a:cxnSpLocks/>
+          </p:cNvCxnSpPr>
+          <p:nvPr/>
+        </p:nvCxnSpPr>
+        <p:spPr>
+          <a:xfrm rot="16200000">
+            <a:off x="483157" y="3645111"/>
+            <a:ext cx="3913869" cy="0"/>
+          </a:xfrm>
+          <a:prstGeom prst="straightConnector1">
+            <a:avLst/>
+          </a:prstGeom>
+          <a:ln w="28575">
+            <a:solidFill>
+              <a:schemeClr val="bg1">
+                <a:lumMod val="85000"/>
+              </a:schemeClr>
+            </a:solidFill>
+            <a:tailEnd type="triangle"/>
+          </a:ln>
+        </p:spPr>
+        <p:style>
+          <a:lnRef idx="1">
+            <a:schemeClr val="accent1"/>
+          </a:lnRef>
+          <a:fillRef idx="0">
+            <a:schemeClr val="accent1"/>
+          </a:fillRef>
+          <a:effectRef idx="0">
+            <a:schemeClr val="accent1"/>
+          </a:effectRef>
+          <a:fontRef idx="minor">
+            <a:schemeClr val="tx1"/>
+          </a:fontRef>
+        </p:style>
+      </p:cxnSp>
+      <p:pic>
+        <p:nvPicPr>
+          <p:cNvPr id="6" name="그림 5">
+            <a:extLst>
+              <a:ext uri="{FF2B5EF4-FFF2-40B4-BE49-F238E27FC236}">
+                <a16:creationId xmlns:a16="http://schemas.microsoft.com/office/drawing/2014/main" id="{00E439F7-D01A-BEFB-C421-72F35630657A}"/>
+              </a:ext>
+            </a:extLst>
+          </p:cNvPr>
+          <p:cNvPicPr>
+            <a:picLocks noChangeAspect="1"/>
+          </p:cNvPicPr>
+          <p:nvPr/>
+        </p:nvPicPr>
+        <p:blipFill rotWithShape="1">
+          <a:blip r:embed="rId2"/>
+          <a:srcRect l="23203" t="29300" r="63047" b="33097"/>
+          <a:stretch/>
+        </p:blipFill>
+        <p:spPr>
+          <a:xfrm>
+            <a:off x="1561096" y="2799716"/>
+            <a:ext cx="1836910" cy="2066523"/>
+          </a:xfrm>
+          <a:prstGeom prst="rect">
+            <a:avLst/>
+          </a:prstGeom>
+        </p:spPr>
+      </p:pic>
+      <p:sp>
+        <p:nvSpPr>
+          <p:cNvPr id="7" name="TextBox 6">
+            <a:extLst>
+              <a:ext uri="{FF2B5EF4-FFF2-40B4-BE49-F238E27FC236}">
+                <a16:creationId xmlns:a16="http://schemas.microsoft.com/office/drawing/2014/main" id="{568ED131-A892-7DEA-BE7D-3FE9F38B82CE}"/>
+              </a:ext>
+            </a:extLst>
+          </p:cNvPr>
+          <p:cNvSpPr txBox="1"/>
+          <p:nvPr/>
+        </p:nvSpPr>
+        <p:spPr>
+          <a:xfrm>
+            <a:off x="1241910" y="1255955"/>
+            <a:ext cx="2396362" cy="369332"/>
+          </a:xfrm>
+          <a:prstGeom prst="rect">
+            <a:avLst/>
+          </a:prstGeom>
+          <a:noFill/>
+        </p:spPr>
+        <p:txBody>
+          <a:bodyPr wrap="none" rtlCol="0">
+            <a:spAutoFit/>
+          </a:bodyPr>
+          <a:lstStyle/>
+          <a:p>
+            <a:r>
+              <a:rPr lang="en-US" altLang="ko-KR" dirty="0">
+                <a:latin typeface="나눔스퀘어_ac" panose="020B0600000101010101" pitchFamily="50" charset="-127"/>
+                <a:ea typeface="나눔스퀘어_ac" panose="020B0600000101010101" pitchFamily="50" charset="-127"/>
+              </a:rPr>
+              <a:t>Data Z as “raw form”</a:t>
+            </a:r>
+          </a:p>
+        </p:txBody>
+      </p:sp>
+      <p:sp>
+        <p:nvSpPr>
+          <p:cNvPr id="8" name="TextBox 7">
+            <a:extLst>
+              <a:ext uri="{FF2B5EF4-FFF2-40B4-BE49-F238E27FC236}">
+                <a16:creationId xmlns:a16="http://schemas.microsoft.com/office/drawing/2014/main" id="{434CA4A3-EB71-B1DF-4F8C-032B11AE08F2}"/>
+              </a:ext>
+            </a:extLst>
+          </p:cNvPr>
+          <p:cNvSpPr txBox="1"/>
+          <p:nvPr/>
+        </p:nvSpPr>
+        <p:spPr>
+          <a:xfrm>
+            <a:off x="4906758" y="2361080"/>
+            <a:ext cx="2311402" cy="369332"/>
+          </a:xfrm>
+          <a:prstGeom prst="rect">
+            <a:avLst/>
+          </a:prstGeom>
+          <a:noFill/>
+        </p:spPr>
+        <p:txBody>
+          <a:bodyPr wrap="none" rtlCol="0">
+            <a:spAutoFit/>
+          </a:bodyPr>
+          <a:lstStyle/>
+          <a:p>
+            <a:pPr algn="ctr"/>
+            <a:r>
+              <a:rPr lang="en-US" altLang="ko-KR" dirty="0">
+                <a:solidFill>
+                  <a:schemeClr val="accent1"/>
+                </a:solidFill>
+                <a:latin typeface="나눔스퀘어_ac" panose="020B0600000101010101" pitchFamily="50" charset="-127"/>
+                <a:ea typeface="나눔스퀘어_ac" panose="020B0600000101010101" pitchFamily="50" charset="-127"/>
+              </a:rPr>
+              <a:t>A linear transform </a:t>
+            </a:r>
+            <a:r>
+              <a:rPr lang="ko-KR" altLang="en-US" dirty="0">
+                <a:solidFill>
+                  <a:schemeClr val="accent1"/>
+                </a:solidFill>
+                <a:latin typeface="나눔스퀘어_ac" panose="020B0600000101010101" pitchFamily="50" charset="-127"/>
+                <a:ea typeface="나눔스퀘어_ac" panose="020B0600000101010101" pitchFamily="50" charset="-127"/>
+              </a:rPr>
+              <a:t>𝑅</a:t>
+            </a:r>
+          </a:p>
+        </p:txBody>
+      </p:sp>
+      <p:sp>
+        <p:nvSpPr>
+          <p:cNvPr id="9" name="화살표: 오른쪽 8">
+            <a:extLst>
+              <a:ext uri="{FF2B5EF4-FFF2-40B4-BE49-F238E27FC236}">
+                <a16:creationId xmlns:a16="http://schemas.microsoft.com/office/drawing/2014/main" id="{FACFA7C3-C318-B1B1-F889-BC5B53B2965A}"/>
+              </a:ext>
+            </a:extLst>
+          </p:cNvPr>
+          <p:cNvSpPr/>
+          <p:nvPr/>
+        </p:nvSpPr>
+        <p:spPr>
+          <a:xfrm>
+            <a:off x="5551480" y="2799716"/>
+            <a:ext cx="1021960" cy="506205"/>
+          </a:xfrm>
+          <a:prstGeom prst="rightArrow">
+            <a:avLst/>
+          </a:prstGeom>
+        </p:spPr>
+        <p:style>
+          <a:lnRef idx="2">
+            <a:schemeClr val="accent1">
+              <a:shade val="50000"/>
+            </a:schemeClr>
+          </a:lnRef>
+          <a:fillRef idx="1">
+            <a:schemeClr val="accent1"/>
+          </a:fillRef>
+          <a:effectRef idx="0">
+            <a:schemeClr val="accent1"/>
+          </a:effectRef>
+          <a:fontRef idx="minor">
+            <a:schemeClr val="lt1"/>
+          </a:fontRef>
+        </p:style>
+        <p:txBody>
+          <a:bodyPr rtlCol="0" anchor="ctr"/>
+          <a:lstStyle/>
+          <a:p>
+            <a:pPr algn="ctr"/>
+            <a:endParaRPr lang="ko-KR" altLang="en-US"/>
+          </a:p>
+        </p:txBody>
+      </p:sp>
+      <p:sp>
+        <p:nvSpPr>
+          <p:cNvPr id="10" name="TextBox 9">
+            <a:extLst>
+              <a:ext uri="{FF2B5EF4-FFF2-40B4-BE49-F238E27FC236}">
+                <a16:creationId xmlns:a16="http://schemas.microsoft.com/office/drawing/2014/main" id="{125B2260-5708-08DC-290A-89C928EEFBAC}"/>
+              </a:ext>
+            </a:extLst>
+          </p:cNvPr>
+          <p:cNvSpPr txBox="1"/>
+          <p:nvPr/>
+        </p:nvSpPr>
+        <p:spPr>
+          <a:xfrm>
+            <a:off x="7467898" y="1255955"/>
+            <a:ext cx="4505401" cy="369332"/>
+          </a:xfrm>
+          <a:prstGeom prst="rect">
+            <a:avLst/>
+          </a:prstGeom>
+          <a:noFill/>
+        </p:spPr>
+        <p:txBody>
+          <a:bodyPr wrap="none" rtlCol="0">
+            <a:spAutoFit/>
+          </a:bodyPr>
+          <a:lstStyle/>
+          <a:p>
+            <a:r>
+              <a:rPr lang="en-US" altLang="ko-KR" dirty="0">
+                <a:latin typeface="나눔스퀘어_ac" panose="020B0600000101010101" pitchFamily="50" charset="-127"/>
+                <a:ea typeface="나눔스퀘어_ac" panose="020B0600000101010101" pitchFamily="50" charset="-127"/>
+              </a:rPr>
+              <a:t>“X” after transformation the given data Z</a:t>
+            </a:r>
+          </a:p>
+        </p:txBody>
+      </p:sp>
+      <p:cxnSp>
+        <p:nvCxnSpPr>
+          <p:cNvPr id="11" name="직선 화살표 연결선 10">
+            <a:extLst>
+              <a:ext uri="{FF2B5EF4-FFF2-40B4-BE49-F238E27FC236}">
+                <a16:creationId xmlns:a16="http://schemas.microsoft.com/office/drawing/2014/main" id="{2E25BDAF-5626-672C-AC1C-1E1B015E7AEB}"/>
+              </a:ext>
+            </a:extLst>
+          </p:cNvPr>
+          <p:cNvCxnSpPr/>
+          <p:nvPr/>
+        </p:nvCxnSpPr>
+        <p:spPr>
+          <a:xfrm>
+            <a:off x="7763664" y="3832977"/>
+            <a:ext cx="3913870" cy="0"/>
+          </a:xfrm>
+          <a:prstGeom prst="straightConnector1">
+            <a:avLst/>
+          </a:prstGeom>
+          <a:ln w="28575">
+            <a:solidFill>
+              <a:schemeClr val="bg1">
+                <a:lumMod val="85000"/>
+              </a:schemeClr>
+            </a:solidFill>
+            <a:tailEnd type="triangle"/>
+          </a:ln>
+        </p:spPr>
+        <p:style>
+          <a:lnRef idx="1">
+            <a:schemeClr val="accent1"/>
+          </a:lnRef>
+          <a:fillRef idx="0">
+            <a:schemeClr val="accent1"/>
+          </a:fillRef>
+          <a:effectRef idx="0">
+            <a:schemeClr val="accent1"/>
+          </a:effectRef>
+          <a:fontRef idx="minor">
+            <a:schemeClr val="tx1"/>
+          </a:fontRef>
+        </p:style>
+      </p:cxnSp>
+      <p:cxnSp>
+        <p:nvCxnSpPr>
+          <p:cNvPr id="12" name="직선 화살표 연결선 11">
+            <a:extLst>
+              <a:ext uri="{FF2B5EF4-FFF2-40B4-BE49-F238E27FC236}">
+                <a16:creationId xmlns:a16="http://schemas.microsoft.com/office/drawing/2014/main" id="{0CAADD75-D274-4F51-E57C-5BEF0548FE01}"/>
+              </a:ext>
+            </a:extLst>
+          </p:cNvPr>
+          <p:cNvCxnSpPr>
+            <a:cxnSpLocks/>
+          </p:cNvCxnSpPr>
+          <p:nvPr/>
+        </p:nvCxnSpPr>
+        <p:spPr>
+          <a:xfrm rot="16200000">
+            <a:off x="7732354" y="3645111"/>
+            <a:ext cx="3913869" cy="0"/>
+          </a:xfrm>
+          <a:prstGeom prst="straightConnector1">
+            <a:avLst/>
+          </a:prstGeom>
+          <a:ln w="28575">
+            <a:solidFill>
+              <a:schemeClr val="bg1">
+                <a:lumMod val="85000"/>
+              </a:schemeClr>
+            </a:solidFill>
+            <a:tailEnd type="triangle"/>
+          </a:ln>
+        </p:spPr>
+        <p:style>
+          <a:lnRef idx="1">
+            <a:schemeClr val="accent1"/>
+          </a:lnRef>
+          <a:fillRef idx="0">
+            <a:schemeClr val="accent1"/>
+          </a:fillRef>
+          <a:effectRef idx="0">
+            <a:schemeClr val="accent1"/>
+          </a:effectRef>
+          <a:fontRef idx="minor">
+            <a:schemeClr val="tx1"/>
+          </a:fontRef>
+        </p:style>
+      </p:cxnSp>
+      <p:pic>
+        <p:nvPicPr>
+          <p:cNvPr id="13" name="그림 12">
+            <a:extLst>
+              <a:ext uri="{FF2B5EF4-FFF2-40B4-BE49-F238E27FC236}">
+                <a16:creationId xmlns:a16="http://schemas.microsoft.com/office/drawing/2014/main" id="{CF4057BF-21D0-D99A-0F91-9FAF081F6BFB}"/>
+              </a:ext>
+            </a:extLst>
+          </p:cNvPr>
+          <p:cNvPicPr>
+            <a:picLocks noChangeAspect="1"/>
+          </p:cNvPicPr>
+          <p:nvPr/>
+        </p:nvPicPr>
+        <p:blipFill rotWithShape="1">
+          <a:blip r:embed="rId2"/>
+          <a:srcRect l="62031" t="15626" r="14375" b="21133"/>
+          <a:stretch/>
+        </p:blipFill>
+        <p:spPr>
+          <a:xfrm>
+            <a:off x="8113303" y="2037817"/>
+            <a:ext cx="3151969" cy="3475515"/>
+          </a:xfrm>
+          <a:prstGeom prst="rect">
+            <a:avLst/>
+          </a:prstGeom>
+        </p:spPr>
+      </p:pic>
+      <p:sp>
+        <p:nvSpPr>
+          <p:cNvPr id="14" name="화살표: 오른쪽 13">
+            <a:extLst>
+              <a:ext uri="{FF2B5EF4-FFF2-40B4-BE49-F238E27FC236}">
+                <a16:creationId xmlns:a16="http://schemas.microsoft.com/office/drawing/2014/main" id="{5F962085-B071-7972-CD84-D7E4A280EC52}"/>
+              </a:ext>
+            </a:extLst>
+          </p:cNvPr>
+          <p:cNvSpPr/>
+          <p:nvPr/>
+        </p:nvSpPr>
+        <p:spPr>
+          <a:xfrm flipH="1">
+            <a:off x="5551480" y="3336590"/>
+            <a:ext cx="1021960" cy="506205"/>
+          </a:xfrm>
+          <a:prstGeom prst="rightArrow">
+            <a:avLst/>
+          </a:prstGeom>
+          <a:solidFill>
+            <a:schemeClr val="accent2"/>
+          </a:solidFill>
+        </p:spPr>
+        <p:style>
+          <a:lnRef idx="2">
+            <a:schemeClr val="accent1">
+              <a:shade val="50000"/>
+            </a:schemeClr>
+          </a:lnRef>
+          <a:fillRef idx="1">
+            <a:schemeClr val="accent1"/>
+          </a:fillRef>
+          <a:effectRef idx="0">
+            <a:schemeClr val="accent1"/>
+          </a:effectRef>
+          <a:fontRef idx="minor">
+            <a:schemeClr val="lt1"/>
+          </a:fontRef>
+        </p:style>
+        <p:txBody>
+          <a:bodyPr rtlCol="0" anchor="ctr"/>
+          <a:lstStyle/>
+          <a:p>
+            <a:pPr algn="ctr"/>
+            <a:endParaRPr lang="ko-KR" altLang="en-US"/>
+          </a:p>
+        </p:txBody>
+      </p:sp>
+      <mc:AlternateContent xmlns:mc="http://schemas.openxmlformats.org/markup-compatibility/2006">
+        <mc:Choice xmlns:a14="http://schemas.microsoft.com/office/drawing/2010/main" Requires="a14">
+          <p:sp>
+            <p:nvSpPr>
+              <p:cNvPr id="15" name="TextBox 14">
+                <a:extLst>
+                  <a:ext uri="{FF2B5EF4-FFF2-40B4-BE49-F238E27FC236}">
+                    <a16:creationId xmlns:a16="http://schemas.microsoft.com/office/drawing/2014/main" id="{7A623601-CB2F-C007-FD65-AB89F3D13F4C}"/>
+                  </a:ext>
+                </a:extLst>
+              </p:cNvPr>
+              <p:cNvSpPr txBox="1"/>
+              <p:nvPr/>
+            </p:nvSpPr>
+            <p:spPr>
+              <a:xfrm>
+                <a:off x="4444170" y="3873465"/>
+                <a:ext cx="3236591" cy="369332"/>
+              </a:xfrm>
+              <a:prstGeom prst="rect">
+                <a:avLst/>
+              </a:prstGeom>
+              <a:noFill/>
+            </p:spPr>
+            <p:txBody>
+              <a:bodyPr wrap="none" rtlCol="0">
+                <a:spAutoFit/>
+              </a:bodyPr>
+              <a:lstStyle/>
+              <a:p>
+                <a:pPr algn="ctr"/>
+                <a:r>
+                  <a:rPr lang="en-US" altLang="ko-KR" dirty="0">
+                    <a:solidFill>
+                      <a:schemeClr val="accent2"/>
+                    </a:solidFill>
+                    <a:latin typeface="나눔스퀘어_ac" panose="020B0600000101010101" pitchFamily="50" charset="-127"/>
+                    <a:ea typeface="나눔스퀘어_ac" panose="020B0600000101010101" pitchFamily="50" charset="-127"/>
+                  </a:rPr>
+                  <a:t>Another linear transform </a:t>
+                </a:r>
+                <a14:m>
+                  <m:oMath xmlns:m="http://schemas.openxmlformats.org/officeDocument/2006/math">
+                    <m:sSup>
+                      <m:sSupPr>
+                        <m:ctrlPr>
+                          <a:rPr lang="en-US" altLang="ko-KR" b="0" i="1" dirty="0" smtClean="0">
+                            <a:solidFill>
+                              <a:schemeClr val="accent2"/>
+                            </a:solidFill>
+                            <a:latin typeface="Cambria Math" panose="02040503050406030204" pitchFamily="18" charset="0"/>
+                            <a:ea typeface="나눔스퀘어_ac" panose="020B0600000101010101" pitchFamily="50" charset="-127"/>
+                          </a:rPr>
+                        </m:ctrlPr>
+                      </m:sSupPr>
+                      <m:e>
+                        <m:r>
+                          <a:rPr lang="en-US" altLang="ko-KR" i="1" dirty="0" smtClean="0">
+                            <a:solidFill>
+                              <a:schemeClr val="accent2"/>
+                            </a:solidFill>
+                            <a:latin typeface="Cambria Math" panose="02040503050406030204" pitchFamily="18" charset="0"/>
+                            <a:ea typeface="나눔스퀘어_ac" panose="020B0600000101010101" pitchFamily="50" charset="-127"/>
+                          </a:rPr>
+                          <m:t>𝑅</m:t>
+                        </m:r>
+                      </m:e>
+                      <m:sup>
+                        <m:r>
+                          <a:rPr lang="en-US" altLang="ko-KR" b="0" i="1" dirty="0" smtClean="0">
+                            <a:solidFill>
+                              <a:schemeClr val="accent2"/>
+                            </a:solidFill>
+                            <a:latin typeface="Cambria Math" panose="02040503050406030204" pitchFamily="18" charset="0"/>
+                            <a:ea typeface="나눔스퀘어_ac" panose="020B0600000101010101" pitchFamily="50" charset="-127"/>
+                          </a:rPr>
+                          <m:t>−1</m:t>
+                        </m:r>
+                      </m:sup>
+                    </m:sSup>
+                  </m:oMath>
+                </a14:m>
+                <a:endParaRPr lang="en-US" altLang="ko-KR" dirty="0">
+                  <a:solidFill>
+                    <a:schemeClr val="accent2"/>
+                  </a:solidFill>
+                  <a:latin typeface="나눔스퀘어_ac" panose="020B0600000101010101" pitchFamily="50" charset="-127"/>
+                  <a:ea typeface="나눔스퀘어_ac" panose="020B0600000101010101" pitchFamily="50" charset="-127"/>
+                </a:endParaRPr>
+              </a:p>
+            </p:txBody>
+          </p:sp>
+        </mc:Choice>
+        <mc:Fallback>
+          <p:sp>
+            <p:nvSpPr>
+              <p:cNvPr id="15" name="TextBox 14">
+                <a:extLst>
+                  <a:ext uri="{FF2B5EF4-FFF2-40B4-BE49-F238E27FC236}">
+                    <a16:creationId xmlns:a16="http://schemas.microsoft.com/office/drawing/2014/main" id="{7A623601-CB2F-C007-FD65-AB89F3D13F4C}"/>
+                  </a:ext>
+                </a:extLst>
+              </p:cNvPr>
+              <p:cNvSpPr txBox="1">
+                <a:spLocks noRot="1" noChangeAspect="1" noMove="1" noResize="1" noEditPoints="1" noAdjustHandles="1" noChangeArrowheads="1" noChangeShapeType="1" noTextEdit="1"/>
+              </p:cNvSpPr>
+              <p:nvPr/>
+            </p:nvSpPr>
+            <p:spPr>
+              <a:xfrm>
+                <a:off x="4444170" y="3873465"/>
+                <a:ext cx="3236591" cy="369332"/>
+              </a:xfrm>
+              <a:prstGeom prst="rect">
+                <a:avLst/>
+              </a:prstGeom>
+              <a:blipFill>
+                <a:blip r:embed="rId3"/>
+                <a:stretch>
+                  <a:fillRect l="-1130" t="-8197" b="-24590"/>
+                </a:stretch>
+              </a:blipFill>
+            </p:spPr>
+            <p:txBody>
+              <a:bodyPr/>
+              <a:lstStyle/>
+              <a:p>
+                <a:r>
+                  <a:rPr lang="en-US">
+                    <a:noFill/>
+                  </a:rPr>
+                  <a:t> </a:t>
+                </a:r>
+              </a:p>
+            </p:txBody>
+          </p:sp>
+        </mc:Fallback>
+      </mc:AlternateContent>
+    </p:spTree>
+    <p:extLst>
+      <p:ext uri="{BB962C8B-B14F-4D97-AF65-F5344CB8AC3E}">
+        <p14:creationId xmlns:p14="http://schemas.microsoft.com/office/powerpoint/2010/main" val="1899256044"/>
+      </p:ext>
+    </p:extLst>
+  </p:cSld>
+  <p:clrMapOvr>
+    <a:masterClrMapping/>
+  </p:clrMapOvr>
+</p:sld>
+</file>
+
 <file path=ppt/slides/slide3.xml><?xml version="1.0" encoding="utf-8"?>
 <p:sld xmlns:a="http://schemas.openxmlformats.org/drawingml/2006/main" xmlns:r="http://schemas.openxmlformats.org/officeDocument/2006/relationships" xmlns:p="http://schemas.openxmlformats.org/presentationml/2006/main">
   <p:cSld>
@@ -15355,6 +19662,1900 @@
           <a:chExt cx="0" cy="0"/>
         </a:xfrm>
       </p:grpSpPr>
+      <p:pic>
+        <p:nvPicPr>
+          <p:cNvPr id="32" name="그림 31">
+            <a:extLst>
+              <a:ext uri="{FF2B5EF4-FFF2-40B4-BE49-F238E27FC236}">
+                <a16:creationId xmlns:a16="http://schemas.microsoft.com/office/drawing/2014/main" id="{652DDF1C-B37F-82FE-DA94-C8229AFD6071}"/>
+              </a:ext>
+            </a:extLst>
+          </p:cNvPr>
+          <p:cNvPicPr>
+            <a:picLocks noChangeAspect="1"/>
+          </p:cNvPicPr>
+          <p:nvPr/>
+        </p:nvPicPr>
+        <p:blipFill rotWithShape="1">
+          <a:blip r:embed="rId2">
+            <a:alphaModFix amt="70000"/>
+          </a:blip>
+          <a:srcRect l="58640" t="12840" r="12675" b="16119"/>
+          <a:stretch/>
+        </p:blipFill>
+        <p:spPr>
+          <a:xfrm>
+            <a:off x="7091820" y="1176339"/>
+            <a:ext cx="3905248" cy="3978825"/>
+          </a:xfrm>
+          <a:prstGeom prst="rect">
+            <a:avLst/>
+          </a:prstGeom>
+        </p:spPr>
+      </p:pic>
+      <p:pic>
+        <p:nvPicPr>
+          <p:cNvPr id="7" name="그림 6">
+            <a:extLst>
+              <a:ext uri="{FF2B5EF4-FFF2-40B4-BE49-F238E27FC236}">
+                <a16:creationId xmlns:a16="http://schemas.microsoft.com/office/drawing/2014/main" id="{476A7571-E5FF-F5D8-F6DF-50093809D13A}"/>
+              </a:ext>
+            </a:extLst>
+          </p:cNvPr>
+          <p:cNvPicPr>
+            <a:picLocks noChangeAspect="1"/>
+          </p:cNvPicPr>
+          <p:nvPr/>
+        </p:nvPicPr>
+        <p:blipFill rotWithShape="1">
+          <a:blip r:embed="rId2">
+            <a:alphaModFix amt="70000"/>
+          </a:blip>
+          <a:srcRect l="20686" t="27494" r="60984" b="32143"/>
+          <a:stretch/>
+        </p:blipFill>
+        <p:spPr>
+          <a:xfrm>
+            <a:off x="2114550" y="2597129"/>
+            <a:ext cx="2495548" cy="2260622"/>
+          </a:xfrm>
+          <a:prstGeom prst="rect">
+            <a:avLst/>
+          </a:prstGeom>
+        </p:spPr>
+      </p:pic>
+      <p:cxnSp>
+        <p:nvCxnSpPr>
+          <p:cNvPr id="9" name="직선 화살표 연결선 8">
+            <a:extLst>
+              <a:ext uri="{FF2B5EF4-FFF2-40B4-BE49-F238E27FC236}">
+                <a16:creationId xmlns:a16="http://schemas.microsoft.com/office/drawing/2014/main" id="{D6CE6336-79C4-0629-88E0-BA8AF1A4355F}"/>
+              </a:ext>
+            </a:extLst>
+          </p:cNvPr>
+          <p:cNvCxnSpPr/>
+          <p:nvPr/>
+        </p:nvCxnSpPr>
+        <p:spPr>
+          <a:xfrm>
+            <a:off x="1590675" y="3743325"/>
+            <a:ext cx="3571875" cy="0"/>
+          </a:xfrm>
+          <a:prstGeom prst="straightConnector1">
+            <a:avLst/>
+          </a:prstGeom>
+          <a:ln w="28575">
+            <a:solidFill>
+              <a:schemeClr val="tx1"/>
+            </a:solidFill>
+            <a:tailEnd type="triangle"/>
+          </a:ln>
+        </p:spPr>
+        <p:style>
+          <a:lnRef idx="1">
+            <a:schemeClr val="accent1"/>
+          </a:lnRef>
+          <a:fillRef idx="0">
+            <a:schemeClr val="accent1"/>
+          </a:fillRef>
+          <a:effectRef idx="0">
+            <a:schemeClr val="accent1"/>
+          </a:effectRef>
+          <a:fontRef idx="minor">
+            <a:schemeClr val="tx1"/>
+          </a:fontRef>
+        </p:style>
+      </p:cxnSp>
+      <p:cxnSp>
+        <p:nvCxnSpPr>
+          <p:cNvPr id="10" name="직선 화살표 연결선 9">
+            <a:extLst>
+              <a:ext uri="{FF2B5EF4-FFF2-40B4-BE49-F238E27FC236}">
+                <a16:creationId xmlns:a16="http://schemas.microsoft.com/office/drawing/2014/main" id="{C0546929-6AF0-45EC-88E6-D1D14657F9AB}"/>
+              </a:ext>
+            </a:extLst>
+          </p:cNvPr>
+          <p:cNvCxnSpPr>
+            <a:cxnSpLocks/>
+          </p:cNvCxnSpPr>
+          <p:nvPr/>
+        </p:nvCxnSpPr>
+        <p:spPr>
+          <a:xfrm rot="16200000">
+            <a:off x="1562100" y="3571875"/>
+            <a:ext cx="3571875" cy="0"/>
+          </a:xfrm>
+          <a:prstGeom prst="straightConnector1">
+            <a:avLst/>
+          </a:prstGeom>
+          <a:ln w="28575">
+            <a:solidFill>
+              <a:schemeClr val="tx1"/>
+            </a:solidFill>
+            <a:tailEnd type="triangle"/>
+          </a:ln>
+        </p:spPr>
+        <p:style>
+          <a:lnRef idx="1">
+            <a:schemeClr val="accent1"/>
+          </a:lnRef>
+          <a:fillRef idx="0">
+            <a:schemeClr val="accent1"/>
+          </a:fillRef>
+          <a:effectRef idx="0">
+            <a:schemeClr val="accent1"/>
+          </a:effectRef>
+          <a:fontRef idx="minor">
+            <a:schemeClr val="tx1"/>
+          </a:fontRef>
+        </p:style>
+      </p:cxnSp>
+      <p:sp>
+        <p:nvSpPr>
+          <p:cNvPr id="11" name="TextBox 10">
+            <a:extLst>
+              <a:ext uri="{FF2B5EF4-FFF2-40B4-BE49-F238E27FC236}">
+                <a16:creationId xmlns:a16="http://schemas.microsoft.com/office/drawing/2014/main" id="{F4191108-23F5-CA20-B431-D7A8FE93DAE9}"/>
+              </a:ext>
+            </a:extLst>
+          </p:cNvPr>
+          <p:cNvSpPr txBox="1"/>
+          <p:nvPr/>
+        </p:nvSpPr>
+        <p:spPr>
+          <a:xfrm>
+            <a:off x="3463925" y="3706299"/>
+            <a:ext cx="269626" cy="276999"/>
+          </a:xfrm>
+          <a:prstGeom prst="rect">
+            <a:avLst/>
+          </a:prstGeom>
+          <a:noFill/>
+        </p:spPr>
+        <p:txBody>
+          <a:bodyPr wrap="none" rtlCol="0">
+            <a:spAutoFit/>
+          </a:bodyPr>
+          <a:lstStyle/>
+          <a:p>
+            <a:r>
+              <a:rPr lang="en-US" altLang="ko-KR" sz="1200" dirty="0"/>
+              <a:t>1</a:t>
+            </a:r>
+            <a:endParaRPr lang="ko-KR" altLang="en-US" sz="1200" dirty="0"/>
+          </a:p>
+        </p:txBody>
+      </p:sp>
+      <p:sp>
+        <p:nvSpPr>
+          <p:cNvPr id="13" name="TextBox 12">
+            <a:extLst>
+              <a:ext uri="{FF2B5EF4-FFF2-40B4-BE49-F238E27FC236}">
+                <a16:creationId xmlns:a16="http://schemas.microsoft.com/office/drawing/2014/main" id="{513AAF90-CB48-1B56-DD06-4BEE53882635}"/>
+              </a:ext>
+            </a:extLst>
+          </p:cNvPr>
+          <p:cNvSpPr txBox="1"/>
+          <p:nvPr/>
+        </p:nvSpPr>
+        <p:spPr>
+          <a:xfrm>
+            <a:off x="3702050" y="3706299"/>
+            <a:ext cx="269626" cy="276999"/>
+          </a:xfrm>
+          <a:prstGeom prst="rect">
+            <a:avLst/>
+          </a:prstGeom>
+          <a:noFill/>
+        </p:spPr>
+        <p:txBody>
+          <a:bodyPr wrap="none" rtlCol="0">
+            <a:spAutoFit/>
+          </a:bodyPr>
+          <a:lstStyle/>
+          <a:p>
+            <a:r>
+              <a:rPr lang="en-US" altLang="ko-KR" sz="1200" dirty="0"/>
+              <a:t>2</a:t>
+            </a:r>
+            <a:endParaRPr lang="ko-KR" altLang="en-US" sz="1200" dirty="0"/>
+          </a:p>
+        </p:txBody>
+      </p:sp>
+      <p:sp>
+        <p:nvSpPr>
+          <p:cNvPr id="14" name="TextBox 13">
+            <a:extLst>
+              <a:ext uri="{FF2B5EF4-FFF2-40B4-BE49-F238E27FC236}">
+                <a16:creationId xmlns:a16="http://schemas.microsoft.com/office/drawing/2014/main" id="{94A2D09C-41C0-DF50-CA58-7AB0C0532C3B}"/>
+              </a:ext>
+            </a:extLst>
+          </p:cNvPr>
+          <p:cNvSpPr txBox="1"/>
+          <p:nvPr/>
+        </p:nvSpPr>
+        <p:spPr>
+          <a:xfrm>
+            <a:off x="3940175" y="3706299"/>
+            <a:ext cx="269626" cy="276999"/>
+          </a:xfrm>
+          <a:prstGeom prst="rect">
+            <a:avLst/>
+          </a:prstGeom>
+          <a:noFill/>
+        </p:spPr>
+        <p:txBody>
+          <a:bodyPr wrap="none" rtlCol="0">
+            <a:spAutoFit/>
+          </a:bodyPr>
+          <a:lstStyle/>
+          <a:p>
+            <a:r>
+              <a:rPr lang="en-US" altLang="ko-KR" sz="1200" dirty="0"/>
+              <a:t>3</a:t>
+            </a:r>
+            <a:endParaRPr lang="ko-KR" altLang="en-US" sz="1200" dirty="0"/>
+          </a:p>
+        </p:txBody>
+      </p:sp>
+      <p:sp>
+        <p:nvSpPr>
+          <p:cNvPr id="15" name="TextBox 14">
+            <a:extLst>
+              <a:ext uri="{FF2B5EF4-FFF2-40B4-BE49-F238E27FC236}">
+                <a16:creationId xmlns:a16="http://schemas.microsoft.com/office/drawing/2014/main" id="{EE071886-C700-BCD8-E2B2-E6B64A07F7A0}"/>
+              </a:ext>
+            </a:extLst>
+          </p:cNvPr>
+          <p:cNvSpPr txBox="1"/>
+          <p:nvPr/>
+        </p:nvSpPr>
+        <p:spPr>
+          <a:xfrm>
+            <a:off x="4184650" y="3706299"/>
+            <a:ext cx="269626" cy="276999"/>
+          </a:xfrm>
+          <a:prstGeom prst="rect">
+            <a:avLst/>
+          </a:prstGeom>
+          <a:noFill/>
+        </p:spPr>
+        <p:txBody>
+          <a:bodyPr wrap="none" rtlCol="0">
+            <a:spAutoFit/>
+          </a:bodyPr>
+          <a:lstStyle/>
+          <a:p>
+            <a:r>
+              <a:rPr lang="en-US" altLang="ko-KR" sz="1200" dirty="0"/>
+              <a:t>4</a:t>
+            </a:r>
+            <a:endParaRPr lang="ko-KR" altLang="en-US" sz="1200" dirty="0"/>
+          </a:p>
+        </p:txBody>
+      </p:sp>
+      <p:sp>
+        <p:nvSpPr>
+          <p:cNvPr id="16" name="TextBox 15">
+            <a:extLst>
+              <a:ext uri="{FF2B5EF4-FFF2-40B4-BE49-F238E27FC236}">
+                <a16:creationId xmlns:a16="http://schemas.microsoft.com/office/drawing/2014/main" id="{9977599F-477B-B19C-F2C8-C15FE4CABAB2}"/>
+              </a:ext>
+            </a:extLst>
+          </p:cNvPr>
+          <p:cNvSpPr txBox="1"/>
+          <p:nvPr/>
+        </p:nvSpPr>
+        <p:spPr>
+          <a:xfrm>
+            <a:off x="3117927" y="3338810"/>
+            <a:ext cx="269626" cy="276999"/>
+          </a:xfrm>
+          <a:prstGeom prst="rect">
+            <a:avLst/>
+          </a:prstGeom>
+          <a:noFill/>
+        </p:spPr>
+        <p:txBody>
+          <a:bodyPr wrap="none" rtlCol="0">
+            <a:spAutoFit/>
+          </a:bodyPr>
+          <a:lstStyle/>
+          <a:p>
+            <a:r>
+              <a:rPr lang="en-US" altLang="ko-KR" sz="1200" dirty="0"/>
+              <a:t>1</a:t>
+            </a:r>
+            <a:endParaRPr lang="ko-KR" altLang="en-US" sz="1200" dirty="0"/>
+          </a:p>
+        </p:txBody>
+      </p:sp>
+      <p:sp>
+        <p:nvSpPr>
+          <p:cNvPr id="17" name="TextBox 16">
+            <a:extLst>
+              <a:ext uri="{FF2B5EF4-FFF2-40B4-BE49-F238E27FC236}">
+                <a16:creationId xmlns:a16="http://schemas.microsoft.com/office/drawing/2014/main" id="{41B0752E-0DE4-4E4B-5186-B6DD70CAA55E}"/>
+              </a:ext>
+            </a:extLst>
+          </p:cNvPr>
+          <p:cNvSpPr txBox="1"/>
+          <p:nvPr/>
+        </p:nvSpPr>
+        <p:spPr>
+          <a:xfrm>
+            <a:off x="3117927" y="3115508"/>
+            <a:ext cx="269626" cy="276999"/>
+          </a:xfrm>
+          <a:prstGeom prst="rect">
+            <a:avLst/>
+          </a:prstGeom>
+          <a:noFill/>
+        </p:spPr>
+        <p:txBody>
+          <a:bodyPr wrap="none" rtlCol="0">
+            <a:spAutoFit/>
+          </a:bodyPr>
+          <a:lstStyle/>
+          <a:p>
+            <a:r>
+              <a:rPr lang="en-US" altLang="ko-KR" sz="1200" dirty="0"/>
+              <a:t>2</a:t>
+            </a:r>
+            <a:endParaRPr lang="ko-KR" altLang="en-US" sz="1200" dirty="0"/>
+          </a:p>
+        </p:txBody>
+      </p:sp>
+      <p:sp>
+        <p:nvSpPr>
+          <p:cNvPr id="18" name="TextBox 17">
+            <a:extLst>
+              <a:ext uri="{FF2B5EF4-FFF2-40B4-BE49-F238E27FC236}">
+                <a16:creationId xmlns:a16="http://schemas.microsoft.com/office/drawing/2014/main" id="{890E5C31-35C1-C983-CC0E-09EF615C42A7}"/>
+              </a:ext>
+            </a:extLst>
+          </p:cNvPr>
+          <p:cNvSpPr txBox="1"/>
+          <p:nvPr/>
+        </p:nvSpPr>
+        <p:spPr>
+          <a:xfrm>
+            <a:off x="3117927" y="2888753"/>
+            <a:ext cx="269626" cy="276999"/>
+          </a:xfrm>
+          <a:prstGeom prst="rect">
+            <a:avLst/>
+          </a:prstGeom>
+          <a:noFill/>
+        </p:spPr>
+        <p:txBody>
+          <a:bodyPr wrap="none" rtlCol="0">
+            <a:spAutoFit/>
+          </a:bodyPr>
+          <a:lstStyle/>
+          <a:p>
+            <a:r>
+              <a:rPr lang="en-US" altLang="ko-KR" sz="1200" dirty="0"/>
+              <a:t>3</a:t>
+            </a:r>
+            <a:endParaRPr lang="ko-KR" altLang="en-US" sz="1200" dirty="0"/>
+          </a:p>
+        </p:txBody>
+      </p:sp>
+      <p:sp>
+        <p:nvSpPr>
+          <p:cNvPr id="19" name="TextBox 18">
+            <a:extLst>
+              <a:ext uri="{FF2B5EF4-FFF2-40B4-BE49-F238E27FC236}">
+                <a16:creationId xmlns:a16="http://schemas.microsoft.com/office/drawing/2014/main" id="{BCF28BA6-8241-5ADC-4427-CC98416FA1C1}"/>
+              </a:ext>
+            </a:extLst>
+          </p:cNvPr>
+          <p:cNvSpPr txBox="1"/>
+          <p:nvPr/>
+        </p:nvSpPr>
+        <p:spPr>
+          <a:xfrm>
+            <a:off x="3117927" y="2668904"/>
+            <a:ext cx="269626" cy="276999"/>
+          </a:xfrm>
+          <a:prstGeom prst="rect">
+            <a:avLst/>
+          </a:prstGeom>
+          <a:noFill/>
+        </p:spPr>
+        <p:txBody>
+          <a:bodyPr wrap="none" rtlCol="0">
+            <a:spAutoFit/>
+          </a:bodyPr>
+          <a:lstStyle/>
+          <a:p>
+            <a:r>
+              <a:rPr lang="en-US" altLang="ko-KR" sz="1200" dirty="0"/>
+              <a:t>4</a:t>
+            </a:r>
+            <a:endParaRPr lang="ko-KR" altLang="en-US" sz="1200" dirty="0"/>
+          </a:p>
+        </p:txBody>
+      </p:sp>
+      <p:cxnSp>
+        <p:nvCxnSpPr>
+          <p:cNvPr id="20" name="직선 화살표 연결선 19">
+            <a:extLst>
+              <a:ext uri="{FF2B5EF4-FFF2-40B4-BE49-F238E27FC236}">
+                <a16:creationId xmlns:a16="http://schemas.microsoft.com/office/drawing/2014/main" id="{954923CC-DA9F-3A3B-5C6D-F4221460E842}"/>
+              </a:ext>
+            </a:extLst>
+          </p:cNvPr>
+          <p:cNvCxnSpPr>
+            <a:cxnSpLocks/>
+          </p:cNvCxnSpPr>
+          <p:nvPr/>
+        </p:nvCxnSpPr>
+        <p:spPr>
+          <a:xfrm flipV="1">
+            <a:off x="7644272" y="1037273"/>
+            <a:ext cx="3134931" cy="4074112"/>
+          </a:xfrm>
+          <a:prstGeom prst="straightConnector1">
+            <a:avLst/>
+          </a:prstGeom>
+          <a:ln w="28575">
+            <a:solidFill>
+              <a:schemeClr val="tx1"/>
+            </a:solidFill>
+            <a:tailEnd type="triangle"/>
+          </a:ln>
+        </p:spPr>
+        <p:style>
+          <a:lnRef idx="1">
+            <a:schemeClr val="accent1"/>
+          </a:lnRef>
+          <a:fillRef idx="0">
+            <a:schemeClr val="accent1"/>
+          </a:fillRef>
+          <a:effectRef idx="0">
+            <a:schemeClr val="accent1"/>
+          </a:effectRef>
+          <a:fontRef idx="minor">
+            <a:schemeClr val="tx1"/>
+          </a:fontRef>
+        </p:style>
+      </p:cxnSp>
+      <p:cxnSp>
+        <p:nvCxnSpPr>
+          <p:cNvPr id="21" name="직선 화살표 연결선 20">
+            <a:extLst>
+              <a:ext uri="{FF2B5EF4-FFF2-40B4-BE49-F238E27FC236}">
+                <a16:creationId xmlns:a16="http://schemas.microsoft.com/office/drawing/2014/main" id="{B9DD7C71-F21B-4353-5186-DD16FF1D032F}"/>
+              </a:ext>
+            </a:extLst>
+          </p:cNvPr>
+          <p:cNvCxnSpPr>
+            <a:cxnSpLocks/>
+          </p:cNvCxnSpPr>
+          <p:nvPr/>
+        </p:nvCxnSpPr>
+        <p:spPr>
+          <a:xfrm rot="12993993">
+            <a:off x="7258184" y="3088629"/>
+            <a:ext cx="3571875" cy="0"/>
+          </a:xfrm>
+          <a:prstGeom prst="straightConnector1">
+            <a:avLst/>
+          </a:prstGeom>
+          <a:ln w="28575">
+            <a:solidFill>
+              <a:schemeClr val="tx1"/>
+            </a:solidFill>
+            <a:tailEnd type="triangle"/>
+          </a:ln>
+        </p:spPr>
+        <p:style>
+          <a:lnRef idx="1">
+            <a:schemeClr val="accent1"/>
+          </a:lnRef>
+          <a:fillRef idx="0">
+            <a:schemeClr val="accent1"/>
+          </a:fillRef>
+          <a:effectRef idx="0">
+            <a:schemeClr val="accent1"/>
+          </a:effectRef>
+          <a:fontRef idx="minor">
+            <a:schemeClr val="tx1"/>
+          </a:fontRef>
+        </p:style>
+      </p:cxnSp>
+      <p:sp>
+        <p:nvSpPr>
+          <p:cNvPr id="22" name="TextBox 21">
+            <a:extLst>
+              <a:ext uri="{FF2B5EF4-FFF2-40B4-BE49-F238E27FC236}">
+                <a16:creationId xmlns:a16="http://schemas.microsoft.com/office/drawing/2014/main" id="{03B3006D-28E2-A0DB-B90D-E0BEFC5A8713}"/>
+              </a:ext>
+            </a:extLst>
+          </p:cNvPr>
+          <p:cNvSpPr txBox="1"/>
+          <p:nvPr/>
+        </p:nvSpPr>
+        <p:spPr>
+          <a:xfrm rot="18393993">
+            <a:off x="9445320" y="2681033"/>
+            <a:ext cx="269626" cy="276999"/>
+          </a:xfrm>
+          <a:prstGeom prst="rect">
+            <a:avLst/>
+          </a:prstGeom>
+          <a:noFill/>
+        </p:spPr>
+        <p:txBody>
+          <a:bodyPr wrap="none" rtlCol="0">
+            <a:spAutoFit/>
+          </a:bodyPr>
+          <a:lstStyle/>
+          <a:p>
+            <a:r>
+              <a:rPr lang="en-US" altLang="ko-KR" sz="1200" dirty="0"/>
+              <a:t>1</a:t>
+            </a:r>
+            <a:endParaRPr lang="ko-KR" altLang="en-US" sz="1200" dirty="0"/>
+          </a:p>
+        </p:txBody>
+      </p:sp>
+      <p:sp>
+        <p:nvSpPr>
+          <p:cNvPr id="23" name="TextBox 22">
+            <a:extLst>
+              <a:ext uri="{FF2B5EF4-FFF2-40B4-BE49-F238E27FC236}">
+                <a16:creationId xmlns:a16="http://schemas.microsoft.com/office/drawing/2014/main" id="{BC101A5E-908D-81AA-3796-1583B9849223}"/>
+              </a:ext>
+            </a:extLst>
+          </p:cNvPr>
+          <p:cNvSpPr txBox="1"/>
+          <p:nvPr/>
+        </p:nvSpPr>
+        <p:spPr>
+          <a:xfrm rot="18393993">
+            <a:off x="9761907" y="2241087"/>
+            <a:ext cx="269626" cy="276999"/>
+          </a:xfrm>
+          <a:prstGeom prst="rect">
+            <a:avLst/>
+          </a:prstGeom>
+          <a:noFill/>
+        </p:spPr>
+        <p:txBody>
+          <a:bodyPr wrap="none" rtlCol="0">
+            <a:spAutoFit/>
+          </a:bodyPr>
+          <a:lstStyle/>
+          <a:p>
+            <a:r>
+              <a:rPr lang="en-US" altLang="ko-KR" sz="1200" dirty="0"/>
+              <a:t>2</a:t>
+            </a:r>
+            <a:endParaRPr lang="ko-KR" altLang="en-US" sz="1200" dirty="0"/>
+          </a:p>
+        </p:txBody>
+      </p:sp>
+      <p:sp>
+        <p:nvSpPr>
+          <p:cNvPr id="24" name="TextBox 23">
+            <a:extLst>
+              <a:ext uri="{FF2B5EF4-FFF2-40B4-BE49-F238E27FC236}">
+                <a16:creationId xmlns:a16="http://schemas.microsoft.com/office/drawing/2014/main" id="{90CCC892-58BB-1F2C-AC51-872122C22128}"/>
+              </a:ext>
+            </a:extLst>
+          </p:cNvPr>
+          <p:cNvSpPr txBox="1"/>
+          <p:nvPr/>
+        </p:nvSpPr>
+        <p:spPr>
+          <a:xfrm rot="18393993">
+            <a:off x="10094705" y="1817018"/>
+            <a:ext cx="269626" cy="276999"/>
+          </a:xfrm>
+          <a:prstGeom prst="rect">
+            <a:avLst/>
+          </a:prstGeom>
+          <a:noFill/>
+        </p:spPr>
+        <p:txBody>
+          <a:bodyPr wrap="none" rtlCol="0">
+            <a:spAutoFit/>
+          </a:bodyPr>
+          <a:lstStyle/>
+          <a:p>
+            <a:r>
+              <a:rPr lang="en-US" altLang="ko-KR" sz="1200" dirty="0"/>
+              <a:t>3</a:t>
+            </a:r>
+            <a:endParaRPr lang="ko-KR" altLang="en-US" sz="1200" dirty="0"/>
+          </a:p>
+        </p:txBody>
+      </p:sp>
+      <p:sp>
+        <p:nvSpPr>
+          <p:cNvPr id="25" name="TextBox 24">
+            <a:extLst>
+              <a:ext uri="{FF2B5EF4-FFF2-40B4-BE49-F238E27FC236}">
+                <a16:creationId xmlns:a16="http://schemas.microsoft.com/office/drawing/2014/main" id="{3481CA33-0CDE-94BB-7046-20511AE16863}"/>
+              </a:ext>
+            </a:extLst>
+          </p:cNvPr>
+          <p:cNvSpPr txBox="1"/>
+          <p:nvPr/>
+        </p:nvSpPr>
+        <p:spPr>
+          <a:xfrm rot="18393993">
+            <a:off x="10433349" y="1404100"/>
+            <a:ext cx="269626" cy="276999"/>
+          </a:xfrm>
+          <a:prstGeom prst="rect">
+            <a:avLst/>
+          </a:prstGeom>
+          <a:noFill/>
+        </p:spPr>
+        <p:txBody>
+          <a:bodyPr wrap="none" rtlCol="0">
+            <a:spAutoFit/>
+          </a:bodyPr>
+          <a:lstStyle/>
+          <a:p>
+            <a:r>
+              <a:rPr lang="en-US" altLang="ko-KR" sz="1200" dirty="0"/>
+              <a:t>4</a:t>
+            </a:r>
+            <a:endParaRPr lang="ko-KR" altLang="en-US" sz="1200" dirty="0"/>
+          </a:p>
+        </p:txBody>
+      </p:sp>
+      <p:sp>
+        <p:nvSpPr>
+          <p:cNvPr id="26" name="TextBox 25">
+            <a:extLst>
+              <a:ext uri="{FF2B5EF4-FFF2-40B4-BE49-F238E27FC236}">
+                <a16:creationId xmlns:a16="http://schemas.microsoft.com/office/drawing/2014/main" id="{B4A48A6E-C1D9-2087-DF96-4CDA094F7136}"/>
+              </a:ext>
+            </a:extLst>
+          </p:cNvPr>
+          <p:cNvSpPr txBox="1"/>
+          <p:nvPr/>
+        </p:nvSpPr>
+        <p:spPr>
+          <a:xfrm rot="18393993">
+            <a:off x="8776582" y="2970331"/>
+            <a:ext cx="269626" cy="276999"/>
+          </a:xfrm>
+          <a:prstGeom prst="rect">
+            <a:avLst/>
+          </a:prstGeom>
+          <a:noFill/>
+        </p:spPr>
+        <p:txBody>
+          <a:bodyPr wrap="none" rtlCol="0">
+            <a:spAutoFit/>
+          </a:bodyPr>
+          <a:lstStyle/>
+          <a:p>
+            <a:r>
+              <a:rPr lang="en-US" altLang="ko-KR" sz="1200" dirty="0"/>
+              <a:t>1</a:t>
+            </a:r>
+            <a:endParaRPr lang="ko-KR" altLang="en-US" sz="1200" dirty="0"/>
+          </a:p>
+        </p:txBody>
+      </p:sp>
+      <p:sp>
+        <p:nvSpPr>
+          <p:cNvPr id="27" name="TextBox 26">
+            <a:extLst>
+              <a:ext uri="{FF2B5EF4-FFF2-40B4-BE49-F238E27FC236}">
+                <a16:creationId xmlns:a16="http://schemas.microsoft.com/office/drawing/2014/main" id="{695A3F6A-A98C-4969-32D5-B9B002B66F9B}"/>
+              </a:ext>
+            </a:extLst>
+          </p:cNvPr>
+          <p:cNvSpPr txBox="1"/>
+          <p:nvPr/>
+        </p:nvSpPr>
+        <p:spPr>
+          <a:xfrm rot="18393993">
+            <a:off x="8541128" y="2836463"/>
+            <a:ext cx="269626" cy="276999"/>
+          </a:xfrm>
+          <a:prstGeom prst="rect">
+            <a:avLst/>
+          </a:prstGeom>
+          <a:noFill/>
+        </p:spPr>
+        <p:txBody>
+          <a:bodyPr wrap="none" rtlCol="0">
+            <a:spAutoFit/>
+          </a:bodyPr>
+          <a:lstStyle/>
+          <a:p>
+            <a:r>
+              <a:rPr lang="en-US" altLang="ko-KR" sz="1200" dirty="0"/>
+              <a:t>2</a:t>
+            </a:r>
+            <a:endParaRPr lang="ko-KR" altLang="en-US" sz="1200" dirty="0"/>
+          </a:p>
+        </p:txBody>
+      </p:sp>
+      <p:sp>
+        <p:nvSpPr>
+          <p:cNvPr id="28" name="TextBox 27">
+            <a:extLst>
+              <a:ext uri="{FF2B5EF4-FFF2-40B4-BE49-F238E27FC236}">
+                <a16:creationId xmlns:a16="http://schemas.microsoft.com/office/drawing/2014/main" id="{7BE15770-0D04-63C9-C743-02BB64AF8D63}"/>
+              </a:ext>
+            </a:extLst>
+          </p:cNvPr>
+          <p:cNvSpPr txBox="1"/>
+          <p:nvPr/>
+        </p:nvSpPr>
+        <p:spPr>
+          <a:xfrm rot="18393993">
+            <a:off x="8333911" y="2646508"/>
+            <a:ext cx="269626" cy="276999"/>
+          </a:xfrm>
+          <a:prstGeom prst="rect">
+            <a:avLst/>
+          </a:prstGeom>
+          <a:noFill/>
+        </p:spPr>
+        <p:txBody>
+          <a:bodyPr wrap="none" rtlCol="0">
+            <a:spAutoFit/>
+          </a:bodyPr>
+          <a:lstStyle/>
+          <a:p>
+            <a:r>
+              <a:rPr lang="en-US" altLang="ko-KR" sz="1200" dirty="0"/>
+              <a:t>3</a:t>
+            </a:r>
+            <a:endParaRPr lang="ko-KR" altLang="en-US" sz="1200" dirty="0"/>
+          </a:p>
+        </p:txBody>
+      </p:sp>
+      <p:sp>
+        <p:nvSpPr>
+          <p:cNvPr id="29" name="TextBox 28">
+            <a:extLst>
+              <a:ext uri="{FF2B5EF4-FFF2-40B4-BE49-F238E27FC236}">
+                <a16:creationId xmlns:a16="http://schemas.microsoft.com/office/drawing/2014/main" id="{0BFA148C-8723-399F-CC21-D79C31C8E7DD}"/>
+              </a:ext>
+            </a:extLst>
+          </p:cNvPr>
+          <p:cNvSpPr txBox="1"/>
+          <p:nvPr/>
+        </p:nvSpPr>
+        <p:spPr>
+          <a:xfrm rot="18393993">
+            <a:off x="8122564" y="2456553"/>
+            <a:ext cx="269626" cy="276999"/>
+          </a:xfrm>
+          <a:prstGeom prst="rect">
+            <a:avLst/>
+          </a:prstGeom>
+          <a:noFill/>
+        </p:spPr>
+        <p:txBody>
+          <a:bodyPr wrap="none" rtlCol="0">
+            <a:spAutoFit/>
+          </a:bodyPr>
+          <a:lstStyle/>
+          <a:p>
+            <a:r>
+              <a:rPr lang="en-US" altLang="ko-KR" sz="1200" dirty="0"/>
+              <a:t>4</a:t>
+            </a:r>
+            <a:endParaRPr lang="ko-KR" altLang="en-US" sz="1200" dirty="0"/>
+          </a:p>
+        </p:txBody>
+      </p:sp>
+      <p:cxnSp>
+        <p:nvCxnSpPr>
+          <p:cNvPr id="34" name="직선 연결선 33">
+            <a:extLst>
+              <a:ext uri="{FF2B5EF4-FFF2-40B4-BE49-F238E27FC236}">
+                <a16:creationId xmlns:a16="http://schemas.microsoft.com/office/drawing/2014/main" id="{D26D7F6F-E33D-676E-D533-46549DFC491D}"/>
+              </a:ext>
+            </a:extLst>
+          </p:cNvPr>
+          <p:cNvCxnSpPr/>
+          <p:nvPr/>
+        </p:nvCxnSpPr>
+        <p:spPr>
+          <a:xfrm>
+            <a:off x="3567113" y="3706299"/>
+            <a:ext cx="0" cy="74724"/>
+          </a:xfrm>
+          <a:prstGeom prst="line">
+            <a:avLst/>
+          </a:prstGeom>
+          <a:ln w="19050">
+            <a:solidFill>
+              <a:schemeClr val="tx1"/>
+            </a:solidFill>
+          </a:ln>
+        </p:spPr>
+        <p:style>
+          <a:lnRef idx="1">
+            <a:schemeClr val="accent1"/>
+          </a:lnRef>
+          <a:fillRef idx="0">
+            <a:schemeClr val="accent1"/>
+          </a:fillRef>
+          <a:effectRef idx="0">
+            <a:schemeClr val="accent1"/>
+          </a:effectRef>
+          <a:fontRef idx="minor">
+            <a:schemeClr val="tx1"/>
+          </a:fontRef>
+        </p:style>
+      </p:cxnSp>
+      <p:cxnSp>
+        <p:nvCxnSpPr>
+          <p:cNvPr id="35" name="직선 연결선 34">
+            <a:extLst>
+              <a:ext uri="{FF2B5EF4-FFF2-40B4-BE49-F238E27FC236}">
+                <a16:creationId xmlns:a16="http://schemas.microsoft.com/office/drawing/2014/main" id="{928FD271-1B9A-A13A-D940-0E1788F2F129}"/>
+              </a:ext>
+            </a:extLst>
+          </p:cNvPr>
+          <p:cNvCxnSpPr/>
+          <p:nvPr/>
+        </p:nvCxnSpPr>
+        <p:spPr>
+          <a:xfrm>
+            <a:off x="3800476" y="3706299"/>
+            <a:ext cx="0" cy="74724"/>
+          </a:xfrm>
+          <a:prstGeom prst="line">
+            <a:avLst/>
+          </a:prstGeom>
+          <a:ln w="19050">
+            <a:solidFill>
+              <a:schemeClr val="tx1"/>
+            </a:solidFill>
+          </a:ln>
+        </p:spPr>
+        <p:style>
+          <a:lnRef idx="1">
+            <a:schemeClr val="accent1"/>
+          </a:lnRef>
+          <a:fillRef idx="0">
+            <a:schemeClr val="accent1"/>
+          </a:fillRef>
+          <a:effectRef idx="0">
+            <a:schemeClr val="accent1"/>
+          </a:effectRef>
+          <a:fontRef idx="minor">
+            <a:schemeClr val="tx1"/>
+          </a:fontRef>
+        </p:style>
+      </p:cxnSp>
+      <p:cxnSp>
+        <p:nvCxnSpPr>
+          <p:cNvPr id="36" name="직선 연결선 35">
+            <a:extLst>
+              <a:ext uri="{FF2B5EF4-FFF2-40B4-BE49-F238E27FC236}">
+                <a16:creationId xmlns:a16="http://schemas.microsoft.com/office/drawing/2014/main" id="{8753990B-06D5-700D-A9ED-AB82ABA8379E}"/>
+              </a:ext>
+            </a:extLst>
+          </p:cNvPr>
+          <p:cNvCxnSpPr/>
+          <p:nvPr/>
+        </p:nvCxnSpPr>
+        <p:spPr>
+          <a:xfrm>
+            <a:off x="4029076" y="3706299"/>
+            <a:ext cx="0" cy="74724"/>
+          </a:xfrm>
+          <a:prstGeom prst="line">
+            <a:avLst/>
+          </a:prstGeom>
+          <a:ln w="19050">
+            <a:solidFill>
+              <a:schemeClr val="tx1"/>
+            </a:solidFill>
+          </a:ln>
+        </p:spPr>
+        <p:style>
+          <a:lnRef idx="1">
+            <a:schemeClr val="accent1"/>
+          </a:lnRef>
+          <a:fillRef idx="0">
+            <a:schemeClr val="accent1"/>
+          </a:fillRef>
+          <a:effectRef idx="0">
+            <a:schemeClr val="accent1"/>
+          </a:effectRef>
+          <a:fontRef idx="minor">
+            <a:schemeClr val="tx1"/>
+          </a:fontRef>
+        </p:style>
+      </p:cxnSp>
+      <p:cxnSp>
+        <p:nvCxnSpPr>
+          <p:cNvPr id="37" name="직선 연결선 36">
+            <a:extLst>
+              <a:ext uri="{FF2B5EF4-FFF2-40B4-BE49-F238E27FC236}">
+                <a16:creationId xmlns:a16="http://schemas.microsoft.com/office/drawing/2014/main" id="{8C791291-DCD3-E6FC-040B-15153EC53E06}"/>
+              </a:ext>
+            </a:extLst>
+          </p:cNvPr>
+          <p:cNvCxnSpPr/>
+          <p:nvPr/>
+        </p:nvCxnSpPr>
+        <p:spPr>
+          <a:xfrm>
+            <a:off x="4257676" y="3706299"/>
+            <a:ext cx="0" cy="74724"/>
+          </a:xfrm>
+          <a:prstGeom prst="line">
+            <a:avLst/>
+          </a:prstGeom>
+          <a:ln w="19050">
+            <a:solidFill>
+              <a:schemeClr val="tx1"/>
+            </a:solidFill>
+          </a:ln>
+        </p:spPr>
+        <p:style>
+          <a:lnRef idx="1">
+            <a:schemeClr val="accent1"/>
+          </a:lnRef>
+          <a:fillRef idx="0">
+            <a:schemeClr val="accent1"/>
+          </a:fillRef>
+          <a:effectRef idx="0">
+            <a:schemeClr val="accent1"/>
+          </a:effectRef>
+          <a:fontRef idx="minor">
+            <a:schemeClr val="tx1"/>
+          </a:fontRef>
+        </p:style>
+      </p:cxnSp>
+      <p:grpSp>
+        <p:nvGrpSpPr>
+          <p:cNvPr id="42" name="그룹 41">
+            <a:extLst>
+              <a:ext uri="{FF2B5EF4-FFF2-40B4-BE49-F238E27FC236}">
+                <a16:creationId xmlns:a16="http://schemas.microsoft.com/office/drawing/2014/main" id="{31385F3D-1B38-2108-ECA7-D058B0D83BA9}"/>
+              </a:ext>
+            </a:extLst>
+          </p:cNvPr>
+          <p:cNvGrpSpPr/>
+          <p:nvPr/>
+        </p:nvGrpSpPr>
+        <p:grpSpPr>
+          <a:xfrm rot="16200000">
+            <a:off x="3004910" y="3158572"/>
+            <a:ext cx="690563" cy="74724"/>
+            <a:chOff x="3709988" y="3430074"/>
+            <a:chExt cx="690563" cy="74724"/>
+          </a:xfrm>
+        </p:grpSpPr>
+        <p:cxnSp>
+          <p:nvCxnSpPr>
+            <p:cNvPr id="38" name="직선 연결선 37">
+              <a:extLst>
+                <a:ext uri="{FF2B5EF4-FFF2-40B4-BE49-F238E27FC236}">
+                  <a16:creationId xmlns:a16="http://schemas.microsoft.com/office/drawing/2014/main" id="{F2FE5B6E-7DC4-34BD-9F5E-D24602647F55}"/>
+                </a:ext>
+              </a:extLst>
+            </p:cNvPr>
+            <p:cNvCxnSpPr/>
+            <p:nvPr/>
+          </p:nvCxnSpPr>
+          <p:spPr>
+            <a:xfrm>
+              <a:off x="3709988" y="3430074"/>
+              <a:ext cx="0" cy="74724"/>
+            </a:xfrm>
+            <a:prstGeom prst="line">
+              <a:avLst/>
+            </a:prstGeom>
+            <a:ln w="19050">
+              <a:solidFill>
+                <a:schemeClr val="tx1"/>
+              </a:solidFill>
+            </a:ln>
+          </p:spPr>
+          <p:style>
+            <a:lnRef idx="1">
+              <a:schemeClr val="accent1"/>
+            </a:lnRef>
+            <a:fillRef idx="0">
+              <a:schemeClr val="accent1"/>
+            </a:fillRef>
+            <a:effectRef idx="0">
+              <a:schemeClr val="accent1"/>
+            </a:effectRef>
+            <a:fontRef idx="minor">
+              <a:schemeClr val="tx1"/>
+            </a:fontRef>
+          </p:style>
+        </p:cxnSp>
+        <p:cxnSp>
+          <p:nvCxnSpPr>
+            <p:cNvPr id="39" name="직선 연결선 38">
+              <a:extLst>
+                <a:ext uri="{FF2B5EF4-FFF2-40B4-BE49-F238E27FC236}">
+                  <a16:creationId xmlns:a16="http://schemas.microsoft.com/office/drawing/2014/main" id="{DBCE8DBB-1BB9-9583-659A-4D7D9AD1E6ED}"/>
+                </a:ext>
+              </a:extLst>
+            </p:cNvPr>
+            <p:cNvCxnSpPr/>
+            <p:nvPr/>
+          </p:nvCxnSpPr>
+          <p:spPr>
+            <a:xfrm>
+              <a:off x="3943351" y="3430074"/>
+              <a:ext cx="0" cy="74724"/>
+            </a:xfrm>
+            <a:prstGeom prst="line">
+              <a:avLst/>
+            </a:prstGeom>
+            <a:ln w="19050">
+              <a:solidFill>
+                <a:schemeClr val="tx1"/>
+              </a:solidFill>
+            </a:ln>
+          </p:spPr>
+          <p:style>
+            <a:lnRef idx="1">
+              <a:schemeClr val="accent1"/>
+            </a:lnRef>
+            <a:fillRef idx="0">
+              <a:schemeClr val="accent1"/>
+            </a:fillRef>
+            <a:effectRef idx="0">
+              <a:schemeClr val="accent1"/>
+            </a:effectRef>
+            <a:fontRef idx="minor">
+              <a:schemeClr val="tx1"/>
+            </a:fontRef>
+          </p:style>
+        </p:cxnSp>
+        <p:cxnSp>
+          <p:nvCxnSpPr>
+            <p:cNvPr id="40" name="직선 연결선 39">
+              <a:extLst>
+                <a:ext uri="{FF2B5EF4-FFF2-40B4-BE49-F238E27FC236}">
+                  <a16:creationId xmlns:a16="http://schemas.microsoft.com/office/drawing/2014/main" id="{B4718FE3-7F96-53A3-9EA6-A418D043D0E0}"/>
+                </a:ext>
+              </a:extLst>
+            </p:cNvPr>
+            <p:cNvCxnSpPr/>
+            <p:nvPr/>
+          </p:nvCxnSpPr>
+          <p:spPr>
+            <a:xfrm>
+              <a:off x="4171951" y="3430074"/>
+              <a:ext cx="0" cy="74724"/>
+            </a:xfrm>
+            <a:prstGeom prst="line">
+              <a:avLst/>
+            </a:prstGeom>
+            <a:ln w="19050">
+              <a:solidFill>
+                <a:schemeClr val="tx1"/>
+              </a:solidFill>
+            </a:ln>
+          </p:spPr>
+          <p:style>
+            <a:lnRef idx="1">
+              <a:schemeClr val="accent1"/>
+            </a:lnRef>
+            <a:fillRef idx="0">
+              <a:schemeClr val="accent1"/>
+            </a:fillRef>
+            <a:effectRef idx="0">
+              <a:schemeClr val="accent1"/>
+            </a:effectRef>
+            <a:fontRef idx="minor">
+              <a:schemeClr val="tx1"/>
+            </a:fontRef>
+          </p:style>
+        </p:cxnSp>
+        <p:cxnSp>
+          <p:nvCxnSpPr>
+            <p:cNvPr id="41" name="직선 연결선 40">
+              <a:extLst>
+                <a:ext uri="{FF2B5EF4-FFF2-40B4-BE49-F238E27FC236}">
+                  <a16:creationId xmlns:a16="http://schemas.microsoft.com/office/drawing/2014/main" id="{70990F1B-6888-6D35-AFBB-043EB2CC1D4A}"/>
+                </a:ext>
+              </a:extLst>
+            </p:cNvPr>
+            <p:cNvCxnSpPr/>
+            <p:nvPr/>
+          </p:nvCxnSpPr>
+          <p:spPr>
+            <a:xfrm>
+              <a:off x="4400551" y="3430074"/>
+              <a:ext cx="0" cy="74724"/>
+            </a:xfrm>
+            <a:prstGeom prst="line">
+              <a:avLst/>
+            </a:prstGeom>
+            <a:ln w="19050">
+              <a:solidFill>
+                <a:schemeClr val="tx1"/>
+              </a:solidFill>
+            </a:ln>
+          </p:spPr>
+          <p:style>
+            <a:lnRef idx="1">
+              <a:schemeClr val="accent1"/>
+            </a:lnRef>
+            <a:fillRef idx="0">
+              <a:schemeClr val="accent1"/>
+            </a:fillRef>
+            <a:effectRef idx="0">
+              <a:schemeClr val="accent1"/>
+            </a:effectRef>
+            <a:fontRef idx="minor">
+              <a:schemeClr val="tx1"/>
+            </a:fontRef>
+          </p:style>
+        </p:cxnSp>
+      </p:grpSp>
+      <p:cxnSp>
+        <p:nvCxnSpPr>
+          <p:cNvPr id="44" name="직선 연결선 43">
+            <a:extLst>
+              <a:ext uri="{FF2B5EF4-FFF2-40B4-BE49-F238E27FC236}">
+                <a16:creationId xmlns:a16="http://schemas.microsoft.com/office/drawing/2014/main" id="{87FD4E11-CDCD-CA90-D7FA-03D5D4090682}"/>
+              </a:ext>
+            </a:extLst>
+          </p:cNvPr>
+          <p:cNvCxnSpPr/>
+          <p:nvPr/>
+        </p:nvCxnSpPr>
+        <p:spPr>
+          <a:xfrm rot="18407912">
+            <a:off x="9475890" y="2699827"/>
+            <a:ext cx="0" cy="74724"/>
+          </a:xfrm>
+          <a:prstGeom prst="line">
+            <a:avLst/>
+          </a:prstGeom>
+          <a:ln w="19050">
+            <a:solidFill>
+              <a:schemeClr val="tx1"/>
+            </a:solidFill>
+          </a:ln>
+        </p:spPr>
+        <p:style>
+          <a:lnRef idx="1">
+            <a:schemeClr val="accent1"/>
+          </a:lnRef>
+          <a:fillRef idx="0">
+            <a:schemeClr val="accent1"/>
+          </a:fillRef>
+          <a:effectRef idx="0">
+            <a:schemeClr val="accent1"/>
+          </a:effectRef>
+          <a:fontRef idx="minor">
+            <a:schemeClr val="tx1"/>
+          </a:fontRef>
+        </p:style>
+      </p:cxnSp>
+      <p:cxnSp>
+        <p:nvCxnSpPr>
+          <p:cNvPr id="45" name="직선 연결선 44">
+            <a:extLst>
+              <a:ext uri="{FF2B5EF4-FFF2-40B4-BE49-F238E27FC236}">
+                <a16:creationId xmlns:a16="http://schemas.microsoft.com/office/drawing/2014/main" id="{72BE806A-31C1-6BB4-E7DF-1879E17A7C5F}"/>
+              </a:ext>
+            </a:extLst>
+          </p:cNvPr>
+          <p:cNvCxnSpPr/>
+          <p:nvPr/>
+        </p:nvCxnSpPr>
+        <p:spPr>
+          <a:xfrm rot="18407912">
+            <a:off x="9805301" y="2266911"/>
+            <a:ext cx="0" cy="74724"/>
+          </a:xfrm>
+          <a:prstGeom prst="line">
+            <a:avLst/>
+          </a:prstGeom>
+          <a:ln w="19050">
+            <a:solidFill>
+              <a:schemeClr val="tx1"/>
+            </a:solidFill>
+          </a:ln>
+        </p:spPr>
+        <p:style>
+          <a:lnRef idx="1">
+            <a:schemeClr val="accent1"/>
+          </a:lnRef>
+          <a:fillRef idx="0">
+            <a:schemeClr val="accent1"/>
+          </a:fillRef>
+          <a:effectRef idx="0">
+            <a:schemeClr val="accent1"/>
+          </a:effectRef>
+          <a:fontRef idx="minor">
+            <a:schemeClr val="tx1"/>
+          </a:fontRef>
+        </p:style>
+      </p:cxnSp>
+      <p:cxnSp>
+        <p:nvCxnSpPr>
+          <p:cNvPr id="46" name="직선 연결선 45">
+            <a:extLst>
+              <a:ext uri="{FF2B5EF4-FFF2-40B4-BE49-F238E27FC236}">
+                <a16:creationId xmlns:a16="http://schemas.microsoft.com/office/drawing/2014/main" id="{48118F6D-5138-A463-518A-CEE0AD438B93}"/>
+              </a:ext>
+            </a:extLst>
+          </p:cNvPr>
+          <p:cNvCxnSpPr/>
+          <p:nvPr/>
+        </p:nvCxnSpPr>
+        <p:spPr>
+          <a:xfrm rot="18407912">
+            <a:off x="10127716" y="1840934"/>
+            <a:ext cx="0" cy="74724"/>
+          </a:xfrm>
+          <a:prstGeom prst="line">
+            <a:avLst/>
+          </a:prstGeom>
+          <a:ln w="19050">
+            <a:solidFill>
+              <a:schemeClr val="tx1"/>
+            </a:solidFill>
+          </a:ln>
+        </p:spPr>
+        <p:style>
+          <a:lnRef idx="1">
+            <a:schemeClr val="accent1"/>
+          </a:lnRef>
+          <a:fillRef idx="0">
+            <a:schemeClr val="accent1"/>
+          </a:fillRef>
+          <a:effectRef idx="0">
+            <a:schemeClr val="accent1"/>
+          </a:effectRef>
+          <a:fontRef idx="minor">
+            <a:schemeClr val="tx1"/>
+          </a:fontRef>
+        </p:style>
+      </p:cxnSp>
+      <p:cxnSp>
+        <p:nvCxnSpPr>
+          <p:cNvPr id="47" name="직선 연결선 46">
+            <a:extLst>
+              <a:ext uri="{FF2B5EF4-FFF2-40B4-BE49-F238E27FC236}">
+                <a16:creationId xmlns:a16="http://schemas.microsoft.com/office/drawing/2014/main" id="{DD7601E4-16D5-C821-9D1E-823482A87D5A}"/>
+              </a:ext>
+            </a:extLst>
+          </p:cNvPr>
+          <p:cNvCxnSpPr/>
+          <p:nvPr/>
+        </p:nvCxnSpPr>
+        <p:spPr>
+          <a:xfrm rot="18407912">
+            <a:off x="10460513" y="1417722"/>
+            <a:ext cx="0" cy="74724"/>
+          </a:xfrm>
+          <a:prstGeom prst="line">
+            <a:avLst/>
+          </a:prstGeom>
+          <a:ln w="19050">
+            <a:solidFill>
+              <a:schemeClr val="tx1"/>
+            </a:solidFill>
+          </a:ln>
+        </p:spPr>
+        <p:style>
+          <a:lnRef idx="1">
+            <a:schemeClr val="accent1"/>
+          </a:lnRef>
+          <a:fillRef idx="0">
+            <a:schemeClr val="accent1"/>
+          </a:fillRef>
+          <a:effectRef idx="0">
+            <a:schemeClr val="accent1"/>
+          </a:effectRef>
+          <a:fontRef idx="minor">
+            <a:schemeClr val="tx1"/>
+          </a:fontRef>
+        </p:style>
+      </p:cxnSp>
+      <p:cxnSp>
+        <p:nvCxnSpPr>
+          <p:cNvPr id="49" name="직선 연결선 48">
+            <a:extLst>
+              <a:ext uri="{FF2B5EF4-FFF2-40B4-BE49-F238E27FC236}">
+                <a16:creationId xmlns:a16="http://schemas.microsoft.com/office/drawing/2014/main" id="{82516C5F-D24A-2EE0-3206-15F27820E831}"/>
+              </a:ext>
+            </a:extLst>
+          </p:cNvPr>
+          <p:cNvCxnSpPr/>
+          <p:nvPr/>
+        </p:nvCxnSpPr>
+        <p:spPr>
+          <a:xfrm rot="12974011">
+            <a:off x="8945774" y="2980093"/>
+            <a:ext cx="0" cy="74724"/>
+          </a:xfrm>
+          <a:prstGeom prst="line">
+            <a:avLst/>
+          </a:prstGeom>
+          <a:ln w="19050">
+            <a:solidFill>
+              <a:schemeClr val="tx1"/>
+            </a:solidFill>
+          </a:ln>
+        </p:spPr>
+        <p:style>
+          <a:lnRef idx="1">
+            <a:schemeClr val="accent1"/>
+          </a:lnRef>
+          <a:fillRef idx="0">
+            <a:schemeClr val="accent1"/>
+          </a:fillRef>
+          <a:effectRef idx="0">
+            <a:schemeClr val="accent1"/>
+          </a:effectRef>
+          <a:fontRef idx="minor">
+            <a:schemeClr val="tx1"/>
+          </a:fontRef>
+        </p:style>
+      </p:cxnSp>
+      <p:cxnSp>
+        <p:nvCxnSpPr>
+          <p:cNvPr id="50" name="직선 연결선 49">
+            <a:extLst>
+              <a:ext uri="{FF2B5EF4-FFF2-40B4-BE49-F238E27FC236}">
+                <a16:creationId xmlns:a16="http://schemas.microsoft.com/office/drawing/2014/main" id="{7B619F7A-98B5-5360-3ED6-6D4D4CF3307A}"/>
+              </a:ext>
+            </a:extLst>
+          </p:cNvPr>
+          <p:cNvCxnSpPr/>
+          <p:nvPr/>
+        </p:nvCxnSpPr>
+        <p:spPr>
+          <a:xfrm rot="12974011">
+            <a:off x="8719841" y="2812523"/>
+            <a:ext cx="0" cy="74724"/>
+          </a:xfrm>
+          <a:prstGeom prst="line">
+            <a:avLst/>
+          </a:prstGeom>
+          <a:ln w="19050">
+            <a:solidFill>
+              <a:schemeClr val="tx1"/>
+            </a:solidFill>
+          </a:ln>
+        </p:spPr>
+        <p:style>
+          <a:lnRef idx="1">
+            <a:schemeClr val="accent1"/>
+          </a:lnRef>
+          <a:fillRef idx="0">
+            <a:schemeClr val="accent1"/>
+          </a:fillRef>
+          <a:effectRef idx="0">
+            <a:schemeClr val="accent1"/>
+          </a:effectRef>
+          <a:fontRef idx="minor">
+            <a:schemeClr val="tx1"/>
+          </a:fontRef>
+        </p:style>
+      </p:cxnSp>
+      <p:cxnSp>
+        <p:nvCxnSpPr>
+          <p:cNvPr id="51" name="직선 연결선 50">
+            <a:extLst>
+              <a:ext uri="{FF2B5EF4-FFF2-40B4-BE49-F238E27FC236}">
+                <a16:creationId xmlns:a16="http://schemas.microsoft.com/office/drawing/2014/main" id="{F3B3FE82-4AB0-D102-5E34-AE096ADDAFEF}"/>
+              </a:ext>
+            </a:extLst>
+          </p:cNvPr>
+          <p:cNvCxnSpPr/>
+          <p:nvPr/>
+        </p:nvCxnSpPr>
+        <p:spPr>
+          <a:xfrm rot="12974011">
+            <a:off x="8504680" y="2651416"/>
+            <a:ext cx="0" cy="74724"/>
+          </a:xfrm>
+          <a:prstGeom prst="line">
+            <a:avLst/>
+          </a:prstGeom>
+          <a:ln w="19050">
+            <a:solidFill>
+              <a:schemeClr val="tx1"/>
+            </a:solidFill>
+          </a:ln>
+        </p:spPr>
+        <p:style>
+          <a:lnRef idx="1">
+            <a:schemeClr val="accent1"/>
+          </a:lnRef>
+          <a:fillRef idx="0">
+            <a:schemeClr val="accent1"/>
+          </a:fillRef>
+          <a:effectRef idx="0">
+            <a:schemeClr val="accent1"/>
+          </a:effectRef>
+          <a:fontRef idx="minor">
+            <a:schemeClr val="tx1"/>
+          </a:fontRef>
+        </p:style>
+      </p:cxnSp>
+      <p:cxnSp>
+        <p:nvCxnSpPr>
+          <p:cNvPr id="52" name="직선 연결선 51">
+            <a:extLst>
+              <a:ext uri="{FF2B5EF4-FFF2-40B4-BE49-F238E27FC236}">
+                <a16:creationId xmlns:a16="http://schemas.microsoft.com/office/drawing/2014/main" id="{A203D3F9-B38B-E9A0-C2EC-65E15F047262}"/>
+              </a:ext>
+            </a:extLst>
+          </p:cNvPr>
+          <p:cNvCxnSpPr/>
+          <p:nvPr/>
+        </p:nvCxnSpPr>
+        <p:spPr>
+          <a:xfrm rot="12974011">
+            <a:off x="8288936" y="2492399"/>
+            <a:ext cx="0" cy="74724"/>
+          </a:xfrm>
+          <a:prstGeom prst="line">
+            <a:avLst/>
+          </a:prstGeom>
+          <a:ln w="19050">
+            <a:solidFill>
+              <a:schemeClr val="tx1"/>
+            </a:solidFill>
+          </a:ln>
+        </p:spPr>
+        <p:style>
+          <a:lnRef idx="1">
+            <a:schemeClr val="accent1"/>
+          </a:lnRef>
+          <a:fillRef idx="0">
+            <a:schemeClr val="accent1"/>
+          </a:fillRef>
+          <a:effectRef idx="0">
+            <a:schemeClr val="accent1"/>
+          </a:effectRef>
+          <a:fontRef idx="minor">
+            <a:schemeClr val="tx1"/>
+          </a:fontRef>
+        </p:style>
+      </p:cxnSp>
+      <mc:AlternateContent xmlns:mc="http://schemas.openxmlformats.org/markup-compatibility/2006" xmlns:a14="http://schemas.microsoft.com/office/drawing/2010/main">
+        <mc:Choice Requires="a14">
+          <p:sp>
+            <p:nvSpPr>
+              <p:cNvPr id="55" name="TextBox 54">
+                <a:extLst>
+                  <a:ext uri="{FF2B5EF4-FFF2-40B4-BE49-F238E27FC236}">
+                    <a16:creationId xmlns:a16="http://schemas.microsoft.com/office/drawing/2014/main" id="{1D551A8D-3DD5-6E0D-92DD-1007B263C547}"/>
+                  </a:ext>
+                </a:extLst>
+              </p:cNvPr>
+              <p:cNvSpPr txBox="1"/>
+              <p:nvPr/>
+            </p:nvSpPr>
+            <p:spPr>
+              <a:xfrm>
+                <a:off x="2917756" y="1033760"/>
+                <a:ext cx="908005" cy="584775"/>
+              </a:xfrm>
+              <a:prstGeom prst="rect">
+                <a:avLst/>
+              </a:prstGeom>
+              <a:noFill/>
+            </p:spPr>
+            <p:txBody>
+              <a:bodyPr wrap="none" rtlCol="0">
+                <a:spAutoFit/>
+              </a:bodyPr>
+              <a:lstStyle/>
+              <a:p>
+                <a:pPr/>
+                <a14:m>
+                  <m:oMathPara xmlns:m="http://schemas.openxmlformats.org/officeDocument/2006/math">
+                    <m:oMathParaPr>
+                      <m:jc m:val="centerGroup"/>
+                    </m:oMathParaPr>
+                    <m:oMath xmlns:m="http://schemas.openxmlformats.org/officeDocument/2006/math">
+                      <m:r>
+                        <a:rPr lang="en-US" altLang="ko-KR" sz="3200" b="0" i="1" smtClean="0">
+                          <a:latin typeface="Cambria Math" panose="02040503050406030204" pitchFamily="18" charset="0"/>
+                        </a:rPr>
+                        <m:t>(</m:t>
+                      </m:r>
+                      <m:r>
+                        <a:rPr lang="en-US" altLang="ko-KR" sz="3200" b="0" i="1" smtClean="0">
+                          <a:latin typeface="Cambria Math" panose="02040503050406030204" pitchFamily="18" charset="0"/>
+                        </a:rPr>
+                        <m:t>𝑎</m:t>
+                      </m:r>
+                      <m:r>
+                        <a:rPr lang="en-US" altLang="ko-KR" sz="3200" b="0" i="1" smtClean="0">
+                          <a:latin typeface="Cambria Math" panose="02040503050406030204" pitchFamily="18" charset="0"/>
+                        </a:rPr>
+                        <m:t>)</m:t>
+                      </m:r>
+                    </m:oMath>
+                  </m:oMathPara>
+                </a14:m>
+                <a:endParaRPr lang="ko-KR" altLang="en-US" sz="3200" dirty="0"/>
+              </a:p>
+            </p:txBody>
+          </p:sp>
+        </mc:Choice>
+        <mc:Fallback xmlns="">
+          <p:sp>
+            <p:nvSpPr>
+              <p:cNvPr id="55" name="TextBox 54">
+                <a:extLst>
+                  <a:ext uri="{FF2B5EF4-FFF2-40B4-BE49-F238E27FC236}">
+                    <a16:creationId xmlns:a16="http://schemas.microsoft.com/office/drawing/2014/main" id="{1D551A8D-3DD5-6E0D-92DD-1007B263C547}"/>
+                  </a:ext>
+                </a:extLst>
+              </p:cNvPr>
+              <p:cNvSpPr txBox="1">
+                <a:spLocks noRot="1" noChangeAspect="1" noMove="1" noResize="1" noEditPoints="1" noAdjustHandles="1" noChangeArrowheads="1" noChangeShapeType="1" noTextEdit="1"/>
+              </p:cNvSpPr>
+              <p:nvPr/>
+            </p:nvSpPr>
+            <p:spPr>
+              <a:xfrm>
+                <a:off x="2917756" y="1033760"/>
+                <a:ext cx="908005" cy="584775"/>
+              </a:xfrm>
+              <a:prstGeom prst="rect">
+                <a:avLst/>
+              </a:prstGeom>
+              <a:blipFill>
+                <a:blip r:embed="rId3"/>
+                <a:stretch>
+                  <a:fillRect/>
+                </a:stretch>
+              </a:blipFill>
+            </p:spPr>
+            <p:txBody>
+              <a:bodyPr/>
+              <a:lstStyle/>
+              <a:p>
+                <a:r>
+                  <a:rPr lang="ko-KR" altLang="en-US">
+                    <a:noFill/>
+                  </a:rPr>
+                  <a:t> </a:t>
+                </a:r>
+              </a:p>
+            </p:txBody>
+          </p:sp>
+        </mc:Fallback>
+      </mc:AlternateContent>
+      <mc:AlternateContent xmlns:mc="http://schemas.openxmlformats.org/markup-compatibility/2006" xmlns:a14="http://schemas.microsoft.com/office/drawing/2010/main">
+        <mc:Choice Requires="a14">
+          <p:sp>
+            <p:nvSpPr>
+              <p:cNvPr id="56" name="TextBox 55">
+                <a:extLst>
+                  <a:ext uri="{FF2B5EF4-FFF2-40B4-BE49-F238E27FC236}">
+                    <a16:creationId xmlns:a16="http://schemas.microsoft.com/office/drawing/2014/main" id="{AB295E43-2340-5623-BDD1-902E7266DA39}"/>
+                  </a:ext>
+                </a:extLst>
+              </p:cNvPr>
+              <p:cNvSpPr txBox="1"/>
+              <p:nvPr/>
+            </p:nvSpPr>
+            <p:spPr>
+              <a:xfrm>
+                <a:off x="8797161" y="807005"/>
+                <a:ext cx="908005" cy="584775"/>
+              </a:xfrm>
+              <a:prstGeom prst="rect">
+                <a:avLst/>
+              </a:prstGeom>
+              <a:noFill/>
+            </p:spPr>
+            <p:txBody>
+              <a:bodyPr wrap="none" rtlCol="0">
+                <a:spAutoFit/>
+              </a:bodyPr>
+              <a:lstStyle/>
+              <a:p>
+                <a:pPr/>
+                <a14:m>
+                  <m:oMathPara xmlns:m="http://schemas.openxmlformats.org/officeDocument/2006/math">
+                    <m:oMathParaPr>
+                      <m:jc m:val="centerGroup"/>
+                    </m:oMathParaPr>
+                    <m:oMath xmlns:m="http://schemas.openxmlformats.org/officeDocument/2006/math">
+                      <m:r>
+                        <a:rPr lang="en-US" altLang="ko-KR" sz="3200" b="0" i="1" smtClean="0">
+                          <a:latin typeface="Cambria Math" panose="02040503050406030204" pitchFamily="18" charset="0"/>
+                        </a:rPr>
+                        <m:t>(</m:t>
+                      </m:r>
+                      <m:r>
+                        <a:rPr lang="en-US" altLang="ko-KR" sz="3200" b="0" i="1" smtClean="0">
+                          <a:latin typeface="Cambria Math" panose="02040503050406030204" pitchFamily="18" charset="0"/>
+                        </a:rPr>
+                        <m:t>𝑏</m:t>
+                      </m:r>
+                      <m:r>
+                        <a:rPr lang="en-US" altLang="ko-KR" sz="3200" b="0" i="1" smtClean="0">
+                          <a:latin typeface="Cambria Math" panose="02040503050406030204" pitchFamily="18" charset="0"/>
+                        </a:rPr>
+                        <m:t>)</m:t>
+                      </m:r>
+                    </m:oMath>
+                  </m:oMathPara>
+                </a14:m>
+                <a:endParaRPr lang="ko-KR" altLang="en-US" sz="3200" dirty="0"/>
+              </a:p>
+            </p:txBody>
+          </p:sp>
+        </mc:Choice>
+        <mc:Fallback xmlns="">
+          <p:sp>
+            <p:nvSpPr>
+              <p:cNvPr id="56" name="TextBox 55">
+                <a:extLst>
+                  <a:ext uri="{FF2B5EF4-FFF2-40B4-BE49-F238E27FC236}">
+                    <a16:creationId xmlns:a16="http://schemas.microsoft.com/office/drawing/2014/main" id="{AB295E43-2340-5623-BDD1-902E7266DA39}"/>
+                  </a:ext>
+                </a:extLst>
+              </p:cNvPr>
+              <p:cNvSpPr txBox="1">
+                <a:spLocks noRot="1" noChangeAspect="1" noMove="1" noResize="1" noEditPoints="1" noAdjustHandles="1" noChangeArrowheads="1" noChangeShapeType="1" noTextEdit="1"/>
+              </p:cNvSpPr>
+              <p:nvPr/>
+            </p:nvSpPr>
+            <p:spPr>
+              <a:xfrm>
+                <a:off x="8797161" y="807005"/>
+                <a:ext cx="908005" cy="584775"/>
+              </a:xfrm>
+              <a:prstGeom prst="rect">
+                <a:avLst/>
+              </a:prstGeom>
+              <a:blipFill>
+                <a:blip r:embed="rId4"/>
+                <a:stretch>
+                  <a:fillRect/>
+                </a:stretch>
+              </a:blipFill>
+            </p:spPr>
+            <p:txBody>
+              <a:bodyPr/>
+              <a:lstStyle/>
+              <a:p>
+                <a:r>
+                  <a:rPr lang="ko-KR" altLang="en-US">
+                    <a:noFill/>
+                  </a:rPr>
+                  <a:t> </a:t>
+                </a:r>
+              </a:p>
+            </p:txBody>
+          </p:sp>
+        </mc:Fallback>
+      </mc:AlternateContent>
+      <p:sp>
+        <p:nvSpPr>
+          <p:cNvPr id="58" name="TextBox 57">
+            <a:extLst>
+              <a:ext uri="{FF2B5EF4-FFF2-40B4-BE49-F238E27FC236}">
+                <a16:creationId xmlns:a16="http://schemas.microsoft.com/office/drawing/2014/main" id="{30FB88AE-E6CB-63BE-A727-575BF89D768F}"/>
+              </a:ext>
+            </a:extLst>
+          </p:cNvPr>
+          <p:cNvSpPr txBox="1"/>
+          <p:nvPr/>
+        </p:nvSpPr>
+        <p:spPr>
+          <a:xfrm>
+            <a:off x="4571207" y="5826413"/>
+            <a:ext cx="3110980" cy="369332"/>
+          </a:xfrm>
+          <a:prstGeom prst="rect">
+            <a:avLst/>
+          </a:prstGeom>
+          <a:noFill/>
+        </p:spPr>
+        <p:txBody>
+          <a:bodyPr wrap="none" rtlCol="0">
+            <a:spAutoFit/>
+          </a:bodyPr>
+          <a:lstStyle/>
+          <a:p>
+            <a:r>
+              <a:rPr lang="en-US" altLang="ko-KR" dirty="0">
+                <a:latin typeface="나눔스퀘어_ac" panose="020B0600000101010101" pitchFamily="50" charset="-127"/>
+                <a:ea typeface="나눔스퀘어_ac" panose="020B0600000101010101" pitchFamily="50" charset="-127"/>
+              </a:rPr>
+              <a:t>“Normalizing” the “</a:t>
+            </a:r>
+            <a:r>
+              <a:rPr lang="en-US" altLang="ko-KR">
+                <a:latin typeface="나눔스퀘어_ac" panose="020B0600000101010101" pitchFamily="50" charset="-127"/>
+                <a:ea typeface="나눔스퀘어_ac" panose="020B0600000101010101" pitchFamily="50" charset="-127"/>
+              </a:rPr>
+              <a:t>Context”</a:t>
+            </a:r>
+            <a:endParaRPr lang="en-US" altLang="ko-KR" dirty="0">
+              <a:latin typeface="나눔스퀘어_ac" panose="020B0600000101010101" pitchFamily="50" charset="-127"/>
+              <a:ea typeface="나눔스퀘어_ac" panose="020B0600000101010101" pitchFamily="50" charset="-127"/>
+            </a:endParaRPr>
+          </a:p>
+        </p:txBody>
+      </p:sp>
+      <p:pic>
+        <p:nvPicPr>
+          <p:cNvPr id="62" name="그림 61">
+            <a:extLst>
+              <a:ext uri="{FF2B5EF4-FFF2-40B4-BE49-F238E27FC236}">
+                <a16:creationId xmlns:a16="http://schemas.microsoft.com/office/drawing/2014/main" id="{F1AD5AEB-9815-F6C3-77AA-786B4D644CB6}"/>
+              </a:ext>
+            </a:extLst>
+          </p:cNvPr>
+          <p:cNvPicPr>
+            <a:picLocks noChangeAspect="1"/>
+          </p:cNvPicPr>
+          <p:nvPr/>
+        </p:nvPicPr>
+        <p:blipFill>
+          <a:blip r:embed="rId5">
+            <a:extLst>
+              <a:ext uri="{28A0092B-C50C-407E-A947-70E740481C1C}">
+                <a14:useLocalDpi xmlns:a14="http://schemas.microsoft.com/office/drawing/2010/main" val="0"/>
+              </a:ext>
+            </a:extLst>
+          </a:blip>
+          <a:stretch>
+            <a:fillRect/>
+          </a:stretch>
+        </p:blipFill>
+        <p:spPr>
+          <a:xfrm rot="1326801">
+            <a:off x="5080569" y="4733427"/>
+            <a:ext cx="1960656" cy="1364433"/>
+          </a:xfrm>
+          <a:prstGeom prst="rect">
+            <a:avLst/>
+          </a:prstGeom>
+        </p:spPr>
+      </p:pic>
+      <p:sp>
+        <p:nvSpPr>
+          <p:cNvPr id="63" name="TextBox 62">
+            <a:extLst>
+              <a:ext uri="{FF2B5EF4-FFF2-40B4-BE49-F238E27FC236}">
+                <a16:creationId xmlns:a16="http://schemas.microsoft.com/office/drawing/2014/main" id="{55438407-2CD1-F059-DA9E-70F26B7B5C72}"/>
+              </a:ext>
+            </a:extLst>
+          </p:cNvPr>
+          <p:cNvSpPr txBox="1"/>
+          <p:nvPr/>
+        </p:nvSpPr>
+        <p:spPr>
+          <a:xfrm>
+            <a:off x="5168192" y="727998"/>
+            <a:ext cx="1945148" cy="369332"/>
+          </a:xfrm>
+          <a:prstGeom prst="rect">
+            <a:avLst/>
+          </a:prstGeom>
+          <a:noFill/>
+        </p:spPr>
+        <p:txBody>
+          <a:bodyPr wrap="none" rtlCol="0">
+            <a:spAutoFit/>
+          </a:bodyPr>
+          <a:lstStyle/>
+          <a:p>
+            <a:r>
+              <a:rPr lang="en-US" altLang="ko-KR" dirty="0">
+                <a:latin typeface="나눔스퀘어_ac" panose="020B0600000101010101" pitchFamily="50" charset="-127"/>
+                <a:ea typeface="나눔스퀘어_ac" panose="020B0600000101010101" pitchFamily="50" charset="-127"/>
+              </a:rPr>
+              <a:t>“context” of data</a:t>
+            </a:r>
+          </a:p>
+        </p:txBody>
+      </p:sp>
+      <p:pic>
+        <p:nvPicPr>
+          <p:cNvPr id="64" name="그림 63">
+            <a:extLst>
+              <a:ext uri="{FF2B5EF4-FFF2-40B4-BE49-F238E27FC236}">
+                <a16:creationId xmlns:a16="http://schemas.microsoft.com/office/drawing/2014/main" id="{96F020F3-18C2-23AE-22F5-B1424DD04825}"/>
+              </a:ext>
+            </a:extLst>
+          </p:cNvPr>
+          <p:cNvPicPr>
+            <a:picLocks noChangeAspect="1"/>
+          </p:cNvPicPr>
+          <p:nvPr/>
+        </p:nvPicPr>
+        <p:blipFill>
+          <a:blip r:embed="rId5">
+            <a:extLst>
+              <a:ext uri="{28A0092B-C50C-407E-A947-70E740481C1C}">
+                <a14:useLocalDpi xmlns:a14="http://schemas.microsoft.com/office/drawing/2010/main" val="0"/>
+              </a:ext>
+            </a:extLst>
+          </a:blip>
+          <a:stretch>
+            <a:fillRect/>
+          </a:stretch>
+        </p:blipFill>
+        <p:spPr>
+          <a:xfrm rot="12600000">
+            <a:off x="5215913" y="773471"/>
+            <a:ext cx="1960656" cy="1364433"/>
+          </a:xfrm>
+          <a:prstGeom prst="rect">
+            <a:avLst/>
+          </a:prstGeom>
+        </p:spPr>
+      </p:pic>
+    </p:spTree>
+    <p:extLst>
+      <p:ext uri="{BB962C8B-B14F-4D97-AF65-F5344CB8AC3E}">
+        <p14:creationId xmlns:p14="http://schemas.microsoft.com/office/powerpoint/2010/main" val="442671352"/>
+      </p:ext>
+    </p:extLst>
+  </p:cSld>
+  <p:clrMapOvr>
+    <a:masterClrMapping/>
+  </p:clrMapOvr>
+</p:sld>
+</file>
+
+<file path=ppt/slides/slide8.xml><?xml version="1.0" encoding="utf-8"?>
+<p:sld xmlns:a="http://schemas.openxmlformats.org/drawingml/2006/main" xmlns:r="http://schemas.openxmlformats.org/officeDocument/2006/relationships" xmlns:p="http://schemas.openxmlformats.org/presentationml/2006/main">
+  <p:cSld>
+    <p:spTree>
+      <p:nvGrpSpPr>
+        <p:cNvPr id="1" name=""/>
+        <p:cNvGrpSpPr/>
+        <p:nvPr/>
+      </p:nvGrpSpPr>
+      <p:grpSpPr>
+        <a:xfrm>
+          <a:off x="0" y="0"/>
+          <a:ext cx="0" cy="0"/>
+          <a:chOff x="0" y="0"/>
+          <a:chExt cx="0" cy="0"/>
+        </a:xfrm>
+      </p:grpSpPr>
       <p:sp>
         <p:nvSpPr>
           <p:cNvPr id="9" name="화살표: 오른쪽 8">
@@ -15562,639 +21763,6 @@
 </p:sld>
 </file>
 
-<file path=ppt/slides/slide8.xml><?xml version="1.0" encoding="utf-8"?>
-<p:sld xmlns:a="http://schemas.openxmlformats.org/drawingml/2006/main" xmlns:r="http://schemas.openxmlformats.org/officeDocument/2006/relationships" xmlns:p="http://schemas.openxmlformats.org/presentationml/2006/main">
-  <p:cSld>
-    <p:spTree>
-      <p:nvGrpSpPr>
-        <p:cNvPr id="1" name=""/>
-        <p:cNvGrpSpPr/>
-        <p:nvPr/>
-      </p:nvGrpSpPr>
-      <p:grpSpPr>
-        <a:xfrm>
-          <a:off x="0" y="0"/>
-          <a:ext cx="0" cy="0"/>
-          <a:chOff x="0" y="0"/>
-          <a:chExt cx="0" cy="0"/>
-        </a:xfrm>
-      </p:grpSpPr>
-      <mc:AlternateContent xmlns:mc="http://schemas.openxmlformats.org/markup-compatibility/2006" xmlns:a14="http://schemas.microsoft.com/office/drawing/2010/main">
-        <mc:Choice Requires="a14">
-          <p:sp>
-            <p:nvSpPr>
-              <p:cNvPr id="9" name="TextBox 8">
-                <a:extLst>
-                  <a:ext uri="{FF2B5EF4-FFF2-40B4-BE49-F238E27FC236}">
-                    <a16:creationId xmlns:a16="http://schemas.microsoft.com/office/drawing/2014/main" id="{61E31780-09A1-DB38-4DF6-9599FA901104}"/>
-                  </a:ext>
-                </a:extLst>
-              </p:cNvPr>
-              <p:cNvSpPr txBox="1"/>
-              <p:nvPr/>
-            </p:nvSpPr>
-            <p:spPr>
-              <a:xfrm>
-                <a:off x="1440539" y="1498340"/>
-                <a:ext cx="1703030" cy="559897"/>
-              </a:xfrm>
-              <a:prstGeom prst="rect">
-                <a:avLst/>
-              </a:prstGeom>
-              <a:noFill/>
-            </p:spPr>
-            <p:txBody>
-              <a:bodyPr wrap="none" rtlCol="0">
-                <a:spAutoFit/>
-              </a:bodyPr>
-              <a:lstStyle/>
-              <a:p>
-                <a:pPr/>
-                <a14:m>
-                  <m:oMathPara xmlns:m="http://schemas.openxmlformats.org/officeDocument/2006/math">
-                    <m:oMathParaPr>
-                      <m:jc m:val="centerGroup"/>
-                    </m:oMathParaPr>
-                    <m:oMath xmlns:m="http://schemas.openxmlformats.org/officeDocument/2006/math">
-                      <m:r>
-                        <m:rPr>
-                          <m:sty m:val="p"/>
-                        </m:rPr>
-                        <a:rPr lang="en-US" altLang="ko-KR" b="0" i="0" smtClean="0">
-                          <a:latin typeface="Cambria Math" panose="02040503050406030204" pitchFamily="18" charset="0"/>
-                        </a:rPr>
-                        <m:t>Σ</m:t>
-                      </m:r>
-                      <m:r>
-                        <a:rPr lang="en-US" altLang="ko-KR" b="0" i="1" smtClean="0">
-                          <a:latin typeface="Cambria Math" panose="02040503050406030204" pitchFamily="18" charset="0"/>
-                        </a:rPr>
-                        <m:t>=</m:t>
-                      </m:r>
-                      <m:d>
-                        <m:dPr>
-                          <m:begChr m:val="["/>
-                          <m:endChr m:val="]"/>
-                          <m:ctrlPr>
-                            <a:rPr lang="en-US" altLang="ko-KR" i="1" smtClean="0">
-                              <a:latin typeface="Cambria Math" panose="02040503050406030204" pitchFamily="18" charset="0"/>
-                            </a:rPr>
-                          </m:ctrlPr>
-                        </m:dPr>
-                        <m:e>
-                          <m:m>
-                            <m:mPr>
-                              <m:mcs>
-                                <m:mc>
-                                  <m:mcPr>
-                                    <m:count m:val="2"/>
-                                    <m:mcJc m:val="center"/>
-                                  </m:mcPr>
-                                </m:mc>
-                              </m:mcs>
-                              <m:ctrlPr>
-                                <a:rPr lang="en-US" altLang="ko-KR" i="1" smtClean="0">
-                                  <a:latin typeface="Cambria Math" panose="02040503050406030204" pitchFamily="18" charset="0"/>
-                                </a:rPr>
-                              </m:ctrlPr>
-                            </m:mPr>
-                            <m:mr>
-                              <m:e>
-                                <m:r>
-                                  <a:rPr lang="en-US" altLang="ko-KR" b="0" i="1" smtClean="0">
-                                    <a:latin typeface="Cambria Math" panose="02040503050406030204" pitchFamily="18" charset="0"/>
-                                  </a:rPr>
-                                  <m:t>1.0</m:t>
-                                </m:r>
-                              </m:e>
-                              <m:e>
-                                <m:r>
-                                  <a:rPr lang="en-US" altLang="ko-KR" b="0" i="1" smtClean="0">
-                                    <a:latin typeface="Cambria Math" panose="02040503050406030204" pitchFamily="18" charset="0"/>
-                                  </a:rPr>
-                                  <m:t>0.5</m:t>
-                                </m:r>
-                              </m:e>
-                            </m:mr>
-                            <m:mr>
-                              <m:e>
-                                <m:r>
-                                  <a:rPr lang="en-US" altLang="ko-KR" b="0" i="1" smtClean="0">
-                                    <a:latin typeface="Cambria Math" panose="02040503050406030204" pitchFamily="18" charset="0"/>
-                                  </a:rPr>
-                                  <m:t>0.5</m:t>
-                                </m:r>
-                              </m:e>
-                              <m:e>
-                                <m:r>
-                                  <a:rPr lang="en-US" altLang="ko-KR" b="0" i="1" smtClean="0">
-                                    <a:latin typeface="Cambria Math" panose="02040503050406030204" pitchFamily="18" charset="0"/>
-                                  </a:rPr>
-                                  <m:t>1.5</m:t>
-                                </m:r>
-                              </m:e>
-                            </m:mr>
-                          </m:m>
-                        </m:e>
-                      </m:d>
-                    </m:oMath>
-                  </m:oMathPara>
-                </a14:m>
-                <a:endParaRPr lang="ko-KR" altLang="en-US" dirty="0"/>
-              </a:p>
-            </p:txBody>
-          </p:sp>
-        </mc:Choice>
-        <mc:Fallback xmlns="">
-          <p:sp>
-            <p:nvSpPr>
-              <p:cNvPr id="9" name="TextBox 8">
-                <a:extLst>
-                  <a:ext uri="{FF2B5EF4-FFF2-40B4-BE49-F238E27FC236}">
-                    <a16:creationId xmlns:a16="http://schemas.microsoft.com/office/drawing/2014/main" id="{61E31780-09A1-DB38-4DF6-9599FA901104}"/>
-                  </a:ext>
-                </a:extLst>
-              </p:cNvPr>
-              <p:cNvSpPr txBox="1">
-                <a:spLocks noRot="1" noChangeAspect="1" noMove="1" noResize="1" noEditPoints="1" noAdjustHandles="1" noChangeArrowheads="1" noChangeShapeType="1" noTextEdit="1"/>
-              </p:cNvSpPr>
-              <p:nvPr/>
-            </p:nvSpPr>
-            <p:spPr>
-              <a:xfrm>
-                <a:off x="1440539" y="1498340"/>
-                <a:ext cx="1703030" cy="559897"/>
-              </a:xfrm>
-              <a:prstGeom prst="rect">
-                <a:avLst/>
-              </a:prstGeom>
-              <a:blipFill>
-                <a:blip r:embed="rId2"/>
-                <a:stretch>
-                  <a:fillRect/>
-                </a:stretch>
-              </a:blipFill>
-            </p:spPr>
-            <p:txBody>
-              <a:bodyPr/>
-              <a:lstStyle/>
-              <a:p>
-                <a:r>
-                  <a:rPr lang="ko-KR" altLang="en-US">
-                    <a:noFill/>
-                  </a:rPr>
-                  <a:t> </a:t>
-                </a:r>
-              </a:p>
-            </p:txBody>
-          </p:sp>
-        </mc:Fallback>
-      </mc:AlternateContent>
-      <mc:AlternateContent xmlns:mc="http://schemas.openxmlformats.org/markup-compatibility/2006" xmlns:a14="http://schemas.microsoft.com/office/drawing/2010/main">
-        <mc:Choice Requires="a14">
-          <p:sp>
-            <p:nvSpPr>
-              <p:cNvPr id="10" name="TextBox 9">
-                <a:extLst>
-                  <a:ext uri="{FF2B5EF4-FFF2-40B4-BE49-F238E27FC236}">
-                    <a16:creationId xmlns:a16="http://schemas.microsoft.com/office/drawing/2014/main" id="{C3EA6EE4-AA6B-65B7-21AE-196FDF686772}"/>
-                  </a:ext>
-                </a:extLst>
-              </p:cNvPr>
-              <p:cNvSpPr txBox="1"/>
-              <p:nvPr/>
-            </p:nvSpPr>
-            <p:spPr>
-              <a:xfrm>
-                <a:off x="5050615" y="1498340"/>
-                <a:ext cx="2049279" cy="559897"/>
-              </a:xfrm>
-              <a:prstGeom prst="rect">
-                <a:avLst/>
-              </a:prstGeom>
-              <a:noFill/>
-            </p:spPr>
-            <p:txBody>
-              <a:bodyPr wrap="none" rtlCol="0">
-                <a:spAutoFit/>
-              </a:bodyPr>
-              <a:lstStyle/>
-              <a:p>
-                <a:pPr/>
-                <a14:m>
-                  <m:oMathPara xmlns:m="http://schemas.openxmlformats.org/officeDocument/2006/math">
-                    <m:oMathParaPr>
-                      <m:jc m:val="centerGroup"/>
-                    </m:oMathParaPr>
-                    <m:oMath xmlns:m="http://schemas.openxmlformats.org/officeDocument/2006/math">
-                      <m:r>
-                        <m:rPr>
-                          <m:sty m:val="p"/>
-                        </m:rPr>
-                        <a:rPr lang="en-US" altLang="ko-KR" b="0" i="0" smtClean="0">
-                          <a:latin typeface="Cambria Math" panose="02040503050406030204" pitchFamily="18" charset="0"/>
-                        </a:rPr>
-                        <m:t>Σ</m:t>
-                      </m:r>
-                      <m:r>
-                        <a:rPr lang="en-US" altLang="ko-KR" b="0" i="1" smtClean="0">
-                          <a:latin typeface="Cambria Math" panose="02040503050406030204" pitchFamily="18" charset="0"/>
-                        </a:rPr>
-                        <m:t>=</m:t>
-                      </m:r>
-                      <m:d>
-                        <m:dPr>
-                          <m:begChr m:val="["/>
-                          <m:endChr m:val="]"/>
-                          <m:ctrlPr>
-                            <a:rPr lang="en-US" altLang="ko-KR" i="1" smtClean="0">
-                              <a:latin typeface="Cambria Math" panose="02040503050406030204" pitchFamily="18" charset="0"/>
-                            </a:rPr>
-                          </m:ctrlPr>
-                        </m:dPr>
-                        <m:e>
-                          <m:m>
-                            <m:mPr>
-                              <m:mcs>
-                                <m:mc>
-                                  <m:mcPr>
-                                    <m:count m:val="2"/>
-                                    <m:mcJc m:val="center"/>
-                                  </m:mcPr>
-                                </m:mc>
-                              </m:mcs>
-                              <m:ctrlPr>
-                                <a:rPr lang="en-US" altLang="ko-KR" i="1" smtClean="0">
-                                  <a:latin typeface="Cambria Math" panose="02040503050406030204" pitchFamily="18" charset="0"/>
-                                </a:rPr>
-                              </m:ctrlPr>
-                            </m:mPr>
-                            <m:mr>
-                              <m:e>
-                                <m:r>
-                                  <a:rPr lang="en-US" altLang="ko-KR" b="0" i="1" smtClean="0">
-                                    <a:latin typeface="Cambria Math" panose="02040503050406030204" pitchFamily="18" charset="0"/>
-                                  </a:rPr>
-                                  <m:t>1.0</m:t>
-                                </m:r>
-                              </m:e>
-                              <m:e>
-                                <m:r>
-                                  <a:rPr lang="en-US" altLang="ko-KR" b="0" i="1" smtClean="0">
-                                    <a:latin typeface="Cambria Math" panose="02040503050406030204" pitchFamily="18" charset="0"/>
-                                  </a:rPr>
-                                  <m:t>−0.5</m:t>
-                                </m:r>
-                              </m:e>
-                            </m:mr>
-                            <m:mr>
-                              <m:e>
-                                <m:r>
-                                  <a:rPr lang="en-US" altLang="ko-KR" b="0" i="1" smtClean="0">
-                                    <a:latin typeface="Cambria Math" panose="02040503050406030204" pitchFamily="18" charset="0"/>
-                                  </a:rPr>
-                                  <m:t>−0.5</m:t>
-                                </m:r>
-                              </m:e>
-                              <m:e>
-                                <m:r>
-                                  <a:rPr lang="en-US" altLang="ko-KR" b="0" i="1" smtClean="0">
-                                    <a:latin typeface="Cambria Math" panose="02040503050406030204" pitchFamily="18" charset="0"/>
-                                  </a:rPr>
-                                  <m:t>1.5</m:t>
-                                </m:r>
-                              </m:e>
-                            </m:mr>
-                          </m:m>
-                        </m:e>
-                      </m:d>
-                    </m:oMath>
-                  </m:oMathPara>
-                </a14:m>
-                <a:endParaRPr lang="ko-KR" altLang="en-US" dirty="0"/>
-              </a:p>
-            </p:txBody>
-          </p:sp>
-        </mc:Choice>
-        <mc:Fallback xmlns="">
-          <p:sp>
-            <p:nvSpPr>
-              <p:cNvPr id="10" name="TextBox 9">
-                <a:extLst>
-                  <a:ext uri="{FF2B5EF4-FFF2-40B4-BE49-F238E27FC236}">
-                    <a16:creationId xmlns:a16="http://schemas.microsoft.com/office/drawing/2014/main" id="{C3EA6EE4-AA6B-65B7-21AE-196FDF686772}"/>
-                  </a:ext>
-                </a:extLst>
-              </p:cNvPr>
-              <p:cNvSpPr txBox="1">
-                <a:spLocks noRot="1" noChangeAspect="1" noMove="1" noResize="1" noEditPoints="1" noAdjustHandles="1" noChangeArrowheads="1" noChangeShapeType="1" noTextEdit="1"/>
-              </p:cNvSpPr>
-              <p:nvPr/>
-            </p:nvSpPr>
-            <p:spPr>
-              <a:xfrm>
-                <a:off x="5050615" y="1498340"/>
-                <a:ext cx="2049279" cy="559897"/>
-              </a:xfrm>
-              <a:prstGeom prst="rect">
-                <a:avLst/>
-              </a:prstGeom>
-              <a:blipFill>
-                <a:blip r:embed="rId3"/>
-                <a:stretch>
-                  <a:fillRect/>
-                </a:stretch>
-              </a:blipFill>
-            </p:spPr>
-            <p:txBody>
-              <a:bodyPr/>
-              <a:lstStyle/>
-              <a:p>
-                <a:r>
-                  <a:rPr lang="ko-KR" altLang="en-US">
-                    <a:noFill/>
-                  </a:rPr>
-                  <a:t> </a:t>
-                </a:r>
-              </a:p>
-            </p:txBody>
-          </p:sp>
-        </mc:Fallback>
-      </mc:AlternateContent>
-      <mc:AlternateContent xmlns:mc="http://schemas.openxmlformats.org/markup-compatibility/2006" xmlns:a14="http://schemas.microsoft.com/office/drawing/2010/main">
-        <mc:Choice Requires="a14">
-          <p:sp>
-            <p:nvSpPr>
-              <p:cNvPr id="11" name="TextBox 10">
-                <a:extLst>
-                  <a:ext uri="{FF2B5EF4-FFF2-40B4-BE49-F238E27FC236}">
-                    <a16:creationId xmlns:a16="http://schemas.microsoft.com/office/drawing/2014/main" id="{477CFC31-4529-A9CC-875B-060CDCD9D223}"/>
-                  </a:ext>
-                </a:extLst>
-              </p:cNvPr>
-              <p:cNvSpPr txBox="1"/>
-              <p:nvPr/>
-            </p:nvSpPr>
-            <p:spPr>
-              <a:xfrm>
-                <a:off x="9159340" y="1491777"/>
-                <a:ext cx="1350370" cy="554254"/>
-              </a:xfrm>
-              <a:prstGeom prst="rect">
-                <a:avLst/>
-              </a:prstGeom>
-              <a:noFill/>
-            </p:spPr>
-            <p:txBody>
-              <a:bodyPr wrap="none" rtlCol="0">
-                <a:spAutoFit/>
-              </a:bodyPr>
-              <a:lstStyle/>
-              <a:p>
-                <a:pPr/>
-                <a14:m>
-                  <m:oMathPara xmlns:m="http://schemas.openxmlformats.org/officeDocument/2006/math">
-                    <m:oMathParaPr>
-                      <m:jc m:val="centerGroup"/>
-                    </m:oMathParaPr>
-                    <m:oMath xmlns:m="http://schemas.openxmlformats.org/officeDocument/2006/math">
-                      <m:r>
-                        <m:rPr>
-                          <m:sty m:val="p"/>
-                        </m:rPr>
-                        <a:rPr lang="en-US" altLang="ko-KR" b="0" i="0" smtClean="0">
-                          <a:latin typeface="Cambria Math" panose="02040503050406030204" pitchFamily="18" charset="0"/>
-                        </a:rPr>
-                        <m:t>Σ</m:t>
-                      </m:r>
-                      <m:r>
-                        <a:rPr lang="en-US" altLang="ko-KR" b="0" i="1" smtClean="0">
-                          <a:latin typeface="Cambria Math" panose="02040503050406030204" pitchFamily="18" charset="0"/>
-                        </a:rPr>
-                        <m:t>=</m:t>
-                      </m:r>
-                      <m:d>
-                        <m:dPr>
-                          <m:begChr m:val="["/>
-                          <m:endChr m:val="]"/>
-                          <m:ctrlPr>
-                            <a:rPr lang="en-US" altLang="ko-KR" i="1" smtClean="0">
-                              <a:latin typeface="Cambria Math" panose="02040503050406030204" pitchFamily="18" charset="0"/>
-                            </a:rPr>
-                          </m:ctrlPr>
-                        </m:dPr>
-                        <m:e>
-                          <m:m>
-                            <m:mPr>
-                              <m:mcs>
-                                <m:mc>
-                                  <m:mcPr>
-                                    <m:count m:val="2"/>
-                                    <m:mcJc m:val="center"/>
-                                  </m:mcPr>
-                                </m:mc>
-                              </m:mcs>
-                              <m:ctrlPr>
-                                <a:rPr lang="en-US" altLang="ko-KR" i="1" smtClean="0">
-                                  <a:latin typeface="Cambria Math" panose="02040503050406030204" pitchFamily="18" charset="0"/>
-                                </a:rPr>
-                              </m:ctrlPr>
-                            </m:mPr>
-                            <m:mr>
-                              <m:e>
-                                <m:r>
-                                  <m:rPr>
-                                    <m:brk m:alnAt="7"/>
-                                  </m:rPr>
-                                  <a:rPr lang="en-US" altLang="ko-KR" b="0" i="1" smtClean="0">
-                                    <a:latin typeface="Cambria Math" panose="02040503050406030204" pitchFamily="18" charset="0"/>
-                                  </a:rPr>
-                                  <m:t>1</m:t>
-                                </m:r>
-                              </m:e>
-                              <m:e>
-                                <m:r>
-                                  <a:rPr lang="en-US" altLang="ko-KR" b="0" i="1" smtClean="0">
-                                    <a:latin typeface="Cambria Math" panose="02040503050406030204" pitchFamily="18" charset="0"/>
-                                  </a:rPr>
-                                  <m:t>0</m:t>
-                                </m:r>
-                              </m:e>
-                            </m:mr>
-                            <m:mr>
-                              <m:e>
-                                <m:r>
-                                  <a:rPr lang="en-US" altLang="ko-KR" b="0" i="1" smtClean="0">
-                                    <a:latin typeface="Cambria Math" panose="02040503050406030204" pitchFamily="18" charset="0"/>
-                                  </a:rPr>
-                                  <m:t>0</m:t>
-                                </m:r>
-                              </m:e>
-                              <m:e>
-                                <m:r>
-                                  <a:rPr lang="en-US" altLang="ko-KR" b="0" i="1" smtClean="0">
-                                    <a:latin typeface="Cambria Math" panose="02040503050406030204" pitchFamily="18" charset="0"/>
-                                  </a:rPr>
-                                  <m:t>1</m:t>
-                                </m:r>
-                              </m:e>
-                            </m:mr>
-                          </m:m>
-                        </m:e>
-                      </m:d>
-                    </m:oMath>
-                  </m:oMathPara>
-                </a14:m>
-                <a:endParaRPr lang="ko-KR" altLang="en-US" dirty="0"/>
-              </a:p>
-            </p:txBody>
-          </p:sp>
-        </mc:Choice>
-        <mc:Fallback xmlns="">
-          <p:sp>
-            <p:nvSpPr>
-              <p:cNvPr id="11" name="TextBox 10">
-                <a:extLst>
-                  <a:ext uri="{FF2B5EF4-FFF2-40B4-BE49-F238E27FC236}">
-                    <a16:creationId xmlns:a16="http://schemas.microsoft.com/office/drawing/2014/main" id="{477CFC31-4529-A9CC-875B-060CDCD9D223}"/>
-                  </a:ext>
-                </a:extLst>
-              </p:cNvPr>
-              <p:cNvSpPr txBox="1">
-                <a:spLocks noRot="1" noChangeAspect="1" noMove="1" noResize="1" noEditPoints="1" noAdjustHandles="1" noChangeArrowheads="1" noChangeShapeType="1" noTextEdit="1"/>
-              </p:cNvSpPr>
-              <p:nvPr/>
-            </p:nvSpPr>
-            <p:spPr>
-              <a:xfrm>
-                <a:off x="9159340" y="1491777"/>
-                <a:ext cx="1350370" cy="554254"/>
-              </a:xfrm>
-              <a:prstGeom prst="rect">
-                <a:avLst/>
-              </a:prstGeom>
-              <a:blipFill>
-                <a:blip r:embed="rId4"/>
-                <a:stretch>
-                  <a:fillRect/>
-                </a:stretch>
-              </a:blipFill>
-            </p:spPr>
-            <p:txBody>
-              <a:bodyPr/>
-              <a:lstStyle/>
-              <a:p>
-                <a:r>
-                  <a:rPr lang="ko-KR" altLang="en-US">
-                    <a:noFill/>
-                  </a:rPr>
-                  <a:t> </a:t>
-                </a:r>
-              </a:p>
-            </p:txBody>
-          </p:sp>
-        </mc:Fallback>
-      </mc:AlternateContent>
-      <p:pic>
-        <p:nvPicPr>
-          <p:cNvPr id="3" name="그림 2">
-            <a:extLst>
-              <a:ext uri="{FF2B5EF4-FFF2-40B4-BE49-F238E27FC236}">
-                <a16:creationId xmlns:a16="http://schemas.microsoft.com/office/drawing/2014/main" id="{541412FE-2E25-2953-8C8D-253D51495EAA}"/>
-              </a:ext>
-            </a:extLst>
-          </p:cNvPr>
-          <p:cNvPicPr>
-            <a:picLocks noChangeAspect="1"/>
-          </p:cNvPicPr>
-          <p:nvPr/>
-        </p:nvPicPr>
-        <p:blipFill rotWithShape="1">
-          <a:blip r:embed="rId5"/>
-          <a:srcRect l="9961" r="64885"/>
-          <a:stretch/>
-        </p:blipFill>
-        <p:spPr>
-          <a:xfrm>
-            <a:off x="516913" y="2046031"/>
-            <a:ext cx="3711388" cy="2931458"/>
-          </a:xfrm>
-          <a:prstGeom prst="rect">
-            <a:avLst/>
-          </a:prstGeom>
-        </p:spPr>
-      </p:pic>
-      <p:pic>
-        <p:nvPicPr>
-          <p:cNvPr id="4" name="그림 3">
-            <a:extLst>
-              <a:ext uri="{FF2B5EF4-FFF2-40B4-BE49-F238E27FC236}">
-                <a16:creationId xmlns:a16="http://schemas.microsoft.com/office/drawing/2014/main" id="{17789A76-3388-BB69-9798-5D0284D3CC61}"/>
-              </a:ext>
-            </a:extLst>
-          </p:cNvPr>
-          <p:cNvPicPr>
-            <a:picLocks noChangeAspect="1"/>
-          </p:cNvPicPr>
-          <p:nvPr/>
-        </p:nvPicPr>
-        <p:blipFill rotWithShape="1">
-          <a:blip r:embed="rId5"/>
-          <a:srcRect l="38274" r="36572"/>
-          <a:stretch/>
-        </p:blipFill>
-        <p:spPr>
-          <a:xfrm>
-            <a:off x="4320986" y="2046031"/>
-            <a:ext cx="3711389" cy="2931458"/>
-          </a:xfrm>
-          <a:prstGeom prst="rect">
-            <a:avLst/>
-          </a:prstGeom>
-        </p:spPr>
-      </p:pic>
-      <p:pic>
-        <p:nvPicPr>
-          <p:cNvPr id="8" name="그림 7">
-            <a:extLst>
-              <a:ext uri="{FF2B5EF4-FFF2-40B4-BE49-F238E27FC236}">
-                <a16:creationId xmlns:a16="http://schemas.microsoft.com/office/drawing/2014/main" id="{A6ABF968-F618-1C60-410D-7396978C2E8E}"/>
-              </a:ext>
-            </a:extLst>
-          </p:cNvPr>
-          <p:cNvPicPr>
-            <a:picLocks noChangeAspect="1"/>
-          </p:cNvPicPr>
-          <p:nvPr/>
-        </p:nvPicPr>
-        <p:blipFill rotWithShape="1">
-          <a:blip r:embed="rId5"/>
-          <a:srcRect l="66587" r="8260"/>
-          <a:stretch/>
-        </p:blipFill>
-        <p:spPr>
-          <a:xfrm>
-            <a:off x="8134025" y="2046031"/>
-            <a:ext cx="3711389" cy="2931458"/>
-          </a:xfrm>
-          <a:prstGeom prst="rect">
-            <a:avLst/>
-          </a:prstGeom>
-        </p:spPr>
-      </p:pic>
-    </p:spTree>
-    <p:extLst>
-      <p:ext uri="{BB962C8B-B14F-4D97-AF65-F5344CB8AC3E}">
-        <p14:creationId xmlns:p14="http://schemas.microsoft.com/office/powerpoint/2010/main" val="1927841771"/>
-      </p:ext>
-    </p:extLst>
-  </p:cSld>
-  <p:clrMapOvr>
-    <a:masterClrMapping/>
-  </p:clrMapOvr>
-</p:sld>
-</file>
-
 <file path=ppt/slides/slide9.xml><?xml version="1.0" encoding="utf-8"?>
 <p:sld xmlns:a="http://schemas.openxmlformats.org/drawingml/2006/main" xmlns:r="http://schemas.openxmlformats.org/officeDocument/2006/relationships" xmlns:p="http://schemas.openxmlformats.org/presentationml/2006/main">
   <p:cSld>
@@ -16212,914 +21780,186 @@
           <a:chExt cx="0" cy="0"/>
         </a:xfrm>
       </p:grpSpPr>
-      <mc:AlternateContent xmlns:mc="http://schemas.openxmlformats.org/markup-compatibility/2006" xmlns:a14="http://schemas.microsoft.com/office/drawing/2010/main">
-        <mc:Choice Requires="a14">
-          <p:sp>
-            <p:nvSpPr>
-              <p:cNvPr id="4" name="TextBox 3">
-                <a:extLst>
-                  <a:ext uri="{FF2B5EF4-FFF2-40B4-BE49-F238E27FC236}">
-                    <a16:creationId xmlns:a16="http://schemas.microsoft.com/office/drawing/2014/main" id="{EA20A4FA-1370-36A5-BC8C-5A91D4CFAB25}"/>
-                  </a:ext>
-                </a:extLst>
-              </p:cNvPr>
-              <p:cNvSpPr txBox="1"/>
-              <p:nvPr/>
-            </p:nvSpPr>
-            <p:spPr>
-              <a:xfrm>
-                <a:off x="995020" y="1006713"/>
-                <a:ext cx="10201960" cy="4403963"/>
-              </a:xfrm>
-              <a:prstGeom prst="rect">
-                <a:avLst/>
-              </a:prstGeom>
-              <a:noFill/>
-            </p:spPr>
-            <p:txBody>
-              <a:bodyPr wrap="none" rtlCol="0">
-                <a:spAutoFit/>
-              </a:bodyPr>
-              <a:lstStyle/>
-              <a:p>
-                <a:pPr/>
-                <a14:m>
-                  <m:oMathPara xmlns:m="http://schemas.openxmlformats.org/officeDocument/2006/math">
-                    <m:oMathParaPr>
-                      <m:jc m:val="centerGroup"/>
-                    </m:oMathParaPr>
-                    <m:oMath xmlns:m="http://schemas.openxmlformats.org/officeDocument/2006/math">
-                      <m:d>
-                        <m:dPr>
-                          <m:begChr m:val="["/>
-                          <m:endChr m:val="]"/>
-                          <m:ctrlPr>
-                            <a:rPr lang="en-US" altLang="ko-KR" sz="16600" i="1" smtClean="0">
-                              <a:latin typeface="Cambria Math" panose="02040503050406030204" pitchFamily="18" charset="0"/>
-                            </a:rPr>
-                          </m:ctrlPr>
-                        </m:dPr>
-                        <m:e>
-                          <m:m>
-                            <m:mPr>
-                              <m:mcs>
-                                <m:mc>
-                                  <m:mcPr>
-                                    <m:count m:val="2"/>
-                                    <m:mcJc m:val="center"/>
-                                  </m:mcPr>
-                                </m:mc>
-                              </m:mcs>
-                              <m:ctrlPr>
-                                <a:rPr lang="en-US" altLang="ko-KR" sz="16600" i="1" smtClean="0">
-                                  <a:latin typeface="Cambria Math" panose="02040503050406030204" pitchFamily="18" charset="0"/>
-                                </a:rPr>
-                              </m:ctrlPr>
-                            </m:mPr>
-                            <m:mr>
-                              <m:e>
-                                <m:r>
-                                  <a:rPr lang="en-US" altLang="ko-KR" sz="16600" b="0" i="1" smtClean="0">
-                                    <a:latin typeface="Cambria Math" panose="02040503050406030204" pitchFamily="18" charset="0"/>
-                                  </a:rPr>
-                                  <m:t>1.0</m:t>
-                                </m:r>
-                              </m:e>
-                              <m:e>
-                                <m:r>
-                                  <a:rPr lang="en-US" altLang="ko-KR" sz="16600" b="0" i="1" smtClean="0">
-                                    <a:latin typeface="Cambria Math" panose="02040503050406030204" pitchFamily="18" charset="0"/>
-                                  </a:rPr>
-                                  <m:t>0.5</m:t>
-                                </m:r>
-                              </m:e>
-                            </m:mr>
-                            <m:mr>
-                              <m:e>
-                                <m:r>
-                                  <a:rPr lang="en-US" altLang="ko-KR" sz="16600" b="0" i="1" smtClean="0">
-                                    <a:latin typeface="Cambria Math" panose="02040503050406030204" pitchFamily="18" charset="0"/>
-                                  </a:rPr>
-                                  <m:t>0.5</m:t>
-                                </m:r>
-                              </m:e>
-                              <m:e>
-                                <m:r>
-                                  <a:rPr lang="en-US" altLang="ko-KR" sz="16600" b="0" i="1" smtClean="0">
-                                    <a:latin typeface="Cambria Math" panose="02040503050406030204" pitchFamily="18" charset="0"/>
-                                  </a:rPr>
-                                  <m:t>1.5</m:t>
-                                </m:r>
-                              </m:e>
-                            </m:mr>
-                          </m:m>
-                        </m:e>
-                      </m:d>
-                    </m:oMath>
-                  </m:oMathPara>
-                </a14:m>
-                <a:endParaRPr lang="ko-KR" altLang="en-US" sz="16600" dirty="0"/>
-              </a:p>
-            </p:txBody>
-          </p:sp>
-        </mc:Choice>
-        <mc:Fallback xmlns="">
-          <p:sp>
-            <p:nvSpPr>
-              <p:cNvPr id="4" name="TextBox 3">
-                <a:extLst>
-                  <a:ext uri="{FF2B5EF4-FFF2-40B4-BE49-F238E27FC236}">
-                    <a16:creationId xmlns:a16="http://schemas.microsoft.com/office/drawing/2014/main" id="{EA20A4FA-1370-36A5-BC8C-5A91D4CFAB25}"/>
-                  </a:ext>
-                </a:extLst>
-              </p:cNvPr>
-              <p:cNvSpPr txBox="1">
-                <a:spLocks noRot="1" noChangeAspect="1" noMove="1" noResize="1" noEditPoints="1" noAdjustHandles="1" noChangeArrowheads="1" noChangeShapeType="1" noTextEdit="1"/>
-              </p:cNvSpPr>
-              <p:nvPr/>
-            </p:nvSpPr>
-            <p:spPr>
-              <a:xfrm>
-                <a:off x="995020" y="1006713"/>
-                <a:ext cx="10201960" cy="4403963"/>
-              </a:xfrm>
-              <a:prstGeom prst="rect">
-                <a:avLst/>
-              </a:prstGeom>
-              <a:blipFill>
-                <a:blip r:embed="rId2"/>
-                <a:stretch>
-                  <a:fillRect/>
-                </a:stretch>
-              </a:blipFill>
-            </p:spPr>
-            <p:txBody>
-              <a:bodyPr/>
-              <a:lstStyle/>
-              <a:p>
-                <a:r>
-                  <a:rPr lang="ko-KR" altLang="en-US">
-                    <a:noFill/>
-                  </a:rPr>
-                  <a:t> </a:t>
-                </a:r>
-              </a:p>
-            </p:txBody>
-          </p:sp>
-        </mc:Fallback>
-      </mc:AlternateContent>
-      <p:sp>
-        <p:nvSpPr>
-          <p:cNvPr id="5" name="타원 4">
-            <a:extLst>
-              <a:ext uri="{FF2B5EF4-FFF2-40B4-BE49-F238E27FC236}">
-                <a16:creationId xmlns:a16="http://schemas.microsoft.com/office/drawing/2014/main" id="{E1CD52EA-212F-74C7-126C-E90157A0F364}"/>
-              </a:ext>
-            </a:extLst>
-          </p:cNvPr>
-          <p:cNvSpPr/>
+      <p:grpSp>
+        <p:nvGrpSpPr>
+          <p:cNvPr id="2" name="Group 1">
+            <a:extLst>
+              <a:ext uri="{FF2B5EF4-FFF2-40B4-BE49-F238E27FC236}">
+                <a16:creationId xmlns:a16="http://schemas.microsoft.com/office/drawing/2014/main" id="{88395F74-1838-532D-C30F-DFE7FA51E538}"/>
+              </a:ext>
+            </a:extLst>
+          </p:cNvPr>
+          <p:cNvGrpSpPr/>
           <p:nvPr/>
-        </p:nvSpPr>
+        </p:nvGrpSpPr>
+        <p:grpSpPr>
+          <a:xfrm>
+            <a:off x="5281739" y="2449031"/>
+            <a:ext cx="1628523" cy="1108303"/>
+            <a:chOff x="5393376" y="2449031"/>
+            <a:chExt cx="1628523" cy="1108303"/>
+          </a:xfrm>
+        </p:grpSpPr>
+        <p:sp>
+          <p:nvSpPr>
+            <p:cNvPr id="9" name="화살표: 오른쪽 8">
+              <a:extLst>
+                <a:ext uri="{FF2B5EF4-FFF2-40B4-BE49-F238E27FC236}">
+                  <a16:creationId xmlns:a16="http://schemas.microsoft.com/office/drawing/2014/main" id="{246D4A0D-60EA-EC71-8921-2FD90F9CBEFC}"/>
+                </a:ext>
+              </a:extLst>
+            </p:cNvPr>
+            <p:cNvSpPr/>
+            <p:nvPr/>
+          </p:nvSpPr>
+          <p:spPr>
+            <a:xfrm>
+              <a:off x="5740579" y="3095362"/>
+              <a:ext cx="932661" cy="461972"/>
+            </a:xfrm>
+            <a:prstGeom prst="rightArrow">
+              <a:avLst/>
+            </a:prstGeom>
+          </p:spPr>
+          <p:style>
+            <a:lnRef idx="2">
+              <a:schemeClr val="accent1">
+                <a:shade val="50000"/>
+              </a:schemeClr>
+            </a:lnRef>
+            <a:fillRef idx="1">
+              <a:schemeClr val="accent1"/>
+            </a:fillRef>
+            <a:effectRef idx="0">
+              <a:schemeClr val="accent1"/>
+            </a:effectRef>
+            <a:fontRef idx="minor">
+              <a:schemeClr val="lt1"/>
+            </a:fontRef>
+          </p:style>
+          <p:txBody>
+            <a:bodyPr rtlCol="0" anchor="ctr"/>
+            <a:lstStyle/>
+            <a:p>
+              <a:pPr algn="ctr"/>
+              <a:endParaRPr lang="ko-KR" altLang="en-US"/>
+            </a:p>
+          </p:txBody>
+        </p:sp>
+        <p:sp>
+          <p:nvSpPr>
+            <p:cNvPr id="10" name="TextBox 9">
+              <a:extLst>
+                <a:ext uri="{FF2B5EF4-FFF2-40B4-BE49-F238E27FC236}">
+                  <a16:creationId xmlns:a16="http://schemas.microsoft.com/office/drawing/2014/main" id="{F5807F8E-B2BF-A8AE-DC01-000E44D242CF}"/>
+                </a:ext>
+              </a:extLst>
+            </p:cNvPr>
+            <p:cNvSpPr txBox="1"/>
+            <p:nvPr/>
+          </p:nvSpPr>
+          <p:spPr>
+            <a:xfrm>
+              <a:off x="5393376" y="2449031"/>
+              <a:ext cx="1628523" cy="646331"/>
+            </a:xfrm>
+            <a:prstGeom prst="rect">
+              <a:avLst/>
+            </a:prstGeom>
+            <a:noFill/>
+          </p:spPr>
+          <p:txBody>
+            <a:bodyPr wrap="none" rtlCol="0">
+              <a:spAutoFit/>
+            </a:bodyPr>
+            <a:lstStyle/>
+            <a:p>
+              <a:pPr algn="ctr"/>
+              <a:r>
+                <a:rPr lang="en-US" altLang="ko-KR" dirty="0">
+                  <a:latin typeface="나눔스퀘어_ac" panose="020B0600000101010101" pitchFamily="50" charset="-127"/>
+                  <a:ea typeface="나눔스퀘어_ac" panose="020B0600000101010101" pitchFamily="50" charset="-127"/>
+                </a:rPr>
+                <a:t>“Normalizing”</a:t>
+              </a:r>
+            </a:p>
+            <a:p>
+              <a:pPr algn="ctr"/>
+              <a:r>
+                <a:rPr lang="en-US" altLang="ko-KR" dirty="0">
+                  <a:latin typeface="나눔스퀘어_ac" panose="020B0600000101010101" pitchFamily="50" charset="-127"/>
+                  <a:ea typeface="나눔스퀘어_ac" panose="020B0600000101010101" pitchFamily="50" charset="-127"/>
+                </a:rPr>
+                <a:t>the “Context”</a:t>
+              </a:r>
+            </a:p>
+          </p:txBody>
+        </p:sp>
+      </p:grpSp>
+      <p:pic>
+        <p:nvPicPr>
+          <p:cNvPr id="3" name="그림 2">
+            <a:extLst>
+              <a:ext uri="{FF2B5EF4-FFF2-40B4-BE49-F238E27FC236}">
+                <a16:creationId xmlns:a16="http://schemas.microsoft.com/office/drawing/2014/main" id="{C6A68BC7-3BAF-5B81-75E0-561A8EFBAA10}"/>
+              </a:ext>
+            </a:extLst>
+          </p:cNvPr>
+          <p:cNvPicPr>
+            <a:picLocks noChangeAspect="1"/>
+          </p:cNvPicPr>
+          <p:nvPr/>
+        </p:nvPicPr>
+        <p:blipFill>
+          <a:blip r:embed="rId2"/>
+          <a:stretch>
+            <a:fillRect/>
+          </a:stretch>
+        </p:blipFill>
         <p:spPr>
           <a:xfrm>
-            <a:off x="2008094" y="1006712"/>
-            <a:ext cx="3304686" cy="2340980"/>
+            <a:off x="270849" y="1386112"/>
+            <a:ext cx="4872126" cy="4085776"/>
           </a:xfrm>
-          <a:prstGeom prst="ellipse">
+          <a:prstGeom prst="rect">
             <a:avLst/>
           </a:prstGeom>
-          <a:noFill/>
-          <a:ln w="76200">
-            <a:solidFill>
-              <a:schemeClr val="accent1">
-                <a:lumMod val="60000"/>
-                <a:lumOff val="40000"/>
-              </a:schemeClr>
-            </a:solidFill>
-            <a:prstDash val="sysDash"/>
-          </a:ln>
         </p:spPr>
-        <p:style>
-          <a:lnRef idx="2">
-            <a:schemeClr val="accent1">
-              <a:shade val="50000"/>
-            </a:schemeClr>
-          </a:lnRef>
-          <a:fillRef idx="1">
-            <a:schemeClr val="accent1"/>
-          </a:fillRef>
-          <a:effectRef idx="0">
-            <a:schemeClr val="accent1"/>
-          </a:effectRef>
-          <a:fontRef idx="minor">
-            <a:schemeClr val="lt1"/>
-          </a:fontRef>
-        </p:style>
-        <p:txBody>
-          <a:bodyPr rtlCol="0" anchor="ctr"/>
-          <a:lstStyle/>
-          <a:p>
-            <a:pPr algn="ctr"/>
-            <a:endParaRPr lang="ko-KR" altLang="en-US"/>
-          </a:p>
-        </p:txBody>
-      </p:sp>
-      <mc:AlternateContent xmlns:mc="http://schemas.openxmlformats.org/markup-compatibility/2006" xmlns:a14="http://schemas.microsoft.com/office/drawing/2010/main">
-        <mc:Choice Requires="a14">
-          <p:sp>
-            <p:nvSpPr>
-              <p:cNvPr id="6" name="TextBox 5">
-                <a:extLst>
-                  <a:ext uri="{FF2B5EF4-FFF2-40B4-BE49-F238E27FC236}">
-                    <a16:creationId xmlns:a16="http://schemas.microsoft.com/office/drawing/2014/main" id="{06E1DF11-7442-1E17-8106-B241F168133D}"/>
-                  </a:ext>
-                </a:extLst>
-              </p:cNvPr>
-              <p:cNvSpPr txBox="1"/>
-              <p:nvPr/>
-            </p:nvSpPr>
-            <p:spPr>
-              <a:xfrm>
-                <a:off x="406927" y="483491"/>
-                <a:ext cx="3997889" cy="523220"/>
-              </a:xfrm>
-              <a:prstGeom prst="rect">
-                <a:avLst/>
-              </a:prstGeom>
-              <a:noFill/>
-            </p:spPr>
-            <p:txBody>
-              <a:bodyPr wrap="none" rtlCol="0">
-                <a:spAutoFit/>
-              </a:bodyPr>
-              <a:lstStyle/>
-              <a:p>
-                <a14:m>
-                  <m:oMath xmlns:m="http://schemas.openxmlformats.org/officeDocument/2006/math">
-                    <m:r>
-                      <a:rPr lang="en-US" altLang="ko-KR" sz="2800" i="1" dirty="0" smtClean="0">
-                        <a:solidFill>
-                          <a:schemeClr val="accent1">
-                            <a:lumMod val="75000"/>
-                          </a:schemeClr>
-                        </a:solidFill>
-                        <a:latin typeface="Cambria Math" panose="02040503050406030204" pitchFamily="18" charset="0"/>
-                        <a:ea typeface="KoPub돋움체 Bold" panose="00000800000000000000" pitchFamily="2" charset="-127"/>
-                      </a:rPr>
-                      <m:t>𝑥</m:t>
-                    </m:r>
-                  </m:oMath>
-                </a14:m>
-                <a:r>
-                  <a:rPr lang="ko-KR" altLang="en-US" sz="2800" dirty="0">
-                    <a:solidFill>
-                      <a:schemeClr val="accent1">
-                        <a:lumMod val="75000"/>
-                      </a:schemeClr>
-                    </a:solidFill>
-                    <a:latin typeface="KoPub돋움체 Bold" panose="00000800000000000000" pitchFamily="2" charset="-127"/>
-                    <a:ea typeface="KoPub돋움체 Bold" panose="00000800000000000000" pitchFamily="2" charset="-127"/>
-                  </a:rPr>
-                  <a:t>축 방향으로 퍼진 정도</a:t>
-                </a:r>
-              </a:p>
-            </p:txBody>
-          </p:sp>
-        </mc:Choice>
-        <mc:Fallback xmlns="">
-          <p:sp>
-            <p:nvSpPr>
-              <p:cNvPr id="6" name="TextBox 5">
-                <a:extLst>
-                  <a:ext uri="{FF2B5EF4-FFF2-40B4-BE49-F238E27FC236}">
-                    <a16:creationId xmlns:a16="http://schemas.microsoft.com/office/drawing/2014/main" id="{06E1DF11-7442-1E17-8106-B241F168133D}"/>
-                  </a:ext>
-                </a:extLst>
-              </p:cNvPr>
-              <p:cNvSpPr txBox="1">
-                <a:spLocks noRot="1" noChangeAspect="1" noMove="1" noResize="1" noEditPoints="1" noAdjustHandles="1" noChangeArrowheads="1" noChangeShapeType="1" noTextEdit="1"/>
-              </p:cNvSpPr>
-              <p:nvPr/>
-            </p:nvSpPr>
-            <p:spPr>
-              <a:xfrm>
-                <a:off x="406927" y="483491"/>
-                <a:ext cx="3997889" cy="523220"/>
-              </a:xfrm>
-              <a:prstGeom prst="rect">
-                <a:avLst/>
-              </a:prstGeom>
-              <a:blipFill>
-                <a:blip r:embed="rId3"/>
-                <a:stretch>
-                  <a:fillRect t="-11628" r="-1982" b="-31395"/>
-                </a:stretch>
-              </a:blipFill>
-            </p:spPr>
-            <p:txBody>
-              <a:bodyPr/>
-              <a:lstStyle/>
-              <a:p>
-                <a:r>
-                  <a:rPr lang="ko-KR" altLang="en-US">
-                    <a:noFill/>
-                  </a:rPr>
-                  <a:t> </a:t>
-                </a:r>
-              </a:p>
-            </p:txBody>
-          </p:sp>
-        </mc:Fallback>
-      </mc:AlternateContent>
-      <p:sp>
-        <p:nvSpPr>
-          <p:cNvPr id="7" name="타원 6">
-            <a:extLst>
-              <a:ext uri="{FF2B5EF4-FFF2-40B4-BE49-F238E27FC236}">
-                <a16:creationId xmlns:a16="http://schemas.microsoft.com/office/drawing/2014/main" id="{E3BBD6BE-A884-EBBD-31A1-BD30FF97F4B8}"/>
-              </a:ext>
-            </a:extLst>
-          </p:cNvPr>
-          <p:cNvSpPr/>
+      </p:pic>
+      <p:pic>
+        <p:nvPicPr>
+          <p:cNvPr id="6" name="그림 5">
+            <a:extLst>
+              <a:ext uri="{FF2B5EF4-FFF2-40B4-BE49-F238E27FC236}">
+                <a16:creationId xmlns:a16="http://schemas.microsoft.com/office/drawing/2014/main" id="{49F555DD-2C09-6E1C-CCE9-A28678C0FCFE}"/>
+              </a:ext>
+            </a:extLst>
+          </p:cNvPr>
+          <p:cNvPicPr>
+            <a:picLocks noChangeAspect="1"/>
+          </p:cNvPicPr>
           <p:nvPr/>
-        </p:nvSpPr>
+        </p:nvPicPr>
+        <p:blipFill>
+          <a:blip r:embed="rId3"/>
+          <a:stretch>
+            <a:fillRect/>
+          </a:stretch>
+        </p:blipFill>
         <p:spPr>
           <a:xfrm>
-            <a:off x="6913947" y="3428716"/>
-            <a:ext cx="3180312" cy="2340980"/>
+            <a:off x="7047570" y="1386112"/>
+            <a:ext cx="4855912" cy="4085776"/>
           </a:xfrm>
-          <a:prstGeom prst="ellipse">
+          <a:prstGeom prst="rect">
             <a:avLst/>
           </a:prstGeom>
-          <a:noFill/>
-          <a:ln w="76200">
-            <a:solidFill>
-              <a:schemeClr val="accent2">
-                <a:lumMod val="60000"/>
-                <a:lumOff val="40000"/>
-              </a:schemeClr>
-            </a:solidFill>
-            <a:prstDash val="sysDash"/>
-          </a:ln>
         </p:spPr>
-        <p:style>
-          <a:lnRef idx="2">
-            <a:schemeClr val="accent1">
-              <a:shade val="50000"/>
-            </a:schemeClr>
-          </a:lnRef>
-          <a:fillRef idx="1">
-            <a:schemeClr val="accent1"/>
-          </a:fillRef>
-          <a:effectRef idx="0">
-            <a:schemeClr val="accent1"/>
-          </a:effectRef>
-          <a:fontRef idx="minor">
-            <a:schemeClr val="lt1"/>
-          </a:fontRef>
-        </p:style>
-        <p:txBody>
-          <a:bodyPr rtlCol="0" anchor="ctr"/>
-          <a:lstStyle/>
-          <a:p>
-            <a:pPr algn="ctr"/>
-            <a:endParaRPr lang="ko-KR" altLang="en-US"/>
-          </a:p>
-        </p:txBody>
-      </p:sp>
-      <p:sp>
-        <p:nvSpPr>
-          <p:cNvPr id="9" name="타원 8">
-            <a:extLst>
-              <a:ext uri="{FF2B5EF4-FFF2-40B4-BE49-F238E27FC236}">
-                <a16:creationId xmlns:a16="http://schemas.microsoft.com/office/drawing/2014/main" id="{D045BFA4-A794-1C82-8C5B-35AEF22ABC5B}"/>
-              </a:ext>
-            </a:extLst>
-          </p:cNvPr>
-          <p:cNvSpPr/>
-          <p:nvPr/>
-        </p:nvSpPr>
-        <p:spPr>
-          <a:xfrm>
-            <a:off x="6913947" y="1006711"/>
-            <a:ext cx="3180312" cy="2340980"/>
-          </a:xfrm>
-          <a:prstGeom prst="ellipse">
-            <a:avLst/>
-          </a:prstGeom>
-          <a:noFill/>
-          <a:ln w="76200">
-            <a:solidFill>
-              <a:schemeClr val="accent6">
-                <a:lumMod val="60000"/>
-                <a:lumOff val="40000"/>
-              </a:schemeClr>
-            </a:solidFill>
-            <a:prstDash val="sysDash"/>
-          </a:ln>
-        </p:spPr>
-        <p:style>
-          <a:lnRef idx="2">
-            <a:schemeClr val="accent1">
-              <a:shade val="50000"/>
-            </a:schemeClr>
-          </a:lnRef>
-          <a:fillRef idx="1">
-            <a:schemeClr val="accent1"/>
-          </a:fillRef>
-          <a:effectRef idx="0">
-            <a:schemeClr val="accent1"/>
-          </a:effectRef>
-          <a:fontRef idx="minor">
-            <a:schemeClr val="lt1"/>
-          </a:fontRef>
-        </p:style>
-        <p:txBody>
-          <a:bodyPr rtlCol="0" anchor="ctr"/>
-          <a:lstStyle/>
-          <a:p>
-            <a:pPr algn="ctr"/>
-            <a:endParaRPr lang="ko-KR" altLang="en-US"/>
-          </a:p>
-        </p:txBody>
-      </p:sp>
-      <p:sp>
-        <p:nvSpPr>
-          <p:cNvPr id="10" name="타원 9">
-            <a:extLst>
-              <a:ext uri="{FF2B5EF4-FFF2-40B4-BE49-F238E27FC236}">
-                <a16:creationId xmlns:a16="http://schemas.microsoft.com/office/drawing/2014/main" id="{CC2873EF-5BCC-DC41-464B-6EAB8498F846}"/>
-              </a:ext>
-            </a:extLst>
-          </p:cNvPr>
-          <p:cNvSpPr/>
-          <p:nvPr/>
-        </p:nvSpPr>
-        <p:spPr>
-          <a:xfrm>
-            <a:off x="2008094" y="3428716"/>
-            <a:ext cx="3304686" cy="2340980"/>
-          </a:xfrm>
-          <a:prstGeom prst="ellipse">
-            <a:avLst/>
-          </a:prstGeom>
-          <a:noFill/>
-          <a:ln w="76200">
-            <a:solidFill>
-              <a:schemeClr val="accent6">
-                <a:lumMod val="60000"/>
-                <a:lumOff val="40000"/>
-              </a:schemeClr>
-            </a:solidFill>
-            <a:prstDash val="sysDash"/>
-          </a:ln>
-        </p:spPr>
-        <p:style>
-          <a:lnRef idx="2">
-            <a:schemeClr val="accent1">
-              <a:shade val="50000"/>
-            </a:schemeClr>
-          </a:lnRef>
-          <a:fillRef idx="1">
-            <a:schemeClr val="accent1"/>
-          </a:fillRef>
-          <a:effectRef idx="0">
-            <a:schemeClr val="accent1"/>
-          </a:effectRef>
-          <a:fontRef idx="minor">
-            <a:schemeClr val="lt1"/>
-          </a:fontRef>
-        </p:style>
-        <p:txBody>
-          <a:bodyPr rtlCol="0" anchor="ctr"/>
-          <a:lstStyle/>
-          <a:p>
-            <a:pPr algn="ctr"/>
-            <a:endParaRPr lang="ko-KR" altLang="en-US"/>
-          </a:p>
-        </p:txBody>
-      </p:sp>
-      <mc:AlternateContent xmlns:mc="http://schemas.openxmlformats.org/markup-compatibility/2006" xmlns:a14="http://schemas.microsoft.com/office/drawing/2010/main">
-        <mc:Choice Requires="a14">
-          <p:sp>
-            <p:nvSpPr>
-              <p:cNvPr id="12" name="TextBox 11">
-                <a:extLst>
-                  <a:ext uri="{FF2B5EF4-FFF2-40B4-BE49-F238E27FC236}">
-                    <a16:creationId xmlns:a16="http://schemas.microsoft.com/office/drawing/2014/main" id="{893D3FDE-652A-FB73-8C82-D09CF3614CA4}"/>
-                  </a:ext>
-                </a:extLst>
-              </p:cNvPr>
-              <p:cNvSpPr txBox="1"/>
-              <p:nvPr/>
-            </p:nvSpPr>
-            <p:spPr>
-              <a:xfrm>
-                <a:off x="396084" y="5635845"/>
-                <a:ext cx="2648417" cy="954107"/>
-              </a:xfrm>
-              <a:prstGeom prst="rect">
-                <a:avLst/>
-              </a:prstGeom>
-              <a:noFill/>
-            </p:spPr>
-            <p:txBody>
-              <a:bodyPr wrap="none" rtlCol="0">
-                <a:spAutoFit/>
-              </a:bodyPr>
-              <a:lstStyle/>
-              <a:p>
-                <a14:m>
-                  <m:oMath xmlns:m="http://schemas.openxmlformats.org/officeDocument/2006/math">
-                    <m:r>
-                      <a:rPr lang="en-US" altLang="ko-KR" sz="2800" i="1" dirty="0" smtClean="0">
-                        <a:solidFill>
-                          <a:schemeClr val="accent6">
-                            <a:lumMod val="75000"/>
-                          </a:schemeClr>
-                        </a:solidFill>
-                        <a:latin typeface="Cambria Math" panose="02040503050406030204" pitchFamily="18" charset="0"/>
-                        <a:ea typeface="KoPub돋움체 Bold" panose="00000800000000000000" pitchFamily="2" charset="-127"/>
-                      </a:rPr>
-                      <m:t>𝑥</m:t>
-                    </m:r>
-                    <m:r>
-                      <a:rPr lang="en-US" altLang="ko-KR" sz="2800" i="1" dirty="0" smtClean="0">
-                        <a:solidFill>
-                          <a:schemeClr val="accent6">
-                            <a:lumMod val="75000"/>
-                          </a:schemeClr>
-                        </a:solidFill>
-                        <a:latin typeface="Cambria Math" panose="02040503050406030204" pitchFamily="18" charset="0"/>
-                        <a:ea typeface="KoPub돋움체 Bold" panose="00000800000000000000" pitchFamily="2" charset="-127"/>
-                      </a:rPr>
-                      <m:t>, </m:t>
-                    </m:r>
-                    <m:r>
-                      <a:rPr lang="en-US" altLang="ko-KR" sz="2800" i="1" dirty="0" smtClean="0">
-                        <a:solidFill>
-                          <a:schemeClr val="accent6">
-                            <a:lumMod val="75000"/>
-                          </a:schemeClr>
-                        </a:solidFill>
-                        <a:latin typeface="Cambria Math" panose="02040503050406030204" pitchFamily="18" charset="0"/>
-                        <a:ea typeface="KoPub돋움체 Bold" panose="00000800000000000000" pitchFamily="2" charset="-127"/>
-                      </a:rPr>
-                      <m:t>𝑦</m:t>
-                    </m:r>
-                  </m:oMath>
-                </a14:m>
-                <a:r>
-                  <a:rPr lang="ko-KR" altLang="en-US" sz="2800" dirty="0">
-                    <a:solidFill>
-                      <a:schemeClr val="accent6">
-                        <a:lumMod val="75000"/>
-                      </a:schemeClr>
-                    </a:solidFill>
-                    <a:latin typeface="KoPub돋움체 Bold" panose="00000800000000000000" pitchFamily="2" charset="-127"/>
-                    <a:ea typeface="KoPub돋움체 Bold" panose="00000800000000000000" pitchFamily="2" charset="-127"/>
-                  </a:rPr>
-                  <a:t>축 방향으로</a:t>
-                </a:r>
-                <a:endParaRPr lang="en-US" altLang="ko-KR" sz="2800" dirty="0">
-                  <a:solidFill>
-                    <a:schemeClr val="accent6">
-                      <a:lumMod val="75000"/>
-                    </a:schemeClr>
-                  </a:solidFill>
-                  <a:latin typeface="KoPub돋움체 Bold" panose="00000800000000000000" pitchFamily="2" charset="-127"/>
-                  <a:ea typeface="KoPub돋움체 Bold" panose="00000800000000000000" pitchFamily="2" charset="-127"/>
-                </a:endParaRPr>
-              </a:p>
-              <a:p>
-                <a:r>
-                  <a:rPr lang="ko-KR" altLang="en-US" sz="2800" dirty="0">
-                    <a:solidFill>
-                      <a:schemeClr val="accent6">
-                        <a:lumMod val="75000"/>
-                      </a:schemeClr>
-                    </a:solidFill>
-                    <a:latin typeface="KoPub돋움체 Bold" panose="00000800000000000000" pitchFamily="2" charset="-127"/>
-                    <a:ea typeface="KoPub돋움체 Bold" panose="00000800000000000000" pitchFamily="2" charset="-127"/>
-                  </a:rPr>
-                  <a:t>함께 퍼진 정도</a:t>
-                </a:r>
-              </a:p>
-            </p:txBody>
-          </p:sp>
-        </mc:Choice>
-        <mc:Fallback xmlns="">
-          <p:sp>
-            <p:nvSpPr>
-              <p:cNvPr id="12" name="TextBox 11">
-                <a:extLst>
-                  <a:ext uri="{FF2B5EF4-FFF2-40B4-BE49-F238E27FC236}">
-                    <a16:creationId xmlns:a16="http://schemas.microsoft.com/office/drawing/2014/main" id="{893D3FDE-652A-FB73-8C82-D09CF3614CA4}"/>
-                  </a:ext>
-                </a:extLst>
-              </p:cNvPr>
-              <p:cNvSpPr txBox="1">
-                <a:spLocks noRot="1" noChangeAspect="1" noMove="1" noResize="1" noEditPoints="1" noAdjustHandles="1" noChangeArrowheads="1" noChangeShapeType="1" noTextEdit="1"/>
-              </p:cNvSpPr>
-              <p:nvPr/>
-            </p:nvSpPr>
-            <p:spPr>
-              <a:xfrm>
-                <a:off x="396084" y="5635845"/>
-                <a:ext cx="2648417" cy="954107"/>
-              </a:xfrm>
-              <a:prstGeom prst="rect">
-                <a:avLst/>
-              </a:prstGeom>
-              <a:blipFill>
-                <a:blip r:embed="rId4"/>
-                <a:stretch>
-                  <a:fillRect l="-4839" t="-7051" r="-3456" b="-17308"/>
-                </a:stretch>
-              </a:blipFill>
-            </p:spPr>
-            <p:txBody>
-              <a:bodyPr/>
-              <a:lstStyle/>
-              <a:p>
-                <a:r>
-                  <a:rPr lang="ko-KR" altLang="en-US">
-                    <a:noFill/>
-                  </a:rPr>
-                  <a:t> </a:t>
-                </a:r>
-              </a:p>
-            </p:txBody>
-          </p:sp>
-        </mc:Fallback>
-      </mc:AlternateContent>
-      <mc:AlternateContent xmlns:mc="http://schemas.openxmlformats.org/markup-compatibility/2006" xmlns:a14="http://schemas.microsoft.com/office/drawing/2010/main">
-        <mc:Choice Requires="a14">
-          <p:sp>
-            <p:nvSpPr>
-              <p:cNvPr id="8" name="TextBox 7">
-                <a:extLst>
-                  <a:ext uri="{FF2B5EF4-FFF2-40B4-BE49-F238E27FC236}">
-                    <a16:creationId xmlns:a16="http://schemas.microsoft.com/office/drawing/2014/main" id="{33DF3E9B-15B5-F2E5-6B31-876ABD74294A}"/>
-                  </a:ext>
-                </a:extLst>
-              </p:cNvPr>
-              <p:cNvSpPr txBox="1"/>
-              <p:nvPr/>
-            </p:nvSpPr>
-            <p:spPr>
-              <a:xfrm>
-                <a:off x="7707580" y="5739227"/>
-                <a:ext cx="4088336" cy="523220"/>
-              </a:xfrm>
-              <a:prstGeom prst="rect">
-                <a:avLst/>
-              </a:prstGeom>
-              <a:noFill/>
-            </p:spPr>
-            <p:txBody>
-              <a:bodyPr wrap="square" rtlCol="0">
-                <a:spAutoFit/>
-              </a:bodyPr>
-              <a:lstStyle/>
-              <a:p>
-                <a14:m>
-                  <m:oMath xmlns:m="http://schemas.openxmlformats.org/officeDocument/2006/math">
-                    <m:r>
-                      <a:rPr lang="en-US" altLang="ko-KR" sz="2800" i="1" dirty="0" smtClean="0">
-                        <a:solidFill>
-                          <a:schemeClr val="accent2">
-                            <a:lumMod val="75000"/>
-                          </a:schemeClr>
-                        </a:solidFill>
-                        <a:latin typeface="Cambria Math" panose="02040503050406030204" pitchFamily="18" charset="0"/>
-                        <a:ea typeface="KoPub돋움체 Bold" panose="00000800000000000000" pitchFamily="2" charset="-127"/>
-                      </a:rPr>
-                      <m:t>𝑦</m:t>
-                    </m:r>
-                  </m:oMath>
-                </a14:m>
-                <a:r>
-                  <a:rPr lang="ko-KR" altLang="en-US" sz="2800" dirty="0">
-                    <a:solidFill>
-                      <a:schemeClr val="accent2">
-                        <a:lumMod val="75000"/>
-                      </a:schemeClr>
-                    </a:solidFill>
-                    <a:latin typeface="KoPub돋움체 Bold" panose="00000800000000000000" pitchFamily="2" charset="-127"/>
-                    <a:ea typeface="KoPub돋움체 Bold" panose="00000800000000000000" pitchFamily="2" charset="-127"/>
-                  </a:rPr>
-                  <a:t>축 방향으로 퍼진 정도</a:t>
-                </a:r>
-              </a:p>
-            </p:txBody>
-          </p:sp>
-        </mc:Choice>
-        <mc:Fallback xmlns="">
-          <p:sp>
-            <p:nvSpPr>
-              <p:cNvPr id="8" name="TextBox 7">
-                <a:extLst>
-                  <a:ext uri="{FF2B5EF4-FFF2-40B4-BE49-F238E27FC236}">
-                    <a16:creationId xmlns:a16="http://schemas.microsoft.com/office/drawing/2014/main" id="{33DF3E9B-15B5-F2E5-6B31-876ABD74294A}"/>
-                  </a:ext>
-                </a:extLst>
-              </p:cNvPr>
-              <p:cNvSpPr txBox="1">
-                <a:spLocks noRot="1" noChangeAspect="1" noMove="1" noResize="1" noEditPoints="1" noAdjustHandles="1" noChangeArrowheads="1" noChangeShapeType="1" noTextEdit="1"/>
-              </p:cNvSpPr>
-              <p:nvPr/>
-            </p:nvSpPr>
-            <p:spPr>
-              <a:xfrm>
-                <a:off x="7707580" y="5739227"/>
-                <a:ext cx="4088336" cy="523220"/>
-              </a:xfrm>
-              <a:prstGeom prst="rect">
-                <a:avLst/>
-              </a:prstGeom>
-              <a:blipFill>
-                <a:blip r:embed="rId5"/>
-                <a:stretch>
-                  <a:fillRect t="-11628" b="-31395"/>
-                </a:stretch>
-              </a:blipFill>
-            </p:spPr>
-            <p:txBody>
-              <a:bodyPr/>
-              <a:lstStyle/>
-              <a:p>
-                <a:r>
-                  <a:rPr lang="ko-KR" altLang="en-US">
-                    <a:noFill/>
-                  </a:rPr>
-                  <a:t> </a:t>
-                </a:r>
-              </a:p>
-            </p:txBody>
-          </p:sp>
-        </mc:Fallback>
-      </mc:AlternateContent>
-      <mc:AlternateContent xmlns:mc="http://schemas.openxmlformats.org/markup-compatibility/2006" xmlns:a14="http://schemas.microsoft.com/office/drawing/2010/main">
-        <mc:Choice Requires="a14">
-          <p:sp>
-            <p:nvSpPr>
-              <p:cNvPr id="11" name="TextBox 10">
-                <a:extLst>
-                  <a:ext uri="{FF2B5EF4-FFF2-40B4-BE49-F238E27FC236}">
-                    <a16:creationId xmlns:a16="http://schemas.microsoft.com/office/drawing/2014/main" id="{BC193A1E-0681-9D71-0EBE-5100FDC2D610}"/>
-                  </a:ext>
-                </a:extLst>
-              </p:cNvPr>
-              <p:cNvSpPr txBox="1"/>
-              <p:nvPr/>
-            </p:nvSpPr>
-            <p:spPr>
-              <a:xfrm>
-                <a:off x="8849857" y="268047"/>
-                <a:ext cx="2845569" cy="954107"/>
-              </a:xfrm>
-              <a:prstGeom prst="rect">
-                <a:avLst/>
-              </a:prstGeom>
-              <a:noFill/>
-            </p:spPr>
-            <p:txBody>
-              <a:bodyPr wrap="square" rtlCol="0">
-                <a:spAutoFit/>
-              </a:bodyPr>
-              <a:lstStyle/>
-              <a:p>
-                <a:pPr algn="r"/>
-                <a14:m>
-                  <m:oMath xmlns:m="http://schemas.openxmlformats.org/officeDocument/2006/math">
-                    <m:r>
-                      <a:rPr lang="en-US" altLang="ko-KR" sz="2800" i="1" dirty="0" smtClean="0">
-                        <a:solidFill>
-                          <a:schemeClr val="accent6">
-                            <a:lumMod val="75000"/>
-                          </a:schemeClr>
-                        </a:solidFill>
-                        <a:latin typeface="Cambria Math" panose="02040503050406030204" pitchFamily="18" charset="0"/>
-                        <a:ea typeface="KoPub돋움체 Bold" panose="00000800000000000000" pitchFamily="2" charset="-127"/>
-                      </a:rPr>
-                      <m:t>𝑥</m:t>
-                    </m:r>
-                    <m:r>
-                      <a:rPr lang="en-US" altLang="ko-KR" sz="2800" i="1" dirty="0" smtClean="0">
-                        <a:solidFill>
-                          <a:schemeClr val="accent6">
-                            <a:lumMod val="75000"/>
-                          </a:schemeClr>
-                        </a:solidFill>
-                        <a:latin typeface="Cambria Math" panose="02040503050406030204" pitchFamily="18" charset="0"/>
-                        <a:ea typeface="KoPub돋움체 Bold" panose="00000800000000000000" pitchFamily="2" charset="-127"/>
-                      </a:rPr>
-                      <m:t>, </m:t>
-                    </m:r>
-                    <m:r>
-                      <a:rPr lang="en-US" altLang="ko-KR" sz="2800" i="1" dirty="0" smtClean="0">
-                        <a:solidFill>
-                          <a:schemeClr val="accent6">
-                            <a:lumMod val="75000"/>
-                          </a:schemeClr>
-                        </a:solidFill>
-                        <a:latin typeface="Cambria Math" panose="02040503050406030204" pitchFamily="18" charset="0"/>
-                        <a:ea typeface="KoPub돋움체 Bold" panose="00000800000000000000" pitchFamily="2" charset="-127"/>
-                      </a:rPr>
-                      <m:t>𝑦</m:t>
-                    </m:r>
-                  </m:oMath>
-                </a14:m>
-                <a:r>
-                  <a:rPr lang="ko-KR" altLang="en-US" sz="2800" dirty="0">
-                    <a:solidFill>
-                      <a:schemeClr val="accent6">
-                        <a:lumMod val="75000"/>
-                      </a:schemeClr>
-                    </a:solidFill>
-                    <a:latin typeface="KoPub돋움체 Bold" panose="00000800000000000000" pitchFamily="2" charset="-127"/>
-                    <a:ea typeface="KoPub돋움체 Bold" panose="00000800000000000000" pitchFamily="2" charset="-127"/>
-                  </a:rPr>
-                  <a:t>축 방향으로</a:t>
-                </a:r>
-                <a:endParaRPr lang="en-US" altLang="ko-KR" sz="2800" dirty="0">
-                  <a:solidFill>
-                    <a:schemeClr val="accent6">
-                      <a:lumMod val="75000"/>
-                    </a:schemeClr>
-                  </a:solidFill>
-                  <a:latin typeface="KoPub돋움체 Bold" panose="00000800000000000000" pitchFamily="2" charset="-127"/>
-                  <a:ea typeface="KoPub돋움체 Bold" panose="00000800000000000000" pitchFamily="2" charset="-127"/>
-                </a:endParaRPr>
-              </a:p>
-              <a:p>
-                <a:pPr algn="r"/>
-                <a:r>
-                  <a:rPr lang="ko-KR" altLang="en-US" sz="2800" dirty="0">
-                    <a:solidFill>
-                      <a:schemeClr val="accent6">
-                        <a:lumMod val="75000"/>
-                      </a:schemeClr>
-                    </a:solidFill>
-                    <a:latin typeface="KoPub돋움체 Bold" panose="00000800000000000000" pitchFamily="2" charset="-127"/>
-                    <a:ea typeface="KoPub돋움체 Bold" panose="00000800000000000000" pitchFamily="2" charset="-127"/>
-                  </a:rPr>
-                  <a:t>함께 퍼진 정도</a:t>
-                </a:r>
-              </a:p>
-            </p:txBody>
-          </p:sp>
-        </mc:Choice>
-        <mc:Fallback xmlns="">
-          <p:sp>
-            <p:nvSpPr>
-              <p:cNvPr id="11" name="TextBox 10">
-                <a:extLst>
-                  <a:ext uri="{FF2B5EF4-FFF2-40B4-BE49-F238E27FC236}">
-                    <a16:creationId xmlns:a16="http://schemas.microsoft.com/office/drawing/2014/main" id="{BC193A1E-0681-9D71-0EBE-5100FDC2D610}"/>
-                  </a:ext>
-                </a:extLst>
-              </p:cNvPr>
-              <p:cNvSpPr txBox="1">
-                <a:spLocks noRot="1" noChangeAspect="1" noMove="1" noResize="1" noEditPoints="1" noAdjustHandles="1" noChangeArrowheads="1" noChangeShapeType="1" noTextEdit="1"/>
-              </p:cNvSpPr>
-              <p:nvPr/>
-            </p:nvSpPr>
-            <p:spPr>
-              <a:xfrm>
-                <a:off x="8849857" y="268047"/>
-                <a:ext cx="2845569" cy="954107"/>
-              </a:xfrm>
-              <a:prstGeom prst="rect">
-                <a:avLst/>
-              </a:prstGeom>
-              <a:blipFill>
-                <a:blip r:embed="rId6"/>
-                <a:stretch>
-                  <a:fillRect t="-7051" r="-4283" b="-17308"/>
-                </a:stretch>
-              </a:blipFill>
-            </p:spPr>
-            <p:txBody>
-              <a:bodyPr/>
-              <a:lstStyle/>
-              <a:p>
-                <a:r>
-                  <a:rPr lang="ko-KR" altLang="en-US">
-                    <a:noFill/>
-                  </a:rPr>
-                  <a:t> </a:t>
-                </a:r>
-              </a:p>
-            </p:txBody>
-          </p:sp>
-        </mc:Fallback>
-      </mc:AlternateContent>
+      </p:pic>
     </p:spTree>
     <p:extLst>
       <p:ext uri="{BB962C8B-B14F-4D97-AF65-F5344CB8AC3E}">
-        <p14:creationId xmlns:p14="http://schemas.microsoft.com/office/powerpoint/2010/main" val="2574305871"/>
+        <p14:creationId xmlns:p14="http://schemas.microsoft.com/office/powerpoint/2010/main" val="2985175889"/>
       </p:ext>
     </p:extLst>
   </p:cSld>
